--- a/03_mc_advanced/simulation03.pptx
+++ b/03_mc_advanced/simulation03.pptx
@@ -5,7 +5,7 @@
     <p:sldMasterId id="2147483665" r:id="rId1"/>
   </p:sldMasterIdLst>
   <p:notesMasterIdLst>
-    <p:notesMasterId r:id="rId18"/>
+    <p:notesMasterId r:id="rId26"/>
   </p:notesMasterIdLst>
   <p:sldIdLst>
     <p:sldId id="256" r:id="rId2"/>
@@ -24,6 +24,14 @@
     <p:sldId id="351" r:id="rId15"/>
     <p:sldId id="352" r:id="rId16"/>
     <p:sldId id="353" r:id="rId17"/>
+    <p:sldId id="354" r:id="rId18"/>
+    <p:sldId id="355" r:id="rId19"/>
+    <p:sldId id="356" r:id="rId20"/>
+    <p:sldId id="357" r:id="rId21"/>
+    <p:sldId id="358" r:id="rId22"/>
+    <p:sldId id="359" r:id="rId23"/>
+    <p:sldId id="360" r:id="rId24"/>
+    <p:sldId id="361" r:id="rId25"/>
   </p:sldIdLst>
   <p:sldSz cx="9144000" cy="6858000" type="screen4x3"/>
   <p:notesSz cx="6858000" cy="9144000"/>
@@ -234,7 +242,7 @@
           </a:lstStyle>
           <a:p>
             <a:fld id="{6B8D1B20-A248-FB47-8240-73C0C5F47C9D}" type="datetimeFigureOut">
-              <a:t>2022/4/5</a:t>
+              <a:t>2022/4/6</a:t>
             </a:fld>
             <a:endParaRPr kumimoji="1" lang="ja-JP" altLang="en-US"/>
           </a:p>
@@ -582,6 +590,174 @@
     <p:extLst>
       <p:ext uri="{BB962C8B-B14F-4D97-AF65-F5344CB8AC3E}">
         <p14:creationId xmlns:p14="http://schemas.microsoft.com/office/powerpoint/2010/main" val="3302181402"/>
+      </p:ext>
+    </p:extLst>
+  </p:cSld>
+  <p:clrMapOvr>
+    <a:masterClrMapping/>
+  </p:clrMapOvr>
+</p:notes>
+</file>
+
+<file path=ppt/notesSlides/notesSlide2.xml><?xml version="1.0" encoding="utf-8"?>
+<p:notes xmlns:a="http://schemas.openxmlformats.org/drawingml/2006/main" xmlns:r="http://schemas.openxmlformats.org/officeDocument/2006/relationships" xmlns:p="http://schemas.openxmlformats.org/presentationml/2006/main">
+  <p:cSld>
+    <p:spTree>
+      <p:nvGrpSpPr>
+        <p:cNvPr id="1" name=""/>
+        <p:cNvGrpSpPr/>
+        <p:nvPr/>
+      </p:nvGrpSpPr>
+      <p:grpSpPr>
+        <a:xfrm>
+          <a:off x="0" y="0"/>
+          <a:ext cx="0" cy="0"/>
+          <a:chOff x="0" y="0"/>
+          <a:chExt cx="0" cy="0"/>
+        </a:xfrm>
+      </p:grpSpPr>
+      <p:sp>
+        <p:nvSpPr>
+          <p:cNvPr id="2" name="スライド イメージ プレースホルダー 1"/>
+          <p:cNvSpPr>
+            <a:spLocks noGrp="1" noRot="1" noChangeAspect="1"/>
+          </p:cNvSpPr>
+          <p:nvPr>
+            <p:ph type="sldImg"/>
+          </p:nvPr>
+        </p:nvSpPr>
+        <p:spPr/>
+      </p:sp>
+      <p:sp>
+        <p:nvSpPr>
+          <p:cNvPr id="3" name="ノート プレースホルダー 2"/>
+          <p:cNvSpPr>
+            <a:spLocks noGrp="1"/>
+          </p:cNvSpPr>
+          <p:nvPr>
+            <p:ph type="body" idx="1"/>
+          </p:nvPr>
+        </p:nvSpPr>
+        <p:spPr/>
+        <p:txBody>
+          <a:bodyPr/>
+          <a:lstStyle/>
+          <a:p>
+            <a:endParaRPr kumimoji="1" lang="ja-JP" altLang="en-US" dirty="0"/>
+          </a:p>
+        </p:txBody>
+      </p:sp>
+      <p:sp>
+        <p:nvSpPr>
+          <p:cNvPr id="4" name="スライド番号プレースホルダー 3"/>
+          <p:cNvSpPr>
+            <a:spLocks noGrp="1"/>
+          </p:cNvSpPr>
+          <p:nvPr>
+            <p:ph type="sldNum" sz="quarter" idx="5"/>
+          </p:nvPr>
+        </p:nvSpPr>
+        <p:spPr/>
+        <p:txBody>
+          <a:bodyPr/>
+          <a:lstStyle/>
+          <a:p>
+            <a:fld id="{3DFA746F-AF1F-C048-A2ED-B38EF01E9631}" type="slidenum">
+              <a:rPr lang="en-US" altLang="ja-JP" smtClean="0"/>
+              <a:t>19</a:t>
+            </a:fld>
+            <a:endParaRPr kumimoji="1" lang="ja-JP" altLang="en-US"/>
+          </a:p>
+        </p:txBody>
+      </p:sp>
+    </p:spTree>
+    <p:extLst>
+      <p:ext uri="{BB962C8B-B14F-4D97-AF65-F5344CB8AC3E}">
+        <p14:creationId xmlns:p14="http://schemas.microsoft.com/office/powerpoint/2010/main" val="1558167720"/>
+      </p:ext>
+    </p:extLst>
+  </p:cSld>
+  <p:clrMapOvr>
+    <a:masterClrMapping/>
+  </p:clrMapOvr>
+</p:notes>
+</file>
+
+<file path=ppt/notesSlides/notesSlide3.xml><?xml version="1.0" encoding="utf-8"?>
+<p:notes xmlns:a="http://schemas.openxmlformats.org/drawingml/2006/main" xmlns:r="http://schemas.openxmlformats.org/officeDocument/2006/relationships" xmlns:p="http://schemas.openxmlformats.org/presentationml/2006/main">
+  <p:cSld>
+    <p:spTree>
+      <p:nvGrpSpPr>
+        <p:cNvPr id="1" name=""/>
+        <p:cNvGrpSpPr/>
+        <p:nvPr/>
+      </p:nvGrpSpPr>
+      <p:grpSpPr>
+        <a:xfrm>
+          <a:off x="0" y="0"/>
+          <a:ext cx="0" cy="0"/>
+          <a:chOff x="0" y="0"/>
+          <a:chExt cx="0" cy="0"/>
+        </a:xfrm>
+      </p:grpSpPr>
+      <p:sp>
+        <p:nvSpPr>
+          <p:cNvPr id="2" name="スライド イメージ プレースホルダー 1"/>
+          <p:cNvSpPr>
+            <a:spLocks noGrp="1" noRot="1" noChangeAspect="1"/>
+          </p:cNvSpPr>
+          <p:nvPr>
+            <p:ph type="sldImg"/>
+          </p:nvPr>
+        </p:nvSpPr>
+        <p:spPr/>
+      </p:sp>
+      <p:sp>
+        <p:nvSpPr>
+          <p:cNvPr id="3" name="ノート プレースホルダー 2"/>
+          <p:cNvSpPr>
+            <a:spLocks noGrp="1"/>
+          </p:cNvSpPr>
+          <p:nvPr>
+            <p:ph type="body" idx="1"/>
+          </p:nvPr>
+        </p:nvSpPr>
+        <p:spPr/>
+        <p:txBody>
+          <a:bodyPr/>
+          <a:lstStyle/>
+          <a:p>
+            <a:endParaRPr kumimoji="1" lang="ja-JP" altLang="en-US" dirty="0"/>
+          </a:p>
+        </p:txBody>
+      </p:sp>
+      <p:sp>
+        <p:nvSpPr>
+          <p:cNvPr id="4" name="スライド番号プレースホルダー 3"/>
+          <p:cNvSpPr>
+            <a:spLocks noGrp="1"/>
+          </p:cNvSpPr>
+          <p:nvPr>
+            <p:ph type="sldNum" sz="quarter" idx="5"/>
+          </p:nvPr>
+        </p:nvSpPr>
+        <p:spPr/>
+        <p:txBody>
+          <a:bodyPr/>
+          <a:lstStyle/>
+          <a:p>
+            <a:fld id="{3DFA746F-AF1F-C048-A2ED-B38EF01E9631}" type="slidenum">
+              <a:rPr lang="en-US" altLang="ja-JP" smtClean="0"/>
+              <a:t>21</a:t>
+            </a:fld>
+            <a:endParaRPr kumimoji="1" lang="ja-JP" altLang="en-US"/>
+          </a:p>
+        </p:txBody>
+      </p:sp>
+    </p:spTree>
+    <p:extLst>
+      <p:ext uri="{BB962C8B-B14F-4D97-AF65-F5344CB8AC3E}">
+        <p14:creationId xmlns:p14="http://schemas.microsoft.com/office/powerpoint/2010/main" val="2753114653"/>
       </p:ext>
     </p:extLst>
   </p:cSld>
@@ -2803,8 +2979,8 @@
           </a:p>
         </p:txBody>
       </p:sp>
-      <mc:AlternateContent xmlns:mc="http://schemas.openxmlformats.org/markup-compatibility/2006">
-        <mc:Choice xmlns:a14="http://schemas.microsoft.com/office/drawing/2010/main" Requires="a14">
+      <mc:AlternateContent xmlns:mc="http://schemas.openxmlformats.org/markup-compatibility/2006" xmlns:a14="http://schemas.microsoft.com/office/drawing/2010/main">
+        <mc:Choice Requires="a14">
           <p:sp>
             <p:nvSpPr>
               <p:cNvPr id="5" name="テキスト ボックス 4">
@@ -2872,7 +3048,7 @@
             </p:txBody>
           </p:sp>
         </mc:Choice>
-        <mc:Fallback>
+        <mc:Fallback xmlns="">
           <p:sp>
             <p:nvSpPr>
               <p:cNvPr id="5" name="テキスト ボックス 4">
@@ -2962,8 +3138,8 @@
           </a:fontRef>
         </p:style>
       </p:cxnSp>
-      <mc:AlternateContent xmlns:mc="http://schemas.openxmlformats.org/markup-compatibility/2006">
-        <mc:Choice xmlns:a14="http://schemas.microsoft.com/office/drawing/2010/main" Requires="a14">
+      <mc:AlternateContent xmlns:mc="http://schemas.openxmlformats.org/markup-compatibility/2006" xmlns:a14="http://schemas.microsoft.com/office/drawing/2010/main">
+        <mc:Choice Requires="a14">
           <p:sp>
             <p:nvSpPr>
               <p:cNvPr id="8" name="テキスト ボックス 7">
@@ -3013,7 +3189,7 @@
             </p:txBody>
           </p:sp>
         </mc:Choice>
-        <mc:Fallback>
+        <mc:Fallback xmlns="">
           <p:sp>
             <p:nvSpPr>
               <p:cNvPr id="8" name="テキスト ボックス 7">
@@ -3058,8 +3234,8 @@
           </p:sp>
         </mc:Fallback>
       </mc:AlternateContent>
-      <mc:AlternateContent xmlns:mc="http://schemas.openxmlformats.org/markup-compatibility/2006">
-        <mc:Choice xmlns:a14="http://schemas.microsoft.com/office/drawing/2010/main" Requires="a14">
+      <mc:AlternateContent xmlns:mc="http://schemas.openxmlformats.org/markup-compatibility/2006" xmlns:a14="http://schemas.microsoft.com/office/drawing/2010/main">
+        <mc:Choice Requires="a14">
           <p:sp>
             <p:nvSpPr>
               <p:cNvPr id="10" name="テキスト ボックス 9">
@@ -3109,7 +3285,7 @@
             </p:txBody>
           </p:sp>
         </mc:Choice>
-        <mc:Fallback>
+        <mc:Fallback xmlns="">
           <p:sp>
             <p:nvSpPr>
               <p:cNvPr id="10" name="テキスト ボックス 9">
@@ -3258,8 +3434,8 @@
             </p:nvSpPr>
             <p:spPr>
               <a:xfrm>
-                <a:off x="3635896" y="2564904"/>
-                <a:ext cx="5381153" cy="1116459"/>
+                <a:off x="3275856" y="2564904"/>
+                <a:ext cx="5687326" cy="1116459"/>
               </a:xfrm>
               <a:prstGeom prst="rect">
                 <a:avLst/>
@@ -3413,6 +3589,12 @@
                                   </m:ctrlPr>
                                 </m:sSupPr>
                                 <m:e>
+                                  <m:r>
+                                    <a:rPr kumimoji="1" lang="en-US" altLang="ja-JP" sz="3200" b="0" i="1" smtClean="0">
+                                      <a:latin typeface="Cambria Math" panose="02040503050406030204" pitchFamily="18" charset="0"/>
+                                    </a:rPr>
+                                    <m:t>−</m:t>
+                                  </m:r>
                                   <m:d>
                                     <m:dPr>
                                       <m:ctrlPr>
@@ -3514,8 +3696,8 @@
             </p:nvSpPr>
             <p:spPr>
               <a:xfrm>
-                <a:off x="3635896" y="2564904"/>
-                <a:ext cx="5381153" cy="1116459"/>
+                <a:off x="3275856" y="2564904"/>
+                <a:ext cx="5687326" cy="1116459"/>
               </a:xfrm>
               <a:prstGeom prst="rect">
                 <a:avLst/>
@@ -3542,8 +3724,8 @@
           </p:sp>
         </mc:Fallback>
       </mc:AlternateContent>
-      <mc:AlternateContent xmlns:mc="http://schemas.openxmlformats.org/markup-compatibility/2006">
-        <mc:Choice xmlns:a14="http://schemas.microsoft.com/office/drawing/2010/main" Requires="a14">
+      <mc:AlternateContent xmlns:mc="http://schemas.openxmlformats.org/markup-compatibility/2006" xmlns:a14="http://schemas.microsoft.com/office/drawing/2010/main">
+        <mc:Choice Requires="a14">
           <p:sp>
             <p:nvSpPr>
               <p:cNvPr id="17" name="テキスト ボックス 16">
@@ -3593,7 +3775,7 @@
             </p:txBody>
           </p:sp>
         </mc:Choice>
-        <mc:Fallback>
+        <mc:Fallback xmlns="">
           <p:sp>
             <p:nvSpPr>
               <p:cNvPr id="17" name="テキスト ボックス 16">
@@ -3769,8 +3951,8 @@
           </p:sp>
         </mc:Fallback>
       </mc:AlternateContent>
-      <mc:AlternateContent xmlns:mc="http://schemas.openxmlformats.org/markup-compatibility/2006">
-        <mc:Choice xmlns:a14="http://schemas.microsoft.com/office/drawing/2010/main" Requires="a14">
+      <mc:AlternateContent xmlns:mc="http://schemas.openxmlformats.org/markup-compatibility/2006" xmlns:a14="http://schemas.microsoft.com/office/drawing/2010/main">
+        <mc:Choice Requires="a14">
           <p:sp>
             <p:nvSpPr>
               <p:cNvPr id="19" name="テキスト ボックス 18">
@@ -3842,7 +4024,7 @@
             </p:txBody>
           </p:sp>
         </mc:Choice>
-        <mc:Fallback>
+        <mc:Fallback xmlns="">
           <p:sp>
             <p:nvSpPr>
               <p:cNvPr id="19" name="テキスト ボックス 18">
@@ -5164,8 +5346,8 @@
           </a:p>
         </p:txBody>
       </p:sp>
-      <mc:AlternateContent xmlns:mc="http://schemas.openxmlformats.org/markup-compatibility/2006" xmlns:a14="http://schemas.microsoft.com/office/drawing/2010/main">
-        <mc:Choice Requires="a14">
+      <mc:AlternateContent xmlns:mc="http://schemas.openxmlformats.org/markup-compatibility/2006">
+        <mc:Choice xmlns:a14="http://schemas.microsoft.com/office/drawing/2010/main" Requires="a14">
           <p:sp>
             <p:nvSpPr>
               <p:cNvPr id="9" name="テキスト ボックス 8">
@@ -5180,8 +5362,8 @@
             </p:nvSpPr>
             <p:spPr>
               <a:xfrm>
-                <a:off x="2267744" y="2708920"/>
-                <a:ext cx="4089581" cy="1146852"/>
+                <a:off x="323528" y="2636912"/>
+                <a:ext cx="8642045" cy="1146852"/>
               </a:xfrm>
               <a:prstGeom prst="rect">
                 <a:avLst/>
@@ -5201,6 +5383,95 @@
                       <m:jc m:val="centerGroup"/>
                     </m:oMathParaPr>
                     <m:oMath xmlns:m="http://schemas.openxmlformats.org/officeDocument/2006/math">
+                      <m:r>
+                        <a:rPr lang="en-US" altLang="ja-JP" sz="3200" i="1" smtClean="0">
+                          <a:latin typeface="Cambria Math" panose="02040503050406030204" pitchFamily="18" charset="0"/>
+                        </a:rPr>
+                        <m:t>𝑃</m:t>
+                      </m:r>
+                      <m:d>
+                        <m:dPr>
+                          <m:ctrlPr>
+                            <a:rPr lang="en-US" altLang="ja-JP" sz="3200" i="1">
+                              <a:latin typeface="Cambria Math" panose="02040503050406030204" pitchFamily="18" charset="0"/>
+                            </a:rPr>
+                          </m:ctrlPr>
+                        </m:dPr>
+                        <m:e>
+                          <m:r>
+                            <a:rPr lang="en-US" altLang="ja-JP" sz="3200" b="0" i="1" smtClean="0">
+                              <a:latin typeface="Cambria Math" panose="02040503050406030204" pitchFamily="18" charset="0"/>
+                            </a:rPr>
+                            <m:t>𝜇</m:t>
+                          </m:r>
+                          <m:r>
+                            <a:rPr lang="en-US" altLang="ja-JP" sz="3200" b="0" i="1" smtClean="0">
+                              <a:latin typeface="Cambria Math" panose="02040503050406030204" pitchFamily="18" charset="0"/>
+                            </a:rPr>
+                            <m:t>−</m:t>
+                          </m:r>
+                          <m:r>
+                            <a:rPr lang="en-US" altLang="ja-JP" sz="3200" b="0" i="1" smtClean="0">
+                              <a:latin typeface="Cambria Math" panose="02040503050406030204" pitchFamily="18" charset="0"/>
+                            </a:rPr>
+                            <m:t>𝜎</m:t>
+                          </m:r>
+                          <m:r>
+                            <a:rPr lang="en-US" altLang="ja-JP" sz="3200" i="1">
+                              <a:latin typeface="Cambria Math" panose="02040503050406030204" pitchFamily="18" charset="0"/>
+                            </a:rPr>
+                            <m:t>&lt;</m:t>
+                          </m:r>
+                          <m:acc>
+                            <m:accPr>
+                              <m:chr m:val="̂"/>
+                              <m:ctrlPr>
+                                <a:rPr lang="en-US" altLang="ja-JP" sz="3200" i="1">
+                                  <a:latin typeface="Cambria Math" panose="02040503050406030204" pitchFamily="18" charset="0"/>
+                                </a:rPr>
+                              </m:ctrlPr>
+                            </m:accPr>
+                            <m:e>
+                              <m:r>
+                                <a:rPr lang="en-US" altLang="ja-JP" sz="3200" i="1">
+                                  <a:latin typeface="Cambria Math" panose="02040503050406030204" pitchFamily="18" charset="0"/>
+                                </a:rPr>
+                                <m:t>𝑋</m:t>
+                              </m:r>
+                            </m:e>
+                          </m:acc>
+                          <m:r>
+                            <a:rPr lang="en-US" altLang="ja-JP" sz="3200" i="1">
+                              <a:latin typeface="Cambria Math" panose="02040503050406030204" pitchFamily="18" charset="0"/>
+                            </a:rPr>
+                            <m:t>&lt;</m:t>
+                          </m:r>
+                          <m:r>
+                            <a:rPr lang="en-US" altLang="ja-JP" sz="3200" b="0" i="1" smtClean="0">
+                              <a:latin typeface="Cambria Math" panose="02040503050406030204" pitchFamily="18" charset="0"/>
+                            </a:rPr>
+                            <m:t>𝜇</m:t>
+                          </m:r>
+                          <m:r>
+                            <a:rPr lang="en-US" altLang="ja-JP" sz="3200" b="0" i="1" smtClean="0">
+                              <a:latin typeface="Cambria Math" panose="02040503050406030204" pitchFamily="18" charset="0"/>
+                            </a:rPr>
+                            <m:t>+</m:t>
+                          </m:r>
+                          <m:r>
+                            <a:rPr lang="en-US" altLang="ja-JP" sz="3200" b="0" i="1" smtClean="0">
+                              <a:latin typeface="Cambria Math" panose="02040503050406030204" pitchFamily="18" charset="0"/>
+                            </a:rPr>
+                            <m:t>𝜎</m:t>
+                          </m:r>
+                        </m:e>
+                      </m:d>
+                      <m:r>
+                        <a:rPr lang="en-US" altLang="ja-JP" sz="3200" i="1">
+                          <a:latin typeface="Cambria Math" panose="02040503050406030204" pitchFamily="18" charset="0"/>
+                        </a:rPr>
+                        <m:t>= </m:t>
+                      </m:r>
                       <m:nary>
                         <m:naryPr>
                           <m:ctrlPr>
@@ -5295,7 +5566,7 @@
             </p:txBody>
           </p:sp>
         </mc:Choice>
-        <mc:Fallback xmlns="">
+        <mc:Fallback>
           <p:sp>
             <p:nvSpPr>
               <p:cNvPr id="9" name="テキスト ボックス 8">
@@ -5312,8 +5583,8 @@
             </p:nvSpPr>
             <p:spPr>
               <a:xfrm>
-                <a:off x="2267744" y="2708920"/>
-                <a:ext cx="4089581" cy="1146852"/>
+                <a:off x="323528" y="2636912"/>
+                <a:ext cx="8642045" cy="1146852"/>
               </a:xfrm>
               <a:prstGeom prst="rect">
                 <a:avLst/>
@@ -5340,8 +5611,8 @@
           </p:sp>
         </mc:Fallback>
       </mc:AlternateContent>
-      <mc:AlternateContent xmlns:mc="http://schemas.openxmlformats.org/markup-compatibility/2006" xmlns:a14="http://schemas.microsoft.com/office/drawing/2010/main">
-        <mc:Choice Requires="a14">
+      <mc:AlternateContent xmlns:mc="http://schemas.openxmlformats.org/markup-compatibility/2006">
+        <mc:Choice xmlns:a14="http://schemas.microsoft.com/office/drawing/2010/main" Requires="a14">
           <p:sp>
             <p:nvSpPr>
               <p:cNvPr id="11" name="テキスト ボックス 10">
@@ -5357,7 +5628,7 @@
             <p:spPr>
               <a:xfrm>
                 <a:off x="251520" y="4365104"/>
-                <a:ext cx="8424936" cy="954107"/>
+                <a:ext cx="8064896" cy="954107"/>
               </a:xfrm>
               <a:prstGeom prst="rect">
                 <a:avLst/>
@@ -5450,7 +5721,7 @@
             </p:txBody>
           </p:sp>
         </mc:Choice>
-        <mc:Fallback xmlns="">
+        <mc:Fallback>
           <p:sp>
             <p:nvSpPr>
               <p:cNvPr id="11" name="テキスト ボックス 10">
@@ -5468,7 +5739,7 @@
             <p:spPr>
               <a:xfrm>
                 <a:off x="251520" y="4365104"/>
-                <a:ext cx="8424936" cy="954107"/>
+                <a:ext cx="8064896" cy="954107"/>
               </a:xfrm>
               <a:prstGeom prst="rect">
                 <a:avLst/>
@@ -5476,7 +5747,7 @@
               <a:blipFill>
                 <a:blip r:embed="rId4"/>
                 <a:stretch>
-                  <a:fillRect l="-1447" t="-7643" b="-16561"/>
+                  <a:fillRect l="-1512" t="-7643" b="-16561"/>
                 </a:stretch>
               </a:blipFill>
             </p:spPr>
@@ -6203,182 +6474,6 @@
           </a:p>
         </p:txBody>
       </p:sp>
-      <mc:AlternateContent xmlns:mc="http://schemas.openxmlformats.org/markup-compatibility/2006" xmlns:a14="http://schemas.microsoft.com/office/drawing/2010/main">
-        <mc:Choice Requires="a14">
-          <p:sp>
-            <p:nvSpPr>
-              <p:cNvPr id="3" name="テキスト ボックス 2">
-                <a:extLst>
-                  <a:ext uri="{FF2B5EF4-FFF2-40B4-BE49-F238E27FC236}">
-                    <a16:creationId xmlns:a16="http://schemas.microsoft.com/office/drawing/2014/main" id="{A431715E-ADF8-4F18-8892-41907E1C13FA}"/>
-                  </a:ext>
-                </a:extLst>
-              </p:cNvPr>
-              <p:cNvSpPr txBox="1"/>
-              <p:nvPr/>
-            </p:nvSpPr>
-            <p:spPr>
-              <a:xfrm>
-                <a:off x="2051720" y="1916832"/>
-                <a:ext cx="4789068" cy="1307794"/>
-              </a:xfrm>
-              <a:prstGeom prst="rect">
-                <a:avLst/>
-              </a:prstGeom>
-              <a:noFill/>
-            </p:spPr>
-            <p:txBody>
-              <a:bodyPr wrap="none" lIns="0" tIns="0" rIns="0" bIns="0" rtlCol="0">
-                <a:spAutoFit/>
-              </a:bodyPr>
-              <a:lstStyle/>
-              <a:p>
-                <a:pPr/>
-                <a14:m>
-                  <m:oMathPara xmlns:m="http://schemas.openxmlformats.org/officeDocument/2006/math">
-                    <m:oMathParaPr>
-                      <m:jc m:val="centerGroup"/>
-                    </m:oMathParaPr>
-                    <m:oMath xmlns:m="http://schemas.openxmlformats.org/officeDocument/2006/math">
-                      <m:nary>
-                        <m:naryPr>
-                          <m:ctrlPr>
-                            <a:rPr kumimoji="1" lang="en-US" altLang="ja-JP" sz="3600" b="0" i="1" smtClean="0">
-                              <a:latin typeface="Cambria Math" panose="02040503050406030204" pitchFamily="18" charset="0"/>
-                            </a:rPr>
-                          </m:ctrlPr>
-                        </m:naryPr>
-                        <m:sub>
-                          <m:r>
-                            <a:rPr kumimoji="1" lang="en-US" altLang="ja-JP" sz="3600" b="0" i="1" smtClean="0">
-                              <a:latin typeface="Cambria Math" panose="02040503050406030204" pitchFamily="18" charset="0"/>
-                            </a:rPr>
-                            <m:t>𝜇</m:t>
-                          </m:r>
-                          <m:r>
-                            <a:rPr kumimoji="1" lang="en-US" altLang="ja-JP" sz="3600" b="0" i="1" smtClean="0">
-                              <a:latin typeface="Cambria Math" panose="02040503050406030204" pitchFamily="18" charset="0"/>
-                            </a:rPr>
-                            <m:t>−2</m:t>
-                          </m:r>
-                          <m:r>
-                            <a:rPr kumimoji="1" lang="en-US" altLang="ja-JP" sz="3600" b="0" i="1" smtClean="0">
-                              <a:latin typeface="Cambria Math" panose="02040503050406030204" pitchFamily="18" charset="0"/>
-                            </a:rPr>
-                            <m:t>𝜎</m:t>
-                          </m:r>
-                        </m:sub>
-                        <m:sup>
-                          <m:r>
-                            <a:rPr kumimoji="1" lang="en-US" altLang="ja-JP" sz="3600" b="0" i="1" smtClean="0">
-                              <a:latin typeface="Cambria Math" panose="02040503050406030204" pitchFamily="18" charset="0"/>
-                            </a:rPr>
-                            <m:t>𝜇</m:t>
-                          </m:r>
-                          <m:r>
-                            <a:rPr kumimoji="1" lang="en-US" altLang="ja-JP" sz="3600" b="0" i="1" smtClean="0">
-                              <a:latin typeface="Cambria Math" panose="02040503050406030204" pitchFamily="18" charset="0"/>
-                            </a:rPr>
-                            <m:t>+2</m:t>
-                          </m:r>
-                          <m:r>
-                            <a:rPr kumimoji="1" lang="en-US" altLang="ja-JP" sz="3600" b="0" i="1" smtClean="0">
-                              <a:latin typeface="Cambria Math" panose="02040503050406030204" pitchFamily="18" charset="0"/>
-                            </a:rPr>
-                            <m:t>𝜎</m:t>
-                          </m:r>
-                        </m:sup>
-                        <m:e>
-                          <m:r>
-                            <a:rPr kumimoji="1" lang="en-US" altLang="ja-JP" sz="3600" b="0" i="1" smtClean="0">
-                              <a:latin typeface="Cambria Math" panose="02040503050406030204" pitchFamily="18" charset="0"/>
-                            </a:rPr>
-                            <m:t>𝑓</m:t>
-                          </m:r>
-                          <m:d>
-                            <m:dPr>
-                              <m:ctrlPr>
-                                <a:rPr kumimoji="1" lang="en-US" altLang="ja-JP" sz="3600" b="0" i="1" smtClean="0">
-                                  <a:latin typeface="Cambria Math" panose="02040503050406030204" pitchFamily="18" charset="0"/>
-                                </a:rPr>
-                              </m:ctrlPr>
-                            </m:dPr>
-                            <m:e>
-                              <m:r>
-                                <a:rPr kumimoji="1" lang="en-US" altLang="ja-JP" sz="3600" b="0" i="1" smtClean="0">
-                                  <a:latin typeface="Cambria Math" panose="02040503050406030204" pitchFamily="18" charset="0"/>
-                                </a:rPr>
-                                <m:t>𝑥</m:t>
-                              </m:r>
-                            </m:e>
-                          </m:d>
-                          <m:r>
-                            <a:rPr kumimoji="1" lang="en-US" altLang="ja-JP" sz="3600" b="0" i="1" smtClean="0">
-                              <a:latin typeface="Cambria Math" panose="02040503050406030204" pitchFamily="18" charset="0"/>
-                            </a:rPr>
-                            <m:t>𝑑𝑥</m:t>
-                          </m:r>
-                        </m:e>
-                      </m:nary>
-                      <m:r>
-                        <a:rPr kumimoji="1" lang="en-US" altLang="ja-JP" sz="3600" b="0" i="1" smtClean="0">
-                          <a:latin typeface="Cambria Math" panose="02040503050406030204" pitchFamily="18" charset="0"/>
-                        </a:rPr>
-                        <m:t>∼0.9545</m:t>
-                      </m:r>
-                    </m:oMath>
-                  </m:oMathPara>
-                </a14:m>
-                <a:endParaRPr kumimoji="1" lang="ja-JP" altLang="en-US" sz="3600" dirty="0"/>
-              </a:p>
-            </p:txBody>
-          </p:sp>
-        </mc:Choice>
-        <mc:Fallback xmlns="">
-          <p:sp>
-            <p:nvSpPr>
-              <p:cNvPr id="3" name="テキスト ボックス 2">
-                <a:extLst>
-                  <a:ext uri="{FF2B5EF4-FFF2-40B4-BE49-F238E27FC236}">
-                    <a16:creationId xmlns:a16="http://schemas.microsoft.com/office/drawing/2014/main" id="{A431715E-ADF8-4F18-8892-41907E1C13FA}"/>
-                  </a:ext>
-                </a:extLst>
-              </p:cNvPr>
-              <p:cNvSpPr txBox="1">
-                <a:spLocks noRot="1" noChangeAspect="1" noMove="1" noResize="1" noEditPoints="1" noAdjustHandles="1" noChangeArrowheads="1" noChangeShapeType="1" noTextEdit="1"/>
-              </p:cNvSpPr>
-              <p:nvPr/>
-            </p:nvSpPr>
-            <p:spPr>
-              <a:xfrm>
-                <a:off x="2051720" y="1916832"/>
-                <a:ext cx="4789068" cy="1307794"/>
-              </a:xfrm>
-              <a:prstGeom prst="rect">
-                <a:avLst/>
-              </a:prstGeom>
-              <a:blipFill>
-                <a:blip r:embed="rId2"/>
-                <a:stretch>
-                  <a:fillRect/>
-                </a:stretch>
-              </a:blipFill>
-            </p:spPr>
-            <p:txBody>
-              <a:bodyPr/>
-              <a:lstStyle/>
-              <a:p>
-                <a:r>
-                  <a:rPr lang="ja-JP" altLang="en-US">
-                    <a:noFill/>
-                  </a:rPr>
-                  <a:t> </a:t>
-                </a:r>
-              </a:p>
-            </p:txBody>
-          </p:sp>
-        </mc:Fallback>
-      </mc:AlternateContent>
       <mc:AlternateContent xmlns:mc="http://schemas.openxmlformats.org/markup-compatibility/2006">
         <mc:Choice xmlns:a14="http://schemas.microsoft.com/office/drawing/2010/main" Requires="a14">
           <p:sp>
@@ -6395,8 +6490,8 @@
             </p:nvSpPr>
             <p:spPr>
               <a:xfrm>
-                <a:off x="3707904" y="1044025"/>
-                <a:ext cx="4294830" cy="553998"/>
+                <a:off x="2051720" y="1628800"/>
+                <a:ext cx="4314066" cy="553998"/>
               </a:xfrm>
               <a:prstGeom prst="rect">
                 <a:avLst/>
@@ -6426,7 +6521,13 @@
                         <a:rPr kumimoji="1" lang="en-US" altLang="ja-JP" sz="3600" b="0" i="1" smtClean="0">
                           <a:latin typeface="Cambria Math" panose="02040503050406030204" pitchFamily="18" charset="0"/>
                         </a:rPr>
-                        <m:t>−2</m:t>
+                        <m:t>−</m:t>
+                      </m:r>
+                      <m:r>
+                        <a:rPr kumimoji="1" lang="en-US" altLang="ja-JP" sz="3600" b="0" i="1" smtClean="0">
+                          <a:latin typeface="Cambria Math" panose="02040503050406030204" pitchFamily="18" charset="0"/>
+                        </a:rPr>
+                        <m:t>𝑛</m:t>
                       </m:r>
                       <m:r>
                         <a:rPr kumimoji="1" lang="en-US" altLang="ja-JP" sz="3600" b="0" i="1" smtClean="0">
@@ -6462,7 +6563,13 @@
                         <a:rPr kumimoji="1" lang="en-US" altLang="ja-JP" sz="3600" b="0" i="1" smtClean="0">
                           <a:latin typeface="Cambria Math" panose="02040503050406030204" pitchFamily="18" charset="0"/>
                         </a:rPr>
-                        <m:t>+2</m:t>
+                        <m:t>+</m:t>
+                      </m:r>
+                      <m:r>
+                        <a:rPr kumimoji="1" lang="en-US" altLang="ja-JP" sz="3600" b="0" i="1" smtClean="0">
+                          <a:latin typeface="Cambria Math" panose="02040503050406030204" pitchFamily="18" charset="0"/>
+                        </a:rPr>
+                        <m:t>𝑛</m:t>
                       </m:r>
                       <m:r>
                         <a:rPr kumimoji="1" lang="en-US" altLang="ja-JP" sz="3600" b="0" i="1" smtClean="0">
@@ -6495,14 +6602,14 @@
             </p:nvSpPr>
             <p:spPr>
               <a:xfrm>
-                <a:off x="3707904" y="1044025"/>
-                <a:ext cx="4294830" cy="553998"/>
+                <a:off x="2051720" y="1628800"/>
+                <a:ext cx="4314066" cy="553998"/>
               </a:xfrm>
               <a:prstGeom prst="rect">
                 <a:avLst/>
               </a:prstGeom>
               <a:blipFill>
-                <a:blip r:embed="rId3"/>
+                <a:blip r:embed="rId2"/>
                 <a:stretch>
                   <a:fillRect/>
                 </a:stretch>
@@ -6537,8 +6644,8 @@
         </p:nvSpPr>
         <p:spPr>
           <a:xfrm>
-            <a:off x="539552" y="1116033"/>
-            <a:ext cx="2874505" cy="584775"/>
+            <a:off x="395536" y="1052736"/>
+            <a:ext cx="7388561" cy="584775"/>
           </a:xfrm>
           <a:prstGeom prst="rect">
             <a:avLst/>
@@ -6552,22 +6659,26 @@
           <a:lstStyle/>
           <a:p>
             <a:r>
-              <a:rPr kumimoji="1" lang="en-US" altLang="ja-JP" sz="3200" dirty="0"/>
-              <a:t>2</a:t>
+              <a:rPr lang="ja-JP" altLang="en-US" sz="3200" dirty="0"/>
+              <a:t>同様に「</a:t>
+            </a:r>
+            <a:r>
+              <a:rPr lang="en-US" altLang="ja-JP" sz="3200" dirty="0"/>
+              <a:t>n</a:t>
             </a:r>
             <a:r>
               <a:rPr kumimoji="1" lang="ja-JP" altLang="en-US" sz="3200" dirty="0"/>
-              <a:t>シグマの範囲</a:t>
+              <a:t>シグマの範囲」が定義できる</a:t>
             </a:r>
           </a:p>
         </p:txBody>
       </p:sp>
       <p:sp>
         <p:nvSpPr>
-          <p:cNvPr id="6" name="テキスト ボックス 5">
+          <p:cNvPr id="10" name="テキスト ボックス 9">
             <a:extLst>
               <a:ext uri="{FF2B5EF4-FFF2-40B4-BE49-F238E27FC236}">
-                <a16:creationId xmlns:a16="http://schemas.microsoft.com/office/drawing/2014/main" id="{00A3159E-2B37-4072-9490-3213BF709079}"/>
+                <a16:creationId xmlns:a16="http://schemas.microsoft.com/office/drawing/2014/main" id="{0BA61FB0-9D86-4E1A-A88E-D9B488616862}"/>
               </a:ext>
             </a:extLst>
           </p:cNvPr>
@@ -6576,122 +6687,8 @@
         </p:nvSpPr>
         <p:spPr>
           <a:xfrm>
-            <a:off x="107504" y="3573016"/>
-            <a:ext cx="8820472" cy="954107"/>
-          </a:xfrm>
-          <a:prstGeom prst="rect">
-            <a:avLst/>
-          </a:prstGeom>
-          <a:noFill/>
-        </p:spPr>
-        <p:txBody>
-          <a:bodyPr wrap="square" rtlCol="0">
-            <a:spAutoFit/>
-          </a:bodyPr>
-          <a:lstStyle/>
-          <a:p>
-            <a:r>
-              <a:rPr kumimoji="1" lang="ja-JP" altLang="en-US" sz="2800" dirty="0"/>
-              <a:t>同様な実験を繰り返した場合、観測値が</a:t>
-            </a:r>
-            <a:r>
-              <a:rPr lang="ja-JP" altLang="en-US" sz="2800" dirty="0"/>
-              <a:t>エラーバー</a:t>
-            </a:r>
-            <a:r>
-              <a:rPr kumimoji="1" lang="ja-JP" altLang="en-US" sz="2800" dirty="0"/>
-              <a:t>の</a:t>
-            </a:r>
-            <a:r>
-              <a:rPr kumimoji="1" lang="en-US" altLang="ja-JP" sz="2800" dirty="0"/>
-              <a:t>2</a:t>
-            </a:r>
-            <a:r>
-              <a:rPr kumimoji="1" lang="ja-JP" altLang="en-US" sz="2800" dirty="0"/>
-              <a:t>倍の範囲に収まる</a:t>
-            </a:r>
-            <a:r>
-              <a:rPr lang="ja-JP" altLang="en-US" sz="2800" dirty="0"/>
-              <a:t>確率が</a:t>
-            </a:r>
-            <a:r>
-              <a:rPr lang="en-US" altLang="ja-JP" sz="2800" dirty="0"/>
-              <a:t>95.45%</a:t>
-            </a:r>
-            <a:endParaRPr kumimoji="1" lang="ja-JP" altLang="en-US" sz="2800" dirty="0"/>
-          </a:p>
-        </p:txBody>
-      </p:sp>
-      <p:sp>
-        <p:nvSpPr>
-          <p:cNvPr id="7" name="矢印: 右 6">
-            <a:extLst>
-              <a:ext uri="{FF2B5EF4-FFF2-40B4-BE49-F238E27FC236}">
-                <a16:creationId xmlns:a16="http://schemas.microsoft.com/office/drawing/2014/main" id="{518B9DFF-E391-4DEF-9E22-E25CEB4BAE17}"/>
-              </a:ext>
-            </a:extLst>
-          </p:cNvPr>
-          <p:cNvSpPr/>
-          <p:nvPr/>
-        </p:nvSpPr>
-        <p:spPr>
-          <a:xfrm>
-            <a:off x="683568" y="4932457"/>
-            <a:ext cx="792088" cy="484632"/>
-          </a:xfrm>
-          <a:prstGeom prst="rightArrow">
-            <a:avLst/>
-          </a:prstGeom>
-          <a:solidFill>
-            <a:srgbClr val="FF0000"/>
-          </a:solidFill>
-          <a:ln>
-            <a:solidFill>
-              <a:schemeClr val="tx1"/>
-            </a:solidFill>
-          </a:ln>
-        </p:spPr>
-        <p:style>
-          <a:lnRef idx="2">
-            <a:schemeClr val="accent1">
-              <a:shade val="50000"/>
-            </a:schemeClr>
-          </a:lnRef>
-          <a:fillRef idx="1">
-            <a:schemeClr val="accent1"/>
-          </a:fillRef>
-          <a:effectRef idx="0">
-            <a:schemeClr val="accent1"/>
-          </a:effectRef>
-          <a:fontRef idx="minor">
-            <a:schemeClr val="lt1"/>
-          </a:fontRef>
-        </p:style>
-        <p:txBody>
-          <a:bodyPr rtlCol="0" anchor="ctr"/>
-          <a:lstStyle/>
-          <a:p>
-            <a:pPr algn="ctr"/>
-            <a:endParaRPr kumimoji="1" lang="ja-JP" altLang="en-US"/>
-          </a:p>
-        </p:txBody>
-      </p:sp>
-      <p:sp>
-        <p:nvSpPr>
-          <p:cNvPr id="8" name="テキスト ボックス 7">
-            <a:extLst>
-              <a:ext uri="{FF2B5EF4-FFF2-40B4-BE49-F238E27FC236}">
-                <a16:creationId xmlns:a16="http://schemas.microsoft.com/office/drawing/2014/main" id="{0940B6E8-8441-4822-9B5F-F736A66F5AA8}"/>
-              </a:ext>
-            </a:extLst>
-          </p:cNvPr>
-          <p:cNvSpPr txBox="1"/>
-          <p:nvPr/>
-        </p:nvSpPr>
-        <p:spPr>
-          <a:xfrm>
-            <a:off x="1619672" y="4860449"/>
-            <a:ext cx="7250703" cy="584775"/>
+            <a:off x="323528" y="2492896"/>
+            <a:ext cx="8491427" cy="1815882"/>
           </a:xfrm>
           <a:prstGeom prst="rect">
             <a:avLst/>
@@ -6705,82 +6702,140 @@
           <a:lstStyle/>
           <a:p>
             <a:r>
-              <a:rPr kumimoji="1" lang="en-US" altLang="ja-JP" sz="3200" dirty="0"/>
-              <a:t>20</a:t>
-            </a:r>
-            <a:r>
-              <a:rPr kumimoji="1" lang="ja-JP" altLang="en-US" sz="3200" dirty="0"/>
-              <a:t>回に</a:t>
-            </a:r>
-            <a:r>
-              <a:rPr kumimoji="1" lang="en-US" altLang="ja-JP" sz="3200" dirty="0"/>
+              <a:rPr kumimoji="1" lang="en-US" altLang="ja-JP" sz="2800" dirty="0"/>
               <a:t>1</a:t>
             </a:r>
             <a:r>
-              <a:rPr kumimoji="1" lang="ja-JP" altLang="en-US" sz="3200" dirty="0"/>
-              <a:t>度は</a:t>
-            </a:r>
-            <a:r>
-              <a:rPr kumimoji="1" lang="en-US" altLang="ja-JP" sz="3200" dirty="0"/>
+              <a:rPr kumimoji="1" lang="ja-JP" altLang="en-US" sz="2800" dirty="0"/>
+              <a:t>シグマ：</a:t>
+            </a:r>
+            <a:r>
+              <a:rPr kumimoji="1" lang="ja-JP" altLang="en-US" sz="2800" dirty="0">
+                <a:solidFill>
+                  <a:srgbClr val="FF0000"/>
+                </a:solidFill>
+              </a:rPr>
+              <a:t>入る</a:t>
+            </a:r>
+            <a:r>
+              <a:rPr lang="ja-JP" altLang="en-US" sz="2800" dirty="0">
+                <a:solidFill>
+                  <a:srgbClr val="FF0000"/>
+                </a:solidFill>
+              </a:rPr>
+              <a:t>確率 </a:t>
+            </a:r>
+            <a:r>
+              <a:rPr kumimoji="1" lang="en-US" altLang="ja-JP" sz="2800" dirty="0">
+                <a:solidFill>
+                  <a:srgbClr val="FF0000"/>
+                </a:solidFill>
+              </a:rPr>
+              <a:t>68.27% </a:t>
+            </a:r>
+            <a:r>
+              <a:rPr kumimoji="1" lang="ja-JP" altLang="en-US" sz="2800" dirty="0">
+                <a:solidFill>
+                  <a:srgbClr val="FF0000"/>
+                </a:solidFill>
+              </a:rPr>
+              <a:t>　 外れる確率</a:t>
+            </a:r>
+            <a:r>
+              <a:rPr lang="ja-JP" altLang="en-US" sz="2800" dirty="0">
+                <a:solidFill>
+                  <a:srgbClr val="FF0000"/>
+                </a:solidFill>
+              </a:rPr>
+              <a:t> </a:t>
+            </a:r>
+            <a:r>
+              <a:rPr kumimoji="1" lang="en-US" altLang="ja-JP" sz="2800" dirty="0">
+                <a:solidFill>
+                  <a:srgbClr val="FF0000"/>
+                </a:solidFill>
+              </a:rPr>
+              <a:t>31.73%</a:t>
+            </a:r>
+          </a:p>
+          <a:p>
+            <a:r>
+              <a:rPr lang="en-US" altLang="ja-JP" sz="2800" dirty="0"/>
               <a:t>2</a:t>
             </a:r>
             <a:r>
-              <a:rPr lang="ja-JP" altLang="en-US" sz="3200" dirty="0"/>
-              <a:t>シグマの範囲から外れる</a:t>
-            </a:r>
-            <a:endParaRPr kumimoji="1" lang="ja-JP" altLang="en-US" sz="3200" dirty="0"/>
+              <a:rPr lang="ja-JP" altLang="en-US" sz="2800" dirty="0"/>
+              <a:t>シグマ：入る確率 </a:t>
+            </a:r>
+            <a:r>
+              <a:rPr lang="en-US" altLang="ja-JP" sz="2800" dirty="0"/>
+              <a:t>95.45% </a:t>
+            </a:r>
+            <a:r>
+              <a:rPr lang="ja-JP" altLang="en-US" sz="2800" dirty="0"/>
+              <a:t>　 外れる確率 </a:t>
+            </a:r>
+            <a:r>
+              <a:rPr lang="en-US" altLang="ja-JP" sz="2800" dirty="0"/>
+              <a:t>4.55%</a:t>
+            </a:r>
           </a:p>
-        </p:txBody>
-      </p:sp>
-      <p:sp>
-        <p:nvSpPr>
-          <p:cNvPr id="9" name="テキスト ボックス 8">
-            <a:extLst>
-              <a:ext uri="{FF2B5EF4-FFF2-40B4-BE49-F238E27FC236}">
-                <a16:creationId xmlns:a16="http://schemas.microsoft.com/office/drawing/2014/main" id="{1253A22C-B94C-4054-88BC-DDA7D64E1952}"/>
-              </a:ext>
-            </a:extLst>
-          </p:cNvPr>
-          <p:cNvSpPr txBox="1"/>
-          <p:nvPr/>
-        </p:nvSpPr>
-        <p:spPr>
-          <a:xfrm>
-            <a:off x="1115616" y="6063679"/>
-            <a:ext cx="6359433" cy="461665"/>
-          </a:xfrm>
-          <a:prstGeom prst="rect">
-            <a:avLst/>
-          </a:prstGeom>
-          <a:noFill/>
-        </p:spPr>
-        <p:txBody>
-          <a:bodyPr wrap="none" rtlCol="0">
-            <a:spAutoFit/>
-          </a:bodyPr>
-          <a:lstStyle/>
           <a:p>
             <a:r>
-              <a:rPr lang="en-US" altLang="ja-JP" sz="2400"/>
-              <a:t>ex) </a:t>
-            </a:r>
-            <a:r>
-              <a:rPr lang="ja-JP" altLang="en-US" sz="2400"/>
-              <a:t>テストで偏差値</a:t>
-            </a:r>
-            <a:r>
-              <a:rPr lang="en-US" altLang="ja-JP" sz="2400"/>
-              <a:t>70</a:t>
-            </a:r>
-            <a:r>
-              <a:rPr lang="ja-JP" altLang="en-US" sz="2400"/>
-              <a:t>以上の人は全体の</a:t>
-            </a:r>
-            <a:r>
-              <a:rPr lang="en-US" altLang="ja-JP" sz="2400"/>
-              <a:t>2.5%</a:t>
-            </a:r>
-            <a:endParaRPr kumimoji="1" lang="ja-JP" altLang="en-US" sz="2400"/>
+              <a:rPr kumimoji="1" lang="en-US" altLang="ja-JP" sz="2800" dirty="0"/>
+              <a:t>3</a:t>
+            </a:r>
+            <a:r>
+              <a:rPr kumimoji="1" lang="ja-JP" altLang="en-US" sz="2800" dirty="0"/>
+              <a:t>シグマ：入る確率 </a:t>
+            </a:r>
+            <a:r>
+              <a:rPr kumimoji="1" lang="en-US" altLang="ja-JP" sz="2800" dirty="0"/>
+              <a:t>99.73% </a:t>
+            </a:r>
+            <a:r>
+              <a:rPr kumimoji="1" lang="ja-JP" altLang="en-US" sz="2800" dirty="0"/>
+              <a:t>　 外れる確率 </a:t>
+            </a:r>
+            <a:r>
+              <a:rPr kumimoji="1" lang="en-US" altLang="ja-JP" sz="2800" dirty="0"/>
+              <a:t>0.27%</a:t>
+            </a:r>
+          </a:p>
+          <a:p>
+            <a:r>
+              <a:rPr lang="en-US" altLang="ja-JP" sz="2800" dirty="0"/>
+              <a:t>5</a:t>
+            </a:r>
+            <a:r>
+              <a:rPr lang="ja-JP" altLang="en-US" sz="2800" dirty="0"/>
+              <a:t>シグマ：入る確率</a:t>
+            </a:r>
+            <a:r>
+              <a:rPr lang="en-US" altLang="ja-JP" sz="2800" dirty="0"/>
+              <a:t> 99.9994%  </a:t>
+            </a:r>
+            <a:r>
+              <a:rPr lang="ja-JP" altLang="en-US" sz="2800" dirty="0">
+                <a:solidFill>
+                  <a:srgbClr val="FF0000"/>
+                </a:solidFill>
+              </a:rPr>
+              <a:t>外れる確率 </a:t>
+            </a:r>
+            <a:r>
+              <a:rPr lang="en-US" altLang="ja-JP" sz="2800" dirty="0">
+                <a:solidFill>
+                  <a:srgbClr val="FF0000"/>
+                </a:solidFill>
+              </a:rPr>
+              <a:t>0.0005%</a:t>
+            </a:r>
+            <a:endParaRPr kumimoji="1" lang="ja-JP" altLang="en-US" sz="2800" dirty="0">
+              <a:solidFill>
+                <a:srgbClr val="FF0000"/>
+              </a:solidFill>
+            </a:endParaRPr>
           </a:p>
         </p:txBody>
       </p:sp>
@@ -6843,12 +6898,396 @@
           </a:p>
         </p:txBody>
       </p:sp>
+      <mc:AlternateContent xmlns:mc="http://schemas.openxmlformats.org/markup-compatibility/2006">
+        <mc:Choice xmlns:a14="http://schemas.microsoft.com/office/drawing/2010/main" Requires="a14">
+          <p:sp>
+            <p:nvSpPr>
+              <p:cNvPr id="3" name="テキスト ボックス 2">
+                <a:extLst>
+                  <a:ext uri="{FF2B5EF4-FFF2-40B4-BE49-F238E27FC236}">
+                    <a16:creationId xmlns:a16="http://schemas.microsoft.com/office/drawing/2014/main" id="{307B3813-9BBA-4A85-961D-A87F4D0AEFD1}"/>
+                  </a:ext>
+                </a:extLst>
+              </p:cNvPr>
+              <p:cNvSpPr txBox="1"/>
+              <p:nvPr/>
+            </p:nvSpPr>
+            <p:spPr>
+              <a:xfrm>
+                <a:off x="107504" y="1196752"/>
+                <a:ext cx="8568951" cy="4832092"/>
+              </a:xfrm>
+              <a:prstGeom prst="rect">
+                <a:avLst/>
+              </a:prstGeom>
+              <a:noFill/>
+            </p:spPr>
+            <p:txBody>
+              <a:bodyPr wrap="square" rtlCol="0">
+                <a:spAutoFit/>
+              </a:bodyPr>
+              <a:lstStyle/>
+              <a:p>
+                <a:pPr marL="457200" indent="-457200">
+                  <a:buFont typeface="Arial" panose="020B0604020202020204" pitchFamily="34" charset="0"/>
+                  <a:buChar char="•"/>
+                </a:pPr>
+                <a:r>
+                  <a:rPr kumimoji="1" lang="ja-JP" altLang="en-US" sz="2800" dirty="0">
+                    <a:solidFill>
+                      <a:srgbClr val="011893"/>
+                    </a:solidFill>
+                  </a:rPr>
+                  <a:t>エラーバー</a:t>
+                </a:r>
+                <a:r>
+                  <a:rPr kumimoji="1" lang="ja-JP" altLang="en-US" sz="2800" dirty="0"/>
+                  <a:t>とは観測値を確率変数とみなした時に、その</a:t>
+                </a:r>
+                <a:r>
+                  <a:rPr kumimoji="1" lang="ja-JP" altLang="en-US" sz="2800" dirty="0">
+                    <a:solidFill>
+                      <a:srgbClr val="011893"/>
+                    </a:solidFill>
+                  </a:rPr>
+                  <a:t>平均値の分布の</a:t>
+                </a:r>
+                <a:r>
+                  <a:rPr lang="ja-JP" altLang="en-US" sz="2800" dirty="0">
+                    <a:solidFill>
+                      <a:srgbClr val="011893"/>
+                    </a:solidFill>
+                  </a:rPr>
+                  <a:t>推定</a:t>
+                </a:r>
+                <a:r>
+                  <a:rPr kumimoji="1" lang="ja-JP" altLang="en-US" sz="2800" dirty="0">
+                    <a:solidFill>
+                      <a:srgbClr val="011893"/>
+                    </a:solidFill>
+                  </a:rPr>
+                  <a:t>標準偏差</a:t>
+                </a:r>
+                <a:r>
+                  <a:rPr kumimoji="1" lang="ja-JP" altLang="en-US" sz="2800" dirty="0"/>
+                  <a:t>のこと</a:t>
+                </a:r>
+                <a:endParaRPr kumimoji="1" lang="en-US" altLang="ja-JP" sz="2800" dirty="0"/>
+              </a:p>
+              <a:p>
+                <a:pPr marL="457200" indent="-457200">
+                  <a:buFont typeface="Arial" panose="020B0604020202020204" pitchFamily="34" charset="0"/>
+                  <a:buChar char="•"/>
+                </a:pPr>
+                <a:r>
+                  <a:rPr kumimoji="1" lang="ja-JP" altLang="en-US" sz="2800" dirty="0"/>
+                  <a:t>サンプル数を増やせば増やすほど、エラーバーは小さくなる</a:t>
+                </a:r>
+                <a:endParaRPr kumimoji="1" lang="en-US" altLang="ja-JP" sz="2800" dirty="0"/>
+              </a:p>
+              <a:p>
+                <a:pPr marL="457200" indent="-457200">
+                  <a:buFont typeface="Arial" panose="020B0604020202020204" pitchFamily="34" charset="0"/>
+                  <a:buChar char="•"/>
+                </a:pPr>
+                <a:r>
+                  <a:rPr kumimoji="1" lang="ja-JP" altLang="en-US" sz="2800" dirty="0"/>
+                  <a:t>観測値が独立同分布なら、サンプル数を増やしていくと平均値の分布はガウス分布に漸近する</a:t>
+                </a:r>
+                <a:endParaRPr kumimoji="1" lang="en-US" altLang="ja-JP" sz="2800" dirty="0"/>
+              </a:p>
+              <a:p>
+                <a:pPr marL="457200" indent="-457200">
+                  <a:buFont typeface="Arial" panose="020B0604020202020204" pitchFamily="34" charset="0"/>
+                  <a:buChar char="•"/>
+                </a:pPr>
+                <a:r>
+                  <a:rPr kumimoji="1" lang="ja-JP" altLang="en-US" sz="2800" dirty="0"/>
+                  <a:t>平均</a:t>
+                </a:r>
+                <a14:m>
+                  <m:oMath xmlns:m="http://schemas.openxmlformats.org/officeDocument/2006/math">
+                    <m:r>
+                      <a:rPr kumimoji="1" lang="en-US" altLang="ja-JP" sz="2800" b="0" i="1" smtClean="0">
+                        <a:latin typeface="Cambria Math" panose="02040503050406030204" pitchFamily="18" charset="0"/>
+                      </a:rPr>
+                      <m:t>𝜇</m:t>
+                    </m:r>
+                  </m:oMath>
+                </a14:m>
+                <a:r>
+                  <a:rPr kumimoji="1" lang="ja-JP" altLang="en-US" sz="2800" dirty="0"/>
+                  <a:t>、分散</a:t>
+                </a:r>
+                <a14:m>
+                  <m:oMath xmlns:m="http://schemas.openxmlformats.org/officeDocument/2006/math">
+                    <m:sSup>
+                      <m:sSupPr>
+                        <m:ctrlPr>
+                          <a:rPr kumimoji="1" lang="en-US" altLang="ja-JP" sz="2800" b="0" i="1" smtClean="0">
+                            <a:latin typeface="Cambria Math" panose="02040503050406030204" pitchFamily="18" charset="0"/>
+                          </a:rPr>
+                        </m:ctrlPr>
+                      </m:sSupPr>
+                      <m:e>
+                        <m:r>
+                          <a:rPr kumimoji="1" lang="en-US" altLang="ja-JP" sz="2800" b="0" i="1" smtClean="0">
+                            <a:latin typeface="Cambria Math" panose="02040503050406030204" pitchFamily="18" charset="0"/>
+                          </a:rPr>
+                          <m:t>𝜎</m:t>
+                        </m:r>
+                      </m:e>
+                      <m:sup>
+                        <m:r>
+                          <a:rPr kumimoji="1" lang="en-US" altLang="ja-JP" sz="2800" b="0" i="1" smtClean="0">
+                            <a:latin typeface="Cambria Math" panose="02040503050406030204" pitchFamily="18" charset="0"/>
+                          </a:rPr>
+                          <m:t>2</m:t>
+                        </m:r>
+                      </m:sup>
+                    </m:sSup>
+                  </m:oMath>
+                </a14:m>
+                <a:r>
+                  <a:rPr kumimoji="1" lang="ja-JP" altLang="en-US" sz="2800" dirty="0"/>
+                  <a:t>のガウス分布について、以下を「</a:t>
+                </a:r>
+                <a:r>
+                  <a:rPr kumimoji="1" lang="en-US" altLang="ja-JP" sz="2800" dirty="0"/>
+                  <a:t>n</a:t>
+                </a:r>
+                <a:r>
+                  <a:rPr kumimoji="1" lang="ja-JP" altLang="en-US" sz="2800" dirty="0"/>
+                  <a:t>シグマの範囲」と呼ぶ</a:t>
+                </a:r>
+                <a:endParaRPr kumimoji="1" lang="en-US" altLang="ja-JP" sz="2800" dirty="0"/>
+              </a:p>
+              <a:p>
+                <a:pPr marL="457200" indent="-457200">
+                  <a:buFont typeface="Arial" panose="020B0604020202020204" pitchFamily="34" charset="0"/>
+                  <a:buChar char="•"/>
+                </a:pPr>
+                <a:r>
+                  <a:rPr kumimoji="1" lang="ja-JP" altLang="en-US" sz="2800" dirty="0"/>
+                  <a:t>ガウス分布に従う確率変数が独立であるなら</a:t>
+                </a:r>
+                <a:endParaRPr kumimoji="1" lang="en-US" altLang="ja-JP" sz="2800" dirty="0"/>
+              </a:p>
+              <a:p>
+                <a:pPr marL="914400" lvl="1" indent="-457200">
+                  <a:buFont typeface="Arial" panose="020B0604020202020204" pitchFamily="34" charset="0"/>
+                  <a:buChar char="•"/>
+                </a:pPr>
+                <a:r>
+                  <a:rPr kumimoji="1" lang="ja-JP" altLang="en-US" sz="2800" dirty="0">
+                    <a:solidFill>
+                      <a:srgbClr val="FF0000"/>
+                    </a:solidFill>
+                  </a:rPr>
+                  <a:t>「</a:t>
+                </a:r>
+                <a:r>
+                  <a:rPr kumimoji="1" lang="en-US" altLang="ja-JP" sz="2800" dirty="0">
+                    <a:solidFill>
+                      <a:srgbClr val="FF0000"/>
+                    </a:solidFill>
+                  </a:rPr>
+                  <a:t>1</a:t>
+                </a:r>
+                <a:r>
+                  <a:rPr kumimoji="1" lang="ja-JP" altLang="en-US" sz="2800" dirty="0">
+                    <a:solidFill>
+                      <a:srgbClr val="FF0000"/>
+                    </a:solidFill>
+                  </a:rPr>
+                  <a:t>シグマの範囲」からは</a:t>
+                </a:r>
+                <a:r>
+                  <a:rPr kumimoji="1" lang="en-US" altLang="ja-JP" sz="2800" dirty="0">
+                    <a:solidFill>
+                      <a:srgbClr val="FF0000"/>
+                    </a:solidFill>
+                  </a:rPr>
+                  <a:t>3</a:t>
+                </a:r>
+                <a:r>
+                  <a:rPr kumimoji="1" lang="ja-JP" altLang="en-US" sz="2800" dirty="0">
+                    <a:solidFill>
+                      <a:srgbClr val="FF0000"/>
+                    </a:solidFill>
+                  </a:rPr>
+                  <a:t>つに</a:t>
+                </a:r>
+                <a:r>
+                  <a:rPr kumimoji="1" lang="en-US" altLang="ja-JP" sz="2800" dirty="0">
+                    <a:solidFill>
+                      <a:srgbClr val="FF0000"/>
+                    </a:solidFill>
+                  </a:rPr>
+                  <a:t>1</a:t>
+                </a:r>
+                <a:r>
+                  <a:rPr kumimoji="1" lang="ja-JP" altLang="en-US" sz="2800" dirty="0">
+                    <a:solidFill>
+                      <a:srgbClr val="FF0000"/>
+                    </a:solidFill>
+                  </a:rPr>
+                  <a:t>つは外れる</a:t>
+                </a:r>
+                <a:endParaRPr kumimoji="1" lang="en-US" altLang="ja-JP" sz="2800" dirty="0">
+                  <a:solidFill>
+                    <a:srgbClr val="FF0000"/>
+                  </a:solidFill>
+                </a:endParaRPr>
+              </a:p>
+              <a:p>
+                <a:pPr marL="914400" lvl="1" indent="-457200">
+                  <a:buFont typeface="Arial" panose="020B0604020202020204" pitchFamily="34" charset="0"/>
+                  <a:buChar char="•"/>
+                </a:pPr>
+                <a:r>
+                  <a:rPr lang="ja-JP" altLang="en-US" sz="2800" dirty="0">
+                    <a:solidFill>
+                      <a:srgbClr val="FF0000"/>
+                    </a:solidFill>
+                  </a:rPr>
+                  <a:t>「</a:t>
+                </a:r>
+                <a:r>
+                  <a:rPr lang="en-US" altLang="ja-JP" sz="2800" dirty="0">
+                    <a:solidFill>
+                      <a:srgbClr val="FF0000"/>
+                    </a:solidFill>
+                  </a:rPr>
+                  <a:t>5</a:t>
+                </a:r>
+                <a:r>
+                  <a:rPr lang="ja-JP" altLang="en-US" sz="2800" dirty="0">
+                    <a:solidFill>
+                      <a:srgbClr val="FF0000"/>
+                    </a:solidFill>
+                  </a:rPr>
+                  <a:t>シグマの範囲」から外れる確率はほぼゼロ</a:t>
+                </a:r>
+                <a:endParaRPr kumimoji="1" lang="en-US" altLang="ja-JP" sz="2800" dirty="0">
+                  <a:solidFill>
+                    <a:srgbClr val="FF0000"/>
+                  </a:solidFill>
+                </a:endParaRPr>
+              </a:p>
+            </p:txBody>
+          </p:sp>
+        </mc:Choice>
+        <mc:Fallback>
+          <p:sp>
+            <p:nvSpPr>
+              <p:cNvPr id="3" name="テキスト ボックス 2">
+                <a:extLst>
+                  <a:ext uri="{FF2B5EF4-FFF2-40B4-BE49-F238E27FC236}">
+                    <a16:creationId xmlns:a16="http://schemas.microsoft.com/office/drawing/2014/main" id="{307B3813-9BBA-4A85-961D-A87F4D0AEFD1}"/>
+                  </a:ext>
+                </a:extLst>
+              </p:cNvPr>
+              <p:cNvSpPr txBox="1">
+                <a:spLocks noRot="1" noChangeAspect="1" noMove="1" noResize="1" noEditPoints="1" noAdjustHandles="1" noChangeArrowheads="1" noChangeShapeType="1" noTextEdit="1"/>
+              </p:cNvSpPr>
+              <p:nvPr/>
+            </p:nvSpPr>
+            <p:spPr>
+              <a:xfrm>
+                <a:off x="107504" y="1196752"/>
+                <a:ext cx="8568951" cy="4832092"/>
+              </a:xfrm>
+              <a:prstGeom prst="rect">
+                <a:avLst/>
+              </a:prstGeom>
+              <a:blipFill>
+                <a:blip r:embed="rId2"/>
+                <a:stretch>
+                  <a:fillRect l="-1281" t="-1261" r="-4413" b="-2522"/>
+                </a:stretch>
+              </a:blipFill>
+            </p:spPr>
+            <p:txBody>
+              <a:bodyPr/>
+              <a:lstStyle/>
+              <a:p>
+                <a:r>
+                  <a:rPr lang="ja-JP" altLang="en-US">
+                    <a:noFill/>
+                  </a:rPr>
+                  <a:t> </a:t>
+                </a:r>
+              </a:p>
+            </p:txBody>
+          </p:sp>
+        </mc:Fallback>
+      </mc:AlternateContent>
+    </p:spTree>
+    <p:extLst>
+      <p:ext uri="{BB962C8B-B14F-4D97-AF65-F5344CB8AC3E}">
+        <p14:creationId xmlns:p14="http://schemas.microsoft.com/office/powerpoint/2010/main" val="797700091"/>
+      </p:ext>
+    </p:extLst>
+  </p:cSld>
+  <p:clrMapOvr>
+    <a:masterClrMapping/>
+  </p:clrMapOvr>
+</p:sld>
+</file>
+
+<file path=ppt/slides/slide17.xml><?xml version="1.0" encoding="utf-8"?>
+<p:sld xmlns:a="http://schemas.openxmlformats.org/drawingml/2006/main" xmlns:r="http://schemas.openxmlformats.org/officeDocument/2006/relationships" xmlns:p="http://schemas.openxmlformats.org/presentationml/2006/main">
+  <p:cSld>
+    <p:spTree>
+      <p:nvGrpSpPr>
+        <p:cNvPr id="1" name=""/>
+        <p:cNvGrpSpPr/>
+        <p:nvPr/>
+      </p:nvGrpSpPr>
+      <p:grpSpPr>
+        <a:xfrm>
+          <a:off x="0" y="0"/>
+          <a:ext cx="0" cy="0"/>
+          <a:chOff x="0" y="0"/>
+          <a:chExt cx="0" cy="0"/>
+        </a:xfrm>
+      </p:grpSpPr>
+      <p:sp>
+        <p:nvSpPr>
+          <p:cNvPr id="2" name="テキスト プレースホルダー 1">
+            <a:extLst>
+              <a:ext uri="{FF2B5EF4-FFF2-40B4-BE49-F238E27FC236}">
+                <a16:creationId xmlns:a16="http://schemas.microsoft.com/office/drawing/2014/main" id="{7734CC76-D92A-46BC-B002-1E429B69473A}"/>
+              </a:ext>
+            </a:extLst>
+          </p:cNvPr>
+          <p:cNvSpPr>
+            <a:spLocks noGrp="1"/>
+          </p:cNvSpPr>
+          <p:nvPr>
+            <p:ph type="body" sz="quarter" idx="10"/>
+          </p:nvPr>
+        </p:nvSpPr>
+        <p:spPr/>
+        <p:txBody>
+          <a:bodyPr/>
+          <a:lstStyle/>
+          <a:p>
+            <a:r>
+              <a:rPr lang="ja-JP" altLang="en-US" dirty="0"/>
+              <a:t>エラーバーの活用</a:t>
+            </a:r>
+            <a:endParaRPr kumimoji="1" lang="ja-JP" altLang="en-US" dirty="0"/>
+          </a:p>
+        </p:txBody>
+      </p:sp>
       <p:sp>
         <p:nvSpPr>
           <p:cNvPr id="3" name="テキスト ボックス 2">
             <a:extLst>
               <a:ext uri="{FF2B5EF4-FFF2-40B4-BE49-F238E27FC236}">
-                <a16:creationId xmlns:a16="http://schemas.microsoft.com/office/drawing/2014/main" id="{307B3813-9BBA-4A85-961D-A87F4D0AEFD1}"/>
+                <a16:creationId xmlns:a16="http://schemas.microsoft.com/office/drawing/2014/main" id="{A0BB330A-1045-4CFE-A15D-031B7502F72A}"/>
               </a:ext>
             </a:extLst>
           </p:cNvPr>
@@ -6857,8 +7296,51 @@
         </p:nvSpPr>
         <p:spPr>
           <a:xfrm>
-            <a:off x="107504" y="1484784"/>
-            <a:ext cx="8568951" cy="3108543"/>
+            <a:off x="323528" y="980728"/>
+            <a:ext cx="8443337" cy="954107"/>
+          </a:xfrm>
+          <a:prstGeom prst="rect">
+            <a:avLst/>
+          </a:prstGeom>
+          <a:noFill/>
+        </p:spPr>
+        <p:txBody>
+          <a:bodyPr wrap="none" rtlCol="0">
+            <a:spAutoFit/>
+          </a:bodyPr>
+          <a:lstStyle/>
+          <a:p>
+            <a:r>
+              <a:rPr lang="ja-JP" altLang="en-US" sz="2800" dirty="0"/>
+              <a:t>データがガウス分布に従い、かつ独立であるとする</a:t>
+            </a:r>
+            <a:endParaRPr lang="en-US" altLang="ja-JP" sz="2800" dirty="0"/>
+          </a:p>
+          <a:p>
+            <a:r>
+              <a:rPr kumimoji="1" lang="ja-JP" altLang="en-US" sz="2800" dirty="0"/>
+              <a:t>観測量の母集団の分布の平均を「真の値」と呼ぶと</a:t>
+            </a:r>
+            <a:endParaRPr kumimoji="1" lang="en-US" altLang="ja-JP" sz="2800" dirty="0"/>
+          </a:p>
+        </p:txBody>
+      </p:sp>
+      <p:sp>
+        <p:nvSpPr>
+          <p:cNvPr id="4" name="テキスト ボックス 3">
+            <a:extLst>
+              <a:ext uri="{FF2B5EF4-FFF2-40B4-BE49-F238E27FC236}">
+                <a16:creationId xmlns:a16="http://schemas.microsoft.com/office/drawing/2014/main" id="{314BD6C4-D714-47B5-905C-00A0E957A3D7}"/>
+              </a:ext>
+            </a:extLst>
+          </p:cNvPr>
+          <p:cNvSpPr txBox="1"/>
+          <p:nvPr/>
+        </p:nvSpPr>
+        <p:spPr>
+          <a:xfrm>
+            <a:off x="395536" y="2492896"/>
+            <a:ext cx="7704856" cy="2246769"/>
           </a:xfrm>
           <a:prstGeom prst="rect">
             <a:avLst/>
@@ -6871,62 +7353,469 @@
           </a:bodyPr>
           <a:lstStyle/>
           <a:p>
-            <a:pPr marL="457200" indent="-457200">
+            <a:pPr marL="285750" indent="-285750">
               <a:buFont typeface="Arial" panose="020B0604020202020204" pitchFamily="34" charset="0"/>
               <a:buChar char="•"/>
             </a:pPr>
             <a:r>
-              <a:rPr kumimoji="1" lang="ja-JP" altLang="en-US" sz="2800"/>
-              <a:t>エラーバーとは観測値を確率変数とみなした時に、その平均値の分布の</a:t>
-            </a:r>
-            <a:r>
-              <a:rPr lang="ja-JP" altLang="en-US" sz="2800"/>
-              <a:t>推定</a:t>
-            </a:r>
-            <a:r>
-              <a:rPr kumimoji="1" lang="ja-JP" altLang="en-US" sz="2800"/>
-              <a:t>標準偏差のこと</a:t>
-            </a:r>
-            <a:endParaRPr kumimoji="1" lang="en-US" altLang="ja-JP" sz="2800"/>
+              <a:rPr lang="ja-JP" altLang="en-US" sz="2800" dirty="0"/>
+              <a:t>観測値は「真の値」の上下に均等にばらつく</a:t>
+            </a:r>
+            <a:endParaRPr lang="en-US" altLang="ja-JP" sz="2800" dirty="0"/>
           </a:p>
           <a:p>
-            <a:pPr marL="457200" indent="-457200">
+            <a:pPr marL="285750" indent="-285750">
               <a:buFont typeface="Arial" panose="020B0604020202020204" pitchFamily="34" charset="0"/>
               <a:buChar char="•"/>
             </a:pPr>
             <a:r>
-              <a:rPr kumimoji="1" lang="ja-JP" altLang="en-US" sz="2800"/>
-              <a:t>サンプル数を増やせば増やすほど、エラーバーは小さくなる</a:t>
-            </a:r>
-            <a:endParaRPr kumimoji="1" lang="en-US" altLang="ja-JP" sz="2800"/>
+              <a:rPr lang="ja-JP" altLang="en-US" sz="2800" dirty="0"/>
+              <a:t>観測値の</a:t>
+            </a:r>
+            <a:r>
+              <a:rPr kumimoji="1" lang="en-US" altLang="ja-JP" sz="2800" dirty="0"/>
+              <a:t>3</a:t>
+            </a:r>
+            <a:r>
+              <a:rPr kumimoji="1" lang="ja-JP" altLang="en-US" sz="2800" dirty="0"/>
+              <a:t>つに</a:t>
+            </a:r>
+            <a:r>
+              <a:rPr kumimoji="1" lang="en-US" altLang="ja-JP" sz="2800" dirty="0"/>
+              <a:t>1</a:t>
+            </a:r>
+            <a:r>
+              <a:rPr kumimoji="1" lang="ja-JP" altLang="en-US" sz="2800" dirty="0"/>
+              <a:t>つ</a:t>
+            </a:r>
+            <a:r>
+              <a:rPr lang="ja-JP" altLang="en-US" sz="2800" dirty="0"/>
+              <a:t>が「真の値」の</a:t>
+            </a:r>
+            <a:r>
+              <a:rPr lang="en-US" altLang="ja-JP" sz="2800" dirty="0"/>
+              <a:t>1</a:t>
+            </a:r>
+            <a:r>
+              <a:rPr lang="ja-JP" altLang="en-US" sz="2800" dirty="0"/>
+              <a:t>シグマの範囲に入らない</a:t>
+            </a:r>
+            <a:endParaRPr lang="en-US" altLang="ja-JP" sz="2800" dirty="0"/>
           </a:p>
           <a:p>
-            <a:pPr marL="457200" indent="-457200">
+            <a:pPr marL="285750" indent="-285750">
               <a:buFont typeface="Arial" panose="020B0604020202020204" pitchFamily="34" charset="0"/>
               <a:buChar char="•"/>
             </a:pPr>
             <a:r>
-              <a:rPr kumimoji="1" lang="ja-JP" altLang="en-US" sz="2800"/>
-              <a:t>観測値が独立同分布なら、サンプル数を増やしていくと平均値の分布はガウス分布に漸近する</a:t>
-            </a:r>
-            <a:endParaRPr kumimoji="1" lang="en-US" altLang="ja-JP" sz="2800"/>
+              <a:rPr kumimoji="1" lang="ja-JP" altLang="en-US" sz="2800" dirty="0"/>
+              <a:t>観測値と「真の値」がエラーバーの</a:t>
+            </a:r>
+            <a:r>
+              <a:rPr kumimoji="1" lang="en-US" altLang="ja-JP" sz="2800" dirty="0"/>
+              <a:t>2</a:t>
+            </a:r>
+            <a:r>
+              <a:rPr kumimoji="1" lang="ja-JP" altLang="en-US" sz="2800" dirty="0"/>
+              <a:t>倍離れることは稀、</a:t>
+            </a:r>
+            <a:r>
+              <a:rPr kumimoji="1" lang="en-US" altLang="ja-JP" sz="2800" dirty="0"/>
+              <a:t>5</a:t>
+            </a:r>
+            <a:r>
+              <a:rPr kumimoji="1" lang="ja-JP" altLang="en-US" sz="2800" dirty="0"/>
+              <a:t>倍離れることはまずない</a:t>
+            </a:r>
           </a:p>
+        </p:txBody>
+      </p:sp>
+      <p:sp>
+        <p:nvSpPr>
+          <p:cNvPr id="6" name="テキスト ボックス 5">
+            <a:extLst>
+              <a:ext uri="{FF2B5EF4-FFF2-40B4-BE49-F238E27FC236}">
+                <a16:creationId xmlns:a16="http://schemas.microsoft.com/office/drawing/2014/main" id="{82863C63-2314-4159-8B02-E6663805C2A3}"/>
+              </a:ext>
+            </a:extLst>
+          </p:cNvPr>
+          <p:cNvSpPr txBox="1"/>
+          <p:nvPr/>
+        </p:nvSpPr>
+        <p:spPr>
+          <a:xfrm>
+            <a:off x="179512" y="5373216"/>
+            <a:ext cx="8856984" cy="461665"/>
+          </a:xfrm>
+          <a:prstGeom prst="rect">
+            <a:avLst/>
+          </a:prstGeom>
+          <a:noFill/>
+        </p:spPr>
+        <p:txBody>
+          <a:bodyPr wrap="square" rtlCol="0">
+            <a:spAutoFit/>
+          </a:bodyPr>
+          <a:lstStyle/>
           <a:p>
-            <a:pPr marL="457200" indent="-457200">
-              <a:buFont typeface="Arial" panose="020B0604020202020204" pitchFamily="34" charset="0"/>
-              <a:buChar char="•"/>
-            </a:pPr>
-            <a:r>
-              <a:rPr kumimoji="1" lang="ja-JP" altLang="en-US" sz="2800"/>
-              <a:t>ガウス分布において</a:t>
-            </a:r>
+            <a:r>
+              <a:rPr lang="ja-JP" altLang="en-US" sz="2400" dirty="0"/>
+              <a:t>この知識を活用して「おかしなグラフ」に気づくことができる</a:t>
+            </a:r>
+            <a:endParaRPr kumimoji="1" lang="en-US" altLang="ja-JP" sz="2400" dirty="0"/>
           </a:p>
         </p:txBody>
       </p:sp>
     </p:spTree>
     <p:extLst>
       <p:ext uri="{BB962C8B-B14F-4D97-AF65-F5344CB8AC3E}">
-        <p14:creationId xmlns:p14="http://schemas.microsoft.com/office/powerpoint/2010/main" val="797700091"/>
+        <p14:creationId xmlns:p14="http://schemas.microsoft.com/office/powerpoint/2010/main" val="2669426876"/>
+      </p:ext>
+    </p:extLst>
+  </p:cSld>
+  <p:clrMapOvr>
+    <a:masterClrMapping/>
+  </p:clrMapOvr>
+</p:sld>
+</file>
+
+<file path=ppt/slides/slide18.xml><?xml version="1.0" encoding="utf-8"?>
+<p:sld xmlns:a="http://schemas.openxmlformats.org/drawingml/2006/main" xmlns:r="http://schemas.openxmlformats.org/officeDocument/2006/relationships" xmlns:p="http://schemas.openxmlformats.org/presentationml/2006/main">
+  <p:cSld>
+    <p:spTree>
+      <p:nvGrpSpPr>
+        <p:cNvPr id="1" name=""/>
+        <p:cNvGrpSpPr/>
+        <p:nvPr/>
+      </p:nvGrpSpPr>
+      <p:grpSpPr>
+        <a:xfrm>
+          <a:off x="0" y="0"/>
+          <a:ext cx="0" cy="0"/>
+          <a:chOff x="0" y="0"/>
+          <a:chExt cx="0" cy="0"/>
+        </a:xfrm>
+      </p:grpSpPr>
+      <p:sp>
+        <p:nvSpPr>
+          <p:cNvPr id="2" name="テキスト プレースホルダー 1">
+            <a:extLst>
+              <a:ext uri="{FF2B5EF4-FFF2-40B4-BE49-F238E27FC236}">
+                <a16:creationId xmlns:a16="http://schemas.microsoft.com/office/drawing/2014/main" id="{697A917E-FB9F-4619-B496-F39A105FA0A4}"/>
+              </a:ext>
+            </a:extLst>
+          </p:cNvPr>
+          <p:cNvSpPr>
+            <a:spLocks noGrp="1"/>
+          </p:cNvSpPr>
+          <p:nvPr>
+            <p:ph type="body" sz="quarter" idx="10"/>
+          </p:nvPr>
+        </p:nvSpPr>
+        <p:spPr/>
+        <p:txBody>
+          <a:bodyPr/>
+          <a:lstStyle/>
+          <a:p>
+            <a:r>
+              <a:rPr lang="ja-JP" altLang="en-US" dirty="0"/>
+              <a:t>エラーバーがおかしいグラフ</a:t>
+            </a:r>
+            <a:r>
+              <a:rPr lang="en-US" altLang="ja-JP" dirty="0"/>
+              <a:t>1</a:t>
+            </a:r>
+            <a:endParaRPr kumimoji="1" lang="ja-JP" altLang="en-US" dirty="0"/>
+          </a:p>
+        </p:txBody>
+      </p:sp>
+      <p:pic>
+        <p:nvPicPr>
+          <p:cNvPr id="3" name="図 2">
+            <a:extLst>
+              <a:ext uri="{FF2B5EF4-FFF2-40B4-BE49-F238E27FC236}">
+                <a16:creationId xmlns:a16="http://schemas.microsoft.com/office/drawing/2014/main" id="{4E3008D1-94D7-4A99-AD86-D515A7E5BABE}"/>
+              </a:ext>
+            </a:extLst>
+          </p:cNvPr>
+          <p:cNvPicPr>
+            <a:picLocks noChangeAspect="1"/>
+          </p:cNvPicPr>
+          <p:nvPr/>
+        </p:nvPicPr>
+        <p:blipFill>
+          <a:blip r:embed="rId2"/>
+          <a:stretch>
+            <a:fillRect/>
+          </a:stretch>
+        </p:blipFill>
+        <p:spPr>
+          <a:xfrm>
+            <a:off x="323528" y="5805264"/>
+            <a:ext cx="835040" cy="835040"/>
+          </a:xfrm>
+          <a:prstGeom prst="rect">
+            <a:avLst/>
+          </a:prstGeom>
+        </p:spPr>
+      </p:pic>
+      <p:pic>
+        <p:nvPicPr>
+          <p:cNvPr id="5" name="図 4">
+            <a:extLst>
+              <a:ext uri="{FF2B5EF4-FFF2-40B4-BE49-F238E27FC236}">
+                <a16:creationId xmlns:a16="http://schemas.microsoft.com/office/drawing/2014/main" id="{E4EA25AE-B515-4033-A3EF-0DDA74C9F056}"/>
+              </a:ext>
+            </a:extLst>
+          </p:cNvPr>
+          <p:cNvPicPr>
+            <a:picLocks noChangeAspect="1"/>
+          </p:cNvPicPr>
+          <p:nvPr/>
+        </p:nvPicPr>
+        <p:blipFill>
+          <a:blip r:embed="rId3">
+            <a:extLst>
+              <a:ext uri="{28A0092B-C50C-407E-A947-70E740481C1C}">
+                <a14:useLocalDpi xmlns:a14="http://schemas.microsoft.com/office/drawing/2010/main" val="0"/>
+              </a:ext>
+            </a:extLst>
+          </a:blip>
+          <a:stretch>
+            <a:fillRect/>
+          </a:stretch>
+        </p:blipFill>
+        <p:spPr>
+          <a:xfrm>
+            <a:off x="1187624" y="1124744"/>
+            <a:ext cx="6096000" cy="4572000"/>
+          </a:xfrm>
+          <a:prstGeom prst="rect">
+            <a:avLst/>
+          </a:prstGeom>
+        </p:spPr>
+      </p:pic>
+      <p:sp>
+        <p:nvSpPr>
+          <p:cNvPr id="6" name="テキスト ボックス 5">
+            <a:extLst>
+              <a:ext uri="{FF2B5EF4-FFF2-40B4-BE49-F238E27FC236}">
+                <a16:creationId xmlns:a16="http://schemas.microsoft.com/office/drawing/2014/main" id="{5F6935CE-4090-4B3D-86DB-DDF75FC3A22A}"/>
+              </a:ext>
+            </a:extLst>
+          </p:cNvPr>
+          <p:cNvSpPr txBox="1"/>
+          <p:nvPr/>
+        </p:nvSpPr>
+        <p:spPr>
+          <a:xfrm>
+            <a:off x="1187624" y="6021288"/>
+            <a:ext cx="7263527" cy="461665"/>
+          </a:xfrm>
+          <a:prstGeom prst="rect">
+            <a:avLst/>
+          </a:prstGeom>
+          <a:noFill/>
+        </p:spPr>
+        <p:txBody>
+          <a:bodyPr wrap="none" rtlCol="0">
+            <a:spAutoFit/>
+          </a:bodyPr>
+          <a:lstStyle/>
+          <a:p>
+            <a:r>
+              <a:rPr kumimoji="1" lang="ja-JP" altLang="en-US" sz="2400" dirty="0"/>
+              <a:t>何かが指数関数的に減衰しているようだが・・・？</a:t>
+            </a:r>
+          </a:p>
+        </p:txBody>
+      </p:sp>
+    </p:spTree>
+    <p:extLst>
+      <p:ext uri="{BB962C8B-B14F-4D97-AF65-F5344CB8AC3E}">
+        <p14:creationId xmlns:p14="http://schemas.microsoft.com/office/powerpoint/2010/main" val="3102515943"/>
+      </p:ext>
+    </p:extLst>
+  </p:cSld>
+  <p:clrMapOvr>
+    <a:masterClrMapping/>
+  </p:clrMapOvr>
+</p:sld>
+</file>
+
+<file path=ppt/slides/slide19.xml><?xml version="1.0" encoding="utf-8"?>
+<p:sld xmlns:a="http://schemas.openxmlformats.org/drawingml/2006/main" xmlns:r="http://schemas.openxmlformats.org/officeDocument/2006/relationships" xmlns:p="http://schemas.openxmlformats.org/presentationml/2006/main">
+  <p:cSld>
+    <p:spTree>
+      <p:nvGrpSpPr>
+        <p:cNvPr id="1" name=""/>
+        <p:cNvGrpSpPr/>
+        <p:nvPr/>
+      </p:nvGrpSpPr>
+      <p:grpSpPr>
+        <a:xfrm>
+          <a:off x="0" y="0"/>
+          <a:ext cx="0" cy="0"/>
+          <a:chOff x="0" y="0"/>
+          <a:chExt cx="0" cy="0"/>
+        </a:xfrm>
+      </p:grpSpPr>
+      <p:sp>
+        <p:nvSpPr>
+          <p:cNvPr id="2" name="テキスト プレースホルダー 1">
+            <a:extLst>
+              <a:ext uri="{FF2B5EF4-FFF2-40B4-BE49-F238E27FC236}">
+                <a16:creationId xmlns:a16="http://schemas.microsoft.com/office/drawing/2014/main" id="{38719C6D-E643-4898-8723-57B27F0D1CD4}"/>
+              </a:ext>
+            </a:extLst>
+          </p:cNvPr>
+          <p:cNvSpPr>
+            <a:spLocks noGrp="1"/>
+          </p:cNvSpPr>
+          <p:nvPr>
+            <p:ph type="body" sz="quarter" idx="10"/>
+          </p:nvPr>
+        </p:nvSpPr>
+        <p:spPr/>
+        <p:txBody>
+          <a:bodyPr/>
+          <a:lstStyle/>
+          <a:p>
+            <a:r>
+              <a:rPr lang="ja-JP" altLang="en-US" dirty="0"/>
+              <a:t>エラーバーがおかしいグラフ</a:t>
+            </a:r>
+            <a:r>
+              <a:rPr lang="en-US" altLang="ja-JP" dirty="0"/>
+              <a:t>1</a:t>
+            </a:r>
+            <a:endParaRPr kumimoji="1" lang="ja-JP" altLang="en-US" dirty="0"/>
+          </a:p>
+        </p:txBody>
+      </p:sp>
+      <p:pic>
+        <p:nvPicPr>
+          <p:cNvPr id="13" name="図 12">
+            <a:extLst>
+              <a:ext uri="{FF2B5EF4-FFF2-40B4-BE49-F238E27FC236}">
+                <a16:creationId xmlns:a16="http://schemas.microsoft.com/office/drawing/2014/main" id="{E7CDC8A5-BAC3-4D37-9DAB-63887109D52B}"/>
+              </a:ext>
+            </a:extLst>
+          </p:cNvPr>
+          <p:cNvPicPr>
+            <a:picLocks noChangeAspect="1"/>
+          </p:cNvPicPr>
+          <p:nvPr/>
+        </p:nvPicPr>
+        <p:blipFill>
+          <a:blip r:embed="rId3">
+            <a:extLst>
+              <a:ext uri="{28A0092B-C50C-407E-A947-70E740481C1C}">
+                <a14:useLocalDpi xmlns:a14="http://schemas.microsoft.com/office/drawing/2010/main" val="0"/>
+              </a:ext>
+            </a:extLst>
+          </a:blip>
+          <a:stretch>
+            <a:fillRect/>
+          </a:stretch>
+        </p:blipFill>
+        <p:spPr>
+          <a:xfrm>
+            <a:off x="1187624" y="1124744"/>
+            <a:ext cx="6096000" cy="4572000"/>
+          </a:xfrm>
+          <a:prstGeom prst="rect">
+            <a:avLst/>
+          </a:prstGeom>
+        </p:spPr>
+      </p:pic>
+      <p:sp>
+        <p:nvSpPr>
+          <p:cNvPr id="5" name="テキスト ボックス 4">
+            <a:extLst>
+              <a:ext uri="{FF2B5EF4-FFF2-40B4-BE49-F238E27FC236}">
+                <a16:creationId xmlns:a16="http://schemas.microsoft.com/office/drawing/2014/main" id="{EA92AB98-333A-40B8-9E04-948BBA8D31D8}"/>
+              </a:ext>
+            </a:extLst>
+          </p:cNvPr>
+          <p:cNvSpPr txBox="1"/>
+          <p:nvPr/>
+        </p:nvSpPr>
+        <p:spPr>
+          <a:xfrm>
+            <a:off x="3419872" y="1844824"/>
+            <a:ext cx="4185761" cy="461665"/>
+          </a:xfrm>
+          <a:prstGeom prst="rect">
+            <a:avLst/>
+          </a:prstGeom>
+          <a:noFill/>
+        </p:spPr>
+        <p:txBody>
+          <a:bodyPr wrap="none" rtlCol="0">
+            <a:spAutoFit/>
+          </a:bodyPr>
+          <a:lstStyle/>
+          <a:p>
+            <a:r>
+              <a:rPr lang="ja-JP" altLang="en-US" sz="2400" dirty="0"/>
+              <a:t>な</a:t>
+            </a:r>
+            <a:r>
+              <a:rPr kumimoji="1" lang="ja-JP" altLang="en-US" sz="2400" dirty="0"/>
+              <a:t>んとなくこんな線が見える</a:t>
+            </a:r>
+          </a:p>
+        </p:txBody>
+      </p:sp>
+      <p:sp>
+        <p:nvSpPr>
+          <p:cNvPr id="16" name="テキスト ボックス 15">
+            <a:extLst>
+              <a:ext uri="{FF2B5EF4-FFF2-40B4-BE49-F238E27FC236}">
+                <a16:creationId xmlns:a16="http://schemas.microsoft.com/office/drawing/2014/main" id="{B31FE2E3-1486-47C2-860E-3B9DF005C94A}"/>
+              </a:ext>
+            </a:extLst>
+          </p:cNvPr>
+          <p:cNvSpPr txBox="1"/>
+          <p:nvPr/>
+        </p:nvSpPr>
+        <p:spPr>
+          <a:xfrm>
+            <a:off x="323528" y="5877272"/>
+            <a:ext cx="7848872" cy="830997"/>
+          </a:xfrm>
+          <a:prstGeom prst="rect">
+            <a:avLst/>
+          </a:prstGeom>
+          <a:noFill/>
+        </p:spPr>
+        <p:txBody>
+          <a:bodyPr wrap="square" rtlCol="0">
+            <a:spAutoFit/>
+          </a:bodyPr>
+          <a:lstStyle/>
+          <a:p>
+            <a:r>
+              <a:rPr lang="ja-JP" altLang="en-US" sz="2400" dirty="0"/>
+              <a:t>計算精度を高くしていったら、データはこの線に収束するであろう</a:t>
+            </a:r>
+            <a:r>
+              <a:rPr kumimoji="1" lang="ja-JP" altLang="en-US" sz="2400" dirty="0"/>
+              <a:t>と期待される線</a:t>
+            </a:r>
+            <a:r>
+              <a:rPr lang="ja-JP" altLang="en-US" sz="2400" dirty="0"/>
+              <a:t>→「真の値」</a:t>
+            </a:r>
+            <a:endParaRPr kumimoji="1" lang="ja-JP" altLang="en-US" sz="2400" dirty="0"/>
+          </a:p>
+        </p:txBody>
+      </p:sp>
+    </p:spTree>
+    <p:extLst>
+      <p:ext uri="{BB962C8B-B14F-4D97-AF65-F5344CB8AC3E}">
+        <p14:creationId xmlns:p14="http://schemas.microsoft.com/office/powerpoint/2010/main" val="3663768630"/>
       </p:ext>
     </p:extLst>
   </p:cSld>
@@ -7232,6 +8121,3067 @@
     <p:extLst>
       <p:ext uri="{BB962C8B-B14F-4D97-AF65-F5344CB8AC3E}">
         <p14:creationId xmlns:p14="http://schemas.microsoft.com/office/powerpoint/2010/main" val="2660997395"/>
+      </p:ext>
+    </p:extLst>
+  </p:cSld>
+  <p:clrMapOvr>
+    <a:masterClrMapping/>
+  </p:clrMapOvr>
+</p:sld>
+</file>
+
+<file path=ppt/slides/slide20.xml><?xml version="1.0" encoding="utf-8"?>
+<p:sld xmlns:a="http://schemas.openxmlformats.org/drawingml/2006/main" xmlns:r="http://schemas.openxmlformats.org/officeDocument/2006/relationships" xmlns:p="http://schemas.openxmlformats.org/presentationml/2006/main">
+  <p:cSld>
+    <p:spTree>
+      <p:nvGrpSpPr>
+        <p:cNvPr id="1" name=""/>
+        <p:cNvGrpSpPr/>
+        <p:nvPr/>
+      </p:nvGrpSpPr>
+      <p:grpSpPr>
+        <a:xfrm>
+          <a:off x="0" y="0"/>
+          <a:ext cx="0" cy="0"/>
+          <a:chOff x="0" y="0"/>
+          <a:chExt cx="0" cy="0"/>
+        </a:xfrm>
+      </p:grpSpPr>
+      <p:sp>
+        <p:nvSpPr>
+          <p:cNvPr id="2" name="テキスト プレースホルダー 1">
+            <a:extLst>
+              <a:ext uri="{FF2B5EF4-FFF2-40B4-BE49-F238E27FC236}">
+                <a16:creationId xmlns:a16="http://schemas.microsoft.com/office/drawing/2014/main" id="{CEE3FC56-1CA2-45F3-897F-86898FF1DF5D}"/>
+              </a:ext>
+            </a:extLst>
+          </p:cNvPr>
+          <p:cNvSpPr>
+            <a:spLocks noGrp="1"/>
+          </p:cNvSpPr>
+          <p:nvPr>
+            <p:ph type="body" sz="quarter" idx="10"/>
+          </p:nvPr>
+        </p:nvSpPr>
+        <p:spPr/>
+        <p:txBody>
+          <a:bodyPr/>
+          <a:lstStyle/>
+          <a:p>
+            <a:r>
+              <a:rPr lang="ja-JP" altLang="en-US" dirty="0"/>
+              <a:t>エラーバーがおかしいグラフ</a:t>
+            </a:r>
+            <a:r>
+              <a:rPr lang="en-US" altLang="ja-JP" dirty="0"/>
+              <a:t>1</a:t>
+            </a:r>
+            <a:endParaRPr kumimoji="1" lang="ja-JP" altLang="en-US" dirty="0"/>
+          </a:p>
+          <a:p>
+            <a:endParaRPr kumimoji="1" lang="ja-JP" altLang="en-US" dirty="0"/>
+          </a:p>
+        </p:txBody>
+      </p:sp>
+      <p:pic>
+        <p:nvPicPr>
+          <p:cNvPr id="3" name="図 2">
+            <a:extLst>
+              <a:ext uri="{FF2B5EF4-FFF2-40B4-BE49-F238E27FC236}">
+                <a16:creationId xmlns:a16="http://schemas.microsoft.com/office/drawing/2014/main" id="{9DDCE9D8-6E8F-460E-9A5D-92F5D75F9575}"/>
+              </a:ext>
+            </a:extLst>
+          </p:cNvPr>
+          <p:cNvPicPr>
+            <a:picLocks noChangeAspect="1"/>
+          </p:cNvPicPr>
+          <p:nvPr/>
+        </p:nvPicPr>
+        <p:blipFill>
+          <a:blip r:embed="rId2">
+            <a:extLst>
+              <a:ext uri="{28A0092B-C50C-407E-A947-70E740481C1C}">
+                <a14:useLocalDpi xmlns:a14="http://schemas.microsoft.com/office/drawing/2010/main" val="0"/>
+              </a:ext>
+            </a:extLst>
+          </a:blip>
+          <a:stretch>
+            <a:fillRect/>
+          </a:stretch>
+        </p:blipFill>
+        <p:spPr>
+          <a:xfrm>
+            <a:off x="323528" y="1196752"/>
+            <a:ext cx="5976664" cy="4482498"/>
+          </a:xfrm>
+          <a:prstGeom prst="rect">
+            <a:avLst/>
+          </a:prstGeom>
+        </p:spPr>
+      </p:pic>
+      <p:sp>
+        <p:nvSpPr>
+          <p:cNvPr id="4" name="テキスト ボックス 3">
+            <a:extLst>
+              <a:ext uri="{FF2B5EF4-FFF2-40B4-BE49-F238E27FC236}">
+                <a16:creationId xmlns:a16="http://schemas.microsoft.com/office/drawing/2014/main" id="{E73A9ACE-26E4-461D-A1BD-180F4492D8CD}"/>
+              </a:ext>
+            </a:extLst>
+          </p:cNvPr>
+          <p:cNvSpPr txBox="1"/>
+          <p:nvPr/>
+        </p:nvSpPr>
+        <p:spPr>
+          <a:xfrm>
+            <a:off x="323528" y="5949280"/>
+            <a:ext cx="7127272" cy="830997"/>
+          </a:xfrm>
+          <a:prstGeom prst="rect">
+            <a:avLst/>
+          </a:prstGeom>
+          <a:noFill/>
+        </p:spPr>
+        <p:txBody>
+          <a:bodyPr wrap="none" rtlCol="0">
+            <a:spAutoFit/>
+          </a:bodyPr>
+          <a:lstStyle/>
+          <a:p>
+            <a:r>
+              <a:rPr lang="ja-JP" altLang="en-US" sz="2400" dirty="0"/>
+              <a:t>もしエラーバーが</a:t>
+            </a:r>
+            <a:r>
+              <a:rPr lang="en-US" altLang="ja-JP" sz="2400" dirty="0"/>
+              <a:t>1</a:t>
+            </a:r>
+            <a:r>
+              <a:rPr lang="ja-JP" altLang="en-US" sz="2400" dirty="0"/>
+              <a:t>シグマの範囲で取られていたら</a:t>
+            </a:r>
+            <a:endParaRPr lang="en-US" altLang="ja-JP" sz="2400" dirty="0"/>
+          </a:p>
+          <a:p>
+            <a:r>
+              <a:rPr kumimoji="1" lang="en-US" altLang="ja-JP" sz="2400" dirty="0"/>
+              <a:t>3</a:t>
+            </a:r>
+            <a:r>
+              <a:rPr kumimoji="1" lang="ja-JP" altLang="en-US" sz="2400" dirty="0"/>
+              <a:t>つに</a:t>
+            </a:r>
+            <a:r>
+              <a:rPr kumimoji="1" lang="en-US" altLang="ja-JP" sz="2400" dirty="0"/>
+              <a:t>1</a:t>
+            </a:r>
+            <a:r>
+              <a:rPr kumimoji="1" lang="ja-JP" altLang="en-US" sz="2400" dirty="0"/>
+              <a:t>つは「真の値」から外れないとおかしい</a:t>
+            </a:r>
+          </a:p>
+        </p:txBody>
+      </p:sp>
+      <p:sp>
+        <p:nvSpPr>
+          <p:cNvPr id="6" name="テキスト ボックス 5">
+            <a:extLst>
+              <a:ext uri="{FF2B5EF4-FFF2-40B4-BE49-F238E27FC236}">
+                <a16:creationId xmlns:a16="http://schemas.microsoft.com/office/drawing/2014/main" id="{914A657C-3101-49BE-BC7E-065099AAA66A}"/>
+              </a:ext>
+            </a:extLst>
+          </p:cNvPr>
+          <p:cNvSpPr txBox="1"/>
+          <p:nvPr/>
+        </p:nvSpPr>
+        <p:spPr>
+          <a:xfrm>
+            <a:off x="3203848" y="2132856"/>
+            <a:ext cx="5724644" cy="830997"/>
+          </a:xfrm>
+          <a:prstGeom prst="rect">
+            <a:avLst/>
+          </a:prstGeom>
+          <a:solidFill>
+            <a:schemeClr val="bg1"/>
+          </a:solidFill>
+          <a:ln>
+            <a:solidFill>
+              <a:schemeClr val="tx1"/>
+            </a:solidFill>
+          </a:ln>
+        </p:spPr>
+        <p:txBody>
+          <a:bodyPr wrap="none" rtlCol="0">
+            <a:spAutoFit/>
+          </a:bodyPr>
+          <a:lstStyle/>
+          <a:p>
+            <a:r>
+              <a:rPr kumimoji="1" lang="ja-JP" altLang="en-US" sz="2400" dirty="0"/>
+              <a:t>全てのデータ点について</a:t>
+            </a:r>
+            <a:endParaRPr kumimoji="1" lang="en-US" altLang="ja-JP" sz="2400" dirty="0"/>
+          </a:p>
+          <a:p>
+            <a:r>
+              <a:rPr kumimoji="1" lang="ja-JP" altLang="en-US" sz="2400" dirty="0"/>
+              <a:t>「真の値」にエラーバーがかかっている</a:t>
+            </a:r>
+          </a:p>
+        </p:txBody>
+      </p:sp>
+    </p:spTree>
+    <p:extLst>
+      <p:ext uri="{BB962C8B-B14F-4D97-AF65-F5344CB8AC3E}">
+        <p14:creationId xmlns:p14="http://schemas.microsoft.com/office/powerpoint/2010/main" val="3017566704"/>
+      </p:ext>
+    </p:extLst>
+  </p:cSld>
+  <p:clrMapOvr>
+    <a:masterClrMapping/>
+  </p:clrMapOvr>
+</p:sld>
+</file>
+
+<file path=ppt/slides/slide21.xml><?xml version="1.0" encoding="utf-8"?>
+<p:sld xmlns:a="http://schemas.openxmlformats.org/drawingml/2006/main" xmlns:r="http://schemas.openxmlformats.org/officeDocument/2006/relationships" xmlns:p="http://schemas.openxmlformats.org/presentationml/2006/main">
+  <p:cSld>
+    <p:spTree>
+      <p:nvGrpSpPr>
+        <p:cNvPr id="1" name=""/>
+        <p:cNvGrpSpPr/>
+        <p:nvPr/>
+      </p:nvGrpSpPr>
+      <p:grpSpPr>
+        <a:xfrm>
+          <a:off x="0" y="0"/>
+          <a:ext cx="0" cy="0"/>
+          <a:chOff x="0" y="0"/>
+          <a:chExt cx="0" cy="0"/>
+        </a:xfrm>
+      </p:grpSpPr>
+      <p:sp>
+        <p:nvSpPr>
+          <p:cNvPr id="2" name="テキスト プレースホルダー 1">
+            <a:extLst>
+              <a:ext uri="{FF2B5EF4-FFF2-40B4-BE49-F238E27FC236}">
+                <a16:creationId xmlns:a16="http://schemas.microsoft.com/office/drawing/2014/main" id="{275486DE-1C1A-4603-B00C-461FB454580D}"/>
+              </a:ext>
+            </a:extLst>
+          </p:cNvPr>
+          <p:cNvSpPr>
+            <a:spLocks noGrp="1"/>
+          </p:cNvSpPr>
+          <p:nvPr>
+            <p:ph type="body" sz="quarter" idx="10"/>
+          </p:nvPr>
+        </p:nvSpPr>
+        <p:spPr/>
+        <p:txBody>
+          <a:bodyPr/>
+          <a:lstStyle/>
+          <a:p>
+            <a:r>
+              <a:rPr lang="ja-JP" altLang="en-US" dirty="0"/>
+              <a:t>エラーバーがおかしいグラフ</a:t>
+            </a:r>
+            <a:r>
+              <a:rPr lang="en-US" altLang="ja-JP" dirty="0"/>
+              <a:t>1</a:t>
+            </a:r>
+            <a:endParaRPr kumimoji="1" lang="ja-JP" altLang="en-US" dirty="0"/>
+          </a:p>
+        </p:txBody>
+      </p:sp>
+      <p:sp>
+        <p:nvSpPr>
+          <p:cNvPr id="4" name="テキスト ボックス 3">
+            <a:extLst>
+              <a:ext uri="{FF2B5EF4-FFF2-40B4-BE49-F238E27FC236}">
+                <a16:creationId xmlns:a16="http://schemas.microsoft.com/office/drawing/2014/main" id="{F58871C3-90B0-4200-8795-5981BEAD2EFF}"/>
+              </a:ext>
+            </a:extLst>
+          </p:cNvPr>
+          <p:cNvSpPr txBox="1"/>
+          <p:nvPr/>
+        </p:nvSpPr>
+        <p:spPr>
+          <a:xfrm>
+            <a:off x="251520" y="1484784"/>
+            <a:ext cx="5976664" cy="4524315"/>
+          </a:xfrm>
+          <a:prstGeom prst="rect">
+            <a:avLst/>
+          </a:prstGeom>
+          <a:noFill/>
+          <a:ln>
+            <a:solidFill>
+              <a:schemeClr val="tx1"/>
+            </a:solidFill>
+          </a:ln>
+        </p:spPr>
+        <p:txBody>
+          <a:bodyPr wrap="square">
+            <a:spAutoFit/>
+          </a:bodyPr>
+          <a:lstStyle/>
+          <a:p>
+            <a:r>
+              <a:rPr lang="en-US" altLang="ja-JP" sz="2400" b="0" dirty="0">
+                <a:solidFill>
+                  <a:srgbClr val="0991B6"/>
+                </a:solidFill>
+                <a:effectLst/>
+                <a:latin typeface="Consolas" panose="020B0609020204030204" pitchFamily="49" charset="0"/>
+              </a:rPr>
+              <a:t>import</a:t>
+            </a:r>
+            <a:r>
+              <a:rPr lang="en-US" altLang="ja-JP" sz="2400" b="0" dirty="0">
+                <a:solidFill>
+                  <a:srgbClr val="236EBF"/>
+                </a:solidFill>
+                <a:effectLst/>
+                <a:latin typeface="Consolas" panose="020B0609020204030204" pitchFamily="49" charset="0"/>
+              </a:rPr>
+              <a:t> </a:t>
+            </a:r>
+            <a:r>
+              <a:rPr lang="en-US" altLang="ja-JP" sz="2400" b="0" dirty="0" err="1">
+                <a:solidFill>
+                  <a:srgbClr val="236EBF"/>
+                </a:solidFill>
+                <a:effectLst/>
+                <a:latin typeface="Consolas" panose="020B0609020204030204" pitchFamily="49" charset="0"/>
+              </a:rPr>
+              <a:t>numpy</a:t>
+            </a:r>
+            <a:r>
+              <a:rPr lang="en-US" altLang="ja-JP" sz="2400" b="0" dirty="0">
+                <a:solidFill>
+                  <a:srgbClr val="236EBF"/>
+                </a:solidFill>
+                <a:effectLst/>
+                <a:latin typeface="Consolas" panose="020B0609020204030204" pitchFamily="49" charset="0"/>
+              </a:rPr>
+              <a:t> </a:t>
+            </a:r>
+            <a:r>
+              <a:rPr lang="en-US" altLang="ja-JP" sz="2400" b="0" dirty="0">
+                <a:solidFill>
+                  <a:srgbClr val="0991B6"/>
+                </a:solidFill>
+                <a:effectLst/>
+                <a:latin typeface="Consolas" panose="020B0609020204030204" pitchFamily="49" charset="0"/>
+              </a:rPr>
+              <a:t>as</a:t>
+            </a:r>
+            <a:r>
+              <a:rPr lang="en-US" altLang="ja-JP" sz="2400" b="0" dirty="0">
+                <a:solidFill>
+                  <a:srgbClr val="236EBF"/>
+                </a:solidFill>
+                <a:effectLst/>
+                <a:latin typeface="Consolas" panose="020B0609020204030204" pitchFamily="49" charset="0"/>
+              </a:rPr>
+              <a:t> np</a:t>
+            </a:r>
+          </a:p>
+          <a:p>
+            <a:br>
+              <a:rPr lang="en-US" altLang="ja-JP" sz="2400" b="0" dirty="0">
+                <a:solidFill>
+                  <a:srgbClr val="236EBF"/>
+                </a:solidFill>
+                <a:effectLst/>
+                <a:latin typeface="Consolas" panose="020B0609020204030204" pitchFamily="49" charset="0"/>
+              </a:rPr>
+            </a:br>
+            <a:r>
+              <a:rPr lang="en-US" altLang="ja-JP" sz="2400" b="0" dirty="0">
+                <a:solidFill>
+                  <a:srgbClr val="236EBF"/>
+                </a:solidFill>
+                <a:effectLst/>
+                <a:latin typeface="Consolas" panose="020B0609020204030204" pitchFamily="49" charset="0"/>
+              </a:rPr>
+              <a:t>N </a:t>
+            </a:r>
+            <a:r>
+              <a:rPr lang="en-US" altLang="ja-JP" sz="2400" b="0" dirty="0">
+                <a:solidFill>
+                  <a:srgbClr val="7B30D0"/>
+                </a:solidFill>
+                <a:effectLst/>
+                <a:latin typeface="Consolas" panose="020B0609020204030204" pitchFamily="49" charset="0"/>
+              </a:rPr>
+              <a:t>=</a:t>
+            </a:r>
+            <a:r>
+              <a:rPr lang="en-US" altLang="ja-JP" sz="2400" b="0" dirty="0">
+                <a:solidFill>
+                  <a:srgbClr val="236EBF"/>
+                </a:solidFill>
+                <a:effectLst/>
+                <a:latin typeface="Consolas" panose="020B0609020204030204" pitchFamily="49" charset="0"/>
+              </a:rPr>
+              <a:t> </a:t>
+            </a:r>
+            <a:r>
+              <a:rPr lang="en-US" altLang="ja-JP" sz="2400" b="0" dirty="0">
+                <a:solidFill>
+                  <a:srgbClr val="174781"/>
+                </a:solidFill>
+                <a:effectLst/>
+                <a:latin typeface="Consolas" panose="020B0609020204030204" pitchFamily="49" charset="0"/>
+              </a:rPr>
+              <a:t>10</a:t>
+            </a:r>
+            <a:endParaRPr lang="en-US" altLang="ja-JP" sz="2400" b="0" dirty="0">
+              <a:solidFill>
+                <a:srgbClr val="236EBF"/>
+              </a:solidFill>
+              <a:effectLst/>
+              <a:latin typeface="Consolas" panose="020B0609020204030204" pitchFamily="49" charset="0"/>
+            </a:endParaRPr>
+          </a:p>
+          <a:p>
+            <a:r>
+              <a:rPr lang="en-US" altLang="ja-JP" sz="2400" b="0" dirty="0" err="1">
+                <a:solidFill>
+                  <a:srgbClr val="236EBF"/>
+                </a:solidFill>
+                <a:effectLst/>
+                <a:latin typeface="Consolas" panose="020B0609020204030204" pitchFamily="49" charset="0"/>
+              </a:rPr>
+              <a:t>np.random.seed</a:t>
+            </a:r>
+            <a:r>
+              <a:rPr lang="en-US" altLang="ja-JP" sz="2400" b="0" dirty="0">
+                <a:solidFill>
+                  <a:srgbClr val="236EBF"/>
+                </a:solidFill>
+                <a:effectLst/>
+                <a:latin typeface="Consolas" panose="020B0609020204030204" pitchFamily="49" charset="0"/>
+              </a:rPr>
+              <a:t>(</a:t>
+            </a:r>
+            <a:r>
+              <a:rPr lang="en-US" altLang="ja-JP" sz="2400" b="0" dirty="0">
+                <a:solidFill>
+                  <a:srgbClr val="174781"/>
+                </a:solidFill>
+                <a:effectLst/>
+                <a:latin typeface="Consolas" panose="020B0609020204030204" pitchFamily="49" charset="0"/>
+              </a:rPr>
+              <a:t>1</a:t>
+            </a:r>
+            <a:r>
+              <a:rPr lang="en-US" altLang="ja-JP" sz="2400" b="0" dirty="0">
+                <a:solidFill>
+                  <a:srgbClr val="236EBF"/>
+                </a:solidFill>
+                <a:effectLst/>
+                <a:latin typeface="Consolas" panose="020B0609020204030204" pitchFamily="49" charset="0"/>
+              </a:rPr>
+              <a:t>)</a:t>
+            </a:r>
+          </a:p>
+          <a:p>
+            <a:r>
+              <a:rPr lang="en-US" altLang="ja-JP" sz="2400" b="0" dirty="0">
+                <a:solidFill>
+                  <a:srgbClr val="0991B6"/>
+                </a:solidFill>
+                <a:effectLst/>
+                <a:latin typeface="Consolas" panose="020B0609020204030204" pitchFamily="49" charset="0"/>
+              </a:rPr>
+              <a:t>for</a:t>
+            </a:r>
+            <a:r>
+              <a:rPr lang="en-US" altLang="ja-JP" sz="2400" b="0" dirty="0">
+                <a:solidFill>
+                  <a:srgbClr val="236EBF"/>
+                </a:solidFill>
+                <a:effectLst/>
+                <a:latin typeface="Consolas" panose="020B0609020204030204" pitchFamily="49" charset="0"/>
+              </a:rPr>
+              <a:t> </a:t>
+            </a:r>
+            <a:r>
+              <a:rPr lang="en-US" altLang="ja-JP" sz="2400" b="0" dirty="0" err="1">
+                <a:solidFill>
+                  <a:srgbClr val="236EBF"/>
+                </a:solidFill>
+                <a:effectLst/>
+                <a:latin typeface="Consolas" panose="020B0609020204030204" pitchFamily="49" charset="0"/>
+              </a:rPr>
+              <a:t>i</a:t>
+            </a:r>
+            <a:r>
+              <a:rPr lang="en-US" altLang="ja-JP" sz="2400" b="0" dirty="0">
+                <a:solidFill>
+                  <a:srgbClr val="236EBF"/>
+                </a:solidFill>
+                <a:effectLst/>
+                <a:latin typeface="Consolas" panose="020B0609020204030204" pitchFamily="49" charset="0"/>
+              </a:rPr>
+              <a:t> </a:t>
+            </a:r>
+            <a:r>
+              <a:rPr lang="en-US" altLang="ja-JP" sz="2400" b="0" dirty="0">
+                <a:solidFill>
+                  <a:srgbClr val="0991B6"/>
+                </a:solidFill>
+                <a:effectLst/>
+                <a:latin typeface="Consolas" panose="020B0609020204030204" pitchFamily="49" charset="0"/>
+              </a:rPr>
+              <a:t>in</a:t>
+            </a:r>
+            <a:r>
+              <a:rPr lang="en-US" altLang="ja-JP" sz="2400" b="0" dirty="0">
+                <a:solidFill>
+                  <a:srgbClr val="236EBF"/>
+                </a:solidFill>
+                <a:effectLst/>
+                <a:latin typeface="Consolas" panose="020B0609020204030204" pitchFamily="49" charset="0"/>
+              </a:rPr>
+              <a:t> </a:t>
+            </a:r>
+            <a:r>
+              <a:rPr lang="en-US" altLang="ja-JP" sz="2400" b="0" dirty="0">
+                <a:solidFill>
+                  <a:srgbClr val="08134A"/>
+                </a:solidFill>
+                <a:effectLst/>
+                <a:latin typeface="Consolas" panose="020B0609020204030204" pitchFamily="49" charset="0"/>
+              </a:rPr>
+              <a:t>range</a:t>
+            </a:r>
+            <a:r>
+              <a:rPr lang="en-US" altLang="ja-JP" sz="2400" b="0" dirty="0">
+                <a:solidFill>
+                  <a:srgbClr val="236EBF"/>
+                </a:solidFill>
+                <a:effectLst/>
+                <a:latin typeface="Consolas" panose="020B0609020204030204" pitchFamily="49" charset="0"/>
+              </a:rPr>
+              <a:t>(</a:t>
+            </a:r>
+            <a:r>
+              <a:rPr lang="en-US" altLang="ja-JP" sz="2400" b="0" dirty="0">
+                <a:solidFill>
+                  <a:srgbClr val="174781"/>
+                </a:solidFill>
+                <a:effectLst/>
+                <a:latin typeface="Consolas" panose="020B0609020204030204" pitchFamily="49" charset="0"/>
+              </a:rPr>
+              <a:t>10</a:t>
+            </a:r>
+            <a:r>
+              <a:rPr lang="en-US" altLang="ja-JP" sz="2400" b="0" dirty="0">
+                <a:solidFill>
+                  <a:srgbClr val="236EBF"/>
+                </a:solidFill>
+                <a:effectLst/>
+                <a:latin typeface="Consolas" panose="020B0609020204030204" pitchFamily="49" charset="0"/>
+              </a:rPr>
+              <a:t>):</a:t>
+            </a:r>
+          </a:p>
+          <a:p>
+            <a:r>
+              <a:rPr lang="en-US" altLang="ja-JP" sz="2400" b="0" dirty="0">
+                <a:solidFill>
+                  <a:srgbClr val="236EBF"/>
+                </a:solidFill>
+                <a:effectLst/>
+                <a:latin typeface="Consolas" panose="020B0609020204030204" pitchFamily="49" charset="0"/>
+              </a:rPr>
+              <a:t>    x </a:t>
+            </a:r>
+            <a:r>
+              <a:rPr lang="en-US" altLang="ja-JP" sz="2400" b="0" dirty="0">
+                <a:solidFill>
+                  <a:srgbClr val="7B30D0"/>
+                </a:solidFill>
+                <a:effectLst/>
+                <a:latin typeface="Consolas" panose="020B0609020204030204" pitchFamily="49" charset="0"/>
+              </a:rPr>
+              <a:t>=</a:t>
+            </a:r>
+            <a:r>
+              <a:rPr lang="en-US" altLang="ja-JP" sz="2400" b="0" dirty="0">
+                <a:solidFill>
+                  <a:srgbClr val="236EBF"/>
+                </a:solidFill>
+                <a:effectLst/>
+                <a:latin typeface="Consolas" panose="020B0609020204030204" pitchFamily="49" charset="0"/>
+              </a:rPr>
+              <a:t> </a:t>
+            </a:r>
+            <a:r>
+              <a:rPr lang="en-US" altLang="ja-JP" sz="2400" b="0" dirty="0" err="1">
+                <a:solidFill>
+                  <a:srgbClr val="236EBF"/>
+                </a:solidFill>
+                <a:effectLst/>
+                <a:latin typeface="Consolas" panose="020B0609020204030204" pitchFamily="49" charset="0"/>
+              </a:rPr>
+              <a:t>i</a:t>
+            </a:r>
+            <a:r>
+              <a:rPr lang="en-US" altLang="ja-JP" sz="2400" b="0" dirty="0">
+                <a:solidFill>
+                  <a:srgbClr val="236EBF"/>
+                </a:solidFill>
+                <a:effectLst/>
+                <a:latin typeface="Consolas" panose="020B0609020204030204" pitchFamily="49" charset="0"/>
+              </a:rPr>
+              <a:t> </a:t>
+            </a:r>
+            <a:r>
+              <a:rPr lang="en-US" altLang="ja-JP" sz="2400" b="0" dirty="0">
+                <a:solidFill>
+                  <a:srgbClr val="7B30D0"/>
+                </a:solidFill>
+                <a:effectLst/>
+                <a:latin typeface="Consolas" panose="020B0609020204030204" pitchFamily="49" charset="0"/>
+              </a:rPr>
+              <a:t>+</a:t>
+            </a:r>
+            <a:r>
+              <a:rPr lang="en-US" altLang="ja-JP" sz="2400" b="0" dirty="0">
+                <a:solidFill>
+                  <a:srgbClr val="236EBF"/>
+                </a:solidFill>
+                <a:effectLst/>
+                <a:latin typeface="Consolas" panose="020B0609020204030204" pitchFamily="49" charset="0"/>
+              </a:rPr>
+              <a:t> </a:t>
+            </a:r>
+            <a:r>
+              <a:rPr lang="en-US" altLang="ja-JP" sz="2400" b="0" dirty="0">
+                <a:solidFill>
+                  <a:srgbClr val="174781"/>
+                </a:solidFill>
+                <a:effectLst/>
+                <a:latin typeface="Consolas" panose="020B0609020204030204" pitchFamily="49" charset="0"/>
+              </a:rPr>
+              <a:t>0.5</a:t>
+            </a:r>
+            <a:endParaRPr lang="en-US" altLang="ja-JP" sz="2400" b="0" dirty="0">
+              <a:solidFill>
+                <a:srgbClr val="236EBF"/>
+              </a:solidFill>
+              <a:effectLst/>
+              <a:latin typeface="Consolas" panose="020B0609020204030204" pitchFamily="49" charset="0"/>
+            </a:endParaRPr>
+          </a:p>
+          <a:p>
+            <a:r>
+              <a:rPr lang="en-US" altLang="ja-JP" sz="2400" b="0" dirty="0">
+                <a:solidFill>
+                  <a:srgbClr val="236EBF"/>
+                </a:solidFill>
+                <a:effectLst/>
+                <a:latin typeface="Consolas" panose="020B0609020204030204" pitchFamily="49" charset="0"/>
+              </a:rPr>
+              <a:t>    d </a:t>
+            </a:r>
+            <a:r>
+              <a:rPr lang="en-US" altLang="ja-JP" sz="2400" b="0" dirty="0">
+                <a:solidFill>
+                  <a:srgbClr val="7B30D0"/>
+                </a:solidFill>
+                <a:effectLst/>
+                <a:latin typeface="Consolas" panose="020B0609020204030204" pitchFamily="49" charset="0"/>
+              </a:rPr>
+              <a:t>=</a:t>
+            </a:r>
+            <a:r>
+              <a:rPr lang="en-US" altLang="ja-JP" sz="2400" b="0" dirty="0">
+                <a:solidFill>
+                  <a:srgbClr val="236EBF"/>
+                </a:solidFill>
+                <a:effectLst/>
+                <a:latin typeface="Consolas" panose="020B0609020204030204" pitchFamily="49" charset="0"/>
+              </a:rPr>
+              <a:t> </a:t>
+            </a:r>
+            <a:r>
+              <a:rPr lang="en-US" altLang="ja-JP" sz="2400" b="0" dirty="0" err="1">
+                <a:solidFill>
+                  <a:srgbClr val="236EBF"/>
+                </a:solidFill>
+                <a:effectLst/>
+                <a:latin typeface="Consolas" panose="020B0609020204030204" pitchFamily="49" charset="0"/>
+              </a:rPr>
+              <a:t>np.zeros</a:t>
+            </a:r>
+            <a:r>
+              <a:rPr lang="en-US" altLang="ja-JP" sz="2400" b="0" dirty="0">
+                <a:solidFill>
+                  <a:srgbClr val="236EBF"/>
+                </a:solidFill>
+                <a:effectLst/>
+                <a:latin typeface="Consolas" panose="020B0609020204030204" pitchFamily="49" charset="0"/>
+              </a:rPr>
+              <a:t>(N)</a:t>
+            </a:r>
+          </a:p>
+          <a:p>
+            <a:r>
+              <a:rPr lang="en-US" altLang="ja-JP" sz="2400" b="0" dirty="0">
+                <a:solidFill>
+                  <a:srgbClr val="236EBF"/>
+                </a:solidFill>
+                <a:effectLst/>
+                <a:latin typeface="Consolas" panose="020B0609020204030204" pitchFamily="49" charset="0"/>
+              </a:rPr>
+              <a:t>    d </a:t>
+            </a:r>
+            <a:r>
+              <a:rPr lang="en-US" altLang="ja-JP" sz="2400" b="0" dirty="0">
+                <a:solidFill>
+                  <a:srgbClr val="7B30D0"/>
+                </a:solidFill>
+                <a:effectLst/>
+                <a:latin typeface="Consolas" panose="020B0609020204030204" pitchFamily="49" charset="0"/>
+              </a:rPr>
+              <a:t>+=</a:t>
+            </a:r>
+            <a:r>
+              <a:rPr lang="en-US" altLang="ja-JP" sz="2400" b="0" dirty="0">
+                <a:solidFill>
+                  <a:srgbClr val="236EBF"/>
+                </a:solidFill>
+                <a:effectLst/>
+                <a:latin typeface="Consolas" panose="020B0609020204030204" pitchFamily="49" charset="0"/>
+              </a:rPr>
+              <a:t> </a:t>
+            </a:r>
+            <a:r>
+              <a:rPr lang="en-US" altLang="ja-JP" sz="2400" b="0" dirty="0" err="1">
+                <a:solidFill>
+                  <a:srgbClr val="236EBF"/>
+                </a:solidFill>
+                <a:effectLst/>
+                <a:latin typeface="Consolas" panose="020B0609020204030204" pitchFamily="49" charset="0"/>
+              </a:rPr>
+              <a:t>np.exp</a:t>
+            </a:r>
+            <a:r>
+              <a:rPr lang="en-US" altLang="ja-JP" sz="2400" b="0" dirty="0">
+                <a:solidFill>
+                  <a:srgbClr val="236EBF"/>
+                </a:solidFill>
+                <a:effectLst/>
+                <a:latin typeface="Consolas" panose="020B0609020204030204" pitchFamily="49" charset="0"/>
+              </a:rPr>
+              <a:t>(</a:t>
+            </a:r>
+            <a:r>
+              <a:rPr lang="en-US" altLang="ja-JP" sz="2400" b="0" dirty="0">
+                <a:solidFill>
+                  <a:srgbClr val="7B30D0"/>
+                </a:solidFill>
+                <a:effectLst/>
+                <a:latin typeface="Consolas" panose="020B0609020204030204" pitchFamily="49" charset="0"/>
+              </a:rPr>
+              <a:t>-</a:t>
+            </a:r>
+            <a:r>
+              <a:rPr lang="en-US" altLang="ja-JP" sz="2400" b="0" dirty="0">
+                <a:solidFill>
+                  <a:srgbClr val="236EBF"/>
+                </a:solidFill>
+                <a:effectLst/>
+                <a:latin typeface="Consolas" panose="020B0609020204030204" pitchFamily="49" charset="0"/>
+              </a:rPr>
+              <a:t>x</a:t>
+            </a:r>
+            <a:r>
+              <a:rPr lang="en-US" altLang="ja-JP" sz="2400" b="0" dirty="0">
+                <a:solidFill>
+                  <a:srgbClr val="7B30D0"/>
+                </a:solidFill>
+                <a:effectLst/>
+                <a:latin typeface="Consolas" panose="020B0609020204030204" pitchFamily="49" charset="0"/>
+              </a:rPr>
+              <a:t>/</a:t>
+            </a:r>
+            <a:r>
+              <a:rPr lang="en-US" altLang="ja-JP" sz="2400" b="0" dirty="0">
+                <a:solidFill>
+                  <a:srgbClr val="174781"/>
+                </a:solidFill>
+                <a:effectLst/>
+                <a:latin typeface="Consolas" panose="020B0609020204030204" pitchFamily="49" charset="0"/>
+              </a:rPr>
+              <a:t>3</a:t>
+            </a:r>
+            <a:r>
+              <a:rPr lang="en-US" altLang="ja-JP" sz="2400" b="0" dirty="0">
+                <a:solidFill>
+                  <a:srgbClr val="236EBF"/>
+                </a:solidFill>
+                <a:effectLst/>
+                <a:latin typeface="Consolas" panose="020B0609020204030204" pitchFamily="49" charset="0"/>
+              </a:rPr>
+              <a:t>)</a:t>
+            </a:r>
+          </a:p>
+          <a:p>
+            <a:r>
+              <a:rPr lang="en-US" altLang="ja-JP" sz="2400" b="0" dirty="0">
+                <a:solidFill>
+                  <a:srgbClr val="236EBF"/>
+                </a:solidFill>
+                <a:effectLst/>
+                <a:latin typeface="Consolas" panose="020B0609020204030204" pitchFamily="49" charset="0"/>
+              </a:rPr>
+              <a:t>    d </a:t>
+            </a:r>
+            <a:r>
+              <a:rPr lang="en-US" altLang="ja-JP" sz="2400" b="0" dirty="0">
+                <a:solidFill>
+                  <a:srgbClr val="7B30D0"/>
+                </a:solidFill>
+                <a:effectLst/>
+                <a:latin typeface="Consolas" panose="020B0609020204030204" pitchFamily="49" charset="0"/>
+              </a:rPr>
+              <a:t>+=</a:t>
+            </a:r>
+            <a:r>
+              <a:rPr lang="en-US" altLang="ja-JP" sz="2400" b="0" dirty="0">
+                <a:solidFill>
+                  <a:srgbClr val="236EBF"/>
+                </a:solidFill>
+                <a:effectLst/>
+                <a:latin typeface="Consolas" panose="020B0609020204030204" pitchFamily="49" charset="0"/>
+              </a:rPr>
+              <a:t> </a:t>
+            </a:r>
+            <a:r>
+              <a:rPr lang="en-US" altLang="ja-JP" sz="2400" b="0" dirty="0" err="1">
+                <a:solidFill>
+                  <a:srgbClr val="236EBF"/>
+                </a:solidFill>
+                <a:effectLst/>
+                <a:latin typeface="Consolas" panose="020B0609020204030204" pitchFamily="49" charset="0"/>
+              </a:rPr>
+              <a:t>np.random.randn</a:t>
+            </a:r>
+            <a:r>
+              <a:rPr lang="en-US" altLang="ja-JP" sz="2400" b="0" dirty="0">
+                <a:solidFill>
+                  <a:srgbClr val="236EBF"/>
+                </a:solidFill>
+                <a:effectLst/>
+                <a:latin typeface="Consolas" panose="020B0609020204030204" pitchFamily="49" charset="0"/>
+              </a:rPr>
+              <a:t>(N)</a:t>
+            </a:r>
+            <a:r>
+              <a:rPr lang="en-US" altLang="ja-JP" sz="2400" b="0" dirty="0">
+                <a:solidFill>
+                  <a:srgbClr val="7B30D0"/>
+                </a:solidFill>
+                <a:effectLst/>
+                <a:latin typeface="Consolas" panose="020B0609020204030204" pitchFamily="49" charset="0"/>
+              </a:rPr>
+              <a:t>*</a:t>
+            </a:r>
+            <a:r>
+              <a:rPr lang="en-US" altLang="ja-JP" sz="2400" b="0" dirty="0">
+                <a:solidFill>
+                  <a:srgbClr val="174781"/>
+                </a:solidFill>
+                <a:effectLst/>
+                <a:latin typeface="Consolas" panose="020B0609020204030204" pitchFamily="49" charset="0"/>
+              </a:rPr>
+              <a:t>0.1</a:t>
+            </a:r>
+            <a:endParaRPr lang="en-US" altLang="ja-JP" sz="2400" b="0" dirty="0">
+              <a:solidFill>
+                <a:srgbClr val="236EBF"/>
+              </a:solidFill>
+              <a:effectLst/>
+              <a:latin typeface="Consolas" panose="020B0609020204030204" pitchFamily="49" charset="0"/>
+            </a:endParaRPr>
+          </a:p>
+          <a:p>
+            <a:r>
+              <a:rPr lang="en-US" altLang="ja-JP" sz="2400" b="0" dirty="0">
+                <a:solidFill>
+                  <a:srgbClr val="236EBF"/>
+                </a:solidFill>
+                <a:effectLst/>
+                <a:latin typeface="Consolas" panose="020B0609020204030204" pitchFamily="49" charset="0"/>
+              </a:rPr>
+              <a:t>    y </a:t>
+            </a:r>
+            <a:r>
+              <a:rPr lang="en-US" altLang="ja-JP" sz="2400" b="0" dirty="0">
+                <a:solidFill>
+                  <a:srgbClr val="7B30D0"/>
+                </a:solidFill>
+                <a:effectLst/>
+                <a:latin typeface="Consolas" panose="020B0609020204030204" pitchFamily="49" charset="0"/>
+              </a:rPr>
+              <a:t>=</a:t>
+            </a:r>
+            <a:r>
+              <a:rPr lang="en-US" altLang="ja-JP" sz="2400" b="0" dirty="0">
+                <a:solidFill>
+                  <a:srgbClr val="236EBF"/>
+                </a:solidFill>
+                <a:effectLst/>
+                <a:latin typeface="Consolas" panose="020B0609020204030204" pitchFamily="49" charset="0"/>
+              </a:rPr>
+              <a:t> </a:t>
+            </a:r>
+            <a:r>
+              <a:rPr lang="en-US" altLang="ja-JP" sz="2400" b="0" dirty="0" err="1">
+                <a:solidFill>
+                  <a:srgbClr val="236EBF"/>
+                </a:solidFill>
+                <a:effectLst/>
+                <a:latin typeface="Consolas" panose="020B0609020204030204" pitchFamily="49" charset="0"/>
+              </a:rPr>
+              <a:t>np.average</a:t>
+            </a:r>
+            <a:r>
+              <a:rPr lang="en-US" altLang="ja-JP" sz="2400" b="0" dirty="0">
+                <a:solidFill>
+                  <a:srgbClr val="236EBF"/>
+                </a:solidFill>
+                <a:effectLst/>
+                <a:latin typeface="Consolas" panose="020B0609020204030204" pitchFamily="49" charset="0"/>
+              </a:rPr>
+              <a:t>(d)</a:t>
+            </a:r>
+          </a:p>
+          <a:p>
+            <a:r>
+              <a:rPr lang="en-US" altLang="ja-JP" sz="2400" b="0" dirty="0">
+                <a:solidFill>
+                  <a:srgbClr val="236EBF"/>
+                </a:solidFill>
+                <a:effectLst/>
+                <a:latin typeface="Consolas" panose="020B0609020204030204" pitchFamily="49" charset="0"/>
+              </a:rPr>
+              <a:t>    e </a:t>
+            </a:r>
+            <a:r>
+              <a:rPr lang="en-US" altLang="ja-JP" sz="2400" b="0" dirty="0">
+                <a:solidFill>
+                  <a:srgbClr val="7B30D0"/>
+                </a:solidFill>
+                <a:effectLst/>
+                <a:latin typeface="Consolas" panose="020B0609020204030204" pitchFamily="49" charset="0"/>
+              </a:rPr>
+              <a:t>=</a:t>
+            </a:r>
+            <a:r>
+              <a:rPr lang="en-US" altLang="ja-JP" sz="2400" b="0" dirty="0">
+                <a:solidFill>
+                  <a:srgbClr val="236EBF"/>
+                </a:solidFill>
+                <a:effectLst/>
+                <a:latin typeface="Consolas" panose="020B0609020204030204" pitchFamily="49" charset="0"/>
+              </a:rPr>
+              <a:t> </a:t>
+            </a:r>
+            <a:r>
+              <a:rPr lang="en-US" altLang="ja-JP" sz="2400" b="0" dirty="0" err="1">
+                <a:solidFill>
+                  <a:srgbClr val="236EBF"/>
+                </a:solidFill>
+                <a:effectLst/>
+                <a:latin typeface="Consolas" panose="020B0609020204030204" pitchFamily="49" charset="0"/>
+              </a:rPr>
+              <a:t>np.std</a:t>
+            </a:r>
+            <a:r>
+              <a:rPr lang="en-US" altLang="ja-JP" sz="2400" b="0" dirty="0">
+                <a:solidFill>
+                  <a:srgbClr val="236EBF"/>
+                </a:solidFill>
+                <a:effectLst/>
+                <a:latin typeface="Consolas" panose="020B0609020204030204" pitchFamily="49" charset="0"/>
+              </a:rPr>
+              <a:t>(d)</a:t>
+            </a:r>
+          </a:p>
+          <a:p>
+            <a:r>
+              <a:rPr lang="en-US" altLang="ja-JP" sz="2400" b="0" dirty="0">
+                <a:solidFill>
+                  <a:srgbClr val="236EBF"/>
+                </a:solidFill>
+                <a:effectLst/>
+                <a:latin typeface="Consolas" panose="020B0609020204030204" pitchFamily="49" charset="0"/>
+              </a:rPr>
+              <a:t>    </a:t>
+            </a:r>
+            <a:r>
+              <a:rPr lang="en-US" altLang="ja-JP" sz="2400" b="0" dirty="0">
+                <a:solidFill>
+                  <a:srgbClr val="08134A"/>
+                </a:solidFill>
+                <a:effectLst/>
+                <a:latin typeface="Consolas" panose="020B0609020204030204" pitchFamily="49" charset="0"/>
+              </a:rPr>
+              <a:t>print</a:t>
+            </a:r>
+            <a:r>
+              <a:rPr lang="en-US" altLang="ja-JP" sz="2400" b="0" dirty="0">
+                <a:solidFill>
+                  <a:srgbClr val="236EBF"/>
+                </a:solidFill>
+                <a:effectLst/>
+                <a:latin typeface="Consolas" panose="020B0609020204030204" pitchFamily="49" charset="0"/>
+              </a:rPr>
+              <a:t>(</a:t>
+            </a:r>
+            <a:r>
+              <a:rPr lang="en-US" altLang="ja-JP" sz="2400" b="0" dirty="0">
+                <a:solidFill>
+                  <a:srgbClr val="0991B6"/>
+                </a:solidFill>
+                <a:effectLst/>
+                <a:latin typeface="Consolas" panose="020B0609020204030204" pitchFamily="49" charset="0"/>
+              </a:rPr>
+              <a:t>f</a:t>
+            </a:r>
+            <a:r>
+              <a:rPr lang="en-US" altLang="ja-JP" sz="2400" b="0" dirty="0">
+                <a:solidFill>
+                  <a:srgbClr val="A44185"/>
+                </a:solidFill>
+                <a:effectLst/>
+                <a:latin typeface="Consolas" panose="020B0609020204030204" pitchFamily="49" charset="0"/>
+              </a:rPr>
+              <a:t>"</a:t>
+            </a:r>
+            <a:r>
+              <a:rPr lang="en-US" altLang="ja-JP" sz="2400" b="0" dirty="0">
+                <a:solidFill>
+                  <a:srgbClr val="2970C7"/>
+                </a:solidFill>
+                <a:effectLst/>
+                <a:latin typeface="Consolas" panose="020B0609020204030204" pitchFamily="49" charset="0"/>
+              </a:rPr>
+              <a:t>{</a:t>
+            </a:r>
+            <a:r>
+              <a:rPr lang="en-US" altLang="ja-JP" sz="2400" b="0" dirty="0">
+                <a:solidFill>
+                  <a:srgbClr val="236EBF"/>
+                </a:solidFill>
+                <a:effectLst/>
+                <a:latin typeface="Consolas" panose="020B0609020204030204" pitchFamily="49" charset="0"/>
+              </a:rPr>
+              <a:t>x</a:t>
+            </a:r>
+            <a:r>
+              <a:rPr lang="en-US" altLang="ja-JP" sz="2400" b="0" dirty="0">
+                <a:solidFill>
+                  <a:srgbClr val="2970C7"/>
+                </a:solidFill>
+                <a:effectLst/>
+                <a:latin typeface="Consolas" panose="020B0609020204030204" pitchFamily="49" charset="0"/>
+              </a:rPr>
+              <a:t>}</a:t>
+            </a:r>
+            <a:r>
+              <a:rPr lang="en-US" altLang="ja-JP" sz="2400" b="0" dirty="0">
+                <a:solidFill>
+                  <a:srgbClr val="A44185"/>
+                </a:solidFill>
+                <a:effectLst/>
+                <a:latin typeface="Consolas" panose="020B0609020204030204" pitchFamily="49" charset="0"/>
+              </a:rPr>
+              <a:t> </a:t>
+            </a:r>
+            <a:r>
+              <a:rPr lang="en-US" altLang="ja-JP" sz="2400" b="0" dirty="0">
+                <a:solidFill>
+                  <a:srgbClr val="2970C7"/>
+                </a:solidFill>
+                <a:effectLst/>
+                <a:latin typeface="Consolas" panose="020B0609020204030204" pitchFamily="49" charset="0"/>
+              </a:rPr>
+              <a:t>{</a:t>
+            </a:r>
+            <a:r>
+              <a:rPr lang="en-US" altLang="ja-JP" sz="2400" b="0" dirty="0">
+                <a:solidFill>
+                  <a:srgbClr val="236EBF"/>
+                </a:solidFill>
+                <a:effectLst/>
+                <a:latin typeface="Consolas" panose="020B0609020204030204" pitchFamily="49" charset="0"/>
+              </a:rPr>
+              <a:t>y</a:t>
+            </a:r>
+            <a:r>
+              <a:rPr lang="en-US" altLang="ja-JP" sz="2400" b="0" dirty="0">
+                <a:solidFill>
+                  <a:srgbClr val="2970C7"/>
+                </a:solidFill>
+                <a:effectLst/>
+                <a:latin typeface="Consolas" panose="020B0609020204030204" pitchFamily="49" charset="0"/>
+              </a:rPr>
+              <a:t>}</a:t>
+            </a:r>
+            <a:r>
+              <a:rPr lang="en-US" altLang="ja-JP" sz="2400" b="0" dirty="0">
+                <a:solidFill>
+                  <a:srgbClr val="A44185"/>
+                </a:solidFill>
+                <a:effectLst/>
+                <a:latin typeface="Consolas" panose="020B0609020204030204" pitchFamily="49" charset="0"/>
+              </a:rPr>
+              <a:t> </a:t>
+            </a:r>
+            <a:r>
+              <a:rPr lang="en-US" altLang="ja-JP" sz="2400" b="0" dirty="0">
+                <a:solidFill>
+                  <a:srgbClr val="2970C7"/>
+                </a:solidFill>
+                <a:effectLst/>
+                <a:latin typeface="Consolas" panose="020B0609020204030204" pitchFamily="49" charset="0"/>
+              </a:rPr>
+              <a:t>{</a:t>
+            </a:r>
+            <a:r>
+              <a:rPr lang="en-US" altLang="ja-JP" sz="2400" b="0" dirty="0">
+                <a:solidFill>
+                  <a:srgbClr val="236EBF"/>
+                </a:solidFill>
+                <a:effectLst/>
+                <a:latin typeface="Consolas" panose="020B0609020204030204" pitchFamily="49" charset="0"/>
+              </a:rPr>
+              <a:t>e</a:t>
+            </a:r>
+            <a:r>
+              <a:rPr lang="en-US" altLang="ja-JP" sz="2400" b="0" dirty="0">
+                <a:solidFill>
+                  <a:srgbClr val="2970C7"/>
+                </a:solidFill>
+                <a:effectLst/>
+                <a:latin typeface="Consolas" panose="020B0609020204030204" pitchFamily="49" charset="0"/>
+              </a:rPr>
+              <a:t>}</a:t>
+            </a:r>
+            <a:r>
+              <a:rPr lang="en-US" altLang="ja-JP" sz="2400" b="0" dirty="0">
+                <a:solidFill>
+                  <a:srgbClr val="A44185"/>
+                </a:solidFill>
+                <a:effectLst/>
+                <a:latin typeface="Consolas" panose="020B0609020204030204" pitchFamily="49" charset="0"/>
+              </a:rPr>
+              <a:t>"</a:t>
+            </a:r>
+            <a:r>
+              <a:rPr lang="en-US" altLang="ja-JP" sz="2400" b="0" dirty="0">
+                <a:solidFill>
+                  <a:srgbClr val="236EBF"/>
+                </a:solidFill>
+                <a:effectLst/>
+                <a:latin typeface="Consolas" panose="020B0609020204030204" pitchFamily="49" charset="0"/>
+              </a:rPr>
+              <a:t>)</a:t>
+            </a:r>
+          </a:p>
+        </p:txBody>
+      </p:sp>
+      <p:sp>
+        <p:nvSpPr>
+          <p:cNvPr id="5" name="テキスト ボックス 4">
+            <a:extLst>
+              <a:ext uri="{FF2B5EF4-FFF2-40B4-BE49-F238E27FC236}">
+                <a16:creationId xmlns:a16="http://schemas.microsoft.com/office/drawing/2014/main" id="{17368C2B-8DE9-41BD-B5E4-B52F62A4F126}"/>
+              </a:ext>
+            </a:extLst>
+          </p:cNvPr>
+          <p:cNvSpPr txBox="1"/>
+          <p:nvPr/>
+        </p:nvSpPr>
+        <p:spPr>
+          <a:xfrm>
+            <a:off x="539552" y="980728"/>
+            <a:ext cx="4801314" cy="461665"/>
+          </a:xfrm>
+          <a:prstGeom prst="rect">
+            <a:avLst/>
+          </a:prstGeom>
+          <a:noFill/>
+        </p:spPr>
+        <p:txBody>
+          <a:bodyPr wrap="none" rtlCol="0">
+            <a:spAutoFit/>
+          </a:bodyPr>
+          <a:lstStyle/>
+          <a:p>
+            <a:r>
+              <a:rPr kumimoji="1" lang="ja-JP" altLang="en-US" sz="2400" dirty="0"/>
+              <a:t>先ほどのデー</a:t>
+            </a:r>
+            <a:r>
+              <a:rPr lang="ja-JP" altLang="en-US" sz="2400" dirty="0"/>
+              <a:t>タを生成したコード</a:t>
+            </a:r>
+            <a:endParaRPr kumimoji="1" lang="ja-JP" altLang="en-US" sz="2400" dirty="0"/>
+          </a:p>
+        </p:txBody>
+      </p:sp>
+      <p:sp>
+        <p:nvSpPr>
+          <p:cNvPr id="6" name="テキスト ボックス 5">
+            <a:extLst>
+              <a:ext uri="{FF2B5EF4-FFF2-40B4-BE49-F238E27FC236}">
+                <a16:creationId xmlns:a16="http://schemas.microsoft.com/office/drawing/2014/main" id="{3E05D315-8AA7-43AE-84B3-AB44E837AB69}"/>
+              </a:ext>
+            </a:extLst>
+          </p:cNvPr>
+          <p:cNvSpPr txBox="1"/>
+          <p:nvPr/>
+        </p:nvSpPr>
+        <p:spPr>
+          <a:xfrm>
+            <a:off x="4572000" y="3068960"/>
+            <a:ext cx="4352089" cy="830997"/>
+          </a:xfrm>
+          <a:prstGeom prst="rect">
+            <a:avLst/>
+          </a:prstGeom>
+          <a:solidFill>
+            <a:schemeClr val="bg1"/>
+          </a:solidFill>
+          <a:ln>
+            <a:solidFill>
+              <a:schemeClr val="tx1"/>
+            </a:solidFill>
+          </a:ln>
+        </p:spPr>
+        <p:txBody>
+          <a:bodyPr wrap="none" rtlCol="0">
+            <a:spAutoFit/>
+          </a:bodyPr>
+          <a:lstStyle/>
+          <a:p>
+            <a:r>
+              <a:rPr kumimoji="1" lang="ja-JP" altLang="en-US" sz="2400" dirty="0"/>
+              <a:t>エラーバーとして</a:t>
+            </a:r>
+            <a:r>
+              <a:rPr lang="en-US" altLang="ja-JP" sz="2400" dirty="0" err="1"/>
+              <a:t>numpy.std</a:t>
+            </a:r>
+            <a:r>
+              <a:rPr lang="ja-JP" altLang="en-US" sz="2400" dirty="0"/>
+              <a:t>を</a:t>
+            </a:r>
+            <a:endParaRPr lang="en-US" altLang="ja-JP" sz="2400" dirty="0"/>
+          </a:p>
+          <a:p>
+            <a:r>
+              <a:rPr lang="ja-JP" altLang="en-US" sz="2400" dirty="0"/>
+              <a:t>そのまま</a:t>
+            </a:r>
+            <a:r>
+              <a:rPr kumimoji="1" lang="ja-JP" altLang="en-US" sz="2400" dirty="0"/>
+              <a:t>使っている</a:t>
+            </a:r>
+          </a:p>
+        </p:txBody>
+      </p:sp>
+      <p:sp>
+        <p:nvSpPr>
+          <p:cNvPr id="7" name="四角形: 角を丸くする 6">
+            <a:extLst>
+              <a:ext uri="{FF2B5EF4-FFF2-40B4-BE49-F238E27FC236}">
+                <a16:creationId xmlns:a16="http://schemas.microsoft.com/office/drawing/2014/main" id="{6812F494-7D89-46E4-9E0D-F9EF6F706A21}"/>
+              </a:ext>
+            </a:extLst>
+          </p:cNvPr>
+          <p:cNvSpPr/>
+          <p:nvPr/>
+        </p:nvSpPr>
+        <p:spPr>
+          <a:xfrm>
+            <a:off x="755576" y="5229200"/>
+            <a:ext cx="2664296" cy="360040"/>
+          </a:xfrm>
+          <a:prstGeom prst="roundRect">
+            <a:avLst/>
+          </a:prstGeom>
+          <a:noFill/>
+          <a:ln>
+            <a:solidFill>
+              <a:srgbClr val="FF0000"/>
+            </a:solidFill>
+            <a:prstDash val="dash"/>
+          </a:ln>
+        </p:spPr>
+        <p:style>
+          <a:lnRef idx="2">
+            <a:schemeClr val="accent1">
+              <a:shade val="50000"/>
+            </a:schemeClr>
+          </a:lnRef>
+          <a:fillRef idx="1">
+            <a:schemeClr val="accent1"/>
+          </a:fillRef>
+          <a:effectRef idx="0">
+            <a:schemeClr val="accent1"/>
+          </a:effectRef>
+          <a:fontRef idx="minor">
+            <a:schemeClr val="lt1"/>
+          </a:fontRef>
+        </p:style>
+        <p:txBody>
+          <a:bodyPr rtlCol="0" anchor="ctr"/>
+          <a:lstStyle/>
+          <a:p>
+            <a:pPr algn="ctr"/>
+            <a:endParaRPr kumimoji="1" lang="ja-JP" altLang="en-US"/>
+          </a:p>
+        </p:txBody>
+      </p:sp>
+      <p:cxnSp>
+        <p:nvCxnSpPr>
+          <p:cNvPr id="9" name="コネクタ: カギ線 8">
+            <a:extLst>
+              <a:ext uri="{FF2B5EF4-FFF2-40B4-BE49-F238E27FC236}">
+                <a16:creationId xmlns:a16="http://schemas.microsoft.com/office/drawing/2014/main" id="{9A4C82CC-BACD-40A6-812E-887A7C648EED}"/>
+              </a:ext>
+            </a:extLst>
+          </p:cNvPr>
+          <p:cNvCxnSpPr>
+            <a:stCxn id="6" idx="2"/>
+            <a:endCxn id="7" idx="3"/>
+          </p:cNvCxnSpPr>
+          <p:nvPr/>
+        </p:nvCxnSpPr>
+        <p:spPr>
+          <a:xfrm rot="5400000">
+            <a:off x="4329328" y="2990502"/>
+            <a:ext cx="1509263" cy="3328173"/>
+          </a:xfrm>
+          <a:prstGeom prst="bentConnector2">
+            <a:avLst/>
+          </a:prstGeom>
+          <a:ln>
+            <a:solidFill>
+              <a:schemeClr val="tx1"/>
+            </a:solidFill>
+            <a:headEnd type="none" w="med" len="med"/>
+            <a:tailEnd type="triangle"/>
+          </a:ln>
+        </p:spPr>
+        <p:style>
+          <a:lnRef idx="1">
+            <a:schemeClr val="accent1"/>
+          </a:lnRef>
+          <a:fillRef idx="0">
+            <a:schemeClr val="accent1"/>
+          </a:fillRef>
+          <a:effectRef idx="0">
+            <a:schemeClr val="accent1"/>
+          </a:effectRef>
+          <a:fontRef idx="minor">
+            <a:schemeClr val="tx1"/>
+          </a:fontRef>
+        </p:style>
+      </p:cxnSp>
+      <p:sp>
+        <p:nvSpPr>
+          <p:cNvPr id="11" name="テキスト ボックス 10">
+            <a:extLst>
+              <a:ext uri="{FF2B5EF4-FFF2-40B4-BE49-F238E27FC236}">
+                <a16:creationId xmlns:a16="http://schemas.microsoft.com/office/drawing/2014/main" id="{A92C9601-307D-4AA0-AEBA-8A0EA182C824}"/>
+              </a:ext>
+            </a:extLst>
+          </p:cNvPr>
+          <p:cNvSpPr txBox="1"/>
+          <p:nvPr/>
+        </p:nvSpPr>
+        <p:spPr>
+          <a:xfrm>
+            <a:off x="251520" y="6237312"/>
+            <a:ext cx="8135560" cy="400110"/>
+          </a:xfrm>
+          <a:prstGeom prst="rect">
+            <a:avLst/>
+          </a:prstGeom>
+          <a:noFill/>
+        </p:spPr>
+        <p:txBody>
+          <a:bodyPr wrap="none" rtlCol="0">
+            <a:spAutoFit/>
+          </a:bodyPr>
+          <a:lstStyle/>
+          <a:p>
+            <a:r>
+              <a:rPr kumimoji="1" lang="ja-JP" altLang="en-US" sz="2000"/>
+              <a:t>平均値の推定誤差ではなく、母集団の標準偏差を求めてしまっている</a:t>
+            </a:r>
+          </a:p>
+        </p:txBody>
+      </p:sp>
+    </p:spTree>
+    <p:extLst>
+      <p:ext uri="{BB962C8B-B14F-4D97-AF65-F5344CB8AC3E}">
+        <p14:creationId xmlns:p14="http://schemas.microsoft.com/office/powerpoint/2010/main" val="3767468068"/>
+      </p:ext>
+    </p:extLst>
+  </p:cSld>
+  <p:clrMapOvr>
+    <a:masterClrMapping/>
+  </p:clrMapOvr>
+</p:sld>
+</file>
+
+<file path=ppt/slides/slide22.xml><?xml version="1.0" encoding="utf-8"?>
+<p:sld xmlns:a="http://schemas.openxmlformats.org/drawingml/2006/main" xmlns:r="http://schemas.openxmlformats.org/officeDocument/2006/relationships" xmlns:p="http://schemas.openxmlformats.org/presentationml/2006/main">
+  <p:cSld>
+    <p:spTree>
+      <p:nvGrpSpPr>
+        <p:cNvPr id="1" name=""/>
+        <p:cNvGrpSpPr/>
+        <p:nvPr/>
+      </p:nvGrpSpPr>
+      <p:grpSpPr>
+        <a:xfrm>
+          <a:off x="0" y="0"/>
+          <a:ext cx="0" cy="0"/>
+          <a:chOff x="0" y="0"/>
+          <a:chExt cx="0" cy="0"/>
+        </a:xfrm>
+      </p:grpSpPr>
+      <p:sp>
+        <p:nvSpPr>
+          <p:cNvPr id="2" name="テキスト プレースホルダー 1">
+            <a:extLst>
+              <a:ext uri="{FF2B5EF4-FFF2-40B4-BE49-F238E27FC236}">
+                <a16:creationId xmlns:a16="http://schemas.microsoft.com/office/drawing/2014/main" id="{AF749F39-7DEE-4DCF-A987-7E104891EBBB}"/>
+              </a:ext>
+            </a:extLst>
+          </p:cNvPr>
+          <p:cNvSpPr>
+            <a:spLocks noGrp="1"/>
+          </p:cNvSpPr>
+          <p:nvPr>
+            <p:ph type="body" sz="quarter" idx="10"/>
+          </p:nvPr>
+        </p:nvSpPr>
+        <p:spPr/>
+        <p:txBody>
+          <a:bodyPr/>
+          <a:lstStyle/>
+          <a:p>
+            <a:r>
+              <a:rPr lang="ja-JP" altLang="en-US" dirty="0"/>
+              <a:t>エラーバーがおかしいグラフ</a:t>
+            </a:r>
+            <a:r>
+              <a:rPr lang="en-US" altLang="ja-JP" dirty="0"/>
+              <a:t>1</a:t>
+            </a:r>
+            <a:endParaRPr kumimoji="1" lang="ja-JP" altLang="en-US" dirty="0"/>
+          </a:p>
+        </p:txBody>
+      </p:sp>
+      <p:sp>
+        <p:nvSpPr>
+          <p:cNvPr id="4" name="テキスト ボックス 3">
+            <a:extLst>
+              <a:ext uri="{FF2B5EF4-FFF2-40B4-BE49-F238E27FC236}">
+                <a16:creationId xmlns:a16="http://schemas.microsoft.com/office/drawing/2014/main" id="{F2573AF3-8899-4BC7-A3CD-9AA1708ABC97}"/>
+              </a:ext>
+            </a:extLst>
+          </p:cNvPr>
+          <p:cNvSpPr txBox="1"/>
+          <p:nvPr/>
+        </p:nvSpPr>
+        <p:spPr>
+          <a:xfrm>
+            <a:off x="179512" y="980728"/>
+            <a:ext cx="5904656" cy="4524315"/>
+          </a:xfrm>
+          <a:prstGeom prst="rect">
+            <a:avLst/>
+          </a:prstGeom>
+          <a:noFill/>
+          <a:ln>
+            <a:solidFill>
+              <a:schemeClr val="tx1"/>
+            </a:solidFill>
+          </a:ln>
+        </p:spPr>
+        <p:txBody>
+          <a:bodyPr wrap="square">
+            <a:spAutoFit/>
+          </a:bodyPr>
+          <a:lstStyle/>
+          <a:p>
+            <a:r>
+              <a:rPr lang="en-US" altLang="ja-JP" sz="2400" b="0" dirty="0">
+                <a:solidFill>
+                  <a:srgbClr val="0991B6"/>
+                </a:solidFill>
+                <a:effectLst/>
+                <a:latin typeface="Consolas" panose="020B0609020204030204" pitchFamily="49" charset="0"/>
+              </a:rPr>
+              <a:t>import</a:t>
+            </a:r>
+            <a:r>
+              <a:rPr lang="en-US" altLang="ja-JP" sz="2400" b="0" dirty="0">
+                <a:solidFill>
+                  <a:srgbClr val="236EBF"/>
+                </a:solidFill>
+                <a:effectLst/>
+                <a:latin typeface="Consolas" panose="020B0609020204030204" pitchFamily="49" charset="0"/>
+              </a:rPr>
+              <a:t> </a:t>
+            </a:r>
+            <a:r>
+              <a:rPr lang="en-US" altLang="ja-JP" sz="2400" b="0" dirty="0" err="1">
+                <a:solidFill>
+                  <a:srgbClr val="236EBF"/>
+                </a:solidFill>
+                <a:effectLst/>
+                <a:latin typeface="Consolas" panose="020B0609020204030204" pitchFamily="49" charset="0"/>
+              </a:rPr>
+              <a:t>numpy</a:t>
+            </a:r>
+            <a:r>
+              <a:rPr lang="en-US" altLang="ja-JP" sz="2400" b="0" dirty="0">
+                <a:solidFill>
+                  <a:srgbClr val="236EBF"/>
+                </a:solidFill>
+                <a:effectLst/>
+                <a:latin typeface="Consolas" panose="020B0609020204030204" pitchFamily="49" charset="0"/>
+              </a:rPr>
+              <a:t> </a:t>
+            </a:r>
+            <a:r>
+              <a:rPr lang="en-US" altLang="ja-JP" sz="2400" b="0" dirty="0">
+                <a:solidFill>
+                  <a:srgbClr val="0991B6"/>
+                </a:solidFill>
+                <a:effectLst/>
+                <a:latin typeface="Consolas" panose="020B0609020204030204" pitchFamily="49" charset="0"/>
+              </a:rPr>
+              <a:t>as</a:t>
+            </a:r>
+            <a:r>
+              <a:rPr lang="en-US" altLang="ja-JP" sz="2400" b="0" dirty="0">
+                <a:solidFill>
+                  <a:srgbClr val="236EBF"/>
+                </a:solidFill>
+                <a:effectLst/>
+                <a:latin typeface="Consolas" panose="020B0609020204030204" pitchFamily="49" charset="0"/>
+              </a:rPr>
+              <a:t> np</a:t>
+            </a:r>
+          </a:p>
+          <a:p>
+            <a:br>
+              <a:rPr lang="en-US" altLang="ja-JP" sz="2400" b="0" dirty="0">
+                <a:solidFill>
+                  <a:srgbClr val="236EBF"/>
+                </a:solidFill>
+                <a:effectLst/>
+                <a:latin typeface="Consolas" panose="020B0609020204030204" pitchFamily="49" charset="0"/>
+              </a:rPr>
+            </a:br>
+            <a:r>
+              <a:rPr lang="en-US" altLang="ja-JP" sz="2400" b="0" dirty="0">
+                <a:solidFill>
+                  <a:srgbClr val="236EBF"/>
+                </a:solidFill>
+                <a:effectLst/>
+                <a:latin typeface="Consolas" panose="020B0609020204030204" pitchFamily="49" charset="0"/>
+              </a:rPr>
+              <a:t>N </a:t>
+            </a:r>
+            <a:r>
+              <a:rPr lang="en-US" altLang="ja-JP" sz="2400" b="0" dirty="0">
+                <a:solidFill>
+                  <a:srgbClr val="7B30D0"/>
+                </a:solidFill>
+                <a:effectLst/>
+                <a:latin typeface="Consolas" panose="020B0609020204030204" pitchFamily="49" charset="0"/>
+              </a:rPr>
+              <a:t>=</a:t>
+            </a:r>
+            <a:r>
+              <a:rPr lang="en-US" altLang="ja-JP" sz="2400" b="0" dirty="0">
+                <a:solidFill>
+                  <a:srgbClr val="236EBF"/>
+                </a:solidFill>
+                <a:effectLst/>
+                <a:latin typeface="Consolas" panose="020B0609020204030204" pitchFamily="49" charset="0"/>
+              </a:rPr>
+              <a:t> </a:t>
+            </a:r>
+            <a:r>
+              <a:rPr lang="en-US" altLang="ja-JP" sz="2400" b="0" dirty="0">
+                <a:solidFill>
+                  <a:srgbClr val="174781"/>
+                </a:solidFill>
+                <a:effectLst/>
+                <a:latin typeface="Consolas" panose="020B0609020204030204" pitchFamily="49" charset="0"/>
+              </a:rPr>
+              <a:t>10</a:t>
+            </a:r>
+            <a:endParaRPr lang="en-US" altLang="ja-JP" sz="2400" b="0" dirty="0">
+              <a:solidFill>
+                <a:srgbClr val="236EBF"/>
+              </a:solidFill>
+              <a:effectLst/>
+              <a:latin typeface="Consolas" panose="020B0609020204030204" pitchFamily="49" charset="0"/>
+            </a:endParaRPr>
+          </a:p>
+          <a:p>
+            <a:r>
+              <a:rPr lang="en-US" altLang="ja-JP" sz="2400" b="0" dirty="0" err="1">
+                <a:solidFill>
+                  <a:srgbClr val="236EBF"/>
+                </a:solidFill>
+                <a:effectLst/>
+                <a:latin typeface="Consolas" panose="020B0609020204030204" pitchFamily="49" charset="0"/>
+              </a:rPr>
+              <a:t>np.random.seed</a:t>
+            </a:r>
+            <a:r>
+              <a:rPr lang="en-US" altLang="ja-JP" sz="2400" b="0" dirty="0">
+                <a:solidFill>
+                  <a:srgbClr val="236EBF"/>
+                </a:solidFill>
+                <a:effectLst/>
+                <a:latin typeface="Consolas" panose="020B0609020204030204" pitchFamily="49" charset="0"/>
+              </a:rPr>
+              <a:t>(</a:t>
+            </a:r>
+            <a:r>
+              <a:rPr lang="en-US" altLang="ja-JP" sz="2400" b="0" dirty="0">
+                <a:solidFill>
+                  <a:srgbClr val="174781"/>
+                </a:solidFill>
+                <a:effectLst/>
+                <a:latin typeface="Consolas" panose="020B0609020204030204" pitchFamily="49" charset="0"/>
+              </a:rPr>
+              <a:t>1</a:t>
+            </a:r>
+            <a:r>
+              <a:rPr lang="en-US" altLang="ja-JP" sz="2400" b="0" dirty="0">
+                <a:solidFill>
+                  <a:srgbClr val="236EBF"/>
+                </a:solidFill>
+                <a:effectLst/>
+                <a:latin typeface="Consolas" panose="020B0609020204030204" pitchFamily="49" charset="0"/>
+              </a:rPr>
+              <a:t>)</a:t>
+            </a:r>
+          </a:p>
+          <a:p>
+            <a:r>
+              <a:rPr lang="en-US" altLang="ja-JP" sz="2400" b="0" dirty="0">
+                <a:solidFill>
+                  <a:srgbClr val="0991B6"/>
+                </a:solidFill>
+                <a:effectLst/>
+                <a:latin typeface="Consolas" panose="020B0609020204030204" pitchFamily="49" charset="0"/>
+              </a:rPr>
+              <a:t>for</a:t>
+            </a:r>
+            <a:r>
+              <a:rPr lang="en-US" altLang="ja-JP" sz="2400" b="0" dirty="0">
+                <a:solidFill>
+                  <a:srgbClr val="236EBF"/>
+                </a:solidFill>
+                <a:effectLst/>
+                <a:latin typeface="Consolas" panose="020B0609020204030204" pitchFamily="49" charset="0"/>
+              </a:rPr>
+              <a:t> </a:t>
+            </a:r>
+            <a:r>
+              <a:rPr lang="en-US" altLang="ja-JP" sz="2400" b="0" dirty="0" err="1">
+                <a:solidFill>
+                  <a:srgbClr val="236EBF"/>
+                </a:solidFill>
+                <a:effectLst/>
+                <a:latin typeface="Consolas" panose="020B0609020204030204" pitchFamily="49" charset="0"/>
+              </a:rPr>
+              <a:t>i</a:t>
+            </a:r>
+            <a:r>
+              <a:rPr lang="en-US" altLang="ja-JP" sz="2400" b="0" dirty="0">
+                <a:solidFill>
+                  <a:srgbClr val="236EBF"/>
+                </a:solidFill>
+                <a:effectLst/>
+                <a:latin typeface="Consolas" panose="020B0609020204030204" pitchFamily="49" charset="0"/>
+              </a:rPr>
+              <a:t> </a:t>
+            </a:r>
+            <a:r>
+              <a:rPr lang="en-US" altLang="ja-JP" sz="2400" b="0" dirty="0">
+                <a:solidFill>
+                  <a:srgbClr val="0991B6"/>
+                </a:solidFill>
+                <a:effectLst/>
+                <a:latin typeface="Consolas" panose="020B0609020204030204" pitchFamily="49" charset="0"/>
+              </a:rPr>
+              <a:t>in</a:t>
+            </a:r>
+            <a:r>
+              <a:rPr lang="en-US" altLang="ja-JP" sz="2400" b="0" dirty="0">
+                <a:solidFill>
+                  <a:srgbClr val="236EBF"/>
+                </a:solidFill>
+                <a:effectLst/>
+                <a:latin typeface="Consolas" panose="020B0609020204030204" pitchFamily="49" charset="0"/>
+              </a:rPr>
+              <a:t> </a:t>
+            </a:r>
+            <a:r>
+              <a:rPr lang="en-US" altLang="ja-JP" sz="2400" b="0" dirty="0">
+                <a:solidFill>
+                  <a:srgbClr val="08134A"/>
+                </a:solidFill>
+                <a:effectLst/>
+                <a:latin typeface="Consolas" panose="020B0609020204030204" pitchFamily="49" charset="0"/>
+              </a:rPr>
+              <a:t>range</a:t>
+            </a:r>
+            <a:r>
+              <a:rPr lang="en-US" altLang="ja-JP" sz="2400" b="0" dirty="0">
+                <a:solidFill>
+                  <a:srgbClr val="236EBF"/>
+                </a:solidFill>
+                <a:effectLst/>
+                <a:latin typeface="Consolas" panose="020B0609020204030204" pitchFamily="49" charset="0"/>
+              </a:rPr>
+              <a:t>(</a:t>
+            </a:r>
+            <a:r>
+              <a:rPr lang="en-US" altLang="ja-JP" sz="2400" b="0" dirty="0">
+                <a:solidFill>
+                  <a:srgbClr val="174781"/>
+                </a:solidFill>
+                <a:effectLst/>
+                <a:latin typeface="Consolas" panose="020B0609020204030204" pitchFamily="49" charset="0"/>
+              </a:rPr>
+              <a:t>10</a:t>
+            </a:r>
+            <a:r>
+              <a:rPr lang="en-US" altLang="ja-JP" sz="2400" b="0" dirty="0">
+                <a:solidFill>
+                  <a:srgbClr val="236EBF"/>
+                </a:solidFill>
+                <a:effectLst/>
+                <a:latin typeface="Consolas" panose="020B0609020204030204" pitchFamily="49" charset="0"/>
+              </a:rPr>
+              <a:t>):</a:t>
+            </a:r>
+          </a:p>
+          <a:p>
+            <a:r>
+              <a:rPr lang="en-US" altLang="ja-JP" sz="2400" b="0" dirty="0">
+                <a:solidFill>
+                  <a:srgbClr val="236EBF"/>
+                </a:solidFill>
+                <a:effectLst/>
+                <a:latin typeface="Consolas" panose="020B0609020204030204" pitchFamily="49" charset="0"/>
+              </a:rPr>
+              <a:t>    x </a:t>
+            </a:r>
+            <a:r>
+              <a:rPr lang="en-US" altLang="ja-JP" sz="2400" b="0" dirty="0">
+                <a:solidFill>
+                  <a:srgbClr val="7B30D0"/>
+                </a:solidFill>
+                <a:effectLst/>
+                <a:latin typeface="Consolas" panose="020B0609020204030204" pitchFamily="49" charset="0"/>
+              </a:rPr>
+              <a:t>=</a:t>
+            </a:r>
+            <a:r>
+              <a:rPr lang="en-US" altLang="ja-JP" sz="2400" b="0" dirty="0">
+                <a:solidFill>
+                  <a:srgbClr val="236EBF"/>
+                </a:solidFill>
+                <a:effectLst/>
+                <a:latin typeface="Consolas" panose="020B0609020204030204" pitchFamily="49" charset="0"/>
+              </a:rPr>
+              <a:t> </a:t>
+            </a:r>
+            <a:r>
+              <a:rPr lang="en-US" altLang="ja-JP" sz="2400" b="0" dirty="0" err="1">
+                <a:solidFill>
+                  <a:srgbClr val="236EBF"/>
+                </a:solidFill>
+                <a:effectLst/>
+                <a:latin typeface="Consolas" panose="020B0609020204030204" pitchFamily="49" charset="0"/>
+              </a:rPr>
+              <a:t>i</a:t>
+            </a:r>
+            <a:r>
+              <a:rPr lang="en-US" altLang="ja-JP" sz="2400" b="0" dirty="0">
+                <a:solidFill>
+                  <a:srgbClr val="236EBF"/>
+                </a:solidFill>
+                <a:effectLst/>
+                <a:latin typeface="Consolas" panose="020B0609020204030204" pitchFamily="49" charset="0"/>
+              </a:rPr>
+              <a:t> </a:t>
+            </a:r>
+            <a:r>
+              <a:rPr lang="en-US" altLang="ja-JP" sz="2400" b="0" dirty="0">
+                <a:solidFill>
+                  <a:srgbClr val="7B30D0"/>
+                </a:solidFill>
+                <a:effectLst/>
+                <a:latin typeface="Consolas" panose="020B0609020204030204" pitchFamily="49" charset="0"/>
+              </a:rPr>
+              <a:t>+</a:t>
+            </a:r>
+            <a:r>
+              <a:rPr lang="en-US" altLang="ja-JP" sz="2400" b="0" dirty="0">
+                <a:solidFill>
+                  <a:srgbClr val="236EBF"/>
+                </a:solidFill>
+                <a:effectLst/>
+                <a:latin typeface="Consolas" panose="020B0609020204030204" pitchFamily="49" charset="0"/>
+              </a:rPr>
+              <a:t> </a:t>
+            </a:r>
+            <a:r>
+              <a:rPr lang="en-US" altLang="ja-JP" sz="2400" b="0" dirty="0">
+                <a:solidFill>
+                  <a:srgbClr val="174781"/>
+                </a:solidFill>
+                <a:effectLst/>
+                <a:latin typeface="Consolas" panose="020B0609020204030204" pitchFamily="49" charset="0"/>
+              </a:rPr>
+              <a:t>0.5</a:t>
+            </a:r>
+            <a:endParaRPr lang="en-US" altLang="ja-JP" sz="2400" b="0" dirty="0">
+              <a:solidFill>
+                <a:srgbClr val="236EBF"/>
+              </a:solidFill>
+              <a:effectLst/>
+              <a:latin typeface="Consolas" panose="020B0609020204030204" pitchFamily="49" charset="0"/>
+            </a:endParaRPr>
+          </a:p>
+          <a:p>
+            <a:r>
+              <a:rPr lang="en-US" altLang="ja-JP" sz="2400" b="0" dirty="0">
+                <a:solidFill>
+                  <a:srgbClr val="236EBF"/>
+                </a:solidFill>
+                <a:effectLst/>
+                <a:latin typeface="Consolas" panose="020B0609020204030204" pitchFamily="49" charset="0"/>
+              </a:rPr>
+              <a:t>    d </a:t>
+            </a:r>
+            <a:r>
+              <a:rPr lang="en-US" altLang="ja-JP" sz="2400" b="0" dirty="0">
+                <a:solidFill>
+                  <a:srgbClr val="7B30D0"/>
+                </a:solidFill>
+                <a:effectLst/>
+                <a:latin typeface="Consolas" panose="020B0609020204030204" pitchFamily="49" charset="0"/>
+              </a:rPr>
+              <a:t>=</a:t>
+            </a:r>
+            <a:r>
+              <a:rPr lang="en-US" altLang="ja-JP" sz="2400" b="0" dirty="0">
+                <a:solidFill>
+                  <a:srgbClr val="236EBF"/>
+                </a:solidFill>
+                <a:effectLst/>
+                <a:latin typeface="Consolas" panose="020B0609020204030204" pitchFamily="49" charset="0"/>
+              </a:rPr>
+              <a:t> </a:t>
+            </a:r>
+            <a:r>
+              <a:rPr lang="en-US" altLang="ja-JP" sz="2400" b="0" dirty="0" err="1">
+                <a:solidFill>
+                  <a:srgbClr val="236EBF"/>
+                </a:solidFill>
+                <a:effectLst/>
+                <a:latin typeface="Consolas" panose="020B0609020204030204" pitchFamily="49" charset="0"/>
+              </a:rPr>
+              <a:t>np.zeros</a:t>
+            </a:r>
+            <a:r>
+              <a:rPr lang="en-US" altLang="ja-JP" sz="2400" b="0" dirty="0">
+                <a:solidFill>
+                  <a:srgbClr val="236EBF"/>
+                </a:solidFill>
+                <a:effectLst/>
+                <a:latin typeface="Consolas" panose="020B0609020204030204" pitchFamily="49" charset="0"/>
+              </a:rPr>
+              <a:t>(N)</a:t>
+            </a:r>
+          </a:p>
+          <a:p>
+            <a:r>
+              <a:rPr lang="en-US" altLang="ja-JP" sz="2400" b="0" dirty="0">
+                <a:solidFill>
+                  <a:srgbClr val="236EBF"/>
+                </a:solidFill>
+                <a:effectLst/>
+                <a:latin typeface="Consolas" panose="020B0609020204030204" pitchFamily="49" charset="0"/>
+              </a:rPr>
+              <a:t>    d </a:t>
+            </a:r>
+            <a:r>
+              <a:rPr lang="en-US" altLang="ja-JP" sz="2400" b="0" dirty="0">
+                <a:solidFill>
+                  <a:srgbClr val="7B30D0"/>
+                </a:solidFill>
+                <a:effectLst/>
+                <a:latin typeface="Consolas" panose="020B0609020204030204" pitchFamily="49" charset="0"/>
+              </a:rPr>
+              <a:t>+=</a:t>
+            </a:r>
+            <a:r>
+              <a:rPr lang="en-US" altLang="ja-JP" sz="2400" b="0" dirty="0">
+                <a:solidFill>
+                  <a:srgbClr val="236EBF"/>
+                </a:solidFill>
+                <a:effectLst/>
+                <a:latin typeface="Consolas" panose="020B0609020204030204" pitchFamily="49" charset="0"/>
+              </a:rPr>
+              <a:t> </a:t>
+            </a:r>
+            <a:r>
+              <a:rPr lang="en-US" altLang="ja-JP" sz="2400" b="0" dirty="0" err="1">
+                <a:solidFill>
+                  <a:srgbClr val="236EBF"/>
+                </a:solidFill>
+                <a:effectLst/>
+                <a:latin typeface="Consolas" panose="020B0609020204030204" pitchFamily="49" charset="0"/>
+              </a:rPr>
+              <a:t>np.exp</a:t>
+            </a:r>
+            <a:r>
+              <a:rPr lang="en-US" altLang="ja-JP" sz="2400" b="0" dirty="0">
+                <a:solidFill>
+                  <a:srgbClr val="236EBF"/>
+                </a:solidFill>
+                <a:effectLst/>
+                <a:latin typeface="Consolas" panose="020B0609020204030204" pitchFamily="49" charset="0"/>
+              </a:rPr>
+              <a:t>(</a:t>
+            </a:r>
+            <a:r>
+              <a:rPr lang="en-US" altLang="ja-JP" sz="2400" b="0" dirty="0">
+                <a:solidFill>
+                  <a:srgbClr val="7B30D0"/>
+                </a:solidFill>
+                <a:effectLst/>
+                <a:latin typeface="Consolas" panose="020B0609020204030204" pitchFamily="49" charset="0"/>
+              </a:rPr>
+              <a:t>-</a:t>
+            </a:r>
+            <a:r>
+              <a:rPr lang="en-US" altLang="ja-JP" sz="2400" b="0" dirty="0">
+                <a:solidFill>
+                  <a:srgbClr val="236EBF"/>
+                </a:solidFill>
+                <a:effectLst/>
+                <a:latin typeface="Consolas" panose="020B0609020204030204" pitchFamily="49" charset="0"/>
+              </a:rPr>
+              <a:t>x</a:t>
+            </a:r>
+            <a:r>
+              <a:rPr lang="en-US" altLang="ja-JP" sz="2400" b="0" dirty="0">
+                <a:solidFill>
+                  <a:srgbClr val="7B30D0"/>
+                </a:solidFill>
+                <a:effectLst/>
+                <a:latin typeface="Consolas" panose="020B0609020204030204" pitchFamily="49" charset="0"/>
+              </a:rPr>
+              <a:t>/</a:t>
+            </a:r>
+            <a:r>
+              <a:rPr lang="en-US" altLang="ja-JP" sz="2400" b="0" dirty="0">
+                <a:solidFill>
+                  <a:srgbClr val="174781"/>
+                </a:solidFill>
+                <a:effectLst/>
+                <a:latin typeface="Consolas" panose="020B0609020204030204" pitchFamily="49" charset="0"/>
+              </a:rPr>
+              <a:t>3</a:t>
+            </a:r>
+            <a:r>
+              <a:rPr lang="en-US" altLang="ja-JP" sz="2400" b="0" dirty="0">
+                <a:solidFill>
+                  <a:srgbClr val="236EBF"/>
+                </a:solidFill>
+                <a:effectLst/>
+                <a:latin typeface="Consolas" panose="020B0609020204030204" pitchFamily="49" charset="0"/>
+              </a:rPr>
+              <a:t>)</a:t>
+            </a:r>
+          </a:p>
+          <a:p>
+            <a:r>
+              <a:rPr lang="en-US" altLang="ja-JP" sz="2400" b="0" dirty="0">
+                <a:solidFill>
+                  <a:srgbClr val="236EBF"/>
+                </a:solidFill>
+                <a:effectLst/>
+                <a:latin typeface="Consolas" panose="020B0609020204030204" pitchFamily="49" charset="0"/>
+              </a:rPr>
+              <a:t>    d </a:t>
+            </a:r>
+            <a:r>
+              <a:rPr lang="en-US" altLang="ja-JP" sz="2400" b="0" dirty="0">
+                <a:solidFill>
+                  <a:srgbClr val="7B30D0"/>
+                </a:solidFill>
+                <a:effectLst/>
+                <a:latin typeface="Consolas" panose="020B0609020204030204" pitchFamily="49" charset="0"/>
+              </a:rPr>
+              <a:t>+=</a:t>
+            </a:r>
+            <a:r>
+              <a:rPr lang="en-US" altLang="ja-JP" sz="2400" b="0" dirty="0">
+                <a:solidFill>
+                  <a:srgbClr val="236EBF"/>
+                </a:solidFill>
+                <a:effectLst/>
+                <a:latin typeface="Consolas" panose="020B0609020204030204" pitchFamily="49" charset="0"/>
+              </a:rPr>
+              <a:t> </a:t>
+            </a:r>
+            <a:r>
+              <a:rPr lang="en-US" altLang="ja-JP" sz="2400" b="0" dirty="0" err="1">
+                <a:solidFill>
+                  <a:srgbClr val="236EBF"/>
+                </a:solidFill>
+                <a:effectLst/>
+                <a:latin typeface="Consolas" panose="020B0609020204030204" pitchFamily="49" charset="0"/>
+              </a:rPr>
+              <a:t>np.random.randn</a:t>
+            </a:r>
+            <a:r>
+              <a:rPr lang="en-US" altLang="ja-JP" sz="2400" b="0" dirty="0">
+                <a:solidFill>
+                  <a:srgbClr val="236EBF"/>
+                </a:solidFill>
+                <a:effectLst/>
+                <a:latin typeface="Consolas" panose="020B0609020204030204" pitchFamily="49" charset="0"/>
+              </a:rPr>
+              <a:t>(N)</a:t>
+            </a:r>
+            <a:r>
+              <a:rPr lang="en-US" altLang="ja-JP" sz="2400" b="0" dirty="0">
+                <a:solidFill>
+                  <a:srgbClr val="7B30D0"/>
+                </a:solidFill>
+                <a:effectLst/>
+                <a:latin typeface="Consolas" panose="020B0609020204030204" pitchFamily="49" charset="0"/>
+              </a:rPr>
+              <a:t>*</a:t>
+            </a:r>
+            <a:r>
+              <a:rPr lang="en-US" altLang="ja-JP" sz="2400" b="0" dirty="0">
+                <a:solidFill>
+                  <a:srgbClr val="174781"/>
+                </a:solidFill>
+                <a:effectLst/>
+                <a:latin typeface="Consolas" panose="020B0609020204030204" pitchFamily="49" charset="0"/>
+              </a:rPr>
+              <a:t>0.1</a:t>
+            </a:r>
+            <a:endParaRPr lang="en-US" altLang="ja-JP" sz="2400" b="0" dirty="0">
+              <a:solidFill>
+                <a:srgbClr val="236EBF"/>
+              </a:solidFill>
+              <a:effectLst/>
+              <a:latin typeface="Consolas" panose="020B0609020204030204" pitchFamily="49" charset="0"/>
+            </a:endParaRPr>
+          </a:p>
+          <a:p>
+            <a:r>
+              <a:rPr lang="en-US" altLang="ja-JP" sz="2400" b="0" dirty="0">
+                <a:solidFill>
+                  <a:srgbClr val="236EBF"/>
+                </a:solidFill>
+                <a:effectLst/>
+                <a:latin typeface="Consolas" panose="020B0609020204030204" pitchFamily="49" charset="0"/>
+              </a:rPr>
+              <a:t>    y </a:t>
+            </a:r>
+            <a:r>
+              <a:rPr lang="en-US" altLang="ja-JP" sz="2400" b="0" dirty="0">
+                <a:solidFill>
+                  <a:srgbClr val="7B30D0"/>
+                </a:solidFill>
+                <a:effectLst/>
+                <a:latin typeface="Consolas" panose="020B0609020204030204" pitchFamily="49" charset="0"/>
+              </a:rPr>
+              <a:t>=</a:t>
+            </a:r>
+            <a:r>
+              <a:rPr lang="en-US" altLang="ja-JP" sz="2400" b="0" dirty="0">
+                <a:solidFill>
+                  <a:srgbClr val="236EBF"/>
+                </a:solidFill>
+                <a:effectLst/>
+                <a:latin typeface="Consolas" panose="020B0609020204030204" pitchFamily="49" charset="0"/>
+              </a:rPr>
+              <a:t> </a:t>
+            </a:r>
+            <a:r>
+              <a:rPr lang="en-US" altLang="ja-JP" sz="2400" b="0" dirty="0" err="1">
+                <a:solidFill>
+                  <a:srgbClr val="236EBF"/>
+                </a:solidFill>
+                <a:effectLst/>
+                <a:latin typeface="Consolas" panose="020B0609020204030204" pitchFamily="49" charset="0"/>
+              </a:rPr>
+              <a:t>np.average</a:t>
+            </a:r>
+            <a:r>
+              <a:rPr lang="en-US" altLang="ja-JP" sz="2400" b="0" dirty="0">
+                <a:solidFill>
+                  <a:srgbClr val="236EBF"/>
+                </a:solidFill>
+                <a:effectLst/>
+                <a:latin typeface="Consolas" panose="020B0609020204030204" pitchFamily="49" charset="0"/>
+              </a:rPr>
+              <a:t>(d)</a:t>
+            </a:r>
+          </a:p>
+          <a:p>
+            <a:r>
+              <a:rPr lang="en-US" altLang="ja-JP" sz="2400" b="0" dirty="0">
+                <a:solidFill>
+                  <a:srgbClr val="236EBF"/>
+                </a:solidFill>
+                <a:effectLst/>
+                <a:latin typeface="Consolas" panose="020B0609020204030204" pitchFamily="49" charset="0"/>
+              </a:rPr>
+              <a:t>    e </a:t>
+            </a:r>
+            <a:r>
+              <a:rPr lang="en-US" altLang="ja-JP" sz="2400" b="0" dirty="0">
+                <a:solidFill>
+                  <a:srgbClr val="7B30D0"/>
+                </a:solidFill>
+                <a:effectLst/>
+                <a:latin typeface="Consolas" panose="020B0609020204030204" pitchFamily="49" charset="0"/>
+              </a:rPr>
+              <a:t>=</a:t>
+            </a:r>
+            <a:r>
+              <a:rPr lang="en-US" altLang="ja-JP" sz="2400" b="0" dirty="0">
+                <a:solidFill>
+                  <a:srgbClr val="236EBF"/>
+                </a:solidFill>
+                <a:effectLst/>
+                <a:latin typeface="Consolas" panose="020B0609020204030204" pitchFamily="49" charset="0"/>
+              </a:rPr>
+              <a:t> </a:t>
+            </a:r>
+            <a:r>
+              <a:rPr lang="en-US" altLang="ja-JP" sz="2400" b="0" dirty="0" err="1">
+                <a:solidFill>
+                  <a:srgbClr val="236EBF"/>
+                </a:solidFill>
+                <a:effectLst/>
+                <a:latin typeface="Consolas" panose="020B0609020204030204" pitchFamily="49" charset="0"/>
+              </a:rPr>
+              <a:t>np.std</a:t>
+            </a:r>
+            <a:r>
+              <a:rPr lang="en-US" altLang="ja-JP" sz="2400" b="0" dirty="0">
+                <a:solidFill>
+                  <a:srgbClr val="236EBF"/>
+                </a:solidFill>
+                <a:effectLst/>
+                <a:latin typeface="Consolas" panose="020B0609020204030204" pitchFamily="49" charset="0"/>
+              </a:rPr>
+              <a:t>(d)</a:t>
+            </a:r>
+            <a:r>
+              <a:rPr lang="en-US" altLang="ja-JP" sz="2400" b="0" dirty="0">
+                <a:solidFill>
+                  <a:srgbClr val="7B30D0"/>
+                </a:solidFill>
+                <a:effectLst/>
+                <a:latin typeface="Consolas" panose="020B0609020204030204" pitchFamily="49" charset="0"/>
+              </a:rPr>
+              <a:t>/</a:t>
+            </a:r>
+            <a:r>
+              <a:rPr lang="en-US" altLang="ja-JP" sz="2400" b="0" dirty="0" err="1">
+                <a:solidFill>
+                  <a:srgbClr val="236EBF"/>
+                </a:solidFill>
+                <a:effectLst/>
+                <a:latin typeface="Consolas" panose="020B0609020204030204" pitchFamily="49" charset="0"/>
+              </a:rPr>
+              <a:t>np.sqrt</a:t>
+            </a:r>
+            <a:r>
+              <a:rPr lang="en-US" altLang="ja-JP" sz="2400" b="0" dirty="0">
+                <a:solidFill>
+                  <a:srgbClr val="236EBF"/>
+                </a:solidFill>
+                <a:effectLst/>
+                <a:latin typeface="Consolas" panose="020B0609020204030204" pitchFamily="49" charset="0"/>
+              </a:rPr>
+              <a:t>(N)</a:t>
+            </a:r>
+          </a:p>
+          <a:p>
+            <a:r>
+              <a:rPr lang="en-US" altLang="ja-JP" sz="2400" b="0" dirty="0">
+                <a:solidFill>
+                  <a:srgbClr val="236EBF"/>
+                </a:solidFill>
+                <a:effectLst/>
+                <a:latin typeface="Consolas" panose="020B0609020204030204" pitchFamily="49" charset="0"/>
+              </a:rPr>
+              <a:t>    </a:t>
+            </a:r>
+            <a:r>
+              <a:rPr lang="en-US" altLang="ja-JP" sz="2400" b="0" dirty="0">
+                <a:solidFill>
+                  <a:srgbClr val="08134A"/>
+                </a:solidFill>
+                <a:effectLst/>
+                <a:latin typeface="Consolas" panose="020B0609020204030204" pitchFamily="49" charset="0"/>
+              </a:rPr>
+              <a:t>print</a:t>
+            </a:r>
+            <a:r>
+              <a:rPr lang="en-US" altLang="ja-JP" sz="2400" b="0" dirty="0">
+                <a:solidFill>
+                  <a:srgbClr val="236EBF"/>
+                </a:solidFill>
+                <a:effectLst/>
+                <a:latin typeface="Consolas" panose="020B0609020204030204" pitchFamily="49" charset="0"/>
+              </a:rPr>
+              <a:t>(</a:t>
+            </a:r>
+            <a:r>
+              <a:rPr lang="en-US" altLang="ja-JP" sz="2400" b="0" dirty="0">
+                <a:solidFill>
+                  <a:srgbClr val="0991B6"/>
+                </a:solidFill>
+                <a:effectLst/>
+                <a:latin typeface="Consolas" panose="020B0609020204030204" pitchFamily="49" charset="0"/>
+              </a:rPr>
+              <a:t>f</a:t>
+            </a:r>
+            <a:r>
+              <a:rPr lang="en-US" altLang="ja-JP" sz="2400" b="0" dirty="0">
+                <a:solidFill>
+                  <a:srgbClr val="A44185"/>
+                </a:solidFill>
+                <a:effectLst/>
+                <a:latin typeface="Consolas" panose="020B0609020204030204" pitchFamily="49" charset="0"/>
+              </a:rPr>
+              <a:t>"</a:t>
+            </a:r>
+            <a:r>
+              <a:rPr lang="en-US" altLang="ja-JP" sz="2400" b="0" dirty="0">
+                <a:solidFill>
+                  <a:srgbClr val="2970C7"/>
+                </a:solidFill>
+                <a:effectLst/>
+                <a:latin typeface="Consolas" panose="020B0609020204030204" pitchFamily="49" charset="0"/>
+              </a:rPr>
+              <a:t>{</a:t>
+            </a:r>
+            <a:r>
+              <a:rPr lang="en-US" altLang="ja-JP" sz="2400" b="0" dirty="0">
+                <a:solidFill>
+                  <a:srgbClr val="236EBF"/>
+                </a:solidFill>
+                <a:effectLst/>
+                <a:latin typeface="Consolas" panose="020B0609020204030204" pitchFamily="49" charset="0"/>
+              </a:rPr>
+              <a:t>x</a:t>
+            </a:r>
+            <a:r>
+              <a:rPr lang="en-US" altLang="ja-JP" sz="2400" b="0" dirty="0">
+                <a:solidFill>
+                  <a:srgbClr val="2970C7"/>
+                </a:solidFill>
+                <a:effectLst/>
+                <a:latin typeface="Consolas" panose="020B0609020204030204" pitchFamily="49" charset="0"/>
+              </a:rPr>
+              <a:t>}</a:t>
+            </a:r>
+            <a:r>
+              <a:rPr lang="en-US" altLang="ja-JP" sz="2400" b="0" dirty="0">
+                <a:solidFill>
+                  <a:srgbClr val="A44185"/>
+                </a:solidFill>
+                <a:effectLst/>
+                <a:latin typeface="Consolas" panose="020B0609020204030204" pitchFamily="49" charset="0"/>
+              </a:rPr>
+              <a:t> </a:t>
+            </a:r>
+            <a:r>
+              <a:rPr lang="en-US" altLang="ja-JP" sz="2400" b="0" dirty="0">
+                <a:solidFill>
+                  <a:srgbClr val="2970C7"/>
+                </a:solidFill>
+                <a:effectLst/>
+                <a:latin typeface="Consolas" panose="020B0609020204030204" pitchFamily="49" charset="0"/>
+              </a:rPr>
+              <a:t>{</a:t>
+            </a:r>
+            <a:r>
+              <a:rPr lang="en-US" altLang="ja-JP" sz="2400" b="0" dirty="0">
+                <a:solidFill>
+                  <a:srgbClr val="236EBF"/>
+                </a:solidFill>
+                <a:effectLst/>
+                <a:latin typeface="Consolas" panose="020B0609020204030204" pitchFamily="49" charset="0"/>
+              </a:rPr>
+              <a:t>y</a:t>
+            </a:r>
+            <a:r>
+              <a:rPr lang="en-US" altLang="ja-JP" sz="2400" b="0" dirty="0">
+                <a:solidFill>
+                  <a:srgbClr val="2970C7"/>
+                </a:solidFill>
+                <a:effectLst/>
+                <a:latin typeface="Consolas" panose="020B0609020204030204" pitchFamily="49" charset="0"/>
+              </a:rPr>
+              <a:t>}</a:t>
+            </a:r>
+            <a:r>
+              <a:rPr lang="en-US" altLang="ja-JP" sz="2400" b="0" dirty="0">
+                <a:solidFill>
+                  <a:srgbClr val="A44185"/>
+                </a:solidFill>
+                <a:effectLst/>
+                <a:latin typeface="Consolas" panose="020B0609020204030204" pitchFamily="49" charset="0"/>
+              </a:rPr>
+              <a:t> </a:t>
+            </a:r>
+            <a:r>
+              <a:rPr lang="en-US" altLang="ja-JP" sz="2400" b="0" dirty="0">
+                <a:solidFill>
+                  <a:srgbClr val="2970C7"/>
+                </a:solidFill>
+                <a:effectLst/>
+                <a:latin typeface="Consolas" panose="020B0609020204030204" pitchFamily="49" charset="0"/>
+              </a:rPr>
+              <a:t>{</a:t>
+            </a:r>
+            <a:r>
+              <a:rPr lang="en-US" altLang="ja-JP" sz="2400" b="0" dirty="0">
+                <a:solidFill>
+                  <a:srgbClr val="236EBF"/>
+                </a:solidFill>
+                <a:effectLst/>
+                <a:latin typeface="Consolas" panose="020B0609020204030204" pitchFamily="49" charset="0"/>
+              </a:rPr>
+              <a:t>e</a:t>
+            </a:r>
+            <a:r>
+              <a:rPr lang="en-US" altLang="ja-JP" sz="2400" b="0" dirty="0">
+                <a:solidFill>
+                  <a:srgbClr val="2970C7"/>
+                </a:solidFill>
+                <a:effectLst/>
+                <a:latin typeface="Consolas" panose="020B0609020204030204" pitchFamily="49" charset="0"/>
+              </a:rPr>
+              <a:t>}</a:t>
+            </a:r>
+            <a:r>
+              <a:rPr lang="en-US" altLang="ja-JP" sz="2400" b="0" dirty="0">
+                <a:solidFill>
+                  <a:srgbClr val="A44185"/>
+                </a:solidFill>
+                <a:effectLst/>
+                <a:latin typeface="Consolas" panose="020B0609020204030204" pitchFamily="49" charset="0"/>
+              </a:rPr>
+              <a:t>"</a:t>
+            </a:r>
+            <a:r>
+              <a:rPr lang="en-US" altLang="ja-JP" sz="2400" b="0" dirty="0">
+                <a:solidFill>
+                  <a:srgbClr val="236EBF"/>
+                </a:solidFill>
+                <a:effectLst/>
+                <a:latin typeface="Consolas" panose="020B0609020204030204" pitchFamily="49" charset="0"/>
+              </a:rPr>
+              <a:t>)</a:t>
+            </a:r>
+          </a:p>
+        </p:txBody>
+      </p:sp>
+      <mc:AlternateContent xmlns:mc="http://schemas.openxmlformats.org/markup-compatibility/2006">
+        <mc:Choice xmlns:a14="http://schemas.microsoft.com/office/drawing/2010/main" Requires="a14">
+          <p:sp>
+            <p:nvSpPr>
+              <p:cNvPr id="7" name="テキスト ボックス 6">
+                <a:extLst>
+                  <a:ext uri="{FF2B5EF4-FFF2-40B4-BE49-F238E27FC236}">
+                    <a16:creationId xmlns:a16="http://schemas.microsoft.com/office/drawing/2014/main" id="{97578F4E-7B30-4781-8215-3B867999B799}"/>
+                  </a:ext>
+                </a:extLst>
+              </p:cNvPr>
+              <p:cNvSpPr txBox="1"/>
+              <p:nvPr/>
+            </p:nvSpPr>
+            <p:spPr>
+              <a:xfrm>
+                <a:off x="1763688" y="5517232"/>
+                <a:ext cx="2093137" cy="1140890"/>
+              </a:xfrm>
+              <a:prstGeom prst="rect">
+                <a:avLst/>
+              </a:prstGeom>
+              <a:noFill/>
+            </p:spPr>
+            <p:txBody>
+              <a:bodyPr wrap="none" rtlCol="0">
+                <a:spAutoFit/>
+              </a:bodyPr>
+              <a:lstStyle/>
+              <a:p>
+                <a14:m>
+                  <m:oMathPara xmlns:m="http://schemas.openxmlformats.org/officeDocument/2006/math">
+                    <m:oMathParaPr>
+                      <m:jc m:val="centerGroup"/>
+                    </m:oMathParaPr>
+                    <m:oMath xmlns:m="http://schemas.openxmlformats.org/officeDocument/2006/math">
+                      <m:sSub>
+                        <m:sSubPr>
+                          <m:ctrlPr>
+                            <a:rPr kumimoji="1" lang="en-US" altLang="ja-JP" sz="3600" b="0" i="1" smtClean="0">
+                              <a:latin typeface="Cambria Math" panose="02040503050406030204" pitchFamily="18" charset="0"/>
+                            </a:rPr>
+                          </m:ctrlPr>
+                        </m:sSubPr>
+                        <m:e>
+                          <m:r>
+                            <a:rPr kumimoji="1" lang="en-US" altLang="ja-JP" sz="3600" b="0" i="1" smtClean="0">
+                              <a:latin typeface="Cambria Math" panose="02040503050406030204" pitchFamily="18" charset="0"/>
+                            </a:rPr>
+                            <m:t>𝜎</m:t>
+                          </m:r>
+                        </m:e>
+                        <m:sub>
+                          <m:acc>
+                            <m:accPr>
+                              <m:chr m:val="̅"/>
+                              <m:ctrlPr>
+                                <a:rPr kumimoji="1" lang="en-US" altLang="ja-JP" sz="3600" b="0" i="1" smtClean="0">
+                                  <a:latin typeface="Cambria Math" panose="02040503050406030204" pitchFamily="18" charset="0"/>
+                                </a:rPr>
+                              </m:ctrlPr>
+                            </m:accPr>
+                            <m:e>
+                              <m:r>
+                                <a:rPr kumimoji="1" lang="en-US" altLang="ja-JP" sz="3600" b="0" i="1" smtClean="0">
+                                  <a:latin typeface="Cambria Math" panose="02040503050406030204" pitchFamily="18" charset="0"/>
+                                </a:rPr>
+                                <m:t>𝑋</m:t>
+                              </m:r>
+                            </m:e>
+                          </m:acc>
+                        </m:sub>
+                      </m:sSub>
+                      <m:r>
+                        <a:rPr kumimoji="1" lang="en-US" altLang="ja-JP" sz="3600" b="0" i="1" smtClean="0">
+                          <a:latin typeface="Cambria Math" panose="02040503050406030204" pitchFamily="18" charset="0"/>
+                        </a:rPr>
+                        <m:t>=</m:t>
+                      </m:r>
+                      <m:f>
+                        <m:fPr>
+                          <m:ctrlPr>
+                            <a:rPr kumimoji="1" lang="en-US" altLang="ja-JP" sz="3600" b="0" i="1" smtClean="0">
+                              <a:latin typeface="Cambria Math" panose="02040503050406030204" pitchFamily="18" charset="0"/>
+                            </a:rPr>
+                          </m:ctrlPr>
+                        </m:fPr>
+                        <m:num>
+                          <m:r>
+                            <a:rPr kumimoji="1" lang="en-US" altLang="ja-JP" sz="3600" b="0" i="1" smtClean="0">
+                              <a:latin typeface="Cambria Math" panose="02040503050406030204" pitchFamily="18" charset="0"/>
+                            </a:rPr>
+                            <m:t>𝜎</m:t>
+                          </m:r>
+                        </m:num>
+                        <m:den>
+                          <m:rad>
+                            <m:radPr>
+                              <m:degHide m:val="on"/>
+                              <m:ctrlPr>
+                                <a:rPr kumimoji="1" lang="en-US" altLang="ja-JP" sz="3600" b="0" i="1" smtClean="0">
+                                  <a:latin typeface="Cambria Math" panose="02040503050406030204" pitchFamily="18" charset="0"/>
+                                </a:rPr>
+                              </m:ctrlPr>
+                            </m:radPr>
+                            <m:deg/>
+                            <m:e>
+                              <m:r>
+                                <a:rPr kumimoji="1" lang="en-US" altLang="ja-JP" sz="3600" b="0" i="1" smtClean="0">
+                                  <a:latin typeface="Cambria Math" panose="02040503050406030204" pitchFamily="18" charset="0"/>
+                                </a:rPr>
+                                <m:t>𝑁</m:t>
+                              </m:r>
+                            </m:e>
+                          </m:rad>
+                        </m:den>
+                      </m:f>
+                    </m:oMath>
+                  </m:oMathPara>
+                </a14:m>
+                <a:endParaRPr kumimoji="1" lang="ja-JP" altLang="en-US" sz="3600" dirty="0"/>
+              </a:p>
+            </p:txBody>
+          </p:sp>
+        </mc:Choice>
+        <mc:Fallback>
+          <p:sp>
+            <p:nvSpPr>
+              <p:cNvPr id="7" name="テキスト ボックス 6">
+                <a:extLst>
+                  <a:ext uri="{FF2B5EF4-FFF2-40B4-BE49-F238E27FC236}">
+                    <a16:creationId xmlns:a16="http://schemas.microsoft.com/office/drawing/2014/main" id="{97578F4E-7B30-4781-8215-3B867999B799}"/>
+                  </a:ext>
+                </a:extLst>
+              </p:cNvPr>
+              <p:cNvSpPr txBox="1">
+                <a:spLocks noRot="1" noChangeAspect="1" noMove="1" noResize="1" noEditPoints="1" noAdjustHandles="1" noChangeArrowheads="1" noChangeShapeType="1" noTextEdit="1"/>
+              </p:cNvSpPr>
+              <p:nvPr/>
+            </p:nvSpPr>
+            <p:spPr>
+              <a:xfrm>
+                <a:off x="1763688" y="5517232"/>
+                <a:ext cx="2093137" cy="1140890"/>
+              </a:xfrm>
+              <a:prstGeom prst="rect">
+                <a:avLst/>
+              </a:prstGeom>
+              <a:blipFill>
+                <a:blip r:embed="rId2"/>
+                <a:stretch>
+                  <a:fillRect/>
+                </a:stretch>
+              </a:blipFill>
+            </p:spPr>
+            <p:txBody>
+              <a:bodyPr/>
+              <a:lstStyle/>
+              <a:p>
+                <a:r>
+                  <a:rPr lang="ja-JP" altLang="en-US">
+                    <a:noFill/>
+                  </a:rPr>
+                  <a:t> </a:t>
+                </a:r>
+              </a:p>
+            </p:txBody>
+          </p:sp>
+        </mc:Fallback>
+      </mc:AlternateContent>
+      <p:sp>
+        <p:nvSpPr>
+          <p:cNvPr id="8" name="四角形: 角を丸くする 7">
+            <a:extLst>
+              <a:ext uri="{FF2B5EF4-FFF2-40B4-BE49-F238E27FC236}">
+                <a16:creationId xmlns:a16="http://schemas.microsoft.com/office/drawing/2014/main" id="{2404FCFC-1A71-4CE5-8D19-C1FF89D84076}"/>
+              </a:ext>
+            </a:extLst>
+          </p:cNvPr>
+          <p:cNvSpPr/>
+          <p:nvPr/>
+        </p:nvSpPr>
+        <p:spPr>
+          <a:xfrm>
+            <a:off x="827584" y="4653136"/>
+            <a:ext cx="4320480" cy="432048"/>
+          </a:xfrm>
+          <a:prstGeom prst="roundRect">
+            <a:avLst/>
+          </a:prstGeom>
+          <a:noFill/>
+          <a:ln>
+            <a:solidFill>
+              <a:srgbClr val="FF0000"/>
+            </a:solidFill>
+            <a:prstDash val="dash"/>
+          </a:ln>
+        </p:spPr>
+        <p:style>
+          <a:lnRef idx="2">
+            <a:schemeClr val="accent1">
+              <a:shade val="50000"/>
+            </a:schemeClr>
+          </a:lnRef>
+          <a:fillRef idx="1">
+            <a:schemeClr val="accent1"/>
+          </a:fillRef>
+          <a:effectRef idx="0">
+            <a:schemeClr val="accent1"/>
+          </a:effectRef>
+          <a:fontRef idx="minor">
+            <a:schemeClr val="lt1"/>
+          </a:fontRef>
+        </p:style>
+        <p:txBody>
+          <a:bodyPr rtlCol="0" anchor="ctr"/>
+          <a:lstStyle/>
+          <a:p>
+            <a:pPr algn="ctr"/>
+            <a:endParaRPr kumimoji="1" lang="ja-JP" altLang="en-US"/>
+          </a:p>
+        </p:txBody>
+      </p:sp>
+      <p:sp>
+        <p:nvSpPr>
+          <p:cNvPr id="9" name="テキスト ボックス 8">
+            <a:extLst>
+              <a:ext uri="{FF2B5EF4-FFF2-40B4-BE49-F238E27FC236}">
+                <a16:creationId xmlns:a16="http://schemas.microsoft.com/office/drawing/2014/main" id="{D6268599-9462-450E-B15D-A3C7679A0AC8}"/>
+              </a:ext>
+            </a:extLst>
+          </p:cNvPr>
+          <p:cNvSpPr txBox="1"/>
+          <p:nvPr/>
+        </p:nvSpPr>
+        <p:spPr>
+          <a:xfrm>
+            <a:off x="5580112" y="2924944"/>
+            <a:ext cx="2954655" cy="461665"/>
+          </a:xfrm>
+          <a:prstGeom prst="rect">
+            <a:avLst/>
+          </a:prstGeom>
+          <a:solidFill>
+            <a:schemeClr val="bg1"/>
+          </a:solidFill>
+          <a:ln>
+            <a:solidFill>
+              <a:schemeClr val="tx1"/>
+            </a:solidFill>
+          </a:ln>
+        </p:spPr>
+        <p:txBody>
+          <a:bodyPr wrap="none" rtlCol="0">
+            <a:spAutoFit/>
+          </a:bodyPr>
+          <a:lstStyle/>
+          <a:p>
+            <a:r>
+              <a:rPr lang="ja-JP" altLang="en-US" sz="2400" dirty="0"/>
+              <a:t>これが正しいコード</a:t>
+            </a:r>
+            <a:endParaRPr kumimoji="1" lang="ja-JP" altLang="en-US" sz="2400" dirty="0"/>
+          </a:p>
+        </p:txBody>
+      </p:sp>
+      <p:cxnSp>
+        <p:nvCxnSpPr>
+          <p:cNvPr id="11" name="コネクタ: カギ線 10">
+            <a:extLst>
+              <a:ext uri="{FF2B5EF4-FFF2-40B4-BE49-F238E27FC236}">
+                <a16:creationId xmlns:a16="http://schemas.microsoft.com/office/drawing/2014/main" id="{0179A95C-DD03-4ABD-8BA1-7082EE480B8E}"/>
+              </a:ext>
+            </a:extLst>
+          </p:cNvPr>
+          <p:cNvCxnSpPr>
+            <a:stCxn id="9" idx="2"/>
+          </p:cNvCxnSpPr>
+          <p:nvPr/>
+        </p:nvCxnSpPr>
+        <p:spPr>
+          <a:xfrm rot="5400000">
+            <a:off x="5361477" y="3173196"/>
+            <a:ext cx="1482551" cy="1909376"/>
+          </a:xfrm>
+          <a:prstGeom prst="bentConnector2">
+            <a:avLst/>
+          </a:prstGeom>
+          <a:ln>
+            <a:solidFill>
+              <a:schemeClr val="tx1"/>
+            </a:solidFill>
+            <a:headEnd type="none" w="med" len="med"/>
+            <a:tailEnd type="triangle"/>
+          </a:ln>
+        </p:spPr>
+        <p:style>
+          <a:lnRef idx="1">
+            <a:schemeClr val="accent1"/>
+          </a:lnRef>
+          <a:fillRef idx="0">
+            <a:schemeClr val="accent1"/>
+          </a:fillRef>
+          <a:effectRef idx="0">
+            <a:schemeClr val="accent1"/>
+          </a:effectRef>
+          <a:fontRef idx="minor">
+            <a:schemeClr val="tx1"/>
+          </a:fontRef>
+        </p:style>
+      </p:cxnSp>
+    </p:spTree>
+    <p:extLst>
+      <p:ext uri="{BB962C8B-B14F-4D97-AF65-F5344CB8AC3E}">
+        <p14:creationId xmlns:p14="http://schemas.microsoft.com/office/powerpoint/2010/main" val="289017399"/>
+      </p:ext>
+    </p:extLst>
+  </p:cSld>
+  <p:clrMapOvr>
+    <a:masterClrMapping/>
+  </p:clrMapOvr>
+</p:sld>
+</file>
+
+<file path=ppt/slides/slide23.xml><?xml version="1.0" encoding="utf-8"?>
+<p:sld xmlns:a="http://schemas.openxmlformats.org/drawingml/2006/main" xmlns:r="http://schemas.openxmlformats.org/officeDocument/2006/relationships" xmlns:p="http://schemas.openxmlformats.org/presentationml/2006/main">
+  <p:cSld>
+    <p:spTree>
+      <p:nvGrpSpPr>
+        <p:cNvPr id="1" name=""/>
+        <p:cNvGrpSpPr/>
+        <p:nvPr/>
+      </p:nvGrpSpPr>
+      <p:grpSpPr>
+        <a:xfrm>
+          <a:off x="0" y="0"/>
+          <a:ext cx="0" cy="0"/>
+          <a:chOff x="0" y="0"/>
+          <a:chExt cx="0" cy="0"/>
+        </a:xfrm>
+      </p:grpSpPr>
+      <p:sp>
+        <p:nvSpPr>
+          <p:cNvPr id="2" name="テキスト プレースホルダー 1">
+            <a:extLst>
+              <a:ext uri="{FF2B5EF4-FFF2-40B4-BE49-F238E27FC236}">
+                <a16:creationId xmlns:a16="http://schemas.microsoft.com/office/drawing/2014/main" id="{44DBE78F-7CDC-4998-852C-F20B8C9839CA}"/>
+              </a:ext>
+            </a:extLst>
+          </p:cNvPr>
+          <p:cNvSpPr>
+            <a:spLocks noGrp="1"/>
+          </p:cNvSpPr>
+          <p:nvPr>
+            <p:ph type="body" sz="quarter" idx="10"/>
+          </p:nvPr>
+        </p:nvSpPr>
+        <p:spPr/>
+        <p:txBody>
+          <a:bodyPr/>
+          <a:lstStyle/>
+          <a:p>
+            <a:r>
+              <a:rPr kumimoji="1" lang="ja-JP" altLang="en-US"/>
+              <a:t>適切なグラフ</a:t>
+            </a:r>
+            <a:endParaRPr kumimoji="1" lang="ja-JP" altLang="en-US" dirty="0"/>
+          </a:p>
+        </p:txBody>
+      </p:sp>
+      <p:pic>
+        <p:nvPicPr>
+          <p:cNvPr id="4" name="図 3">
+            <a:extLst>
+              <a:ext uri="{FF2B5EF4-FFF2-40B4-BE49-F238E27FC236}">
+                <a16:creationId xmlns:a16="http://schemas.microsoft.com/office/drawing/2014/main" id="{B2B10D28-CE6F-4C11-819E-942A04C635F2}"/>
+              </a:ext>
+            </a:extLst>
+          </p:cNvPr>
+          <p:cNvPicPr>
+            <a:picLocks noChangeAspect="1"/>
+          </p:cNvPicPr>
+          <p:nvPr/>
+        </p:nvPicPr>
+        <p:blipFill>
+          <a:blip r:embed="rId2">
+            <a:extLst>
+              <a:ext uri="{28A0092B-C50C-407E-A947-70E740481C1C}">
+                <a14:useLocalDpi xmlns:a14="http://schemas.microsoft.com/office/drawing/2010/main" val="0"/>
+              </a:ext>
+            </a:extLst>
+          </a:blip>
+          <a:stretch>
+            <a:fillRect/>
+          </a:stretch>
+        </p:blipFill>
+        <p:spPr>
+          <a:xfrm>
+            <a:off x="539552" y="1268760"/>
+            <a:ext cx="6096000" cy="4572000"/>
+          </a:xfrm>
+          <a:prstGeom prst="rect">
+            <a:avLst/>
+          </a:prstGeom>
+        </p:spPr>
+      </p:pic>
+      <p:sp>
+        <p:nvSpPr>
+          <p:cNvPr id="6" name="四角形: 角を丸くする 5">
+            <a:extLst>
+              <a:ext uri="{FF2B5EF4-FFF2-40B4-BE49-F238E27FC236}">
+                <a16:creationId xmlns:a16="http://schemas.microsoft.com/office/drawing/2014/main" id="{1CA83297-BF77-405F-A31D-EF7850B9EDD1}"/>
+              </a:ext>
+            </a:extLst>
+          </p:cNvPr>
+          <p:cNvSpPr/>
+          <p:nvPr/>
+        </p:nvSpPr>
+        <p:spPr>
+          <a:xfrm>
+            <a:off x="4283968" y="4365104"/>
+            <a:ext cx="576064" cy="504056"/>
+          </a:xfrm>
+          <a:prstGeom prst="roundRect">
+            <a:avLst>
+              <a:gd name="adj" fmla="val 29981"/>
+            </a:avLst>
+          </a:prstGeom>
+          <a:noFill/>
+          <a:ln>
+            <a:solidFill>
+              <a:srgbClr val="FF0000"/>
+            </a:solidFill>
+            <a:prstDash val="dash"/>
+          </a:ln>
+        </p:spPr>
+        <p:style>
+          <a:lnRef idx="2">
+            <a:schemeClr val="accent1">
+              <a:shade val="50000"/>
+            </a:schemeClr>
+          </a:lnRef>
+          <a:fillRef idx="1">
+            <a:schemeClr val="accent1"/>
+          </a:fillRef>
+          <a:effectRef idx="0">
+            <a:schemeClr val="accent1"/>
+          </a:effectRef>
+          <a:fontRef idx="minor">
+            <a:schemeClr val="lt1"/>
+          </a:fontRef>
+        </p:style>
+        <p:txBody>
+          <a:bodyPr rtlCol="0" anchor="ctr"/>
+          <a:lstStyle/>
+          <a:p>
+            <a:pPr algn="ctr"/>
+            <a:endParaRPr kumimoji="1" lang="ja-JP" altLang="en-US"/>
+          </a:p>
+        </p:txBody>
+      </p:sp>
+      <p:sp>
+        <p:nvSpPr>
+          <p:cNvPr id="7" name="テキスト ボックス 6">
+            <a:extLst>
+              <a:ext uri="{FF2B5EF4-FFF2-40B4-BE49-F238E27FC236}">
+                <a16:creationId xmlns:a16="http://schemas.microsoft.com/office/drawing/2014/main" id="{370818BF-946F-4DD6-90CF-99D35D079B15}"/>
+              </a:ext>
+            </a:extLst>
+          </p:cNvPr>
+          <p:cNvSpPr txBox="1"/>
+          <p:nvPr/>
+        </p:nvSpPr>
+        <p:spPr>
+          <a:xfrm>
+            <a:off x="4211960" y="2708920"/>
+            <a:ext cx="4493538" cy="461665"/>
+          </a:xfrm>
+          <a:prstGeom prst="rect">
+            <a:avLst/>
+          </a:prstGeom>
+          <a:solidFill>
+            <a:schemeClr val="bg1"/>
+          </a:solidFill>
+          <a:ln>
+            <a:solidFill>
+              <a:schemeClr val="tx1"/>
+            </a:solidFill>
+          </a:ln>
+        </p:spPr>
+        <p:txBody>
+          <a:bodyPr wrap="none" rtlCol="0">
+            <a:spAutoFit/>
+          </a:bodyPr>
+          <a:lstStyle/>
+          <a:p>
+            <a:r>
+              <a:rPr lang="ja-JP" altLang="en-US" sz="2400" dirty="0"/>
+              <a:t>線から外れているデータがある</a:t>
+            </a:r>
+            <a:endParaRPr kumimoji="1" lang="ja-JP" altLang="en-US" sz="2400" dirty="0"/>
+          </a:p>
+        </p:txBody>
+      </p:sp>
+      <p:cxnSp>
+        <p:nvCxnSpPr>
+          <p:cNvPr id="9" name="コネクタ: カギ線 8">
+            <a:extLst>
+              <a:ext uri="{FF2B5EF4-FFF2-40B4-BE49-F238E27FC236}">
+                <a16:creationId xmlns:a16="http://schemas.microsoft.com/office/drawing/2014/main" id="{6593BBE2-A672-41C1-AC8A-2F67836037C3}"/>
+              </a:ext>
+            </a:extLst>
+          </p:cNvPr>
+          <p:cNvCxnSpPr>
+            <a:cxnSpLocks/>
+            <a:stCxn id="7" idx="2"/>
+            <a:endCxn id="6" idx="3"/>
+          </p:cNvCxnSpPr>
+          <p:nvPr/>
+        </p:nvCxnSpPr>
+        <p:spPr>
+          <a:xfrm rot="5400000">
+            <a:off x="4936108" y="3094510"/>
+            <a:ext cx="1446547" cy="1598697"/>
+          </a:xfrm>
+          <a:prstGeom prst="bentConnector2">
+            <a:avLst/>
+          </a:prstGeom>
+          <a:ln>
+            <a:solidFill>
+              <a:schemeClr val="tx1"/>
+            </a:solidFill>
+            <a:headEnd type="none" w="med" len="med"/>
+            <a:tailEnd type="triangle"/>
+          </a:ln>
+        </p:spPr>
+        <p:style>
+          <a:lnRef idx="1">
+            <a:schemeClr val="accent1"/>
+          </a:lnRef>
+          <a:fillRef idx="0">
+            <a:schemeClr val="accent1"/>
+          </a:fillRef>
+          <a:effectRef idx="0">
+            <a:schemeClr val="accent1"/>
+          </a:effectRef>
+          <a:fontRef idx="minor">
+            <a:schemeClr val="tx1"/>
+          </a:fontRef>
+        </p:style>
+      </p:cxnSp>
+      <p:sp>
+        <p:nvSpPr>
+          <p:cNvPr id="11" name="テキスト ボックス 10">
+            <a:extLst>
+              <a:ext uri="{FF2B5EF4-FFF2-40B4-BE49-F238E27FC236}">
+                <a16:creationId xmlns:a16="http://schemas.microsoft.com/office/drawing/2014/main" id="{C6EC3FC9-2412-496F-A171-7E3F89C5E991}"/>
+              </a:ext>
+            </a:extLst>
+          </p:cNvPr>
+          <p:cNvSpPr txBox="1"/>
+          <p:nvPr/>
+        </p:nvSpPr>
+        <p:spPr>
+          <a:xfrm>
+            <a:off x="251520" y="6165304"/>
+            <a:ext cx="8050602" cy="461665"/>
+          </a:xfrm>
+          <a:prstGeom prst="rect">
+            <a:avLst/>
+          </a:prstGeom>
+          <a:noFill/>
+        </p:spPr>
+        <p:txBody>
+          <a:bodyPr wrap="none" rtlCol="0">
+            <a:spAutoFit/>
+          </a:bodyPr>
+          <a:lstStyle/>
+          <a:p>
+            <a:r>
+              <a:rPr kumimoji="1" lang="en-US" altLang="ja-JP" sz="2400" dirty="0"/>
+              <a:t>1</a:t>
+            </a:r>
+            <a:r>
+              <a:rPr kumimoji="1" lang="ja-JP" altLang="en-US" sz="2400" dirty="0"/>
+              <a:t>シグマの範囲なら「外れているデータ」がないと不自然</a:t>
+            </a:r>
+          </a:p>
+        </p:txBody>
+      </p:sp>
+    </p:spTree>
+    <p:extLst>
+      <p:ext uri="{BB962C8B-B14F-4D97-AF65-F5344CB8AC3E}">
+        <p14:creationId xmlns:p14="http://schemas.microsoft.com/office/powerpoint/2010/main" val="2444983354"/>
+      </p:ext>
+    </p:extLst>
+  </p:cSld>
+  <p:clrMapOvr>
+    <a:masterClrMapping/>
+  </p:clrMapOvr>
+</p:sld>
+</file>
+
+<file path=ppt/slides/slide24.xml><?xml version="1.0" encoding="utf-8"?>
+<p:sld xmlns:a="http://schemas.openxmlformats.org/drawingml/2006/main" xmlns:r="http://schemas.openxmlformats.org/officeDocument/2006/relationships" xmlns:p="http://schemas.openxmlformats.org/presentationml/2006/main">
+  <p:cSld>
+    <p:spTree>
+      <p:nvGrpSpPr>
+        <p:cNvPr id="1" name=""/>
+        <p:cNvGrpSpPr/>
+        <p:nvPr/>
+      </p:nvGrpSpPr>
+      <p:grpSpPr>
+        <a:xfrm>
+          <a:off x="0" y="0"/>
+          <a:ext cx="0" cy="0"/>
+          <a:chOff x="0" y="0"/>
+          <a:chExt cx="0" cy="0"/>
+        </a:xfrm>
+      </p:grpSpPr>
+      <p:sp>
+        <p:nvSpPr>
+          <p:cNvPr id="2" name="テキスト プレースホルダー 1">
+            <a:extLst>
+              <a:ext uri="{FF2B5EF4-FFF2-40B4-BE49-F238E27FC236}">
+                <a16:creationId xmlns:a16="http://schemas.microsoft.com/office/drawing/2014/main" id="{61E10E35-9CC1-429A-AC3B-9B62223DF1EC}"/>
+              </a:ext>
+            </a:extLst>
+          </p:cNvPr>
+          <p:cNvSpPr>
+            <a:spLocks noGrp="1"/>
+          </p:cNvSpPr>
+          <p:nvPr>
+            <p:ph type="body" sz="quarter" idx="10"/>
+          </p:nvPr>
+        </p:nvSpPr>
+        <p:spPr/>
+        <p:txBody>
+          <a:bodyPr/>
+          <a:lstStyle/>
+          <a:p>
+            <a:endParaRPr kumimoji="1" lang="ja-JP" altLang="en-US"/>
+          </a:p>
+        </p:txBody>
+      </p:sp>
+    </p:spTree>
+    <p:extLst>
+      <p:ext uri="{BB962C8B-B14F-4D97-AF65-F5344CB8AC3E}">
+        <p14:creationId xmlns:p14="http://schemas.microsoft.com/office/powerpoint/2010/main" val="3479356234"/>
       </p:ext>
     </p:extLst>
   </p:cSld>

--- a/03_mc_advanced/simulation03.pptx
+++ b/03_mc_advanced/simulation03.pptx
@@ -5,7 +5,7 @@
     <p:sldMasterId id="2147483665" r:id="rId1"/>
   </p:sldMasterIdLst>
   <p:notesMasterIdLst>
-    <p:notesMasterId r:id="rId26"/>
+    <p:notesMasterId r:id="rId31"/>
   </p:notesMasterIdLst>
   <p:sldIdLst>
     <p:sldId id="256" r:id="rId2"/>
@@ -32,6 +32,11 @@
     <p:sldId id="359" r:id="rId23"/>
     <p:sldId id="360" r:id="rId24"/>
     <p:sldId id="361" r:id="rId25"/>
+    <p:sldId id="362" r:id="rId26"/>
+    <p:sldId id="363" r:id="rId27"/>
+    <p:sldId id="364" r:id="rId28"/>
+    <p:sldId id="365" r:id="rId29"/>
+    <p:sldId id="366" r:id="rId30"/>
   </p:sldIdLst>
   <p:sldSz cx="9144000" cy="6858000" type="screen4x3"/>
   <p:notesSz cx="6858000" cy="9144000"/>
@@ -758,6 +763,90 @@
     <p:extLst>
       <p:ext uri="{BB962C8B-B14F-4D97-AF65-F5344CB8AC3E}">
         <p14:creationId xmlns:p14="http://schemas.microsoft.com/office/powerpoint/2010/main" val="2753114653"/>
+      </p:ext>
+    </p:extLst>
+  </p:cSld>
+  <p:clrMapOvr>
+    <a:masterClrMapping/>
+  </p:clrMapOvr>
+</p:notes>
+</file>
+
+<file path=ppt/notesSlides/notesSlide4.xml><?xml version="1.0" encoding="utf-8"?>
+<p:notes xmlns:a="http://schemas.openxmlformats.org/drawingml/2006/main" xmlns:r="http://schemas.openxmlformats.org/officeDocument/2006/relationships" xmlns:p="http://schemas.openxmlformats.org/presentationml/2006/main">
+  <p:cSld>
+    <p:spTree>
+      <p:nvGrpSpPr>
+        <p:cNvPr id="1" name=""/>
+        <p:cNvGrpSpPr/>
+        <p:nvPr/>
+      </p:nvGrpSpPr>
+      <p:grpSpPr>
+        <a:xfrm>
+          <a:off x="0" y="0"/>
+          <a:ext cx="0" cy="0"/>
+          <a:chOff x="0" y="0"/>
+          <a:chExt cx="0" cy="0"/>
+        </a:xfrm>
+      </p:grpSpPr>
+      <p:sp>
+        <p:nvSpPr>
+          <p:cNvPr id="2" name="スライド イメージ プレースホルダー 1"/>
+          <p:cNvSpPr>
+            <a:spLocks noGrp="1" noRot="1" noChangeAspect="1"/>
+          </p:cNvSpPr>
+          <p:nvPr>
+            <p:ph type="sldImg"/>
+          </p:nvPr>
+        </p:nvSpPr>
+        <p:spPr/>
+      </p:sp>
+      <p:sp>
+        <p:nvSpPr>
+          <p:cNvPr id="3" name="ノート プレースホルダー 2"/>
+          <p:cNvSpPr>
+            <a:spLocks noGrp="1"/>
+          </p:cNvSpPr>
+          <p:nvPr>
+            <p:ph type="body" idx="1"/>
+          </p:nvPr>
+        </p:nvSpPr>
+        <p:spPr/>
+        <p:txBody>
+          <a:bodyPr/>
+          <a:lstStyle/>
+          <a:p>
+            <a:endParaRPr kumimoji="1" lang="ja-JP" altLang="en-US" dirty="0"/>
+          </a:p>
+        </p:txBody>
+      </p:sp>
+      <p:sp>
+        <p:nvSpPr>
+          <p:cNvPr id="4" name="スライド番号プレースホルダー 3"/>
+          <p:cNvSpPr>
+            <a:spLocks noGrp="1"/>
+          </p:cNvSpPr>
+          <p:nvPr>
+            <p:ph type="sldNum" sz="quarter" idx="5"/>
+          </p:nvPr>
+        </p:nvSpPr>
+        <p:spPr/>
+        <p:txBody>
+          <a:bodyPr/>
+          <a:lstStyle/>
+          <a:p>
+            <a:fld id="{3DFA746F-AF1F-C048-A2ED-B38EF01E9631}" type="slidenum">
+              <a:rPr lang="en-US" altLang="ja-JP" smtClean="0"/>
+              <a:t>27</a:t>
+            </a:fld>
+            <a:endParaRPr kumimoji="1" lang="ja-JP" altLang="en-US"/>
+          </a:p>
+        </p:txBody>
+      </p:sp>
+    </p:spTree>
+    <p:extLst>
+      <p:ext uri="{BB962C8B-B14F-4D97-AF65-F5344CB8AC3E}">
+        <p14:creationId xmlns:p14="http://schemas.microsoft.com/office/powerpoint/2010/main" val="181306870"/>
       </p:ext>
     </p:extLst>
   </p:cSld>
@@ -7519,7 +7608,7 @@
           <a:p>
             <a:r>
               <a:rPr lang="ja-JP" altLang="en-US" dirty="0"/>
-              <a:t>エラーバーがおかしいグラフ</a:t>
+              <a:t>おかしいグラフ</a:t>
             </a:r>
             <a:r>
               <a:rPr lang="en-US" altLang="ja-JP" dirty="0"/>
@@ -7683,7 +7772,7 @@
           <a:p>
             <a:r>
               <a:rPr lang="ja-JP" altLang="en-US" dirty="0"/>
-              <a:t>エラーバーがおかしいグラフ</a:t>
+              <a:t>おかしいグラフ</a:t>
             </a:r>
             <a:r>
               <a:rPr lang="en-US" altLang="ja-JP" dirty="0"/>
@@ -8383,7 +8472,7 @@
           <a:p>
             <a:r>
               <a:rPr lang="ja-JP" altLang="en-US" dirty="0"/>
-              <a:t>エラーバーがおかしいグラフ</a:t>
+              <a:t>おかしいグラフ</a:t>
             </a:r>
             <a:r>
               <a:rPr lang="en-US" altLang="ja-JP" dirty="0"/>
@@ -9587,7 +9676,7 @@
           <a:p>
             <a:r>
               <a:rPr lang="ja-JP" altLang="en-US" dirty="0"/>
-              <a:t>エラーバーがおかしいグラフ</a:t>
+              <a:t>おかしいグラフ</a:t>
             </a:r>
             <a:r>
               <a:rPr lang="en-US" altLang="ja-JP" dirty="0"/>
@@ -10896,10 +10985,9 @@
           <a:lstStyle/>
           <a:p>
             <a:r>
-              <a:rPr kumimoji="1" lang="ja-JP" altLang="en-US"/>
+              <a:rPr kumimoji="1" lang="ja-JP" altLang="en-US" dirty="0"/>
               <a:t>適切なグラフ</a:t>
             </a:r>
-            <a:endParaRPr kumimoji="1" lang="ja-JP" altLang="en-US" dirty="0"/>
           </a:p>
         </p:txBody>
       </p:sp>
@@ -11174,7 +11262,171 @@
           <a:bodyPr/>
           <a:lstStyle/>
           <a:p>
-            <a:endParaRPr kumimoji="1" lang="ja-JP" altLang="en-US"/>
+            <a:r>
+              <a:rPr lang="ja-JP" altLang="en-US" dirty="0"/>
+              <a:t>おかしいグラフ</a:t>
+            </a:r>
+            <a:r>
+              <a:rPr lang="en-US" altLang="ja-JP" dirty="0"/>
+              <a:t>2</a:t>
+            </a:r>
+            <a:endParaRPr kumimoji="1" lang="ja-JP" altLang="en-US" dirty="0"/>
+          </a:p>
+        </p:txBody>
+      </p:sp>
+      <p:sp>
+        <p:nvSpPr>
+          <p:cNvPr id="3" name="テキスト ボックス 2">
+            <a:extLst>
+              <a:ext uri="{FF2B5EF4-FFF2-40B4-BE49-F238E27FC236}">
+                <a16:creationId xmlns:a16="http://schemas.microsoft.com/office/drawing/2014/main" id="{568D3C1F-5BDF-45BE-96FF-8F205ED5A773}"/>
+              </a:ext>
+            </a:extLst>
+          </p:cNvPr>
+          <p:cNvSpPr txBox="1"/>
+          <p:nvPr/>
+        </p:nvSpPr>
+        <p:spPr>
+          <a:xfrm>
+            <a:off x="251520" y="980728"/>
+            <a:ext cx="6848350" cy="523220"/>
+          </a:xfrm>
+          <a:prstGeom prst="rect">
+            <a:avLst/>
+          </a:prstGeom>
+          <a:noFill/>
+        </p:spPr>
+        <p:txBody>
+          <a:bodyPr wrap="none" rtlCol="0">
+            <a:spAutoFit/>
+          </a:bodyPr>
+          <a:lstStyle/>
+          <a:p>
+            <a:r>
+              <a:rPr lang="ja-JP" altLang="en-US" sz="2800" dirty="0"/>
+              <a:t>ある観測値のサンプル数</a:t>
+            </a:r>
+            <a:r>
+              <a:rPr lang="en-US" altLang="ja-JP" sz="2800" dirty="0"/>
+              <a:t>n</a:t>
+            </a:r>
+            <a:r>
+              <a:rPr lang="ja-JP" altLang="en-US" sz="2800" dirty="0"/>
+              <a:t>依存性のグラフ</a:t>
+            </a:r>
+            <a:endParaRPr kumimoji="1" lang="ja-JP" altLang="en-US" sz="2800" dirty="0"/>
+          </a:p>
+        </p:txBody>
+      </p:sp>
+      <p:pic>
+        <p:nvPicPr>
+          <p:cNvPr id="4" name="図 3">
+            <a:extLst>
+              <a:ext uri="{FF2B5EF4-FFF2-40B4-BE49-F238E27FC236}">
+                <a16:creationId xmlns:a16="http://schemas.microsoft.com/office/drawing/2014/main" id="{5D4B5499-77B4-4AB3-B721-37EE7E42CCD2}"/>
+              </a:ext>
+            </a:extLst>
+          </p:cNvPr>
+          <p:cNvPicPr>
+            <a:picLocks noChangeAspect="1"/>
+          </p:cNvPicPr>
+          <p:nvPr/>
+        </p:nvPicPr>
+        <p:blipFill>
+          <a:blip r:embed="rId2"/>
+          <a:stretch>
+            <a:fillRect/>
+          </a:stretch>
+        </p:blipFill>
+        <p:spPr>
+          <a:xfrm>
+            <a:off x="179512" y="5949280"/>
+            <a:ext cx="835040" cy="835040"/>
+          </a:xfrm>
+          <a:prstGeom prst="rect">
+            <a:avLst/>
+          </a:prstGeom>
+        </p:spPr>
+      </p:pic>
+      <p:pic>
+        <p:nvPicPr>
+          <p:cNvPr id="6" name="図 5">
+            <a:extLst>
+              <a:ext uri="{FF2B5EF4-FFF2-40B4-BE49-F238E27FC236}">
+                <a16:creationId xmlns:a16="http://schemas.microsoft.com/office/drawing/2014/main" id="{F5D2DBE5-9B32-49D6-B0B1-7728082C2F36}"/>
+              </a:ext>
+            </a:extLst>
+          </p:cNvPr>
+          <p:cNvPicPr>
+            <a:picLocks noChangeAspect="1"/>
+          </p:cNvPicPr>
+          <p:nvPr/>
+        </p:nvPicPr>
+        <p:blipFill>
+          <a:blip r:embed="rId3">
+            <a:extLst>
+              <a:ext uri="{28A0092B-C50C-407E-A947-70E740481C1C}">
+                <a14:useLocalDpi xmlns:a14="http://schemas.microsoft.com/office/drawing/2010/main" val="0"/>
+              </a:ext>
+            </a:extLst>
+          </a:blip>
+          <a:stretch>
+            <a:fillRect/>
+          </a:stretch>
+        </p:blipFill>
+        <p:spPr>
+          <a:xfrm>
+            <a:off x="1259632" y="1628800"/>
+            <a:ext cx="5616624" cy="4212468"/>
+          </a:xfrm>
+          <a:prstGeom prst="rect">
+            <a:avLst/>
+          </a:prstGeom>
+        </p:spPr>
+      </p:pic>
+      <p:sp>
+        <p:nvSpPr>
+          <p:cNvPr id="7" name="テキスト ボックス 6">
+            <a:extLst>
+              <a:ext uri="{FF2B5EF4-FFF2-40B4-BE49-F238E27FC236}">
+                <a16:creationId xmlns:a16="http://schemas.microsoft.com/office/drawing/2014/main" id="{5FEF8F05-A657-4656-9614-B48A8066F739}"/>
+              </a:ext>
+            </a:extLst>
+          </p:cNvPr>
+          <p:cNvSpPr txBox="1"/>
+          <p:nvPr/>
+        </p:nvSpPr>
+        <p:spPr>
+          <a:xfrm>
+            <a:off x="1115616" y="6021288"/>
+            <a:ext cx="6878806" cy="646331"/>
+          </a:xfrm>
+          <a:prstGeom prst="rect">
+            <a:avLst/>
+          </a:prstGeom>
+          <a:noFill/>
+        </p:spPr>
+        <p:txBody>
+          <a:bodyPr wrap="none" rtlCol="0">
+            <a:spAutoFit/>
+          </a:bodyPr>
+          <a:lstStyle/>
+          <a:p>
+            <a:r>
+              <a:rPr kumimoji="1" lang="ja-JP" altLang="en-US" dirty="0"/>
+              <a:t>サンプル数が増えると収束し、かつエラーバーが小さくなる</a:t>
+            </a:r>
+            <a:r>
+              <a:rPr lang="ja-JP" altLang="en-US" dirty="0"/>
+              <a:t>のは</a:t>
+            </a:r>
+            <a:endParaRPr lang="en-US" altLang="ja-JP" dirty="0"/>
+          </a:p>
+          <a:p>
+            <a:r>
+              <a:rPr kumimoji="1" lang="ja-JP" altLang="en-US" dirty="0"/>
+              <a:t>もっともらしいが・・・？</a:t>
+            </a:r>
           </a:p>
         </p:txBody>
       </p:sp>
@@ -11182,6 +11434,3593 @@
     <p:extLst>
       <p:ext uri="{BB962C8B-B14F-4D97-AF65-F5344CB8AC3E}">
         <p14:creationId xmlns:p14="http://schemas.microsoft.com/office/powerpoint/2010/main" val="3479356234"/>
+      </p:ext>
+    </p:extLst>
+  </p:cSld>
+  <p:clrMapOvr>
+    <a:masterClrMapping/>
+  </p:clrMapOvr>
+</p:sld>
+</file>
+
+<file path=ppt/slides/slide25.xml><?xml version="1.0" encoding="utf-8"?>
+<p:sld xmlns:a="http://schemas.openxmlformats.org/drawingml/2006/main" xmlns:r="http://schemas.openxmlformats.org/officeDocument/2006/relationships" xmlns:p="http://schemas.openxmlformats.org/presentationml/2006/main">
+  <p:cSld>
+    <p:spTree>
+      <p:nvGrpSpPr>
+        <p:cNvPr id="1" name=""/>
+        <p:cNvGrpSpPr/>
+        <p:nvPr/>
+      </p:nvGrpSpPr>
+      <p:grpSpPr>
+        <a:xfrm>
+          <a:off x="0" y="0"/>
+          <a:ext cx="0" cy="0"/>
+          <a:chOff x="0" y="0"/>
+          <a:chExt cx="0" cy="0"/>
+        </a:xfrm>
+      </p:grpSpPr>
+      <p:sp>
+        <p:nvSpPr>
+          <p:cNvPr id="2" name="テキスト プレースホルダー 1">
+            <a:extLst>
+              <a:ext uri="{FF2B5EF4-FFF2-40B4-BE49-F238E27FC236}">
+                <a16:creationId xmlns:a16="http://schemas.microsoft.com/office/drawing/2014/main" id="{5BB296AF-E277-4FDD-B790-0EE594393D99}"/>
+              </a:ext>
+            </a:extLst>
+          </p:cNvPr>
+          <p:cNvSpPr>
+            <a:spLocks noGrp="1"/>
+          </p:cNvSpPr>
+          <p:nvPr>
+            <p:ph type="body" sz="quarter" idx="10"/>
+          </p:nvPr>
+        </p:nvSpPr>
+        <p:spPr/>
+        <p:txBody>
+          <a:bodyPr/>
+          <a:lstStyle/>
+          <a:p>
+            <a:r>
+              <a:rPr lang="ja-JP" altLang="en-US" dirty="0"/>
+              <a:t>おかしいグラフ</a:t>
+            </a:r>
+            <a:r>
+              <a:rPr lang="en-US" altLang="ja-JP" dirty="0"/>
+              <a:t>2</a:t>
+            </a:r>
+            <a:endParaRPr kumimoji="1" lang="ja-JP" altLang="en-US" dirty="0"/>
+          </a:p>
+        </p:txBody>
+      </p:sp>
+      <p:pic>
+        <p:nvPicPr>
+          <p:cNvPr id="4" name="図 3">
+            <a:extLst>
+              <a:ext uri="{FF2B5EF4-FFF2-40B4-BE49-F238E27FC236}">
+                <a16:creationId xmlns:a16="http://schemas.microsoft.com/office/drawing/2014/main" id="{2F020026-AB7C-4A78-B12B-2C0D8D578EC4}"/>
+              </a:ext>
+            </a:extLst>
+          </p:cNvPr>
+          <p:cNvPicPr>
+            <a:picLocks noChangeAspect="1"/>
+          </p:cNvPicPr>
+          <p:nvPr/>
+        </p:nvPicPr>
+        <p:blipFill>
+          <a:blip r:embed="rId2">
+            <a:extLst>
+              <a:ext uri="{28A0092B-C50C-407E-A947-70E740481C1C}">
+                <a14:useLocalDpi xmlns:a14="http://schemas.microsoft.com/office/drawing/2010/main" val="0"/>
+              </a:ext>
+            </a:extLst>
+          </a:blip>
+          <a:stretch>
+            <a:fillRect/>
+          </a:stretch>
+        </p:blipFill>
+        <p:spPr>
+          <a:xfrm>
+            <a:off x="73948" y="1035958"/>
+            <a:ext cx="6096000" cy="4572000"/>
+          </a:xfrm>
+          <a:prstGeom prst="rect">
+            <a:avLst/>
+          </a:prstGeom>
+        </p:spPr>
+      </p:pic>
+      <p:sp>
+        <p:nvSpPr>
+          <p:cNvPr id="5" name="四角形: 角を丸くする 4">
+            <a:extLst>
+              <a:ext uri="{FF2B5EF4-FFF2-40B4-BE49-F238E27FC236}">
+                <a16:creationId xmlns:a16="http://schemas.microsoft.com/office/drawing/2014/main" id="{4359D889-4DF5-4EA7-81AA-7360B30B124B}"/>
+              </a:ext>
+            </a:extLst>
+          </p:cNvPr>
+          <p:cNvSpPr/>
+          <p:nvPr/>
+        </p:nvSpPr>
+        <p:spPr>
+          <a:xfrm>
+            <a:off x="1082060" y="2116078"/>
+            <a:ext cx="2376264" cy="2880320"/>
+          </a:xfrm>
+          <a:prstGeom prst="roundRect">
+            <a:avLst>
+              <a:gd name="adj" fmla="val 29981"/>
+            </a:avLst>
+          </a:prstGeom>
+          <a:noFill/>
+          <a:ln>
+            <a:solidFill>
+              <a:srgbClr val="FF0000"/>
+            </a:solidFill>
+            <a:prstDash val="dash"/>
+          </a:ln>
+        </p:spPr>
+        <p:style>
+          <a:lnRef idx="2">
+            <a:schemeClr val="accent1">
+              <a:shade val="50000"/>
+            </a:schemeClr>
+          </a:lnRef>
+          <a:fillRef idx="1">
+            <a:schemeClr val="accent1"/>
+          </a:fillRef>
+          <a:effectRef idx="0">
+            <a:schemeClr val="accent1"/>
+          </a:effectRef>
+          <a:fontRef idx="minor">
+            <a:schemeClr val="lt1"/>
+          </a:fontRef>
+        </p:style>
+        <p:txBody>
+          <a:bodyPr rtlCol="0" anchor="ctr"/>
+          <a:lstStyle/>
+          <a:p>
+            <a:pPr algn="ctr"/>
+            <a:endParaRPr kumimoji="1" lang="ja-JP" altLang="en-US"/>
+          </a:p>
+        </p:txBody>
+      </p:sp>
+      <p:sp>
+        <p:nvSpPr>
+          <p:cNvPr id="6" name="テキスト ボックス 5">
+            <a:extLst>
+              <a:ext uri="{FF2B5EF4-FFF2-40B4-BE49-F238E27FC236}">
+                <a16:creationId xmlns:a16="http://schemas.microsoft.com/office/drawing/2014/main" id="{2C1ED8B0-6E6F-41AC-9864-472CE1C4DD4B}"/>
+              </a:ext>
+            </a:extLst>
+          </p:cNvPr>
+          <p:cNvSpPr txBox="1"/>
+          <p:nvPr/>
+        </p:nvSpPr>
+        <p:spPr>
+          <a:xfrm>
+            <a:off x="4572000" y="3140968"/>
+            <a:ext cx="4185761" cy="830997"/>
+          </a:xfrm>
+          <a:prstGeom prst="rect">
+            <a:avLst/>
+          </a:prstGeom>
+          <a:solidFill>
+            <a:schemeClr val="bg1"/>
+          </a:solidFill>
+          <a:ln>
+            <a:solidFill>
+              <a:schemeClr val="tx1"/>
+            </a:solidFill>
+          </a:ln>
+        </p:spPr>
+        <p:txBody>
+          <a:bodyPr wrap="none" rtlCol="0">
+            <a:spAutoFit/>
+          </a:bodyPr>
+          <a:lstStyle/>
+          <a:p>
+            <a:r>
+              <a:rPr lang="ja-JP" altLang="en-US" sz="2400" dirty="0"/>
+              <a:t>「同じ側」に外れてることが</a:t>
+            </a:r>
+            <a:endParaRPr lang="en-US" altLang="ja-JP" sz="2400" dirty="0"/>
+          </a:p>
+          <a:p>
+            <a:r>
+              <a:rPr kumimoji="1" lang="ja-JP" altLang="en-US" sz="2400" dirty="0"/>
+              <a:t>続いている</a:t>
+            </a:r>
+          </a:p>
+        </p:txBody>
+      </p:sp>
+      <p:cxnSp>
+        <p:nvCxnSpPr>
+          <p:cNvPr id="8" name="直線矢印コネクタ 7">
+            <a:extLst>
+              <a:ext uri="{FF2B5EF4-FFF2-40B4-BE49-F238E27FC236}">
+                <a16:creationId xmlns:a16="http://schemas.microsoft.com/office/drawing/2014/main" id="{0B46CF87-B99E-42EC-8359-C793214D9D9F}"/>
+              </a:ext>
+            </a:extLst>
+          </p:cNvPr>
+          <p:cNvCxnSpPr>
+            <a:cxnSpLocks/>
+            <a:endCxn id="5" idx="3"/>
+          </p:cNvCxnSpPr>
+          <p:nvPr/>
+        </p:nvCxnSpPr>
+        <p:spPr>
+          <a:xfrm flipH="1">
+            <a:off x="3458324" y="3539689"/>
+            <a:ext cx="1080120" cy="16549"/>
+          </a:xfrm>
+          <a:prstGeom prst="straightConnector1">
+            <a:avLst/>
+          </a:prstGeom>
+          <a:ln>
+            <a:solidFill>
+              <a:schemeClr val="tx1"/>
+            </a:solidFill>
+            <a:headEnd type="none" w="med" len="med"/>
+            <a:tailEnd type="triangle"/>
+          </a:ln>
+        </p:spPr>
+        <p:style>
+          <a:lnRef idx="1">
+            <a:schemeClr val="accent1"/>
+          </a:lnRef>
+          <a:fillRef idx="0">
+            <a:schemeClr val="accent1"/>
+          </a:fillRef>
+          <a:effectRef idx="0">
+            <a:schemeClr val="accent1"/>
+          </a:effectRef>
+          <a:fontRef idx="minor">
+            <a:schemeClr val="tx1"/>
+          </a:fontRef>
+        </p:style>
+      </p:cxnSp>
+      <p:sp>
+        <p:nvSpPr>
+          <p:cNvPr id="10" name="テキスト ボックス 9">
+            <a:extLst>
+              <a:ext uri="{FF2B5EF4-FFF2-40B4-BE49-F238E27FC236}">
+                <a16:creationId xmlns:a16="http://schemas.microsoft.com/office/drawing/2014/main" id="{626D8032-83F5-4155-99C7-BF321DC21A69}"/>
+              </a:ext>
+            </a:extLst>
+          </p:cNvPr>
+          <p:cNvSpPr txBox="1"/>
+          <p:nvPr/>
+        </p:nvSpPr>
+        <p:spPr>
+          <a:xfrm>
+            <a:off x="251520" y="6021288"/>
+            <a:ext cx="8186857" cy="461665"/>
+          </a:xfrm>
+          <a:prstGeom prst="rect">
+            <a:avLst/>
+          </a:prstGeom>
+          <a:noFill/>
+        </p:spPr>
+        <p:txBody>
+          <a:bodyPr wrap="none" rtlCol="0">
+            <a:spAutoFit/>
+          </a:bodyPr>
+          <a:lstStyle/>
+          <a:p>
+            <a:r>
+              <a:rPr kumimoji="1" lang="ja-JP" altLang="en-US" sz="2400" dirty="0"/>
+              <a:t>各データ点が独立なら、「真の値」の両側にばらつくはず</a:t>
+            </a:r>
+          </a:p>
+        </p:txBody>
+      </p:sp>
+      <p:grpSp>
+        <p:nvGrpSpPr>
+          <p:cNvPr id="15" name="グループ化 14">
+            <a:extLst>
+              <a:ext uri="{FF2B5EF4-FFF2-40B4-BE49-F238E27FC236}">
+                <a16:creationId xmlns:a16="http://schemas.microsoft.com/office/drawing/2014/main" id="{70682A0B-91EB-4F0B-B41C-7EECAFDA50FB}"/>
+              </a:ext>
+            </a:extLst>
+          </p:cNvPr>
+          <p:cNvGrpSpPr/>
+          <p:nvPr/>
+        </p:nvGrpSpPr>
+        <p:grpSpPr>
+          <a:xfrm>
+            <a:off x="5868144" y="1556792"/>
+            <a:ext cx="3159135" cy="830997"/>
+            <a:chOff x="7308304" y="1556792"/>
+            <a:chExt cx="3159135" cy="830997"/>
+          </a:xfrm>
+        </p:grpSpPr>
+        <p:sp>
+          <p:nvSpPr>
+            <p:cNvPr id="11" name="テキスト ボックス 10">
+              <a:extLst>
+                <a:ext uri="{FF2B5EF4-FFF2-40B4-BE49-F238E27FC236}">
+                  <a16:creationId xmlns:a16="http://schemas.microsoft.com/office/drawing/2014/main" id="{956CF984-3CCC-4D5F-88DD-036B75C6CE8F}"/>
+                </a:ext>
+              </a:extLst>
+            </p:cNvPr>
+            <p:cNvSpPr txBox="1"/>
+            <p:nvPr/>
+          </p:nvSpPr>
+          <p:spPr>
+            <a:xfrm>
+              <a:off x="7820561" y="1556792"/>
+              <a:ext cx="2646878" cy="830997"/>
+            </a:xfrm>
+            <a:prstGeom prst="rect">
+              <a:avLst/>
+            </a:prstGeom>
+            <a:solidFill>
+              <a:schemeClr val="bg1"/>
+            </a:solidFill>
+            <a:ln>
+              <a:solidFill>
+                <a:schemeClr val="tx1"/>
+              </a:solidFill>
+            </a:ln>
+          </p:spPr>
+          <p:txBody>
+            <a:bodyPr wrap="none" rtlCol="0">
+              <a:spAutoFit/>
+            </a:bodyPr>
+            <a:lstStyle/>
+            <a:p>
+              <a:r>
+                <a:rPr kumimoji="1" lang="ja-JP" altLang="en-US" sz="2400" dirty="0"/>
+                <a:t>「真の値」はこの</a:t>
+              </a:r>
+              <a:endParaRPr kumimoji="1" lang="en-US" altLang="ja-JP" sz="2400" dirty="0"/>
+            </a:p>
+            <a:p>
+              <a:r>
+                <a:rPr kumimoji="1" lang="ja-JP" altLang="en-US" sz="2400" dirty="0"/>
+                <a:t>あたりに</a:t>
+              </a:r>
+              <a:r>
+                <a:rPr lang="ja-JP" altLang="en-US" sz="2400" dirty="0"/>
+                <a:t>ありそう</a:t>
+              </a:r>
+              <a:endParaRPr kumimoji="1" lang="ja-JP" altLang="en-US" sz="2400" dirty="0"/>
+            </a:p>
+          </p:txBody>
+        </p:sp>
+        <p:cxnSp>
+          <p:nvCxnSpPr>
+            <p:cNvPr id="13" name="直線矢印コネクタ 12">
+              <a:extLst>
+                <a:ext uri="{FF2B5EF4-FFF2-40B4-BE49-F238E27FC236}">
+                  <a16:creationId xmlns:a16="http://schemas.microsoft.com/office/drawing/2014/main" id="{43F2BA16-3F82-4C03-88D5-4B3D1466D291}"/>
+                </a:ext>
+              </a:extLst>
+            </p:cNvPr>
+            <p:cNvCxnSpPr>
+              <a:cxnSpLocks/>
+              <a:stCxn id="11" idx="1"/>
+            </p:cNvCxnSpPr>
+            <p:nvPr/>
+          </p:nvCxnSpPr>
+          <p:spPr>
+            <a:xfrm flipH="1">
+              <a:off x="7308304" y="1972291"/>
+              <a:ext cx="512257" cy="0"/>
+            </a:xfrm>
+            <a:prstGeom prst="straightConnector1">
+              <a:avLst/>
+            </a:prstGeom>
+            <a:ln>
+              <a:solidFill>
+                <a:schemeClr val="tx1"/>
+              </a:solidFill>
+              <a:headEnd type="none" w="med" len="med"/>
+              <a:tailEnd type="triangle"/>
+            </a:ln>
+          </p:spPr>
+          <p:style>
+            <a:lnRef idx="1">
+              <a:schemeClr val="accent1"/>
+            </a:lnRef>
+            <a:fillRef idx="0">
+              <a:schemeClr val="accent1"/>
+            </a:fillRef>
+            <a:effectRef idx="0">
+              <a:schemeClr val="accent1"/>
+            </a:effectRef>
+            <a:fontRef idx="minor">
+              <a:schemeClr val="tx1"/>
+            </a:fontRef>
+          </p:style>
+        </p:cxnSp>
+      </p:grpSp>
+    </p:spTree>
+    <p:extLst>
+      <p:ext uri="{BB962C8B-B14F-4D97-AF65-F5344CB8AC3E}">
+        <p14:creationId xmlns:p14="http://schemas.microsoft.com/office/powerpoint/2010/main" val="432960742"/>
+      </p:ext>
+    </p:extLst>
+  </p:cSld>
+  <p:clrMapOvr>
+    <a:masterClrMapping/>
+  </p:clrMapOvr>
+</p:sld>
+</file>
+
+<file path=ppt/slides/slide26.xml><?xml version="1.0" encoding="utf-8"?>
+<p:sld xmlns:a="http://schemas.openxmlformats.org/drawingml/2006/main" xmlns:r="http://schemas.openxmlformats.org/officeDocument/2006/relationships" xmlns:p="http://schemas.openxmlformats.org/presentationml/2006/main">
+  <p:cSld>
+    <p:spTree>
+      <p:nvGrpSpPr>
+        <p:cNvPr id="1" name=""/>
+        <p:cNvGrpSpPr/>
+        <p:nvPr/>
+      </p:nvGrpSpPr>
+      <p:grpSpPr>
+        <a:xfrm>
+          <a:off x="0" y="0"/>
+          <a:ext cx="0" cy="0"/>
+          <a:chOff x="0" y="0"/>
+          <a:chExt cx="0" cy="0"/>
+        </a:xfrm>
+      </p:grpSpPr>
+      <p:sp>
+        <p:nvSpPr>
+          <p:cNvPr id="2" name="テキスト プレースホルダー 1">
+            <a:extLst>
+              <a:ext uri="{FF2B5EF4-FFF2-40B4-BE49-F238E27FC236}">
+                <a16:creationId xmlns:a16="http://schemas.microsoft.com/office/drawing/2014/main" id="{79157A7D-BBE5-4399-9469-134EEA4395FE}"/>
+              </a:ext>
+            </a:extLst>
+          </p:cNvPr>
+          <p:cNvSpPr>
+            <a:spLocks noGrp="1"/>
+          </p:cNvSpPr>
+          <p:nvPr>
+            <p:ph type="body" sz="quarter" idx="10"/>
+          </p:nvPr>
+        </p:nvSpPr>
+        <p:spPr/>
+        <p:txBody>
+          <a:bodyPr/>
+          <a:lstStyle/>
+          <a:p>
+            <a:r>
+              <a:rPr lang="ja-JP" altLang="en-US" dirty="0"/>
+              <a:t>おかしいグラフ</a:t>
+            </a:r>
+            <a:r>
+              <a:rPr lang="en-US" altLang="ja-JP" dirty="0"/>
+              <a:t>2</a:t>
+            </a:r>
+            <a:endParaRPr kumimoji="1" lang="ja-JP" altLang="en-US" dirty="0"/>
+          </a:p>
+        </p:txBody>
+      </p:sp>
+      <p:sp>
+        <p:nvSpPr>
+          <p:cNvPr id="4" name="テキスト ボックス 3">
+            <a:extLst>
+              <a:ext uri="{FF2B5EF4-FFF2-40B4-BE49-F238E27FC236}">
+                <a16:creationId xmlns:a16="http://schemas.microsoft.com/office/drawing/2014/main" id="{8D1263AA-5E45-4547-BFA9-53742CD09FED}"/>
+              </a:ext>
+            </a:extLst>
+          </p:cNvPr>
+          <p:cNvSpPr txBox="1"/>
+          <p:nvPr/>
+        </p:nvSpPr>
+        <p:spPr>
+          <a:xfrm>
+            <a:off x="395536" y="1484784"/>
+            <a:ext cx="6894512" cy="4154984"/>
+          </a:xfrm>
+          <a:prstGeom prst="rect">
+            <a:avLst/>
+          </a:prstGeom>
+          <a:noFill/>
+          <a:ln>
+            <a:solidFill>
+              <a:schemeClr val="tx1"/>
+            </a:solidFill>
+          </a:ln>
+        </p:spPr>
+        <p:txBody>
+          <a:bodyPr wrap="square">
+            <a:spAutoFit/>
+          </a:bodyPr>
+          <a:lstStyle/>
+          <a:p>
+            <a:r>
+              <a:rPr lang="en-US" altLang="ja-JP" sz="2400" b="0" dirty="0">
+                <a:solidFill>
+                  <a:srgbClr val="0991B6"/>
+                </a:solidFill>
+                <a:effectLst/>
+                <a:latin typeface="Consolas" panose="020B0609020204030204" pitchFamily="49" charset="0"/>
+              </a:rPr>
+              <a:t>import</a:t>
+            </a:r>
+            <a:r>
+              <a:rPr lang="en-US" altLang="ja-JP" sz="2400" b="0" dirty="0">
+                <a:solidFill>
+                  <a:srgbClr val="0460B1"/>
+                </a:solidFill>
+                <a:effectLst/>
+                <a:latin typeface="Consolas" panose="020B0609020204030204" pitchFamily="49" charset="0"/>
+              </a:rPr>
+              <a:t> </a:t>
+            </a:r>
+            <a:r>
+              <a:rPr lang="en-US" altLang="ja-JP" sz="2400" b="0" dirty="0" err="1">
+                <a:solidFill>
+                  <a:srgbClr val="0460B1"/>
+                </a:solidFill>
+                <a:effectLst/>
+                <a:latin typeface="Consolas" panose="020B0609020204030204" pitchFamily="49" charset="0"/>
+              </a:rPr>
+              <a:t>numpy</a:t>
+            </a:r>
+            <a:r>
+              <a:rPr lang="en-US" altLang="ja-JP" sz="2400" b="0" dirty="0">
+                <a:solidFill>
+                  <a:srgbClr val="0460B1"/>
+                </a:solidFill>
+                <a:effectLst/>
+                <a:latin typeface="Consolas" panose="020B0609020204030204" pitchFamily="49" charset="0"/>
+              </a:rPr>
+              <a:t> </a:t>
+            </a:r>
+            <a:r>
+              <a:rPr lang="en-US" altLang="ja-JP" sz="2400" b="0" dirty="0">
+                <a:solidFill>
+                  <a:srgbClr val="0991B6"/>
+                </a:solidFill>
+                <a:effectLst/>
+                <a:latin typeface="Consolas" panose="020B0609020204030204" pitchFamily="49" charset="0"/>
+              </a:rPr>
+              <a:t>as</a:t>
+            </a:r>
+            <a:r>
+              <a:rPr lang="en-US" altLang="ja-JP" sz="2400" b="0" dirty="0">
+                <a:solidFill>
+                  <a:srgbClr val="0460B1"/>
+                </a:solidFill>
+                <a:effectLst/>
+                <a:latin typeface="Consolas" panose="020B0609020204030204" pitchFamily="49" charset="0"/>
+              </a:rPr>
+              <a:t> np</a:t>
+            </a:r>
+            <a:endParaRPr lang="en-US" altLang="ja-JP" sz="2400" b="0" dirty="0">
+              <a:solidFill>
+                <a:srgbClr val="236EBF"/>
+              </a:solidFill>
+              <a:effectLst/>
+              <a:latin typeface="Consolas" panose="020B0609020204030204" pitchFamily="49" charset="0"/>
+            </a:endParaRPr>
+          </a:p>
+          <a:p>
+            <a:br>
+              <a:rPr lang="en-US" altLang="ja-JP" sz="2400" b="0" dirty="0">
+                <a:solidFill>
+                  <a:srgbClr val="236EBF"/>
+                </a:solidFill>
+                <a:effectLst/>
+                <a:latin typeface="Consolas" panose="020B0609020204030204" pitchFamily="49" charset="0"/>
+              </a:rPr>
+            </a:br>
+            <a:r>
+              <a:rPr lang="en-US" altLang="ja-JP" sz="2400" b="0" dirty="0" err="1">
+                <a:solidFill>
+                  <a:srgbClr val="0460B1"/>
+                </a:solidFill>
+                <a:effectLst/>
+                <a:latin typeface="Consolas" panose="020B0609020204030204" pitchFamily="49" charset="0"/>
+              </a:rPr>
+              <a:t>np.random.seed</a:t>
+            </a:r>
+            <a:r>
+              <a:rPr lang="en-US" altLang="ja-JP" sz="2400" b="0" dirty="0">
+                <a:solidFill>
+                  <a:srgbClr val="0460B1"/>
+                </a:solidFill>
+                <a:effectLst/>
+                <a:latin typeface="Consolas" panose="020B0609020204030204" pitchFamily="49" charset="0"/>
+              </a:rPr>
+              <a:t>(</a:t>
+            </a:r>
+            <a:r>
+              <a:rPr lang="en-US" altLang="ja-JP" sz="2400" b="0" dirty="0">
+                <a:solidFill>
+                  <a:srgbClr val="174781"/>
+                </a:solidFill>
+                <a:effectLst/>
+                <a:latin typeface="Consolas" panose="020B0609020204030204" pitchFamily="49" charset="0"/>
+              </a:rPr>
+              <a:t>1</a:t>
+            </a:r>
+            <a:r>
+              <a:rPr lang="en-US" altLang="ja-JP" sz="2400" b="0" dirty="0">
+                <a:solidFill>
+                  <a:srgbClr val="0460B1"/>
+                </a:solidFill>
+                <a:effectLst/>
+                <a:latin typeface="Consolas" panose="020B0609020204030204" pitchFamily="49" charset="0"/>
+              </a:rPr>
+              <a:t>)</a:t>
+            </a:r>
+            <a:endParaRPr lang="en-US" altLang="ja-JP" sz="2400" b="0" dirty="0">
+              <a:solidFill>
+                <a:srgbClr val="236EBF"/>
+              </a:solidFill>
+              <a:effectLst/>
+              <a:latin typeface="Consolas" panose="020B0609020204030204" pitchFamily="49" charset="0"/>
+            </a:endParaRPr>
+          </a:p>
+          <a:p>
+            <a:r>
+              <a:rPr lang="en-US" altLang="ja-JP" sz="2400" b="0" dirty="0">
+                <a:solidFill>
+                  <a:srgbClr val="0460B1"/>
+                </a:solidFill>
+                <a:effectLst/>
+                <a:latin typeface="Consolas" panose="020B0609020204030204" pitchFamily="49" charset="0"/>
+              </a:rPr>
+              <a:t>N </a:t>
+            </a:r>
+            <a:r>
+              <a:rPr lang="en-US" altLang="ja-JP" sz="2400" b="0" dirty="0">
+                <a:solidFill>
+                  <a:srgbClr val="7B30D0"/>
+                </a:solidFill>
+                <a:effectLst/>
+                <a:latin typeface="Consolas" panose="020B0609020204030204" pitchFamily="49" charset="0"/>
+              </a:rPr>
+              <a:t>=</a:t>
+            </a:r>
+            <a:r>
+              <a:rPr lang="en-US" altLang="ja-JP" sz="2400" b="0" dirty="0">
+                <a:solidFill>
+                  <a:srgbClr val="0460B1"/>
+                </a:solidFill>
+                <a:effectLst/>
+                <a:latin typeface="Consolas" panose="020B0609020204030204" pitchFamily="49" charset="0"/>
+              </a:rPr>
+              <a:t> </a:t>
+            </a:r>
+            <a:r>
+              <a:rPr lang="en-US" altLang="ja-JP" sz="2400" b="0" dirty="0">
+                <a:solidFill>
+                  <a:srgbClr val="174781"/>
+                </a:solidFill>
+                <a:effectLst/>
+                <a:latin typeface="Consolas" panose="020B0609020204030204" pitchFamily="49" charset="0"/>
+              </a:rPr>
+              <a:t>2048</a:t>
+            </a:r>
+            <a:endParaRPr lang="en-US" altLang="ja-JP" sz="2400" b="0" dirty="0">
+              <a:solidFill>
+                <a:srgbClr val="236EBF"/>
+              </a:solidFill>
+              <a:effectLst/>
+              <a:latin typeface="Consolas" panose="020B0609020204030204" pitchFamily="49" charset="0"/>
+            </a:endParaRPr>
+          </a:p>
+          <a:p>
+            <a:r>
+              <a:rPr lang="en-US" altLang="ja-JP" sz="2400" b="0" dirty="0">
+                <a:solidFill>
+                  <a:srgbClr val="0460B1"/>
+                </a:solidFill>
+                <a:effectLst/>
+                <a:latin typeface="Consolas" panose="020B0609020204030204" pitchFamily="49" charset="0"/>
+              </a:rPr>
+              <a:t>d </a:t>
+            </a:r>
+            <a:r>
+              <a:rPr lang="en-US" altLang="ja-JP" sz="2400" b="0" dirty="0">
+                <a:solidFill>
+                  <a:srgbClr val="7B30D0"/>
+                </a:solidFill>
+                <a:effectLst/>
+                <a:latin typeface="Consolas" panose="020B0609020204030204" pitchFamily="49" charset="0"/>
+              </a:rPr>
+              <a:t>=</a:t>
+            </a:r>
+            <a:r>
+              <a:rPr lang="en-US" altLang="ja-JP" sz="2400" b="0" dirty="0">
+                <a:solidFill>
+                  <a:srgbClr val="0460B1"/>
+                </a:solidFill>
+                <a:effectLst/>
+                <a:latin typeface="Consolas" panose="020B0609020204030204" pitchFamily="49" charset="0"/>
+              </a:rPr>
+              <a:t> </a:t>
+            </a:r>
+            <a:r>
+              <a:rPr lang="en-US" altLang="ja-JP" sz="2400" b="0" dirty="0" err="1">
+                <a:solidFill>
+                  <a:srgbClr val="0460B1"/>
+                </a:solidFill>
+                <a:effectLst/>
+                <a:latin typeface="Consolas" panose="020B0609020204030204" pitchFamily="49" charset="0"/>
+              </a:rPr>
+              <a:t>np.random.random</a:t>
+            </a:r>
+            <a:r>
+              <a:rPr lang="en-US" altLang="ja-JP" sz="2400" b="0" dirty="0">
+                <a:solidFill>
+                  <a:srgbClr val="0460B1"/>
+                </a:solidFill>
+                <a:effectLst/>
+                <a:latin typeface="Consolas" panose="020B0609020204030204" pitchFamily="49" charset="0"/>
+              </a:rPr>
+              <a:t>(N)</a:t>
+            </a:r>
+            <a:endParaRPr lang="en-US" altLang="ja-JP" sz="2400" b="0" dirty="0">
+              <a:solidFill>
+                <a:srgbClr val="236EBF"/>
+              </a:solidFill>
+              <a:effectLst/>
+              <a:latin typeface="Consolas" panose="020B0609020204030204" pitchFamily="49" charset="0"/>
+            </a:endParaRPr>
+          </a:p>
+          <a:p>
+            <a:r>
+              <a:rPr lang="en-US" altLang="ja-JP" sz="2400" b="0" dirty="0">
+                <a:solidFill>
+                  <a:srgbClr val="0991B6"/>
+                </a:solidFill>
+                <a:effectLst/>
+                <a:latin typeface="Consolas" panose="020B0609020204030204" pitchFamily="49" charset="0"/>
+              </a:rPr>
+              <a:t>for</a:t>
+            </a:r>
+            <a:r>
+              <a:rPr lang="en-US" altLang="ja-JP" sz="2400" b="0" dirty="0">
+                <a:solidFill>
+                  <a:srgbClr val="0460B1"/>
+                </a:solidFill>
+                <a:effectLst/>
+                <a:latin typeface="Consolas" panose="020B0609020204030204" pitchFamily="49" charset="0"/>
+              </a:rPr>
+              <a:t> </a:t>
+            </a:r>
+            <a:r>
+              <a:rPr lang="en-US" altLang="ja-JP" sz="2400" b="0" dirty="0" err="1">
+                <a:solidFill>
+                  <a:srgbClr val="0460B1"/>
+                </a:solidFill>
+                <a:effectLst/>
+                <a:latin typeface="Consolas" panose="020B0609020204030204" pitchFamily="49" charset="0"/>
+              </a:rPr>
+              <a:t>i</a:t>
+            </a:r>
+            <a:r>
+              <a:rPr lang="en-US" altLang="ja-JP" sz="2400" b="0" dirty="0">
+                <a:solidFill>
+                  <a:srgbClr val="0460B1"/>
+                </a:solidFill>
+                <a:effectLst/>
+                <a:latin typeface="Consolas" panose="020B0609020204030204" pitchFamily="49" charset="0"/>
+              </a:rPr>
+              <a:t> </a:t>
+            </a:r>
+            <a:r>
+              <a:rPr lang="en-US" altLang="ja-JP" sz="2400" b="0" dirty="0">
+                <a:solidFill>
+                  <a:srgbClr val="0991B6"/>
+                </a:solidFill>
+                <a:effectLst/>
+                <a:latin typeface="Consolas" panose="020B0609020204030204" pitchFamily="49" charset="0"/>
+              </a:rPr>
+              <a:t>in</a:t>
+            </a:r>
+            <a:r>
+              <a:rPr lang="en-US" altLang="ja-JP" sz="2400" b="0" dirty="0">
+                <a:solidFill>
+                  <a:srgbClr val="0460B1"/>
+                </a:solidFill>
+                <a:effectLst/>
+                <a:latin typeface="Consolas" panose="020B0609020204030204" pitchFamily="49" charset="0"/>
+              </a:rPr>
+              <a:t> </a:t>
+            </a:r>
+            <a:r>
+              <a:rPr lang="en-US" altLang="ja-JP" sz="2400" b="0" dirty="0">
+                <a:solidFill>
+                  <a:srgbClr val="08134A"/>
+                </a:solidFill>
+                <a:effectLst/>
+                <a:latin typeface="Consolas" panose="020B0609020204030204" pitchFamily="49" charset="0"/>
+              </a:rPr>
+              <a:t>range</a:t>
+            </a:r>
+            <a:r>
+              <a:rPr lang="en-US" altLang="ja-JP" sz="2400" b="0" dirty="0">
+                <a:solidFill>
+                  <a:srgbClr val="0460B1"/>
+                </a:solidFill>
+                <a:effectLst/>
+                <a:latin typeface="Consolas" panose="020B0609020204030204" pitchFamily="49" charset="0"/>
+              </a:rPr>
+              <a:t>(</a:t>
+            </a:r>
+            <a:r>
+              <a:rPr lang="en-US" altLang="ja-JP" sz="2400" b="0" dirty="0">
+                <a:solidFill>
+                  <a:srgbClr val="174781"/>
+                </a:solidFill>
+                <a:effectLst/>
+                <a:latin typeface="Consolas" panose="020B0609020204030204" pitchFamily="49" charset="0"/>
+              </a:rPr>
+              <a:t>4</a:t>
+            </a:r>
+            <a:r>
+              <a:rPr lang="en-US" altLang="ja-JP" sz="2400" b="0" dirty="0">
+                <a:solidFill>
+                  <a:srgbClr val="0460B1"/>
+                </a:solidFill>
+                <a:effectLst/>
+                <a:latin typeface="Consolas" panose="020B0609020204030204" pitchFamily="49" charset="0"/>
+              </a:rPr>
+              <a:t>, </a:t>
+            </a:r>
+            <a:r>
+              <a:rPr lang="en-US" altLang="ja-JP" sz="2400" b="0" dirty="0">
+                <a:solidFill>
+                  <a:srgbClr val="174781"/>
+                </a:solidFill>
+                <a:effectLst/>
+                <a:latin typeface="Consolas" panose="020B0609020204030204" pitchFamily="49" charset="0"/>
+              </a:rPr>
+              <a:t>12</a:t>
+            </a:r>
+            <a:r>
+              <a:rPr lang="en-US" altLang="ja-JP" sz="2400" b="0" dirty="0">
+                <a:solidFill>
+                  <a:srgbClr val="0460B1"/>
+                </a:solidFill>
+                <a:effectLst/>
+                <a:latin typeface="Consolas" panose="020B0609020204030204" pitchFamily="49" charset="0"/>
+              </a:rPr>
+              <a:t>):</a:t>
+            </a:r>
+            <a:endParaRPr lang="en-US" altLang="ja-JP" sz="2400" b="0" dirty="0">
+              <a:solidFill>
+                <a:srgbClr val="236EBF"/>
+              </a:solidFill>
+              <a:effectLst/>
+              <a:latin typeface="Consolas" panose="020B0609020204030204" pitchFamily="49" charset="0"/>
+            </a:endParaRPr>
+          </a:p>
+          <a:p>
+            <a:r>
+              <a:rPr lang="en-US" altLang="ja-JP" sz="2400" b="0" dirty="0">
+                <a:solidFill>
+                  <a:srgbClr val="0460B1"/>
+                </a:solidFill>
+                <a:effectLst/>
+                <a:latin typeface="Consolas" panose="020B0609020204030204" pitchFamily="49" charset="0"/>
+              </a:rPr>
+              <a:t>    n </a:t>
+            </a:r>
+            <a:r>
+              <a:rPr lang="en-US" altLang="ja-JP" sz="2400" b="0" dirty="0">
+                <a:solidFill>
+                  <a:srgbClr val="7B30D0"/>
+                </a:solidFill>
+                <a:effectLst/>
+                <a:latin typeface="Consolas" panose="020B0609020204030204" pitchFamily="49" charset="0"/>
+              </a:rPr>
+              <a:t>=</a:t>
+            </a:r>
+            <a:r>
+              <a:rPr lang="en-US" altLang="ja-JP" sz="2400" b="0" dirty="0">
+                <a:solidFill>
+                  <a:srgbClr val="0460B1"/>
+                </a:solidFill>
+                <a:effectLst/>
+                <a:latin typeface="Consolas" panose="020B0609020204030204" pitchFamily="49" charset="0"/>
+              </a:rPr>
+              <a:t> </a:t>
+            </a:r>
+            <a:r>
+              <a:rPr lang="en-US" altLang="ja-JP" sz="2400" b="0" dirty="0">
+                <a:solidFill>
+                  <a:srgbClr val="174781"/>
+                </a:solidFill>
+                <a:effectLst/>
+                <a:latin typeface="Consolas" panose="020B0609020204030204" pitchFamily="49" charset="0"/>
+              </a:rPr>
+              <a:t>2</a:t>
+            </a:r>
+            <a:r>
+              <a:rPr lang="en-US" altLang="ja-JP" sz="2400" b="0" dirty="0">
+                <a:solidFill>
+                  <a:srgbClr val="7B30D0"/>
+                </a:solidFill>
+                <a:effectLst/>
+                <a:latin typeface="Consolas" panose="020B0609020204030204" pitchFamily="49" charset="0"/>
+              </a:rPr>
+              <a:t>**</a:t>
+            </a:r>
+            <a:r>
+              <a:rPr lang="en-US" altLang="ja-JP" sz="2400" b="0" dirty="0" err="1">
+                <a:solidFill>
+                  <a:srgbClr val="0460B1"/>
+                </a:solidFill>
+                <a:effectLst/>
+                <a:latin typeface="Consolas" panose="020B0609020204030204" pitchFamily="49" charset="0"/>
+              </a:rPr>
+              <a:t>i</a:t>
+            </a:r>
+            <a:endParaRPr lang="en-US" altLang="ja-JP" sz="2400" b="0" dirty="0">
+              <a:solidFill>
+                <a:srgbClr val="236EBF"/>
+              </a:solidFill>
+              <a:effectLst/>
+              <a:latin typeface="Consolas" panose="020B0609020204030204" pitchFamily="49" charset="0"/>
+            </a:endParaRPr>
+          </a:p>
+          <a:p>
+            <a:r>
+              <a:rPr lang="en-US" altLang="ja-JP" sz="2400" b="0" dirty="0">
+                <a:solidFill>
+                  <a:srgbClr val="0460B1"/>
+                </a:solidFill>
+                <a:effectLst/>
+                <a:latin typeface="Consolas" panose="020B0609020204030204" pitchFamily="49" charset="0"/>
+              </a:rPr>
+              <a:t>    dd </a:t>
+            </a:r>
+            <a:r>
+              <a:rPr lang="en-US" altLang="ja-JP" sz="2400" b="0" dirty="0">
+                <a:solidFill>
+                  <a:srgbClr val="7B30D0"/>
+                </a:solidFill>
+                <a:effectLst/>
+                <a:latin typeface="Consolas" panose="020B0609020204030204" pitchFamily="49" charset="0"/>
+              </a:rPr>
+              <a:t>=</a:t>
+            </a:r>
+            <a:r>
+              <a:rPr lang="en-US" altLang="ja-JP" sz="2400" b="0" dirty="0">
+                <a:solidFill>
+                  <a:srgbClr val="0460B1"/>
+                </a:solidFill>
+                <a:effectLst/>
+                <a:latin typeface="Consolas" panose="020B0609020204030204" pitchFamily="49" charset="0"/>
+              </a:rPr>
+              <a:t> d[:n]</a:t>
+            </a:r>
+            <a:endParaRPr lang="en-US" altLang="ja-JP" sz="2400" b="0" dirty="0">
+              <a:solidFill>
+                <a:srgbClr val="236EBF"/>
+              </a:solidFill>
+              <a:effectLst/>
+              <a:latin typeface="Consolas" panose="020B0609020204030204" pitchFamily="49" charset="0"/>
+            </a:endParaRPr>
+          </a:p>
+          <a:p>
+            <a:r>
+              <a:rPr lang="en-US" altLang="ja-JP" sz="2400" b="0" dirty="0">
+                <a:solidFill>
+                  <a:srgbClr val="0460B1"/>
+                </a:solidFill>
+                <a:effectLst/>
+                <a:latin typeface="Consolas" panose="020B0609020204030204" pitchFamily="49" charset="0"/>
+              </a:rPr>
+              <a:t>    </a:t>
+            </a:r>
+            <a:r>
+              <a:rPr lang="en-US" altLang="ja-JP" sz="2400" b="0" dirty="0" err="1">
+                <a:solidFill>
+                  <a:srgbClr val="0460B1"/>
+                </a:solidFill>
+                <a:effectLst/>
+                <a:latin typeface="Consolas" panose="020B0609020204030204" pitchFamily="49" charset="0"/>
+              </a:rPr>
+              <a:t>ave</a:t>
+            </a:r>
+            <a:r>
+              <a:rPr lang="en-US" altLang="ja-JP" sz="2400" b="0" dirty="0">
+                <a:solidFill>
+                  <a:srgbClr val="0460B1"/>
+                </a:solidFill>
+                <a:effectLst/>
+                <a:latin typeface="Consolas" panose="020B0609020204030204" pitchFamily="49" charset="0"/>
+              </a:rPr>
+              <a:t> </a:t>
+            </a:r>
+            <a:r>
+              <a:rPr lang="en-US" altLang="ja-JP" sz="2400" b="0" dirty="0">
+                <a:solidFill>
+                  <a:srgbClr val="7B30D0"/>
+                </a:solidFill>
+                <a:effectLst/>
+                <a:latin typeface="Consolas" panose="020B0609020204030204" pitchFamily="49" charset="0"/>
+              </a:rPr>
+              <a:t>=</a:t>
+            </a:r>
+            <a:r>
+              <a:rPr lang="en-US" altLang="ja-JP" sz="2400" b="0" dirty="0">
+                <a:solidFill>
+                  <a:srgbClr val="0460B1"/>
+                </a:solidFill>
+                <a:effectLst/>
+                <a:latin typeface="Consolas" panose="020B0609020204030204" pitchFamily="49" charset="0"/>
+              </a:rPr>
+              <a:t> </a:t>
+            </a:r>
+            <a:r>
+              <a:rPr lang="en-US" altLang="ja-JP" sz="2400" b="0" dirty="0" err="1">
+                <a:solidFill>
+                  <a:srgbClr val="0460B1"/>
+                </a:solidFill>
+                <a:effectLst/>
+                <a:latin typeface="Consolas" panose="020B0609020204030204" pitchFamily="49" charset="0"/>
+              </a:rPr>
+              <a:t>np.average</a:t>
+            </a:r>
+            <a:r>
+              <a:rPr lang="en-US" altLang="ja-JP" sz="2400" b="0" dirty="0">
+                <a:solidFill>
+                  <a:srgbClr val="0460B1"/>
+                </a:solidFill>
+                <a:effectLst/>
+                <a:latin typeface="Consolas" panose="020B0609020204030204" pitchFamily="49" charset="0"/>
+              </a:rPr>
+              <a:t>(dd)</a:t>
+            </a:r>
+            <a:endParaRPr lang="en-US" altLang="ja-JP" sz="2400" b="0" dirty="0">
+              <a:solidFill>
+                <a:srgbClr val="236EBF"/>
+              </a:solidFill>
+              <a:effectLst/>
+              <a:latin typeface="Consolas" panose="020B0609020204030204" pitchFamily="49" charset="0"/>
+            </a:endParaRPr>
+          </a:p>
+          <a:p>
+            <a:r>
+              <a:rPr lang="en-US" altLang="ja-JP" sz="2400" b="0" dirty="0">
+                <a:solidFill>
+                  <a:srgbClr val="0460B1"/>
+                </a:solidFill>
+                <a:effectLst/>
+                <a:latin typeface="Consolas" panose="020B0609020204030204" pitchFamily="49" charset="0"/>
+              </a:rPr>
+              <a:t>    err </a:t>
+            </a:r>
+            <a:r>
+              <a:rPr lang="en-US" altLang="ja-JP" sz="2400" b="0" dirty="0">
+                <a:solidFill>
+                  <a:srgbClr val="7B30D0"/>
+                </a:solidFill>
+                <a:effectLst/>
+                <a:latin typeface="Consolas" panose="020B0609020204030204" pitchFamily="49" charset="0"/>
+              </a:rPr>
+              <a:t>=</a:t>
+            </a:r>
+            <a:r>
+              <a:rPr lang="en-US" altLang="ja-JP" sz="2400" b="0" dirty="0">
+                <a:solidFill>
+                  <a:srgbClr val="0460B1"/>
+                </a:solidFill>
+                <a:effectLst/>
+                <a:latin typeface="Consolas" panose="020B0609020204030204" pitchFamily="49" charset="0"/>
+              </a:rPr>
+              <a:t> </a:t>
+            </a:r>
+            <a:r>
+              <a:rPr lang="en-US" altLang="ja-JP" sz="2400" b="0" dirty="0" err="1">
+                <a:solidFill>
+                  <a:srgbClr val="0460B1"/>
+                </a:solidFill>
+                <a:effectLst/>
+                <a:latin typeface="Consolas" panose="020B0609020204030204" pitchFamily="49" charset="0"/>
+              </a:rPr>
+              <a:t>np.std</a:t>
+            </a:r>
+            <a:r>
+              <a:rPr lang="en-US" altLang="ja-JP" sz="2400" b="0" dirty="0">
+                <a:solidFill>
+                  <a:srgbClr val="0460B1"/>
+                </a:solidFill>
+                <a:effectLst/>
+                <a:latin typeface="Consolas" panose="020B0609020204030204" pitchFamily="49" charset="0"/>
+              </a:rPr>
+              <a:t>(dd)</a:t>
+            </a:r>
+            <a:r>
+              <a:rPr lang="en-US" altLang="ja-JP" sz="2400" b="0" dirty="0">
+                <a:solidFill>
+                  <a:srgbClr val="7B30D0"/>
+                </a:solidFill>
+                <a:effectLst/>
+                <a:latin typeface="Consolas" panose="020B0609020204030204" pitchFamily="49" charset="0"/>
+              </a:rPr>
+              <a:t>/</a:t>
+            </a:r>
+            <a:r>
+              <a:rPr lang="en-US" altLang="ja-JP" sz="2400" b="0" dirty="0" err="1">
+                <a:solidFill>
+                  <a:srgbClr val="0460B1"/>
+                </a:solidFill>
+                <a:effectLst/>
+                <a:latin typeface="Consolas" panose="020B0609020204030204" pitchFamily="49" charset="0"/>
+              </a:rPr>
+              <a:t>np.sqrt</a:t>
+            </a:r>
+            <a:r>
+              <a:rPr lang="en-US" altLang="ja-JP" sz="2400" b="0" dirty="0">
+                <a:solidFill>
+                  <a:srgbClr val="0460B1"/>
+                </a:solidFill>
+                <a:effectLst/>
+                <a:latin typeface="Consolas" panose="020B0609020204030204" pitchFamily="49" charset="0"/>
+              </a:rPr>
+              <a:t>(n)</a:t>
+            </a:r>
+            <a:endParaRPr lang="en-US" altLang="ja-JP" sz="2400" b="0" dirty="0">
+              <a:solidFill>
+                <a:srgbClr val="236EBF"/>
+              </a:solidFill>
+              <a:effectLst/>
+              <a:latin typeface="Consolas" panose="020B0609020204030204" pitchFamily="49" charset="0"/>
+            </a:endParaRPr>
+          </a:p>
+          <a:p>
+            <a:r>
+              <a:rPr lang="en-US" altLang="ja-JP" sz="2400" b="0" dirty="0">
+                <a:solidFill>
+                  <a:srgbClr val="0460B1"/>
+                </a:solidFill>
+                <a:effectLst/>
+                <a:latin typeface="Consolas" panose="020B0609020204030204" pitchFamily="49" charset="0"/>
+              </a:rPr>
+              <a:t>    </a:t>
+            </a:r>
+            <a:r>
+              <a:rPr lang="en-US" altLang="ja-JP" sz="2400" b="0" dirty="0">
+                <a:solidFill>
+                  <a:srgbClr val="08134A"/>
+                </a:solidFill>
+                <a:effectLst/>
+                <a:latin typeface="Consolas" panose="020B0609020204030204" pitchFamily="49" charset="0"/>
+              </a:rPr>
+              <a:t>print</a:t>
+            </a:r>
+            <a:r>
+              <a:rPr lang="en-US" altLang="ja-JP" sz="2400" b="0" dirty="0">
+                <a:solidFill>
+                  <a:srgbClr val="0460B1"/>
+                </a:solidFill>
+                <a:effectLst/>
+                <a:latin typeface="Consolas" panose="020B0609020204030204" pitchFamily="49" charset="0"/>
+              </a:rPr>
+              <a:t>(</a:t>
+            </a:r>
+            <a:r>
+              <a:rPr lang="en-US" altLang="ja-JP" sz="2400" b="0" dirty="0">
+                <a:solidFill>
+                  <a:srgbClr val="0991B6"/>
+                </a:solidFill>
+                <a:effectLst/>
+                <a:latin typeface="Consolas" panose="020B0609020204030204" pitchFamily="49" charset="0"/>
+              </a:rPr>
+              <a:t>f</a:t>
+            </a:r>
+            <a:r>
+              <a:rPr lang="en-US" altLang="ja-JP" sz="2400" b="0" dirty="0">
+                <a:solidFill>
+                  <a:srgbClr val="A44185"/>
+                </a:solidFill>
+                <a:effectLst/>
+                <a:latin typeface="Consolas" panose="020B0609020204030204" pitchFamily="49" charset="0"/>
+              </a:rPr>
+              <a:t>"</a:t>
+            </a:r>
+            <a:r>
+              <a:rPr lang="en-US" altLang="ja-JP" sz="2400" b="0" dirty="0">
+                <a:solidFill>
+                  <a:srgbClr val="2970C7"/>
+                </a:solidFill>
+                <a:effectLst/>
+                <a:latin typeface="Consolas" panose="020B0609020204030204" pitchFamily="49" charset="0"/>
+              </a:rPr>
+              <a:t>{</a:t>
+            </a:r>
+            <a:r>
+              <a:rPr lang="en-US" altLang="ja-JP" sz="2400" b="0" dirty="0">
+                <a:solidFill>
+                  <a:srgbClr val="0460B1"/>
+                </a:solidFill>
+                <a:effectLst/>
+                <a:latin typeface="Consolas" panose="020B0609020204030204" pitchFamily="49" charset="0"/>
+              </a:rPr>
+              <a:t>n</a:t>
+            </a:r>
+            <a:r>
+              <a:rPr lang="en-US" altLang="ja-JP" sz="2400" b="0" dirty="0">
+                <a:solidFill>
+                  <a:srgbClr val="2970C7"/>
+                </a:solidFill>
+                <a:effectLst/>
+                <a:latin typeface="Consolas" panose="020B0609020204030204" pitchFamily="49" charset="0"/>
+              </a:rPr>
+              <a:t>}</a:t>
+            </a:r>
+            <a:r>
+              <a:rPr lang="en-US" altLang="ja-JP" sz="2400" b="0" dirty="0">
+                <a:solidFill>
+                  <a:srgbClr val="A44185"/>
+                </a:solidFill>
+                <a:effectLst/>
+                <a:latin typeface="Consolas" panose="020B0609020204030204" pitchFamily="49" charset="0"/>
+              </a:rPr>
+              <a:t> </a:t>
+            </a:r>
+            <a:r>
+              <a:rPr lang="en-US" altLang="ja-JP" sz="2400" b="0" dirty="0">
+                <a:solidFill>
+                  <a:srgbClr val="2970C7"/>
+                </a:solidFill>
+                <a:effectLst/>
+                <a:latin typeface="Consolas" panose="020B0609020204030204" pitchFamily="49" charset="0"/>
+              </a:rPr>
+              <a:t>{</a:t>
+            </a:r>
+            <a:r>
+              <a:rPr lang="en-US" altLang="ja-JP" sz="2400" b="0" dirty="0" err="1">
+                <a:solidFill>
+                  <a:srgbClr val="0460B1"/>
+                </a:solidFill>
+                <a:effectLst/>
+                <a:latin typeface="Consolas" panose="020B0609020204030204" pitchFamily="49" charset="0"/>
+              </a:rPr>
+              <a:t>ave</a:t>
+            </a:r>
+            <a:r>
+              <a:rPr lang="en-US" altLang="ja-JP" sz="2400" b="0" dirty="0">
+                <a:solidFill>
+                  <a:srgbClr val="2970C7"/>
+                </a:solidFill>
+                <a:effectLst/>
+                <a:latin typeface="Consolas" panose="020B0609020204030204" pitchFamily="49" charset="0"/>
+              </a:rPr>
+              <a:t>}</a:t>
+            </a:r>
+            <a:r>
+              <a:rPr lang="en-US" altLang="ja-JP" sz="2400" b="0" dirty="0">
+                <a:solidFill>
+                  <a:srgbClr val="A44185"/>
+                </a:solidFill>
+                <a:effectLst/>
+                <a:latin typeface="Consolas" panose="020B0609020204030204" pitchFamily="49" charset="0"/>
+              </a:rPr>
+              <a:t> </a:t>
+            </a:r>
+            <a:r>
+              <a:rPr lang="en-US" altLang="ja-JP" sz="2400" b="0" dirty="0">
+                <a:solidFill>
+                  <a:srgbClr val="2970C7"/>
+                </a:solidFill>
+                <a:effectLst/>
+                <a:latin typeface="Consolas" panose="020B0609020204030204" pitchFamily="49" charset="0"/>
+              </a:rPr>
+              <a:t>{</a:t>
+            </a:r>
+            <a:r>
+              <a:rPr lang="en-US" altLang="ja-JP" sz="2400" b="0" dirty="0">
+                <a:solidFill>
+                  <a:srgbClr val="0460B1"/>
+                </a:solidFill>
+                <a:effectLst/>
+                <a:latin typeface="Consolas" panose="020B0609020204030204" pitchFamily="49" charset="0"/>
+              </a:rPr>
+              <a:t>err</a:t>
+            </a:r>
+            <a:r>
+              <a:rPr lang="en-US" altLang="ja-JP" sz="2400" b="0" dirty="0">
+                <a:solidFill>
+                  <a:srgbClr val="2970C7"/>
+                </a:solidFill>
+                <a:effectLst/>
+                <a:latin typeface="Consolas" panose="020B0609020204030204" pitchFamily="49" charset="0"/>
+              </a:rPr>
+              <a:t>}</a:t>
+            </a:r>
+            <a:r>
+              <a:rPr lang="en-US" altLang="ja-JP" sz="2400" b="0" dirty="0">
+                <a:solidFill>
+                  <a:srgbClr val="A44185"/>
+                </a:solidFill>
+                <a:effectLst/>
+                <a:latin typeface="Consolas" panose="020B0609020204030204" pitchFamily="49" charset="0"/>
+              </a:rPr>
+              <a:t>"</a:t>
+            </a:r>
+            <a:r>
+              <a:rPr lang="en-US" altLang="ja-JP" sz="2400" b="0" dirty="0">
+                <a:solidFill>
+                  <a:srgbClr val="0460B1"/>
+                </a:solidFill>
+                <a:effectLst/>
+                <a:latin typeface="Consolas" panose="020B0609020204030204" pitchFamily="49" charset="0"/>
+              </a:rPr>
+              <a:t>)</a:t>
+            </a:r>
+            <a:endParaRPr lang="en-US" altLang="ja-JP" sz="2400" b="0" dirty="0">
+              <a:solidFill>
+                <a:srgbClr val="236EBF"/>
+              </a:solidFill>
+              <a:effectLst/>
+              <a:latin typeface="Consolas" panose="020B0609020204030204" pitchFamily="49" charset="0"/>
+            </a:endParaRPr>
+          </a:p>
+        </p:txBody>
+      </p:sp>
+      <p:sp>
+        <p:nvSpPr>
+          <p:cNvPr id="5" name="テキスト ボックス 4">
+            <a:extLst>
+              <a:ext uri="{FF2B5EF4-FFF2-40B4-BE49-F238E27FC236}">
+                <a16:creationId xmlns:a16="http://schemas.microsoft.com/office/drawing/2014/main" id="{88985037-8531-4A23-9936-B8D37ABC8933}"/>
+              </a:ext>
+            </a:extLst>
+          </p:cNvPr>
+          <p:cNvSpPr txBox="1"/>
+          <p:nvPr/>
+        </p:nvSpPr>
+        <p:spPr>
+          <a:xfrm>
+            <a:off x="539552" y="980728"/>
+            <a:ext cx="4801314" cy="461665"/>
+          </a:xfrm>
+          <a:prstGeom prst="rect">
+            <a:avLst/>
+          </a:prstGeom>
+          <a:noFill/>
+        </p:spPr>
+        <p:txBody>
+          <a:bodyPr wrap="none" rtlCol="0">
+            <a:spAutoFit/>
+          </a:bodyPr>
+          <a:lstStyle/>
+          <a:p>
+            <a:r>
+              <a:rPr kumimoji="1" lang="ja-JP" altLang="en-US" sz="2400" dirty="0"/>
+              <a:t>先ほどのデー</a:t>
+            </a:r>
+            <a:r>
+              <a:rPr lang="ja-JP" altLang="en-US" sz="2400" dirty="0"/>
+              <a:t>タを生成したコード</a:t>
+            </a:r>
+            <a:endParaRPr kumimoji="1" lang="ja-JP" altLang="en-US" sz="2400" dirty="0"/>
+          </a:p>
+        </p:txBody>
+      </p:sp>
+      <p:sp>
+        <p:nvSpPr>
+          <p:cNvPr id="7" name="四角形: 角を丸くする 6">
+            <a:extLst>
+              <a:ext uri="{FF2B5EF4-FFF2-40B4-BE49-F238E27FC236}">
+                <a16:creationId xmlns:a16="http://schemas.microsoft.com/office/drawing/2014/main" id="{6813F91C-487E-4663-AF9D-6EB5FBD3AB76}"/>
+              </a:ext>
+            </a:extLst>
+          </p:cNvPr>
+          <p:cNvSpPr/>
+          <p:nvPr/>
+        </p:nvSpPr>
+        <p:spPr>
+          <a:xfrm>
+            <a:off x="323528" y="2996952"/>
+            <a:ext cx="4320480" cy="432048"/>
+          </a:xfrm>
+          <a:prstGeom prst="roundRect">
+            <a:avLst/>
+          </a:prstGeom>
+          <a:noFill/>
+          <a:ln w="28575">
+            <a:solidFill>
+              <a:srgbClr val="FF0000"/>
+            </a:solidFill>
+            <a:prstDash val="dash"/>
+          </a:ln>
+        </p:spPr>
+        <p:style>
+          <a:lnRef idx="2">
+            <a:schemeClr val="accent1">
+              <a:shade val="50000"/>
+            </a:schemeClr>
+          </a:lnRef>
+          <a:fillRef idx="1">
+            <a:schemeClr val="accent1"/>
+          </a:fillRef>
+          <a:effectRef idx="0">
+            <a:schemeClr val="accent1"/>
+          </a:effectRef>
+          <a:fontRef idx="minor">
+            <a:schemeClr val="lt1"/>
+          </a:fontRef>
+        </p:style>
+        <p:txBody>
+          <a:bodyPr rtlCol="0" anchor="ctr"/>
+          <a:lstStyle/>
+          <a:p>
+            <a:pPr algn="ctr"/>
+            <a:endParaRPr kumimoji="1" lang="ja-JP" altLang="en-US"/>
+          </a:p>
+        </p:txBody>
+      </p:sp>
+      <p:sp>
+        <p:nvSpPr>
+          <p:cNvPr id="8" name="テキスト ボックス 7">
+            <a:extLst>
+              <a:ext uri="{FF2B5EF4-FFF2-40B4-BE49-F238E27FC236}">
+                <a16:creationId xmlns:a16="http://schemas.microsoft.com/office/drawing/2014/main" id="{1DDB4ECF-6797-4AF2-B7D1-651F6FD410DE}"/>
+              </a:ext>
+            </a:extLst>
+          </p:cNvPr>
+          <p:cNvSpPr txBox="1"/>
+          <p:nvPr/>
+        </p:nvSpPr>
+        <p:spPr>
+          <a:xfrm>
+            <a:off x="4050808" y="1772816"/>
+            <a:ext cx="5109091" cy="830997"/>
+          </a:xfrm>
+          <a:prstGeom prst="rect">
+            <a:avLst/>
+          </a:prstGeom>
+          <a:solidFill>
+            <a:schemeClr val="bg1"/>
+          </a:solidFill>
+          <a:ln>
+            <a:solidFill>
+              <a:schemeClr val="tx1"/>
+            </a:solidFill>
+          </a:ln>
+        </p:spPr>
+        <p:txBody>
+          <a:bodyPr wrap="none" rtlCol="0">
+            <a:spAutoFit/>
+          </a:bodyPr>
+          <a:lstStyle/>
+          <a:p>
+            <a:r>
+              <a:rPr lang="ja-JP" altLang="en-US" sz="2400" dirty="0"/>
+              <a:t>先に全データを作成し、</a:t>
+            </a:r>
+            <a:r>
+              <a:rPr kumimoji="1" lang="ja-JP" altLang="en-US" sz="2400" dirty="0"/>
+              <a:t>部分配列に</a:t>
+            </a:r>
+            <a:endParaRPr kumimoji="1" lang="en-US" altLang="ja-JP" sz="2400" dirty="0"/>
+          </a:p>
+          <a:p>
+            <a:r>
+              <a:rPr kumimoji="1" lang="ja-JP" altLang="en-US" sz="2400" dirty="0"/>
+              <a:t>ついて誤差を計算している</a:t>
+            </a:r>
+          </a:p>
+        </p:txBody>
+      </p:sp>
+      <p:cxnSp>
+        <p:nvCxnSpPr>
+          <p:cNvPr id="10" name="コネクタ: カギ線 9">
+            <a:extLst>
+              <a:ext uri="{FF2B5EF4-FFF2-40B4-BE49-F238E27FC236}">
+                <a16:creationId xmlns:a16="http://schemas.microsoft.com/office/drawing/2014/main" id="{3EEA77D3-D7AA-44A8-9C3F-1B0C3D978B64}"/>
+              </a:ext>
+            </a:extLst>
+          </p:cNvPr>
+          <p:cNvCxnSpPr>
+            <a:cxnSpLocks/>
+            <a:stCxn id="8" idx="2"/>
+            <a:endCxn id="7" idx="3"/>
+          </p:cNvCxnSpPr>
+          <p:nvPr/>
+        </p:nvCxnSpPr>
+        <p:spPr>
+          <a:xfrm rot="5400000">
+            <a:off x="5320100" y="1927721"/>
+            <a:ext cx="609163" cy="1961346"/>
+          </a:xfrm>
+          <a:prstGeom prst="bentConnector2">
+            <a:avLst/>
+          </a:prstGeom>
+          <a:ln>
+            <a:solidFill>
+              <a:schemeClr val="tx1"/>
+            </a:solidFill>
+            <a:headEnd type="none" w="med" len="med"/>
+            <a:tailEnd type="triangle"/>
+          </a:ln>
+        </p:spPr>
+        <p:style>
+          <a:lnRef idx="1">
+            <a:schemeClr val="accent1"/>
+          </a:lnRef>
+          <a:fillRef idx="0">
+            <a:schemeClr val="accent1"/>
+          </a:fillRef>
+          <a:effectRef idx="0">
+            <a:schemeClr val="accent1"/>
+          </a:effectRef>
+          <a:fontRef idx="minor">
+            <a:schemeClr val="tx1"/>
+          </a:fontRef>
+        </p:style>
+      </p:cxnSp>
+    </p:spTree>
+    <p:extLst>
+      <p:ext uri="{BB962C8B-B14F-4D97-AF65-F5344CB8AC3E}">
+        <p14:creationId xmlns:p14="http://schemas.microsoft.com/office/powerpoint/2010/main" val="112385584"/>
+      </p:ext>
+    </p:extLst>
+  </p:cSld>
+  <p:clrMapOvr>
+    <a:masterClrMapping/>
+  </p:clrMapOvr>
+</p:sld>
+</file>
+
+<file path=ppt/slides/slide27.xml><?xml version="1.0" encoding="utf-8"?>
+<p:sld xmlns:a="http://schemas.openxmlformats.org/drawingml/2006/main" xmlns:r="http://schemas.openxmlformats.org/officeDocument/2006/relationships" xmlns:p="http://schemas.openxmlformats.org/presentationml/2006/main">
+  <p:cSld>
+    <p:spTree>
+      <p:nvGrpSpPr>
+        <p:cNvPr id="1" name=""/>
+        <p:cNvGrpSpPr/>
+        <p:nvPr/>
+      </p:nvGrpSpPr>
+      <p:grpSpPr>
+        <a:xfrm>
+          <a:off x="0" y="0"/>
+          <a:ext cx="0" cy="0"/>
+          <a:chOff x="0" y="0"/>
+          <a:chExt cx="0" cy="0"/>
+        </a:xfrm>
+      </p:grpSpPr>
+      <p:sp>
+        <p:nvSpPr>
+          <p:cNvPr id="2" name="テキスト プレースホルダー 1">
+            <a:extLst>
+              <a:ext uri="{FF2B5EF4-FFF2-40B4-BE49-F238E27FC236}">
+                <a16:creationId xmlns:a16="http://schemas.microsoft.com/office/drawing/2014/main" id="{BE18A1D0-9B28-41F7-9789-7231CE6D96FD}"/>
+              </a:ext>
+            </a:extLst>
+          </p:cNvPr>
+          <p:cNvSpPr>
+            <a:spLocks noGrp="1"/>
+          </p:cNvSpPr>
+          <p:nvPr>
+            <p:ph type="body" sz="quarter" idx="10"/>
+          </p:nvPr>
+        </p:nvSpPr>
+        <p:spPr/>
+        <p:txBody>
+          <a:bodyPr/>
+          <a:lstStyle/>
+          <a:p>
+            <a:r>
+              <a:rPr lang="ja-JP" altLang="en-US" dirty="0"/>
+              <a:t>おかしいグラフ</a:t>
+            </a:r>
+            <a:r>
+              <a:rPr lang="en-US" altLang="ja-JP" dirty="0"/>
+              <a:t>2</a:t>
+            </a:r>
+            <a:endParaRPr kumimoji="1" lang="ja-JP" altLang="en-US" dirty="0"/>
+          </a:p>
+          <a:p>
+            <a:endParaRPr kumimoji="1" lang="ja-JP" altLang="en-US" dirty="0"/>
+          </a:p>
+        </p:txBody>
+      </p:sp>
+      <p:sp>
+        <p:nvSpPr>
+          <p:cNvPr id="5" name="楕円 4">
+            <a:extLst>
+              <a:ext uri="{FF2B5EF4-FFF2-40B4-BE49-F238E27FC236}">
+                <a16:creationId xmlns:a16="http://schemas.microsoft.com/office/drawing/2014/main" id="{EA45785F-A725-4A90-95DD-5C53962A8FFF}"/>
+              </a:ext>
+            </a:extLst>
+          </p:cNvPr>
+          <p:cNvSpPr/>
+          <p:nvPr/>
+        </p:nvSpPr>
+        <p:spPr>
+          <a:xfrm>
+            <a:off x="539552" y="1268760"/>
+            <a:ext cx="432048" cy="432048"/>
+          </a:xfrm>
+          <a:prstGeom prst="ellipse">
+            <a:avLst/>
+          </a:prstGeom>
+          <a:solidFill>
+            <a:srgbClr val="00B050"/>
+          </a:solidFill>
+          <a:ln>
+            <a:solidFill>
+              <a:schemeClr val="tx1"/>
+            </a:solidFill>
+          </a:ln>
+        </p:spPr>
+        <p:style>
+          <a:lnRef idx="2">
+            <a:schemeClr val="accent1">
+              <a:shade val="50000"/>
+            </a:schemeClr>
+          </a:lnRef>
+          <a:fillRef idx="1">
+            <a:schemeClr val="accent1"/>
+          </a:fillRef>
+          <a:effectRef idx="0">
+            <a:schemeClr val="accent1"/>
+          </a:effectRef>
+          <a:fontRef idx="minor">
+            <a:schemeClr val="lt1"/>
+          </a:fontRef>
+        </p:style>
+        <p:txBody>
+          <a:bodyPr rtlCol="0" anchor="ctr"/>
+          <a:lstStyle/>
+          <a:p>
+            <a:pPr algn="ctr"/>
+            <a:endParaRPr kumimoji="1" lang="ja-JP" altLang="en-US"/>
+          </a:p>
+        </p:txBody>
+      </p:sp>
+      <p:sp>
+        <p:nvSpPr>
+          <p:cNvPr id="6" name="楕円 5">
+            <a:extLst>
+              <a:ext uri="{FF2B5EF4-FFF2-40B4-BE49-F238E27FC236}">
+                <a16:creationId xmlns:a16="http://schemas.microsoft.com/office/drawing/2014/main" id="{2B0D52AB-034D-4B2B-BB4D-EAD14223AD74}"/>
+              </a:ext>
+            </a:extLst>
+          </p:cNvPr>
+          <p:cNvSpPr/>
+          <p:nvPr/>
+        </p:nvSpPr>
+        <p:spPr>
+          <a:xfrm>
+            <a:off x="1259632" y="1268760"/>
+            <a:ext cx="432048" cy="432048"/>
+          </a:xfrm>
+          <a:prstGeom prst="ellipse">
+            <a:avLst/>
+          </a:prstGeom>
+          <a:solidFill>
+            <a:srgbClr val="00B050"/>
+          </a:solidFill>
+          <a:ln>
+            <a:solidFill>
+              <a:schemeClr val="tx1"/>
+            </a:solidFill>
+          </a:ln>
+        </p:spPr>
+        <p:style>
+          <a:lnRef idx="2">
+            <a:schemeClr val="accent1">
+              <a:shade val="50000"/>
+            </a:schemeClr>
+          </a:lnRef>
+          <a:fillRef idx="1">
+            <a:schemeClr val="accent1"/>
+          </a:fillRef>
+          <a:effectRef idx="0">
+            <a:schemeClr val="accent1"/>
+          </a:effectRef>
+          <a:fontRef idx="minor">
+            <a:schemeClr val="lt1"/>
+          </a:fontRef>
+        </p:style>
+        <p:txBody>
+          <a:bodyPr rtlCol="0" anchor="ctr"/>
+          <a:lstStyle/>
+          <a:p>
+            <a:pPr algn="ctr"/>
+            <a:endParaRPr kumimoji="1" lang="ja-JP" altLang="en-US"/>
+          </a:p>
+        </p:txBody>
+      </p:sp>
+      <p:sp>
+        <p:nvSpPr>
+          <p:cNvPr id="7" name="楕円 6">
+            <a:extLst>
+              <a:ext uri="{FF2B5EF4-FFF2-40B4-BE49-F238E27FC236}">
+                <a16:creationId xmlns:a16="http://schemas.microsoft.com/office/drawing/2014/main" id="{ABAF9A29-A5C9-4C22-80EE-82007BA0D3F4}"/>
+              </a:ext>
+            </a:extLst>
+          </p:cNvPr>
+          <p:cNvSpPr/>
+          <p:nvPr/>
+        </p:nvSpPr>
+        <p:spPr>
+          <a:xfrm>
+            <a:off x="1979712" y="1268760"/>
+            <a:ext cx="432048" cy="432048"/>
+          </a:xfrm>
+          <a:prstGeom prst="ellipse">
+            <a:avLst/>
+          </a:prstGeom>
+          <a:solidFill>
+            <a:srgbClr val="00B050"/>
+          </a:solidFill>
+          <a:ln>
+            <a:solidFill>
+              <a:schemeClr val="tx1"/>
+            </a:solidFill>
+          </a:ln>
+        </p:spPr>
+        <p:style>
+          <a:lnRef idx="2">
+            <a:schemeClr val="accent1">
+              <a:shade val="50000"/>
+            </a:schemeClr>
+          </a:lnRef>
+          <a:fillRef idx="1">
+            <a:schemeClr val="accent1"/>
+          </a:fillRef>
+          <a:effectRef idx="0">
+            <a:schemeClr val="accent1"/>
+          </a:effectRef>
+          <a:fontRef idx="minor">
+            <a:schemeClr val="lt1"/>
+          </a:fontRef>
+        </p:style>
+        <p:txBody>
+          <a:bodyPr rtlCol="0" anchor="ctr"/>
+          <a:lstStyle/>
+          <a:p>
+            <a:pPr algn="ctr"/>
+            <a:endParaRPr kumimoji="1" lang="ja-JP" altLang="en-US"/>
+          </a:p>
+        </p:txBody>
+      </p:sp>
+      <p:sp>
+        <p:nvSpPr>
+          <p:cNvPr id="8" name="楕円 7">
+            <a:extLst>
+              <a:ext uri="{FF2B5EF4-FFF2-40B4-BE49-F238E27FC236}">
+                <a16:creationId xmlns:a16="http://schemas.microsoft.com/office/drawing/2014/main" id="{1A3CDA1A-FE19-4CC0-9868-E42C31D25F99}"/>
+              </a:ext>
+            </a:extLst>
+          </p:cNvPr>
+          <p:cNvSpPr/>
+          <p:nvPr/>
+        </p:nvSpPr>
+        <p:spPr>
+          <a:xfrm>
+            <a:off x="2699792" y="1268760"/>
+            <a:ext cx="432048" cy="432048"/>
+          </a:xfrm>
+          <a:prstGeom prst="ellipse">
+            <a:avLst/>
+          </a:prstGeom>
+          <a:solidFill>
+            <a:srgbClr val="00B050"/>
+          </a:solidFill>
+          <a:ln>
+            <a:solidFill>
+              <a:schemeClr val="tx1"/>
+            </a:solidFill>
+          </a:ln>
+        </p:spPr>
+        <p:style>
+          <a:lnRef idx="2">
+            <a:schemeClr val="accent1">
+              <a:shade val="50000"/>
+            </a:schemeClr>
+          </a:lnRef>
+          <a:fillRef idx="1">
+            <a:schemeClr val="accent1"/>
+          </a:fillRef>
+          <a:effectRef idx="0">
+            <a:schemeClr val="accent1"/>
+          </a:effectRef>
+          <a:fontRef idx="minor">
+            <a:schemeClr val="lt1"/>
+          </a:fontRef>
+        </p:style>
+        <p:txBody>
+          <a:bodyPr rtlCol="0" anchor="ctr"/>
+          <a:lstStyle/>
+          <a:p>
+            <a:pPr algn="ctr"/>
+            <a:endParaRPr kumimoji="1" lang="ja-JP" altLang="en-US"/>
+          </a:p>
+        </p:txBody>
+      </p:sp>
+      <p:sp>
+        <p:nvSpPr>
+          <p:cNvPr id="9" name="楕円 8">
+            <a:extLst>
+              <a:ext uri="{FF2B5EF4-FFF2-40B4-BE49-F238E27FC236}">
+                <a16:creationId xmlns:a16="http://schemas.microsoft.com/office/drawing/2014/main" id="{02AD4347-E216-45C0-94A3-2DD6EA971511}"/>
+              </a:ext>
+            </a:extLst>
+          </p:cNvPr>
+          <p:cNvSpPr/>
+          <p:nvPr/>
+        </p:nvSpPr>
+        <p:spPr>
+          <a:xfrm>
+            <a:off x="3419872" y="1268760"/>
+            <a:ext cx="432048" cy="432048"/>
+          </a:xfrm>
+          <a:prstGeom prst="ellipse">
+            <a:avLst/>
+          </a:prstGeom>
+          <a:solidFill>
+            <a:srgbClr val="FFFF00"/>
+          </a:solidFill>
+          <a:ln>
+            <a:solidFill>
+              <a:schemeClr val="tx1"/>
+            </a:solidFill>
+          </a:ln>
+        </p:spPr>
+        <p:style>
+          <a:lnRef idx="2">
+            <a:schemeClr val="accent1">
+              <a:shade val="50000"/>
+            </a:schemeClr>
+          </a:lnRef>
+          <a:fillRef idx="1">
+            <a:schemeClr val="accent1"/>
+          </a:fillRef>
+          <a:effectRef idx="0">
+            <a:schemeClr val="accent1"/>
+          </a:effectRef>
+          <a:fontRef idx="minor">
+            <a:schemeClr val="lt1"/>
+          </a:fontRef>
+        </p:style>
+        <p:txBody>
+          <a:bodyPr rtlCol="0" anchor="ctr"/>
+          <a:lstStyle/>
+          <a:p>
+            <a:pPr algn="ctr"/>
+            <a:endParaRPr kumimoji="1" lang="ja-JP" altLang="en-US"/>
+          </a:p>
+        </p:txBody>
+      </p:sp>
+      <p:sp>
+        <p:nvSpPr>
+          <p:cNvPr id="10" name="楕円 9">
+            <a:extLst>
+              <a:ext uri="{FF2B5EF4-FFF2-40B4-BE49-F238E27FC236}">
+                <a16:creationId xmlns:a16="http://schemas.microsoft.com/office/drawing/2014/main" id="{19D5CF6A-B62E-4FFC-9C34-68D5BF1CA810}"/>
+              </a:ext>
+            </a:extLst>
+          </p:cNvPr>
+          <p:cNvSpPr/>
+          <p:nvPr/>
+        </p:nvSpPr>
+        <p:spPr>
+          <a:xfrm>
+            <a:off x="4139952" y="1268760"/>
+            <a:ext cx="432048" cy="432048"/>
+          </a:xfrm>
+          <a:prstGeom prst="ellipse">
+            <a:avLst/>
+          </a:prstGeom>
+          <a:solidFill>
+            <a:srgbClr val="FFFF00"/>
+          </a:solidFill>
+          <a:ln>
+            <a:solidFill>
+              <a:schemeClr val="tx1"/>
+            </a:solidFill>
+          </a:ln>
+        </p:spPr>
+        <p:style>
+          <a:lnRef idx="2">
+            <a:schemeClr val="accent1">
+              <a:shade val="50000"/>
+            </a:schemeClr>
+          </a:lnRef>
+          <a:fillRef idx="1">
+            <a:schemeClr val="accent1"/>
+          </a:fillRef>
+          <a:effectRef idx="0">
+            <a:schemeClr val="accent1"/>
+          </a:effectRef>
+          <a:fontRef idx="minor">
+            <a:schemeClr val="lt1"/>
+          </a:fontRef>
+        </p:style>
+        <p:txBody>
+          <a:bodyPr rtlCol="0" anchor="ctr"/>
+          <a:lstStyle/>
+          <a:p>
+            <a:pPr algn="ctr"/>
+            <a:endParaRPr kumimoji="1" lang="ja-JP" altLang="en-US"/>
+          </a:p>
+        </p:txBody>
+      </p:sp>
+      <p:sp>
+        <p:nvSpPr>
+          <p:cNvPr id="11" name="楕円 10">
+            <a:extLst>
+              <a:ext uri="{FF2B5EF4-FFF2-40B4-BE49-F238E27FC236}">
+                <a16:creationId xmlns:a16="http://schemas.microsoft.com/office/drawing/2014/main" id="{405A9C28-450E-4DD2-9D72-C3AA1ED1977F}"/>
+              </a:ext>
+            </a:extLst>
+          </p:cNvPr>
+          <p:cNvSpPr/>
+          <p:nvPr/>
+        </p:nvSpPr>
+        <p:spPr>
+          <a:xfrm>
+            <a:off x="4860032" y="1268760"/>
+            <a:ext cx="432048" cy="432048"/>
+          </a:xfrm>
+          <a:prstGeom prst="ellipse">
+            <a:avLst/>
+          </a:prstGeom>
+          <a:solidFill>
+            <a:srgbClr val="FFFF00"/>
+          </a:solidFill>
+          <a:ln>
+            <a:solidFill>
+              <a:schemeClr val="tx1"/>
+            </a:solidFill>
+          </a:ln>
+        </p:spPr>
+        <p:style>
+          <a:lnRef idx="2">
+            <a:schemeClr val="accent1">
+              <a:shade val="50000"/>
+            </a:schemeClr>
+          </a:lnRef>
+          <a:fillRef idx="1">
+            <a:schemeClr val="accent1"/>
+          </a:fillRef>
+          <a:effectRef idx="0">
+            <a:schemeClr val="accent1"/>
+          </a:effectRef>
+          <a:fontRef idx="minor">
+            <a:schemeClr val="lt1"/>
+          </a:fontRef>
+        </p:style>
+        <p:txBody>
+          <a:bodyPr rtlCol="0" anchor="ctr"/>
+          <a:lstStyle/>
+          <a:p>
+            <a:pPr algn="ctr"/>
+            <a:endParaRPr kumimoji="1" lang="ja-JP" altLang="en-US"/>
+          </a:p>
+        </p:txBody>
+      </p:sp>
+      <p:sp>
+        <p:nvSpPr>
+          <p:cNvPr id="12" name="楕円 11">
+            <a:extLst>
+              <a:ext uri="{FF2B5EF4-FFF2-40B4-BE49-F238E27FC236}">
+                <a16:creationId xmlns:a16="http://schemas.microsoft.com/office/drawing/2014/main" id="{1ED210E3-C861-489A-B7F1-0BE0CCDAD72F}"/>
+              </a:ext>
+            </a:extLst>
+          </p:cNvPr>
+          <p:cNvSpPr/>
+          <p:nvPr/>
+        </p:nvSpPr>
+        <p:spPr>
+          <a:xfrm>
+            <a:off x="5580112" y="1268760"/>
+            <a:ext cx="432048" cy="432048"/>
+          </a:xfrm>
+          <a:prstGeom prst="ellipse">
+            <a:avLst/>
+          </a:prstGeom>
+          <a:solidFill>
+            <a:srgbClr val="FFFF00"/>
+          </a:solidFill>
+          <a:ln>
+            <a:solidFill>
+              <a:schemeClr val="tx1"/>
+            </a:solidFill>
+          </a:ln>
+        </p:spPr>
+        <p:style>
+          <a:lnRef idx="2">
+            <a:schemeClr val="accent1">
+              <a:shade val="50000"/>
+            </a:schemeClr>
+          </a:lnRef>
+          <a:fillRef idx="1">
+            <a:schemeClr val="accent1"/>
+          </a:fillRef>
+          <a:effectRef idx="0">
+            <a:schemeClr val="accent1"/>
+          </a:effectRef>
+          <a:fontRef idx="minor">
+            <a:schemeClr val="lt1"/>
+          </a:fontRef>
+        </p:style>
+        <p:txBody>
+          <a:bodyPr rtlCol="0" anchor="ctr"/>
+          <a:lstStyle/>
+          <a:p>
+            <a:pPr algn="ctr"/>
+            <a:endParaRPr kumimoji="1" lang="ja-JP" altLang="en-US"/>
+          </a:p>
+        </p:txBody>
+      </p:sp>
+      <p:pic>
+        <p:nvPicPr>
+          <p:cNvPr id="13" name="図 12">
+            <a:extLst>
+              <a:ext uri="{FF2B5EF4-FFF2-40B4-BE49-F238E27FC236}">
+                <a16:creationId xmlns:a16="http://schemas.microsoft.com/office/drawing/2014/main" id="{EF2E7825-C44B-4C62-9F39-CCBEED25BFF6}"/>
+              </a:ext>
+            </a:extLst>
+          </p:cNvPr>
+          <p:cNvPicPr>
+            <a:picLocks noChangeAspect="1"/>
+          </p:cNvPicPr>
+          <p:nvPr/>
+        </p:nvPicPr>
+        <p:blipFill>
+          <a:blip r:embed="rId3">
+            <a:extLst>
+              <a:ext uri="{28A0092B-C50C-407E-A947-70E740481C1C}">
+                <a14:useLocalDpi xmlns:a14="http://schemas.microsoft.com/office/drawing/2010/main" val="0"/>
+              </a:ext>
+            </a:extLst>
+          </a:blip>
+          <a:stretch>
+            <a:fillRect/>
+          </a:stretch>
+        </p:blipFill>
+        <p:spPr>
+          <a:xfrm>
+            <a:off x="323528" y="2132856"/>
+            <a:ext cx="5711957" cy="4283968"/>
+          </a:xfrm>
+          <a:prstGeom prst="rect">
+            <a:avLst/>
+          </a:prstGeom>
+        </p:spPr>
+      </p:pic>
+      <p:sp>
+        <p:nvSpPr>
+          <p:cNvPr id="14" name="四角形: 角を丸くする 13">
+            <a:extLst>
+              <a:ext uri="{FF2B5EF4-FFF2-40B4-BE49-F238E27FC236}">
+                <a16:creationId xmlns:a16="http://schemas.microsoft.com/office/drawing/2014/main" id="{4170D229-169A-4AAB-930E-C2569E2C77BB}"/>
+              </a:ext>
+            </a:extLst>
+          </p:cNvPr>
+          <p:cNvSpPr/>
+          <p:nvPr/>
+        </p:nvSpPr>
+        <p:spPr>
+          <a:xfrm>
+            <a:off x="395536" y="1124744"/>
+            <a:ext cx="2808312" cy="720080"/>
+          </a:xfrm>
+          <a:prstGeom prst="roundRect">
+            <a:avLst>
+              <a:gd name="adj" fmla="val 29981"/>
+            </a:avLst>
+          </a:prstGeom>
+          <a:noFill/>
+          <a:ln>
+            <a:solidFill>
+              <a:srgbClr val="FF0000"/>
+            </a:solidFill>
+            <a:prstDash val="dash"/>
+          </a:ln>
+        </p:spPr>
+        <p:style>
+          <a:lnRef idx="2">
+            <a:schemeClr val="accent1">
+              <a:shade val="50000"/>
+            </a:schemeClr>
+          </a:lnRef>
+          <a:fillRef idx="1">
+            <a:schemeClr val="accent1"/>
+          </a:fillRef>
+          <a:effectRef idx="0">
+            <a:schemeClr val="accent1"/>
+          </a:effectRef>
+          <a:fontRef idx="minor">
+            <a:schemeClr val="lt1"/>
+          </a:fontRef>
+        </p:style>
+        <p:txBody>
+          <a:bodyPr rtlCol="0" anchor="ctr"/>
+          <a:lstStyle/>
+          <a:p>
+            <a:pPr algn="ctr"/>
+            <a:endParaRPr kumimoji="1" lang="ja-JP" altLang="en-US"/>
+          </a:p>
+        </p:txBody>
+      </p:sp>
+      <p:sp>
+        <p:nvSpPr>
+          <p:cNvPr id="16" name="四角形: 角を丸くする 15">
+            <a:extLst>
+              <a:ext uri="{FF2B5EF4-FFF2-40B4-BE49-F238E27FC236}">
+                <a16:creationId xmlns:a16="http://schemas.microsoft.com/office/drawing/2014/main" id="{8776796F-BDFA-4115-8E3E-664CD2E44B4E}"/>
+              </a:ext>
+            </a:extLst>
+          </p:cNvPr>
+          <p:cNvSpPr/>
+          <p:nvPr/>
+        </p:nvSpPr>
+        <p:spPr>
+          <a:xfrm>
+            <a:off x="2123728" y="3284984"/>
+            <a:ext cx="360040" cy="1728192"/>
+          </a:xfrm>
+          <a:prstGeom prst="roundRect">
+            <a:avLst>
+              <a:gd name="adj" fmla="val 29981"/>
+            </a:avLst>
+          </a:prstGeom>
+          <a:noFill/>
+          <a:ln>
+            <a:solidFill>
+              <a:srgbClr val="FF0000"/>
+            </a:solidFill>
+            <a:prstDash val="dash"/>
+          </a:ln>
+        </p:spPr>
+        <p:style>
+          <a:lnRef idx="2">
+            <a:schemeClr val="accent1">
+              <a:shade val="50000"/>
+            </a:schemeClr>
+          </a:lnRef>
+          <a:fillRef idx="1">
+            <a:schemeClr val="accent1"/>
+          </a:fillRef>
+          <a:effectRef idx="0">
+            <a:schemeClr val="accent1"/>
+          </a:effectRef>
+          <a:fontRef idx="minor">
+            <a:schemeClr val="lt1"/>
+          </a:fontRef>
+        </p:style>
+        <p:txBody>
+          <a:bodyPr rtlCol="0" anchor="ctr"/>
+          <a:lstStyle/>
+          <a:p>
+            <a:pPr algn="ctr"/>
+            <a:endParaRPr kumimoji="1" lang="ja-JP" altLang="en-US"/>
+          </a:p>
+        </p:txBody>
+      </p:sp>
+      <p:sp>
+        <p:nvSpPr>
+          <p:cNvPr id="17" name="四角形: 角を丸くする 16">
+            <a:extLst>
+              <a:ext uri="{FF2B5EF4-FFF2-40B4-BE49-F238E27FC236}">
+                <a16:creationId xmlns:a16="http://schemas.microsoft.com/office/drawing/2014/main" id="{BAD6C87E-7B07-4AEC-BCB1-AB3CE8312700}"/>
+              </a:ext>
+            </a:extLst>
+          </p:cNvPr>
+          <p:cNvSpPr/>
+          <p:nvPr/>
+        </p:nvSpPr>
+        <p:spPr>
+          <a:xfrm>
+            <a:off x="2699792" y="3140968"/>
+            <a:ext cx="360040" cy="1296144"/>
+          </a:xfrm>
+          <a:prstGeom prst="roundRect">
+            <a:avLst>
+              <a:gd name="adj" fmla="val 29981"/>
+            </a:avLst>
+          </a:prstGeom>
+          <a:noFill/>
+          <a:ln>
+            <a:solidFill>
+              <a:srgbClr val="011893"/>
+            </a:solidFill>
+            <a:prstDash val="dash"/>
+          </a:ln>
+        </p:spPr>
+        <p:style>
+          <a:lnRef idx="2">
+            <a:schemeClr val="accent1">
+              <a:shade val="50000"/>
+            </a:schemeClr>
+          </a:lnRef>
+          <a:fillRef idx="1">
+            <a:schemeClr val="accent1"/>
+          </a:fillRef>
+          <a:effectRef idx="0">
+            <a:schemeClr val="accent1"/>
+          </a:effectRef>
+          <a:fontRef idx="minor">
+            <a:schemeClr val="lt1"/>
+          </a:fontRef>
+        </p:style>
+        <p:txBody>
+          <a:bodyPr rtlCol="0" anchor="ctr"/>
+          <a:lstStyle/>
+          <a:p>
+            <a:pPr algn="ctr"/>
+            <a:endParaRPr kumimoji="1" lang="ja-JP" altLang="en-US"/>
+          </a:p>
+        </p:txBody>
+      </p:sp>
+      <p:sp>
+        <p:nvSpPr>
+          <p:cNvPr id="18" name="四角形: 角を丸くする 17">
+            <a:extLst>
+              <a:ext uri="{FF2B5EF4-FFF2-40B4-BE49-F238E27FC236}">
+                <a16:creationId xmlns:a16="http://schemas.microsoft.com/office/drawing/2014/main" id="{AB7804BD-98D6-42DF-8007-762A7548F062}"/>
+              </a:ext>
+            </a:extLst>
+          </p:cNvPr>
+          <p:cNvSpPr/>
+          <p:nvPr/>
+        </p:nvSpPr>
+        <p:spPr>
+          <a:xfrm>
+            <a:off x="323528" y="1052736"/>
+            <a:ext cx="5904656" cy="864096"/>
+          </a:xfrm>
+          <a:prstGeom prst="roundRect">
+            <a:avLst>
+              <a:gd name="adj" fmla="val 29981"/>
+            </a:avLst>
+          </a:prstGeom>
+          <a:noFill/>
+          <a:ln>
+            <a:solidFill>
+              <a:srgbClr val="011893"/>
+            </a:solidFill>
+            <a:prstDash val="dash"/>
+          </a:ln>
+        </p:spPr>
+        <p:style>
+          <a:lnRef idx="2">
+            <a:schemeClr val="accent1">
+              <a:shade val="50000"/>
+            </a:schemeClr>
+          </a:lnRef>
+          <a:fillRef idx="1">
+            <a:schemeClr val="accent1"/>
+          </a:fillRef>
+          <a:effectRef idx="0">
+            <a:schemeClr val="accent1"/>
+          </a:effectRef>
+          <a:fontRef idx="minor">
+            <a:schemeClr val="lt1"/>
+          </a:fontRef>
+        </p:style>
+        <p:txBody>
+          <a:bodyPr rtlCol="0" anchor="ctr"/>
+          <a:lstStyle/>
+          <a:p>
+            <a:pPr algn="ctr"/>
+            <a:endParaRPr kumimoji="1" lang="ja-JP" altLang="en-US"/>
+          </a:p>
+        </p:txBody>
+      </p:sp>
+      <p:cxnSp>
+        <p:nvCxnSpPr>
+          <p:cNvPr id="20" name="コネクタ: カギ線 19">
+            <a:extLst>
+              <a:ext uri="{FF2B5EF4-FFF2-40B4-BE49-F238E27FC236}">
+                <a16:creationId xmlns:a16="http://schemas.microsoft.com/office/drawing/2014/main" id="{A01C1C27-E4FB-4A2C-B39C-ECA735180D04}"/>
+              </a:ext>
+            </a:extLst>
+          </p:cNvPr>
+          <p:cNvCxnSpPr>
+            <a:stCxn id="18" idx="2"/>
+            <a:endCxn id="17" idx="0"/>
+          </p:cNvCxnSpPr>
+          <p:nvPr/>
+        </p:nvCxnSpPr>
+        <p:spPr>
+          <a:xfrm rot="5400000">
+            <a:off x="2465766" y="2330878"/>
+            <a:ext cx="1224136" cy="396044"/>
+          </a:xfrm>
+          <a:prstGeom prst="bentConnector3">
+            <a:avLst/>
+          </a:prstGeom>
+          <a:ln>
+            <a:solidFill>
+              <a:schemeClr val="tx1"/>
+            </a:solidFill>
+            <a:headEnd type="none" w="med" len="med"/>
+            <a:tailEnd type="triangle"/>
+          </a:ln>
+        </p:spPr>
+        <p:style>
+          <a:lnRef idx="1">
+            <a:schemeClr val="accent1"/>
+          </a:lnRef>
+          <a:fillRef idx="0">
+            <a:schemeClr val="accent1"/>
+          </a:fillRef>
+          <a:effectRef idx="0">
+            <a:schemeClr val="accent1"/>
+          </a:effectRef>
+          <a:fontRef idx="minor">
+            <a:schemeClr val="tx1"/>
+          </a:fontRef>
+        </p:style>
+      </p:cxnSp>
+      <p:cxnSp>
+        <p:nvCxnSpPr>
+          <p:cNvPr id="22" name="コネクタ: カギ線 21">
+            <a:extLst>
+              <a:ext uri="{FF2B5EF4-FFF2-40B4-BE49-F238E27FC236}">
+                <a16:creationId xmlns:a16="http://schemas.microsoft.com/office/drawing/2014/main" id="{C438E661-536D-43E8-9F7A-C422DFC05BEB}"/>
+              </a:ext>
+            </a:extLst>
+          </p:cNvPr>
+          <p:cNvCxnSpPr>
+            <a:stCxn id="14" idx="2"/>
+            <a:endCxn id="16" idx="1"/>
+          </p:cNvCxnSpPr>
+          <p:nvPr/>
+        </p:nvCxnSpPr>
+        <p:spPr>
+          <a:xfrm rot="16200000" flipH="1">
+            <a:off x="809582" y="2834934"/>
+            <a:ext cx="2304256" cy="324036"/>
+          </a:xfrm>
+          <a:prstGeom prst="bentConnector2">
+            <a:avLst/>
+          </a:prstGeom>
+          <a:ln>
+            <a:solidFill>
+              <a:schemeClr val="tx1"/>
+            </a:solidFill>
+            <a:headEnd type="none" w="med" len="med"/>
+            <a:tailEnd type="triangle"/>
+          </a:ln>
+        </p:spPr>
+        <p:style>
+          <a:lnRef idx="1">
+            <a:schemeClr val="accent1"/>
+          </a:lnRef>
+          <a:fillRef idx="0">
+            <a:schemeClr val="accent1"/>
+          </a:fillRef>
+          <a:effectRef idx="0">
+            <a:schemeClr val="accent1"/>
+          </a:effectRef>
+          <a:fontRef idx="minor">
+            <a:schemeClr val="tx1"/>
+          </a:fontRef>
+        </p:style>
+      </p:cxnSp>
+      <p:sp>
+        <p:nvSpPr>
+          <p:cNvPr id="25" name="テキスト ボックス 24">
+            <a:extLst>
+              <a:ext uri="{FF2B5EF4-FFF2-40B4-BE49-F238E27FC236}">
+                <a16:creationId xmlns:a16="http://schemas.microsoft.com/office/drawing/2014/main" id="{083AF7BC-C4E1-410F-BD7E-4B253359D7B3}"/>
+              </a:ext>
+            </a:extLst>
+          </p:cNvPr>
+          <p:cNvSpPr txBox="1"/>
+          <p:nvPr/>
+        </p:nvSpPr>
+        <p:spPr>
+          <a:xfrm>
+            <a:off x="3275856" y="4653136"/>
+            <a:ext cx="5570756" cy="707886"/>
+          </a:xfrm>
+          <a:prstGeom prst="rect">
+            <a:avLst/>
+          </a:prstGeom>
+          <a:solidFill>
+            <a:schemeClr val="bg1"/>
+          </a:solidFill>
+          <a:ln>
+            <a:solidFill>
+              <a:schemeClr val="tx1"/>
+            </a:solidFill>
+          </a:ln>
+        </p:spPr>
+        <p:txBody>
+          <a:bodyPr wrap="none" rtlCol="0">
+            <a:spAutoFit/>
+          </a:bodyPr>
+          <a:lstStyle/>
+          <a:p>
+            <a:r>
+              <a:rPr kumimoji="1" lang="ja-JP" altLang="en-US" sz="2000" dirty="0"/>
+              <a:t>異なるデータ点で共通するデータを使っている</a:t>
+            </a:r>
+            <a:endParaRPr kumimoji="1" lang="en-US" altLang="ja-JP" sz="2000" dirty="0"/>
+          </a:p>
+          <a:p>
+            <a:r>
+              <a:rPr lang="ja-JP" altLang="en-US" sz="2000" dirty="0"/>
+              <a:t>→データ点が独立ではない</a:t>
+            </a:r>
+            <a:endParaRPr kumimoji="1" lang="ja-JP" altLang="en-US" sz="2000" dirty="0"/>
+          </a:p>
+        </p:txBody>
+      </p:sp>
+    </p:spTree>
+    <p:extLst>
+      <p:ext uri="{BB962C8B-B14F-4D97-AF65-F5344CB8AC3E}">
+        <p14:creationId xmlns:p14="http://schemas.microsoft.com/office/powerpoint/2010/main" val="3846125870"/>
+      </p:ext>
+    </p:extLst>
+  </p:cSld>
+  <p:clrMapOvr>
+    <a:masterClrMapping/>
+  </p:clrMapOvr>
+</p:sld>
+</file>
+
+<file path=ppt/slides/slide28.xml><?xml version="1.0" encoding="utf-8"?>
+<p:sld xmlns:a="http://schemas.openxmlformats.org/drawingml/2006/main" xmlns:r="http://schemas.openxmlformats.org/officeDocument/2006/relationships" xmlns:p="http://schemas.openxmlformats.org/presentationml/2006/main">
+  <p:cSld>
+    <p:spTree>
+      <p:nvGrpSpPr>
+        <p:cNvPr id="1" name=""/>
+        <p:cNvGrpSpPr/>
+        <p:nvPr/>
+      </p:nvGrpSpPr>
+      <p:grpSpPr>
+        <a:xfrm>
+          <a:off x="0" y="0"/>
+          <a:ext cx="0" cy="0"/>
+          <a:chOff x="0" y="0"/>
+          <a:chExt cx="0" cy="0"/>
+        </a:xfrm>
+      </p:grpSpPr>
+      <p:sp>
+        <p:nvSpPr>
+          <p:cNvPr id="2" name="テキスト プレースホルダー 1">
+            <a:extLst>
+              <a:ext uri="{FF2B5EF4-FFF2-40B4-BE49-F238E27FC236}">
+                <a16:creationId xmlns:a16="http://schemas.microsoft.com/office/drawing/2014/main" id="{303C01CA-E208-4519-95BA-D79808D292D5}"/>
+              </a:ext>
+            </a:extLst>
+          </p:cNvPr>
+          <p:cNvSpPr>
+            <a:spLocks noGrp="1"/>
+          </p:cNvSpPr>
+          <p:nvPr>
+            <p:ph type="body" sz="quarter" idx="10"/>
+          </p:nvPr>
+        </p:nvSpPr>
+        <p:spPr/>
+        <p:txBody>
+          <a:bodyPr/>
+          <a:lstStyle/>
+          <a:p>
+            <a:r>
+              <a:rPr lang="ja-JP" altLang="en-US" dirty="0"/>
+              <a:t>適切なグラフ</a:t>
+            </a:r>
+            <a:endParaRPr kumimoji="1" lang="ja-JP" altLang="en-US" dirty="0"/>
+          </a:p>
+        </p:txBody>
+      </p:sp>
+      <p:sp>
+        <p:nvSpPr>
+          <p:cNvPr id="4" name="テキスト ボックス 3">
+            <a:extLst>
+              <a:ext uri="{FF2B5EF4-FFF2-40B4-BE49-F238E27FC236}">
+                <a16:creationId xmlns:a16="http://schemas.microsoft.com/office/drawing/2014/main" id="{8EBB0359-A775-469F-8792-88484E6985F6}"/>
+              </a:ext>
+            </a:extLst>
+          </p:cNvPr>
+          <p:cNvSpPr txBox="1"/>
+          <p:nvPr/>
+        </p:nvSpPr>
+        <p:spPr>
+          <a:xfrm>
+            <a:off x="395536" y="1268760"/>
+            <a:ext cx="5715589" cy="3785652"/>
+          </a:xfrm>
+          <a:prstGeom prst="rect">
+            <a:avLst/>
+          </a:prstGeom>
+          <a:noFill/>
+          <a:ln>
+            <a:solidFill>
+              <a:schemeClr val="tx1"/>
+            </a:solidFill>
+          </a:ln>
+        </p:spPr>
+        <p:txBody>
+          <a:bodyPr wrap="square">
+            <a:spAutoFit/>
+          </a:bodyPr>
+          <a:lstStyle/>
+          <a:p>
+            <a:r>
+              <a:rPr lang="en-US" altLang="ja-JP" sz="2400" b="0" dirty="0">
+                <a:solidFill>
+                  <a:srgbClr val="0991B6"/>
+                </a:solidFill>
+                <a:effectLst/>
+                <a:latin typeface="Consolas" panose="020B0609020204030204" pitchFamily="49" charset="0"/>
+              </a:rPr>
+              <a:t>import</a:t>
+            </a:r>
+            <a:r>
+              <a:rPr lang="en-US" altLang="ja-JP" sz="2400" b="0" dirty="0">
+                <a:solidFill>
+                  <a:srgbClr val="0460B1"/>
+                </a:solidFill>
+                <a:effectLst/>
+                <a:latin typeface="Consolas" panose="020B0609020204030204" pitchFamily="49" charset="0"/>
+              </a:rPr>
+              <a:t> </a:t>
+            </a:r>
+            <a:r>
+              <a:rPr lang="en-US" altLang="ja-JP" sz="2400" b="0" dirty="0" err="1">
+                <a:solidFill>
+                  <a:srgbClr val="0460B1"/>
+                </a:solidFill>
+                <a:effectLst/>
+                <a:latin typeface="Consolas" panose="020B0609020204030204" pitchFamily="49" charset="0"/>
+              </a:rPr>
+              <a:t>numpy</a:t>
+            </a:r>
+            <a:r>
+              <a:rPr lang="en-US" altLang="ja-JP" sz="2400" b="0" dirty="0">
+                <a:solidFill>
+                  <a:srgbClr val="0460B1"/>
+                </a:solidFill>
+                <a:effectLst/>
+                <a:latin typeface="Consolas" panose="020B0609020204030204" pitchFamily="49" charset="0"/>
+              </a:rPr>
+              <a:t> </a:t>
+            </a:r>
+            <a:r>
+              <a:rPr lang="en-US" altLang="ja-JP" sz="2400" b="0" dirty="0">
+                <a:solidFill>
+                  <a:srgbClr val="0991B6"/>
+                </a:solidFill>
+                <a:effectLst/>
+                <a:latin typeface="Consolas" panose="020B0609020204030204" pitchFamily="49" charset="0"/>
+              </a:rPr>
+              <a:t>as</a:t>
+            </a:r>
+            <a:r>
+              <a:rPr lang="en-US" altLang="ja-JP" sz="2400" b="0" dirty="0">
+                <a:solidFill>
+                  <a:srgbClr val="0460B1"/>
+                </a:solidFill>
+                <a:effectLst/>
+                <a:latin typeface="Consolas" panose="020B0609020204030204" pitchFamily="49" charset="0"/>
+              </a:rPr>
+              <a:t> np</a:t>
+            </a:r>
+            <a:endParaRPr lang="en-US" altLang="ja-JP" sz="2400" b="0" dirty="0">
+              <a:solidFill>
+                <a:srgbClr val="236EBF"/>
+              </a:solidFill>
+              <a:effectLst/>
+              <a:latin typeface="Consolas" panose="020B0609020204030204" pitchFamily="49" charset="0"/>
+            </a:endParaRPr>
+          </a:p>
+          <a:p>
+            <a:br>
+              <a:rPr lang="en-US" altLang="ja-JP" sz="2400" b="0" dirty="0">
+                <a:solidFill>
+                  <a:srgbClr val="236EBF"/>
+                </a:solidFill>
+                <a:effectLst/>
+                <a:latin typeface="Consolas" panose="020B0609020204030204" pitchFamily="49" charset="0"/>
+              </a:rPr>
+            </a:br>
+            <a:r>
+              <a:rPr lang="en-US" altLang="ja-JP" sz="2400" b="0" dirty="0" err="1">
+                <a:solidFill>
+                  <a:srgbClr val="0460B1"/>
+                </a:solidFill>
+                <a:effectLst/>
+                <a:latin typeface="Consolas" panose="020B0609020204030204" pitchFamily="49" charset="0"/>
+              </a:rPr>
+              <a:t>np.random.seed</a:t>
+            </a:r>
+            <a:r>
+              <a:rPr lang="en-US" altLang="ja-JP" sz="2400" b="0" dirty="0">
+                <a:solidFill>
+                  <a:srgbClr val="0460B1"/>
+                </a:solidFill>
+                <a:effectLst/>
+                <a:latin typeface="Consolas" panose="020B0609020204030204" pitchFamily="49" charset="0"/>
+              </a:rPr>
+              <a:t>(</a:t>
+            </a:r>
+            <a:r>
+              <a:rPr lang="en-US" altLang="ja-JP" sz="2400" b="0" dirty="0">
+                <a:solidFill>
+                  <a:srgbClr val="174781"/>
+                </a:solidFill>
+                <a:effectLst/>
+                <a:latin typeface="Consolas" panose="020B0609020204030204" pitchFamily="49" charset="0"/>
+              </a:rPr>
+              <a:t>1</a:t>
+            </a:r>
+            <a:r>
+              <a:rPr lang="en-US" altLang="ja-JP" sz="2400" b="0" dirty="0">
+                <a:solidFill>
+                  <a:srgbClr val="0460B1"/>
+                </a:solidFill>
+                <a:effectLst/>
+                <a:latin typeface="Consolas" panose="020B0609020204030204" pitchFamily="49" charset="0"/>
+              </a:rPr>
+              <a:t>)</a:t>
+            </a:r>
+            <a:endParaRPr lang="en-US" altLang="ja-JP" sz="2400" b="0" dirty="0">
+              <a:solidFill>
+                <a:srgbClr val="236EBF"/>
+              </a:solidFill>
+              <a:effectLst/>
+              <a:latin typeface="Consolas" panose="020B0609020204030204" pitchFamily="49" charset="0"/>
+            </a:endParaRPr>
+          </a:p>
+          <a:p>
+            <a:r>
+              <a:rPr lang="en-US" altLang="ja-JP" sz="2400" b="0" dirty="0">
+                <a:solidFill>
+                  <a:srgbClr val="0460B1"/>
+                </a:solidFill>
+                <a:effectLst/>
+                <a:latin typeface="Consolas" panose="020B0609020204030204" pitchFamily="49" charset="0"/>
+              </a:rPr>
+              <a:t>N </a:t>
+            </a:r>
+            <a:r>
+              <a:rPr lang="en-US" altLang="ja-JP" sz="2400" b="0" dirty="0">
+                <a:solidFill>
+                  <a:srgbClr val="7B30D0"/>
+                </a:solidFill>
+                <a:effectLst/>
+                <a:latin typeface="Consolas" panose="020B0609020204030204" pitchFamily="49" charset="0"/>
+              </a:rPr>
+              <a:t>=</a:t>
+            </a:r>
+            <a:r>
+              <a:rPr lang="en-US" altLang="ja-JP" sz="2400" b="0" dirty="0">
+                <a:solidFill>
+                  <a:srgbClr val="0460B1"/>
+                </a:solidFill>
+                <a:effectLst/>
+                <a:latin typeface="Consolas" panose="020B0609020204030204" pitchFamily="49" charset="0"/>
+              </a:rPr>
+              <a:t> </a:t>
+            </a:r>
+            <a:r>
+              <a:rPr lang="en-US" altLang="ja-JP" sz="2400" b="0" dirty="0">
+                <a:solidFill>
+                  <a:srgbClr val="174781"/>
+                </a:solidFill>
+                <a:effectLst/>
+                <a:latin typeface="Consolas" panose="020B0609020204030204" pitchFamily="49" charset="0"/>
+              </a:rPr>
+              <a:t>2048</a:t>
+            </a:r>
+            <a:endParaRPr lang="en-US" altLang="ja-JP" sz="2400" b="0" dirty="0">
+              <a:solidFill>
+                <a:srgbClr val="236EBF"/>
+              </a:solidFill>
+              <a:effectLst/>
+              <a:latin typeface="Consolas" panose="020B0609020204030204" pitchFamily="49" charset="0"/>
+            </a:endParaRPr>
+          </a:p>
+          <a:p>
+            <a:r>
+              <a:rPr lang="en-US" altLang="ja-JP" sz="2400" b="0" dirty="0">
+                <a:solidFill>
+                  <a:srgbClr val="0991B6"/>
+                </a:solidFill>
+                <a:effectLst/>
+                <a:latin typeface="Consolas" panose="020B0609020204030204" pitchFamily="49" charset="0"/>
+              </a:rPr>
+              <a:t>for</a:t>
+            </a:r>
+            <a:r>
+              <a:rPr lang="en-US" altLang="ja-JP" sz="2400" b="0" dirty="0">
+                <a:solidFill>
+                  <a:srgbClr val="0460B1"/>
+                </a:solidFill>
+                <a:effectLst/>
+                <a:latin typeface="Consolas" panose="020B0609020204030204" pitchFamily="49" charset="0"/>
+              </a:rPr>
+              <a:t> </a:t>
+            </a:r>
+            <a:r>
+              <a:rPr lang="en-US" altLang="ja-JP" sz="2400" b="0" dirty="0" err="1">
+                <a:solidFill>
+                  <a:srgbClr val="0460B1"/>
+                </a:solidFill>
+                <a:effectLst/>
+                <a:latin typeface="Consolas" panose="020B0609020204030204" pitchFamily="49" charset="0"/>
+              </a:rPr>
+              <a:t>i</a:t>
+            </a:r>
+            <a:r>
+              <a:rPr lang="en-US" altLang="ja-JP" sz="2400" b="0" dirty="0">
+                <a:solidFill>
+                  <a:srgbClr val="0460B1"/>
+                </a:solidFill>
+                <a:effectLst/>
+                <a:latin typeface="Consolas" panose="020B0609020204030204" pitchFamily="49" charset="0"/>
+              </a:rPr>
+              <a:t> </a:t>
+            </a:r>
+            <a:r>
+              <a:rPr lang="en-US" altLang="ja-JP" sz="2400" b="0" dirty="0">
+                <a:solidFill>
+                  <a:srgbClr val="0991B6"/>
+                </a:solidFill>
+                <a:effectLst/>
+                <a:latin typeface="Consolas" panose="020B0609020204030204" pitchFamily="49" charset="0"/>
+              </a:rPr>
+              <a:t>in</a:t>
+            </a:r>
+            <a:r>
+              <a:rPr lang="en-US" altLang="ja-JP" sz="2400" b="0" dirty="0">
+                <a:solidFill>
+                  <a:srgbClr val="0460B1"/>
+                </a:solidFill>
+                <a:effectLst/>
+                <a:latin typeface="Consolas" panose="020B0609020204030204" pitchFamily="49" charset="0"/>
+              </a:rPr>
+              <a:t> </a:t>
+            </a:r>
+            <a:r>
+              <a:rPr lang="en-US" altLang="ja-JP" sz="2400" b="0" dirty="0">
+                <a:solidFill>
+                  <a:srgbClr val="08134A"/>
+                </a:solidFill>
+                <a:effectLst/>
+                <a:latin typeface="Consolas" panose="020B0609020204030204" pitchFamily="49" charset="0"/>
+              </a:rPr>
+              <a:t>range</a:t>
+            </a:r>
+            <a:r>
+              <a:rPr lang="en-US" altLang="ja-JP" sz="2400" b="0" dirty="0">
+                <a:solidFill>
+                  <a:srgbClr val="0460B1"/>
+                </a:solidFill>
+                <a:effectLst/>
+                <a:latin typeface="Consolas" panose="020B0609020204030204" pitchFamily="49" charset="0"/>
+              </a:rPr>
+              <a:t>(</a:t>
+            </a:r>
+            <a:r>
+              <a:rPr lang="en-US" altLang="ja-JP" sz="2400" b="0" dirty="0">
+                <a:solidFill>
+                  <a:srgbClr val="174781"/>
+                </a:solidFill>
+                <a:effectLst/>
+                <a:latin typeface="Consolas" panose="020B0609020204030204" pitchFamily="49" charset="0"/>
+              </a:rPr>
+              <a:t>4</a:t>
+            </a:r>
+            <a:r>
+              <a:rPr lang="en-US" altLang="ja-JP" sz="2400" b="0" dirty="0">
+                <a:solidFill>
+                  <a:srgbClr val="0460B1"/>
+                </a:solidFill>
+                <a:effectLst/>
+                <a:latin typeface="Consolas" panose="020B0609020204030204" pitchFamily="49" charset="0"/>
+              </a:rPr>
+              <a:t>, </a:t>
+            </a:r>
+            <a:r>
+              <a:rPr lang="en-US" altLang="ja-JP" sz="2400" b="0" dirty="0">
+                <a:solidFill>
+                  <a:srgbClr val="174781"/>
+                </a:solidFill>
+                <a:effectLst/>
+                <a:latin typeface="Consolas" panose="020B0609020204030204" pitchFamily="49" charset="0"/>
+              </a:rPr>
+              <a:t>12</a:t>
+            </a:r>
+            <a:r>
+              <a:rPr lang="en-US" altLang="ja-JP" sz="2400" b="0" dirty="0">
+                <a:solidFill>
+                  <a:srgbClr val="0460B1"/>
+                </a:solidFill>
+                <a:effectLst/>
+                <a:latin typeface="Consolas" panose="020B0609020204030204" pitchFamily="49" charset="0"/>
+              </a:rPr>
+              <a:t>):</a:t>
+            </a:r>
+            <a:endParaRPr lang="en-US" altLang="ja-JP" sz="2400" b="0" dirty="0">
+              <a:solidFill>
+                <a:srgbClr val="236EBF"/>
+              </a:solidFill>
+              <a:effectLst/>
+              <a:latin typeface="Consolas" panose="020B0609020204030204" pitchFamily="49" charset="0"/>
+            </a:endParaRPr>
+          </a:p>
+          <a:p>
+            <a:r>
+              <a:rPr lang="en-US" altLang="ja-JP" sz="2400" b="0" dirty="0">
+                <a:solidFill>
+                  <a:srgbClr val="0460B1"/>
+                </a:solidFill>
+                <a:effectLst/>
+                <a:latin typeface="Consolas" panose="020B0609020204030204" pitchFamily="49" charset="0"/>
+              </a:rPr>
+              <a:t>    n </a:t>
+            </a:r>
+            <a:r>
+              <a:rPr lang="en-US" altLang="ja-JP" sz="2400" b="0" dirty="0">
+                <a:solidFill>
+                  <a:srgbClr val="7B30D0"/>
+                </a:solidFill>
+                <a:effectLst/>
+                <a:latin typeface="Consolas" panose="020B0609020204030204" pitchFamily="49" charset="0"/>
+              </a:rPr>
+              <a:t>=</a:t>
+            </a:r>
+            <a:r>
+              <a:rPr lang="en-US" altLang="ja-JP" sz="2400" b="0" dirty="0">
+                <a:solidFill>
+                  <a:srgbClr val="0460B1"/>
+                </a:solidFill>
+                <a:effectLst/>
+                <a:latin typeface="Consolas" panose="020B0609020204030204" pitchFamily="49" charset="0"/>
+              </a:rPr>
+              <a:t> </a:t>
+            </a:r>
+            <a:r>
+              <a:rPr lang="en-US" altLang="ja-JP" sz="2400" b="0" dirty="0">
+                <a:solidFill>
+                  <a:srgbClr val="174781"/>
+                </a:solidFill>
+                <a:effectLst/>
+                <a:latin typeface="Consolas" panose="020B0609020204030204" pitchFamily="49" charset="0"/>
+              </a:rPr>
+              <a:t>2</a:t>
+            </a:r>
+            <a:r>
+              <a:rPr lang="en-US" altLang="ja-JP" sz="2400" b="0" dirty="0">
+                <a:solidFill>
+                  <a:srgbClr val="7B30D0"/>
+                </a:solidFill>
+                <a:effectLst/>
+                <a:latin typeface="Consolas" panose="020B0609020204030204" pitchFamily="49" charset="0"/>
+              </a:rPr>
+              <a:t>**</a:t>
+            </a:r>
+            <a:r>
+              <a:rPr lang="en-US" altLang="ja-JP" sz="2400" b="0" dirty="0" err="1">
+                <a:solidFill>
+                  <a:srgbClr val="0460B1"/>
+                </a:solidFill>
+                <a:effectLst/>
+                <a:latin typeface="Consolas" panose="020B0609020204030204" pitchFamily="49" charset="0"/>
+              </a:rPr>
+              <a:t>i</a:t>
+            </a:r>
+            <a:endParaRPr lang="en-US" altLang="ja-JP" sz="2400" b="0" dirty="0">
+              <a:solidFill>
+                <a:srgbClr val="236EBF"/>
+              </a:solidFill>
+              <a:effectLst/>
+              <a:latin typeface="Consolas" panose="020B0609020204030204" pitchFamily="49" charset="0"/>
+            </a:endParaRPr>
+          </a:p>
+          <a:p>
+            <a:r>
+              <a:rPr lang="en-US" altLang="ja-JP" sz="2400" b="0" dirty="0">
+                <a:solidFill>
+                  <a:srgbClr val="0460B1"/>
+                </a:solidFill>
+                <a:effectLst/>
+                <a:latin typeface="Consolas" panose="020B0609020204030204" pitchFamily="49" charset="0"/>
+              </a:rPr>
+              <a:t>    dd </a:t>
+            </a:r>
+            <a:r>
+              <a:rPr lang="en-US" altLang="ja-JP" sz="2400" b="0" dirty="0">
+                <a:solidFill>
+                  <a:srgbClr val="7B30D0"/>
+                </a:solidFill>
+                <a:effectLst/>
+                <a:latin typeface="Consolas" panose="020B0609020204030204" pitchFamily="49" charset="0"/>
+              </a:rPr>
+              <a:t>=</a:t>
+            </a:r>
+            <a:r>
+              <a:rPr lang="en-US" altLang="ja-JP" sz="2400" b="0" dirty="0">
+                <a:solidFill>
+                  <a:srgbClr val="0460B1"/>
+                </a:solidFill>
+                <a:effectLst/>
+                <a:latin typeface="Consolas" panose="020B0609020204030204" pitchFamily="49" charset="0"/>
+              </a:rPr>
+              <a:t> </a:t>
+            </a:r>
+            <a:r>
+              <a:rPr lang="en-US" altLang="ja-JP" sz="2400" b="0" dirty="0" err="1">
+                <a:solidFill>
+                  <a:srgbClr val="0460B1"/>
+                </a:solidFill>
+                <a:effectLst/>
+                <a:latin typeface="Consolas" panose="020B0609020204030204" pitchFamily="49" charset="0"/>
+              </a:rPr>
+              <a:t>np.random.random</a:t>
+            </a:r>
+            <a:r>
+              <a:rPr lang="en-US" altLang="ja-JP" sz="2400" b="0" dirty="0">
+                <a:solidFill>
+                  <a:srgbClr val="0460B1"/>
+                </a:solidFill>
+                <a:effectLst/>
+                <a:latin typeface="Consolas" panose="020B0609020204030204" pitchFamily="49" charset="0"/>
+              </a:rPr>
+              <a:t>(n)</a:t>
+            </a:r>
+            <a:endParaRPr lang="en-US" altLang="ja-JP" sz="2400" b="0" dirty="0">
+              <a:solidFill>
+                <a:srgbClr val="236EBF"/>
+              </a:solidFill>
+              <a:effectLst/>
+              <a:latin typeface="Consolas" panose="020B0609020204030204" pitchFamily="49" charset="0"/>
+            </a:endParaRPr>
+          </a:p>
+          <a:p>
+            <a:r>
+              <a:rPr lang="en-US" altLang="ja-JP" sz="2400" b="0" dirty="0">
+                <a:solidFill>
+                  <a:srgbClr val="0460B1"/>
+                </a:solidFill>
+                <a:effectLst/>
+                <a:latin typeface="Consolas" panose="020B0609020204030204" pitchFamily="49" charset="0"/>
+              </a:rPr>
+              <a:t>    </a:t>
+            </a:r>
+            <a:r>
+              <a:rPr lang="en-US" altLang="ja-JP" sz="2400" b="0" dirty="0" err="1">
+                <a:solidFill>
+                  <a:srgbClr val="0460B1"/>
+                </a:solidFill>
+                <a:effectLst/>
+                <a:latin typeface="Consolas" panose="020B0609020204030204" pitchFamily="49" charset="0"/>
+              </a:rPr>
+              <a:t>ave</a:t>
+            </a:r>
+            <a:r>
+              <a:rPr lang="en-US" altLang="ja-JP" sz="2400" b="0" dirty="0">
+                <a:solidFill>
+                  <a:srgbClr val="0460B1"/>
+                </a:solidFill>
+                <a:effectLst/>
+                <a:latin typeface="Consolas" panose="020B0609020204030204" pitchFamily="49" charset="0"/>
+              </a:rPr>
+              <a:t> </a:t>
+            </a:r>
+            <a:r>
+              <a:rPr lang="en-US" altLang="ja-JP" sz="2400" b="0" dirty="0">
+                <a:solidFill>
+                  <a:srgbClr val="7B30D0"/>
+                </a:solidFill>
+                <a:effectLst/>
+                <a:latin typeface="Consolas" panose="020B0609020204030204" pitchFamily="49" charset="0"/>
+              </a:rPr>
+              <a:t>=</a:t>
+            </a:r>
+            <a:r>
+              <a:rPr lang="en-US" altLang="ja-JP" sz="2400" b="0" dirty="0">
+                <a:solidFill>
+                  <a:srgbClr val="0460B1"/>
+                </a:solidFill>
+                <a:effectLst/>
+                <a:latin typeface="Consolas" panose="020B0609020204030204" pitchFamily="49" charset="0"/>
+              </a:rPr>
+              <a:t> </a:t>
+            </a:r>
+            <a:r>
+              <a:rPr lang="en-US" altLang="ja-JP" sz="2400" b="0" dirty="0" err="1">
+                <a:solidFill>
+                  <a:srgbClr val="0460B1"/>
+                </a:solidFill>
+                <a:effectLst/>
+                <a:latin typeface="Consolas" panose="020B0609020204030204" pitchFamily="49" charset="0"/>
+              </a:rPr>
+              <a:t>np.average</a:t>
+            </a:r>
+            <a:r>
+              <a:rPr lang="en-US" altLang="ja-JP" sz="2400" b="0" dirty="0">
+                <a:solidFill>
+                  <a:srgbClr val="0460B1"/>
+                </a:solidFill>
+                <a:effectLst/>
+                <a:latin typeface="Consolas" panose="020B0609020204030204" pitchFamily="49" charset="0"/>
+              </a:rPr>
+              <a:t>(dd)</a:t>
+            </a:r>
+            <a:endParaRPr lang="en-US" altLang="ja-JP" sz="2400" b="0" dirty="0">
+              <a:solidFill>
+                <a:srgbClr val="236EBF"/>
+              </a:solidFill>
+              <a:effectLst/>
+              <a:latin typeface="Consolas" panose="020B0609020204030204" pitchFamily="49" charset="0"/>
+            </a:endParaRPr>
+          </a:p>
+          <a:p>
+            <a:r>
+              <a:rPr lang="en-US" altLang="ja-JP" sz="2400" b="0" dirty="0">
+                <a:solidFill>
+                  <a:srgbClr val="0460B1"/>
+                </a:solidFill>
+                <a:effectLst/>
+                <a:latin typeface="Consolas" panose="020B0609020204030204" pitchFamily="49" charset="0"/>
+              </a:rPr>
+              <a:t>    err </a:t>
+            </a:r>
+            <a:r>
+              <a:rPr lang="en-US" altLang="ja-JP" sz="2400" b="0" dirty="0">
+                <a:solidFill>
+                  <a:srgbClr val="7B30D0"/>
+                </a:solidFill>
+                <a:effectLst/>
+                <a:latin typeface="Consolas" panose="020B0609020204030204" pitchFamily="49" charset="0"/>
+              </a:rPr>
+              <a:t>=</a:t>
+            </a:r>
+            <a:r>
+              <a:rPr lang="en-US" altLang="ja-JP" sz="2400" b="0" dirty="0">
+                <a:solidFill>
+                  <a:srgbClr val="0460B1"/>
+                </a:solidFill>
+                <a:effectLst/>
+                <a:latin typeface="Consolas" panose="020B0609020204030204" pitchFamily="49" charset="0"/>
+              </a:rPr>
+              <a:t> </a:t>
+            </a:r>
+            <a:r>
+              <a:rPr lang="en-US" altLang="ja-JP" sz="2400" b="0" dirty="0" err="1">
+                <a:solidFill>
+                  <a:srgbClr val="0460B1"/>
+                </a:solidFill>
+                <a:effectLst/>
+                <a:latin typeface="Consolas" panose="020B0609020204030204" pitchFamily="49" charset="0"/>
+              </a:rPr>
+              <a:t>np.std</a:t>
+            </a:r>
+            <a:r>
+              <a:rPr lang="en-US" altLang="ja-JP" sz="2400" b="0" dirty="0">
+                <a:solidFill>
+                  <a:srgbClr val="0460B1"/>
+                </a:solidFill>
+                <a:effectLst/>
+                <a:latin typeface="Consolas" panose="020B0609020204030204" pitchFamily="49" charset="0"/>
+              </a:rPr>
+              <a:t>(dd)</a:t>
+            </a:r>
+            <a:r>
+              <a:rPr lang="en-US" altLang="ja-JP" sz="2400" b="0" dirty="0">
+                <a:solidFill>
+                  <a:srgbClr val="7B30D0"/>
+                </a:solidFill>
+                <a:effectLst/>
+                <a:latin typeface="Consolas" panose="020B0609020204030204" pitchFamily="49" charset="0"/>
+              </a:rPr>
+              <a:t>/</a:t>
+            </a:r>
+            <a:r>
+              <a:rPr lang="en-US" altLang="ja-JP" sz="2400" b="0" dirty="0" err="1">
+                <a:solidFill>
+                  <a:srgbClr val="0460B1"/>
+                </a:solidFill>
+                <a:effectLst/>
+                <a:latin typeface="Consolas" panose="020B0609020204030204" pitchFamily="49" charset="0"/>
+              </a:rPr>
+              <a:t>np.sqrt</a:t>
+            </a:r>
+            <a:r>
+              <a:rPr lang="en-US" altLang="ja-JP" sz="2400" b="0" dirty="0">
+                <a:solidFill>
+                  <a:srgbClr val="0460B1"/>
+                </a:solidFill>
+                <a:effectLst/>
+                <a:latin typeface="Consolas" panose="020B0609020204030204" pitchFamily="49" charset="0"/>
+              </a:rPr>
+              <a:t>(n)</a:t>
+            </a:r>
+            <a:endParaRPr lang="en-US" altLang="ja-JP" sz="2400" b="0" dirty="0">
+              <a:solidFill>
+                <a:srgbClr val="236EBF"/>
+              </a:solidFill>
+              <a:effectLst/>
+              <a:latin typeface="Consolas" panose="020B0609020204030204" pitchFamily="49" charset="0"/>
+            </a:endParaRPr>
+          </a:p>
+          <a:p>
+            <a:r>
+              <a:rPr lang="en-US" altLang="ja-JP" sz="2400" b="0" dirty="0">
+                <a:solidFill>
+                  <a:srgbClr val="0460B1"/>
+                </a:solidFill>
+                <a:effectLst/>
+                <a:latin typeface="Consolas" panose="020B0609020204030204" pitchFamily="49" charset="0"/>
+              </a:rPr>
+              <a:t>    </a:t>
+            </a:r>
+            <a:r>
+              <a:rPr lang="en-US" altLang="ja-JP" sz="2400" b="0" dirty="0">
+                <a:solidFill>
+                  <a:srgbClr val="08134A"/>
+                </a:solidFill>
+                <a:effectLst/>
+                <a:latin typeface="Consolas" panose="020B0609020204030204" pitchFamily="49" charset="0"/>
+              </a:rPr>
+              <a:t>print</a:t>
+            </a:r>
+            <a:r>
+              <a:rPr lang="en-US" altLang="ja-JP" sz="2400" b="0" dirty="0">
+                <a:solidFill>
+                  <a:srgbClr val="0460B1"/>
+                </a:solidFill>
+                <a:effectLst/>
+                <a:latin typeface="Consolas" panose="020B0609020204030204" pitchFamily="49" charset="0"/>
+              </a:rPr>
+              <a:t>(</a:t>
+            </a:r>
+            <a:r>
+              <a:rPr lang="en-US" altLang="ja-JP" sz="2400" b="0" dirty="0">
+                <a:solidFill>
+                  <a:srgbClr val="0991B6"/>
+                </a:solidFill>
+                <a:effectLst/>
+                <a:latin typeface="Consolas" panose="020B0609020204030204" pitchFamily="49" charset="0"/>
+              </a:rPr>
+              <a:t>f</a:t>
+            </a:r>
+            <a:r>
+              <a:rPr lang="en-US" altLang="ja-JP" sz="2400" b="0" dirty="0">
+                <a:solidFill>
+                  <a:srgbClr val="A44185"/>
+                </a:solidFill>
+                <a:effectLst/>
+                <a:latin typeface="Consolas" panose="020B0609020204030204" pitchFamily="49" charset="0"/>
+              </a:rPr>
+              <a:t>"</a:t>
+            </a:r>
+            <a:r>
+              <a:rPr lang="en-US" altLang="ja-JP" sz="2400" b="0" dirty="0">
+                <a:solidFill>
+                  <a:srgbClr val="2970C7"/>
+                </a:solidFill>
+                <a:effectLst/>
+                <a:latin typeface="Consolas" panose="020B0609020204030204" pitchFamily="49" charset="0"/>
+              </a:rPr>
+              <a:t>{</a:t>
+            </a:r>
+            <a:r>
+              <a:rPr lang="en-US" altLang="ja-JP" sz="2400" b="0" dirty="0">
+                <a:solidFill>
+                  <a:srgbClr val="0460B1"/>
+                </a:solidFill>
+                <a:effectLst/>
+                <a:latin typeface="Consolas" panose="020B0609020204030204" pitchFamily="49" charset="0"/>
+              </a:rPr>
+              <a:t>n</a:t>
+            </a:r>
+            <a:r>
+              <a:rPr lang="en-US" altLang="ja-JP" sz="2400" b="0" dirty="0">
+                <a:solidFill>
+                  <a:srgbClr val="2970C7"/>
+                </a:solidFill>
+                <a:effectLst/>
+                <a:latin typeface="Consolas" panose="020B0609020204030204" pitchFamily="49" charset="0"/>
+              </a:rPr>
+              <a:t>}</a:t>
+            </a:r>
+            <a:r>
+              <a:rPr lang="en-US" altLang="ja-JP" sz="2400" b="0" dirty="0">
+                <a:solidFill>
+                  <a:srgbClr val="A44185"/>
+                </a:solidFill>
+                <a:effectLst/>
+                <a:latin typeface="Consolas" panose="020B0609020204030204" pitchFamily="49" charset="0"/>
+              </a:rPr>
+              <a:t> </a:t>
+            </a:r>
+            <a:r>
+              <a:rPr lang="en-US" altLang="ja-JP" sz="2400" b="0" dirty="0">
+                <a:solidFill>
+                  <a:srgbClr val="2970C7"/>
+                </a:solidFill>
+                <a:effectLst/>
+                <a:latin typeface="Consolas" panose="020B0609020204030204" pitchFamily="49" charset="0"/>
+              </a:rPr>
+              <a:t>{</a:t>
+            </a:r>
+            <a:r>
+              <a:rPr lang="en-US" altLang="ja-JP" sz="2400" b="0" dirty="0" err="1">
+                <a:solidFill>
+                  <a:srgbClr val="0460B1"/>
+                </a:solidFill>
+                <a:effectLst/>
+                <a:latin typeface="Consolas" panose="020B0609020204030204" pitchFamily="49" charset="0"/>
+              </a:rPr>
+              <a:t>ave</a:t>
+            </a:r>
+            <a:r>
+              <a:rPr lang="en-US" altLang="ja-JP" sz="2400" b="0" dirty="0">
+                <a:solidFill>
+                  <a:srgbClr val="2970C7"/>
+                </a:solidFill>
+                <a:effectLst/>
+                <a:latin typeface="Consolas" panose="020B0609020204030204" pitchFamily="49" charset="0"/>
+              </a:rPr>
+              <a:t>}</a:t>
+            </a:r>
+            <a:r>
+              <a:rPr lang="en-US" altLang="ja-JP" sz="2400" b="0" dirty="0">
+                <a:solidFill>
+                  <a:srgbClr val="A44185"/>
+                </a:solidFill>
+                <a:effectLst/>
+                <a:latin typeface="Consolas" panose="020B0609020204030204" pitchFamily="49" charset="0"/>
+              </a:rPr>
+              <a:t> </a:t>
+            </a:r>
+            <a:r>
+              <a:rPr lang="en-US" altLang="ja-JP" sz="2400" b="0" dirty="0">
+                <a:solidFill>
+                  <a:srgbClr val="2970C7"/>
+                </a:solidFill>
+                <a:effectLst/>
+                <a:latin typeface="Consolas" panose="020B0609020204030204" pitchFamily="49" charset="0"/>
+              </a:rPr>
+              <a:t>{</a:t>
+            </a:r>
+            <a:r>
+              <a:rPr lang="en-US" altLang="ja-JP" sz="2400" b="0" dirty="0">
+                <a:solidFill>
+                  <a:srgbClr val="0460B1"/>
+                </a:solidFill>
+                <a:effectLst/>
+                <a:latin typeface="Consolas" panose="020B0609020204030204" pitchFamily="49" charset="0"/>
+              </a:rPr>
+              <a:t>err</a:t>
+            </a:r>
+            <a:r>
+              <a:rPr lang="en-US" altLang="ja-JP" sz="2400" b="0" dirty="0">
+                <a:solidFill>
+                  <a:srgbClr val="2970C7"/>
+                </a:solidFill>
+                <a:effectLst/>
+                <a:latin typeface="Consolas" panose="020B0609020204030204" pitchFamily="49" charset="0"/>
+              </a:rPr>
+              <a:t>}</a:t>
+            </a:r>
+            <a:r>
+              <a:rPr lang="en-US" altLang="ja-JP" sz="2400" b="0" dirty="0">
+                <a:solidFill>
+                  <a:srgbClr val="A44185"/>
+                </a:solidFill>
+                <a:effectLst/>
+                <a:latin typeface="Consolas" panose="020B0609020204030204" pitchFamily="49" charset="0"/>
+              </a:rPr>
+              <a:t>"</a:t>
+            </a:r>
+            <a:r>
+              <a:rPr lang="en-US" altLang="ja-JP" sz="2400" b="0" dirty="0">
+                <a:solidFill>
+                  <a:srgbClr val="0460B1"/>
+                </a:solidFill>
+                <a:effectLst/>
+                <a:latin typeface="Consolas" panose="020B0609020204030204" pitchFamily="49" charset="0"/>
+              </a:rPr>
+              <a:t>)</a:t>
+            </a:r>
+            <a:endParaRPr lang="en-US" altLang="ja-JP" sz="2400" b="0" dirty="0">
+              <a:solidFill>
+                <a:srgbClr val="236EBF"/>
+              </a:solidFill>
+              <a:effectLst/>
+              <a:latin typeface="Consolas" panose="020B0609020204030204" pitchFamily="49" charset="0"/>
+            </a:endParaRPr>
+          </a:p>
+        </p:txBody>
+      </p:sp>
+      <p:sp>
+        <p:nvSpPr>
+          <p:cNvPr id="5" name="四角形: 角を丸くする 4">
+            <a:extLst>
+              <a:ext uri="{FF2B5EF4-FFF2-40B4-BE49-F238E27FC236}">
+                <a16:creationId xmlns:a16="http://schemas.microsoft.com/office/drawing/2014/main" id="{F2110B5F-11FB-40C7-A1AA-A6BAB898F512}"/>
+              </a:ext>
+            </a:extLst>
+          </p:cNvPr>
+          <p:cNvSpPr/>
+          <p:nvPr/>
+        </p:nvSpPr>
+        <p:spPr>
+          <a:xfrm>
+            <a:off x="1907704" y="3501008"/>
+            <a:ext cx="3672408" cy="360040"/>
+          </a:xfrm>
+          <a:prstGeom prst="roundRect">
+            <a:avLst/>
+          </a:prstGeom>
+          <a:noFill/>
+          <a:ln w="28575">
+            <a:solidFill>
+              <a:srgbClr val="FF0000"/>
+            </a:solidFill>
+            <a:prstDash val="dash"/>
+          </a:ln>
+        </p:spPr>
+        <p:style>
+          <a:lnRef idx="2">
+            <a:schemeClr val="accent1">
+              <a:shade val="50000"/>
+            </a:schemeClr>
+          </a:lnRef>
+          <a:fillRef idx="1">
+            <a:schemeClr val="accent1"/>
+          </a:fillRef>
+          <a:effectRef idx="0">
+            <a:schemeClr val="accent1"/>
+          </a:effectRef>
+          <a:fontRef idx="minor">
+            <a:schemeClr val="lt1"/>
+          </a:fontRef>
+        </p:style>
+        <p:txBody>
+          <a:bodyPr rtlCol="0" anchor="ctr"/>
+          <a:lstStyle/>
+          <a:p>
+            <a:pPr algn="ctr"/>
+            <a:endParaRPr kumimoji="1" lang="ja-JP" altLang="en-US"/>
+          </a:p>
+        </p:txBody>
+      </p:sp>
+      <p:sp>
+        <p:nvSpPr>
+          <p:cNvPr id="6" name="テキスト ボックス 5">
+            <a:extLst>
+              <a:ext uri="{FF2B5EF4-FFF2-40B4-BE49-F238E27FC236}">
+                <a16:creationId xmlns:a16="http://schemas.microsoft.com/office/drawing/2014/main" id="{13AD5AA7-F188-4057-9343-B8BC23FA8127}"/>
+              </a:ext>
+            </a:extLst>
+          </p:cNvPr>
+          <p:cNvSpPr txBox="1"/>
+          <p:nvPr/>
+        </p:nvSpPr>
+        <p:spPr>
+          <a:xfrm>
+            <a:off x="4355976" y="1772816"/>
+            <a:ext cx="4185761" cy="830997"/>
+          </a:xfrm>
+          <a:prstGeom prst="rect">
+            <a:avLst/>
+          </a:prstGeom>
+          <a:solidFill>
+            <a:schemeClr val="bg1"/>
+          </a:solidFill>
+          <a:ln>
+            <a:solidFill>
+              <a:schemeClr val="tx1"/>
+            </a:solidFill>
+          </a:ln>
+        </p:spPr>
+        <p:txBody>
+          <a:bodyPr wrap="none" rtlCol="0">
+            <a:spAutoFit/>
+          </a:bodyPr>
+          <a:lstStyle/>
+          <a:p>
+            <a:r>
+              <a:rPr kumimoji="1" lang="ja-JP" altLang="en-US" sz="2400" dirty="0"/>
+              <a:t>データ点ごとに異なる</a:t>
+            </a:r>
+            <a:endParaRPr kumimoji="1" lang="en-US" altLang="ja-JP" sz="2400" dirty="0"/>
+          </a:p>
+          <a:p>
+            <a:r>
+              <a:rPr kumimoji="1" lang="ja-JP" altLang="en-US" sz="2400" dirty="0"/>
+              <a:t>データセットを</a:t>
+            </a:r>
+            <a:r>
+              <a:rPr lang="ja-JP" altLang="en-US" sz="2400" dirty="0"/>
+              <a:t>生成している</a:t>
+            </a:r>
+            <a:endParaRPr kumimoji="1" lang="ja-JP" altLang="en-US" sz="2400" dirty="0"/>
+          </a:p>
+        </p:txBody>
+      </p:sp>
+      <p:cxnSp>
+        <p:nvCxnSpPr>
+          <p:cNvPr id="7" name="コネクタ: カギ線 6">
+            <a:extLst>
+              <a:ext uri="{FF2B5EF4-FFF2-40B4-BE49-F238E27FC236}">
+                <a16:creationId xmlns:a16="http://schemas.microsoft.com/office/drawing/2014/main" id="{CD1DA612-29C3-4993-8D66-E5C84D6A8B0A}"/>
+              </a:ext>
+            </a:extLst>
+          </p:cNvPr>
+          <p:cNvCxnSpPr>
+            <a:cxnSpLocks/>
+            <a:stCxn id="6" idx="2"/>
+            <a:endCxn id="5" idx="3"/>
+          </p:cNvCxnSpPr>
+          <p:nvPr/>
+        </p:nvCxnSpPr>
+        <p:spPr>
+          <a:xfrm rot="5400000">
+            <a:off x="5475878" y="2708048"/>
+            <a:ext cx="1077215" cy="868745"/>
+          </a:xfrm>
+          <a:prstGeom prst="bentConnector2">
+            <a:avLst/>
+          </a:prstGeom>
+          <a:ln>
+            <a:solidFill>
+              <a:schemeClr val="tx1"/>
+            </a:solidFill>
+            <a:headEnd type="none" w="med" len="med"/>
+            <a:tailEnd type="triangle"/>
+          </a:ln>
+        </p:spPr>
+        <p:style>
+          <a:lnRef idx="1">
+            <a:schemeClr val="accent1"/>
+          </a:lnRef>
+          <a:fillRef idx="0">
+            <a:schemeClr val="accent1"/>
+          </a:fillRef>
+          <a:effectRef idx="0">
+            <a:schemeClr val="accent1"/>
+          </a:effectRef>
+          <a:fontRef idx="minor">
+            <a:schemeClr val="tx1"/>
+          </a:fontRef>
+        </p:style>
+      </p:cxnSp>
+    </p:spTree>
+    <p:extLst>
+      <p:ext uri="{BB962C8B-B14F-4D97-AF65-F5344CB8AC3E}">
+        <p14:creationId xmlns:p14="http://schemas.microsoft.com/office/powerpoint/2010/main" val="3651506352"/>
+      </p:ext>
+    </p:extLst>
+  </p:cSld>
+  <p:clrMapOvr>
+    <a:masterClrMapping/>
+  </p:clrMapOvr>
+</p:sld>
+</file>
+
+<file path=ppt/slides/slide29.xml><?xml version="1.0" encoding="utf-8"?>
+<p:sld xmlns:a="http://schemas.openxmlformats.org/drawingml/2006/main" xmlns:r="http://schemas.openxmlformats.org/officeDocument/2006/relationships" xmlns:p="http://schemas.openxmlformats.org/presentationml/2006/main">
+  <p:cSld>
+    <p:spTree>
+      <p:nvGrpSpPr>
+        <p:cNvPr id="1" name=""/>
+        <p:cNvGrpSpPr/>
+        <p:nvPr/>
+      </p:nvGrpSpPr>
+      <p:grpSpPr>
+        <a:xfrm>
+          <a:off x="0" y="0"/>
+          <a:ext cx="0" cy="0"/>
+          <a:chOff x="0" y="0"/>
+          <a:chExt cx="0" cy="0"/>
+        </a:xfrm>
+      </p:grpSpPr>
+      <p:sp>
+        <p:nvSpPr>
+          <p:cNvPr id="2" name="テキスト プレースホルダー 1">
+            <a:extLst>
+              <a:ext uri="{FF2B5EF4-FFF2-40B4-BE49-F238E27FC236}">
+                <a16:creationId xmlns:a16="http://schemas.microsoft.com/office/drawing/2014/main" id="{8FCF84BD-FE03-4459-8800-450B1F4B7372}"/>
+              </a:ext>
+            </a:extLst>
+          </p:cNvPr>
+          <p:cNvSpPr>
+            <a:spLocks noGrp="1"/>
+          </p:cNvSpPr>
+          <p:nvPr>
+            <p:ph type="body" sz="quarter" idx="10"/>
+          </p:nvPr>
+        </p:nvSpPr>
+        <p:spPr/>
+        <p:txBody>
+          <a:bodyPr/>
+          <a:lstStyle/>
+          <a:p>
+            <a:r>
+              <a:rPr lang="ja-JP" altLang="en-US" dirty="0"/>
+              <a:t>適切なグラフ</a:t>
+            </a:r>
+            <a:endParaRPr kumimoji="1" lang="ja-JP" altLang="en-US" dirty="0"/>
+          </a:p>
+        </p:txBody>
+      </p:sp>
+      <p:pic>
+        <p:nvPicPr>
+          <p:cNvPr id="4" name="図 3">
+            <a:extLst>
+              <a:ext uri="{FF2B5EF4-FFF2-40B4-BE49-F238E27FC236}">
+                <a16:creationId xmlns:a16="http://schemas.microsoft.com/office/drawing/2014/main" id="{340BF8CC-BBAF-44AE-9727-6F4E271B7213}"/>
+              </a:ext>
+            </a:extLst>
+          </p:cNvPr>
+          <p:cNvPicPr>
+            <a:picLocks noChangeAspect="1"/>
+          </p:cNvPicPr>
+          <p:nvPr/>
+        </p:nvPicPr>
+        <p:blipFill>
+          <a:blip r:embed="rId2">
+            <a:extLst>
+              <a:ext uri="{28A0092B-C50C-407E-A947-70E740481C1C}">
+                <a14:useLocalDpi xmlns:a14="http://schemas.microsoft.com/office/drawing/2010/main" val="0"/>
+              </a:ext>
+            </a:extLst>
+          </a:blip>
+          <a:stretch>
+            <a:fillRect/>
+          </a:stretch>
+        </p:blipFill>
+        <p:spPr>
+          <a:xfrm>
+            <a:off x="971600" y="1124744"/>
+            <a:ext cx="6480720" cy="4860540"/>
+          </a:xfrm>
+          <a:prstGeom prst="rect">
+            <a:avLst/>
+          </a:prstGeom>
+        </p:spPr>
+      </p:pic>
+      <p:sp>
+        <p:nvSpPr>
+          <p:cNvPr id="5" name="テキスト ボックス 4">
+            <a:extLst>
+              <a:ext uri="{FF2B5EF4-FFF2-40B4-BE49-F238E27FC236}">
+                <a16:creationId xmlns:a16="http://schemas.microsoft.com/office/drawing/2014/main" id="{359F670A-EA6F-4F07-AC30-26B389C52A4A}"/>
+              </a:ext>
+            </a:extLst>
+          </p:cNvPr>
+          <p:cNvSpPr txBox="1"/>
+          <p:nvPr/>
+        </p:nvSpPr>
+        <p:spPr>
+          <a:xfrm>
+            <a:off x="611560" y="6237312"/>
+            <a:ext cx="7109639" cy="400110"/>
+          </a:xfrm>
+          <a:prstGeom prst="rect">
+            <a:avLst/>
+          </a:prstGeom>
+          <a:noFill/>
+        </p:spPr>
+        <p:txBody>
+          <a:bodyPr wrap="none" rtlCol="0">
+            <a:spAutoFit/>
+          </a:bodyPr>
+          <a:lstStyle/>
+          <a:p>
+            <a:r>
+              <a:rPr kumimoji="1" lang="ja-JP" altLang="en-US" sz="2000" dirty="0"/>
+              <a:t>「真の値」の両側に均等にばらついており、もっともらしい</a:t>
+            </a:r>
+          </a:p>
+        </p:txBody>
+      </p:sp>
+    </p:spTree>
+    <p:extLst>
+      <p:ext uri="{BB962C8B-B14F-4D97-AF65-F5344CB8AC3E}">
+        <p14:creationId xmlns:p14="http://schemas.microsoft.com/office/powerpoint/2010/main" val="2702643619"/>
       </p:ext>
     </p:extLst>
   </p:cSld>

--- a/03_mc_advanced/simulation03.pptx
+++ b/03_mc_advanced/simulation03.pptx
@@ -5,7 +5,7 @@
     <p:sldMasterId id="2147483665" r:id="rId1"/>
   </p:sldMasterIdLst>
   <p:notesMasterIdLst>
-    <p:notesMasterId r:id="rId31"/>
+    <p:notesMasterId r:id="rId41"/>
   </p:notesMasterIdLst>
   <p:sldIdLst>
     <p:sldId id="256" r:id="rId2"/>
@@ -37,6 +37,16 @@
     <p:sldId id="364" r:id="rId28"/>
     <p:sldId id="365" r:id="rId29"/>
     <p:sldId id="366" r:id="rId30"/>
+    <p:sldId id="367" r:id="rId31"/>
+    <p:sldId id="368" r:id="rId32"/>
+    <p:sldId id="369" r:id="rId33"/>
+    <p:sldId id="370" r:id="rId34"/>
+    <p:sldId id="371" r:id="rId35"/>
+    <p:sldId id="372" r:id="rId36"/>
+    <p:sldId id="373" r:id="rId37"/>
+    <p:sldId id="374" r:id="rId38"/>
+    <p:sldId id="375" r:id="rId39"/>
+    <p:sldId id="376" r:id="rId40"/>
   </p:sldIdLst>
   <p:sldSz cx="9144000" cy="6858000" type="screen4x3"/>
   <p:notesSz cx="6858000" cy="9144000"/>
@@ -847,6 +857,90 @@
     <p:extLst>
       <p:ext uri="{BB962C8B-B14F-4D97-AF65-F5344CB8AC3E}">
         <p14:creationId xmlns:p14="http://schemas.microsoft.com/office/powerpoint/2010/main" val="181306870"/>
+      </p:ext>
+    </p:extLst>
+  </p:cSld>
+  <p:clrMapOvr>
+    <a:masterClrMapping/>
+  </p:clrMapOvr>
+</p:notes>
+</file>
+
+<file path=ppt/notesSlides/notesSlide5.xml><?xml version="1.0" encoding="utf-8"?>
+<p:notes xmlns:a="http://schemas.openxmlformats.org/drawingml/2006/main" xmlns:r="http://schemas.openxmlformats.org/officeDocument/2006/relationships" xmlns:p="http://schemas.openxmlformats.org/presentationml/2006/main">
+  <p:cSld>
+    <p:spTree>
+      <p:nvGrpSpPr>
+        <p:cNvPr id="1" name=""/>
+        <p:cNvGrpSpPr/>
+        <p:nvPr/>
+      </p:nvGrpSpPr>
+      <p:grpSpPr>
+        <a:xfrm>
+          <a:off x="0" y="0"/>
+          <a:ext cx="0" cy="0"/>
+          <a:chOff x="0" y="0"/>
+          <a:chExt cx="0" cy="0"/>
+        </a:xfrm>
+      </p:grpSpPr>
+      <p:sp>
+        <p:nvSpPr>
+          <p:cNvPr id="2" name="スライド イメージ プレースホルダー 1"/>
+          <p:cNvSpPr>
+            <a:spLocks noGrp="1" noRot="1" noChangeAspect="1"/>
+          </p:cNvSpPr>
+          <p:nvPr>
+            <p:ph type="sldImg"/>
+          </p:nvPr>
+        </p:nvSpPr>
+        <p:spPr/>
+      </p:sp>
+      <p:sp>
+        <p:nvSpPr>
+          <p:cNvPr id="3" name="ノート プレースホルダー 2"/>
+          <p:cNvSpPr>
+            <a:spLocks noGrp="1"/>
+          </p:cNvSpPr>
+          <p:nvPr>
+            <p:ph type="body" idx="1"/>
+          </p:nvPr>
+        </p:nvSpPr>
+        <p:spPr/>
+        <p:txBody>
+          <a:bodyPr/>
+          <a:lstStyle/>
+          <a:p>
+            <a:endParaRPr kumimoji="1" lang="ja-JP" altLang="en-US" dirty="0"/>
+          </a:p>
+        </p:txBody>
+      </p:sp>
+      <p:sp>
+        <p:nvSpPr>
+          <p:cNvPr id="4" name="スライド番号プレースホルダー 3"/>
+          <p:cNvSpPr>
+            <a:spLocks noGrp="1"/>
+          </p:cNvSpPr>
+          <p:nvPr>
+            <p:ph type="sldNum" sz="quarter" idx="5"/>
+          </p:nvPr>
+        </p:nvSpPr>
+        <p:spPr/>
+        <p:txBody>
+          <a:bodyPr/>
+          <a:lstStyle/>
+          <a:p>
+            <a:fld id="{3DFA746F-AF1F-C048-A2ED-B38EF01E9631}" type="slidenum">
+              <a:rPr lang="en-US" altLang="ja-JP" smtClean="0"/>
+              <a:t>34</a:t>
+            </a:fld>
+            <a:endParaRPr kumimoji="1" lang="ja-JP" altLang="en-US"/>
+          </a:p>
+        </p:txBody>
+      </p:sp>
+    </p:spTree>
+    <p:extLst>
+      <p:ext uri="{BB962C8B-B14F-4D97-AF65-F5344CB8AC3E}">
+        <p14:creationId xmlns:p14="http://schemas.microsoft.com/office/powerpoint/2010/main" val="601941551"/>
       </p:ext>
     </p:extLst>
   </p:cSld>
@@ -13923,7 +14017,7 @@
         </p:nvSpPr>
         <p:spPr>
           <a:xfrm>
-            <a:off x="395536" y="1268760"/>
+            <a:off x="395536" y="1988840"/>
             <a:ext cx="5715589" cy="3785652"/>
           </a:xfrm>
           <a:prstGeom prst="rect">
@@ -14747,7 +14841,7 @@
         </p:nvSpPr>
         <p:spPr>
           <a:xfrm>
-            <a:off x="1907704" y="3501008"/>
+            <a:off x="1907704" y="4221088"/>
             <a:ext cx="3672408" cy="360040"/>
           </a:xfrm>
           <a:prstGeom prst="roundRect">
@@ -14800,7 +14894,7 @@
         </p:nvSpPr>
         <p:spPr>
           <a:xfrm>
-            <a:off x="4355976" y="1772816"/>
+            <a:off x="4355976" y="2492896"/>
             <a:ext cx="4185761" cy="830997"/>
           </a:xfrm>
           <a:prstGeom prst="rect">
@@ -14858,7 +14952,7 @@
         </p:nvCxnSpPr>
         <p:spPr>
           <a:xfrm rot="5400000">
-            <a:off x="5475878" y="2708048"/>
+            <a:off x="5475878" y="3428128"/>
             <a:ext cx="1077215" cy="868745"/>
           </a:xfrm>
           <a:prstGeom prst="bentConnector2">
@@ -14887,6 +14981,46 @@
           </a:fontRef>
         </p:style>
       </p:cxnSp>
+      <p:sp>
+        <p:nvSpPr>
+          <p:cNvPr id="12" name="テキスト ボックス 11">
+            <a:extLst>
+              <a:ext uri="{FF2B5EF4-FFF2-40B4-BE49-F238E27FC236}">
+                <a16:creationId xmlns:a16="http://schemas.microsoft.com/office/drawing/2014/main" id="{0AAF2845-D87A-466B-8ED5-CEBD7137B9CC}"/>
+              </a:ext>
+            </a:extLst>
+          </p:cNvPr>
+          <p:cNvSpPr txBox="1"/>
+          <p:nvPr/>
+        </p:nvSpPr>
+        <p:spPr>
+          <a:xfrm>
+            <a:off x="395536" y="1340768"/>
+            <a:ext cx="4493538" cy="461665"/>
+          </a:xfrm>
+          <a:prstGeom prst="rect">
+            <a:avLst/>
+          </a:prstGeom>
+          <a:noFill/>
+        </p:spPr>
+        <p:txBody>
+          <a:bodyPr wrap="none" rtlCol="0">
+            <a:spAutoFit/>
+          </a:bodyPr>
+          <a:lstStyle/>
+          <a:p>
+            <a:r>
+              <a:rPr kumimoji="1" lang="ja-JP" altLang="en-US" sz="2400" dirty="0"/>
+              <a:t>デー</a:t>
+            </a:r>
+            <a:r>
+              <a:rPr lang="ja-JP" altLang="en-US" sz="2400" dirty="0"/>
+              <a:t>タを適切に生成するコード</a:t>
+            </a:r>
+            <a:endParaRPr kumimoji="1" lang="ja-JP" altLang="en-US" sz="2400" dirty="0"/>
+          </a:p>
+        </p:txBody>
+      </p:sp>
     </p:spTree>
     <p:extLst>
       <p:ext uri="{BB962C8B-B14F-4D97-AF65-F5344CB8AC3E}">
@@ -15741,6 +15875,5109 @@
     <p:extLst>
       <p:ext uri="{BB962C8B-B14F-4D97-AF65-F5344CB8AC3E}">
         <p14:creationId xmlns:p14="http://schemas.microsoft.com/office/powerpoint/2010/main" val="3646448138"/>
+      </p:ext>
+    </p:extLst>
+  </p:cSld>
+  <p:clrMapOvr>
+    <a:masterClrMapping/>
+  </p:clrMapOvr>
+</p:sld>
+</file>
+
+<file path=ppt/slides/slide30.xml><?xml version="1.0" encoding="utf-8"?>
+<p:sld xmlns:a="http://schemas.openxmlformats.org/drawingml/2006/main" xmlns:r="http://schemas.openxmlformats.org/officeDocument/2006/relationships" xmlns:p="http://schemas.openxmlformats.org/presentationml/2006/main">
+  <p:cSld>
+    <p:spTree>
+      <p:nvGrpSpPr>
+        <p:cNvPr id="1" name=""/>
+        <p:cNvGrpSpPr/>
+        <p:nvPr/>
+      </p:nvGrpSpPr>
+      <p:grpSpPr>
+        <a:xfrm>
+          <a:off x="0" y="0"/>
+          <a:ext cx="0" cy="0"/>
+          <a:chOff x="0" y="0"/>
+          <a:chExt cx="0" cy="0"/>
+        </a:xfrm>
+      </p:grpSpPr>
+      <p:sp>
+        <p:nvSpPr>
+          <p:cNvPr id="2" name="テキスト プレースホルダー 1">
+            <a:extLst>
+              <a:ext uri="{FF2B5EF4-FFF2-40B4-BE49-F238E27FC236}">
+                <a16:creationId xmlns:a16="http://schemas.microsoft.com/office/drawing/2014/main" id="{A69B582D-7093-482E-9B7D-636559B47BF6}"/>
+              </a:ext>
+            </a:extLst>
+          </p:cNvPr>
+          <p:cNvSpPr>
+            <a:spLocks noGrp="1"/>
+          </p:cNvSpPr>
+          <p:nvPr>
+            <p:ph type="body" sz="quarter" idx="10"/>
+          </p:nvPr>
+        </p:nvSpPr>
+        <p:spPr/>
+        <p:txBody>
+          <a:bodyPr/>
+          <a:lstStyle/>
+          <a:p>
+            <a:r>
+              <a:rPr lang="ja-JP" altLang="en-US" dirty="0"/>
+              <a:t>おかしなグラフ</a:t>
+            </a:r>
+            <a:r>
+              <a:rPr lang="en-US" altLang="ja-JP" dirty="0"/>
+              <a:t>3</a:t>
+            </a:r>
+            <a:endParaRPr kumimoji="1" lang="ja-JP" altLang="en-US" dirty="0"/>
+          </a:p>
+        </p:txBody>
+      </p:sp>
+      <p:pic>
+        <p:nvPicPr>
+          <p:cNvPr id="4" name="図 3">
+            <a:extLst>
+              <a:ext uri="{FF2B5EF4-FFF2-40B4-BE49-F238E27FC236}">
+                <a16:creationId xmlns:a16="http://schemas.microsoft.com/office/drawing/2014/main" id="{62715284-6E1C-41B9-9C7C-4EB185C5A96F}"/>
+              </a:ext>
+            </a:extLst>
+          </p:cNvPr>
+          <p:cNvPicPr>
+            <a:picLocks noChangeAspect="1"/>
+          </p:cNvPicPr>
+          <p:nvPr/>
+        </p:nvPicPr>
+        <p:blipFill>
+          <a:blip r:embed="rId2">
+            <a:extLst>
+              <a:ext uri="{28A0092B-C50C-407E-A947-70E740481C1C}">
+                <a14:useLocalDpi xmlns:a14="http://schemas.microsoft.com/office/drawing/2010/main" val="0"/>
+              </a:ext>
+            </a:extLst>
+          </a:blip>
+          <a:stretch>
+            <a:fillRect/>
+          </a:stretch>
+        </p:blipFill>
+        <p:spPr>
+          <a:xfrm>
+            <a:off x="1043608" y="1052736"/>
+            <a:ext cx="6095238" cy="4571429"/>
+          </a:xfrm>
+          <a:prstGeom prst="rect">
+            <a:avLst/>
+          </a:prstGeom>
+        </p:spPr>
+      </p:pic>
+      <p:pic>
+        <p:nvPicPr>
+          <p:cNvPr id="6" name="図 5">
+            <a:extLst>
+              <a:ext uri="{FF2B5EF4-FFF2-40B4-BE49-F238E27FC236}">
+                <a16:creationId xmlns:a16="http://schemas.microsoft.com/office/drawing/2014/main" id="{9766E8A9-477C-48A8-A97B-3B815AA1E181}"/>
+              </a:ext>
+            </a:extLst>
+          </p:cNvPr>
+          <p:cNvPicPr>
+            <a:picLocks noChangeAspect="1"/>
+          </p:cNvPicPr>
+          <p:nvPr/>
+        </p:nvPicPr>
+        <p:blipFill>
+          <a:blip r:embed="rId3"/>
+          <a:stretch>
+            <a:fillRect/>
+          </a:stretch>
+        </p:blipFill>
+        <p:spPr>
+          <a:xfrm>
+            <a:off x="35496" y="5805264"/>
+            <a:ext cx="835040" cy="835040"/>
+          </a:xfrm>
+          <a:prstGeom prst="rect">
+            <a:avLst/>
+          </a:prstGeom>
+        </p:spPr>
+      </p:pic>
+      <p:sp>
+        <p:nvSpPr>
+          <p:cNvPr id="7" name="テキスト ボックス 6">
+            <a:extLst>
+              <a:ext uri="{FF2B5EF4-FFF2-40B4-BE49-F238E27FC236}">
+                <a16:creationId xmlns:a16="http://schemas.microsoft.com/office/drawing/2014/main" id="{CE95F8EA-7377-4234-BFFF-7DC9762FC737}"/>
+              </a:ext>
+            </a:extLst>
+          </p:cNvPr>
+          <p:cNvSpPr txBox="1"/>
+          <p:nvPr/>
+        </p:nvSpPr>
+        <p:spPr>
+          <a:xfrm>
+            <a:off x="1115616" y="5877272"/>
+            <a:ext cx="6552728" cy="707886"/>
+          </a:xfrm>
+          <a:prstGeom prst="rect">
+            <a:avLst/>
+          </a:prstGeom>
+          <a:noFill/>
+        </p:spPr>
+        <p:txBody>
+          <a:bodyPr wrap="square" rtlCol="0">
+            <a:spAutoFit/>
+          </a:bodyPr>
+          <a:lstStyle/>
+          <a:p>
+            <a:r>
+              <a:rPr lang="ja-JP" altLang="en-US" sz="2000" dirty="0"/>
+              <a:t>よほど複雑なデータでない限り、ゼロのまわりを揺らぐデータに見えるが・・・？</a:t>
+            </a:r>
+            <a:endParaRPr kumimoji="1" lang="ja-JP" altLang="en-US" sz="2000" dirty="0"/>
+          </a:p>
+        </p:txBody>
+      </p:sp>
+    </p:spTree>
+    <p:extLst>
+      <p:ext uri="{BB962C8B-B14F-4D97-AF65-F5344CB8AC3E}">
+        <p14:creationId xmlns:p14="http://schemas.microsoft.com/office/powerpoint/2010/main" val="2304521197"/>
+      </p:ext>
+    </p:extLst>
+  </p:cSld>
+  <p:clrMapOvr>
+    <a:masterClrMapping/>
+  </p:clrMapOvr>
+</p:sld>
+</file>
+
+<file path=ppt/slides/slide31.xml><?xml version="1.0" encoding="utf-8"?>
+<p:sld xmlns:a="http://schemas.openxmlformats.org/drawingml/2006/main" xmlns:r="http://schemas.openxmlformats.org/officeDocument/2006/relationships" xmlns:p="http://schemas.openxmlformats.org/presentationml/2006/main">
+  <p:cSld>
+    <p:spTree>
+      <p:nvGrpSpPr>
+        <p:cNvPr id="1" name=""/>
+        <p:cNvGrpSpPr/>
+        <p:nvPr/>
+      </p:nvGrpSpPr>
+      <p:grpSpPr>
+        <a:xfrm>
+          <a:off x="0" y="0"/>
+          <a:ext cx="0" cy="0"/>
+          <a:chOff x="0" y="0"/>
+          <a:chExt cx="0" cy="0"/>
+        </a:xfrm>
+      </p:grpSpPr>
+      <p:sp>
+        <p:nvSpPr>
+          <p:cNvPr id="2" name="テキスト プレースホルダー 1">
+            <a:extLst>
+              <a:ext uri="{FF2B5EF4-FFF2-40B4-BE49-F238E27FC236}">
+                <a16:creationId xmlns:a16="http://schemas.microsoft.com/office/drawing/2014/main" id="{DCD3639A-BB24-4661-834E-AD94EBE0FD53}"/>
+              </a:ext>
+            </a:extLst>
+          </p:cNvPr>
+          <p:cNvSpPr>
+            <a:spLocks noGrp="1"/>
+          </p:cNvSpPr>
+          <p:nvPr>
+            <p:ph type="body" sz="quarter" idx="10"/>
+          </p:nvPr>
+        </p:nvSpPr>
+        <p:spPr/>
+        <p:txBody>
+          <a:bodyPr/>
+          <a:lstStyle/>
+          <a:p>
+            <a:r>
+              <a:rPr lang="ja-JP" altLang="en-US" dirty="0"/>
+              <a:t>おかしなグラフ</a:t>
+            </a:r>
+            <a:r>
+              <a:rPr lang="en-US" altLang="ja-JP" dirty="0"/>
+              <a:t>3</a:t>
+            </a:r>
+            <a:endParaRPr kumimoji="1" lang="ja-JP" altLang="en-US" dirty="0"/>
+          </a:p>
+        </p:txBody>
+      </p:sp>
+      <p:pic>
+        <p:nvPicPr>
+          <p:cNvPr id="6" name="図 5">
+            <a:extLst>
+              <a:ext uri="{FF2B5EF4-FFF2-40B4-BE49-F238E27FC236}">
+                <a16:creationId xmlns:a16="http://schemas.microsoft.com/office/drawing/2014/main" id="{88D5F755-B4EA-4DE2-BB87-39E9C1C948C3}"/>
+              </a:ext>
+            </a:extLst>
+          </p:cNvPr>
+          <p:cNvPicPr>
+            <a:picLocks noChangeAspect="1"/>
+          </p:cNvPicPr>
+          <p:nvPr/>
+        </p:nvPicPr>
+        <p:blipFill>
+          <a:blip r:embed="rId2">
+            <a:extLst>
+              <a:ext uri="{28A0092B-C50C-407E-A947-70E740481C1C}">
+                <a14:useLocalDpi xmlns:a14="http://schemas.microsoft.com/office/drawing/2010/main" val="0"/>
+              </a:ext>
+            </a:extLst>
+          </a:blip>
+          <a:stretch>
+            <a:fillRect/>
+          </a:stretch>
+        </p:blipFill>
+        <p:spPr>
+          <a:xfrm>
+            <a:off x="179512" y="1124744"/>
+            <a:ext cx="6480720" cy="4860540"/>
+          </a:xfrm>
+          <a:prstGeom prst="rect">
+            <a:avLst/>
+          </a:prstGeom>
+        </p:spPr>
+      </p:pic>
+      <p:sp>
+        <p:nvSpPr>
+          <p:cNvPr id="7" name="四角形: 角を丸くする 6">
+            <a:extLst>
+              <a:ext uri="{FF2B5EF4-FFF2-40B4-BE49-F238E27FC236}">
+                <a16:creationId xmlns:a16="http://schemas.microsoft.com/office/drawing/2014/main" id="{AFAAE2E7-64F9-4DC7-8FBD-7ADD4F664421}"/>
+              </a:ext>
+            </a:extLst>
+          </p:cNvPr>
+          <p:cNvSpPr/>
+          <p:nvPr/>
+        </p:nvSpPr>
+        <p:spPr>
+          <a:xfrm>
+            <a:off x="3203848" y="1556792"/>
+            <a:ext cx="504056" cy="576064"/>
+          </a:xfrm>
+          <a:prstGeom prst="roundRect">
+            <a:avLst>
+              <a:gd name="adj" fmla="val 32525"/>
+            </a:avLst>
+          </a:prstGeom>
+          <a:noFill/>
+          <a:ln w="28575">
+            <a:solidFill>
+              <a:srgbClr val="FF0000"/>
+            </a:solidFill>
+            <a:prstDash val="dash"/>
+          </a:ln>
+        </p:spPr>
+        <p:style>
+          <a:lnRef idx="2">
+            <a:schemeClr val="accent1">
+              <a:shade val="50000"/>
+            </a:schemeClr>
+          </a:lnRef>
+          <a:fillRef idx="1">
+            <a:schemeClr val="accent1"/>
+          </a:fillRef>
+          <a:effectRef idx="0">
+            <a:schemeClr val="accent1"/>
+          </a:effectRef>
+          <a:fontRef idx="minor">
+            <a:schemeClr val="lt1"/>
+          </a:fontRef>
+        </p:style>
+        <p:txBody>
+          <a:bodyPr rtlCol="0" anchor="ctr"/>
+          <a:lstStyle/>
+          <a:p>
+            <a:pPr algn="ctr"/>
+            <a:endParaRPr kumimoji="1" lang="ja-JP" altLang="en-US"/>
+          </a:p>
+        </p:txBody>
+      </p:sp>
+      <p:sp>
+        <p:nvSpPr>
+          <p:cNvPr id="8" name="テキスト ボックス 7">
+            <a:extLst>
+              <a:ext uri="{FF2B5EF4-FFF2-40B4-BE49-F238E27FC236}">
+                <a16:creationId xmlns:a16="http://schemas.microsoft.com/office/drawing/2014/main" id="{154C243D-14F3-47D2-BAE8-F81403779E57}"/>
+              </a:ext>
+            </a:extLst>
+          </p:cNvPr>
+          <p:cNvSpPr txBox="1"/>
+          <p:nvPr/>
+        </p:nvSpPr>
+        <p:spPr>
+          <a:xfrm>
+            <a:off x="4355976" y="4437112"/>
+            <a:ext cx="4665060" cy="461665"/>
+          </a:xfrm>
+          <a:prstGeom prst="rect">
+            <a:avLst/>
+          </a:prstGeom>
+          <a:solidFill>
+            <a:schemeClr val="bg1"/>
+          </a:solidFill>
+          <a:ln>
+            <a:solidFill>
+              <a:schemeClr val="tx1"/>
+            </a:solidFill>
+          </a:ln>
+        </p:spPr>
+        <p:txBody>
+          <a:bodyPr wrap="none" rtlCol="0">
+            <a:spAutoFit/>
+          </a:bodyPr>
+          <a:lstStyle/>
+          <a:p>
+            <a:r>
+              <a:rPr kumimoji="1" lang="ja-JP" altLang="en-US" sz="2400" dirty="0"/>
+              <a:t>明らかに</a:t>
+            </a:r>
+            <a:r>
+              <a:rPr kumimoji="1" lang="en-US" altLang="ja-JP" sz="2400" dirty="0"/>
+              <a:t>5</a:t>
+            </a:r>
+            <a:r>
+              <a:rPr kumimoji="1" lang="ja-JP" altLang="en-US" sz="2400" dirty="0"/>
+              <a:t>シグマ以上</a:t>
+            </a:r>
+            <a:r>
+              <a:rPr lang="ja-JP" altLang="en-US" sz="2400" dirty="0"/>
+              <a:t>離れている</a:t>
+            </a:r>
+            <a:endParaRPr kumimoji="1" lang="ja-JP" altLang="en-US" sz="2400" dirty="0"/>
+          </a:p>
+        </p:txBody>
+      </p:sp>
+      <p:cxnSp>
+        <p:nvCxnSpPr>
+          <p:cNvPr id="9" name="コネクタ: カギ線 8">
+            <a:extLst>
+              <a:ext uri="{FF2B5EF4-FFF2-40B4-BE49-F238E27FC236}">
+                <a16:creationId xmlns:a16="http://schemas.microsoft.com/office/drawing/2014/main" id="{8EA3D282-8BCE-4F38-AB3C-8A82D4EB6684}"/>
+              </a:ext>
+            </a:extLst>
+          </p:cNvPr>
+          <p:cNvCxnSpPr>
+            <a:cxnSpLocks/>
+            <a:stCxn id="8" idx="0"/>
+            <a:endCxn id="7" idx="2"/>
+          </p:cNvCxnSpPr>
+          <p:nvPr/>
+        </p:nvCxnSpPr>
+        <p:spPr>
+          <a:xfrm rot="16200000" flipV="1">
+            <a:off x="3920063" y="1668669"/>
+            <a:ext cx="2304256" cy="3232630"/>
+          </a:xfrm>
+          <a:prstGeom prst="bentConnector3">
+            <a:avLst>
+              <a:gd name="adj1" fmla="val 50000"/>
+            </a:avLst>
+          </a:prstGeom>
+          <a:ln>
+            <a:solidFill>
+              <a:schemeClr val="tx1"/>
+            </a:solidFill>
+            <a:headEnd type="none" w="med" len="med"/>
+            <a:tailEnd type="triangle"/>
+          </a:ln>
+        </p:spPr>
+        <p:style>
+          <a:lnRef idx="1">
+            <a:schemeClr val="accent1"/>
+          </a:lnRef>
+          <a:fillRef idx="0">
+            <a:schemeClr val="accent1"/>
+          </a:fillRef>
+          <a:effectRef idx="0">
+            <a:schemeClr val="accent1"/>
+          </a:effectRef>
+          <a:fontRef idx="minor">
+            <a:schemeClr val="tx1"/>
+          </a:fontRef>
+        </p:style>
+      </p:cxnSp>
+    </p:spTree>
+    <p:extLst>
+      <p:ext uri="{BB962C8B-B14F-4D97-AF65-F5344CB8AC3E}">
+        <p14:creationId xmlns:p14="http://schemas.microsoft.com/office/powerpoint/2010/main" val="708368059"/>
+      </p:ext>
+    </p:extLst>
+  </p:cSld>
+  <p:clrMapOvr>
+    <a:masterClrMapping/>
+  </p:clrMapOvr>
+</p:sld>
+</file>
+
+<file path=ppt/slides/slide32.xml><?xml version="1.0" encoding="utf-8"?>
+<p:sld xmlns:a="http://schemas.openxmlformats.org/drawingml/2006/main" xmlns:r="http://schemas.openxmlformats.org/officeDocument/2006/relationships" xmlns:p="http://schemas.openxmlformats.org/presentationml/2006/main">
+  <p:cSld>
+    <p:spTree>
+      <p:nvGrpSpPr>
+        <p:cNvPr id="1" name=""/>
+        <p:cNvGrpSpPr/>
+        <p:nvPr/>
+      </p:nvGrpSpPr>
+      <p:grpSpPr>
+        <a:xfrm>
+          <a:off x="0" y="0"/>
+          <a:ext cx="0" cy="0"/>
+          <a:chOff x="0" y="0"/>
+          <a:chExt cx="0" cy="0"/>
+        </a:xfrm>
+      </p:grpSpPr>
+      <p:sp>
+        <p:nvSpPr>
+          <p:cNvPr id="2" name="テキスト プレースホルダー 1">
+            <a:extLst>
+              <a:ext uri="{FF2B5EF4-FFF2-40B4-BE49-F238E27FC236}">
+                <a16:creationId xmlns:a16="http://schemas.microsoft.com/office/drawing/2014/main" id="{BBF33F8E-E0E1-438A-9A40-2AB770442D9C}"/>
+              </a:ext>
+            </a:extLst>
+          </p:cNvPr>
+          <p:cNvSpPr>
+            <a:spLocks noGrp="1"/>
+          </p:cNvSpPr>
+          <p:nvPr>
+            <p:ph type="body" sz="quarter" idx="10"/>
+          </p:nvPr>
+        </p:nvSpPr>
+        <p:spPr>
+          <a:xfrm>
+            <a:off x="0" y="156577"/>
+            <a:ext cx="9144000" cy="754062"/>
+          </a:xfrm>
+        </p:spPr>
+        <p:txBody>
+          <a:bodyPr/>
+          <a:lstStyle/>
+          <a:p>
+            <a:r>
+              <a:rPr lang="ja-JP" altLang="en-US" dirty="0"/>
+              <a:t>おかしなグラフ</a:t>
+            </a:r>
+            <a:r>
+              <a:rPr lang="en-US" altLang="ja-JP" dirty="0"/>
+              <a:t>3</a:t>
+            </a:r>
+            <a:endParaRPr kumimoji="1" lang="ja-JP" altLang="en-US" dirty="0"/>
+          </a:p>
+        </p:txBody>
+      </p:sp>
+      <p:sp>
+        <p:nvSpPr>
+          <p:cNvPr id="4" name="テキスト ボックス 3">
+            <a:extLst>
+              <a:ext uri="{FF2B5EF4-FFF2-40B4-BE49-F238E27FC236}">
+                <a16:creationId xmlns:a16="http://schemas.microsoft.com/office/drawing/2014/main" id="{1B13CE20-683D-499B-B92A-83EFC5240DA1}"/>
+              </a:ext>
+            </a:extLst>
+          </p:cNvPr>
+          <p:cNvSpPr txBox="1"/>
+          <p:nvPr/>
+        </p:nvSpPr>
+        <p:spPr>
+          <a:xfrm>
+            <a:off x="323528" y="1556792"/>
+            <a:ext cx="5472608" cy="4524315"/>
+          </a:xfrm>
+          <a:prstGeom prst="rect">
+            <a:avLst/>
+          </a:prstGeom>
+          <a:noFill/>
+          <a:ln>
+            <a:solidFill>
+              <a:schemeClr val="tx1"/>
+            </a:solidFill>
+          </a:ln>
+        </p:spPr>
+        <p:txBody>
+          <a:bodyPr wrap="square">
+            <a:spAutoFit/>
+          </a:bodyPr>
+          <a:lstStyle/>
+          <a:p>
+            <a:r>
+              <a:rPr lang="en-US" altLang="ja-JP" b="0" dirty="0">
+                <a:solidFill>
+                  <a:srgbClr val="0991B6"/>
+                </a:solidFill>
+                <a:effectLst/>
+                <a:latin typeface="Consolas" panose="020B0609020204030204" pitchFamily="49" charset="0"/>
+              </a:rPr>
+              <a:t>import</a:t>
+            </a:r>
+            <a:r>
+              <a:rPr lang="en-US" altLang="ja-JP" b="0" dirty="0">
+                <a:solidFill>
+                  <a:srgbClr val="0460B1"/>
+                </a:solidFill>
+                <a:effectLst/>
+                <a:latin typeface="Consolas" panose="020B0609020204030204" pitchFamily="49" charset="0"/>
+              </a:rPr>
+              <a:t> </a:t>
+            </a:r>
+            <a:r>
+              <a:rPr lang="en-US" altLang="ja-JP" b="0" dirty="0" err="1">
+                <a:solidFill>
+                  <a:srgbClr val="0460B1"/>
+                </a:solidFill>
+                <a:effectLst/>
+                <a:latin typeface="Consolas" panose="020B0609020204030204" pitchFamily="49" charset="0"/>
+              </a:rPr>
+              <a:t>numpy</a:t>
+            </a:r>
+            <a:r>
+              <a:rPr lang="en-US" altLang="ja-JP" b="0" dirty="0">
+                <a:solidFill>
+                  <a:srgbClr val="0460B1"/>
+                </a:solidFill>
+                <a:effectLst/>
+                <a:latin typeface="Consolas" panose="020B0609020204030204" pitchFamily="49" charset="0"/>
+              </a:rPr>
+              <a:t> </a:t>
+            </a:r>
+            <a:r>
+              <a:rPr lang="en-US" altLang="ja-JP" b="0" dirty="0">
+                <a:solidFill>
+                  <a:srgbClr val="0991B6"/>
+                </a:solidFill>
+                <a:effectLst/>
+                <a:latin typeface="Consolas" panose="020B0609020204030204" pitchFamily="49" charset="0"/>
+              </a:rPr>
+              <a:t>as</a:t>
+            </a:r>
+            <a:r>
+              <a:rPr lang="en-US" altLang="ja-JP" b="0" dirty="0">
+                <a:solidFill>
+                  <a:srgbClr val="0460B1"/>
+                </a:solidFill>
+                <a:effectLst/>
+                <a:latin typeface="Consolas" panose="020B0609020204030204" pitchFamily="49" charset="0"/>
+              </a:rPr>
+              <a:t> np</a:t>
+            </a:r>
+            <a:endParaRPr lang="en-US" altLang="ja-JP" b="0" dirty="0">
+              <a:solidFill>
+                <a:srgbClr val="236EBF"/>
+              </a:solidFill>
+              <a:effectLst/>
+              <a:latin typeface="Consolas" panose="020B0609020204030204" pitchFamily="49" charset="0"/>
+            </a:endParaRPr>
+          </a:p>
+          <a:p>
+            <a:br>
+              <a:rPr lang="en-US" altLang="ja-JP" b="0" dirty="0">
+                <a:solidFill>
+                  <a:srgbClr val="236EBF"/>
+                </a:solidFill>
+                <a:effectLst/>
+                <a:latin typeface="Consolas" panose="020B0609020204030204" pitchFamily="49" charset="0"/>
+              </a:rPr>
+            </a:br>
+            <a:r>
+              <a:rPr lang="en-US" altLang="ja-JP" b="0" dirty="0">
+                <a:solidFill>
+                  <a:srgbClr val="0460B1"/>
+                </a:solidFill>
+                <a:effectLst/>
+                <a:latin typeface="Consolas" panose="020B0609020204030204" pitchFamily="49" charset="0"/>
+              </a:rPr>
+              <a:t>N </a:t>
+            </a:r>
+            <a:r>
+              <a:rPr lang="en-US" altLang="ja-JP" b="0" dirty="0">
+                <a:solidFill>
+                  <a:srgbClr val="7B30D0"/>
+                </a:solidFill>
+                <a:effectLst/>
+                <a:latin typeface="Consolas" panose="020B0609020204030204" pitchFamily="49" charset="0"/>
+              </a:rPr>
+              <a:t>=</a:t>
+            </a:r>
+            <a:r>
+              <a:rPr lang="en-US" altLang="ja-JP" b="0" dirty="0">
+                <a:solidFill>
+                  <a:srgbClr val="0460B1"/>
+                </a:solidFill>
+                <a:effectLst/>
+                <a:latin typeface="Consolas" panose="020B0609020204030204" pitchFamily="49" charset="0"/>
+              </a:rPr>
+              <a:t> </a:t>
+            </a:r>
+            <a:r>
+              <a:rPr lang="en-US" altLang="ja-JP" b="0" dirty="0">
+                <a:solidFill>
+                  <a:srgbClr val="174781"/>
+                </a:solidFill>
+                <a:effectLst/>
+                <a:latin typeface="Consolas" panose="020B0609020204030204" pitchFamily="49" charset="0"/>
+              </a:rPr>
+              <a:t>1000</a:t>
+            </a:r>
+            <a:endParaRPr lang="en-US" altLang="ja-JP" b="0" dirty="0">
+              <a:solidFill>
+                <a:srgbClr val="236EBF"/>
+              </a:solidFill>
+              <a:effectLst/>
+              <a:latin typeface="Consolas" panose="020B0609020204030204" pitchFamily="49" charset="0"/>
+            </a:endParaRPr>
+          </a:p>
+          <a:p>
+            <a:r>
+              <a:rPr lang="en-US" altLang="ja-JP" b="0" dirty="0">
+                <a:solidFill>
+                  <a:srgbClr val="0460B1"/>
+                </a:solidFill>
+                <a:effectLst/>
+                <a:latin typeface="Consolas" panose="020B0609020204030204" pitchFamily="49" charset="0"/>
+              </a:rPr>
+              <a:t>v </a:t>
+            </a:r>
+            <a:r>
+              <a:rPr lang="en-US" altLang="ja-JP" b="0" dirty="0">
+                <a:solidFill>
+                  <a:srgbClr val="7B30D0"/>
+                </a:solidFill>
+                <a:effectLst/>
+                <a:latin typeface="Consolas" panose="020B0609020204030204" pitchFamily="49" charset="0"/>
+              </a:rPr>
+              <a:t>=</a:t>
+            </a:r>
+            <a:r>
+              <a:rPr lang="en-US" altLang="ja-JP" b="0" dirty="0">
+                <a:solidFill>
+                  <a:srgbClr val="0460B1"/>
+                </a:solidFill>
+                <a:effectLst/>
+                <a:latin typeface="Consolas" panose="020B0609020204030204" pitchFamily="49" charset="0"/>
+              </a:rPr>
+              <a:t> </a:t>
+            </a:r>
+            <a:r>
+              <a:rPr lang="en-US" altLang="ja-JP" b="0" dirty="0">
+                <a:solidFill>
+                  <a:srgbClr val="174781"/>
+                </a:solidFill>
+                <a:effectLst/>
+                <a:latin typeface="Consolas" panose="020B0609020204030204" pitchFamily="49" charset="0"/>
+              </a:rPr>
+              <a:t>0.0</a:t>
+            </a:r>
+            <a:endParaRPr lang="en-US" altLang="ja-JP" b="0" dirty="0">
+              <a:solidFill>
+                <a:srgbClr val="236EBF"/>
+              </a:solidFill>
+              <a:effectLst/>
+              <a:latin typeface="Consolas" panose="020B0609020204030204" pitchFamily="49" charset="0"/>
+            </a:endParaRPr>
+          </a:p>
+          <a:p>
+            <a:r>
+              <a:rPr lang="en-US" altLang="ja-JP" b="0" dirty="0">
+                <a:solidFill>
+                  <a:srgbClr val="0460B1"/>
+                </a:solidFill>
+                <a:effectLst/>
+                <a:latin typeface="Consolas" panose="020B0609020204030204" pitchFamily="49" charset="0"/>
+              </a:rPr>
+              <a:t>gamma </a:t>
+            </a:r>
+            <a:r>
+              <a:rPr lang="en-US" altLang="ja-JP" b="0" dirty="0">
+                <a:solidFill>
+                  <a:srgbClr val="7B30D0"/>
+                </a:solidFill>
+                <a:effectLst/>
+                <a:latin typeface="Consolas" panose="020B0609020204030204" pitchFamily="49" charset="0"/>
+              </a:rPr>
+              <a:t>=</a:t>
+            </a:r>
+            <a:r>
+              <a:rPr lang="en-US" altLang="ja-JP" b="0" dirty="0">
+                <a:solidFill>
+                  <a:srgbClr val="0460B1"/>
+                </a:solidFill>
+                <a:effectLst/>
+                <a:latin typeface="Consolas" panose="020B0609020204030204" pitchFamily="49" charset="0"/>
+              </a:rPr>
+              <a:t> </a:t>
+            </a:r>
+            <a:r>
+              <a:rPr lang="en-US" altLang="ja-JP" b="0" dirty="0">
+                <a:solidFill>
+                  <a:srgbClr val="174781"/>
+                </a:solidFill>
+                <a:effectLst/>
+                <a:latin typeface="Consolas" panose="020B0609020204030204" pitchFamily="49" charset="0"/>
+              </a:rPr>
+              <a:t>0.1</a:t>
+            </a:r>
+            <a:endParaRPr lang="en-US" altLang="ja-JP" b="0" dirty="0">
+              <a:solidFill>
+                <a:srgbClr val="236EBF"/>
+              </a:solidFill>
+              <a:effectLst/>
+              <a:latin typeface="Consolas" panose="020B0609020204030204" pitchFamily="49" charset="0"/>
+            </a:endParaRPr>
+          </a:p>
+          <a:p>
+            <a:r>
+              <a:rPr lang="en-US" altLang="ja-JP" b="0" dirty="0" err="1">
+                <a:solidFill>
+                  <a:srgbClr val="0460B1"/>
+                </a:solidFill>
+                <a:effectLst/>
+                <a:latin typeface="Consolas" panose="020B0609020204030204" pitchFamily="49" charset="0"/>
+              </a:rPr>
+              <a:t>np.random.seed</a:t>
+            </a:r>
+            <a:r>
+              <a:rPr lang="en-US" altLang="ja-JP" b="0" dirty="0">
+                <a:solidFill>
+                  <a:srgbClr val="0460B1"/>
+                </a:solidFill>
+                <a:effectLst/>
+                <a:latin typeface="Consolas" panose="020B0609020204030204" pitchFamily="49" charset="0"/>
+              </a:rPr>
+              <a:t>(</a:t>
+            </a:r>
+            <a:r>
+              <a:rPr lang="en-US" altLang="ja-JP" b="0" dirty="0">
+                <a:solidFill>
+                  <a:srgbClr val="174781"/>
+                </a:solidFill>
+                <a:effectLst/>
+                <a:latin typeface="Consolas" panose="020B0609020204030204" pitchFamily="49" charset="0"/>
+              </a:rPr>
+              <a:t>1</a:t>
+            </a:r>
+            <a:r>
+              <a:rPr lang="en-US" altLang="ja-JP" b="0" dirty="0">
+                <a:solidFill>
+                  <a:srgbClr val="0460B1"/>
+                </a:solidFill>
+                <a:effectLst/>
+                <a:latin typeface="Consolas" panose="020B0609020204030204" pitchFamily="49" charset="0"/>
+              </a:rPr>
+              <a:t>)</a:t>
+            </a:r>
+            <a:endParaRPr lang="en-US" altLang="ja-JP" b="0" dirty="0">
+              <a:solidFill>
+                <a:srgbClr val="236EBF"/>
+              </a:solidFill>
+              <a:effectLst/>
+              <a:latin typeface="Consolas" panose="020B0609020204030204" pitchFamily="49" charset="0"/>
+            </a:endParaRPr>
+          </a:p>
+          <a:p>
+            <a:br>
+              <a:rPr lang="en-US" altLang="ja-JP" b="0" dirty="0">
+                <a:solidFill>
+                  <a:srgbClr val="236EBF"/>
+                </a:solidFill>
+                <a:effectLst/>
+                <a:latin typeface="Consolas" panose="020B0609020204030204" pitchFamily="49" charset="0"/>
+              </a:rPr>
+            </a:br>
+            <a:r>
+              <a:rPr lang="en-US" altLang="ja-JP" b="0" dirty="0">
+                <a:solidFill>
+                  <a:srgbClr val="0991B6"/>
+                </a:solidFill>
+                <a:effectLst/>
+                <a:latin typeface="Consolas" panose="020B0609020204030204" pitchFamily="49" charset="0"/>
+              </a:rPr>
+              <a:t>for</a:t>
+            </a:r>
+            <a:r>
+              <a:rPr lang="en-US" altLang="ja-JP" b="0" dirty="0">
+                <a:solidFill>
+                  <a:srgbClr val="0460B1"/>
+                </a:solidFill>
+                <a:effectLst/>
+                <a:latin typeface="Consolas" panose="020B0609020204030204" pitchFamily="49" charset="0"/>
+              </a:rPr>
+              <a:t> j </a:t>
+            </a:r>
+            <a:r>
+              <a:rPr lang="en-US" altLang="ja-JP" b="0" dirty="0">
+                <a:solidFill>
+                  <a:srgbClr val="0991B6"/>
+                </a:solidFill>
+                <a:effectLst/>
+                <a:latin typeface="Consolas" panose="020B0609020204030204" pitchFamily="49" charset="0"/>
+              </a:rPr>
+              <a:t>in</a:t>
+            </a:r>
+            <a:r>
+              <a:rPr lang="en-US" altLang="ja-JP" b="0" dirty="0">
+                <a:solidFill>
+                  <a:srgbClr val="0460B1"/>
+                </a:solidFill>
+                <a:effectLst/>
+                <a:latin typeface="Consolas" panose="020B0609020204030204" pitchFamily="49" charset="0"/>
+              </a:rPr>
+              <a:t> </a:t>
+            </a:r>
+            <a:r>
+              <a:rPr lang="en-US" altLang="ja-JP" b="0" dirty="0">
+                <a:solidFill>
+                  <a:srgbClr val="08134A"/>
+                </a:solidFill>
+                <a:effectLst/>
+                <a:latin typeface="Consolas" panose="020B0609020204030204" pitchFamily="49" charset="0"/>
+              </a:rPr>
+              <a:t>range</a:t>
+            </a:r>
+            <a:r>
+              <a:rPr lang="en-US" altLang="ja-JP" b="0" dirty="0">
+                <a:solidFill>
+                  <a:srgbClr val="0460B1"/>
+                </a:solidFill>
+                <a:effectLst/>
+                <a:latin typeface="Consolas" panose="020B0609020204030204" pitchFamily="49" charset="0"/>
+              </a:rPr>
+              <a:t>(</a:t>
+            </a:r>
+            <a:r>
+              <a:rPr lang="en-US" altLang="ja-JP" b="0" dirty="0">
+                <a:solidFill>
+                  <a:srgbClr val="174781"/>
+                </a:solidFill>
+                <a:effectLst/>
+                <a:latin typeface="Consolas" panose="020B0609020204030204" pitchFamily="49" charset="0"/>
+              </a:rPr>
+              <a:t>10</a:t>
+            </a:r>
+            <a:r>
+              <a:rPr lang="en-US" altLang="ja-JP" b="0" dirty="0">
+                <a:solidFill>
+                  <a:srgbClr val="0460B1"/>
+                </a:solidFill>
+                <a:effectLst/>
+                <a:latin typeface="Consolas" panose="020B0609020204030204" pitchFamily="49" charset="0"/>
+              </a:rPr>
+              <a:t>):</a:t>
+            </a:r>
+            <a:endParaRPr lang="en-US" altLang="ja-JP" b="0" dirty="0">
+              <a:solidFill>
+                <a:srgbClr val="236EBF"/>
+              </a:solidFill>
+              <a:effectLst/>
+              <a:latin typeface="Consolas" panose="020B0609020204030204" pitchFamily="49" charset="0"/>
+            </a:endParaRPr>
+          </a:p>
+          <a:p>
+            <a:r>
+              <a:rPr lang="en-US" altLang="ja-JP" b="0" dirty="0">
+                <a:solidFill>
+                  <a:srgbClr val="0460B1"/>
+                </a:solidFill>
+                <a:effectLst/>
+                <a:latin typeface="Consolas" panose="020B0609020204030204" pitchFamily="49" charset="0"/>
+              </a:rPr>
+              <a:t>    d </a:t>
+            </a:r>
+            <a:r>
+              <a:rPr lang="en-US" altLang="ja-JP" b="0" dirty="0">
+                <a:solidFill>
+                  <a:srgbClr val="7B30D0"/>
+                </a:solidFill>
+                <a:effectLst/>
+                <a:latin typeface="Consolas" panose="020B0609020204030204" pitchFamily="49" charset="0"/>
+              </a:rPr>
+              <a:t>=</a:t>
+            </a:r>
+            <a:r>
+              <a:rPr lang="en-US" altLang="ja-JP" b="0" dirty="0">
+                <a:solidFill>
+                  <a:srgbClr val="0460B1"/>
+                </a:solidFill>
+                <a:effectLst/>
+                <a:latin typeface="Consolas" panose="020B0609020204030204" pitchFamily="49" charset="0"/>
+              </a:rPr>
+              <a:t> </a:t>
+            </a:r>
+            <a:r>
+              <a:rPr lang="en-US" altLang="ja-JP" b="0" dirty="0" err="1">
+                <a:solidFill>
+                  <a:srgbClr val="0460B1"/>
+                </a:solidFill>
+                <a:effectLst/>
+                <a:latin typeface="Consolas" panose="020B0609020204030204" pitchFamily="49" charset="0"/>
+              </a:rPr>
+              <a:t>np.zeros</a:t>
+            </a:r>
+            <a:r>
+              <a:rPr lang="en-US" altLang="ja-JP" b="0" dirty="0">
+                <a:solidFill>
+                  <a:srgbClr val="0460B1"/>
+                </a:solidFill>
+                <a:effectLst/>
+                <a:latin typeface="Consolas" panose="020B0609020204030204" pitchFamily="49" charset="0"/>
+              </a:rPr>
+              <a:t>(N)</a:t>
+            </a:r>
+            <a:endParaRPr lang="en-US" altLang="ja-JP" b="0" dirty="0">
+              <a:solidFill>
+                <a:srgbClr val="236EBF"/>
+              </a:solidFill>
+              <a:effectLst/>
+              <a:latin typeface="Consolas" panose="020B0609020204030204" pitchFamily="49" charset="0"/>
+            </a:endParaRPr>
+          </a:p>
+          <a:p>
+            <a:r>
+              <a:rPr lang="en-US" altLang="ja-JP" b="0" dirty="0">
+                <a:solidFill>
+                  <a:srgbClr val="0460B1"/>
+                </a:solidFill>
+                <a:effectLst/>
+                <a:latin typeface="Consolas" panose="020B0609020204030204" pitchFamily="49" charset="0"/>
+              </a:rPr>
+              <a:t>    </a:t>
+            </a:r>
+            <a:r>
+              <a:rPr lang="en-US" altLang="ja-JP" b="0" dirty="0">
+                <a:solidFill>
+                  <a:srgbClr val="0991B6"/>
+                </a:solidFill>
+                <a:effectLst/>
+                <a:latin typeface="Consolas" panose="020B0609020204030204" pitchFamily="49" charset="0"/>
+              </a:rPr>
+              <a:t>for</a:t>
+            </a:r>
+            <a:r>
+              <a:rPr lang="en-US" altLang="ja-JP" b="0" dirty="0">
+                <a:solidFill>
+                  <a:srgbClr val="0460B1"/>
+                </a:solidFill>
+                <a:effectLst/>
+                <a:latin typeface="Consolas" panose="020B0609020204030204" pitchFamily="49" charset="0"/>
+              </a:rPr>
+              <a:t> </a:t>
+            </a:r>
+            <a:r>
+              <a:rPr lang="en-US" altLang="ja-JP" b="0" dirty="0" err="1">
+                <a:solidFill>
+                  <a:srgbClr val="0460B1"/>
+                </a:solidFill>
+                <a:effectLst/>
+                <a:latin typeface="Consolas" panose="020B0609020204030204" pitchFamily="49" charset="0"/>
+              </a:rPr>
+              <a:t>i</a:t>
+            </a:r>
+            <a:r>
+              <a:rPr lang="en-US" altLang="ja-JP" b="0" dirty="0">
+                <a:solidFill>
+                  <a:srgbClr val="0460B1"/>
+                </a:solidFill>
+                <a:effectLst/>
+                <a:latin typeface="Consolas" panose="020B0609020204030204" pitchFamily="49" charset="0"/>
+              </a:rPr>
+              <a:t> </a:t>
+            </a:r>
+            <a:r>
+              <a:rPr lang="en-US" altLang="ja-JP" b="0" dirty="0">
+                <a:solidFill>
+                  <a:srgbClr val="0991B6"/>
+                </a:solidFill>
+                <a:effectLst/>
+                <a:latin typeface="Consolas" panose="020B0609020204030204" pitchFamily="49" charset="0"/>
+              </a:rPr>
+              <a:t>in</a:t>
+            </a:r>
+            <a:r>
+              <a:rPr lang="en-US" altLang="ja-JP" b="0" dirty="0">
+                <a:solidFill>
+                  <a:srgbClr val="0460B1"/>
+                </a:solidFill>
+                <a:effectLst/>
+                <a:latin typeface="Consolas" panose="020B0609020204030204" pitchFamily="49" charset="0"/>
+              </a:rPr>
+              <a:t> </a:t>
+            </a:r>
+            <a:r>
+              <a:rPr lang="en-US" altLang="ja-JP" b="0" dirty="0">
+                <a:solidFill>
+                  <a:srgbClr val="08134A"/>
+                </a:solidFill>
+                <a:effectLst/>
+                <a:latin typeface="Consolas" panose="020B0609020204030204" pitchFamily="49" charset="0"/>
+              </a:rPr>
+              <a:t>range</a:t>
+            </a:r>
+            <a:r>
+              <a:rPr lang="en-US" altLang="ja-JP" b="0" dirty="0">
+                <a:solidFill>
+                  <a:srgbClr val="0460B1"/>
+                </a:solidFill>
+                <a:effectLst/>
+                <a:latin typeface="Consolas" panose="020B0609020204030204" pitchFamily="49" charset="0"/>
+              </a:rPr>
+              <a:t>(N):</a:t>
+            </a:r>
+            <a:endParaRPr lang="en-US" altLang="ja-JP" b="0" dirty="0">
+              <a:solidFill>
+                <a:srgbClr val="236EBF"/>
+              </a:solidFill>
+              <a:effectLst/>
+              <a:latin typeface="Consolas" panose="020B0609020204030204" pitchFamily="49" charset="0"/>
+            </a:endParaRPr>
+          </a:p>
+          <a:p>
+            <a:r>
+              <a:rPr lang="en-US" altLang="ja-JP" b="0" dirty="0">
+                <a:solidFill>
+                  <a:srgbClr val="0460B1"/>
+                </a:solidFill>
+                <a:effectLst/>
+                <a:latin typeface="Consolas" panose="020B0609020204030204" pitchFamily="49" charset="0"/>
+              </a:rPr>
+              <a:t>        v </a:t>
+            </a:r>
+            <a:r>
+              <a:rPr lang="en-US" altLang="ja-JP" b="0" dirty="0">
+                <a:solidFill>
+                  <a:srgbClr val="7B30D0"/>
+                </a:solidFill>
+                <a:effectLst/>
+                <a:latin typeface="Consolas" panose="020B0609020204030204" pitchFamily="49" charset="0"/>
+              </a:rPr>
+              <a:t>+=</a:t>
+            </a:r>
+            <a:r>
+              <a:rPr lang="en-US" altLang="ja-JP" b="0" dirty="0">
+                <a:solidFill>
+                  <a:srgbClr val="0460B1"/>
+                </a:solidFill>
+                <a:effectLst/>
+                <a:latin typeface="Consolas" panose="020B0609020204030204" pitchFamily="49" charset="0"/>
+              </a:rPr>
+              <a:t> </a:t>
+            </a:r>
+            <a:r>
+              <a:rPr lang="en-US" altLang="ja-JP" b="0" dirty="0" err="1">
+                <a:solidFill>
+                  <a:srgbClr val="0460B1"/>
+                </a:solidFill>
+                <a:effectLst/>
+                <a:latin typeface="Consolas" panose="020B0609020204030204" pitchFamily="49" charset="0"/>
+              </a:rPr>
+              <a:t>np.random.randn</a:t>
+            </a:r>
+            <a:r>
+              <a:rPr lang="en-US" altLang="ja-JP" b="0" dirty="0">
+                <a:solidFill>
+                  <a:srgbClr val="0460B1"/>
+                </a:solidFill>
+                <a:effectLst/>
+                <a:latin typeface="Consolas" panose="020B0609020204030204" pitchFamily="49" charset="0"/>
+              </a:rPr>
+              <a:t>()</a:t>
+            </a:r>
+            <a:r>
+              <a:rPr lang="en-US" altLang="ja-JP" b="0" dirty="0">
+                <a:solidFill>
+                  <a:srgbClr val="7B30D0"/>
+                </a:solidFill>
+                <a:effectLst/>
+                <a:latin typeface="Consolas" panose="020B0609020204030204" pitchFamily="49" charset="0"/>
+              </a:rPr>
+              <a:t>*</a:t>
+            </a:r>
+            <a:r>
+              <a:rPr lang="en-US" altLang="ja-JP" b="0" dirty="0">
+                <a:solidFill>
+                  <a:srgbClr val="174781"/>
+                </a:solidFill>
+                <a:effectLst/>
+                <a:latin typeface="Consolas" panose="020B0609020204030204" pitchFamily="49" charset="0"/>
+              </a:rPr>
+              <a:t>0.1</a:t>
+            </a:r>
+            <a:endParaRPr lang="en-US" altLang="ja-JP" b="0" dirty="0">
+              <a:solidFill>
+                <a:srgbClr val="236EBF"/>
+              </a:solidFill>
+              <a:effectLst/>
+              <a:latin typeface="Consolas" panose="020B0609020204030204" pitchFamily="49" charset="0"/>
+            </a:endParaRPr>
+          </a:p>
+          <a:p>
+            <a:r>
+              <a:rPr lang="en-US" altLang="ja-JP" b="0" dirty="0">
+                <a:solidFill>
+                  <a:srgbClr val="0460B1"/>
+                </a:solidFill>
+                <a:effectLst/>
+                <a:latin typeface="Consolas" panose="020B0609020204030204" pitchFamily="49" charset="0"/>
+              </a:rPr>
+              <a:t>        v </a:t>
+            </a:r>
+            <a:r>
+              <a:rPr lang="en-US" altLang="ja-JP" b="0" dirty="0">
+                <a:solidFill>
+                  <a:srgbClr val="7B30D0"/>
+                </a:solidFill>
+                <a:effectLst/>
+                <a:latin typeface="Consolas" panose="020B0609020204030204" pitchFamily="49" charset="0"/>
+              </a:rPr>
+              <a:t>-=</a:t>
+            </a:r>
+            <a:r>
+              <a:rPr lang="en-US" altLang="ja-JP" b="0" dirty="0">
+                <a:solidFill>
+                  <a:srgbClr val="0460B1"/>
+                </a:solidFill>
+                <a:effectLst/>
+                <a:latin typeface="Consolas" panose="020B0609020204030204" pitchFamily="49" charset="0"/>
+              </a:rPr>
+              <a:t> gamma </a:t>
+            </a:r>
+            <a:r>
+              <a:rPr lang="en-US" altLang="ja-JP" b="0" dirty="0">
+                <a:solidFill>
+                  <a:srgbClr val="7B30D0"/>
+                </a:solidFill>
+                <a:effectLst/>
+                <a:latin typeface="Consolas" panose="020B0609020204030204" pitchFamily="49" charset="0"/>
+              </a:rPr>
+              <a:t>*</a:t>
+            </a:r>
+            <a:r>
+              <a:rPr lang="en-US" altLang="ja-JP" b="0" dirty="0">
+                <a:solidFill>
+                  <a:srgbClr val="0460B1"/>
+                </a:solidFill>
+                <a:effectLst/>
+                <a:latin typeface="Consolas" panose="020B0609020204030204" pitchFamily="49" charset="0"/>
+              </a:rPr>
+              <a:t> v</a:t>
+            </a:r>
+            <a:endParaRPr lang="en-US" altLang="ja-JP" b="0" dirty="0">
+              <a:solidFill>
+                <a:srgbClr val="236EBF"/>
+              </a:solidFill>
+              <a:effectLst/>
+              <a:latin typeface="Consolas" panose="020B0609020204030204" pitchFamily="49" charset="0"/>
+            </a:endParaRPr>
+          </a:p>
+          <a:p>
+            <a:r>
+              <a:rPr lang="en-US" altLang="ja-JP" b="0" dirty="0">
+                <a:solidFill>
+                  <a:srgbClr val="0460B1"/>
+                </a:solidFill>
+                <a:effectLst/>
+                <a:latin typeface="Consolas" panose="020B0609020204030204" pitchFamily="49" charset="0"/>
+              </a:rPr>
+              <a:t>        d[</a:t>
+            </a:r>
+            <a:r>
+              <a:rPr lang="en-US" altLang="ja-JP" b="0" dirty="0" err="1">
+                <a:solidFill>
+                  <a:srgbClr val="0460B1"/>
+                </a:solidFill>
+                <a:effectLst/>
+                <a:latin typeface="Consolas" panose="020B0609020204030204" pitchFamily="49" charset="0"/>
+              </a:rPr>
+              <a:t>i</a:t>
+            </a:r>
+            <a:r>
+              <a:rPr lang="en-US" altLang="ja-JP" b="0" dirty="0">
+                <a:solidFill>
+                  <a:srgbClr val="0460B1"/>
+                </a:solidFill>
+                <a:effectLst/>
+                <a:latin typeface="Consolas" panose="020B0609020204030204" pitchFamily="49" charset="0"/>
+              </a:rPr>
+              <a:t>] </a:t>
+            </a:r>
+            <a:r>
+              <a:rPr lang="en-US" altLang="ja-JP" b="0" dirty="0">
+                <a:solidFill>
+                  <a:srgbClr val="7B30D0"/>
+                </a:solidFill>
+                <a:effectLst/>
+                <a:latin typeface="Consolas" panose="020B0609020204030204" pitchFamily="49" charset="0"/>
+              </a:rPr>
+              <a:t>=</a:t>
+            </a:r>
+            <a:r>
+              <a:rPr lang="en-US" altLang="ja-JP" b="0" dirty="0">
+                <a:solidFill>
+                  <a:srgbClr val="0460B1"/>
+                </a:solidFill>
+                <a:effectLst/>
+                <a:latin typeface="Consolas" panose="020B0609020204030204" pitchFamily="49" charset="0"/>
+              </a:rPr>
+              <a:t> v</a:t>
+            </a:r>
+            <a:endParaRPr lang="en-US" altLang="ja-JP" b="0" dirty="0">
+              <a:solidFill>
+                <a:srgbClr val="236EBF"/>
+              </a:solidFill>
+              <a:effectLst/>
+              <a:latin typeface="Consolas" panose="020B0609020204030204" pitchFamily="49" charset="0"/>
+            </a:endParaRPr>
+          </a:p>
+          <a:p>
+            <a:r>
+              <a:rPr lang="en-US" altLang="ja-JP" b="0" dirty="0">
+                <a:solidFill>
+                  <a:srgbClr val="0460B1"/>
+                </a:solidFill>
+                <a:effectLst/>
+                <a:latin typeface="Consolas" panose="020B0609020204030204" pitchFamily="49" charset="0"/>
+              </a:rPr>
+              <a:t>    </a:t>
+            </a:r>
+            <a:r>
+              <a:rPr lang="en-US" altLang="ja-JP" b="0" dirty="0" err="1">
+                <a:solidFill>
+                  <a:srgbClr val="0460B1"/>
+                </a:solidFill>
+                <a:effectLst/>
+                <a:latin typeface="Consolas" panose="020B0609020204030204" pitchFamily="49" charset="0"/>
+              </a:rPr>
+              <a:t>ave</a:t>
+            </a:r>
+            <a:r>
+              <a:rPr lang="en-US" altLang="ja-JP" b="0" dirty="0">
+                <a:solidFill>
+                  <a:srgbClr val="0460B1"/>
+                </a:solidFill>
+                <a:effectLst/>
+                <a:latin typeface="Consolas" panose="020B0609020204030204" pitchFamily="49" charset="0"/>
+              </a:rPr>
+              <a:t> </a:t>
+            </a:r>
+            <a:r>
+              <a:rPr lang="en-US" altLang="ja-JP" b="0" dirty="0">
+                <a:solidFill>
+                  <a:srgbClr val="7B30D0"/>
+                </a:solidFill>
+                <a:effectLst/>
+                <a:latin typeface="Consolas" panose="020B0609020204030204" pitchFamily="49" charset="0"/>
+              </a:rPr>
+              <a:t>=</a:t>
+            </a:r>
+            <a:r>
+              <a:rPr lang="en-US" altLang="ja-JP" b="0" dirty="0">
+                <a:solidFill>
+                  <a:srgbClr val="0460B1"/>
+                </a:solidFill>
+                <a:effectLst/>
+                <a:latin typeface="Consolas" panose="020B0609020204030204" pitchFamily="49" charset="0"/>
+              </a:rPr>
+              <a:t> </a:t>
+            </a:r>
+            <a:r>
+              <a:rPr lang="en-US" altLang="ja-JP" b="0" dirty="0" err="1">
+                <a:solidFill>
+                  <a:srgbClr val="0460B1"/>
+                </a:solidFill>
+                <a:effectLst/>
+                <a:latin typeface="Consolas" panose="020B0609020204030204" pitchFamily="49" charset="0"/>
+              </a:rPr>
+              <a:t>np.average</a:t>
+            </a:r>
+            <a:r>
+              <a:rPr lang="en-US" altLang="ja-JP" b="0" dirty="0">
+                <a:solidFill>
+                  <a:srgbClr val="0460B1"/>
+                </a:solidFill>
+                <a:effectLst/>
+                <a:latin typeface="Consolas" panose="020B0609020204030204" pitchFamily="49" charset="0"/>
+              </a:rPr>
+              <a:t>(d)</a:t>
+            </a:r>
+            <a:endParaRPr lang="en-US" altLang="ja-JP" b="0" dirty="0">
+              <a:solidFill>
+                <a:srgbClr val="236EBF"/>
+              </a:solidFill>
+              <a:effectLst/>
+              <a:latin typeface="Consolas" panose="020B0609020204030204" pitchFamily="49" charset="0"/>
+            </a:endParaRPr>
+          </a:p>
+          <a:p>
+            <a:r>
+              <a:rPr lang="en-US" altLang="ja-JP" b="0" dirty="0">
+                <a:solidFill>
+                  <a:srgbClr val="0460B1"/>
+                </a:solidFill>
+                <a:effectLst/>
+                <a:latin typeface="Consolas" panose="020B0609020204030204" pitchFamily="49" charset="0"/>
+              </a:rPr>
+              <a:t>    err </a:t>
+            </a:r>
+            <a:r>
+              <a:rPr lang="en-US" altLang="ja-JP" b="0" dirty="0">
+                <a:solidFill>
+                  <a:srgbClr val="7B30D0"/>
+                </a:solidFill>
+                <a:effectLst/>
+                <a:latin typeface="Consolas" panose="020B0609020204030204" pitchFamily="49" charset="0"/>
+              </a:rPr>
+              <a:t>=</a:t>
+            </a:r>
+            <a:r>
+              <a:rPr lang="en-US" altLang="ja-JP" b="0" dirty="0">
+                <a:solidFill>
+                  <a:srgbClr val="0460B1"/>
+                </a:solidFill>
+                <a:effectLst/>
+                <a:latin typeface="Consolas" panose="020B0609020204030204" pitchFamily="49" charset="0"/>
+              </a:rPr>
+              <a:t> </a:t>
+            </a:r>
+            <a:r>
+              <a:rPr lang="en-US" altLang="ja-JP" b="0" dirty="0" err="1">
+                <a:solidFill>
+                  <a:srgbClr val="0460B1"/>
+                </a:solidFill>
+                <a:effectLst/>
+                <a:latin typeface="Consolas" panose="020B0609020204030204" pitchFamily="49" charset="0"/>
+              </a:rPr>
+              <a:t>np.std</a:t>
+            </a:r>
+            <a:r>
+              <a:rPr lang="en-US" altLang="ja-JP" b="0" dirty="0">
+                <a:solidFill>
+                  <a:srgbClr val="0460B1"/>
+                </a:solidFill>
+                <a:effectLst/>
+                <a:latin typeface="Consolas" panose="020B0609020204030204" pitchFamily="49" charset="0"/>
+              </a:rPr>
+              <a:t>(d) </a:t>
+            </a:r>
+            <a:r>
+              <a:rPr lang="en-US" altLang="ja-JP" b="0" dirty="0">
+                <a:solidFill>
+                  <a:srgbClr val="7B30D0"/>
+                </a:solidFill>
+                <a:effectLst/>
+                <a:latin typeface="Consolas" panose="020B0609020204030204" pitchFamily="49" charset="0"/>
+              </a:rPr>
+              <a:t>/</a:t>
+            </a:r>
+            <a:r>
+              <a:rPr lang="en-US" altLang="ja-JP" b="0" dirty="0">
+                <a:solidFill>
+                  <a:srgbClr val="0460B1"/>
+                </a:solidFill>
+                <a:effectLst/>
+                <a:latin typeface="Consolas" panose="020B0609020204030204" pitchFamily="49" charset="0"/>
+              </a:rPr>
+              <a:t> </a:t>
+            </a:r>
+            <a:r>
+              <a:rPr lang="en-US" altLang="ja-JP" b="0" dirty="0" err="1">
+                <a:solidFill>
+                  <a:srgbClr val="0460B1"/>
+                </a:solidFill>
+                <a:effectLst/>
+                <a:latin typeface="Consolas" panose="020B0609020204030204" pitchFamily="49" charset="0"/>
+              </a:rPr>
+              <a:t>np.sqrt</a:t>
+            </a:r>
+            <a:r>
+              <a:rPr lang="en-US" altLang="ja-JP" b="0" dirty="0">
+                <a:solidFill>
+                  <a:srgbClr val="0460B1"/>
+                </a:solidFill>
+                <a:effectLst/>
+                <a:latin typeface="Consolas" panose="020B0609020204030204" pitchFamily="49" charset="0"/>
+              </a:rPr>
+              <a:t>(N)</a:t>
+            </a:r>
+            <a:endParaRPr lang="en-US" altLang="ja-JP" b="0" dirty="0">
+              <a:solidFill>
+                <a:srgbClr val="236EBF"/>
+              </a:solidFill>
+              <a:effectLst/>
+              <a:latin typeface="Consolas" panose="020B0609020204030204" pitchFamily="49" charset="0"/>
+            </a:endParaRPr>
+          </a:p>
+          <a:p>
+            <a:r>
+              <a:rPr lang="en-US" altLang="ja-JP" b="0" dirty="0">
+                <a:solidFill>
+                  <a:srgbClr val="0460B1"/>
+                </a:solidFill>
+                <a:effectLst/>
+                <a:latin typeface="Consolas" panose="020B0609020204030204" pitchFamily="49" charset="0"/>
+              </a:rPr>
+              <a:t>    </a:t>
+            </a:r>
+            <a:r>
+              <a:rPr lang="en-US" altLang="ja-JP" b="0" dirty="0">
+                <a:solidFill>
+                  <a:srgbClr val="08134A"/>
+                </a:solidFill>
+                <a:effectLst/>
+                <a:latin typeface="Consolas" panose="020B0609020204030204" pitchFamily="49" charset="0"/>
+              </a:rPr>
+              <a:t>print</a:t>
+            </a:r>
+            <a:r>
+              <a:rPr lang="en-US" altLang="ja-JP" b="0" dirty="0">
+                <a:solidFill>
+                  <a:srgbClr val="0460B1"/>
+                </a:solidFill>
+                <a:effectLst/>
+                <a:latin typeface="Consolas" panose="020B0609020204030204" pitchFamily="49" charset="0"/>
+              </a:rPr>
+              <a:t>(</a:t>
+            </a:r>
+            <a:r>
+              <a:rPr lang="en-US" altLang="ja-JP" b="0" dirty="0">
+                <a:solidFill>
+                  <a:srgbClr val="0991B6"/>
+                </a:solidFill>
+                <a:effectLst/>
+                <a:latin typeface="Consolas" panose="020B0609020204030204" pitchFamily="49" charset="0"/>
+              </a:rPr>
+              <a:t>f</a:t>
+            </a:r>
+            <a:r>
+              <a:rPr lang="en-US" altLang="ja-JP" b="0" dirty="0">
+                <a:solidFill>
+                  <a:srgbClr val="A44185"/>
+                </a:solidFill>
+                <a:effectLst/>
+                <a:latin typeface="Consolas" panose="020B0609020204030204" pitchFamily="49" charset="0"/>
+              </a:rPr>
+              <a:t>"</a:t>
+            </a:r>
+            <a:r>
+              <a:rPr lang="en-US" altLang="ja-JP" b="0" dirty="0">
+                <a:solidFill>
+                  <a:srgbClr val="2970C7"/>
+                </a:solidFill>
+                <a:effectLst/>
+                <a:latin typeface="Consolas" panose="020B0609020204030204" pitchFamily="49" charset="0"/>
+              </a:rPr>
+              <a:t>{</a:t>
+            </a:r>
+            <a:r>
+              <a:rPr lang="en-US" altLang="ja-JP" b="0" dirty="0">
+                <a:solidFill>
+                  <a:srgbClr val="0460B1"/>
+                </a:solidFill>
+                <a:effectLst/>
+                <a:latin typeface="Consolas" panose="020B0609020204030204" pitchFamily="49" charset="0"/>
+              </a:rPr>
+              <a:t>(j</a:t>
+            </a:r>
+            <a:r>
+              <a:rPr lang="en-US" altLang="ja-JP" b="0" dirty="0">
+                <a:solidFill>
+                  <a:srgbClr val="7B30D0"/>
+                </a:solidFill>
+                <a:effectLst/>
+                <a:latin typeface="Consolas" panose="020B0609020204030204" pitchFamily="49" charset="0"/>
+              </a:rPr>
+              <a:t>+</a:t>
+            </a:r>
+            <a:r>
+              <a:rPr lang="en-US" altLang="ja-JP" b="0" dirty="0">
+                <a:solidFill>
+                  <a:srgbClr val="174781"/>
+                </a:solidFill>
+                <a:effectLst/>
+                <a:latin typeface="Consolas" panose="020B0609020204030204" pitchFamily="49" charset="0"/>
+              </a:rPr>
+              <a:t>0.5</a:t>
+            </a:r>
+            <a:r>
+              <a:rPr lang="en-US" altLang="ja-JP" b="0" dirty="0">
+                <a:solidFill>
+                  <a:srgbClr val="0460B1"/>
+                </a:solidFill>
+                <a:effectLst/>
+                <a:latin typeface="Consolas" panose="020B0609020204030204" pitchFamily="49" charset="0"/>
+              </a:rPr>
+              <a:t>)</a:t>
+            </a:r>
+            <a:r>
+              <a:rPr lang="en-US" altLang="ja-JP" b="0" dirty="0">
+                <a:solidFill>
+                  <a:srgbClr val="7B30D0"/>
+                </a:solidFill>
+                <a:effectLst/>
+                <a:latin typeface="Consolas" panose="020B0609020204030204" pitchFamily="49" charset="0"/>
+              </a:rPr>
+              <a:t>*</a:t>
+            </a:r>
+            <a:r>
+              <a:rPr lang="en-US" altLang="ja-JP" b="0" dirty="0">
+                <a:solidFill>
+                  <a:srgbClr val="0460B1"/>
+                </a:solidFill>
+                <a:effectLst/>
+                <a:latin typeface="Consolas" panose="020B0609020204030204" pitchFamily="49" charset="0"/>
+              </a:rPr>
+              <a:t>N</a:t>
+            </a:r>
+            <a:r>
+              <a:rPr lang="en-US" altLang="ja-JP" b="0" dirty="0">
+                <a:solidFill>
+                  <a:srgbClr val="2970C7"/>
+                </a:solidFill>
+                <a:effectLst/>
+                <a:latin typeface="Consolas" panose="020B0609020204030204" pitchFamily="49" charset="0"/>
+              </a:rPr>
+              <a:t>}</a:t>
+            </a:r>
+            <a:r>
+              <a:rPr lang="en-US" altLang="ja-JP" b="0" dirty="0">
+                <a:solidFill>
+                  <a:srgbClr val="A44185"/>
+                </a:solidFill>
+                <a:effectLst/>
+                <a:latin typeface="Consolas" panose="020B0609020204030204" pitchFamily="49" charset="0"/>
+              </a:rPr>
+              <a:t> </a:t>
+            </a:r>
+            <a:r>
+              <a:rPr lang="en-US" altLang="ja-JP" b="0" dirty="0">
+                <a:solidFill>
+                  <a:srgbClr val="2970C7"/>
+                </a:solidFill>
+                <a:effectLst/>
+                <a:latin typeface="Consolas" panose="020B0609020204030204" pitchFamily="49" charset="0"/>
+              </a:rPr>
+              <a:t>{</a:t>
+            </a:r>
+            <a:r>
+              <a:rPr lang="en-US" altLang="ja-JP" b="0" dirty="0" err="1">
+                <a:solidFill>
+                  <a:srgbClr val="0460B1"/>
+                </a:solidFill>
+                <a:effectLst/>
+                <a:latin typeface="Consolas" panose="020B0609020204030204" pitchFamily="49" charset="0"/>
+              </a:rPr>
+              <a:t>ave</a:t>
+            </a:r>
+            <a:r>
+              <a:rPr lang="en-US" altLang="ja-JP" b="0" dirty="0">
+                <a:solidFill>
+                  <a:srgbClr val="2970C7"/>
+                </a:solidFill>
+                <a:effectLst/>
+                <a:latin typeface="Consolas" panose="020B0609020204030204" pitchFamily="49" charset="0"/>
+              </a:rPr>
+              <a:t>}</a:t>
+            </a:r>
+            <a:r>
+              <a:rPr lang="en-US" altLang="ja-JP" b="0" dirty="0">
+                <a:solidFill>
+                  <a:srgbClr val="A44185"/>
+                </a:solidFill>
+                <a:effectLst/>
+                <a:latin typeface="Consolas" panose="020B0609020204030204" pitchFamily="49" charset="0"/>
+              </a:rPr>
+              <a:t> </a:t>
+            </a:r>
+            <a:r>
+              <a:rPr lang="en-US" altLang="ja-JP" b="0" dirty="0">
+                <a:solidFill>
+                  <a:srgbClr val="2970C7"/>
+                </a:solidFill>
+                <a:effectLst/>
+                <a:latin typeface="Consolas" panose="020B0609020204030204" pitchFamily="49" charset="0"/>
+              </a:rPr>
+              <a:t>{</a:t>
+            </a:r>
+            <a:r>
+              <a:rPr lang="en-US" altLang="ja-JP" b="0" dirty="0">
+                <a:solidFill>
+                  <a:srgbClr val="0460B1"/>
+                </a:solidFill>
+                <a:effectLst/>
+                <a:latin typeface="Consolas" panose="020B0609020204030204" pitchFamily="49" charset="0"/>
+              </a:rPr>
+              <a:t>err</a:t>
+            </a:r>
+            <a:r>
+              <a:rPr lang="en-US" altLang="ja-JP" b="0" dirty="0">
+                <a:solidFill>
+                  <a:srgbClr val="2970C7"/>
+                </a:solidFill>
+                <a:effectLst/>
+                <a:latin typeface="Consolas" panose="020B0609020204030204" pitchFamily="49" charset="0"/>
+              </a:rPr>
+              <a:t>}</a:t>
+            </a:r>
+            <a:r>
+              <a:rPr lang="en-US" altLang="ja-JP" b="0" dirty="0">
+                <a:solidFill>
+                  <a:srgbClr val="A44185"/>
+                </a:solidFill>
+                <a:effectLst/>
+                <a:latin typeface="Consolas" panose="020B0609020204030204" pitchFamily="49" charset="0"/>
+              </a:rPr>
+              <a:t>"</a:t>
+            </a:r>
+            <a:r>
+              <a:rPr lang="en-US" altLang="ja-JP" b="0" dirty="0">
+                <a:solidFill>
+                  <a:srgbClr val="0460B1"/>
+                </a:solidFill>
+                <a:effectLst/>
+                <a:latin typeface="Consolas" panose="020B0609020204030204" pitchFamily="49" charset="0"/>
+              </a:rPr>
+              <a:t>)</a:t>
+            </a:r>
+            <a:endParaRPr lang="en-US" altLang="ja-JP" b="0" dirty="0">
+              <a:solidFill>
+                <a:srgbClr val="236EBF"/>
+              </a:solidFill>
+              <a:effectLst/>
+              <a:latin typeface="Consolas" panose="020B0609020204030204" pitchFamily="49" charset="0"/>
+            </a:endParaRPr>
+          </a:p>
+        </p:txBody>
+      </p:sp>
+      <p:sp>
+        <p:nvSpPr>
+          <p:cNvPr id="6" name="テキスト ボックス 5">
+            <a:extLst>
+              <a:ext uri="{FF2B5EF4-FFF2-40B4-BE49-F238E27FC236}">
+                <a16:creationId xmlns:a16="http://schemas.microsoft.com/office/drawing/2014/main" id="{515D0B45-E68F-47A5-89A2-5FCFF6647756}"/>
+              </a:ext>
+            </a:extLst>
+          </p:cNvPr>
+          <p:cNvSpPr txBox="1"/>
+          <p:nvPr/>
+        </p:nvSpPr>
+        <p:spPr>
+          <a:xfrm>
+            <a:off x="323528" y="980728"/>
+            <a:ext cx="4493538" cy="461665"/>
+          </a:xfrm>
+          <a:prstGeom prst="rect">
+            <a:avLst/>
+          </a:prstGeom>
+          <a:noFill/>
+        </p:spPr>
+        <p:txBody>
+          <a:bodyPr wrap="none" rtlCol="0">
+            <a:spAutoFit/>
+          </a:bodyPr>
+          <a:lstStyle/>
+          <a:p>
+            <a:r>
+              <a:rPr kumimoji="1" lang="ja-JP" altLang="en-US" sz="2400" dirty="0"/>
+              <a:t>ランジュバン方程式の数値解法</a:t>
+            </a:r>
+          </a:p>
+        </p:txBody>
+      </p:sp>
+      <mc:AlternateContent xmlns:mc="http://schemas.openxmlformats.org/markup-compatibility/2006">
+        <mc:Choice xmlns:a14="http://schemas.microsoft.com/office/drawing/2010/main" Requires="a14">
+          <p:sp>
+            <p:nvSpPr>
+              <p:cNvPr id="7" name="テキスト ボックス 6">
+                <a:extLst>
+                  <a:ext uri="{FF2B5EF4-FFF2-40B4-BE49-F238E27FC236}">
+                    <a16:creationId xmlns:a16="http://schemas.microsoft.com/office/drawing/2014/main" id="{84503925-0585-4DC8-B200-32EFDEE3E503}"/>
+                  </a:ext>
+                </a:extLst>
+              </p:cNvPr>
+              <p:cNvSpPr txBox="1"/>
+              <p:nvPr/>
+            </p:nvSpPr>
+            <p:spPr>
+              <a:xfrm>
+                <a:off x="5940152" y="2708920"/>
+                <a:ext cx="2824106" cy="1027333"/>
+              </a:xfrm>
+              <a:prstGeom prst="rect">
+                <a:avLst/>
+              </a:prstGeom>
+              <a:noFill/>
+            </p:spPr>
+            <p:txBody>
+              <a:bodyPr wrap="none" rtlCol="0">
+                <a:spAutoFit/>
+              </a:bodyPr>
+              <a:lstStyle/>
+              <a:p>
+                <a14:m>
+                  <m:oMathPara xmlns:m="http://schemas.openxmlformats.org/officeDocument/2006/math">
+                    <m:oMathParaPr>
+                      <m:jc m:val="centerGroup"/>
+                    </m:oMathParaPr>
+                    <m:oMath xmlns:m="http://schemas.openxmlformats.org/officeDocument/2006/math">
+                      <m:f>
+                        <m:fPr>
+                          <m:ctrlPr>
+                            <a:rPr kumimoji="1" lang="en-US" altLang="ja-JP" sz="3200" b="0" i="1" smtClean="0">
+                              <a:latin typeface="Cambria Math" panose="02040503050406030204" pitchFamily="18" charset="0"/>
+                            </a:rPr>
+                          </m:ctrlPr>
+                        </m:fPr>
+                        <m:num>
+                          <m:r>
+                            <a:rPr kumimoji="1" lang="en-US" altLang="ja-JP" sz="3200" b="0" i="1" smtClean="0">
+                              <a:latin typeface="Cambria Math" panose="02040503050406030204" pitchFamily="18" charset="0"/>
+                            </a:rPr>
+                            <m:t>𝑑𝑣</m:t>
+                          </m:r>
+                        </m:num>
+                        <m:den>
+                          <m:r>
+                            <a:rPr kumimoji="1" lang="en-US" altLang="ja-JP" sz="3200" b="0" i="1" smtClean="0">
+                              <a:latin typeface="Cambria Math" panose="02040503050406030204" pitchFamily="18" charset="0"/>
+                            </a:rPr>
+                            <m:t>𝑑𝑡</m:t>
+                          </m:r>
+                        </m:den>
+                      </m:f>
+                      <m:r>
+                        <a:rPr kumimoji="1" lang="en-US" altLang="ja-JP" sz="3200" b="0" i="1" smtClean="0">
+                          <a:latin typeface="Cambria Math" panose="02040503050406030204" pitchFamily="18" charset="0"/>
+                        </a:rPr>
+                        <m:t>=−</m:t>
+                      </m:r>
+                      <m:r>
+                        <a:rPr kumimoji="1" lang="en-US" altLang="ja-JP" sz="3200" b="0" i="1" smtClean="0">
+                          <a:latin typeface="Cambria Math" panose="02040503050406030204" pitchFamily="18" charset="0"/>
+                        </a:rPr>
+                        <m:t>𝛾</m:t>
+                      </m:r>
+                      <m:r>
+                        <a:rPr kumimoji="1" lang="en-US" altLang="ja-JP" sz="3200" b="0" i="1" smtClean="0">
+                          <a:latin typeface="Cambria Math" panose="02040503050406030204" pitchFamily="18" charset="0"/>
+                        </a:rPr>
+                        <m:t>𝑣</m:t>
+                      </m:r>
+                      <m:r>
+                        <a:rPr kumimoji="1" lang="en-US" altLang="ja-JP" sz="3200" b="0" i="1" smtClean="0">
+                          <a:latin typeface="Cambria Math" panose="02040503050406030204" pitchFamily="18" charset="0"/>
+                        </a:rPr>
+                        <m:t>+</m:t>
+                      </m:r>
+                      <m:acc>
+                        <m:accPr>
+                          <m:chr m:val="̂"/>
+                          <m:ctrlPr>
+                            <a:rPr kumimoji="1" lang="en-US" altLang="ja-JP" sz="3200" b="0" i="1" smtClean="0">
+                              <a:latin typeface="Cambria Math" panose="02040503050406030204" pitchFamily="18" charset="0"/>
+                            </a:rPr>
+                          </m:ctrlPr>
+                        </m:accPr>
+                        <m:e>
+                          <m:r>
+                            <a:rPr kumimoji="1" lang="en-US" altLang="ja-JP" sz="3200" b="0" i="1" smtClean="0">
+                              <a:latin typeface="Cambria Math" panose="02040503050406030204" pitchFamily="18" charset="0"/>
+                            </a:rPr>
+                            <m:t>𝑅</m:t>
+                          </m:r>
+                        </m:e>
+                      </m:acc>
+                    </m:oMath>
+                  </m:oMathPara>
+                </a14:m>
+                <a:endParaRPr kumimoji="1" lang="ja-JP" altLang="en-US" sz="3200" dirty="0"/>
+              </a:p>
+            </p:txBody>
+          </p:sp>
+        </mc:Choice>
+        <mc:Fallback>
+          <p:sp>
+            <p:nvSpPr>
+              <p:cNvPr id="7" name="テキスト ボックス 6">
+                <a:extLst>
+                  <a:ext uri="{FF2B5EF4-FFF2-40B4-BE49-F238E27FC236}">
+                    <a16:creationId xmlns:a16="http://schemas.microsoft.com/office/drawing/2014/main" id="{84503925-0585-4DC8-B200-32EFDEE3E503}"/>
+                  </a:ext>
+                </a:extLst>
+              </p:cNvPr>
+              <p:cNvSpPr txBox="1">
+                <a:spLocks noRot="1" noChangeAspect="1" noMove="1" noResize="1" noEditPoints="1" noAdjustHandles="1" noChangeArrowheads="1" noChangeShapeType="1" noTextEdit="1"/>
+              </p:cNvSpPr>
+              <p:nvPr/>
+            </p:nvSpPr>
+            <p:spPr>
+              <a:xfrm>
+                <a:off x="5940152" y="2708920"/>
+                <a:ext cx="2824106" cy="1027333"/>
+              </a:xfrm>
+              <a:prstGeom prst="rect">
+                <a:avLst/>
+              </a:prstGeom>
+              <a:blipFill>
+                <a:blip r:embed="rId2"/>
+                <a:stretch>
+                  <a:fillRect/>
+                </a:stretch>
+              </a:blipFill>
+            </p:spPr>
+            <p:txBody>
+              <a:bodyPr/>
+              <a:lstStyle/>
+              <a:p>
+                <a:r>
+                  <a:rPr lang="ja-JP" altLang="en-US">
+                    <a:noFill/>
+                  </a:rPr>
+                  <a:t> </a:t>
+                </a:r>
+              </a:p>
+            </p:txBody>
+          </p:sp>
+        </mc:Fallback>
+      </mc:AlternateContent>
+      <p:sp>
+        <p:nvSpPr>
+          <p:cNvPr id="8" name="楕円 7">
+            <a:extLst>
+              <a:ext uri="{FF2B5EF4-FFF2-40B4-BE49-F238E27FC236}">
+                <a16:creationId xmlns:a16="http://schemas.microsoft.com/office/drawing/2014/main" id="{A553AA7D-C053-46E5-B71D-65829465D837}"/>
+              </a:ext>
+            </a:extLst>
+          </p:cNvPr>
+          <p:cNvSpPr/>
+          <p:nvPr/>
+        </p:nvSpPr>
+        <p:spPr>
+          <a:xfrm>
+            <a:off x="6804248" y="4725144"/>
+            <a:ext cx="792088" cy="792088"/>
+          </a:xfrm>
+          <a:prstGeom prst="ellipse">
+            <a:avLst/>
+          </a:prstGeom>
+          <a:solidFill>
+            <a:srgbClr val="FF0000"/>
+          </a:solidFill>
+          <a:ln>
+            <a:solidFill>
+              <a:schemeClr val="tx1"/>
+            </a:solidFill>
+          </a:ln>
+        </p:spPr>
+        <p:style>
+          <a:lnRef idx="2">
+            <a:schemeClr val="accent1">
+              <a:shade val="50000"/>
+            </a:schemeClr>
+          </a:lnRef>
+          <a:fillRef idx="1">
+            <a:schemeClr val="accent1"/>
+          </a:fillRef>
+          <a:effectRef idx="0">
+            <a:schemeClr val="accent1"/>
+          </a:effectRef>
+          <a:fontRef idx="minor">
+            <a:schemeClr val="lt1"/>
+          </a:fontRef>
+        </p:style>
+        <p:txBody>
+          <a:bodyPr rtlCol="0" anchor="ctr"/>
+          <a:lstStyle/>
+          <a:p>
+            <a:pPr algn="ctr"/>
+            <a:endParaRPr kumimoji="1" lang="ja-JP" altLang="en-US"/>
+          </a:p>
+        </p:txBody>
+      </p:sp>
+      <p:grpSp>
+        <p:nvGrpSpPr>
+          <p:cNvPr id="12" name="グループ化 11">
+            <a:extLst>
+              <a:ext uri="{FF2B5EF4-FFF2-40B4-BE49-F238E27FC236}">
+                <a16:creationId xmlns:a16="http://schemas.microsoft.com/office/drawing/2014/main" id="{E567B239-2D5A-49E5-ABC7-9D990C466E02}"/>
+              </a:ext>
+            </a:extLst>
+          </p:cNvPr>
+          <p:cNvGrpSpPr/>
+          <p:nvPr/>
+        </p:nvGrpSpPr>
+        <p:grpSpPr>
+          <a:xfrm rot="20303880">
+            <a:off x="6266426" y="5191903"/>
+            <a:ext cx="504056" cy="288032"/>
+            <a:chOff x="7308304" y="836712"/>
+            <a:chExt cx="504056" cy="288032"/>
+          </a:xfrm>
+        </p:grpSpPr>
+        <p:sp>
+          <p:nvSpPr>
+            <p:cNvPr id="9" name="楕円 8">
+              <a:extLst>
+                <a:ext uri="{FF2B5EF4-FFF2-40B4-BE49-F238E27FC236}">
+                  <a16:creationId xmlns:a16="http://schemas.microsoft.com/office/drawing/2014/main" id="{7A465D93-C3B2-4D5D-96D7-3D8B7C87BB65}"/>
+                </a:ext>
+              </a:extLst>
+            </p:cNvPr>
+            <p:cNvSpPr/>
+            <p:nvPr/>
+          </p:nvSpPr>
+          <p:spPr>
+            <a:xfrm>
+              <a:off x="7308304" y="836712"/>
+              <a:ext cx="288032" cy="288032"/>
+            </a:xfrm>
+            <a:prstGeom prst="ellipse">
+              <a:avLst/>
+            </a:prstGeom>
+            <a:solidFill>
+              <a:srgbClr val="011893"/>
+            </a:solidFill>
+            <a:ln>
+              <a:solidFill>
+                <a:schemeClr val="tx1"/>
+              </a:solidFill>
+            </a:ln>
+          </p:spPr>
+          <p:style>
+            <a:lnRef idx="2">
+              <a:schemeClr val="accent1">
+                <a:shade val="50000"/>
+              </a:schemeClr>
+            </a:lnRef>
+            <a:fillRef idx="1">
+              <a:schemeClr val="accent1"/>
+            </a:fillRef>
+            <a:effectRef idx="0">
+              <a:schemeClr val="accent1"/>
+            </a:effectRef>
+            <a:fontRef idx="minor">
+              <a:schemeClr val="lt1"/>
+            </a:fontRef>
+          </p:style>
+          <p:txBody>
+            <a:bodyPr rtlCol="0" anchor="ctr"/>
+            <a:lstStyle/>
+            <a:p>
+              <a:pPr algn="ctr"/>
+              <a:endParaRPr kumimoji="1" lang="ja-JP" altLang="en-US"/>
+            </a:p>
+          </p:txBody>
+        </p:sp>
+        <p:cxnSp>
+          <p:nvCxnSpPr>
+            <p:cNvPr id="11" name="直線矢印コネクタ 10">
+              <a:extLst>
+                <a:ext uri="{FF2B5EF4-FFF2-40B4-BE49-F238E27FC236}">
+                  <a16:creationId xmlns:a16="http://schemas.microsoft.com/office/drawing/2014/main" id="{1725DD19-F0A4-468F-965C-F34C7B4758C0}"/>
+                </a:ext>
+              </a:extLst>
+            </p:cNvPr>
+            <p:cNvCxnSpPr>
+              <a:stCxn id="9" idx="6"/>
+            </p:cNvCxnSpPr>
+            <p:nvPr/>
+          </p:nvCxnSpPr>
+          <p:spPr>
+            <a:xfrm>
+              <a:off x="7596336" y="980728"/>
+              <a:ext cx="216024" cy="0"/>
+            </a:xfrm>
+            <a:prstGeom prst="straightConnector1">
+              <a:avLst/>
+            </a:prstGeom>
+            <a:ln>
+              <a:solidFill>
+                <a:schemeClr val="tx1"/>
+              </a:solidFill>
+              <a:headEnd type="none" w="med" len="med"/>
+              <a:tailEnd type="triangle"/>
+            </a:ln>
+          </p:spPr>
+          <p:style>
+            <a:lnRef idx="1">
+              <a:schemeClr val="accent1"/>
+            </a:lnRef>
+            <a:fillRef idx="0">
+              <a:schemeClr val="accent1"/>
+            </a:fillRef>
+            <a:effectRef idx="0">
+              <a:schemeClr val="accent1"/>
+            </a:effectRef>
+            <a:fontRef idx="minor">
+              <a:schemeClr val="tx1"/>
+            </a:fontRef>
+          </p:style>
+        </p:cxnSp>
+      </p:grpSp>
+      <p:grpSp>
+        <p:nvGrpSpPr>
+          <p:cNvPr id="13" name="グループ化 12">
+            <a:extLst>
+              <a:ext uri="{FF2B5EF4-FFF2-40B4-BE49-F238E27FC236}">
+                <a16:creationId xmlns:a16="http://schemas.microsoft.com/office/drawing/2014/main" id="{A340B3E5-8ACD-44E0-AF1B-894319B59D7A}"/>
+              </a:ext>
+            </a:extLst>
+          </p:cNvPr>
+          <p:cNvGrpSpPr/>
+          <p:nvPr/>
+        </p:nvGrpSpPr>
+        <p:grpSpPr>
+          <a:xfrm rot="1800000">
+            <a:off x="6338434" y="4471823"/>
+            <a:ext cx="504056" cy="288032"/>
+            <a:chOff x="7308304" y="836712"/>
+            <a:chExt cx="504056" cy="288032"/>
+          </a:xfrm>
+        </p:grpSpPr>
+        <p:sp>
+          <p:nvSpPr>
+            <p:cNvPr id="14" name="楕円 13">
+              <a:extLst>
+                <a:ext uri="{FF2B5EF4-FFF2-40B4-BE49-F238E27FC236}">
+                  <a16:creationId xmlns:a16="http://schemas.microsoft.com/office/drawing/2014/main" id="{79D23389-393F-4B90-B0E9-D8D6058FCD02}"/>
+                </a:ext>
+              </a:extLst>
+            </p:cNvPr>
+            <p:cNvSpPr/>
+            <p:nvPr/>
+          </p:nvSpPr>
+          <p:spPr>
+            <a:xfrm>
+              <a:off x="7308304" y="836712"/>
+              <a:ext cx="288032" cy="288032"/>
+            </a:xfrm>
+            <a:prstGeom prst="ellipse">
+              <a:avLst/>
+            </a:prstGeom>
+            <a:solidFill>
+              <a:srgbClr val="011893"/>
+            </a:solidFill>
+            <a:ln>
+              <a:solidFill>
+                <a:schemeClr val="tx1"/>
+              </a:solidFill>
+            </a:ln>
+          </p:spPr>
+          <p:style>
+            <a:lnRef idx="2">
+              <a:schemeClr val="accent1">
+                <a:shade val="50000"/>
+              </a:schemeClr>
+            </a:lnRef>
+            <a:fillRef idx="1">
+              <a:schemeClr val="accent1"/>
+            </a:fillRef>
+            <a:effectRef idx="0">
+              <a:schemeClr val="accent1"/>
+            </a:effectRef>
+            <a:fontRef idx="minor">
+              <a:schemeClr val="lt1"/>
+            </a:fontRef>
+          </p:style>
+          <p:txBody>
+            <a:bodyPr rtlCol="0" anchor="ctr"/>
+            <a:lstStyle/>
+            <a:p>
+              <a:pPr algn="ctr"/>
+              <a:endParaRPr kumimoji="1" lang="ja-JP" altLang="en-US"/>
+            </a:p>
+          </p:txBody>
+        </p:sp>
+        <p:cxnSp>
+          <p:nvCxnSpPr>
+            <p:cNvPr id="15" name="直線矢印コネクタ 14">
+              <a:extLst>
+                <a:ext uri="{FF2B5EF4-FFF2-40B4-BE49-F238E27FC236}">
+                  <a16:creationId xmlns:a16="http://schemas.microsoft.com/office/drawing/2014/main" id="{2B810548-4039-469C-B542-DE8E057C7A79}"/>
+                </a:ext>
+              </a:extLst>
+            </p:cNvPr>
+            <p:cNvCxnSpPr>
+              <a:stCxn id="14" idx="6"/>
+            </p:cNvCxnSpPr>
+            <p:nvPr/>
+          </p:nvCxnSpPr>
+          <p:spPr>
+            <a:xfrm>
+              <a:off x="7596336" y="980728"/>
+              <a:ext cx="216024" cy="0"/>
+            </a:xfrm>
+            <a:prstGeom prst="straightConnector1">
+              <a:avLst/>
+            </a:prstGeom>
+            <a:ln>
+              <a:solidFill>
+                <a:schemeClr val="tx1"/>
+              </a:solidFill>
+              <a:headEnd type="none" w="med" len="med"/>
+              <a:tailEnd type="triangle"/>
+            </a:ln>
+          </p:spPr>
+          <p:style>
+            <a:lnRef idx="1">
+              <a:schemeClr val="accent1"/>
+            </a:lnRef>
+            <a:fillRef idx="0">
+              <a:schemeClr val="accent1"/>
+            </a:fillRef>
+            <a:effectRef idx="0">
+              <a:schemeClr val="accent1"/>
+            </a:effectRef>
+            <a:fontRef idx="minor">
+              <a:schemeClr val="tx1"/>
+            </a:fontRef>
+          </p:style>
+        </p:cxnSp>
+      </p:grpSp>
+      <p:grpSp>
+        <p:nvGrpSpPr>
+          <p:cNvPr id="16" name="グループ化 15">
+            <a:extLst>
+              <a:ext uri="{FF2B5EF4-FFF2-40B4-BE49-F238E27FC236}">
+                <a16:creationId xmlns:a16="http://schemas.microsoft.com/office/drawing/2014/main" id="{2474E85D-D7D8-4167-B892-C51909DD4D20}"/>
+              </a:ext>
+            </a:extLst>
+          </p:cNvPr>
+          <p:cNvGrpSpPr/>
+          <p:nvPr/>
+        </p:nvGrpSpPr>
+        <p:grpSpPr>
+          <a:xfrm rot="5896501">
+            <a:off x="6875026" y="5715356"/>
+            <a:ext cx="504056" cy="288032"/>
+            <a:chOff x="7308304" y="836712"/>
+            <a:chExt cx="504056" cy="288032"/>
+          </a:xfrm>
+        </p:grpSpPr>
+        <p:sp>
+          <p:nvSpPr>
+            <p:cNvPr id="17" name="楕円 16">
+              <a:extLst>
+                <a:ext uri="{FF2B5EF4-FFF2-40B4-BE49-F238E27FC236}">
+                  <a16:creationId xmlns:a16="http://schemas.microsoft.com/office/drawing/2014/main" id="{C52B2548-DA7B-4E84-91C7-6E83745D0B8C}"/>
+                </a:ext>
+              </a:extLst>
+            </p:cNvPr>
+            <p:cNvSpPr/>
+            <p:nvPr/>
+          </p:nvSpPr>
+          <p:spPr>
+            <a:xfrm>
+              <a:off x="7308304" y="836712"/>
+              <a:ext cx="288032" cy="288032"/>
+            </a:xfrm>
+            <a:prstGeom prst="ellipse">
+              <a:avLst/>
+            </a:prstGeom>
+            <a:solidFill>
+              <a:srgbClr val="011893"/>
+            </a:solidFill>
+            <a:ln>
+              <a:solidFill>
+                <a:schemeClr val="tx1"/>
+              </a:solidFill>
+            </a:ln>
+          </p:spPr>
+          <p:style>
+            <a:lnRef idx="2">
+              <a:schemeClr val="accent1">
+                <a:shade val="50000"/>
+              </a:schemeClr>
+            </a:lnRef>
+            <a:fillRef idx="1">
+              <a:schemeClr val="accent1"/>
+            </a:fillRef>
+            <a:effectRef idx="0">
+              <a:schemeClr val="accent1"/>
+            </a:effectRef>
+            <a:fontRef idx="minor">
+              <a:schemeClr val="lt1"/>
+            </a:fontRef>
+          </p:style>
+          <p:txBody>
+            <a:bodyPr rtlCol="0" anchor="ctr"/>
+            <a:lstStyle/>
+            <a:p>
+              <a:pPr algn="ctr"/>
+              <a:endParaRPr kumimoji="1" lang="ja-JP" altLang="en-US"/>
+            </a:p>
+          </p:txBody>
+        </p:sp>
+        <p:cxnSp>
+          <p:nvCxnSpPr>
+            <p:cNvPr id="18" name="直線矢印コネクタ 17">
+              <a:extLst>
+                <a:ext uri="{FF2B5EF4-FFF2-40B4-BE49-F238E27FC236}">
+                  <a16:creationId xmlns:a16="http://schemas.microsoft.com/office/drawing/2014/main" id="{DABC73EF-835E-4CA3-B64A-3843729B3A2C}"/>
+                </a:ext>
+              </a:extLst>
+            </p:cNvPr>
+            <p:cNvCxnSpPr>
+              <a:stCxn id="17" idx="6"/>
+            </p:cNvCxnSpPr>
+            <p:nvPr/>
+          </p:nvCxnSpPr>
+          <p:spPr>
+            <a:xfrm>
+              <a:off x="7596336" y="980728"/>
+              <a:ext cx="216024" cy="0"/>
+            </a:xfrm>
+            <a:prstGeom prst="straightConnector1">
+              <a:avLst/>
+            </a:prstGeom>
+            <a:ln>
+              <a:solidFill>
+                <a:schemeClr val="tx1"/>
+              </a:solidFill>
+              <a:headEnd type="none" w="med" len="med"/>
+              <a:tailEnd type="triangle"/>
+            </a:ln>
+          </p:spPr>
+          <p:style>
+            <a:lnRef idx="1">
+              <a:schemeClr val="accent1"/>
+            </a:lnRef>
+            <a:fillRef idx="0">
+              <a:schemeClr val="accent1"/>
+            </a:fillRef>
+            <a:effectRef idx="0">
+              <a:schemeClr val="accent1"/>
+            </a:effectRef>
+            <a:fontRef idx="minor">
+              <a:schemeClr val="tx1"/>
+            </a:fontRef>
+          </p:style>
+        </p:cxnSp>
+      </p:grpSp>
+      <p:grpSp>
+        <p:nvGrpSpPr>
+          <p:cNvPr id="19" name="グループ化 18">
+            <a:extLst>
+              <a:ext uri="{FF2B5EF4-FFF2-40B4-BE49-F238E27FC236}">
+                <a16:creationId xmlns:a16="http://schemas.microsoft.com/office/drawing/2014/main" id="{DB761D15-46D3-41DE-9DB3-4BB75BCC4BEF}"/>
+              </a:ext>
+            </a:extLst>
+          </p:cNvPr>
+          <p:cNvGrpSpPr/>
+          <p:nvPr/>
+        </p:nvGrpSpPr>
+        <p:grpSpPr>
+          <a:xfrm rot="225977">
+            <a:off x="7029188" y="4237332"/>
+            <a:ext cx="504056" cy="288032"/>
+            <a:chOff x="7308304" y="836712"/>
+            <a:chExt cx="504056" cy="288032"/>
+          </a:xfrm>
+        </p:grpSpPr>
+        <p:sp>
+          <p:nvSpPr>
+            <p:cNvPr id="20" name="楕円 19">
+              <a:extLst>
+                <a:ext uri="{FF2B5EF4-FFF2-40B4-BE49-F238E27FC236}">
+                  <a16:creationId xmlns:a16="http://schemas.microsoft.com/office/drawing/2014/main" id="{12F583A5-3C88-4FB1-B029-F0B0A39DF0E7}"/>
+                </a:ext>
+              </a:extLst>
+            </p:cNvPr>
+            <p:cNvSpPr/>
+            <p:nvPr/>
+          </p:nvSpPr>
+          <p:spPr>
+            <a:xfrm>
+              <a:off x="7308304" y="836712"/>
+              <a:ext cx="288032" cy="288032"/>
+            </a:xfrm>
+            <a:prstGeom prst="ellipse">
+              <a:avLst/>
+            </a:prstGeom>
+            <a:solidFill>
+              <a:srgbClr val="011893"/>
+            </a:solidFill>
+            <a:ln>
+              <a:solidFill>
+                <a:schemeClr val="tx1"/>
+              </a:solidFill>
+            </a:ln>
+          </p:spPr>
+          <p:style>
+            <a:lnRef idx="2">
+              <a:schemeClr val="accent1">
+                <a:shade val="50000"/>
+              </a:schemeClr>
+            </a:lnRef>
+            <a:fillRef idx="1">
+              <a:schemeClr val="accent1"/>
+            </a:fillRef>
+            <a:effectRef idx="0">
+              <a:schemeClr val="accent1"/>
+            </a:effectRef>
+            <a:fontRef idx="minor">
+              <a:schemeClr val="lt1"/>
+            </a:fontRef>
+          </p:style>
+          <p:txBody>
+            <a:bodyPr rtlCol="0" anchor="ctr"/>
+            <a:lstStyle/>
+            <a:p>
+              <a:pPr algn="ctr"/>
+              <a:endParaRPr kumimoji="1" lang="ja-JP" altLang="en-US"/>
+            </a:p>
+          </p:txBody>
+        </p:sp>
+        <p:cxnSp>
+          <p:nvCxnSpPr>
+            <p:cNvPr id="21" name="直線矢印コネクタ 20">
+              <a:extLst>
+                <a:ext uri="{FF2B5EF4-FFF2-40B4-BE49-F238E27FC236}">
+                  <a16:creationId xmlns:a16="http://schemas.microsoft.com/office/drawing/2014/main" id="{82CAD510-3BBD-4608-B37B-06D8F07F5CCC}"/>
+                </a:ext>
+              </a:extLst>
+            </p:cNvPr>
+            <p:cNvCxnSpPr>
+              <a:stCxn id="20" idx="6"/>
+            </p:cNvCxnSpPr>
+            <p:nvPr/>
+          </p:nvCxnSpPr>
+          <p:spPr>
+            <a:xfrm>
+              <a:off x="7596336" y="980728"/>
+              <a:ext cx="216024" cy="0"/>
+            </a:xfrm>
+            <a:prstGeom prst="straightConnector1">
+              <a:avLst/>
+            </a:prstGeom>
+            <a:ln>
+              <a:solidFill>
+                <a:schemeClr val="tx1"/>
+              </a:solidFill>
+              <a:headEnd type="none" w="med" len="med"/>
+              <a:tailEnd type="triangle"/>
+            </a:ln>
+          </p:spPr>
+          <p:style>
+            <a:lnRef idx="1">
+              <a:schemeClr val="accent1"/>
+            </a:lnRef>
+            <a:fillRef idx="0">
+              <a:schemeClr val="accent1"/>
+            </a:fillRef>
+            <a:effectRef idx="0">
+              <a:schemeClr val="accent1"/>
+            </a:effectRef>
+            <a:fontRef idx="minor">
+              <a:schemeClr val="tx1"/>
+            </a:fontRef>
+          </p:style>
+        </p:cxnSp>
+      </p:grpSp>
+      <p:grpSp>
+        <p:nvGrpSpPr>
+          <p:cNvPr id="22" name="グループ化 21">
+            <a:extLst>
+              <a:ext uri="{FF2B5EF4-FFF2-40B4-BE49-F238E27FC236}">
+                <a16:creationId xmlns:a16="http://schemas.microsoft.com/office/drawing/2014/main" id="{3A2C49B4-3E0B-4F57-8888-E21006D9C1DF}"/>
+              </a:ext>
+            </a:extLst>
+          </p:cNvPr>
+          <p:cNvGrpSpPr/>
+          <p:nvPr/>
+        </p:nvGrpSpPr>
+        <p:grpSpPr>
+          <a:xfrm rot="8803443">
+            <a:off x="7634030" y="4335755"/>
+            <a:ext cx="504056" cy="288032"/>
+            <a:chOff x="7308304" y="836712"/>
+            <a:chExt cx="504056" cy="288032"/>
+          </a:xfrm>
+        </p:grpSpPr>
+        <p:sp>
+          <p:nvSpPr>
+            <p:cNvPr id="23" name="楕円 22">
+              <a:extLst>
+                <a:ext uri="{FF2B5EF4-FFF2-40B4-BE49-F238E27FC236}">
+                  <a16:creationId xmlns:a16="http://schemas.microsoft.com/office/drawing/2014/main" id="{477937D8-7516-4097-8E02-47381384D941}"/>
+                </a:ext>
+              </a:extLst>
+            </p:cNvPr>
+            <p:cNvSpPr/>
+            <p:nvPr/>
+          </p:nvSpPr>
+          <p:spPr>
+            <a:xfrm>
+              <a:off x="7308304" y="836712"/>
+              <a:ext cx="288032" cy="288032"/>
+            </a:xfrm>
+            <a:prstGeom prst="ellipse">
+              <a:avLst/>
+            </a:prstGeom>
+            <a:solidFill>
+              <a:srgbClr val="011893"/>
+            </a:solidFill>
+            <a:ln>
+              <a:solidFill>
+                <a:schemeClr val="tx1"/>
+              </a:solidFill>
+            </a:ln>
+          </p:spPr>
+          <p:style>
+            <a:lnRef idx="2">
+              <a:schemeClr val="accent1">
+                <a:shade val="50000"/>
+              </a:schemeClr>
+            </a:lnRef>
+            <a:fillRef idx="1">
+              <a:schemeClr val="accent1"/>
+            </a:fillRef>
+            <a:effectRef idx="0">
+              <a:schemeClr val="accent1"/>
+            </a:effectRef>
+            <a:fontRef idx="minor">
+              <a:schemeClr val="lt1"/>
+            </a:fontRef>
+          </p:style>
+          <p:txBody>
+            <a:bodyPr rtlCol="0" anchor="ctr"/>
+            <a:lstStyle/>
+            <a:p>
+              <a:pPr algn="ctr"/>
+              <a:endParaRPr kumimoji="1" lang="ja-JP" altLang="en-US"/>
+            </a:p>
+          </p:txBody>
+        </p:sp>
+        <p:cxnSp>
+          <p:nvCxnSpPr>
+            <p:cNvPr id="24" name="直線矢印コネクタ 23">
+              <a:extLst>
+                <a:ext uri="{FF2B5EF4-FFF2-40B4-BE49-F238E27FC236}">
+                  <a16:creationId xmlns:a16="http://schemas.microsoft.com/office/drawing/2014/main" id="{883A6F19-D5F4-425C-BCB8-871D6B3F5871}"/>
+                </a:ext>
+              </a:extLst>
+            </p:cNvPr>
+            <p:cNvCxnSpPr>
+              <a:stCxn id="23" idx="6"/>
+            </p:cNvCxnSpPr>
+            <p:nvPr/>
+          </p:nvCxnSpPr>
+          <p:spPr>
+            <a:xfrm>
+              <a:off x="7596336" y="980728"/>
+              <a:ext cx="216024" cy="0"/>
+            </a:xfrm>
+            <a:prstGeom prst="straightConnector1">
+              <a:avLst/>
+            </a:prstGeom>
+            <a:ln>
+              <a:solidFill>
+                <a:schemeClr val="tx1"/>
+              </a:solidFill>
+              <a:headEnd type="none" w="med" len="med"/>
+              <a:tailEnd type="triangle"/>
+            </a:ln>
+          </p:spPr>
+          <p:style>
+            <a:lnRef idx="1">
+              <a:schemeClr val="accent1"/>
+            </a:lnRef>
+            <a:fillRef idx="0">
+              <a:schemeClr val="accent1"/>
+            </a:fillRef>
+            <a:effectRef idx="0">
+              <a:schemeClr val="accent1"/>
+            </a:effectRef>
+            <a:fontRef idx="minor">
+              <a:schemeClr val="tx1"/>
+            </a:fontRef>
+          </p:style>
+        </p:cxnSp>
+      </p:grpSp>
+      <p:grpSp>
+        <p:nvGrpSpPr>
+          <p:cNvPr id="25" name="グループ化 24">
+            <a:extLst>
+              <a:ext uri="{FF2B5EF4-FFF2-40B4-BE49-F238E27FC236}">
+                <a16:creationId xmlns:a16="http://schemas.microsoft.com/office/drawing/2014/main" id="{4DFC2581-1E53-4E79-A91F-EA9D6CD7146B}"/>
+              </a:ext>
+            </a:extLst>
+          </p:cNvPr>
+          <p:cNvGrpSpPr/>
+          <p:nvPr/>
+        </p:nvGrpSpPr>
+        <p:grpSpPr>
+          <a:xfrm rot="1728376">
+            <a:off x="7634541" y="5548842"/>
+            <a:ext cx="504056" cy="288032"/>
+            <a:chOff x="7308304" y="836712"/>
+            <a:chExt cx="504056" cy="288032"/>
+          </a:xfrm>
+        </p:grpSpPr>
+        <p:sp>
+          <p:nvSpPr>
+            <p:cNvPr id="26" name="楕円 25">
+              <a:extLst>
+                <a:ext uri="{FF2B5EF4-FFF2-40B4-BE49-F238E27FC236}">
+                  <a16:creationId xmlns:a16="http://schemas.microsoft.com/office/drawing/2014/main" id="{2BCFC4FF-F901-4B77-96FB-701784742D3D}"/>
+                </a:ext>
+              </a:extLst>
+            </p:cNvPr>
+            <p:cNvSpPr/>
+            <p:nvPr/>
+          </p:nvSpPr>
+          <p:spPr>
+            <a:xfrm>
+              <a:off x="7308304" y="836712"/>
+              <a:ext cx="288032" cy="288032"/>
+            </a:xfrm>
+            <a:prstGeom prst="ellipse">
+              <a:avLst/>
+            </a:prstGeom>
+            <a:solidFill>
+              <a:srgbClr val="011893"/>
+            </a:solidFill>
+            <a:ln>
+              <a:solidFill>
+                <a:schemeClr val="tx1"/>
+              </a:solidFill>
+            </a:ln>
+          </p:spPr>
+          <p:style>
+            <a:lnRef idx="2">
+              <a:schemeClr val="accent1">
+                <a:shade val="50000"/>
+              </a:schemeClr>
+            </a:lnRef>
+            <a:fillRef idx="1">
+              <a:schemeClr val="accent1"/>
+            </a:fillRef>
+            <a:effectRef idx="0">
+              <a:schemeClr val="accent1"/>
+            </a:effectRef>
+            <a:fontRef idx="minor">
+              <a:schemeClr val="lt1"/>
+            </a:fontRef>
+          </p:style>
+          <p:txBody>
+            <a:bodyPr rtlCol="0" anchor="ctr"/>
+            <a:lstStyle/>
+            <a:p>
+              <a:pPr algn="ctr"/>
+              <a:endParaRPr kumimoji="1" lang="ja-JP" altLang="en-US"/>
+            </a:p>
+          </p:txBody>
+        </p:sp>
+        <p:cxnSp>
+          <p:nvCxnSpPr>
+            <p:cNvPr id="27" name="直線矢印コネクタ 26">
+              <a:extLst>
+                <a:ext uri="{FF2B5EF4-FFF2-40B4-BE49-F238E27FC236}">
+                  <a16:creationId xmlns:a16="http://schemas.microsoft.com/office/drawing/2014/main" id="{5371129E-123E-48BC-A298-00965EFD6733}"/>
+                </a:ext>
+              </a:extLst>
+            </p:cNvPr>
+            <p:cNvCxnSpPr>
+              <a:stCxn id="26" idx="6"/>
+            </p:cNvCxnSpPr>
+            <p:nvPr/>
+          </p:nvCxnSpPr>
+          <p:spPr>
+            <a:xfrm>
+              <a:off x="7596336" y="980728"/>
+              <a:ext cx="216024" cy="0"/>
+            </a:xfrm>
+            <a:prstGeom prst="straightConnector1">
+              <a:avLst/>
+            </a:prstGeom>
+            <a:ln>
+              <a:solidFill>
+                <a:schemeClr val="tx1"/>
+              </a:solidFill>
+              <a:headEnd type="none" w="med" len="med"/>
+              <a:tailEnd type="triangle"/>
+            </a:ln>
+          </p:spPr>
+          <p:style>
+            <a:lnRef idx="1">
+              <a:schemeClr val="accent1"/>
+            </a:lnRef>
+            <a:fillRef idx="0">
+              <a:schemeClr val="accent1"/>
+            </a:fillRef>
+            <a:effectRef idx="0">
+              <a:schemeClr val="accent1"/>
+            </a:effectRef>
+            <a:fontRef idx="minor">
+              <a:schemeClr val="tx1"/>
+            </a:fontRef>
+          </p:style>
+        </p:cxnSp>
+      </p:grpSp>
+      <p:sp>
+        <p:nvSpPr>
+          <p:cNvPr id="28" name="矢印: 右 27">
+            <a:extLst>
+              <a:ext uri="{FF2B5EF4-FFF2-40B4-BE49-F238E27FC236}">
+                <a16:creationId xmlns:a16="http://schemas.microsoft.com/office/drawing/2014/main" id="{12EF9D0E-A923-4A8E-AD19-0752AA609E7B}"/>
+              </a:ext>
+            </a:extLst>
+          </p:cNvPr>
+          <p:cNvSpPr/>
+          <p:nvPr/>
+        </p:nvSpPr>
+        <p:spPr>
+          <a:xfrm>
+            <a:off x="7668344" y="5013176"/>
+            <a:ext cx="504056" cy="268608"/>
+          </a:xfrm>
+          <a:prstGeom prst="rightArrow">
+            <a:avLst/>
+          </a:prstGeom>
+          <a:solidFill>
+            <a:srgbClr val="FF0000"/>
+          </a:solidFill>
+          <a:ln>
+            <a:solidFill>
+              <a:schemeClr val="tx1"/>
+            </a:solidFill>
+          </a:ln>
+        </p:spPr>
+        <p:style>
+          <a:lnRef idx="2">
+            <a:schemeClr val="accent1">
+              <a:shade val="50000"/>
+            </a:schemeClr>
+          </a:lnRef>
+          <a:fillRef idx="1">
+            <a:schemeClr val="accent1"/>
+          </a:fillRef>
+          <a:effectRef idx="0">
+            <a:schemeClr val="accent1"/>
+          </a:effectRef>
+          <a:fontRef idx="minor">
+            <a:schemeClr val="lt1"/>
+          </a:fontRef>
+        </p:style>
+        <p:txBody>
+          <a:bodyPr rtlCol="0" anchor="ctr"/>
+          <a:lstStyle/>
+          <a:p>
+            <a:pPr algn="ctr"/>
+            <a:endParaRPr kumimoji="1" lang="ja-JP" altLang="en-US"/>
+          </a:p>
+        </p:txBody>
+      </p:sp>
+      <mc:AlternateContent xmlns:mc="http://schemas.openxmlformats.org/markup-compatibility/2006">
+        <mc:Choice xmlns:a14="http://schemas.microsoft.com/office/drawing/2010/main" Requires="a14">
+          <p:sp>
+            <p:nvSpPr>
+              <p:cNvPr id="30" name="テキスト ボックス 29">
+                <a:extLst>
+                  <a:ext uri="{FF2B5EF4-FFF2-40B4-BE49-F238E27FC236}">
+                    <a16:creationId xmlns:a16="http://schemas.microsoft.com/office/drawing/2014/main" id="{8CD6E762-7109-4185-AF83-EFE5C4F210B6}"/>
+                  </a:ext>
+                </a:extLst>
+              </p:cNvPr>
+              <p:cNvSpPr txBox="1"/>
+              <p:nvPr/>
+            </p:nvSpPr>
+            <p:spPr>
+              <a:xfrm>
+                <a:off x="8172400" y="4869160"/>
+                <a:ext cx="648072" cy="523220"/>
+              </a:xfrm>
+              <a:prstGeom prst="rect">
+                <a:avLst/>
+              </a:prstGeom>
+              <a:noFill/>
+            </p:spPr>
+            <p:txBody>
+              <a:bodyPr wrap="square">
+                <a:spAutoFit/>
+              </a:bodyPr>
+              <a:lstStyle/>
+              <a:p>
+                <a:pPr/>
+                <a14:m>
+                  <m:oMathPara xmlns:m="http://schemas.openxmlformats.org/officeDocument/2006/math">
+                    <m:oMathParaPr>
+                      <m:jc m:val="centerGroup"/>
+                    </m:oMathParaPr>
+                    <m:oMath xmlns:m="http://schemas.openxmlformats.org/officeDocument/2006/math">
+                      <m:r>
+                        <a:rPr kumimoji="1" lang="en-US" altLang="ja-JP" sz="2800" b="0" i="1" smtClean="0">
+                          <a:latin typeface="Cambria Math" panose="02040503050406030204" pitchFamily="18" charset="0"/>
+                        </a:rPr>
+                        <m:t>𝑣</m:t>
+                      </m:r>
+                    </m:oMath>
+                  </m:oMathPara>
+                </a14:m>
+                <a:endParaRPr lang="ja-JP" altLang="en-US" sz="2800" dirty="0"/>
+              </a:p>
+            </p:txBody>
+          </p:sp>
+        </mc:Choice>
+        <mc:Fallback>
+          <p:sp>
+            <p:nvSpPr>
+              <p:cNvPr id="30" name="テキスト ボックス 29">
+                <a:extLst>
+                  <a:ext uri="{FF2B5EF4-FFF2-40B4-BE49-F238E27FC236}">
+                    <a16:creationId xmlns:a16="http://schemas.microsoft.com/office/drawing/2014/main" id="{8CD6E762-7109-4185-AF83-EFE5C4F210B6}"/>
+                  </a:ext>
+                </a:extLst>
+              </p:cNvPr>
+              <p:cNvSpPr txBox="1">
+                <a:spLocks noRot="1" noChangeAspect="1" noMove="1" noResize="1" noEditPoints="1" noAdjustHandles="1" noChangeArrowheads="1" noChangeShapeType="1" noTextEdit="1"/>
+              </p:cNvSpPr>
+              <p:nvPr/>
+            </p:nvSpPr>
+            <p:spPr>
+              <a:xfrm>
+                <a:off x="8172400" y="4869160"/>
+                <a:ext cx="648072" cy="523220"/>
+              </a:xfrm>
+              <a:prstGeom prst="rect">
+                <a:avLst/>
+              </a:prstGeom>
+              <a:blipFill>
+                <a:blip r:embed="rId3"/>
+                <a:stretch>
+                  <a:fillRect/>
+                </a:stretch>
+              </a:blipFill>
+            </p:spPr>
+            <p:txBody>
+              <a:bodyPr/>
+              <a:lstStyle/>
+              <a:p>
+                <a:r>
+                  <a:rPr lang="ja-JP" altLang="en-US">
+                    <a:noFill/>
+                  </a:rPr>
+                  <a:t> </a:t>
+                </a:r>
+              </a:p>
+            </p:txBody>
+          </p:sp>
+        </mc:Fallback>
+      </mc:AlternateContent>
+      <p:sp>
+        <p:nvSpPr>
+          <p:cNvPr id="31" name="テキスト ボックス 30">
+            <a:extLst>
+              <a:ext uri="{FF2B5EF4-FFF2-40B4-BE49-F238E27FC236}">
+                <a16:creationId xmlns:a16="http://schemas.microsoft.com/office/drawing/2014/main" id="{3DAB780C-A051-4299-8C41-BA7617A41C6D}"/>
+              </a:ext>
+            </a:extLst>
+          </p:cNvPr>
+          <p:cNvSpPr txBox="1"/>
+          <p:nvPr/>
+        </p:nvSpPr>
+        <p:spPr>
+          <a:xfrm>
+            <a:off x="395536" y="6237312"/>
+            <a:ext cx="6397905" cy="400110"/>
+          </a:xfrm>
+          <a:prstGeom prst="rect">
+            <a:avLst/>
+          </a:prstGeom>
+          <a:noFill/>
+        </p:spPr>
+        <p:txBody>
+          <a:bodyPr wrap="none" rtlCol="0">
+            <a:spAutoFit/>
+          </a:bodyPr>
+          <a:lstStyle/>
+          <a:p>
+            <a:r>
+              <a:rPr kumimoji="1" lang="en-US" altLang="ja-JP" sz="2000" dirty="0"/>
+              <a:t>1000</a:t>
+            </a:r>
+            <a:r>
+              <a:rPr kumimoji="1" lang="ja-JP" altLang="en-US" sz="2000" dirty="0"/>
+              <a:t>ステップごとに平均、標準偏差を計算するコード</a:t>
+            </a:r>
+          </a:p>
+        </p:txBody>
+      </p:sp>
+    </p:spTree>
+    <p:extLst>
+      <p:ext uri="{BB962C8B-B14F-4D97-AF65-F5344CB8AC3E}">
+        <p14:creationId xmlns:p14="http://schemas.microsoft.com/office/powerpoint/2010/main" val="42610733"/>
+      </p:ext>
+    </p:extLst>
+  </p:cSld>
+  <p:clrMapOvr>
+    <a:masterClrMapping/>
+  </p:clrMapOvr>
+</p:sld>
+</file>
+
+<file path=ppt/slides/slide33.xml><?xml version="1.0" encoding="utf-8"?>
+<p:sld xmlns:a="http://schemas.openxmlformats.org/drawingml/2006/main" xmlns:r="http://schemas.openxmlformats.org/officeDocument/2006/relationships" xmlns:p="http://schemas.openxmlformats.org/presentationml/2006/main">
+  <p:cSld>
+    <p:spTree>
+      <p:nvGrpSpPr>
+        <p:cNvPr id="1" name=""/>
+        <p:cNvGrpSpPr/>
+        <p:nvPr/>
+      </p:nvGrpSpPr>
+      <p:grpSpPr>
+        <a:xfrm>
+          <a:off x="0" y="0"/>
+          <a:ext cx="0" cy="0"/>
+          <a:chOff x="0" y="0"/>
+          <a:chExt cx="0" cy="0"/>
+        </a:xfrm>
+      </p:grpSpPr>
+      <p:sp>
+        <p:nvSpPr>
+          <p:cNvPr id="2" name="テキスト プレースホルダー 1">
+            <a:extLst>
+              <a:ext uri="{FF2B5EF4-FFF2-40B4-BE49-F238E27FC236}">
+                <a16:creationId xmlns:a16="http://schemas.microsoft.com/office/drawing/2014/main" id="{51FF6FBA-2B0D-4760-8A8F-37606F9BFB5C}"/>
+              </a:ext>
+            </a:extLst>
+          </p:cNvPr>
+          <p:cNvSpPr>
+            <a:spLocks noGrp="1"/>
+          </p:cNvSpPr>
+          <p:nvPr>
+            <p:ph type="body" sz="quarter" idx="10"/>
+          </p:nvPr>
+        </p:nvSpPr>
+        <p:spPr/>
+        <p:txBody>
+          <a:bodyPr/>
+          <a:lstStyle/>
+          <a:p>
+            <a:r>
+              <a:rPr lang="ja-JP" altLang="en-US" dirty="0"/>
+              <a:t>おかしなグラフ</a:t>
+            </a:r>
+            <a:r>
+              <a:rPr lang="en-US" altLang="ja-JP" dirty="0"/>
+              <a:t>3</a:t>
+            </a:r>
+            <a:endParaRPr kumimoji="1" lang="ja-JP" altLang="en-US" dirty="0"/>
+          </a:p>
+        </p:txBody>
+      </p:sp>
+      <p:sp>
+        <p:nvSpPr>
+          <p:cNvPr id="4" name="テキスト ボックス 3">
+            <a:extLst>
+              <a:ext uri="{FF2B5EF4-FFF2-40B4-BE49-F238E27FC236}">
+                <a16:creationId xmlns:a16="http://schemas.microsoft.com/office/drawing/2014/main" id="{0528357B-A6E2-44C5-8812-E5D65BF53DF6}"/>
+              </a:ext>
+            </a:extLst>
+          </p:cNvPr>
+          <p:cNvSpPr txBox="1"/>
+          <p:nvPr/>
+        </p:nvSpPr>
+        <p:spPr>
+          <a:xfrm>
+            <a:off x="395536" y="980728"/>
+            <a:ext cx="3775393" cy="523220"/>
+          </a:xfrm>
+          <a:prstGeom prst="rect">
+            <a:avLst/>
+          </a:prstGeom>
+          <a:noFill/>
+        </p:spPr>
+        <p:txBody>
+          <a:bodyPr wrap="none" rtlCol="0">
+            <a:spAutoFit/>
+          </a:bodyPr>
+          <a:lstStyle/>
+          <a:p>
+            <a:r>
+              <a:rPr lang="ja-JP" altLang="en-US" sz="2800" dirty="0"/>
+              <a:t>速度の時間発展データ</a:t>
+            </a:r>
+            <a:endParaRPr kumimoji="1" lang="ja-JP" altLang="en-US" sz="2800" dirty="0"/>
+          </a:p>
+        </p:txBody>
+      </p:sp>
+      <p:pic>
+        <p:nvPicPr>
+          <p:cNvPr id="6" name="図 5">
+            <a:extLst>
+              <a:ext uri="{FF2B5EF4-FFF2-40B4-BE49-F238E27FC236}">
+                <a16:creationId xmlns:a16="http://schemas.microsoft.com/office/drawing/2014/main" id="{90BC3DB4-3849-4461-9563-A7627599A488}"/>
+              </a:ext>
+            </a:extLst>
+          </p:cNvPr>
+          <p:cNvPicPr>
+            <a:picLocks noChangeAspect="1"/>
+          </p:cNvPicPr>
+          <p:nvPr/>
+        </p:nvPicPr>
+        <p:blipFill>
+          <a:blip r:embed="rId2">
+            <a:extLst>
+              <a:ext uri="{28A0092B-C50C-407E-A947-70E740481C1C}">
+                <a14:useLocalDpi xmlns:a14="http://schemas.microsoft.com/office/drawing/2010/main" val="0"/>
+              </a:ext>
+            </a:extLst>
+          </a:blip>
+          <a:stretch>
+            <a:fillRect/>
+          </a:stretch>
+        </p:blipFill>
+        <p:spPr>
+          <a:xfrm>
+            <a:off x="755576" y="1556792"/>
+            <a:ext cx="5832648" cy="4374486"/>
+          </a:xfrm>
+          <a:prstGeom prst="rect">
+            <a:avLst/>
+          </a:prstGeom>
+        </p:spPr>
+      </p:pic>
+      <p:cxnSp>
+        <p:nvCxnSpPr>
+          <p:cNvPr id="8" name="直線矢印コネクタ 7">
+            <a:extLst>
+              <a:ext uri="{FF2B5EF4-FFF2-40B4-BE49-F238E27FC236}">
+                <a16:creationId xmlns:a16="http://schemas.microsoft.com/office/drawing/2014/main" id="{5ECB7477-8D36-4FB5-A8E4-2E2AF161E896}"/>
+              </a:ext>
+            </a:extLst>
+          </p:cNvPr>
+          <p:cNvCxnSpPr/>
+          <p:nvPr/>
+        </p:nvCxnSpPr>
+        <p:spPr>
+          <a:xfrm>
+            <a:off x="3923928" y="4149080"/>
+            <a:ext cx="1512168" cy="0"/>
+          </a:xfrm>
+          <a:prstGeom prst="straightConnector1">
+            <a:avLst/>
+          </a:prstGeom>
+          <a:ln w="38100">
+            <a:solidFill>
+              <a:srgbClr val="FF0000"/>
+            </a:solidFill>
+            <a:headEnd type="triangle"/>
+            <a:tailEnd type="triangle"/>
+          </a:ln>
+        </p:spPr>
+        <p:style>
+          <a:lnRef idx="1">
+            <a:schemeClr val="accent1"/>
+          </a:lnRef>
+          <a:fillRef idx="0">
+            <a:schemeClr val="accent1"/>
+          </a:fillRef>
+          <a:effectRef idx="0">
+            <a:schemeClr val="accent1"/>
+          </a:effectRef>
+          <a:fontRef idx="minor">
+            <a:schemeClr val="tx1"/>
+          </a:fontRef>
+        </p:style>
+      </p:cxnSp>
+      <p:sp>
+        <p:nvSpPr>
+          <p:cNvPr id="9" name="テキスト ボックス 8">
+            <a:extLst>
+              <a:ext uri="{FF2B5EF4-FFF2-40B4-BE49-F238E27FC236}">
+                <a16:creationId xmlns:a16="http://schemas.microsoft.com/office/drawing/2014/main" id="{10E0FF39-E038-49A0-BADA-4932A082734F}"/>
+              </a:ext>
+            </a:extLst>
+          </p:cNvPr>
+          <p:cNvSpPr txBox="1"/>
+          <p:nvPr/>
+        </p:nvSpPr>
+        <p:spPr>
+          <a:xfrm>
+            <a:off x="4184084" y="4221088"/>
+            <a:ext cx="1107996" cy="369332"/>
+          </a:xfrm>
+          <a:prstGeom prst="rect">
+            <a:avLst/>
+          </a:prstGeom>
+          <a:noFill/>
+        </p:spPr>
+        <p:txBody>
+          <a:bodyPr wrap="none" rtlCol="0">
+            <a:spAutoFit/>
+          </a:bodyPr>
+          <a:lstStyle/>
+          <a:p>
+            <a:r>
+              <a:rPr kumimoji="1" lang="ja-JP" altLang="en-US" dirty="0"/>
+              <a:t>相関時間</a:t>
+            </a:r>
+          </a:p>
+        </p:txBody>
+      </p:sp>
+      <p:sp>
+        <p:nvSpPr>
+          <p:cNvPr id="10" name="テキスト ボックス 9">
+            <a:extLst>
+              <a:ext uri="{FF2B5EF4-FFF2-40B4-BE49-F238E27FC236}">
+                <a16:creationId xmlns:a16="http://schemas.microsoft.com/office/drawing/2014/main" id="{470E3FD6-0F83-4DED-AD2A-8BC24FA4B0A0}"/>
+              </a:ext>
+            </a:extLst>
+          </p:cNvPr>
+          <p:cNvSpPr txBox="1"/>
+          <p:nvPr/>
+        </p:nvSpPr>
+        <p:spPr>
+          <a:xfrm>
+            <a:off x="539552" y="6165304"/>
+            <a:ext cx="7571303" cy="461665"/>
+          </a:xfrm>
+          <a:prstGeom prst="rect">
+            <a:avLst/>
+          </a:prstGeom>
+          <a:noFill/>
+        </p:spPr>
+        <p:txBody>
+          <a:bodyPr wrap="none" rtlCol="0">
+            <a:spAutoFit/>
+          </a:bodyPr>
+          <a:lstStyle/>
+          <a:p>
+            <a:r>
+              <a:rPr lang="ja-JP" altLang="en-US" sz="2400" dirty="0"/>
+              <a:t>速度が「記憶」を失うまでにそれなりの時間がかかる</a:t>
+            </a:r>
+            <a:endParaRPr kumimoji="1" lang="ja-JP" altLang="en-US" sz="2400" dirty="0"/>
+          </a:p>
+        </p:txBody>
+      </p:sp>
+    </p:spTree>
+    <p:extLst>
+      <p:ext uri="{BB962C8B-B14F-4D97-AF65-F5344CB8AC3E}">
+        <p14:creationId xmlns:p14="http://schemas.microsoft.com/office/powerpoint/2010/main" val="179326417"/>
+      </p:ext>
+    </p:extLst>
+  </p:cSld>
+  <p:clrMapOvr>
+    <a:masterClrMapping/>
+  </p:clrMapOvr>
+</p:sld>
+</file>
+
+<file path=ppt/slides/slide34.xml><?xml version="1.0" encoding="utf-8"?>
+<p:sld xmlns:a="http://schemas.openxmlformats.org/drawingml/2006/main" xmlns:r="http://schemas.openxmlformats.org/officeDocument/2006/relationships" xmlns:p="http://schemas.openxmlformats.org/presentationml/2006/main">
+  <p:cSld>
+    <p:spTree>
+      <p:nvGrpSpPr>
+        <p:cNvPr id="1" name=""/>
+        <p:cNvGrpSpPr/>
+        <p:nvPr/>
+      </p:nvGrpSpPr>
+      <p:grpSpPr>
+        <a:xfrm>
+          <a:off x="0" y="0"/>
+          <a:ext cx="0" cy="0"/>
+          <a:chOff x="0" y="0"/>
+          <a:chExt cx="0" cy="0"/>
+        </a:xfrm>
+      </p:grpSpPr>
+      <p:sp>
+        <p:nvSpPr>
+          <p:cNvPr id="2" name="テキスト プレースホルダー 1">
+            <a:extLst>
+              <a:ext uri="{FF2B5EF4-FFF2-40B4-BE49-F238E27FC236}">
+                <a16:creationId xmlns:a16="http://schemas.microsoft.com/office/drawing/2014/main" id="{7A389D72-0376-4210-A24C-896ED3C1D265}"/>
+              </a:ext>
+            </a:extLst>
+          </p:cNvPr>
+          <p:cNvSpPr>
+            <a:spLocks noGrp="1"/>
+          </p:cNvSpPr>
+          <p:nvPr>
+            <p:ph type="body" sz="quarter" idx="10"/>
+          </p:nvPr>
+        </p:nvSpPr>
+        <p:spPr/>
+        <p:txBody>
+          <a:bodyPr/>
+          <a:lstStyle/>
+          <a:p>
+            <a:r>
+              <a:rPr kumimoji="1" lang="ja-JP" altLang="en-US" dirty="0"/>
+              <a:t>適切なグラフ</a:t>
+            </a:r>
+          </a:p>
+        </p:txBody>
+      </p:sp>
+      <p:pic>
+        <p:nvPicPr>
+          <p:cNvPr id="6" name="図 5">
+            <a:extLst>
+              <a:ext uri="{FF2B5EF4-FFF2-40B4-BE49-F238E27FC236}">
+                <a16:creationId xmlns:a16="http://schemas.microsoft.com/office/drawing/2014/main" id="{2D35E65A-92F6-40B7-919D-BA1371C3B07A}"/>
+              </a:ext>
+            </a:extLst>
+          </p:cNvPr>
+          <p:cNvPicPr>
+            <a:picLocks noChangeAspect="1"/>
+          </p:cNvPicPr>
+          <p:nvPr/>
+        </p:nvPicPr>
+        <p:blipFill>
+          <a:blip r:embed="rId3">
+            <a:extLst>
+              <a:ext uri="{28A0092B-C50C-407E-A947-70E740481C1C}">
+                <a14:useLocalDpi xmlns:a14="http://schemas.microsoft.com/office/drawing/2010/main" val="0"/>
+              </a:ext>
+            </a:extLst>
+          </a:blip>
+          <a:stretch>
+            <a:fillRect/>
+          </a:stretch>
+        </p:blipFill>
+        <p:spPr>
+          <a:xfrm>
+            <a:off x="827584" y="1412776"/>
+            <a:ext cx="6336704" cy="4752528"/>
+          </a:xfrm>
+          <a:prstGeom prst="rect">
+            <a:avLst/>
+          </a:prstGeom>
+        </p:spPr>
+      </p:pic>
+      <p:sp>
+        <p:nvSpPr>
+          <p:cNvPr id="7" name="矢印: 下 6">
+            <a:extLst>
+              <a:ext uri="{FF2B5EF4-FFF2-40B4-BE49-F238E27FC236}">
+                <a16:creationId xmlns:a16="http://schemas.microsoft.com/office/drawing/2014/main" id="{551DCA21-D2CA-4570-894D-A5A394CBD30D}"/>
+              </a:ext>
+            </a:extLst>
+          </p:cNvPr>
+          <p:cNvSpPr/>
+          <p:nvPr/>
+        </p:nvSpPr>
+        <p:spPr>
+          <a:xfrm>
+            <a:off x="1979712" y="1844824"/>
+            <a:ext cx="288032" cy="402344"/>
+          </a:xfrm>
+          <a:prstGeom prst="downArrow">
+            <a:avLst/>
+          </a:prstGeom>
+          <a:solidFill>
+            <a:srgbClr val="FF0000"/>
+          </a:solidFill>
+          <a:ln>
+            <a:solidFill>
+              <a:schemeClr val="tx1"/>
+            </a:solidFill>
+          </a:ln>
+        </p:spPr>
+        <p:style>
+          <a:lnRef idx="2">
+            <a:schemeClr val="accent1">
+              <a:shade val="50000"/>
+            </a:schemeClr>
+          </a:lnRef>
+          <a:fillRef idx="1">
+            <a:schemeClr val="accent1"/>
+          </a:fillRef>
+          <a:effectRef idx="0">
+            <a:schemeClr val="accent1"/>
+          </a:effectRef>
+          <a:fontRef idx="minor">
+            <a:schemeClr val="lt1"/>
+          </a:fontRef>
+        </p:style>
+        <p:txBody>
+          <a:bodyPr rtlCol="0" anchor="ctr"/>
+          <a:lstStyle/>
+          <a:p>
+            <a:pPr algn="ctr"/>
+            <a:endParaRPr kumimoji="1" lang="ja-JP" altLang="en-US"/>
+          </a:p>
+        </p:txBody>
+      </p:sp>
+      <p:sp>
+        <p:nvSpPr>
+          <p:cNvPr id="8" name="矢印: 下 7">
+            <a:extLst>
+              <a:ext uri="{FF2B5EF4-FFF2-40B4-BE49-F238E27FC236}">
+                <a16:creationId xmlns:a16="http://schemas.microsoft.com/office/drawing/2014/main" id="{7350916E-44D0-4BA7-96BB-1720E4C6BF6C}"/>
+              </a:ext>
+            </a:extLst>
+          </p:cNvPr>
+          <p:cNvSpPr/>
+          <p:nvPr/>
+        </p:nvSpPr>
+        <p:spPr>
+          <a:xfrm>
+            <a:off x="2528773" y="1844824"/>
+            <a:ext cx="288032" cy="402344"/>
+          </a:xfrm>
+          <a:prstGeom prst="downArrow">
+            <a:avLst/>
+          </a:prstGeom>
+          <a:solidFill>
+            <a:srgbClr val="FF0000"/>
+          </a:solidFill>
+          <a:ln>
+            <a:solidFill>
+              <a:schemeClr val="tx1"/>
+            </a:solidFill>
+          </a:ln>
+        </p:spPr>
+        <p:style>
+          <a:lnRef idx="2">
+            <a:schemeClr val="accent1">
+              <a:shade val="50000"/>
+            </a:schemeClr>
+          </a:lnRef>
+          <a:fillRef idx="1">
+            <a:schemeClr val="accent1"/>
+          </a:fillRef>
+          <a:effectRef idx="0">
+            <a:schemeClr val="accent1"/>
+          </a:effectRef>
+          <a:fontRef idx="minor">
+            <a:schemeClr val="lt1"/>
+          </a:fontRef>
+        </p:style>
+        <p:txBody>
+          <a:bodyPr rtlCol="0" anchor="ctr"/>
+          <a:lstStyle/>
+          <a:p>
+            <a:pPr algn="ctr"/>
+            <a:endParaRPr kumimoji="1" lang="ja-JP" altLang="en-US"/>
+          </a:p>
+        </p:txBody>
+      </p:sp>
+      <p:sp>
+        <p:nvSpPr>
+          <p:cNvPr id="9" name="矢印: 下 8">
+            <a:extLst>
+              <a:ext uri="{FF2B5EF4-FFF2-40B4-BE49-F238E27FC236}">
+                <a16:creationId xmlns:a16="http://schemas.microsoft.com/office/drawing/2014/main" id="{A111A9C8-23D5-4517-9978-A8998F7A2B28}"/>
+              </a:ext>
+            </a:extLst>
+          </p:cNvPr>
+          <p:cNvSpPr/>
+          <p:nvPr/>
+        </p:nvSpPr>
+        <p:spPr>
+          <a:xfrm>
+            <a:off x="3077834" y="1844824"/>
+            <a:ext cx="288032" cy="402344"/>
+          </a:xfrm>
+          <a:prstGeom prst="downArrow">
+            <a:avLst/>
+          </a:prstGeom>
+          <a:solidFill>
+            <a:srgbClr val="FF0000"/>
+          </a:solidFill>
+          <a:ln>
+            <a:solidFill>
+              <a:schemeClr val="tx1"/>
+            </a:solidFill>
+          </a:ln>
+        </p:spPr>
+        <p:style>
+          <a:lnRef idx="2">
+            <a:schemeClr val="accent1">
+              <a:shade val="50000"/>
+            </a:schemeClr>
+          </a:lnRef>
+          <a:fillRef idx="1">
+            <a:schemeClr val="accent1"/>
+          </a:fillRef>
+          <a:effectRef idx="0">
+            <a:schemeClr val="accent1"/>
+          </a:effectRef>
+          <a:fontRef idx="minor">
+            <a:schemeClr val="lt1"/>
+          </a:fontRef>
+        </p:style>
+        <p:txBody>
+          <a:bodyPr rtlCol="0" anchor="ctr"/>
+          <a:lstStyle/>
+          <a:p>
+            <a:pPr algn="ctr"/>
+            <a:endParaRPr kumimoji="1" lang="ja-JP" altLang="en-US"/>
+          </a:p>
+        </p:txBody>
+      </p:sp>
+      <p:sp>
+        <p:nvSpPr>
+          <p:cNvPr id="10" name="矢印: 下 9">
+            <a:extLst>
+              <a:ext uri="{FF2B5EF4-FFF2-40B4-BE49-F238E27FC236}">
+                <a16:creationId xmlns:a16="http://schemas.microsoft.com/office/drawing/2014/main" id="{5C99085A-BE46-4EA5-95D0-A73895BCA5E1}"/>
+              </a:ext>
+            </a:extLst>
+          </p:cNvPr>
+          <p:cNvSpPr/>
+          <p:nvPr/>
+        </p:nvSpPr>
+        <p:spPr>
+          <a:xfrm>
+            <a:off x="3626895" y="1844824"/>
+            <a:ext cx="288032" cy="402344"/>
+          </a:xfrm>
+          <a:prstGeom prst="downArrow">
+            <a:avLst/>
+          </a:prstGeom>
+          <a:solidFill>
+            <a:srgbClr val="FF0000"/>
+          </a:solidFill>
+          <a:ln>
+            <a:solidFill>
+              <a:schemeClr val="tx1"/>
+            </a:solidFill>
+          </a:ln>
+        </p:spPr>
+        <p:style>
+          <a:lnRef idx="2">
+            <a:schemeClr val="accent1">
+              <a:shade val="50000"/>
+            </a:schemeClr>
+          </a:lnRef>
+          <a:fillRef idx="1">
+            <a:schemeClr val="accent1"/>
+          </a:fillRef>
+          <a:effectRef idx="0">
+            <a:schemeClr val="accent1"/>
+          </a:effectRef>
+          <a:fontRef idx="minor">
+            <a:schemeClr val="lt1"/>
+          </a:fontRef>
+        </p:style>
+        <p:txBody>
+          <a:bodyPr rtlCol="0" anchor="ctr"/>
+          <a:lstStyle/>
+          <a:p>
+            <a:pPr algn="ctr"/>
+            <a:endParaRPr kumimoji="1" lang="ja-JP" altLang="en-US"/>
+          </a:p>
+        </p:txBody>
+      </p:sp>
+      <p:sp>
+        <p:nvSpPr>
+          <p:cNvPr id="11" name="矢印: 下 10">
+            <a:extLst>
+              <a:ext uri="{FF2B5EF4-FFF2-40B4-BE49-F238E27FC236}">
+                <a16:creationId xmlns:a16="http://schemas.microsoft.com/office/drawing/2014/main" id="{96FBAE05-BDF6-4ED7-9382-8FC5ACFB25BA}"/>
+              </a:ext>
+            </a:extLst>
+          </p:cNvPr>
+          <p:cNvSpPr/>
+          <p:nvPr/>
+        </p:nvSpPr>
+        <p:spPr>
+          <a:xfrm>
+            <a:off x="4175956" y="1844824"/>
+            <a:ext cx="288032" cy="402344"/>
+          </a:xfrm>
+          <a:prstGeom prst="downArrow">
+            <a:avLst/>
+          </a:prstGeom>
+          <a:solidFill>
+            <a:srgbClr val="FF0000"/>
+          </a:solidFill>
+          <a:ln>
+            <a:solidFill>
+              <a:schemeClr val="tx1"/>
+            </a:solidFill>
+          </a:ln>
+        </p:spPr>
+        <p:style>
+          <a:lnRef idx="2">
+            <a:schemeClr val="accent1">
+              <a:shade val="50000"/>
+            </a:schemeClr>
+          </a:lnRef>
+          <a:fillRef idx="1">
+            <a:schemeClr val="accent1"/>
+          </a:fillRef>
+          <a:effectRef idx="0">
+            <a:schemeClr val="accent1"/>
+          </a:effectRef>
+          <a:fontRef idx="minor">
+            <a:schemeClr val="lt1"/>
+          </a:fontRef>
+        </p:style>
+        <p:txBody>
+          <a:bodyPr rtlCol="0" anchor="ctr"/>
+          <a:lstStyle/>
+          <a:p>
+            <a:pPr algn="ctr"/>
+            <a:endParaRPr kumimoji="1" lang="ja-JP" altLang="en-US"/>
+          </a:p>
+        </p:txBody>
+      </p:sp>
+      <p:sp>
+        <p:nvSpPr>
+          <p:cNvPr id="12" name="矢印: 下 11">
+            <a:extLst>
+              <a:ext uri="{FF2B5EF4-FFF2-40B4-BE49-F238E27FC236}">
+                <a16:creationId xmlns:a16="http://schemas.microsoft.com/office/drawing/2014/main" id="{E6B60364-48B8-45F5-959B-B6BF8B3126F8}"/>
+              </a:ext>
+            </a:extLst>
+          </p:cNvPr>
+          <p:cNvSpPr/>
+          <p:nvPr/>
+        </p:nvSpPr>
+        <p:spPr>
+          <a:xfrm>
+            <a:off x="4725017" y="1844824"/>
+            <a:ext cx="288032" cy="402344"/>
+          </a:xfrm>
+          <a:prstGeom prst="downArrow">
+            <a:avLst/>
+          </a:prstGeom>
+          <a:solidFill>
+            <a:srgbClr val="FF0000"/>
+          </a:solidFill>
+          <a:ln>
+            <a:solidFill>
+              <a:schemeClr val="tx1"/>
+            </a:solidFill>
+          </a:ln>
+        </p:spPr>
+        <p:style>
+          <a:lnRef idx="2">
+            <a:schemeClr val="accent1">
+              <a:shade val="50000"/>
+            </a:schemeClr>
+          </a:lnRef>
+          <a:fillRef idx="1">
+            <a:schemeClr val="accent1"/>
+          </a:fillRef>
+          <a:effectRef idx="0">
+            <a:schemeClr val="accent1"/>
+          </a:effectRef>
+          <a:fontRef idx="minor">
+            <a:schemeClr val="lt1"/>
+          </a:fontRef>
+        </p:style>
+        <p:txBody>
+          <a:bodyPr rtlCol="0" anchor="ctr"/>
+          <a:lstStyle/>
+          <a:p>
+            <a:pPr algn="ctr"/>
+            <a:endParaRPr kumimoji="1" lang="ja-JP" altLang="en-US"/>
+          </a:p>
+        </p:txBody>
+      </p:sp>
+      <p:sp>
+        <p:nvSpPr>
+          <p:cNvPr id="13" name="矢印: 下 12">
+            <a:extLst>
+              <a:ext uri="{FF2B5EF4-FFF2-40B4-BE49-F238E27FC236}">
+                <a16:creationId xmlns:a16="http://schemas.microsoft.com/office/drawing/2014/main" id="{167F932E-8B2A-4B36-8963-41B2D9F65B17}"/>
+              </a:ext>
+            </a:extLst>
+          </p:cNvPr>
+          <p:cNvSpPr/>
+          <p:nvPr/>
+        </p:nvSpPr>
+        <p:spPr>
+          <a:xfrm>
+            <a:off x="5274078" y="1844824"/>
+            <a:ext cx="288032" cy="402344"/>
+          </a:xfrm>
+          <a:prstGeom prst="downArrow">
+            <a:avLst/>
+          </a:prstGeom>
+          <a:solidFill>
+            <a:srgbClr val="FF0000"/>
+          </a:solidFill>
+          <a:ln>
+            <a:solidFill>
+              <a:schemeClr val="tx1"/>
+            </a:solidFill>
+          </a:ln>
+        </p:spPr>
+        <p:style>
+          <a:lnRef idx="2">
+            <a:schemeClr val="accent1">
+              <a:shade val="50000"/>
+            </a:schemeClr>
+          </a:lnRef>
+          <a:fillRef idx="1">
+            <a:schemeClr val="accent1"/>
+          </a:fillRef>
+          <a:effectRef idx="0">
+            <a:schemeClr val="accent1"/>
+          </a:effectRef>
+          <a:fontRef idx="minor">
+            <a:schemeClr val="lt1"/>
+          </a:fontRef>
+        </p:style>
+        <p:txBody>
+          <a:bodyPr rtlCol="0" anchor="ctr"/>
+          <a:lstStyle/>
+          <a:p>
+            <a:pPr algn="ctr"/>
+            <a:endParaRPr kumimoji="1" lang="ja-JP" altLang="en-US"/>
+          </a:p>
+        </p:txBody>
+      </p:sp>
+      <p:sp>
+        <p:nvSpPr>
+          <p:cNvPr id="14" name="矢印: 下 13">
+            <a:extLst>
+              <a:ext uri="{FF2B5EF4-FFF2-40B4-BE49-F238E27FC236}">
+                <a16:creationId xmlns:a16="http://schemas.microsoft.com/office/drawing/2014/main" id="{A98174B7-988F-4444-A7EA-EC70BAF9E779}"/>
+              </a:ext>
+            </a:extLst>
+          </p:cNvPr>
+          <p:cNvSpPr/>
+          <p:nvPr/>
+        </p:nvSpPr>
+        <p:spPr>
+          <a:xfrm>
+            <a:off x="5823139" y="1844824"/>
+            <a:ext cx="288032" cy="402344"/>
+          </a:xfrm>
+          <a:prstGeom prst="downArrow">
+            <a:avLst/>
+          </a:prstGeom>
+          <a:solidFill>
+            <a:srgbClr val="FF0000"/>
+          </a:solidFill>
+          <a:ln>
+            <a:solidFill>
+              <a:schemeClr val="tx1"/>
+            </a:solidFill>
+          </a:ln>
+        </p:spPr>
+        <p:style>
+          <a:lnRef idx="2">
+            <a:schemeClr val="accent1">
+              <a:shade val="50000"/>
+            </a:schemeClr>
+          </a:lnRef>
+          <a:fillRef idx="1">
+            <a:schemeClr val="accent1"/>
+          </a:fillRef>
+          <a:effectRef idx="0">
+            <a:schemeClr val="accent1"/>
+          </a:effectRef>
+          <a:fontRef idx="minor">
+            <a:schemeClr val="lt1"/>
+          </a:fontRef>
+        </p:style>
+        <p:txBody>
+          <a:bodyPr rtlCol="0" anchor="ctr"/>
+          <a:lstStyle/>
+          <a:p>
+            <a:pPr algn="ctr"/>
+            <a:endParaRPr kumimoji="1" lang="ja-JP" altLang="en-US"/>
+          </a:p>
+        </p:txBody>
+      </p:sp>
+      <p:sp>
+        <p:nvSpPr>
+          <p:cNvPr id="15" name="矢印: 下 14">
+            <a:extLst>
+              <a:ext uri="{FF2B5EF4-FFF2-40B4-BE49-F238E27FC236}">
+                <a16:creationId xmlns:a16="http://schemas.microsoft.com/office/drawing/2014/main" id="{C90C9253-5F22-4C29-8F78-4299E6526AD4}"/>
+              </a:ext>
+            </a:extLst>
+          </p:cNvPr>
+          <p:cNvSpPr/>
+          <p:nvPr/>
+        </p:nvSpPr>
+        <p:spPr>
+          <a:xfrm>
+            <a:off x="6372200" y="1844824"/>
+            <a:ext cx="288032" cy="402344"/>
+          </a:xfrm>
+          <a:prstGeom prst="downArrow">
+            <a:avLst/>
+          </a:prstGeom>
+          <a:solidFill>
+            <a:srgbClr val="FF0000"/>
+          </a:solidFill>
+          <a:ln>
+            <a:solidFill>
+              <a:schemeClr val="tx1"/>
+            </a:solidFill>
+          </a:ln>
+        </p:spPr>
+        <p:style>
+          <a:lnRef idx="2">
+            <a:schemeClr val="accent1">
+              <a:shade val="50000"/>
+            </a:schemeClr>
+          </a:lnRef>
+          <a:fillRef idx="1">
+            <a:schemeClr val="accent1"/>
+          </a:fillRef>
+          <a:effectRef idx="0">
+            <a:schemeClr val="accent1"/>
+          </a:effectRef>
+          <a:fontRef idx="minor">
+            <a:schemeClr val="lt1"/>
+          </a:fontRef>
+        </p:style>
+        <p:txBody>
+          <a:bodyPr rtlCol="0" anchor="ctr"/>
+          <a:lstStyle/>
+          <a:p>
+            <a:pPr algn="ctr"/>
+            <a:endParaRPr kumimoji="1" lang="ja-JP" altLang="en-US"/>
+          </a:p>
+        </p:txBody>
+      </p:sp>
+      <p:sp>
+        <p:nvSpPr>
+          <p:cNvPr id="16" name="テキスト ボックス 15">
+            <a:extLst>
+              <a:ext uri="{FF2B5EF4-FFF2-40B4-BE49-F238E27FC236}">
+                <a16:creationId xmlns:a16="http://schemas.microsoft.com/office/drawing/2014/main" id="{8DE09831-D049-4E82-8D6A-C058A2412EE9}"/>
+              </a:ext>
+            </a:extLst>
+          </p:cNvPr>
+          <p:cNvSpPr txBox="1"/>
+          <p:nvPr/>
+        </p:nvSpPr>
+        <p:spPr>
+          <a:xfrm>
+            <a:off x="34650" y="908720"/>
+            <a:ext cx="9110186" cy="461665"/>
+          </a:xfrm>
+          <a:prstGeom prst="rect">
+            <a:avLst/>
+          </a:prstGeom>
+          <a:noFill/>
+        </p:spPr>
+        <p:txBody>
+          <a:bodyPr wrap="none" rtlCol="0">
+            <a:spAutoFit/>
+          </a:bodyPr>
+          <a:lstStyle/>
+          <a:p>
+            <a:r>
+              <a:rPr kumimoji="1" lang="ja-JP" altLang="en-US" sz="2400" dirty="0"/>
+              <a:t>「</a:t>
+            </a:r>
+            <a:r>
+              <a:rPr lang="ja-JP" altLang="en-US" sz="2400" dirty="0"/>
+              <a:t>記憶」を忘れそうな時間をあけて観測してサンプリングする</a:t>
+            </a:r>
+            <a:endParaRPr kumimoji="1" lang="ja-JP" altLang="en-US" sz="2400" dirty="0"/>
+          </a:p>
+        </p:txBody>
+      </p:sp>
+      <p:sp>
+        <p:nvSpPr>
+          <p:cNvPr id="17" name="テキスト ボックス 16">
+            <a:extLst>
+              <a:ext uri="{FF2B5EF4-FFF2-40B4-BE49-F238E27FC236}">
+                <a16:creationId xmlns:a16="http://schemas.microsoft.com/office/drawing/2014/main" id="{1581DA68-467B-4ACE-BC70-42337FB80955}"/>
+              </a:ext>
+            </a:extLst>
+          </p:cNvPr>
+          <p:cNvSpPr txBox="1"/>
+          <p:nvPr/>
+        </p:nvSpPr>
+        <p:spPr>
+          <a:xfrm>
+            <a:off x="4716016" y="6309320"/>
+            <a:ext cx="3185487" cy="369332"/>
+          </a:xfrm>
+          <a:prstGeom prst="rect">
+            <a:avLst/>
+          </a:prstGeom>
+          <a:noFill/>
+        </p:spPr>
+        <p:txBody>
+          <a:bodyPr wrap="none" rtlCol="0">
+            <a:spAutoFit/>
+          </a:bodyPr>
+          <a:lstStyle/>
+          <a:p>
+            <a:r>
+              <a:rPr kumimoji="1" lang="en-US" altLang="ja-JP" dirty="0"/>
+              <a:t>※</a:t>
+            </a:r>
+            <a:r>
+              <a:rPr kumimoji="1" lang="ja-JP" altLang="en-US" dirty="0"/>
+              <a:t>もっとかしこい方法もある</a:t>
+            </a:r>
+          </a:p>
+        </p:txBody>
+      </p:sp>
+    </p:spTree>
+    <p:extLst>
+      <p:ext uri="{BB962C8B-B14F-4D97-AF65-F5344CB8AC3E}">
+        <p14:creationId xmlns:p14="http://schemas.microsoft.com/office/powerpoint/2010/main" val="2535658580"/>
+      </p:ext>
+    </p:extLst>
+  </p:cSld>
+  <p:clrMapOvr>
+    <a:masterClrMapping/>
+  </p:clrMapOvr>
+</p:sld>
+</file>
+
+<file path=ppt/slides/slide35.xml><?xml version="1.0" encoding="utf-8"?>
+<p:sld xmlns:a="http://schemas.openxmlformats.org/drawingml/2006/main" xmlns:r="http://schemas.openxmlformats.org/officeDocument/2006/relationships" xmlns:p="http://schemas.openxmlformats.org/presentationml/2006/main">
+  <p:cSld>
+    <p:spTree>
+      <p:nvGrpSpPr>
+        <p:cNvPr id="1" name=""/>
+        <p:cNvGrpSpPr/>
+        <p:nvPr/>
+      </p:nvGrpSpPr>
+      <p:grpSpPr>
+        <a:xfrm>
+          <a:off x="0" y="0"/>
+          <a:ext cx="0" cy="0"/>
+          <a:chOff x="0" y="0"/>
+          <a:chExt cx="0" cy="0"/>
+        </a:xfrm>
+      </p:grpSpPr>
+      <p:sp>
+        <p:nvSpPr>
+          <p:cNvPr id="2" name="テキスト プレースホルダー 1">
+            <a:extLst>
+              <a:ext uri="{FF2B5EF4-FFF2-40B4-BE49-F238E27FC236}">
+                <a16:creationId xmlns:a16="http://schemas.microsoft.com/office/drawing/2014/main" id="{7C8BC0F8-16CE-4ECF-9AC2-FB1E346DBE89}"/>
+              </a:ext>
+            </a:extLst>
+          </p:cNvPr>
+          <p:cNvSpPr>
+            <a:spLocks noGrp="1"/>
+          </p:cNvSpPr>
+          <p:nvPr>
+            <p:ph type="body" sz="quarter" idx="10"/>
+          </p:nvPr>
+        </p:nvSpPr>
+        <p:spPr/>
+        <p:txBody>
+          <a:bodyPr/>
+          <a:lstStyle/>
+          <a:p>
+            <a:r>
+              <a:rPr kumimoji="1" lang="ja-JP" altLang="en-US" dirty="0"/>
+              <a:t>適切なグラフ</a:t>
+            </a:r>
+          </a:p>
+        </p:txBody>
+      </p:sp>
+      <p:pic>
+        <p:nvPicPr>
+          <p:cNvPr id="4" name="図 3">
+            <a:extLst>
+              <a:ext uri="{FF2B5EF4-FFF2-40B4-BE49-F238E27FC236}">
+                <a16:creationId xmlns:a16="http://schemas.microsoft.com/office/drawing/2014/main" id="{D7BE8B27-831B-47DC-9573-526F4330CBA9}"/>
+              </a:ext>
+            </a:extLst>
+          </p:cNvPr>
+          <p:cNvPicPr>
+            <a:picLocks noChangeAspect="1"/>
+          </p:cNvPicPr>
+          <p:nvPr/>
+        </p:nvPicPr>
+        <p:blipFill>
+          <a:blip r:embed="rId2">
+            <a:extLst>
+              <a:ext uri="{28A0092B-C50C-407E-A947-70E740481C1C}">
+                <a14:useLocalDpi xmlns:a14="http://schemas.microsoft.com/office/drawing/2010/main" val="0"/>
+              </a:ext>
+            </a:extLst>
+          </a:blip>
+          <a:stretch>
+            <a:fillRect/>
+          </a:stretch>
+        </p:blipFill>
+        <p:spPr>
+          <a:xfrm>
+            <a:off x="1043608" y="980728"/>
+            <a:ext cx="6408712" cy="4806535"/>
+          </a:xfrm>
+          <a:prstGeom prst="rect">
+            <a:avLst/>
+          </a:prstGeom>
+        </p:spPr>
+      </p:pic>
+      <p:sp>
+        <p:nvSpPr>
+          <p:cNvPr id="5" name="テキスト ボックス 4">
+            <a:extLst>
+              <a:ext uri="{FF2B5EF4-FFF2-40B4-BE49-F238E27FC236}">
+                <a16:creationId xmlns:a16="http://schemas.microsoft.com/office/drawing/2014/main" id="{DF8FAB54-960A-449B-A853-34DEAC0D3147}"/>
+              </a:ext>
+            </a:extLst>
+          </p:cNvPr>
+          <p:cNvSpPr txBox="1"/>
+          <p:nvPr/>
+        </p:nvSpPr>
+        <p:spPr>
+          <a:xfrm>
+            <a:off x="323528" y="6021288"/>
+            <a:ext cx="7571303" cy="369332"/>
+          </a:xfrm>
+          <a:prstGeom prst="rect">
+            <a:avLst/>
+          </a:prstGeom>
+          <a:noFill/>
+        </p:spPr>
+        <p:txBody>
+          <a:bodyPr wrap="none" rtlCol="0">
+            <a:spAutoFit/>
+          </a:bodyPr>
+          <a:lstStyle/>
+          <a:p>
+            <a:r>
+              <a:rPr lang="ja-JP" altLang="en-US" dirty="0"/>
+              <a:t>データのばらつき具合、エラーバーの外れ具合、ともにもっともらしい</a:t>
+            </a:r>
+            <a:endParaRPr kumimoji="1" lang="ja-JP" altLang="en-US" dirty="0"/>
+          </a:p>
+        </p:txBody>
+      </p:sp>
+    </p:spTree>
+    <p:extLst>
+      <p:ext uri="{BB962C8B-B14F-4D97-AF65-F5344CB8AC3E}">
+        <p14:creationId xmlns:p14="http://schemas.microsoft.com/office/powerpoint/2010/main" val="1309149469"/>
+      </p:ext>
+    </p:extLst>
+  </p:cSld>
+  <p:clrMapOvr>
+    <a:masterClrMapping/>
+  </p:clrMapOvr>
+</p:sld>
+</file>
+
+<file path=ppt/slides/slide36.xml><?xml version="1.0" encoding="utf-8"?>
+<p:sld xmlns:a="http://schemas.openxmlformats.org/drawingml/2006/main" xmlns:r="http://schemas.openxmlformats.org/officeDocument/2006/relationships" xmlns:p="http://schemas.openxmlformats.org/presentationml/2006/main">
+  <p:cSld>
+    <p:spTree>
+      <p:nvGrpSpPr>
+        <p:cNvPr id="1" name=""/>
+        <p:cNvGrpSpPr/>
+        <p:nvPr/>
+      </p:nvGrpSpPr>
+      <p:grpSpPr>
+        <a:xfrm>
+          <a:off x="0" y="0"/>
+          <a:ext cx="0" cy="0"/>
+          <a:chOff x="0" y="0"/>
+          <a:chExt cx="0" cy="0"/>
+        </a:xfrm>
+      </p:grpSpPr>
+      <p:sp>
+        <p:nvSpPr>
+          <p:cNvPr id="2" name="テキスト プレースホルダー 1">
+            <a:extLst>
+              <a:ext uri="{FF2B5EF4-FFF2-40B4-BE49-F238E27FC236}">
+                <a16:creationId xmlns:a16="http://schemas.microsoft.com/office/drawing/2014/main" id="{F8D9BCB6-EAAB-4836-990F-559B2BA51CB2}"/>
+              </a:ext>
+            </a:extLst>
+          </p:cNvPr>
+          <p:cNvSpPr>
+            <a:spLocks noGrp="1"/>
+          </p:cNvSpPr>
+          <p:nvPr>
+            <p:ph type="body" sz="quarter" idx="10"/>
+          </p:nvPr>
+        </p:nvSpPr>
+        <p:spPr/>
+        <p:txBody>
+          <a:bodyPr/>
+          <a:lstStyle/>
+          <a:p>
+            <a:r>
+              <a:rPr lang="ja-JP" altLang="en-US" dirty="0"/>
+              <a:t>不適切なグラフまとめ</a:t>
+            </a:r>
+            <a:endParaRPr kumimoji="1" lang="ja-JP" altLang="en-US" dirty="0"/>
+          </a:p>
+        </p:txBody>
+      </p:sp>
+      <p:pic>
+        <p:nvPicPr>
+          <p:cNvPr id="3" name="図 2">
+            <a:extLst>
+              <a:ext uri="{FF2B5EF4-FFF2-40B4-BE49-F238E27FC236}">
+                <a16:creationId xmlns:a16="http://schemas.microsoft.com/office/drawing/2014/main" id="{BE6FD641-1B65-4093-B8A0-7208DDB29670}"/>
+              </a:ext>
+            </a:extLst>
+          </p:cNvPr>
+          <p:cNvPicPr>
+            <a:picLocks noChangeAspect="1"/>
+          </p:cNvPicPr>
+          <p:nvPr/>
+        </p:nvPicPr>
+        <p:blipFill>
+          <a:blip r:embed="rId2">
+            <a:extLst>
+              <a:ext uri="{28A0092B-C50C-407E-A947-70E740481C1C}">
+                <a14:useLocalDpi xmlns:a14="http://schemas.microsoft.com/office/drawing/2010/main" val="0"/>
+              </a:ext>
+            </a:extLst>
+          </a:blip>
+          <a:stretch>
+            <a:fillRect/>
+          </a:stretch>
+        </p:blipFill>
+        <p:spPr>
+          <a:xfrm>
+            <a:off x="179512" y="1556792"/>
+            <a:ext cx="4224469" cy="3168352"/>
+          </a:xfrm>
+          <a:prstGeom prst="rect">
+            <a:avLst/>
+          </a:prstGeom>
+        </p:spPr>
+      </p:pic>
+      <p:pic>
+        <p:nvPicPr>
+          <p:cNvPr id="4" name="図 3">
+            <a:extLst>
+              <a:ext uri="{FF2B5EF4-FFF2-40B4-BE49-F238E27FC236}">
+                <a16:creationId xmlns:a16="http://schemas.microsoft.com/office/drawing/2014/main" id="{11A35E44-F72E-44C2-BCEC-EBDEA11140D0}"/>
+              </a:ext>
+            </a:extLst>
+          </p:cNvPr>
+          <p:cNvPicPr>
+            <a:picLocks noChangeAspect="1"/>
+          </p:cNvPicPr>
+          <p:nvPr/>
+        </p:nvPicPr>
+        <p:blipFill>
+          <a:blip r:embed="rId3">
+            <a:extLst>
+              <a:ext uri="{28A0092B-C50C-407E-A947-70E740481C1C}">
+                <a14:useLocalDpi xmlns:a14="http://schemas.microsoft.com/office/drawing/2010/main" val="0"/>
+              </a:ext>
+            </a:extLst>
+          </a:blip>
+          <a:stretch>
+            <a:fillRect/>
+          </a:stretch>
+        </p:blipFill>
+        <p:spPr>
+          <a:xfrm>
+            <a:off x="4644008" y="1538790"/>
+            <a:ext cx="4248472" cy="3186354"/>
+          </a:xfrm>
+          <a:prstGeom prst="rect">
+            <a:avLst/>
+          </a:prstGeom>
+        </p:spPr>
+      </p:pic>
+      <p:sp>
+        <p:nvSpPr>
+          <p:cNvPr id="5" name="テキスト ボックス 4">
+            <a:extLst>
+              <a:ext uri="{FF2B5EF4-FFF2-40B4-BE49-F238E27FC236}">
+                <a16:creationId xmlns:a16="http://schemas.microsoft.com/office/drawing/2014/main" id="{8E1AEB95-F464-4CDC-BF1B-7C445C0ECE46}"/>
+              </a:ext>
+            </a:extLst>
+          </p:cNvPr>
+          <p:cNvSpPr txBox="1"/>
+          <p:nvPr/>
+        </p:nvSpPr>
+        <p:spPr>
+          <a:xfrm>
+            <a:off x="395536" y="1052736"/>
+            <a:ext cx="3570208" cy="461665"/>
+          </a:xfrm>
+          <a:prstGeom prst="rect">
+            <a:avLst/>
+          </a:prstGeom>
+          <a:noFill/>
+        </p:spPr>
+        <p:txBody>
+          <a:bodyPr wrap="none" rtlCol="0">
+            <a:spAutoFit/>
+          </a:bodyPr>
+          <a:lstStyle/>
+          <a:p>
+            <a:r>
+              <a:rPr lang="ja-JP" altLang="en-US" sz="2400" dirty="0"/>
+              <a:t>エラーバーが大きすぎる</a:t>
+            </a:r>
+            <a:endParaRPr kumimoji="1" lang="ja-JP" altLang="en-US" sz="2400" dirty="0"/>
+          </a:p>
+        </p:txBody>
+      </p:sp>
+      <p:sp>
+        <p:nvSpPr>
+          <p:cNvPr id="6" name="テキスト ボックス 5">
+            <a:extLst>
+              <a:ext uri="{FF2B5EF4-FFF2-40B4-BE49-F238E27FC236}">
+                <a16:creationId xmlns:a16="http://schemas.microsoft.com/office/drawing/2014/main" id="{B1FAB0DB-8A54-4CA1-B3FD-3465D1046206}"/>
+              </a:ext>
+            </a:extLst>
+          </p:cNvPr>
+          <p:cNvSpPr txBox="1"/>
+          <p:nvPr/>
+        </p:nvSpPr>
+        <p:spPr>
+          <a:xfrm>
+            <a:off x="5652120" y="1023119"/>
+            <a:ext cx="2031325" cy="461665"/>
+          </a:xfrm>
+          <a:prstGeom prst="rect">
+            <a:avLst/>
+          </a:prstGeom>
+          <a:noFill/>
+        </p:spPr>
+        <p:txBody>
+          <a:bodyPr wrap="none" rtlCol="0">
+            <a:spAutoFit/>
+          </a:bodyPr>
+          <a:lstStyle/>
+          <a:p>
+            <a:r>
+              <a:rPr kumimoji="1" lang="ja-JP" altLang="en-US" sz="2400" dirty="0"/>
+              <a:t>適切なグラフ</a:t>
+            </a:r>
+          </a:p>
+        </p:txBody>
+      </p:sp>
+      <p:sp>
+        <p:nvSpPr>
+          <p:cNvPr id="7" name="テキスト ボックス 6">
+            <a:extLst>
+              <a:ext uri="{FF2B5EF4-FFF2-40B4-BE49-F238E27FC236}">
+                <a16:creationId xmlns:a16="http://schemas.microsoft.com/office/drawing/2014/main" id="{C9DDE7C9-7534-43D8-8A88-D6599D1FBA72}"/>
+              </a:ext>
+            </a:extLst>
+          </p:cNvPr>
+          <p:cNvSpPr txBox="1"/>
+          <p:nvPr/>
+        </p:nvSpPr>
+        <p:spPr>
+          <a:xfrm>
+            <a:off x="467544" y="4941168"/>
+            <a:ext cx="1620957" cy="523220"/>
+          </a:xfrm>
+          <a:prstGeom prst="rect">
+            <a:avLst/>
+          </a:prstGeom>
+          <a:noFill/>
+        </p:spPr>
+        <p:txBody>
+          <a:bodyPr wrap="none" rtlCol="0">
+            <a:spAutoFit/>
+          </a:bodyPr>
+          <a:lstStyle/>
+          <a:p>
+            <a:r>
+              <a:rPr kumimoji="1" lang="ja-JP" altLang="en-US" sz="2800" dirty="0"/>
+              <a:t>原因</a:t>
+            </a:r>
+            <a:r>
+              <a:rPr lang="ja-JP" altLang="en-US" sz="2800" dirty="0"/>
+              <a:t>の例</a:t>
+            </a:r>
+            <a:endParaRPr kumimoji="1" lang="en-US" altLang="ja-JP" sz="2800" dirty="0"/>
+          </a:p>
+        </p:txBody>
+      </p:sp>
+      <mc:AlternateContent xmlns:mc="http://schemas.openxmlformats.org/markup-compatibility/2006">
+        <mc:Choice xmlns:a14="http://schemas.microsoft.com/office/drawing/2010/main" Requires="a14">
+          <p:sp>
+            <p:nvSpPr>
+              <p:cNvPr id="8" name="テキスト ボックス 7">
+                <a:extLst>
+                  <a:ext uri="{FF2B5EF4-FFF2-40B4-BE49-F238E27FC236}">
+                    <a16:creationId xmlns:a16="http://schemas.microsoft.com/office/drawing/2014/main" id="{D4E2A817-9F65-4E06-A9F1-6D4E0D670660}"/>
+                  </a:ext>
+                </a:extLst>
+              </p:cNvPr>
+              <p:cNvSpPr txBox="1"/>
+              <p:nvPr/>
+            </p:nvSpPr>
+            <p:spPr>
+              <a:xfrm>
+                <a:off x="1259632" y="5589240"/>
+                <a:ext cx="3853299" cy="994631"/>
+              </a:xfrm>
+              <a:prstGeom prst="rect">
+                <a:avLst/>
+              </a:prstGeom>
+              <a:noFill/>
+            </p:spPr>
+            <p:txBody>
+              <a:bodyPr wrap="none" rtlCol="0">
+                <a:spAutoFit/>
+              </a:bodyPr>
+              <a:lstStyle/>
+              <a:p>
+                <a:pPr marL="285750" indent="-285750">
+                  <a:buFont typeface="Arial" panose="020B0604020202020204" pitchFamily="34" charset="0"/>
+                  <a:buChar char="•"/>
+                </a:pPr>
+                <a14:m>
+                  <m:oMath xmlns:m="http://schemas.openxmlformats.org/officeDocument/2006/math">
+                    <m:rad>
+                      <m:radPr>
+                        <m:degHide m:val="on"/>
+                        <m:ctrlPr>
+                          <a:rPr kumimoji="1" lang="en-US" altLang="ja-JP" sz="2800" b="0" i="1" smtClean="0">
+                            <a:latin typeface="Cambria Math" panose="02040503050406030204" pitchFamily="18" charset="0"/>
+                          </a:rPr>
+                        </m:ctrlPr>
+                      </m:radPr>
+                      <m:deg/>
+                      <m:e>
+                        <m:r>
+                          <a:rPr kumimoji="1" lang="en-US" altLang="ja-JP" sz="2800" b="0" i="1" smtClean="0">
+                            <a:latin typeface="Cambria Math" panose="02040503050406030204" pitchFamily="18" charset="0"/>
+                          </a:rPr>
+                          <m:t>𝑁</m:t>
+                        </m:r>
+                      </m:e>
+                    </m:rad>
+                    <m:r>
+                      <a:rPr lang="ja-JP" altLang="en-US" sz="2800" i="1">
+                        <a:latin typeface="Cambria Math" panose="02040503050406030204" pitchFamily="18" charset="0"/>
+                      </a:rPr>
+                      <m:t>で</m:t>
+                    </m:r>
+                  </m:oMath>
+                </a14:m>
+                <a:r>
+                  <a:rPr kumimoji="1" lang="ja-JP" altLang="en-US" sz="2800" dirty="0"/>
+                  <a:t>割り忘れている</a:t>
+                </a:r>
+                <a:endParaRPr kumimoji="1" lang="en-US" altLang="ja-JP" sz="2800" dirty="0"/>
+              </a:p>
+              <a:p>
+                <a:pPr marL="285750" indent="-285750">
+                  <a:buFont typeface="Arial" panose="020B0604020202020204" pitchFamily="34" charset="0"/>
+                  <a:buChar char="•"/>
+                </a:pPr>
+                <a:r>
+                  <a:rPr kumimoji="1" lang="ja-JP" altLang="en-US" sz="2800" dirty="0">
+                    <a:solidFill>
+                      <a:srgbClr val="FF0000"/>
+                    </a:solidFill>
+                  </a:rPr>
+                  <a:t>データに相関がある</a:t>
+                </a:r>
+              </a:p>
+            </p:txBody>
+          </p:sp>
+        </mc:Choice>
+        <mc:Fallback>
+          <p:sp>
+            <p:nvSpPr>
+              <p:cNvPr id="8" name="テキスト ボックス 7">
+                <a:extLst>
+                  <a:ext uri="{FF2B5EF4-FFF2-40B4-BE49-F238E27FC236}">
+                    <a16:creationId xmlns:a16="http://schemas.microsoft.com/office/drawing/2014/main" id="{D4E2A817-9F65-4E06-A9F1-6D4E0D670660}"/>
+                  </a:ext>
+                </a:extLst>
+              </p:cNvPr>
+              <p:cNvSpPr txBox="1">
+                <a:spLocks noRot="1" noChangeAspect="1" noMove="1" noResize="1" noEditPoints="1" noAdjustHandles="1" noChangeArrowheads="1" noChangeShapeType="1" noTextEdit="1"/>
+              </p:cNvSpPr>
+              <p:nvPr/>
+            </p:nvSpPr>
+            <p:spPr>
+              <a:xfrm>
+                <a:off x="1259632" y="5589240"/>
+                <a:ext cx="3853299" cy="994631"/>
+              </a:xfrm>
+              <a:prstGeom prst="rect">
+                <a:avLst/>
+              </a:prstGeom>
+              <a:blipFill>
+                <a:blip r:embed="rId4"/>
+                <a:stretch>
+                  <a:fillRect l="-2848" t="-4908" r="-2215" b="-14724"/>
+                </a:stretch>
+              </a:blipFill>
+            </p:spPr>
+            <p:txBody>
+              <a:bodyPr/>
+              <a:lstStyle/>
+              <a:p>
+                <a:r>
+                  <a:rPr lang="ja-JP" altLang="en-US">
+                    <a:noFill/>
+                  </a:rPr>
+                  <a:t> </a:t>
+                </a:r>
+              </a:p>
+            </p:txBody>
+          </p:sp>
+        </mc:Fallback>
+      </mc:AlternateContent>
+    </p:spTree>
+    <p:extLst>
+      <p:ext uri="{BB962C8B-B14F-4D97-AF65-F5344CB8AC3E}">
+        <p14:creationId xmlns:p14="http://schemas.microsoft.com/office/powerpoint/2010/main" val="3514767820"/>
+      </p:ext>
+    </p:extLst>
+  </p:cSld>
+  <p:clrMapOvr>
+    <a:masterClrMapping/>
+  </p:clrMapOvr>
+</p:sld>
+</file>
+
+<file path=ppt/slides/slide37.xml><?xml version="1.0" encoding="utf-8"?>
+<p:sld xmlns:a="http://schemas.openxmlformats.org/drawingml/2006/main" xmlns:r="http://schemas.openxmlformats.org/officeDocument/2006/relationships" xmlns:p="http://schemas.openxmlformats.org/presentationml/2006/main">
+  <p:cSld>
+    <p:spTree>
+      <p:nvGrpSpPr>
+        <p:cNvPr id="1" name=""/>
+        <p:cNvGrpSpPr/>
+        <p:nvPr/>
+      </p:nvGrpSpPr>
+      <p:grpSpPr>
+        <a:xfrm>
+          <a:off x="0" y="0"/>
+          <a:ext cx="0" cy="0"/>
+          <a:chOff x="0" y="0"/>
+          <a:chExt cx="0" cy="0"/>
+        </a:xfrm>
+      </p:grpSpPr>
+      <p:sp>
+        <p:nvSpPr>
+          <p:cNvPr id="2" name="テキスト プレースホルダー 1">
+            <a:extLst>
+              <a:ext uri="{FF2B5EF4-FFF2-40B4-BE49-F238E27FC236}">
+                <a16:creationId xmlns:a16="http://schemas.microsoft.com/office/drawing/2014/main" id="{CB9CCBEE-ECBD-4881-90D2-D9A0A2CA9E47}"/>
+              </a:ext>
+            </a:extLst>
+          </p:cNvPr>
+          <p:cNvSpPr>
+            <a:spLocks noGrp="1"/>
+          </p:cNvSpPr>
+          <p:nvPr>
+            <p:ph type="body" sz="quarter" idx="10"/>
+          </p:nvPr>
+        </p:nvSpPr>
+        <p:spPr/>
+        <p:txBody>
+          <a:bodyPr/>
+          <a:lstStyle/>
+          <a:p>
+            <a:r>
+              <a:rPr lang="ja-JP" altLang="en-US" dirty="0"/>
+              <a:t>不適切なグラフまとめ</a:t>
+            </a:r>
+            <a:endParaRPr kumimoji="1" lang="ja-JP" altLang="en-US" dirty="0"/>
+          </a:p>
+        </p:txBody>
+      </p:sp>
+      <p:pic>
+        <p:nvPicPr>
+          <p:cNvPr id="3" name="図 2">
+            <a:extLst>
+              <a:ext uri="{FF2B5EF4-FFF2-40B4-BE49-F238E27FC236}">
+                <a16:creationId xmlns:a16="http://schemas.microsoft.com/office/drawing/2014/main" id="{02190771-5FAF-497C-94A7-9A51114AA0F9}"/>
+              </a:ext>
+            </a:extLst>
+          </p:cNvPr>
+          <p:cNvPicPr>
+            <a:picLocks noChangeAspect="1"/>
+          </p:cNvPicPr>
+          <p:nvPr/>
+        </p:nvPicPr>
+        <p:blipFill>
+          <a:blip r:embed="rId2">
+            <a:extLst>
+              <a:ext uri="{28A0092B-C50C-407E-A947-70E740481C1C}">
+                <a14:useLocalDpi xmlns:a14="http://schemas.microsoft.com/office/drawing/2010/main" val="0"/>
+              </a:ext>
+            </a:extLst>
+          </a:blip>
+          <a:stretch>
+            <a:fillRect/>
+          </a:stretch>
+        </p:blipFill>
+        <p:spPr>
+          <a:xfrm>
+            <a:off x="251520" y="1628800"/>
+            <a:ext cx="4320480" cy="3240360"/>
+          </a:xfrm>
+          <a:prstGeom prst="rect">
+            <a:avLst/>
+          </a:prstGeom>
+        </p:spPr>
+      </p:pic>
+      <p:pic>
+        <p:nvPicPr>
+          <p:cNvPr id="4" name="図 3">
+            <a:extLst>
+              <a:ext uri="{FF2B5EF4-FFF2-40B4-BE49-F238E27FC236}">
+                <a16:creationId xmlns:a16="http://schemas.microsoft.com/office/drawing/2014/main" id="{8F3C4E93-779D-410D-9F41-C4DAD6FB951B}"/>
+              </a:ext>
+            </a:extLst>
+          </p:cNvPr>
+          <p:cNvPicPr>
+            <a:picLocks noChangeAspect="1"/>
+          </p:cNvPicPr>
+          <p:nvPr/>
+        </p:nvPicPr>
+        <p:blipFill>
+          <a:blip r:embed="rId3">
+            <a:extLst>
+              <a:ext uri="{28A0092B-C50C-407E-A947-70E740481C1C}">
+                <a14:useLocalDpi xmlns:a14="http://schemas.microsoft.com/office/drawing/2010/main" val="0"/>
+              </a:ext>
+            </a:extLst>
+          </a:blip>
+          <a:stretch>
+            <a:fillRect/>
+          </a:stretch>
+        </p:blipFill>
+        <p:spPr>
+          <a:xfrm>
+            <a:off x="4716016" y="1628800"/>
+            <a:ext cx="4320480" cy="3240360"/>
+          </a:xfrm>
+          <a:prstGeom prst="rect">
+            <a:avLst/>
+          </a:prstGeom>
+        </p:spPr>
+      </p:pic>
+      <p:sp>
+        <p:nvSpPr>
+          <p:cNvPr id="5" name="テキスト ボックス 4">
+            <a:extLst>
+              <a:ext uri="{FF2B5EF4-FFF2-40B4-BE49-F238E27FC236}">
+                <a16:creationId xmlns:a16="http://schemas.microsoft.com/office/drawing/2014/main" id="{573D8845-5FDB-46F3-9325-2B63EA54165A}"/>
+              </a:ext>
+            </a:extLst>
+          </p:cNvPr>
+          <p:cNvSpPr txBox="1"/>
+          <p:nvPr/>
+        </p:nvSpPr>
+        <p:spPr>
+          <a:xfrm>
+            <a:off x="1244531" y="1095127"/>
+            <a:ext cx="2031325" cy="461665"/>
+          </a:xfrm>
+          <a:prstGeom prst="rect">
+            <a:avLst/>
+          </a:prstGeom>
+          <a:noFill/>
+        </p:spPr>
+        <p:txBody>
+          <a:bodyPr wrap="none" rtlCol="0">
+            <a:spAutoFit/>
+          </a:bodyPr>
+          <a:lstStyle/>
+          <a:p>
+            <a:r>
+              <a:rPr kumimoji="1" lang="ja-JP" altLang="en-US" sz="2400" dirty="0"/>
+              <a:t>偏りが大きい</a:t>
+            </a:r>
+          </a:p>
+        </p:txBody>
+      </p:sp>
+      <p:sp>
+        <p:nvSpPr>
+          <p:cNvPr id="6" name="テキスト ボックス 5">
+            <a:extLst>
+              <a:ext uri="{FF2B5EF4-FFF2-40B4-BE49-F238E27FC236}">
+                <a16:creationId xmlns:a16="http://schemas.microsoft.com/office/drawing/2014/main" id="{D0719F9B-3D12-475C-AB85-470FAAA71410}"/>
+              </a:ext>
+            </a:extLst>
+          </p:cNvPr>
+          <p:cNvSpPr txBox="1"/>
+          <p:nvPr/>
+        </p:nvSpPr>
+        <p:spPr>
+          <a:xfrm>
+            <a:off x="6084168" y="1124744"/>
+            <a:ext cx="2031325" cy="461665"/>
+          </a:xfrm>
+          <a:prstGeom prst="rect">
+            <a:avLst/>
+          </a:prstGeom>
+          <a:noFill/>
+        </p:spPr>
+        <p:txBody>
+          <a:bodyPr wrap="none" rtlCol="0">
+            <a:spAutoFit/>
+          </a:bodyPr>
+          <a:lstStyle/>
+          <a:p>
+            <a:r>
+              <a:rPr kumimoji="1" lang="ja-JP" altLang="en-US" sz="2400" dirty="0"/>
+              <a:t>適切なグラフ</a:t>
+            </a:r>
+          </a:p>
+        </p:txBody>
+      </p:sp>
+      <p:sp>
+        <p:nvSpPr>
+          <p:cNvPr id="7" name="テキスト ボックス 6">
+            <a:extLst>
+              <a:ext uri="{FF2B5EF4-FFF2-40B4-BE49-F238E27FC236}">
+                <a16:creationId xmlns:a16="http://schemas.microsoft.com/office/drawing/2014/main" id="{7F072E42-5D97-4932-8AF3-37A7571B073D}"/>
+              </a:ext>
+            </a:extLst>
+          </p:cNvPr>
+          <p:cNvSpPr txBox="1"/>
+          <p:nvPr/>
+        </p:nvSpPr>
+        <p:spPr>
+          <a:xfrm>
+            <a:off x="467544" y="5085184"/>
+            <a:ext cx="1620957" cy="523220"/>
+          </a:xfrm>
+          <a:prstGeom prst="rect">
+            <a:avLst/>
+          </a:prstGeom>
+          <a:noFill/>
+        </p:spPr>
+        <p:txBody>
+          <a:bodyPr wrap="none" rtlCol="0">
+            <a:spAutoFit/>
+          </a:bodyPr>
+          <a:lstStyle/>
+          <a:p>
+            <a:r>
+              <a:rPr kumimoji="1" lang="ja-JP" altLang="en-US" sz="2800" dirty="0"/>
+              <a:t>原因</a:t>
+            </a:r>
+            <a:r>
+              <a:rPr lang="ja-JP" altLang="en-US" sz="2800" dirty="0"/>
+              <a:t>の例</a:t>
+            </a:r>
+            <a:endParaRPr kumimoji="1" lang="en-US" altLang="ja-JP" sz="2800" dirty="0"/>
+          </a:p>
+        </p:txBody>
+      </p:sp>
+      <p:sp>
+        <p:nvSpPr>
+          <p:cNvPr id="8" name="テキスト ボックス 7">
+            <a:extLst>
+              <a:ext uri="{FF2B5EF4-FFF2-40B4-BE49-F238E27FC236}">
+                <a16:creationId xmlns:a16="http://schemas.microsoft.com/office/drawing/2014/main" id="{697BB6EE-8462-49F4-868D-90885935D966}"/>
+              </a:ext>
+            </a:extLst>
+          </p:cNvPr>
+          <p:cNvSpPr txBox="1"/>
+          <p:nvPr/>
+        </p:nvSpPr>
+        <p:spPr>
+          <a:xfrm>
+            <a:off x="1259632" y="5733256"/>
+            <a:ext cx="3704860" cy="523220"/>
+          </a:xfrm>
+          <a:prstGeom prst="rect">
+            <a:avLst/>
+          </a:prstGeom>
+          <a:noFill/>
+        </p:spPr>
+        <p:txBody>
+          <a:bodyPr wrap="none" rtlCol="0">
+            <a:spAutoFit/>
+          </a:bodyPr>
+          <a:lstStyle/>
+          <a:p>
+            <a:pPr marL="285750" indent="-285750">
+              <a:buFont typeface="Arial" panose="020B0604020202020204" pitchFamily="34" charset="0"/>
+              <a:buChar char="•"/>
+            </a:pPr>
+            <a:r>
+              <a:rPr kumimoji="1" lang="ja-JP" altLang="en-US" sz="2800" dirty="0">
+                <a:solidFill>
+                  <a:srgbClr val="FF0000"/>
+                </a:solidFill>
+              </a:rPr>
+              <a:t>データに相関がある</a:t>
+            </a:r>
+          </a:p>
+        </p:txBody>
+      </p:sp>
+    </p:spTree>
+    <p:extLst>
+      <p:ext uri="{BB962C8B-B14F-4D97-AF65-F5344CB8AC3E}">
+        <p14:creationId xmlns:p14="http://schemas.microsoft.com/office/powerpoint/2010/main" val="2312249754"/>
+      </p:ext>
+    </p:extLst>
+  </p:cSld>
+  <p:clrMapOvr>
+    <a:masterClrMapping/>
+  </p:clrMapOvr>
+</p:sld>
+</file>
+
+<file path=ppt/slides/slide38.xml><?xml version="1.0" encoding="utf-8"?>
+<p:sld xmlns:a="http://schemas.openxmlformats.org/drawingml/2006/main" xmlns:r="http://schemas.openxmlformats.org/officeDocument/2006/relationships" xmlns:p="http://schemas.openxmlformats.org/presentationml/2006/main">
+  <p:cSld>
+    <p:spTree>
+      <p:nvGrpSpPr>
+        <p:cNvPr id="1" name=""/>
+        <p:cNvGrpSpPr/>
+        <p:nvPr/>
+      </p:nvGrpSpPr>
+      <p:grpSpPr>
+        <a:xfrm>
+          <a:off x="0" y="0"/>
+          <a:ext cx="0" cy="0"/>
+          <a:chOff x="0" y="0"/>
+          <a:chExt cx="0" cy="0"/>
+        </a:xfrm>
+      </p:grpSpPr>
+      <p:sp>
+        <p:nvSpPr>
+          <p:cNvPr id="2" name="テキスト プレースホルダー 1">
+            <a:extLst>
+              <a:ext uri="{FF2B5EF4-FFF2-40B4-BE49-F238E27FC236}">
+                <a16:creationId xmlns:a16="http://schemas.microsoft.com/office/drawing/2014/main" id="{2BC961BA-3029-4BB0-9CC1-9ACAB667CB76}"/>
+              </a:ext>
+            </a:extLst>
+          </p:cNvPr>
+          <p:cNvSpPr>
+            <a:spLocks noGrp="1"/>
+          </p:cNvSpPr>
+          <p:nvPr>
+            <p:ph type="body" sz="quarter" idx="10"/>
+          </p:nvPr>
+        </p:nvSpPr>
+        <p:spPr/>
+        <p:txBody>
+          <a:bodyPr/>
+          <a:lstStyle/>
+          <a:p>
+            <a:r>
+              <a:rPr lang="ja-JP" altLang="en-US" dirty="0"/>
+              <a:t>不適切なグラフまとめ</a:t>
+            </a:r>
+            <a:endParaRPr kumimoji="1" lang="ja-JP" altLang="en-US" dirty="0"/>
+          </a:p>
+        </p:txBody>
+      </p:sp>
+      <p:pic>
+        <p:nvPicPr>
+          <p:cNvPr id="3" name="図 2">
+            <a:extLst>
+              <a:ext uri="{FF2B5EF4-FFF2-40B4-BE49-F238E27FC236}">
+                <a16:creationId xmlns:a16="http://schemas.microsoft.com/office/drawing/2014/main" id="{692CD3CC-44A5-4656-834A-21B42B37BFD7}"/>
+              </a:ext>
+            </a:extLst>
+          </p:cNvPr>
+          <p:cNvPicPr>
+            <a:picLocks noChangeAspect="1"/>
+          </p:cNvPicPr>
+          <p:nvPr/>
+        </p:nvPicPr>
+        <p:blipFill>
+          <a:blip r:embed="rId2">
+            <a:extLst>
+              <a:ext uri="{28A0092B-C50C-407E-A947-70E740481C1C}">
+                <a14:useLocalDpi xmlns:a14="http://schemas.microsoft.com/office/drawing/2010/main" val="0"/>
+              </a:ext>
+            </a:extLst>
+          </a:blip>
+          <a:stretch>
+            <a:fillRect/>
+          </a:stretch>
+        </p:blipFill>
+        <p:spPr>
+          <a:xfrm>
+            <a:off x="4788024" y="1844824"/>
+            <a:ext cx="4128458" cy="3096344"/>
+          </a:xfrm>
+          <a:prstGeom prst="rect">
+            <a:avLst/>
+          </a:prstGeom>
+        </p:spPr>
+      </p:pic>
+      <p:pic>
+        <p:nvPicPr>
+          <p:cNvPr id="4" name="図 3">
+            <a:extLst>
+              <a:ext uri="{FF2B5EF4-FFF2-40B4-BE49-F238E27FC236}">
+                <a16:creationId xmlns:a16="http://schemas.microsoft.com/office/drawing/2014/main" id="{F4410C1F-8E5E-470B-92A5-A8EB93373E19}"/>
+              </a:ext>
+            </a:extLst>
+          </p:cNvPr>
+          <p:cNvPicPr>
+            <a:picLocks noChangeAspect="1"/>
+          </p:cNvPicPr>
+          <p:nvPr/>
+        </p:nvPicPr>
+        <p:blipFill>
+          <a:blip r:embed="rId3">
+            <a:extLst>
+              <a:ext uri="{28A0092B-C50C-407E-A947-70E740481C1C}">
+                <a14:useLocalDpi xmlns:a14="http://schemas.microsoft.com/office/drawing/2010/main" val="0"/>
+              </a:ext>
+            </a:extLst>
+          </a:blip>
+          <a:stretch>
+            <a:fillRect/>
+          </a:stretch>
+        </p:blipFill>
+        <p:spPr>
+          <a:xfrm>
+            <a:off x="251520" y="1844824"/>
+            <a:ext cx="4128459" cy="3096344"/>
+          </a:xfrm>
+          <a:prstGeom prst="rect">
+            <a:avLst/>
+          </a:prstGeom>
+        </p:spPr>
+      </p:pic>
+      <p:sp>
+        <p:nvSpPr>
+          <p:cNvPr id="5" name="テキスト ボックス 4">
+            <a:extLst>
+              <a:ext uri="{FF2B5EF4-FFF2-40B4-BE49-F238E27FC236}">
+                <a16:creationId xmlns:a16="http://schemas.microsoft.com/office/drawing/2014/main" id="{3F4D713A-7965-4403-A53E-385448F3413C}"/>
+              </a:ext>
+            </a:extLst>
+          </p:cNvPr>
+          <p:cNvSpPr txBox="1"/>
+          <p:nvPr/>
+        </p:nvSpPr>
+        <p:spPr>
+          <a:xfrm>
+            <a:off x="683568" y="1311151"/>
+            <a:ext cx="3570208" cy="461665"/>
+          </a:xfrm>
+          <a:prstGeom prst="rect">
+            <a:avLst/>
+          </a:prstGeom>
+          <a:noFill/>
+        </p:spPr>
+        <p:txBody>
+          <a:bodyPr wrap="none" rtlCol="0">
+            <a:spAutoFit/>
+          </a:bodyPr>
+          <a:lstStyle/>
+          <a:p>
+            <a:r>
+              <a:rPr kumimoji="1" lang="ja-JP" altLang="en-US" sz="2400" dirty="0"/>
+              <a:t>エラーバーが小さすぎる</a:t>
+            </a:r>
+          </a:p>
+        </p:txBody>
+      </p:sp>
+      <p:sp>
+        <p:nvSpPr>
+          <p:cNvPr id="6" name="テキスト ボックス 5">
+            <a:extLst>
+              <a:ext uri="{FF2B5EF4-FFF2-40B4-BE49-F238E27FC236}">
+                <a16:creationId xmlns:a16="http://schemas.microsoft.com/office/drawing/2014/main" id="{21251491-AB80-434D-AFBC-8A2DC7FCF72E}"/>
+              </a:ext>
+            </a:extLst>
+          </p:cNvPr>
+          <p:cNvSpPr txBox="1"/>
+          <p:nvPr/>
+        </p:nvSpPr>
+        <p:spPr>
+          <a:xfrm>
+            <a:off x="5868144" y="1340768"/>
+            <a:ext cx="2031325" cy="461665"/>
+          </a:xfrm>
+          <a:prstGeom prst="rect">
+            <a:avLst/>
+          </a:prstGeom>
+          <a:noFill/>
+        </p:spPr>
+        <p:txBody>
+          <a:bodyPr wrap="none" rtlCol="0">
+            <a:spAutoFit/>
+          </a:bodyPr>
+          <a:lstStyle/>
+          <a:p>
+            <a:r>
+              <a:rPr kumimoji="1" lang="ja-JP" altLang="en-US" sz="2400" dirty="0"/>
+              <a:t>適切なグラフ</a:t>
+            </a:r>
+          </a:p>
+        </p:txBody>
+      </p:sp>
+      <p:sp>
+        <p:nvSpPr>
+          <p:cNvPr id="7" name="テキスト ボックス 6">
+            <a:extLst>
+              <a:ext uri="{FF2B5EF4-FFF2-40B4-BE49-F238E27FC236}">
+                <a16:creationId xmlns:a16="http://schemas.microsoft.com/office/drawing/2014/main" id="{4FD5A897-770F-496A-BCEC-00931AF35800}"/>
+              </a:ext>
+            </a:extLst>
+          </p:cNvPr>
+          <p:cNvSpPr txBox="1"/>
+          <p:nvPr/>
+        </p:nvSpPr>
+        <p:spPr>
+          <a:xfrm>
+            <a:off x="467544" y="5229200"/>
+            <a:ext cx="1620957" cy="523220"/>
+          </a:xfrm>
+          <a:prstGeom prst="rect">
+            <a:avLst/>
+          </a:prstGeom>
+          <a:noFill/>
+        </p:spPr>
+        <p:txBody>
+          <a:bodyPr wrap="none" rtlCol="0">
+            <a:spAutoFit/>
+          </a:bodyPr>
+          <a:lstStyle/>
+          <a:p>
+            <a:r>
+              <a:rPr kumimoji="1" lang="ja-JP" altLang="en-US" sz="2800" dirty="0"/>
+              <a:t>原因</a:t>
+            </a:r>
+            <a:r>
+              <a:rPr lang="ja-JP" altLang="en-US" sz="2800" dirty="0"/>
+              <a:t>の例</a:t>
+            </a:r>
+            <a:endParaRPr kumimoji="1" lang="en-US" altLang="ja-JP" sz="2800" dirty="0"/>
+          </a:p>
+        </p:txBody>
+      </p:sp>
+      <p:sp>
+        <p:nvSpPr>
+          <p:cNvPr id="8" name="テキスト ボックス 7">
+            <a:extLst>
+              <a:ext uri="{FF2B5EF4-FFF2-40B4-BE49-F238E27FC236}">
+                <a16:creationId xmlns:a16="http://schemas.microsoft.com/office/drawing/2014/main" id="{D7F50E16-834C-4D0D-8494-9F63FF0A2554}"/>
+              </a:ext>
+            </a:extLst>
+          </p:cNvPr>
+          <p:cNvSpPr txBox="1"/>
+          <p:nvPr/>
+        </p:nvSpPr>
+        <p:spPr>
+          <a:xfrm>
+            <a:off x="1259632" y="5877272"/>
+            <a:ext cx="3704860" cy="523220"/>
+          </a:xfrm>
+          <a:prstGeom prst="rect">
+            <a:avLst/>
+          </a:prstGeom>
+          <a:noFill/>
+        </p:spPr>
+        <p:txBody>
+          <a:bodyPr wrap="none" rtlCol="0">
+            <a:spAutoFit/>
+          </a:bodyPr>
+          <a:lstStyle/>
+          <a:p>
+            <a:pPr marL="285750" indent="-285750">
+              <a:buFont typeface="Arial" panose="020B0604020202020204" pitchFamily="34" charset="0"/>
+              <a:buChar char="•"/>
+            </a:pPr>
+            <a:r>
+              <a:rPr kumimoji="1" lang="ja-JP" altLang="en-US" sz="2800" dirty="0">
+                <a:solidFill>
+                  <a:srgbClr val="FF0000"/>
+                </a:solidFill>
+              </a:rPr>
+              <a:t>データに相関がある</a:t>
+            </a:r>
+          </a:p>
+        </p:txBody>
+      </p:sp>
+    </p:spTree>
+    <p:extLst>
+      <p:ext uri="{BB962C8B-B14F-4D97-AF65-F5344CB8AC3E}">
+        <p14:creationId xmlns:p14="http://schemas.microsoft.com/office/powerpoint/2010/main" val="1103357387"/>
+      </p:ext>
+    </p:extLst>
+  </p:cSld>
+  <p:clrMapOvr>
+    <a:masterClrMapping/>
+  </p:clrMapOvr>
+</p:sld>
+</file>
+
+<file path=ppt/slides/slide39.xml><?xml version="1.0" encoding="utf-8"?>
+<p:sld xmlns:a="http://schemas.openxmlformats.org/drawingml/2006/main" xmlns:r="http://schemas.openxmlformats.org/officeDocument/2006/relationships" xmlns:p="http://schemas.openxmlformats.org/presentationml/2006/main">
+  <p:cSld>
+    <p:spTree>
+      <p:nvGrpSpPr>
+        <p:cNvPr id="1" name=""/>
+        <p:cNvGrpSpPr/>
+        <p:nvPr/>
+      </p:nvGrpSpPr>
+      <p:grpSpPr>
+        <a:xfrm>
+          <a:off x="0" y="0"/>
+          <a:ext cx="0" cy="0"/>
+          <a:chOff x="0" y="0"/>
+          <a:chExt cx="0" cy="0"/>
+        </a:xfrm>
+      </p:grpSpPr>
+      <p:sp>
+        <p:nvSpPr>
+          <p:cNvPr id="2" name="テキスト プレースホルダー 1">
+            <a:extLst>
+              <a:ext uri="{FF2B5EF4-FFF2-40B4-BE49-F238E27FC236}">
+                <a16:creationId xmlns:a16="http://schemas.microsoft.com/office/drawing/2014/main" id="{0720C526-8E7C-4B91-B186-6B62EA8DF678}"/>
+              </a:ext>
+            </a:extLst>
+          </p:cNvPr>
+          <p:cNvSpPr>
+            <a:spLocks noGrp="1"/>
+          </p:cNvSpPr>
+          <p:nvPr>
+            <p:ph type="body" sz="quarter" idx="10"/>
+          </p:nvPr>
+        </p:nvSpPr>
+        <p:spPr/>
+        <p:txBody>
+          <a:bodyPr/>
+          <a:lstStyle/>
+          <a:p>
+            <a:r>
+              <a:rPr kumimoji="1" lang="ja-JP" altLang="en-US" dirty="0"/>
+              <a:t>不適切なグラフのまとめ</a:t>
+            </a:r>
+          </a:p>
+        </p:txBody>
+      </p:sp>
+      <p:sp>
+        <p:nvSpPr>
+          <p:cNvPr id="3" name="テキスト ボックス 2">
+            <a:extLst>
+              <a:ext uri="{FF2B5EF4-FFF2-40B4-BE49-F238E27FC236}">
+                <a16:creationId xmlns:a16="http://schemas.microsoft.com/office/drawing/2014/main" id="{7D448814-E51F-42CF-BDBF-27FC83677925}"/>
+              </a:ext>
+            </a:extLst>
+          </p:cNvPr>
+          <p:cNvSpPr txBox="1"/>
+          <p:nvPr/>
+        </p:nvSpPr>
+        <p:spPr>
+          <a:xfrm>
+            <a:off x="251520" y="1052736"/>
+            <a:ext cx="8568952" cy="2308324"/>
+          </a:xfrm>
+          <a:prstGeom prst="rect">
+            <a:avLst/>
+          </a:prstGeom>
+          <a:noFill/>
+        </p:spPr>
+        <p:txBody>
+          <a:bodyPr wrap="square" rtlCol="0">
+            <a:spAutoFit/>
+          </a:bodyPr>
+          <a:lstStyle/>
+          <a:p>
+            <a:r>
+              <a:rPr lang="ja-JP" altLang="en-US" sz="2400" dirty="0"/>
+              <a:t>データがガウス分布に従い、かつ</a:t>
+            </a:r>
+            <a:r>
+              <a:rPr lang="ja-JP" altLang="en-US" sz="2400" dirty="0">
+                <a:solidFill>
+                  <a:srgbClr val="FF0000"/>
+                </a:solidFill>
+              </a:rPr>
+              <a:t>独立である</a:t>
+            </a:r>
+            <a:r>
+              <a:rPr lang="ja-JP" altLang="en-US" sz="2400" dirty="0"/>
+              <a:t>なら</a:t>
+            </a:r>
+            <a:endParaRPr lang="en-US" altLang="ja-JP" sz="2400" dirty="0"/>
+          </a:p>
+          <a:p>
+            <a:pPr marL="285750" indent="-285750">
+              <a:buFont typeface="Arial" panose="020B0604020202020204" pitchFamily="34" charset="0"/>
+              <a:buChar char="•"/>
+            </a:pPr>
+            <a:r>
+              <a:rPr lang="ja-JP" altLang="en-US" sz="2400" dirty="0"/>
+              <a:t>観測値は「真の値」の上下に均等にばらつく</a:t>
+            </a:r>
+            <a:endParaRPr lang="en-US" altLang="ja-JP" sz="2400" dirty="0"/>
+          </a:p>
+          <a:p>
+            <a:pPr marL="285750" indent="-285750">
+              <a:buFont typeface="Arial" panose="020B0604020202020204" pitchFamily="34" charset="0"/>
+              <a:buChar char="•"/>
+            </a:pPr>
+            <a:r>
+              <a:rPr lang="ja-JP" altLang="en-US" sz="2400" dirty="0"/>
+              <a:t>観測値の</a:t>
+            </a:r>
+            <a:r>
+              <a:rPr kumimoji="1" lang="en-US" altLang="ja-JP" sz="2400" dirty="0"/>
+              <a:t>3</a:t>
+            </a:r>
+            <a:r>
+              <a:rPr kumimoji="1" lang="ja-JP" altLang="en-US" sz="2400" dirty="0"/>
+              <a:t>つに</a:t>
+            </a:r>
+            <a:r>
+              <a:rPr kumimoji="1" lang="en-US" altLang="ja-JP" sz="2400" dirty="0"/>
+              <a:t>1</a:t>
+            </a:r>
+            <a:r>
+              <a:rPr kumimoji="1" lang="ja-JP" altLang="en-US" sz="2400" dirty="0"/>
+              <a:t>つ</a:t>
+            </a:r>
+            <a:r>
+              <a:rPr lang="ja-JP" altLang="en-US" sz="2400" dirty="0"/>
+              <a:t>が「真の値」の</a:t>
+            </a:r>
+            <a:r>
+              <a:rPr lang="en-US" altLang="ja-JP" sz="2400" dirty="0"/>
+              <a:t>1</a:t>
+            </a:r>
+            <a:r>
+              <a:rPr lang="ja-JP" altLang="en-US" sz="2400" dirty="0"/>
+              <a:t>シグマの範囲に入らない</a:t>
+            </a:r>
+            <a:endParaRPr lang="en-US" altLang="ja-JP" sz="2400" dirty="0"/>
+          </a:p>
+          <a:p>
+            <a:pPr marL="285750" indent="-285750">
+              <a:buFont typeface="Arial" panose="020B0604020202020204" pitchFamily="34" charset="0"/>
+              <a:buChar char="•"/>
+            </a:pPr>
+            <a:r>
+              <a:rPr kumimoji="1" lang="ja-JP" altLang="en-US" sz="2400" dirty="0"/>
+              <a:t>観測値と「真の値」がエラーバーの</a:t>
+            </a:r>
+            <a:r>
+              <a:rPr kumimoji="1" lang="en-US" altLang="ja-JP" sz="2400" dirty="0"/>
+              <a:t>2</a:t>
+            </a:r>
+            <a:r>
+              <a:rPr kumimoji="1" lang="ja-JP" altLang="en-US" sz="2400" dirty="0"/>
+              <a:t>倍離れることは稀、</a:t>
+            </a:r>
+            <a:r>
+              <a:rPr kumimoji="1" lang="en-US" altLang="ja-JP" sz="2400" dirty="0"/>
+              <a:t>5</a:t>
+            </a:r>
+            <a:r>
+              <a:rPr kumimoji="1" lang="ja-JP" altLang="en-US" sz="2400" dirty="0"/>
+              <a:t>倍離れることはまずない</a:t>
+            </a:r>
+          </a:p>
+        </p:txBody>
+      </p:sp>
+      <p:sp>
+        <p:nvSpPr>
+          <p:cNvPr id="6" name="テキスト ボックス 5">
+            <a:extLst>
+              <a:ext uri="{FF2B5EF4-FFF2-40B4-BE49-F238E27FC236}">
+                <a16:creationId xmlns:a16="http://schemas.microsoft.com/office/drawing/2014/main" id="{6E59CC4E-846A-4A5C-A9EA-B37C966CFF34}"/>
+              </a:ext>
+            </a:extLst>
+          </p:cNvPr>
+          <p:cNvSpPr txBox="1"/>
+          <p:nvPr/>
+        </p:nvSpPr>
+        <p:spPr>
+          <a:xfrm>
+            <a:off x="251520" y="3573016"/>
+            <a:ext cx="8280920" cy="1938992"/>
+          </a:xfrm>
+          <a:prstGeom prst="rect">
+            <a:avLst/>
+          </a:prstGeom>
+          <a:noFill/>
+        </p:spPr>
+        <p:txBody>
+          <a:bodyPr wrap="square" rtlCol="0">
+            <a:spAutoFit/>
+          </a:bodyPr>
+          <a:lstStyle/>
+          <a:p>
+            <a:r>
+              <a:rPr lang="ja-JP" altLang="en-US" sz="2400" dirty="0"/>
+              <a:t>逆に</a:t>
+            </a:r>
+            <a:endParaRPr lang="en-US" altLang="ja-JP" sz="2400" dirty="0"/>
+          </a:p>
+          <a:p>
+            <a:pPr marL="285750" indent="-285750">
+              <a:buFont typeface="Arial" panose="020B0604020202020204" pitchFamily="34" charset="0"/>
+              <a:buChar char="•"/>
+            </a:pPr>
+            <a:r>
+              <a:rPr lang="ja-JP" altLang="en-US" sz="2400" dirty="0"/>
+              <a:t>観測値の全てが「真の値」をエラーバーの範囲に含む</a:t>
+            </a:r>
+            <a:endParaRPr lang="en-US" altLang="ja-JP" sz="2400" dirty="0"/>
+          </a:p>
+          <a:p>
+            <a:pPr marL="285750" indent="-285750">
+              <a:buFont typeface="Arial" panose="020B0604020202020204" pitchFamily="34" charset="0"/>
+              <a:buChar char="•"/>
+            </a:pPr>
+            <a:r>
+              <a:rPr lang="ja-JP" altLang="en-US" sz="2400" dirty="0"/>
+              <a:t>「真の値」の片側に連続してずれている</a:t>
+            </a:r>
+            <a:endParaRPr lang="en-US" altLang="ja-JP" sz="2400" dirty="0"/>
+          </a:p>
+          <a:p>
+            <a:pPr marL="285750" indent="-285750">
+              <a:buFont typeface="Arial" panose="020B0604020202020204" pitchFamily="34" charset="0"/>
+              <a:buChar char="•"/>
+            </a:pPr>
+            <a:r>
+              <a:rPr lang="ja-JP" altLang="en-US" sz="2400" dirty="0"/>
+              <a:t>「真の値」と</a:t>
+            </a:r>
+            <a:r>
+              <a:rPr lang="en-US" altLang="ja-JP" sz="2400" dirty="0"/>
+              <a:t>5</a:t>
+            </a:r>
+            <a:r>
+              <a:rPr lang="ja-JP" altLang="en-US" sz="2400" dirty="0"/>
+              <a:t>シグマ以上離れている</a:t>
+            </a:r>
+            <a:endParaRPr lang="en-US" altLang="ja-JP" sz="2400" dirty="0"/>
+          </a:p>
+          <a:p>
+            <a:r>
+              <a:rPr lang="ja-JP" altLang="en-US" sz="2400" dirty="0"/>
+              <a:t>であるなら、何かがおかしい</a:t>
+            </a:r>
+            <a:endParaRPr lang="en-US" altLang="ja-JP" sz="2400" dirty="0"/>
+          </a:p>
+        </p:txBody>
+      </p:sp>
+      <p:sp>
+        <p:nvSpPr>
+          <p:cNvPr id="8" name="テキスト ボックス 7">
+            <a:extLst>
+              <a:ext uri="{FF2B5EF4-FFF2-40B4-BE49-F238E27FC236}">
+                <a16:creationId xmlns:a16="http://schemas.microsoft.com/office/drawing/2014/main" id="{BF7ED997-FC5E-4921-806E-371B98FA4861}"/>
+              </a:ext>
+            </a:extLst>
+          </p:cNvPr>
+          <p:cNvSpPr txBox="1"/>
+          <p:nvPr/>
+        </p:nvSpPr>
+        <p:spPr>
+          <a:xfrm>
+            <a:off x="467544" y="5733256"/>
+            <a:ext cx="8392041" cy="400110"/>
+          </a:xfrm>
+          <a:prstGeom prst="rect">
+            <a:avLst/>
+          </a:prstGeom>
+          <a:noFill/>
+        </p:spPr>
+        <p:txBody>
+          <a:bodyPr wrap="none" rtlCol="0">
+            <a:spAutoFit/>
+          </a:bodyPr>
+          <a:lstStyle/>
+          <a:p>
+            <a:r>
+              <a:rPr kumimoji="1" lang="ja-JP" altLang="en-US" sz="2000" dirty="0"/>
+              <a:t>エラーバーがおかしいグラフは、データの相関が原因であることが多い</a:t>
+            </a:r>
+          </a:p>
+        </p:txBody>
+      </p:sp>
+    </p:spTree>
+    <p:extLst>
+      <p:ext uri="{BB962C8B-B14F-4D97-AF65-F5344CB8AC3E}">
+        <p14:creationId xmlns:p14="http://schemas.microsoft.com/office/powerpoint/2010/main" val="2030738973"/>
       </p:ext>
     </p:extLst>
   </p:cSld>

--- a/03_mc_advanced/simulation03.pptx
+++ b/03_mc_advanced/simulation03.pptx
@@ -5,7 +5,7 @@
     <p:sldMasterId id="2147483665" r:id="rId1"/>
   </p:sldMasterIdLst>
   <p:notesMasterIdLst>
-    <p:notesMasterId r:id="rId41"/>
+    <p:notesMasterId r:id="rId45"/>
   </p:notesMasterIdLst>
   <p:sldIdLst>
     <p:sldId id="256" r:id="rId2"/>
@@ -47,6 +47,10 @@
     <p:sldId id="374" r:id="rId38"/>
     <p:sldId id="375" r:id="rId39"/>
     <p:sldId id="376" r:id="rId40"/>
+    <p:sldId id="377" r:id="rId41"/>
+    <p:sldId id="378" r:id="rId42"/>
+    <p:sldId id="379" r:id="rId43"/>
+    <p:sldId id="380" r:id="rId44"/>
   </p:sldIdLst>
   <p:sldSz cx="9144000" cy="6858000" type="screen4x3"/>
   <p:notesSz cx="6858000" cy="9144000"/>
@@ -3601,8 +3605,8 @@
           </a:fontRef>
         </p:style>
       </p:cxnSp>
-      <mc:AlternateContent xmlns:mc="http://schemas.openxmlformats.org/markup-compatibility/2006">
-        <mc:Choice xmlns:a14="http://schemas.microsoft.com/office/drawing/2010/main" Requires="a14">
+      <mc:AlternateContent xmlns:mc="http://schemas.openxmlformats.org/markup-compatibility/2006" xmlns:a14="http://schemas.microsoft.com/office/drawing/2010/main">
+        <mc:Choice Requires="a14">
           <p:sp>
             <p:nvSpPr>
               <p:cNvPr id="16" name="テキスト ボックス 15">
@@ -3862,7 +3866,7 @@
             </p:txBody>
           </p:sp>
         </mc:Choice>
-        <mc:Fallback>
+        <mc:Fallback xmlns="">
           <p:sp>
             <p:nvSpPr>
               <p:cNvPr id="16" name="テキスト ボックス 15">
@@ -5529,8 +5533,8 @@
           </a:p>
         </p:txBody>
       </p:sp>
-      <mc:AlternateContent xmlns:mc="http://schemas.openxmlformats.org/markup-compatibility/2006">
-        <mc:Choice xmlns:a14="http://schemas.microsoft.com/office/drawing/2010/main" Requires="a14">
+      <mc:AlternateContent xmlns:mc="http://schemas.openxmlformats.org/markup-compatibility/2006" xmlns:a14="http://schemas.microsoft.com/office/drawing/2010/main">
+        <mc:Choice Requires="a14">
           <p:sp>
             <p:nvSpPr>
               <p:cNvPr id="9" name="テキスト ボックス 8">
@@ -5749,7 +5753,7 @@
             </p:txBody>
           </p:sp>
         </mc:Choice>
-        <mc:Fallback>
+        <mc:Fallback xmlns="">
           <p:sp>
             <p:nvSpPr>
               <p:cNvPr id="9" name="テキスト ボックス 8">
@@ -5794,8 +5798,8 @@
           </p:sp>
         </mc:Fallback>
       </mc:AlternateContent>
-      <mc:AlternateContent xmlns:mc="http://schemas.openxmlformats.org/markup-compatibility/2006">
-        <mc:Choice xmlns:a14="http://schemas.microsoft.com/office/drawing/2010/main" Requires="a14">
+      <mc:AlternateContent xmlns:mc="http://schemas.openxmlformats.org/markup-compatibility/2006" xmlns:a14="http://schemas.microsoft.com/office/drawing/2010/main">
+        <mc:Choice Requires="a14">
           <p:sp>
             <p:nvSpPr>
               <p:cNvPr id="11" name="テキスト ボックス 10">
@@ -5904,7 +5908,7 @@
             </p:txBody>
           </p:sp>
         </mc:Choice>
-        <mc:Fallback>
+        <mc:Fallback xmlns="">
           <p:sp>
             <p:nvSpPr>
               <p:cNvPr id="11" name="テキスト ボックス 10">
@@ -6657,8 +6661,8 @@
           </a:p>
         </p:txBody>
       </p:sp>
-      <mc:AlternateContent xmlns:mc="http://schemas.openxmlformats.org/markup-compatibility/2006">
-        <mc:Choice xmlns:a14="http://schemas.microsoft.com/office/drawing/2010/main" Requires="a14">
+      <mc:AlternateContent xmlns:mc="http://schemas.openxmlformats.org/markup-compatibility/2006" xmlns:a14="http://schemas.microsoft.com/office/drawing/2010/main">
+        <mc:Choice Requires="a14">
           <p:sp>
             <p:nvSpPr>
               <p:cNvPr id="4" name="テキスト ボックス 3">
@@ -6768,7 +6772,7 @@
             </p:txBody>
           </p:sp>
         </mc:Choice>
-        <mc:Fallback>
+        <mc:Fallback xmlns="">
           <p:sp>
             <p:nvSpPr>
               <p:cNvPr id="4" name="テキスト ボックス 3">
@@ -7081,8 +7085,8 @@
           </a:p>
         </p:txBody>
       </p:sp>
-      <mc:AlternateContent xmlns:mc="http://schemas.openxmlformats.org/markup-compatibility/2006">
-        <mc:Choice xmlns:a14="http://schemas.microsoft.com/office/drawing/2010/main" Requires="a14">
+      <mc:AlternateContent xmlns:mc="http://schemas.openxmlformats.org/markup-compatibility/2006" xmlns:a14="http://schemas.microsoft.com/office/drawing/2010/main">
+        <mc:Choice Requires="a14">
           <p:sp>
             <p:nvSpPr>
               <p:cNvPr id="3" name="テキスト ボックス 2">
@@ -7361,7 +7365,7 @@
             </p:txBody>
           </p:sp>
         </mc:Choice>
-        <mc:Fallback>
+        <mc:Fallback xmlns="">
           <p:sp>
             <p:nvSpPr>
               <p:cNvPr id="3" name="テキスト ボックス 2">
@@ -10716,8 +10720,8 @@
           </a:p>
         </p:txBody>
       </p:sp>
-      <mc:AlternateContent xmlns:mc="http://schemas.openxmlformats.org/markup-compatibility/2006">
-        <mc:Choice xmlns:a14="http://schemas.microsoft.com/office/drawing/2010/main" Requires="a14">
+      <mc:AlternateContent xmlns:mc="http://schemas.openxmlformats.org/markup-compatibility/2006" xmlns:a14="http://schemas.microsoft.com/office/drawing/2010/main">
+        <mc:Choice Requires="a14">
           <p:sp>
             <p:nvSpPr>
               <p:cNvPr id="7" name="テキスト ボックス 6">
@@ -10746,6 +10750,7 @@
               </a:bodyPr>
               <a:lstStyle/>
               <a:p>
+                <a:pPr/>
                 <a14:m>
                   <m:oMathPara xmlns:m="http://schemas.openxmlformats.org/officeDocument/2006/math">
                     <m:oMathParaPr>
@@ -10841,7 +10846,7 @@
             </p:txBody>
           </p:sp>
         </mc:Choice>
-        <mc:Fallback>
+        <mc:Fallback xmlns="">
           <p:sp>
             <p:nvSpPr>
               <p:cNvPr id="7" name="テキスト ボックス 6">
@@ -17591,8 +17596,8 @@
             </p:nvSpPr>
             <p:spPr>
               <a:xfrm>
-                <a:off x="5940152" y="2708920"/>
-                <a:ext cx="2824106" cy="1027333"/>
+                <a:off x="5890886" y="2708920"/>
+                <a:ext cx="3244158" cy="1027333"/>
               </a:xfrm>
               <a:prstGeom prst="rect">
                 <a:avLst/>
@@ -17605,12 +17610,19 @@
               </a:bodyPr>
               <a:lstStyle/>
               <a:p>
+                <a:pPr/>
                 <a14:m>
                   <m:oMathPara xmlns:m="http://schemas.openxmlformats.org/officeDocument/2006/math">
                     <m:oMathParaPr>
                       <m:jc m:val="centerGroup"/>
                     </m:oMathParaPr>
                     <m:oMath xmlns:m="http://schemas.openxmlformats.org/officeDocument/2006/math">
+                      <m:r>
+                        <a:rPr kumimoji="1" lang="en-US" altLang="ja-JP" sz="3200" b="0" i="1" smtClean="0">
+                          <a:latin typeface="Cambria Math" panose="02040503050406030204" pitchFamily="18" charset="0"/>
+                        </a:rPr>
+                        <m:t>𝑚</m:t>
+                      </m:r>
                       <m:f>
                         <m:fPr>
                           <m:ctrlPr>
@@ -17703,8 +17715,8 @@
             </p:nvSpPr>
             <p:spPr>
               <a:xfrm>
-                <a:off x="5940152" y="2708920"/>
-                <a:ext cx="2824106" cy="1027333"/>
+                <a:off x="5890886" y="2708920"/>
+                <a:ext cx="3244158" cy="1027333"/>
               </a:xfrm>
               <a:prstGeom prst="rect">
                 <a:avLst/>
@@ -18559,8 +18571,8 @@
           </a:p>
         </p:txBody>
       </p:sp>
-      <mc:AlternateContent xmlns:mc="http://schemas.openxmlformats.org/markup-compatibility/2006">
-        <mc:Choice xmlns:a14="http://schemas.microsoft.com/office/drawing/2010/main" Requires="a14">
+      <mc:AlternateContent xmlns:mc="http://schemas.openxmlformats.org/markup-compatibility/2006" xmlns:a14="http://schemas.microsoft.com/office/drawing/2010/main">
+        <mc:Choice Requires="a14">
           <p:sp>
             <p:nvSpPr>
               <p:cNvPr id="30" name="テキスト ボックス 29">
@@ -18610,7 +18622,7 @@
             </p:txBody>
           </p:sp>
         </mc:Choice>
-        <mc:Fallback>
+        <mc:Fallback xmlns="">
           <p:sp>
             <p:nvSpPr>
               <p:cNvPr id="30" name="テキスト ボックス 29">
@@ -19974,8 +19986,8 @@
           </a:p>
         </p:txBody>
       </p:sp>
-      <mc:AlternateContent xmlns:mc="http://schemas.openxmlformats.org/markup-compatibility/2006">
-        <mc:Choice xmlns:a14="http://schemas.microsoft.com/office/drawing/2010/main" Requires="a14">
+      <mc:AlternateContent xmlns:mc="http://schemas.openxmlformats.org/markup-compatibility/2006" xmlns:a14="http://schemas.microsoft.com/office/drawing/2010/main">
+        <mc:Choice Requires="a14">
           <p:sp>
             <p:nvSpPr>
               <p:cNvPr id="8" name="テキスト ボックス 7">
@@ -20060,7 +20072,7 @@
             </p:txBody>
           </p:sp>
         </mc:Choice>
-        <mc:Fallback>
+        <mc:Fallback xmlns="">
           <p:sp>
             <p:nvSpPr>
               <p:cNvPr id="8" name="テキスト ボックス 7">
@@ -20953,13 +20965,18 @@
         </p:nvSpPr>
         <p:spPr>
           <a:xfrm>
-            <a:off x="467544" y="5733256"/>
+            <a:off x="251520" y="5805264"/>
             <a:ext cx="8392041" cy="400110"/>
           </a:xfrm>
           <a:prstGeom prst="rect">
             <a:avLst/>
           </a:prstGeom>
           <a:noFill/>
+          <a:ln>
+            <a:solidFill>
+              <a:schemeClr val="tx1"/>
+            </a:solidFill>
+          </a:ln>
         </p:spPr>
         <p:txBody>
           <a:bodyPr wrap="none" rtlCol="0">
@@ -22440,6 +22457,5739 @@
     <p:extLst>
       <p:ext uri="{BB962C8B-B14F-4D97-AF65-F5344CB8AC3E}">
         <p14:creationId xmlns:p14="http://schemas.microsoft.com/office/powerpoint/2010/main" val="2737764514"/>
+      </p:ext>
+    </p:extLst>
+  </p:cSld>
+  <p:clrMapOvr>
+    <a:masterClrMapping/>
+  </p:clrMapOvr>
+</p:sld>
+</file>
+
+<file path=ppt/slides/slide40.xml><?xml version="1.0" encoding="utf-8"?>
+<p:sld xmlns:a="http://schemas.openxmlformats.org/drawingml/2006/main" xmlns:r="http://schemas.openxmlformats.org/officeDocument/2006/relationships" xmlns:p="http://schemas.openxmlformats.org/presentationml/2006/main">
+  <p:cSld>
+    <p:spTree>
+      <p:nvGrpSpPr>
+        <p:cNvPr id="1" name=""/>
+        <p:cNvGrpSpPr/>
+        <p:nvPr/>
+      </p:nvGrpSpPr>
+      <p:grpSpPr>
+        <a:xfrm>
+          <a:off x="0" y="0"/>
+          <a:ext cx="0" cy="0"/>
+          <a:chOff x="0" y="0"/>
+          <a:chExt cx="0" cy="0"/>
+        </a:xfrm>
+      </p:grpSpPr>
+      <p:sp>
+        <p:nvSpPr>
+          <p:cNvPr id="2" name="テキスト プレースホルダー 1">
+            <a:extLst>
+              <a:ext uri="{FF2B5EF4-FFF2-40B4-BE49-F238E27FC236}">
+                <a16:creationId xmlns:a16="http://schemas.microsoft.com/office/drawing/2014/main" id="{8943821C-FB17-4506-831E-E99325D0477C}"/>
+              </a:ext>
+            </a:extLst>
+          </p:cNvPr>
+          <p:cNvSpPr>
+            <a:spLocks noGrp="1"/>
+          </p:cNvSpPr>
+          <p:nvPr>
+            <p:ph type="body" sz="quarter" idx="10"/>
+          </p:nvPr>
+        </p:nvSpPr>
+        <p:spPr/>
+        <p:txBody>
+          <a:bodyPr/>
+          <a:lstStyle/>
+          <a:p>
+            <a:r>
+              <a:rPr kumimoji="1" lang="ja-JP" altLang="en-US" dirty="0"/>
+              <a:t>不偏推定量と</a:t>
+            </a:r>
+            <a:r>
+              <a:rPr kumimoji="1" lang="en-US" altLang="ja-JP" dirty="0"/>
+              <a:t>Jackknife</a:t>
+            </a:r>
+            <a:r>
+              <a:rPr kumimoji="1" lang="ja-JP" altLang="en-US" dirty="0"/>
+              <a:t>法</a:t>
+            </a:r>
+          </a:p>
+        </p:txBody>
+      </p:sp>
+      <p:sp>
+        <p:nvSpPr>
+          <p:cNvPr id="5" name="正方形/長方形 4">
+            <a:extLst>
+              <a:ext uri="{FF2B5EF4-FFF2-40B4-BE49-F238E27FC236}">
+                <a16:creationId xmlns:a16="http://schemas.microsoft.com/office/drawing/2014/main" id="{129792A2-816F-4E1C-8E37-183A071112F5}"/>
+              </a:ext>
+            </a:extLst>
+          </p:cNvPr>
+          <p:cNvSpPr/>
+          <p:nvPr/>
+        </p:nvSpPr>
+        <p:spPr>
+          <a:xfrm>
+            <a:off x="971600" y="1628800"/>
+            <a:ext cx="7200800" cy="432048"/>
+          </a:xfrm>
+          <a:prstGeom prst="rect">
+            <a:avLst/>
+          </a:prstGeom>
+          <a:solidFill>
+            <a:schemeClr val="accent1">
+              <a:lumMod val="20000"/>
+              <a:lumOff val="80000"/>
+            </a:schemeClr>
+          </a:solidFill>
+          <a:ln>
+            <a:solidFill>
+              <a:schemeClr val="tx1"/>
+            </a:solidFill>
+          </a:ln>
+        </p:spPr>
+        <p:style>
+          <a:lnRef idx="2">
+            <a:schemeClr val="accent1">
+              <a:shade val="50000"/>
+            </a:schemeClr>
+          </a:lnRef>
+          <a:fillRef idx="1">
+            <a:schemeClr val="accent1"/>
+          </a:fillRef>
+          <a:effectRef idx="0">
+            <a:schemeClr val="accent1"/>
+          </a:effectRef>
+          <a:fontRef idx="minor">
+            <a:schemeClr val="lt1"/>
+          </a:fontRef>
+        </p:style>
+        <p:txBody>
+          <a:bodyPr rtlCol="0" anchor="ctr"/>
+          <a:lstStyle/>
+          <a:p>
+            <a:pPr algn="ctr"/>
+            <a:endParaRPr kumimoji="1" lang="ja-JP" altLang="en-US"/>
+          </a:p>
+        </p:txBody>
+      </p:sp>
+      <p:sp>
+        <p:nvSpPr>
+          <p:cNvPr id="6" name="テキスト ボックス 5">
+            <a:extLst>
+              <a:ext uri="{FF2B5EF4-FFF2-40B4-BE49-F238E27FC236}">
+                <a16:creationId xmlns:a16="http://schemas.microsoft.com/office/drawing/2014/main" id="{0BF4642D-C73B-404D-845D-BCE69D91B784}"/>
+              </a:ext>
+            </a:extLst>
+          </p:cNvPr>
+          <p:cNvSpPr txBox="1"/>
+          <p:nvPr/>
+        </p:nvSpPr>
+        <p:spPr>
+          <a:xfrm>
+            <a:off x="899592" y="1196752"/>
+            <a:ext cx="2449710" cy="400110"/>
+          </a:xfrm>
+          <a:prstGeom prst="rect">
+            <a:avLst/>
+          </a:prstGeom>
+          <a:noFill/>
+        </p:spPr>
+        <p:txBody>
+          <a:bodyPr wrap="none" rtlCol="0">
+            <a:spAutoFit/>
+          </a:bodyPr>
+          <a:lstStyle/>
+          <a:p>
+            <a:r>
+              <a:rPr lang="en-US" altLang="ja-JP" sz="2000" dirty="0"/>
+              <a:t>M</a:t>
+            </a:r>
+            <a:r>
+              <a:rPr lang="ja-JP" altLang="en-US" sz="2000" dirty="0"/>
+              <a:t>個のデータがある</a:t>
+            </a:r>
+            <a:endParaRPr kumimoji="1" lang="ja-JP" altLang="en-US" sz="2000" dirty="0"/>
+          </a:p>
+        </p:txBody>
+      </p:sp>
+      <p:sp>
+        <p:nvSpPr>
+          <p:cNvPr id="7" name="テキスト ボックス 6">
+            <a:extLst>
+              <a:ext uri="{FF2B5EF4-FFF2-40B4-BE49-F238E27FC236}">
+                <a16:creationId xmlns:a16="http://schemas.microsoft.com/office/drawing/2014/main" id="{98880F17-2BE2-45A0-ADE0-9BD5118F13A7}"/>
+              </a:ext>
+            </a:extLst>
+          </p:cNvPr>
+          <p:cNvSpPr txBox="1"/>
+          <p:nvPr/>
+        </p:nvSpPr>
+        <p:spPr>
+          <a:xfrm>
+            <a:off x="971600" y="2761764"/>
+            <a:ext cx="4501553" cy="400110"/>
+          </a:xfrm>
+          <a:prstGeom prst="rect">
+            <a:avLst/>
+          </a:prstGeom>
+          <a:noFill/>
+        </p:spPr>
+        <p:txBody>
+          <a:bodyPr wrap="none" rtlCol="0">
+            <a:spAutoFit/>
+          </a:bodyPr>
+          <a:lstStyle/>
+          <a:p>
+            <a:r>
+              <a:rPr lang="ja-JP" altLang="en-US" sz="2000" dirty="0"/>
+              <a:t>それを</a:t>
+            </a:r>
+            <a:r>
+              <a:rPr lang="en-US" altLang="ja-JP" sz="2000" dirty="0"/>
+              <a:t>N</a:t>
+            </a:r>
+            <a:r>
+              <a:rPr lang="ja-JP" altLang="en-US" sz="2000" dirty="0"/>
+              <a:t>個ずつのブロックに分割する</a:t>
+            </a:r>
+            <a:endParaRPr kumimoji="1" lang="ja-JP" altLang="en-US" sz="2000" dirty="0"/>
+          </a:p>
+        </p:txBody>
+      </p:sp>
+      <p:sp>
+        <p:nvSpPr>
+          <p:cNvPr id="8" name="正方形/長方形 7">
+            <a:extLst>
+              <a:ext uri="{FF2B5EF4-FFF2-40B4-BE49-F238E27FC236}">
+                <a16:creationId xmlns:a16="http://schemas.microsoft.com/office/drawing/2014/main" id="{5EC9B545-FBDD-4235-82CC-58ADE403840A}"/>
+              </a:ext>
+            </a:extLst>
+          </p:cNvPr>
+          <p:cNvSpPr/>
+          <p:nvPr/>
+        </p:nvSpPr>
+        <p:spPr>
+          <a:xfrm>
+            <a:off x="971600" y="3193812"/>
+            <a:ext cx="720080" cy="432048"/>
+          </a:xfrm>
+          <a:prstGeom prst="rect">
+            <a:avLst/>
+          </a:prstGeom>
+          <a:solidFill>
+            <a:schemeClr val="accent1">
+              <a:lumMod val="20000"/>
+              <a:lumOff val="80000"/>
+            </a:schemeClr>
+          </a:solidFill>
+          <a:ln>
+            <a:solidFill>
+              <a:schemeClr val="tx1"/>
+            </a:solidFill>
+          </a:ln>
+        </p:spPr>
+        <p:style>
+          <a:lnRef idx="2">
+            <a:schemeClr val="accent1">
+              <a:shade val="50000"/>
+            </a:schemeClr>
+          </a:lnRef>
+          <a:fillRef idx="1">
+            <a:schemeClr val="accent1"/>
+          </a:fillRef>
+          <a:effectRef idx="0">
+            <a:schemeClr val="accent1"/>
+          </a:effectRef>
+          <a:fontRef idx="minor">
+            <a:schemeClr val="lt1"/>
+          </a:fontRef>
+        </p:style>
+        <p:txBody>
+          <a:bodyPr rtlCol="0" anchor="ctr"/>
+          <a:lstStyle/>
+          <a:p>
+            <a:pPr algn="ctr"/>
+            <a:endParaRPr kumimoji="1" lang="ja-JP" altLang="en-US"/>
+          </a:p>
+        </p:txBody>
+      </p:sp>
+      <p:sp>
+        <p:nvSpPr>
+          <p:cNvPr id="9" name="正方形/長方形 8">
+            <a:extLst>
+              <a:ext uri="{FF2B5EF4-FFF2-40B4-BE49-F238E27FC236}">
+                <a16:creationId xmlns:a16="http://schemas.microsoft.com/office/drawing/2014/main" id="{28B72027-17C4-47DB-A487-772B69B4A1C6}"/>
+              </a:ext>
+            </a:extLst>
+          </p:cNvPr>
+          <p:cNvSpPr/>
+          <p:nvPr/>
+        </p:nvSpPr>
+        <p:spPr>
+          <a:xfrm>
+            <a:off x="1691680" y="3193812"/>
+            <a:ext cx="720080" cy="432048"/>
+          </a:xfrm>
+          <a:prstGeom prst="rect">
+            <a:avLst/>
+          </a:prstGeom>
+          <a:solidFill>
+            <a:schemeClr val="accent1">
+              <a:lumMod val="20000"/>
+              <a:lumOff val="80000"/>
+            </a:schemeClr>
+          </a:solidFill>
+          <a:ln>
+            <a:solidFill>
+              <a:schemeClr val="tx1"/>
+            </a:solidFill>
+          </a:ln>
+        </p:spPr>
+        <p:style>
+          <a:lnRef idx="2">
+            <a:schemeClr val="accent1">
+              <a:shade val="50000"/>
+            </a:schemeClr>
+          </a:lnRef>
+          <a:fillRef idx="1">
+            <a:schemeClr val="accent1"/>
+          </a:fillRef>
+          <a:effectRef idx="0">
+            <a:schemeClr val="accent1"/>
+          </a:effectRef>
+          <a:fontRef idx="minor">
+            <a:schemeClr val="lt1"/>
+          </a:fontRef>
+        </p:style>
+        <p:txBody>
+          <a:bodyPr rtlCol="0" anchor="ctr"/>
+          <a:lstStyle/>
+          <a:p>
+            <a:pPr algn="ctr"/>
+            <a:endParaRPr kumimoji="1" lang="ja-JP" altLang="en-US"/>
+          </a:p>
+        </p:txBody>
+      </p:sp>
+      <p:sp>
+        <p:nvSpPr>
+          <p:cNvPr id="10" name="正方形/長方形 9">
+            <a:extLst>
+              <a:ext uri="{FF2B5EF4-FFF2-40B4-BE49-F238E27FC236}">
+                <a16:creationId xmlns:a16="http://schemas.microsoft.com/office/drawing/2014/main" id="{07AAE71C-DC8A-4A09-8B64-6D59CC92C0F9}"/>
+              </a:ext>
+            </a:extLst>
+          </p:cNvPr>
+          <p:cNvSpPr/>
+          <p:nvPr/>
+        </p:nvSpPr>
+        <p:spPr>
+          <a:xfrm>
+            <a:off x="2411760" y="3193812"/>
+            <a:ext cx="720080" cy="432048"/>
+          </a:xfrm>
+          <a:prstGeom prst="rect">
+            <a:avLst/>
+          </a:prstGeom>
+          <a:solidFill>
+            <a:schemeClr val="accent1">
+              <a:lumMod val="20000"/>
+              <a:lumOff val="80000"/>
+            </a:schemeClr>
+          </a:solidFill>
+          <a:ln>
+            <a:solidFill>
+              <a:schemeClr val="tx1"/>
+            </a:solidFill>
+          </a:ln>
+        </p:spPr>
+        <p:style>
+          <a:lnRef idx="2">
+            <a:schemeClr val="accent1">
+              <a:shade val="50000"/>
+            </a:schemeClr>
+          </a:lnRef>
+          <a:fillRef idx="1">
+            <a:schemeClr val="accent1"/>
+          </a:fillRef>
+          <a:effectRef idx="0">
+            <a:schemeClr val="accent1"/>
+          </a:effectRef>
+          <a:fontRef idx="minor">
+            <a:schemeClr val="lt1"/>
+          </a:fontRef>
+        </p:style>
+        <p:txBody>
+          <a:bodyPr rtlCol="0" anchor="ctr"/>
+          <a:lstStyle/>
+          <a:p>
+            <a:pPr algn="ctr"/>
+            <a:endParaRPr kumimoji="1" lang="ja-JP" altLang="en-US"/>
+          </a:p>
+        </p:txBody>
+      </p:sp>
+      <p:sp>
+        <p:nvSpPr>
+          <p:cNvPr id="11" name="正方形/長方形 10">
+            <a:extLst>
+              <a:ext uri="{FF2B5EF4-FFF2-40B4-BE49-F238E27FC236}">
+                <a16:creationId xmlns:a16="http://schemas.microsoft.com/office/drawing/2014/main" id="{49BEFA20-CE4E-4614-8616-C5E2CEC820BD}"/>
+              </a:ext>
+            </a:extLst>
+          </p:cNvPr>
+          <p:cNvSpPr/>
+          <p:nvPr/>
+        </p:nvSpPr>
+        <p:spPr>
+          <a:xfrm>
+            <a:off x="3131840" y="3193812"/>
+            <a:ext cx="720080" cy="432048"/>
+          </a:xfrm>
+          <a:prstGeom prst="rect">
+            <a:avLst/>
+          </a:prstGeom>
+          <a:solidFill>
+            <a:schemeClr val="accent1">
+              <a:lumMod val="20000"/>
+              <a:lumOff val="80000"/>
+            </a:schemeClr>
+          </a:solidFill>
+          <a:ln>
+            <a:solidFill>
+              <a:schemeClr val="tx1"/>
+            </a:solidFill>
+          </a:ln>
+        </p:spPr>
+        <p:style>
+          <a:lnRef idx="2">
+            <a:schemeClr val="accent1">
+              <a:shade val="50000"/>
+            </a:schemeClr>
+          </a:lnRef>
+          <a:fillRef idx="1">
+            <a:schemeClr val="accent1"/>
+          </a:fillRef>
+          <a:effectRef idx="0">
+            <a:schemeClr val="accent1"/>
+          </a:effectRef>
+          <a:fontRef idx="minor">
+            <a:schemeClr val="lt1"/>
+          </a:fontRef>
+        </p:style>
+        <p:txBody>
+          <a:bodyPr rtlCol="0" anchor="ctr"/>
+          <a:lstStyle/>
+          <a:p>
+            <a:pPr algn="ctr"/>
+            <a:endParaRPr kumimoji="1" lang="ja-JP" altLang="en-US"/>
+          </a:p>
+        </p:txBody>
+      </p:sp>
+      <p:sp>
+        <p:nvSpPr>
+          <p:cNvPr id="12" name="正方形/長方形 11">
+            <a:extLst>
+              <a:ext uri="{FF2B5EF4-FFF2-40B4-BE49-F238E27FC236}">
+                <a16:creationId xmlns:a16="http://schemas.microsoft.com/office/drawing/2014/main" id="{DA5E30EC-DE1F-457D-AD37-7A48DC54C714}"/>
+              </a:ext>
+            </a:extLst>
+          </p:cNvPr>
+          <p:cNvSpPr/>
+          <p:nvPr/>
+        </p:nvSpPr>
+        <p:spPr>
+          <a:xfrm>
+            <a:off x="3851920" y="3193812"/>
+            <a:ext cx="720080" cy="432048"/>
+          </a:xfrm>
+          <a:prstGeom prst="rect">
+            <a:avLst/>
+          </a:prstGeom>
+          <a:solidFill>
+            <a:schemeClr val="accent1">
+              <a:lumMod val="20000"/>
+              <a:lumOff val="80000"/>
+            </a:schemeClr>
+          </a:solidFill>
+          <a:ln>
+            <a:solidFill>
+              <a:schemeClr val="tx1"/>
+            </a:solidFill>
+          </a:ln>
+        </p:spPr>
+        <p:style>
+          <a:lnRef idx="2">
+            <a:schemeClr val="accent1">
+              <a:shade val="50000"/>
+            </a:schemeClr>
+          </a:lnRef>
+          <a:fillRef idx="1">
+            <a:schemeClr val="accent1"/>
+          </a:fillRef>
+          <a:effectRef idx="0">
+            <a:schemeClr val="accent1"/>
+          </a:effectRef>
+          <a:fontRef idx="minor">
+            <a:schemeClr val="lt1"/>
+          </a:fontRef>
+        </p:style>
+        <p:txBody>
+          <a:bodyPr rtlCol="0" anchor="ctr"/>
+          <a:lstStyle/>
+          <a:p>
+            <a:pPr algn="ctr"/>
+            <a:endParaRPr kumimoji="1" lang="ja-JP" altLang="en-US"/>
+          </a:p>
+        </p:txBody>
+      </p:sp>
+      <p:sp>
+        <p:nvSpPr>
+          <p:cNvPr id="13" name="正方形/長方形 12">
+            <a:extLst>
+              <a:ext uri="{FF2B5EF4-FFF2-40B4-BE49-F238E27FC236}">
+                <a16:creationId xmlns:a16="http://schemas.microsoft.com/office/drawing/2014/main" id="{1902A0BD-D291-4B8F-8AD3-47E08968C9B3}"/>
+              </a:ext>
+            </a:extLst>
+          </p:cNvPr>
+          <p:cNvSpPr/>
+          <p:nvPr/>
+        </p:nvSpPr>
+        <p:spPr>
+          <a:xfrm>
+            <a:off x="4572000" y="3193812"/>
+            <a:ext cx="720080" cy="432048"/>
+          </a:xfrm>
+          <a:prstGeom prst="rect">
+            <a:avLst/>
+          </a:prstGeom>
+          <a:solidFill>
+            <a:schemeClr val="accent1">
+              <a:lumMod val="20000"/>
+              <a:lumOff val="80000"/>
+            </a:schemeClr>
+          </a:solidFill>
+          <a:ln>
+            <a:solidFill>
+              <a:schemeClr val="tx1"/>
+            </a:solidFill>
+          </a:ln>
+        </p:spPr>
+        <p:style>
+          <a:lnRef idx="2">
+            <a:schemeClr val="accent1">
+              <a:shade val="50000"/>
+            </a:schemeClr>
+          </a:lnRef>
+          <a:fillRef idx="1">
+            <a:schemeClr val="accent1"/>
+          </a:fillRef>
+          <a:effectRef idx="0">
+            <a:schemeClr val="accent1"/>
+          </a:effectRef>
+          <a:fontRef idx="minor">
+            <a:schemeClr val="lt1"/>
+          </a:fontRef>
+        </p:style>
+        <p:txBody>
+          <a:bodyPr rtlCol="0" anchor="ctr"/>
+          <a:lstStyle/>
+          <a:p>
+            <a:pPr algn="ctr"/>
+            <a:endParaRPr kumimoji="1" lang="ja-JP" altLang="en-US"/>
+          </a:p>
+        </p:txBody>
+      </p:sp>
+      <p:sp>
+        <p:nvSpPr>
+          <p:cNvPr id="14" name="正方形/長方形 13">
+            <a:extLst>
+              <a:ext uri="{FF2B5EF4-FFF2-40B4-BE49-F238E27FC236}">
+                <a16:creationId xmlns:a16="http://schemas.microsoft.com/office/drawing/2014/main" id="{7F378A82-116D-4C5D-B0A5-E9230F059C89}"/>
+              </a:ext>
+            </a:extLst>
+          </p:cNvPr>
+          <p:cNvSpPr/>
+          <p:nvPr/>
+        </p:nvSpPr>
+        <p:spPr>
+          <a:xfrm>
+            <a:off x="5292080" y="3193812"/>
+            <a:ext cx="720080" cy="432048"/>
+          </a:xfrm>
+          <a:prstGeom prst="rect">
+            <a:avLst/>
+          </a:prstGeom>
+          <a:solidFill>
+            <a:schemeClr val="accent1">
+              <a:lumMod val="20000"/>
+              <a:lumOff val="80000"/>
+            </a:schemeClr>
+          </a:solidFill>
+          <a:ln>
+            <a:solidFill>
+              <a:schemeClr val="tx1"/>
+            </a:solidFill>
+          </a:ln>
+        </p:spPr>
+        <p:style>
+          <a:lnRef idx="2">
+            <a:schemeClr val="accent1">
+              <a:shade val="50000"/>
+            </a:schemeClr>
+          </a:lnRef>
+          <a:fillRef idx="1">
+            <a:schemeClr val="accent1"/>
+          </a:fillRef>
+          <a:effectRef idx="0">
+            <a:schemeClr val="accent1"/>
+          </a:effectRef>
+          <a:fontRef idx="minor">
+            <a:schemeClr val="lt1"/>
+          </a:fontRef>
+        </p:style>
+        <p:txBody>
+          <a:bodyPr rtlCol="0" anchor="ctr"/>
+          <a:lstStyle/>
+          <a:p>
+            <a:pPr algn="ctr"/>
+            <a:endParaRPr kumimoji="1" lang="ja-JP" altLang="en-US"/>
+          </a:p>
+        </p:txBody>
+      </p:sp>
+      <p:sp>
+        <p:nvSpPr>
+          <p:cNvPr id="15" name="正方形/長方形 14">
+            <a:extLst>
+              <a:ext uri="{FF2B5EF4-FFF2-40B4-BE49-F238E27FC236}">
+                <a16:creationId xmlns:a16="http://schemas.microsoft.com/office/drawing/2014/main" id="{86BE6C93-C62B-4EC1-8E8B-91541063776E}"/>
+              </a:ext>
+            </a:extLst>
+          </p:cNvPr>
+          <p:cNvSpPr/>
+          <p:nvPr/>
+        </p:nvSpPr>
+        <p:spPr>
+          <a:xfrm>
+            <a:off x="6012160" y="3193812"/>
+            <a:ext cx="720080" cy="432048"/>
+          </a:xfrm>
+          <a:prstGeom prst="rect">
+            <a:avLst/>
+          </a:prstGeom>
+          <a:solidFill>
+            <a:schemeClr val="accent1">
+              <a:lumMod val="20000"/>
+              <a:lumOff val="80000"/>
+            </a:schemeClr>
+          </a:solidFill>
+          <a:ln>
+            <a:solidFill>
+              <a:schemeClr val="tx1"/>
+            </a:solidFill>
+          </a:ln>
+        </p:spPr>
+        <p:style>
+          <a:lnRef idx="2">
+            <a:schemeClr val="accent1">
+              <a:shade val="50000"/>
+            </a:schemeClr>
+          </a:lnRef>
+          <a:fillRef idx="1">
+            <a:schemeClr val="accent1"/>
+          </a:fillRef>
+          <a:effectRef idx="0">
+            <a:schemeClr val="accent1"/>
+          </a:effectRef>
+          <a:fontRef idx="minor">
+            <a:schemeClr val="lt1"/>
+          </a:fontRef>
+        </p:style>
+        <p:txBody>
+          <a:bodyPr rtlCol="0" anchor="ctr"/>
+          <a:lstStyle/>
+          <a:p>
+            <a:pPr algn="ctr"/>
+            <a:endParaRPr kumimoji="1" lang="ja-JP" altLang="en-US"/>
+          </a:p>
+        </p:txBody>
+      </p:sp>
+      <p:sp>
+        <p:nvSpPr>
+          <p:cNvPr id="16" name="正方形/長方形 15">
+            <a:extLst>
+              <a:ext uri="{FF2B5EF4-FFF2-40B4-BE49-F238E27FC236}">
+                <a16:creationId xmlns:a16="http://schemas.microsoft.com/office/drawing/2014/main" id="{E977D5BB-D928-44DC-858F-A7F1B1E6BDB6}"/>
+              </a:ext>
+            </a:extLst>
+          </p:cNvPr>
+          <p:cNvSpPr/>
+          <p:nvPr/>
+        </p:nvSpPr>
+        <p:spPr>
+          <a:xfrm>
+            <a:off x="6732240" y="3193812"/>
+            <a:ext cx="720080" cy="432048"/>
+          </a:xfrm>
+          <a:prstGeom prst="rect">
+            <a:avLst/>
+          </a:prstGeom>
+          <a:solidFill>
+            <a:schemeClr val="accent1">
+              <a:lumMod val="20000"/>
+              <a:lumOff val="80000"/>
+            </a:schemeClr>
+          </a:solidFill>
+          <a:ln>
+            <a:solidFill>
+              <a:schemeClr val="tx1"/>
+            </a:solidFill>
+          </a:ln>
+        </p:spPr>
+        <p:style>
+          <a:lnRef idx="2">
+            <a:schemeClr val="accent1">
+              <a:shade val="50000"/>
+            </a:schemeClr>
+          </a:lnRef>
+          <a:fillRef idx="1">
+            <a:schemeClr val="accent1"/>
+          </a:fillRef>
+          <a:effectRef idx="0">
+            <a:schemeClr val="accent1"/>
+          </a:effectRef>
+          <a:fontRef idx="minor">
+            <a:schemeClr val="lt1"/>
+          </a:fontRef>
+        </p:style>
+        <p:txBody>
+          <a:bodyPr rtlCol="0" anchor="ctr"/>
+          <a:lstStyle/>
+          <a:p>
+            <a:pPr algn="ctr"/>
+            <a:endParaRPr kumimoji="1" lang="ja-JP" altLang="en-US"/>
+          </a:p>
+        </p:txBody>
+      </p:sp>
+      <p:sp>
+        <p:nvSpPr>
+          <p:cNvPr id="17" name="正方形/長方形 16">
+            <a:extLst>
+              <a:ext uri="{FF2B5EF4-FFF2-40B4-BE49-F238E27FC236}">
+                <a16:creationId xmlns:a16="http://schemas.microsoft.com/office/drawing/2014/main" id="{8D0DDF48-D24A-4EE8-914D-CDB8981C091F}"/>
+              </a:ext>
+            </a:extLst>
+          </p:cNvPr>
+          <p:cNvSpPr/>
+          <p:nvPr/>
+        </p:nvSpPr>
+        <p:spPr>
+          <a:xfrm>
+            <a:off x="7452320" y="3193812"/>
+            <a:ext cx="720080" cy="432048"/>
+          </a:xfrm>
+          <a:prstGeom prst="rect">
+            <a:avLst/>
+          </a:prstGeom>
+          <a:solidFill>
+            <a:schemeClr val="accent1">
+              <a:lumMod val="20000"/>
+              <a:lumOff val="80000"/>
+            </a:schemeClr>
+          </a:solidFill>
+          <a:ln>
+            <a:solidFill>
+              <a:schemeClr val="tx1"/>
+            </a:solidFill>
+          </a:ln>
+        </p:spPr>
+        <p:style>
+          <a:lnRef idx="2">
+            <a:schemeClr val="accent1">
+              <a:shade val="50000"/>
+            </a:schemeClr>
+          </a:lnRef>
+          <a:fillRef idx="1">
+            <a:schemeClr val="accent1"/>
+          </a:fillRef>
+          <a:effectRef idx="0">
+            <a:schemeClr val="accent1"/>
+          </a:effectRef>
+          <a:fontRef idx="minor">
+            <a:schemeClr val="lt1"/>
+          </a:fontRef>
+        </p:style>
+        <p:txBody>
+          <a:bodyPr rtlCol="0" anchor="ctr"/>
+          <a:lstStyle/>
+          <a:p>
+            <a:pPr algn="ctr"/>
+            <a:endParaRPr kumimoji="1" lang="ja-JP" altLang="en-US"/>
+          </a:p>
+        </p:txBody>
+      </p:sp>
+      <p:cxnSp>
+        <p:nvCxnSpPr>
+          <p:cNvPr id="18" name="直線矢印コネクタ 17">
+            <a:extLst>
+              <a:ext uri="{FF2B5EF4-FFF2-40B4-BE49-F238E27FC236}">
+                <a16:creationId xmlns:a16="http://schemas.microsoft.com/office/drawing/2014/main" id="{1DE6FE78-B622-41B7-B442-CD177C68F0A2}"/>
+              </a:ext>
+            </a:extLst>
+          </p:cNvPr>
+          <p:cNvCxnSpPr/>
+          <p:nvPr/>
+        </p:nvCxnSpPr>
+        <p:spPr>
+          <a:xfrm>
+            <a:off x="971600" y="3769876"/>
+            <a:ext cx="720080" cy="0"/>
+          </a:xfrm>
+          <a:prstGeom prst="straightConnector1">
+            <a:avLst/>
+          </a:prstGeom>
+          <a:ln>
+            <a:solidFill>
+              <a:schemeClr val="tx1"/>
+            </a:solidFill>
+            <a:headEnd type="triangle"/>
+            <a:tailEnd type="triangle"/>
+          </a:ln>
+        </p:spPr>
+        <p:style>
+          <a:lnRef idx="1">
+            <a:schemeClr val="accent1"/>
+          </a:lnRef>
+          <a:fillRef idx="0">
+            <a:schemeClr val="accent1"/>
+          </a:fillRef>
+          <a:effectRef idx="0">
+            <a:schemeClr val="accent1"/>
+          </a:effectRef>
+          <a:fontRef idx="minor">
+            <a:schemeClr val="tx1"/>
+          </a:fontRef>
+        </p:style>
+      </p:cxnSp>
+      <mc:AlternateContent xmlns:mc="http://schemas.openxmlformats.org/markup-compatibility/2006">
+        <mc:Choice xmlns:a14="http://schemas.microsoft.com/office/drawing/2010/main" Requires="a14">
+          <p:sp>
+            <p:nvSpPr>
+              <p:cNvPr id="19" name="正方形/長方形 18">
+                <a:extLst>
+                  <a:ext uri="{FF2B5EF4-FFF2-40B4-BE49-F238E27FC236}">
+                    <a16:creationId xmlns:a16="http://schemas.microsoft.com/office/drawing/2014/main" id="{F85B66E2-BB46-4F85-A8CD-899C01F52BCF}"/>
+                  </a:ext>
+                </a:extLst>
+              </p:cNvPr>
+              <p:cNvSpPr/>
+              <p:nvPr/>
+            </p:nvSpPr>
+            <p:spPr>
+              <a:xfrm>
+                <a:off x="1043608" y="3697868"/>
+                <a:ext cx="555729" cy="523220"/>
+              </a:xfrm>
+              <a:prstGeom prst="rect">
+                <a:avLst/>
+              </a:prstGeom>
+            </p:spPr>
+            <p:txBody>
+              <a:bodyPr wrap="none">
+                <a:spAutoFit/>
+              </a:bodyPr>
+              <a:lstStyle/>
+              <a:p>
+                <a:pPr/>
+                <a14:m>
+                  <m:oMathPara xmlns:m="http://schemas.openxmlformats.org/officeDocument/2006/math">
+                    <m:oMathParaPr>
+                      <m:jc m:val="centerGroup"/>
+                    </m:oMathParaPr>
+                    <m:oMath xmlns:m="http://schemas.openxmlformats.org/officeDocument/2006/math">
+                      <m:r>
+                        <a:rPr lang="en-US" altLang="ja-JP" sz="2800" b="0" i="1" smtClean="0">
+                          <a:latin typeface="Cambria Math" panose="02040503050406030204" pitchFamily="18" charset="0"/>
+                        </a:rPr>
+                        <m:t>𝑁</m:t>
+                      </m:r>
+                    </m:oMath>
+                  </m:oMathPara>
+                </a14:m>
+                <a:endParaRPr lang="ja-JP" altLang="en-US" sz="2800" dirty="0"/>
+              </a:p>
+            </p:txBody>
+          </p:sp>
+        </mc:Choice>
+        <mc:Fallback>
+          <p:sp>
+            <p:nvSpPr>
+              <p:cNvPr id="19" name="正方形/長方形 18">
+                <a:extLst>
+                  <a:ext uri="{FF2B5EF4-FFF2-40B4-BE49-F238E27FC236}">
+                    <a16:creationId xmlns:a16="http://schemas.microsoft.com/office/drawing/2014/main" id="{F85B66E2-BB46-4F85-A8CD-899C01F52BCF}"/>
+                  </a:ext>
+                </a:extLst>
+              </p:cNvPr>
+              <p:cNvSpPr>
+                <a:spLocks noRot="1" noChangeAspect="1" noMove="1" noResize="1" noEditPoints="1" noAdjustHandles="1" noChangeArrowheads="1" noChangeShapeType="1" noTextEdit="1"/>
+              </p:cNvSpPr>
+              <p:nvPr/>
+            </p:nvSpPr>
+            <p:spPr>
+              <a:xfrm>
+                <a:off x="1043608" y="3697868"/>
+                <a:ext cx="555729" cy="523220"/>
+              </a:xfrm>
+              <a:prstGeom prst="rect">
+                <a:avLst/>
+              </a:prstGeom>
+              <a:blipFill>
+                <a:blip r:embed="rId2"/>
+                <a:stretch>
+                  <a:fillRect/>
+                </a:stretch>
+              </a:blipFill>
+            </p:spPr>
+            <p:txBody>
+              <a:bodyPr/>
+              <a:lstStyle/>
+              <a:p>
+                <a:r>
+                  <a:rPr lang="ja-JP" altLang="en-US">
+                    <a:noFill/>
+                  </a:rPr>
+                  <a:t> </a:t>
+                </a:r>
+              </a:p>
+            </p:txBody>
+          </p:sp>
+        </mc:Fallback>
+      </mc:AlternateContent>
+      <p:sp>
+        <p:nvSpPr>
+          <p:cNvPr id="20" name="正方形/長方形 19">
+            <a:extLst>
+              <a:ext uri="{FF2B5EF4-FFF2-40B4-BE49-F238E27FC236}">
+                <a16:creationId xmlns:a16="http://schemas.microsoft.com/office/drawing/2014/main" id="{B9358E96-E1DA-4E2C-8A89-E1AA0BD1FA4C}"/>
+              </a:ext>
+            </a:extLst>
+          </p:cNvPr>
+          <p:cNvSpPr/>
+          <p:nvPr/>
+        </p:nvSpPr>
+        <p:spPr>
+          <a:xfrm>
+            <a:off x="971600" y="4705980"/>
+            <a:ext cx="720080" cy="432048"/>
+          </a:xfrm>
+          <a:prstGeom prst="rect">
+            <a:avLst/>
+          </a:prstGeom>
+          <a:solidFill>
+            <a:schemeClr val="accent1">
+              <a:lumMod val="20000"/>
+              <a:lumOff val="80000"/>
+            </a:schemeClr>
+          </a:solidFill>
+          <a:ln>
+            <a:solidFill>
+              <a:schemeClr val="tx1"/>
+            </a:solidFill>
+          </a:ln>
+        </p:spPr>
+        <p:style>
+          <a:lnRef idx="2">
+            <a:schemeClr val="accent1">
+              <a:shade val="50000"/>
+            </a:schemeClr>
+          </a:lnRef>
+          <a:fillRef idx="1">
+            <a:schemeClr val="accent1"/>
+          </a:fillRef>
+          <a:effectRef idx="0">
+            <a:schemeClr val="accent1"/>
+          </a:effectRef>
+          <a:fontRef idx="minor">
+            <a:schemeClr val="lt1"/>
+          </a:fontRef>
+        </p:style>
+        <p:txBody>
+          <a:bodyPr rtlCol="0" anchor="ctr"/>
+          <a:lstStyle/>
+          <a:p>
+            <a:pPr algn="ctr"/>
+            <a:endParaRPr kumimoji="1" lang="ja-JP" altLang="en-US"/>
+          </a:p>
+        </p:txBody>
+      </p:sp>
+      <p:sp>
+        <p:nvSpPr>
+          <p:cNvPr id="21" name="正方形/長方形 20">
+            <a:extLst>
+              <a:ext uri="{FF2B5EF4-FFF2-40B4-BE49-F238E27FC236}">
+                <a16:creationId xmlns:a16="http://schemas.microsoft.com/office/drawing/2014/main" id="{1D0A2CFD-37E6-472E-8B38-C47D218FF4EA}"/>
+              </a:ext>
+            </a:extLst>
+          </p:cNvPr>
+          <p:cNvSpPr/>
+          <p:nvPr/>
+        </p:nvSpPr>
+        <p:spPr>
+          <a:xfrm>
+            <a:off x="1691680" y="4705980"/>
+            <a:ext cx="720080" cy="432048"/>
+          </a:xfrm>
+          <a:prstGeom prst="rect">
+            <a:avLst/>
+          </a:prstGeom>
+          <a:solidFill>
+            <a:schemeClr val="accent1">
+              <a:lumMod val="20000"/>
+              <a:lumOff val="80000"/>
+            </a:schemeClr>
+          </a:solidFill>
+          <a:ln>
+            <a:solidFill>
+              <a:schemeClr val="tx1"/>
+            </a:solidFill>
+          </a:ln>
+        </p:spPr>
+        <p:style>
+          <a:lnRef idx="2">
+            <a:schemeClr val="accent1">
+              <a:shade val="50000"/>
+            </a:schemeClr>
+          </a:lnRef>
+          <a:fillRef idx="1">
+            <a:schemeClr val="accent1"/>
+          </a:fillRef>
+          <a:effectRef idx="0">
+            <a:schemeClr val="accent1"/>
+          </a:effectRef>
+          <a:fontRef idx="minor">
+            <a:schemeClr val="lt1"/>
+          </a:fontRef>
+        </p:style>
+        <p:txBody>
+          <a:bodyPr rtlCol="0" anchor="ctr"/>
+          <a:lstStyle/>
+          <a:p>
+            <a:pPr algn="ctr"/>
+            <a:endParaRPr kumimoji="1" lang="ja-JP" altLang="en-US"/>
+          </a:p>
+        </p:txBody>
+      </p:sp>
+      <p:sp>
+        <p:nvSpPr>
+          <p:cNvPr id="22" name="正方形/長方形 21">
+            <a:extLst>
+              <a:ext uri="{FF2B5EF4-FFF2-40B4-BE49-F238E27FC236}">
+                <a16:creationId xmlns:a16="http://schemas.microsoft.com/office/drawing/2014/main" id="{B690D3C7-D81F-4998-B6AC-0C44CF6CD53C}"/>
+              </a:ext>
+            </a:extLst>
+          </p:cNvPr>
+          <p:cNvSpPr/>
+          <p:nvPr/>
+        </p:nvSpPr>
+        <p:spPr>
+          <a:xfrm>
+            <a:off x="2411760" y="4705980"/>
+            <a:ext cx="720080" cy="432048"/>
+          </a:xfrm>
+          <a:prstGeom prst="rect">
+            <a:avLst/>
+          </a:prstGeom>
+          <a:solidFill>
+            <a:schemeClr val="accent1">
+              <a:lumMod val="20000"/>
+              <a:lumOff val="80000"/>
+            </a:schemeClr>
+          </a:solidFill>
+          <a:ln>
+            <a:solidFill>
+              <a:schemeClr val="tx1"/>
+            </a:solidFill>
+          </a:ln>
+        </p:spPr>
+        <p:style>
+          <a:lnRef idx="2">
+            <a:schemeClr val="accent1">
+              <a:shade val="50000"/>
+            </a:schemeClr>
+          </a:lnRef>
+          <a:fillRef idx="1">
+            <a:schemeClr val="accent1"/>
+          </a:fillRef>
+          <a:effectRef idx="0">
+            <a:schemeClr val="accent1"/>
+          </a:effectRef>
+          <a:fontRef idx="minor">
+            <a:schemeClr val="lt1"/>
+          </a:fontRef>
+        </p:style>
+        <p:txBody>
+          <a:bodyPr rtlCol="0" anchor="ctr"/>
+          <a:lstStyle/>
+          <a:p>
+            <a:pPr algn="ctr"/>
+            <a:endParaRPr kumimoji="1" lang="ja-JP" altLang="en-US"/>
+          </a:p>
+        </p:txBody>
+      </p:sp>
+      <p:sp>
+        <p:nvSpPr>
+          <p:cNvPr id="23" name="正方形/長方形 22">
+            <a:extLst>
+              <a:ext uri="{FF2B5EF4-FFF2-40B4-BE49-F238E27FC236}">
+                <a16:creationId xmlns:a16="http://schemas.microsoft.com/office/drawing/2014/main" id="{F368200A-D915-40CE-954A-6F25D0F1ADF9}"/>
+              </a:ext>
+            </a:extLst>
+          </p:cNvPr>
+          <p:cNvSpPr/>
+          <p:nvPr/>
+        </p:nvSpPr>
+        <p:spPr>
+          <a:xfrm>
+            <a:off x="3131840" y="4705980"/>
+            <a:ext cx="720080" cy="432048"/>
+          </a:xfrm>
+          <a:prstGeom prst="rect">
+            <a:avLst/>
+          </a:prstGeom>
+          <a:solidFill>
+            <a:schemeClr val="accent1">
+              <a:lumMod val="20000"/>
+              <a:lumOff val="80000"/>
+            </a:schemeClr>
+          </a:solidFill>
+          <a:ln>
+            <a:solidFill>
+              <a:schemeClr val="tx1"/>
+            </a:solidFill>
+          </a:ln>
+        </p:spPr>
+        <p:style>
+          <a:lnRef idx="2">
+            <a:schemeClr val="accent1">
+              <a:shade val="50000"/>
+            </a:schemeClr>
+          </a:lnRef>
+          <a:fillRef idx="1">
+            <a:schemeClr val="accent1"/>
+          </a:fillRef>
+          <a:effectRef idx="0">
+            <a:schemeClr val="accent1"/>
+          </a:effectRef>
+          <a:fontRef idx="minor">
+            <a:schemeClr val="lt1"/>
+          </a:fontRef>
+        </p:style>
+        <p:txBody>
+          <a:bodyPr rtlCol="0" anchor="ctr"/>
+          <a:lstStyle/>
+          <a:p>
+            <a:pPr algn="ctr"/>
+            <a:endParaRPr kumimoji="1" lang="ja-JP" altLang="en-US"/>
+          </a:p>
+        </p:txBody>
+      </p:sp>
+      <p:sp>
+        <p:nvSpPr>
+          <p:cNvPr id="24" name="正方形/長方形 23">
+            <a:extLst>
+              <a:ext uri="{FF2B5EF4-FFF2-40B4-BE49-F238E27FC236}">
+                <a16:creationId xmlns:a16="http://schemas.microsoft.com/office/drawing/2014/main" id="{31C466BF-FEFD-4B23-AAA2-22ECB92BBCB1}"/>
+              </a:ext>
+            </a:extLst>
+          </p:cNvPr>
+          <p:cNvSpPr/>
+          <p:nvPr/>
+        </p:nvSpPr>
+        <p:spPr>
+          <a:xfrm>
+            <a:off x="3851920" y="4705980"/>
+            <a:ext cx="720080" cy="432048"/>
+          </a:xfrm>
+          <a:prstGeom prst="rect">
+            <a:avLst/>
+          </a:prstGeom>
+          <a:solidFill>
+            <a:schemeClr val="accent1">
+              <a:lumMod val="20000"/>
+              <a:lumOff val="80000"/>
+            </a:schemeClr>
+          </a:solidFill>
+          <a:ln>
+            <a:solidFill>
+              <a:schemeClr val="tx1"/>
+            </a:solidFill>
+          </a:ln>
+        </p:spPr>
+        <p:style>
+          <a:lnRef idx="2">
+            <a:schemeClr val="accent1">
+              <a:shade val="50000"/>
+            </a:schemeClr>
+          </a:lnRef>
+          <a:fillRef idx="1">
+            <a:schemeClr val="accent1"/>
+          </a:fillRef>
+          <a:effectRef idx="0">
+            <a:schemeClr val="accent1"/>
+          </a:effectRef>
+          <a:fontRef idx="minor">
+            <a:schemeClr val="lt1"/>
+          </a:fontRef>
+        </p:style>
+        <p:txBody>
+          <a:bodyPr rtlCol="0" anchor="ctr"/>
+          <a:lstStyle/>
+          <a:p>
+            <a:pPr algn="ctr"/>
+            <a:endParaRPr kumimoji="1" lang="ja-JP" altLang="en-US"/>
+          </a:p>
+        </p:txBody>
+      </p:sp>
+      <p:sp>
+        <p:nvSpPr>
+          <p:cNvPr id="25" name="正方形/長方形 24">
+            <a:extLst>
+              <a:ext uri="{FF2B5EF4-FFF2-40B4-BE49-F238E27FC236}">
+                <a16:creationId xmlns:a16="http://schemas.microsoft.com/office/drawing/2014/main" id="{6D89D32D-70A4-45A1-BE6D-CFA7B6C8F385}"/>
+              </a:ext>
+            </a:extLst>
+          </p:cNvPr>
+          <p:cNvSpPr/>
+          <p:nvPr/>
+        </p:nvSpPr>
+        <p:spPr>
+          <a:xfrm>
+            <a:off x="4572000" y="4705980"/>
+            <a:ext cx="720080" cy="432048"/>
+          </a:xfrm>
+          <a:prstGeom prst="rect">
+            <a:avLst/>
+          </a:prstGeom>
+          <a:solidFill>
+            <a:schemeClr val="accent1">
+              <a:lumMod val="20000"/>
+              <a:lumOff val="80000"/>
+            </a:schemeClr>
+          </a:solidFill>
+          <a:ln>
+            <a:solidFill>
+              <a:schemeClr val="tx1"/>
+            </a:solidFill>
+          </a:ln>
+        </p:spPr>
+        <p:style>
+          <a:lnRef idx="2">
+            <a:schemeClr val="accent1">
+              <a:shade val="50000"/>
+            </a:schemeClr>
+          </a:lnRef>
+          <a:fillRef idx="1">
+            <a:schemeClr val="accent1"/>
+          </a:fillRef>
+          <a:effectRef idx="0">
+            <a:schemeClr val="accent1"/>
+          </a:effectRef>
+          <a:fontRef idx="minor">
+            <a:schemeClr val="lt1"/>
+          </a:fontRef>
+        </p:style>
+        <p:txBody>
+          <a:bodyPr rtlCol="0" anchor="ctr"/>
+          <a:lstStyle/>
+          <a:p>
+            <a:pPr algn="ctr"/>
+            <a:endParaRPr kumimoji="1" lang="ja-JP" altLang="en-US"/>
+          </a:p>
+        </p:txBody>
+      </p:sp>
+      <p:sp>
+        <p:nvSpPr>
+          <p:cNvPr id="26" name="正方形/長方形 25">
+            <a:extLst>
+              <a:ext uri="{FF2B5EF4-FFF2-40B4-BE49-F238E27FC236}">
+                <a16:creationId xmlns:a16="http://schemas.microsoft.com/office/drawing/2014/main" id="{A1D742D6-2553-4DDD-A62B-A357921F5B59}"/>
+              </a:ext>
+            </a:extLst>
+          </p:cNvPr>
+          <p:cNvSpPr/>
+          <p:nvPr/>
+        </p:nvSpPr>
+        <p:spPr>
+          <a:xfrm>
+            <a:off x="5292080" y="4705980"/>
+            <a:ext cx="720080" cy="432048"/>
+          </a:xfrm>
+          <a:prstGeom prst="rect">
+            <a:avLst/>
+          </a:prstGeom>
+          <a:solidFill>
+            <a:schemeClr val="accent1">
+              <a:lumMod val="20000"/>
+              <a:lumOff val="80000"/>
+            </a:schemeClr>
+          </a:solidFill>
+          <a:ln>
+            <a:solidFill>
+              <a:schemeClr val="tx1"/>
+            </a:solidFill>
+          </a:ln>
+        </p:spPr>
+        <p:style>
+          <a:lnRef idx="2">
+            <a:schemeClr val="accent1">
+              <a:shade val="50000"/>
+            </a:schemeClr>
+          </a:lnRef>
+          <a:fillRef idx="1">
+            <a:schemeClr val="accent1"/>
+          </a:fillRef>
+          <a:effectRef idx="0">
+            <a:schemeClr val="accent1"/>
+          </a:effectRef>
+          <a:fontRef idx="minor">
+            <a:schemeClr val="lt1"/>
+          </a:fontRef>
+        </p:style>
+        <p:txBody>
+          <a:bodyPr rtlCol="0" anchor="ctr"/>
+          <a:lstStyle/>
+          <a:p>
+            <a:pPr algn="ctr"/>
+            <a:endParaRPr kumimoji="1" lang="ja-JP" altLang="en-US"/>
+          </a:p>
+        </p:txBody>
+      </p:sp>
+      <p:sp>
+        <p:nvSpPr>
+          <p:cNvPr id="27" name="正方形/長方形 26">
+            <a:extLst>
+              <a:ext uri="{FF2B5EF4-FFF2-40B4-BE49-F238E27FC236}">
+                <a16:creationId xmlns:a16="http://schemas.microsoft.com/office/drawing/2014/main" id="{37DA240F-B662-4418-B3C0-06F2D423D7F3}"/>
+              </a:ext>
+            </a:extLst>
+          </p:cNvPr>
+          <p:cNvSpPr/>
+          <p:nvPr/>
+        </p:nvSpPr>
+        <p:spPr>
+          <a:xfrm>
+            <a:off x="6012160" y="4705980"/>
+            <a:ext cx="720080" cy="432048"/>
+          </a:xfrm>
+          <a:prstGeom prst="rect">
+            <a:avLst/>
+          </a:prstGeom>
+          <a:solidFill>
+            <a:schemeClr val="accent1">
+              <a:lumMod val="20000"/>
+              <a:lumOff val="80000"/>
+            </a:schemeClr>
+          </a:solidFill>
+          <a:ln>
+            <a:solidFill>
+              <a:schemeClr val="tx1"/>
+            </a:solidFill>
+          </a:ln>
+        </p:spPr>
+        <p:style>
+          <a:lnRef idx="2">
+            <a:schemeClr val="accent1">
+              <a:shade val="50000"/>
+            </a:schemeClr>
+          </a:lnRef>
+          <a:fillRef idx="1">
+            <a:schemeClr val="accent1"/>
+          </a:fillRef>
+          <a:effectRef idx="0">
+            <a:schemeClr val="accent1"/>
+          </a:effectRef>
+          <a:fontRef idx="minor">
+            <a:schemeClr val="lt1"/>
+          </a:fontRef>
+        </p:style>
+        <p:txBody>
+          <a:bodyPr rtlCol="0" anchor="ctr"/>
+          <a:lstStyle/>
+          <a:p>
+            <a:pPr algn="ctr"/>
+            <a:endParaRPr kumimoji="1" lang="ja-JP" altLang="en-US"/>
+          </a:p>
+        </p:txBody>
+      </p:sp>
+      <p:sp>
+        <p:nvSpPr>
+          <p:cNvPr id="28" name="正方形/長方形 27">
+            <a:extLst>
+              <a:ext uri="{FF2B5EF4-FFF2-40B4-BE49-F238E27FC236}">
+                <a16:creationId xmlns:a16="http://schemas.microsoft.com/office/drawing/2014/main" id="{EC1FB815-803E-48EA-807E-BEA41FFC0F08}"/>
+              </a:ext>
+            </a:extLst>
+          </p:cNvPr>
+          <p:cNvSpPr/>
+          <p:nvPr/>
+        </p:nvSpPr>
+        <p:spPr>
+          <a:xfrm>
+            <a:off x="6732240" y="4705980"/>
+            <a:ext cx="720080" cy="432048"/>
+          </a:xfrm>
+          <a:prstGeom prst="rect">
+            <a:avLst/>
+          </a:prstGeom>
+          <a:solidFill>
+            <a:schemeClr val="accent1">
+              <a:lumMod val="20000"/>
+              <a:lumOff val="80000"/>
+            </a:schemeClr>
+          </a:solidFill>
+          <a:ln>
+            <a:solidFill>
+              <a:schemeClr val="tx1"/>
+            </a:solidFill>
+          </a:ln>
+        </p:spPr>
+        <p:style>
+          <a:lnRef idx="2">
+            <a:schemeClr val="accent1">
+              <a:shade val="50000"/>
+            </a:schemeClr>
+          </a:lnRef>
+          <a:fillRef idx="1">
+            <a:schemeClr val="accent1"/>
+          </a:fillRef>
+          <a:effectRef idx="0">
+            <a:schemeClr val="accent1"/>
+          </a:effectRef>
+          <a:fontRef idx="minor">
+            <a:schemeClr val="lt1"/>
+          </a:fontRef>
+        </p:style>
+        <p:txBody>
+          <a:bodyPr rtlCol="0" anchor="ctr"/>
+          <a:lstStyle/>
+          <a:p>
+            <a:pPr algn="ctr"/>
+            <a:endParaRPr kumimoji="1" lang="ja-JP" altLang="en-US"/>
+          </a:p>
+        </p:txBody>
+      </p:sp>
+      <p:sp>
+        <p:nvSpPr>
+          <p:cNvPr id="29" name="正方形/長方形 28">
+            <a:extLst>
+              <a:ext uri="{FF2B5EF4-FFF2-40B4-BE49-F238E27FC236}">
+                <a16:creationId xmlns:a16="http://schemas.microsoft.com/office/drawing/2014/main" id="{9CD5E892-0195-4896-B82B-63EB2A6409F8}"/>
+              </a:ext>
+            </a:extLst>
+          </p:cNvPr>
+          <p:cNvSpPr/>
+          <p:nvPr/>
+        </p:nvSpPr>
+        <p:spPr>
+          <a:xfrm>
+            <a:off x="7452320" y="4705980"/>
+            <a:ext cx="720080" cy="432048"/>
+          </a:xfrm>
+          <a:prstGeom prst="rect">
+            <a:avLst/>
+          </a:prstGeom>
+          <a:solidFill>
+            <a:schemeClr val="accent1">
+              <a:lumMod val="20000"/>
+              <a:lumOff val="80000"/>
+            </a:schemeClr>
+          </a:solidFill>
+          <a:ln>
+            <a:solidFill>
+              <a:schemeClr val="tx1"/>
+            </a:solidFill>
+          </a:ln>
+        </p:spPr>
+        <p:style>
+          <a:lnRef idx="2">
+            <a:schemeClr val="accent1">
+              <a:shade val="50000"/>
+            </a:schemeClr>
+          </a:lnRef>
+          <a:fillRef idx="1">
+            <a:schemeClr val="accent1"/>
+          </a:fillRef>
+          <a:effectRef idx="0">
+            <a:schemeClr val="accent1"/>
+          </a:effectRef>
+          <a:fontRef idx="minor">
+            <a:schemeClr val="lt1"/>
+          </a:fontRef>
+        </p:style>
+        <p:txBody>
+          <a:bodyPr rtlCol="0" anchor="ctr"/>
+          <a:lstStyle/>
+          <a:p>
+            <a:pPr algn="ctr"/>
+            <a:endParaRPr kumimoji="1" lang="ja-JP" altLang="en-US"/>
+          </a:p>
+        </p:txBody>
+      </p:sp>
+      <mc:AlternateContent xmlns:mc="http://schemas.openxmlformats.org/markup-compatibility/2006">
+        <mc:Choice xmlns:a14="http://schemas.microsoft.com/office/drawing/2010/main" Requires="a14">
+          <p:sp>
+            <p:nvSpPr>
+              <p:cNvPr id="31" name="正方形/長方形 30">
+                <a:extLst>
+                  <a:ext uri="{FF2B5EF4-FFF2-40B4-BE49-F238E27FC236}">
+                    <a16:creationId xmlns:a16="http://schemas.microsoft.com/office/drawing/2014/main" id="{FA5ECC05-E6CF-439A-8CDD-AE11ABBD5246}"/>
+                  </a:ext>
+                </a:extLst>
+              </p:cNvPr>
+              <p:cNvSpPr/>
+              <p:nvPr/>
+            </p:nvSpPr>
+            <p:spPr>
+              <a:xfrm>
+                <a:off x="7377313" y="4653136"/>
+                <a:ext cx="939103" cy="494815"/>
+              </a:xfrm>
+              <a:prstGeom prst="rect">
+                <a:avLst/>
+              </a:prstGeom>
+            </p:spPr>
+            <p:txBody>
+              <a:bodyPr wrap="none">
+                <a:spAutoFit/>
+              </a:bodyPr>
+              <a:lstStyle/>
+              <a:p>
+                <a:pPr/>
+                <a14:m>
+                  <m:oMathPara xmlns:m="http://schemas.openxmlformats.org/officeDocument/2006/math">
+                    <m:oMathParaPr>
+                      <m:jc m:val="centerGroup"/>
+                    </m:oMathParaPr>
+                    <m:oMath xmlns:m="http://schemas.openxmlformats.org/officeDocument/2006/math">
+                      <m:sSub>
+                        <m:sSubPr>
+                          <m:ctrlPr>
+                            <a:rPr lang="en-US" altLang="ja-JP" sz="2400" b="0" i="1" smtClean="0">
+                              <a:latin typeface="Cambria Math" panose="02040503050406030204" pitchFamily="18" charset="0"/>
+                            </a:rPr>
+                          </m:ctrlPr>
+                        </m:sSubPr>
+                        <m:e>
+                          <m:r>
+                            <a:rPr lang="en-US" altLang="ja-JP" sz="2400" b="0" i="1" smtClean="0">
+                              <a:latin typeface="Cambria Math" panose="02040503050406030204" pitchFamily="18" charset="0"/>
+                            </a:rPr>
+                            <m:t>𝜇</m:t>
+                          </m:r>
+                        </m:e>
+                        <m:sub>
+                          <m:r>
+                            <a:rPr lang="en-US" altLang="ja-JP" sz="2400" b="0" i="1" smtClean="0">
+                              <a:latin typeface="Cambria Math" panose="02040503050406030204" pitchFamily="18" charset="0"/>
+                            </a:rPr>
+                            <m:t>𝑀</m:t>
+                          </m:r>
+                          <m:r>
+                            <a:rPr lang="en-US" altLang="ja-JP" sz="2400" b="0" i="1" smtClean="0">
+                              <a:latin typeface="Cambria Math" panose="02040503050406030204" pitchFamily="18" charset="0"/>
+                            </a:rPr>
+                            <m:t>/</m:t>
+                          </m:r>
+                          <m:r>
+                            <a:rPr lang="en-US" altLang="ja-JP" sz="2400" b="0" i="1" smtClean="0">
+                              <a:latin typeface="Cambria Math" panose="02040503050406030204" pitchFamily="18" charset="0"/>
+                            </a:rPr>
+                            <m:t>𝑁</m:t>
+                          </m:r>
+                        </m:sub>
+                      </m:sSub>
+                    </m:oMath>
+                  </m:oMathPara>
+                </a14:m>
+                <a:endParaRPr lang="ja-JP" altLang="en-US" sz="2400" dirty="0"/>
+              </a:p>
+            </p:txBody>
+          </p:sp>
+        </mc:Choice>
+        <mc:Fallback>
+          <p:sp>
+            <p:nvSpPr>
+              <p:cNvPr id="31" name="正方形/長方形 30">
+                <a:extLst>
+                  <a:ext uri="{FF2B5EF4-FFF2-40B4-BE49-F238E27FC236}">
+                    <a16:creationId xmlns:a16="http://schemas.microsoft.com/office/drawing/2014/main" id="{FA5ECC05-E6CF-439A-8CDD-AE11ABBD5246}"/>
+                  </a:ext>
+                </a:extLst>
+              </p:cNvPr>
+              <p:cNvSpPr>
+                <a:spLocks noRot="1" noChangeAspect="1" noMove="1" noResize="1" noEditPoints="1" noAdjustHandles="1" noChangeArrowheads="1" noChangeShapeType="1" noTextEdit="1"/>
+              </p:cNvSpPr>
+              <p:nvPr/>
+            </p:nvSpPr>
+            <p:spPr>
+              <a:xfrm>
+                <a:off x="7377313" y="4653136"/>
+                <a:ext cx="939103" cy="494815"/>
+              </a:xfrm>
+              <a:prstGeom prst="rect">
+                <a:avLst/>
+              </a:prstGeom>
+              <a:blipFill>
+                <a:blip r:embed="rId3"/>
+                <a:stretch>
+                  <a:fillRect b="-12346"/>
+                </a:stretch>
+              </a:blipFill>
+            </p:spPr>
+            <p:txBody>
+              <a:bodyPr/>
+              <a:lstStyle/>
+              <a:p>
+                <a:r>
+                  <a:rPr lang="ja-JP" altLang="en-US">
+                    <a:noFill/>
+                  </a:rPr>
+                  <a:t> </a:t>
+                </a:r>
+              </a:p>
+            </p:txBody>
+          </p:sp>
+        </mc:Fallback>
+      </mc:AlternateContent>
+      <mc:AlternateContent xmlns:mc="http://schemas.openxmlformats.org/markup-compatibility/2006">
+        <mc:Choice xmlns:a14="http://schemas.microsoft.com/office/drawing/2010/main" Requires="a14">
+          <p:sp>
+            <p:nvSpPr>
+              <p:cNvPr id="32" name="正方形/長方形 31">
+                <a:extLst>
+                  <a:ext uri="{FF2B5EF4-FFF2-40B4-BE49-F238E27FC236}">
+                    <a16:creationId xmlns:a16="http://schemas.microsoft.com/office/drawing/2014/main" id="{66B366DB-3004-4F7E-A896-8CE3BAD2DFDB}"/>
+                  </a:ext>
+                </a:extLst>
+              </p:cNvPr>
+              <p:cNvSpPr/>
+              <p:nvPr/>
+            </p:nvSpPr>
+            <p:spPr>
+              <a:xfrm>
+                <a:off x="1043608" y="4633972"/>
+                <a:ext cx="640111" cy="523220"/>
+              </a:xfrm>
+              <a:prstGeom prst="rect">
+                <a:avLst/>
+              </a:prstGeom>
+            </p:spPr>
+            <p:txBody>
+              <a:bodyPr wrap="none">
+                <a:spAutoFit/>
+              </a:bodyPr>
+              <a:lstStyle/>
+              <a:p>
+                <a:pPr/>
+                <a14:m>
+                  <m:oMathPara xmlns:m="http://schemas.openxmlformats.org/officeDocument/2006/math">
+                    <m:oMathParaPr>
+                      <m:jc m:val="centerGroup"/>
+                    </m:oMathParaPr>
+                    <m:oMath xmlns:m="http://schemas.openxmlformats.org/officeDocument/2006/math">
+                      <m:sSub>
+                        <m:sSubPr>
+                          <m:ctrlPr>
+                            <a:rPr lang="en-US" altLang="ja-JP" sz="2800" b="0" i="1" smtClean="0">
+                              <a:latin typeface="Cambria Math" panose="02040503050406030204" pitchFamily="18" charset="0"/>
+                            </a:rPr>
+                          </m:ctrlPr>
+                        </m:sSubPr>
+                        <m:e>
+                          <m:r>
+                            <a:rPr lang="en-US" altLang="ja-JP" sz="2800" b="0" i="1" smtClean="0">
+                              <a:latin typeface="Cambria Math" panose="02040503050406030204" pitchFamily="18" charset="0"/>
+                            </a:rPr>
+                            <m:t>𝜇</m:t>
+                          </m:r>
+                        </m:e>
+                        <m:sub>
+                          <m:r>
+                            <a:rPr lang="en-US" altLang="ja-JP" sz="2800" b="0" i="1" smtClean="0">
+                              <a:latin typeface="Cambria Math" panose="02040503050406030204" pitchFamily="18" charset="0"/>
+                            </a:rPr>
+                            <m:t>1</m:t>
+                          </m:r>
+                        </m:sub>
+                      </m:sSub>
+                    </m:oMath>
+                  </m:oMathPara>
+                </a14:m>
+                <a:endParaRPr lang="ja-JP" altLang="en-US" sz="2800" dirty="0"/>
+              </a:p>
+            </p:txBody>
+          </p:sp>
+        </mc:Choice>
+        <mc:Fallback>
+          <p:sp>
+            <p:nvSpPr>
+              <p:cNvPr id="32" name="正方形/長方形 31">
+                <a:extLst>
+                  <a:ext uri="{FF2B5EF4-FFF2-40B4-BE49-F238E27FC236}">
+                    <a16:creationId xmlns:a16="http://schemas.microsoft.com/office/drawing/2014/main" id="{66B366DB-3004-4F7E-A896-8CE3BAD2DFDB}"/>
+                  </a:ext>
+                </a:extLst>
+              </p:cNvPr>
+              <p:cNvSpPr>
+                <a:spLocks noRot="1" noChangeAspect="1" noMove="1" noResize="1" noEditPoints="1" noAdjustHandles="1" noChangeArrowheads="1" noChangeShapeType="1" noTextEdit="1"/>
+              </p:cNvSpPr>
+              <p:nvPr/>
+            </p:nvSpPr>
+            <p:spPr>
+              <a:xfrm>
+                <a:off x="1043608" y="4633972"/>
+                <a:ext cx="640111" cy="523220"/>
+              </a:xfrm>
+              <a:prstGeom prst="rect">
+                <a:avLst/>
+              </a:prstGeom>
+              <a:blipFill>
+                <a:blip r:embed="rId4"/>
+                <a:stretch>
+                  <a:fillRect/>
+                </a:stretch>
+              </a:blipFill>
+            </p:spPr>
+            <p:txBody>
+              <a:bodyPr/>
+              <a:lstStyle/>
+              <a:p>
+                <a:r>
+                  <a:rPr lang="ja-JP" altLang="en-US">
+                    <a:noFill/>
+                  </a:rPr>
+                  <a:t> </a:t>
+                </a:r>
+              </a:p>
+            </p:txBody>
+          </p:sp>
+        </mc:Fallback>
+      </mc:AlternateContent>
+      <mc:AlternateContent xmlns:mc="http://schemas.openxmlformats.org/markup-compatibility/2006">
+        <mc:Choice xmlns:a14="http://schemas.microsoft.com/office/drawing/2010/main" Requires="a14">
+          <p:sp>
+            <p:nvSpPr>
+              <p:cNvPr id="33" name="正方形/長方形 32">
+                <a:extLst>
+                  <a:ext uri="{FF2B5EF4-FFF2-40B4-BE49-F238E27FC236}">
+                    <a16:creationId xmlns:a16="http://schemas.microsoft.com/office/drawing/2014/main" id="{7D58F050-1E43-4E55-84BD-DAD0A7322896}"/>
+                  </a:ext>
+                </a:extLst>
+              </p:cNvPr>
+              <p:cNvSpPr/>
+              <p:nvPr/>
+            </p:nvSpPr>
+            <p:spPr>
+              <a:xfrm>
+                <a:off x="1763688" y="4633972"/>
+                <a:ext cx="648383" cy="523220"/>
+              </a:xfrm>
+              <a:prstGeom prst="rect">
+                <a:avLst/>
+              </a:prstGeom>
+            </p:spPr>
+            <p:txBody>
+              <a:bodyPr wrap="none">
+                <a:spAutoFit/>
+              </a:bodyPr>
+              <a:lstStyle/>
+              <a:p>
+                <a:pPr/>
+                <a14:m>
+                  <m:oMathPara xmlns:m="http://schemas.openxmlformats.org/officeDocument/2006/math">
+                    <m:oMathParaPr>
+                      <m:jc m:val="centerGroup"/>
+                    </m:oMathParaPr>
+                    <m:oMath xmlns:m="http://schemas.openxmlformats.org/officeDocument/2006/math">
+                      <m:sSub>
+                        <m:sSubPr>
+                          <m:ctrlPr>
+                            <a:rPr lang="en-US" altLang="ja-JP" sz="2800" b="0" i="1" smtClean="0">
+                              <a:latin typeface="Cambria Math" panose="02040503050406030204" pitchFamily="18" charset="0"/>
+                            </a:rPr>
+                          </m:ctrlPr>
+                        </m:sSubPr>
+                        <m:e>
+                          <m:r>
+                            <a:rPr lang="en-US" altLang="ja-JP" sz="2800" b="0" i="1" smtClean="0">
+                              <a:latin typeface="Cambria Math" panose="02040503050406030204" pitchFamily="18" charset="0"/>
+                            </a:rPr>
+                            <m:t>𝜇</m:t>
+                          </m:r>
+                        </m:e>
+                        <m:sub>
+                          <m:r>
+                            <a:rPr lang="en-US" altLang="ja-JP" sz="2800" b="0" i="1" smtClean="0">
+                              <a:latin typeface="Cambria Math" panose="02040503050406030204" pitchFamily="18" charset="0"/>
+                            </a:rPr>
+                            <m:t>2</m:t>
+                          </m:r>
+                        </m:sub>
+                      </m:sSub>
+                    </m:oMath>
+                  </m:oMathPara>
+                </a14:m>
+                <a:endParaRPr lang="ja-JP" altLang="en-US" sz="2800" dirty="0"/>
+              </a:p>
+            </p:txBody>
+          </p:sp>
+        </mc:Choice>
+        <mc:Fallback>
+          <p:sp>
+            <p:nvSpPr>
+              <p:cNvPr id="33" name="正方形/長方形 32">
+                <a:extLst>
+                  <a:ext uri="{FF2B5EF4-FFF2-40B4-BE49-F238E27FC236}">
+                    <a16:creationId xmlns:a16="http://schemas.microsoft.com/office/drawing/2014/main" id="{7D58F050-1E43-4E55-84BD-DAD0A7322896}"/>
+                  </a:ext>
+                </a:extLst>
+              </p:cNvPr>
+              <p:cNvSpPr>
+                <a:spLocks noRot="1" noChangeAspect="1" noMove="1" noResize="1" noEditPoints="1" noAdjustHandles="1" noChangeArrowheads="1" noChangeShapeType="1" noTextEdit="1"/>
+              </p:cNvSpPr>
+              <p:nvPr/>
+            </p:nvSpPr>
+            <p:spPr>
+              <a:xfrm>
+                <a:off x="1763688" y="4633972"/>
+                <a:ext cx="648383" cy="523220"/>
+              </a:xfrm>
+              <a:prstGeom prst="rect">
+                <a:avLst/>
+              </a:prstGeom>
+              <a:blipFill>
+                <a:blip r:embed="rId5"/>
+                <a:stretch>
+                  <a:fillRect/>
+                </a:stretch>
+              </a:blipFill>
+            </p:spPr>
+            <p:txBody>
+              <a:bodyPr/>
+              <a:lstStyle/>
+              <a:p>
+                <a:r>
+                  <a:rPr lang="ja-JP" altLang="en-US">
+                    <a:noFill/>
+                  </a:rPr>
+                  <a:t> </a:t>
+                </a:r>
+              </a:p>
+            </p:txBody>
+          </p:sp>
+        </mc:Fallback>
+      </mc:AlternateContent>
+      <p:sp>
+        <p:nvSpPr>
+          <p:cNvPr id="34" name="テキスト ボックス 33">
+            <a:extLst>
+              <a:ext uri="{FF2B5EF4-FFF2-40B4-BE49-F238E27FC236}">
+                <a16:creationId xmlns:a16="http://schemas.microsoft.com/office/drawing/2014/main" id="{BC401084-09A5-4491-A760-AE41ADDBF728}"/>
+              </a:ext>
+            </a:extLst>
+          </p:cNvPr>
+          <p:cNvSpPr txBox="1"/>
+          <p:nvPr/>
+        </p:nvSpPr>
+        <p:spPr>
+          <a:xfrm>
+            <a:off x="971600" y="4273932"/>
+            <a:ext cx="4801314" cy="400110"/>
+          </a:xfrm>
+          <a:prstGeom prst="rect">
+            <a:avLst/>
+          </a:prstGeom>
+          <a:noFill/>
+        </p:spPr>
+        <p:txBody>
+          <a:bodyPr wrap="none" rtlCol="0">
+            <a:spAutoFit/>
+          </a:bodyPr>
+          <a:lstStyle/>
+          <a:p>
+            <a:r>
+              <a:rPr kumimoji="1" lang="ja-JP" altLang="en-US" sz="2000" dirty="0"/>
+              <a:t>それぞれのブロックで期待値を計算する</a:t>
+            </a:r>
+          </a:p>
+        </p:txBody>
+      </p:sp>
+      <p:sp>
+        <p:nvSpPr>
+          <p:cNvPr id="35" name="テキスト ボックス 34">
+            <a:extLst>
+              <a:ext uri="{FF2B5EF4-FFF2-40B4-BE49-F238E27FC236}">
+                <a16:creationId xmlns:a16="http://schemas.microsoft.com/office/drawing/2014/main" id="{5418FB4C-5764-4CFF-A1F3-F3892DCC9DA0}"/>
+              </a:ext>
+            </a:extLst>
+          </p:cNvPr>
+          <p:cNvSpPr txBox="1"/>
+          <p:nvPr/>
+        </p:nvSpPr>
+        <p:spPr>
+          <a:xfrm>
+            <a:off x="1187624" y="5445224"/>
+            <a:ext cx="3262432" cy="400110"/>
+          </a:xfrm>
+          <a:prstGeom prst="rect">
+            <a:avLst/>
+          </a:prstGeom>
+          <a:noFill/>
+        </p:spPr>
+        <p:txBody>
+          <a:bodyPr wrap="none" rtlCol="0">
+            <a:spAutoFit/>
+          </a:bodyPr>
+          <a:lstStyle/>
+          <a:p>
+            <a:r>
+              <a:rPr kumimoji="1" lang="ja-JP" altLang="en-US" sz="2000" dirty="0"/>
+              <a:t>期待値の期待値を計算する</a:t>
+            </a:r>
+          </a:p>
+        </p:txBody>
+      </p:sp>
+      <mc:AlternateContent xmlns:mc="http://schemas.openxmlformats.org/markup-compatibility/2006">
+        <mc:Choice xmlns:a14="http://schemas.microsoft.com/office/drawing/2010/main" Requires="a14">
+          <p:sp>
+            <p:nvSpPr>
+              <p:cNvPr id="36" name="テキスト ボックス 35">
+                <a:extLst>
+                  <a:ext uri="{FF2B5EF4-FFF2-40B4-BE49-F238E27FC236}">
+                    <a16:creationId xmlns:a16="http://schemas.microsoft.com/office/drawing/2014/main" id="{1FA44F56-E062-4198-AAE4-5E17998C1DB4}"/>
+                  </a:ext>
+                </a:extLst>
+              </p:cNvPr>
+              <p:cNvSpPr txBox="1"/>
+              <p:nvPr/>
+            </p:nvSpPr>
+            <p:spPr>
+              <a:xfrm>
+                <a:off x="4572000" y="5157192"/>
+                <a:ext cx="2114297" cy="988540"/>
+              </a:xfrm>
+              <a:prstGeom prst="rect">
+                <a:avLst/>
+              </a:prstGeom>
+              <a:noFill/>
+            </p:spPr>
+            <p:txBody>
+              <a:bodyPr wrap="none" rtlCol="0">
+                <a:spAutoFit/>
+              </a:bodyPr>
+              <a:lstStyle/>
+              <a:p>
+                <a14:m>
+                  <m:oMathPara xmlns:m="http://schemas.openxmlformats.org/officeDocument/2006/math">
+                    <m:oMathParaPr>
+                      <m:jc m:val="centerGroup"/>
+                    </m:oMathParaPr>
+                    <m:oMath xmlns:m="http://schemas.openxmlformats.org/officeDocument/2006/math">
+                      <m:d>
+                        <m:dPr>
+                          <m:begChr m:val="⟨"/>
+                          <m:endChr m:val="⟩"/>
+                          <m:ctrlPr>
+                            <a:rPr kumimoji="1" lang="en-US" altLang="ja-JP" sz="2400" b="0" i="1" smtClean="0">
+                              <a:latin typeface="Cambria Math" panose="02040503050406030204" pitchFamily="18" charset="0"/>
+                            </a:rPr>
+                          </m:ctrlPr>
+                        </m:dPr>
+                        <m:e>
+                          <m:r>
+                            <a:rPr kumimoji="1" lang="en-US" altLang="ja-JP" sz="2400" b="0" i="1" smtClean="0">
+                              <a:latin typeface="Cambria Math" panose="02040503050406030204" pitchFamily="18" charset="0"/>
+                            </a:rPr>
+                            <m:t>𝜇</m:t>
+                          </m:r>
+                        </m:e>
+                      </m:d>
+                      <m:r>
+                        <a:rPr kumimoji="1" lang="en-US" altLang="ja-JP" sz="2400" b="0" i="1" smtClean="0">
+                          <a:latin typeface="Cambria Math" panose="02040503050406030204" pitchFamily="18" charset="0"/>
+                        </a:rPr>
+                        <m:t>=</m:t>
+                      </m:r>
+                      <m:f>
+                        <m:fPr>
+                          <m:ctrlPr>
+                            <a:rPr kumimoji="1" lang="en-US" altLang="ja-JP" sz="2400" b="0" i="1" smtClean="0">
+                              <a:latin typeface="Cambria Math" panose="02040503050406030204" pitchFamily="18" charset="0"/>
+                            </a:rPr>
+                          </m:ctrlPr>
+                        </m:fPr>
+                        <m:num>
+                          <m:r>
+                            <a:rPr kumimoji="1" lang="en-US" altLang="ja-JP" sz="2400" b="0" i="1" smtClean="0">
+                              <a:latin typeface="Cambria Math" panose="02040503050406030204" pitchFamily="18" charset="0"/>
+                            </a:rPr>
+                            <m:t>𝑁</m:t>
+                          </m:r>
+                        </m:num>
+                        <m:den>
+                          <m:r>
+                            <a:rPr kumimoji="1" lang="en-US" altLang="ja-JP" sz="2400" b="0" i="1" smtClean="0">
+                              <a:latin typeface="Cambria Math" panose="02040503050406030204" pitchFamily="18" charset="0"/>
+                            </a:rPr>
+                            <m:t>𝑀</m:t>
+                          </m:r>
+                        </m:den>
+                      </m:f>
+                      <m:nary>
+                        <m:naryPr>
+                          <m:chr m:val="∑"/>
+                          <m:supHide m:val="on"/>
+                          <m:ctrlPr>
+                            <a:rPr kumimoji="1" lang="en-US" altLang="ja-JP" sz="2400" b="0" i="1" smtClean="0">
+                              <a:latin typeface="Cambria Math" panose="02040503050406030204" pitchFamily="18" charset="0"/>
+                            </a:rPr>
+                          </m:ctrlPr>
+                        </m:naryPr>
+                        <m:sub>
+                          <m:r>
+                            <a:rPr kumimoji="1" lang="en-US" altLang="ja-JP" sz="2400" b="0" i="1" smtClean="0">
+                              <a:latin typeface="Cambria Math" panose="02040503050406030204" pitchFamily="18" charset="0"/>
+                            </a:rPr>
+                            <m:t>𝑖</m:t>
+                          </m:r>
+                        </m:sub>
+                        <m:sup/>
+                        <m:e>
+                          <m:sSub>
+                            <m:sSubPr>
+                              <m:ctrlPr>
+                                <a:rPr kumimoji="1" lang="en-US" altLang="ja-JP" sz="2400" b="0" i="1" smtClean="0">
+                                  <a:latin typeface="Cambria Math" panose="02040503050406030204" pitchFamily="18" charset="0"/>
+                                </a:rPr>
+                              </m:ctrlPr>
+                            </m:sSubPr>
+                            <m:e>
+                              <m:r>
+                                <a:rPr kumimoji="1" lang="en-US" altLang="ja-JP" sz="2400" b="0" i="1" smtClean="0">
+                                  <a:latin typeface="Cambria Math" panose="02040503050406030204" pitchFamily="18" charset="0"/>
+                                </a:rPr>
+                                <m:t>𝜇</m:t>
+                              </m:r>
+                            </m:e>
+                            <m:sub>
+                              <m:r>
+                                <a:rPr kumimoji="1" lang="en-US" altLang="ja-JP" sz="2400" b="0" i="1" smtClean="0">
+                                  <a:latin typeface="Cambria Math" panose="02040503050406030204" pitchFamily="18" charset="0"/>
+                                </a:rPr>
+                                <m:t>𝑖</m:t>
+                              </m:r>
+                            </m:sub>
+                          </m:sSub>
+                        </m:e>
+                      </m:nary>
+                    </m:oMath>
+                  </m:oMathPara>
+                </a14:m>
+                <a:endParaRPr kumimoji="1" lang="ja-JP" altLang="en-US" sz="2400" dirty="0"/>
+              </a:p>
+            </p:txBody>
+          </p:sp>
+        </mc:Choice>
+        <mc:Fallback>
+          <p:sp>
+            <p:nvSpPr>
+              <p:cNvPr id="36" name="テキスト ボックス 35">
+                <a:extLst>
+                  <a:ext uri="{FF2B5EF4-FFF2-40B4-BE49-F238E27FC236}">
+                    <a16:creationId xmlns:a16="http://schemas.microsoft.com/office/drawing/2014/main" id="{1FA44F56-E062-4198-AAE4-5E17998C1DB4}"/>
+                  </a:ext>
+                </a:extLst>
+              </p:cNvPr>
+              <p:cNvSpPr txBox="1">
+                <a:spLocks noRot="1" noChangeAspect="1" noMove="1" noResize="1" noEditPoints="1" noAdjustHandles="1" noChangeArrowheads="1" noChangeShapeType="1" noTextEdit="1"/>
+              </p:cNvSpPr>
+              <p:nvPr/>
+            </p:nvSpPr>
+            <p:spPr>
+              <a:xfrm>
+                <a:off x="4572000" y="5157192"/>
+                <a:ext cx="2114297" cy="988540"/>
+              </a:xfrm>
+              <a:prstGeom prst="rect">
+                <a:avLst/>
+              </a:prstGeom>
+              <a:blipFill>
+                <a:blip r:embed="rId6"/>
+                <a:stretch>
+                  <a:fillRect/>
+                </a:stretch>
+              </a:blipFill>
+            </p:spPr>
+            <p:txBody>
+              <a:bodyPr/>
+              <a:lstStyle/>
+              <a:p>
+                <a:r>
+                  <a:rPr lang="ja-JP" altLang="en-US">
+                    <a:noFill/>
+                  </a:rPr>
+                  <a:t> </a:t>
+                </a:r>
+              </a:p>
+            </p:txBody>
+          </p:sp>
+        </mc:Fallback>
+      </mc:AlternateContent>
+      <p:cxnSp>
+        <p:nvCxnSpPr>
+          <p:cNvPr id="37" name="直線矢印コネクタ 36">
+            <a:extLst>
+              <a:ext uri="{FF2B5EF4-FFF2-40B4-BE49-F238E27FC236}">
+                <a16:creationId xmlns:a16="http://schemas.microsoft.com/office/drawing/2014/main" id="{B0CBEFED-8687-4A8F-9B70-CE63AA191DAD}"/>
+              </a:ext>
+            </a:extLst>
+          </p:cNvPr>
+          <p:cNvCxnSpPr>
+            <a:cxnSpLocks/>
+          </p:cNvCxnSpPr>
+          <p:nvPr/>
+        </p:nvCxnSpPr>
+        <p:spPr>
+          <a:xfrm>
+            <a:off x="971600" y="2204864"/>
+            <a:ext cx="7200800" cy="0"/>
+          </a:xfrm>
+          <a:prstGeom prst="straightConnector1">
+            <a:avLst/>
+          </a:prstGeom>
+          <a:ln>
+            <a:solidFill>
+              <a:schemeClr val="tx1"/>
+            </a:solidFill>
+            <a:headEnd type="triangle"/>
+            <a:tailEnd type="triangle"/>
+          </a:ln>
+        </p:spPr>
+        <p:style>
+          <a:lnRef idx="1">
+            <a:schemeClr val="accent1"/>
+          </a:lnRef>
+          <a:fillRef idx="0">
+            <a:schemeClr val="accent1"/>
+          </a:fillRef>
+          <a:effectRef idx="0">
+            <a:schemeClr val="accent1"/>
+          </a:effectRef>
+          <a:fontRef idx="minor">
+            <a:schemeClr val="tx1"/>
+          </a:fontRef>
+        </p:style>
+      </p:cxnSp>
+      <mc:AlternateContent xmlns:mc="http://schemas.openxmlformats.org/markup-compatibility/2006">
+        <mc:Choice xmlns:a14="http://schemas.microsoft.com/office/drawing/2010/main" Requires="a14">
+          <p:sp>
+            <p:nvSpPr>
+              <p:cNvPr id="38" name="正方形/長方形 37">
+                <a:extLst>
+                  <a:ext uri="{FF2B5EF4-FFF2-40B4-BE49-F238E27FC236}">
+                    <a16:creationId xmlns:a16="http://schemas.microsoft.com/office/drawing/2014/main" id="{CCCED3C0-CE3E-4828-9EF4-70EAC1C72146}"/>
+                  </a:ext>
+                </a:extLst>
+              </p:cNvPr>
+              <p:cNvSpPr/>
+              <p:nvPr/>
+            </p:nvSpPr>
+            <p:spPr>
+              <a:xfrm>
+                <a:off x="4283968" y="2132856"/>
+                <a:ext cx="599010" cy="523220"/>
+              </a:xfrm>
+              <a:prstGeom prst="rect">
+                <a:avLst/>
+              </a:prstGeom>
+            </p:spPr>
+            <p:txBody>
+              <a:bodyPr wrap="none">
+                <a:spAutoFit/>
+              </a:bodyPr>
+              <a:lstStyle/>
+              <a:p>
+                <a:pPr/>
+                <a14:m>
+                  <m:oMathPara xmlns:m="http://schemas.openxmlformats.org/officeDocument/2006/math">
+                    <m:oMathParaPr>
+                      <m:jc m:val="centerGroup"/>
+                    </m:oMathParaPr>
+                    <m:oMath xmlns:m="http://schemas.openxmlformats.org/officeDocument/2006/math">
+                      <m:r>
+                        <a:rPr lang="en-US" altLang="ja-JP" sz="2800" b="0" i="1" smtClean="0">
+                          <a:latin typeface="Cambria Math" panose="02040503050406030204" pitchFamily="18" charset="0"/>
+                        </a:rPr>
+                        <m:t>𝑀</m:t>
+                      </m:r>
+                    </m:oMath>
+                  </m:oMathPara>
+                </a14:m>
+                <a:endParaRPr lang="ja-JP" altLang="en-US" sz="2800" dirty="0"/>
+              </a:p>
+            </p:txBody>
+          </p:sp>
+        </mc:Choice>
+        <mc:Fallback>
+          <p:sp>
+            <p:nvSpPr>
+              <p:cNvPr id="38" name="正方形/長方形 37">
+                <a:extLst>
+                  <a:ext uri="{FF2B5EF4-FFF2-40B4-BE49-F238E27FC236}">
+                    <a16:creationId xmlns:a16="http://schemas.microsoft.com/office/drawing/2014/main" id="{CCCED3C0-CE3E-4828-9EF4-70EAC1C72146}"/>
+                  </a:ext>
+                </a:extLst>
+              </p:cNvPr>
+              <p:cNvSpPr>
+                <a:spLocks noRot="1" noChangeAspect="1" noMove="1" noResize="1" noEditPoints="1" noAdjustHandles="1" noChangeArrowheads="1" noChangeShapeType="1" noTextEdit="1"/>
+              </p:cNvSpPr>
+              <p:nvPr/>
+            </p:nvSpPr>
+            <p:spPr>
+              <a:xfrm>
+                <a:off x="4283968" y="2132856"/>
+                <a:ext cx="599010" cy="523220"/>
+              </a:xfrm>
+              <a:prstGeom prst="rect">
+                <a:avLst/>
+              </a:prstGeom>
+              <a:blipFill>
+                <a:blip r:embed="rId7"/>
+                <a:stretch>
+                  <a:fillRect/>
+                </a:stretch>
+              </a:blipFill>
+            </p:spPr>
+            <p:txBody>
+              <a:bodyPr/>
+              <a:lstStyle/>
+              <a:p>
+                <a:r>
+                  <a:rPr lang="ja-JP" altLang="en-US">
+                    <a:noFill/>
+                  </a:rPr>
+                  <a:t> </a:t>
+                </a:r>
+              </a:p>
+            </p:txBody>
+          </p:sp>
+        </mc:Fallback>
+      </mc:AlternateContent>
+      <mc:AlternateContent xmlns:mc="http://schemas.openxmlformats.org/markup-compatibility/2006">
+        <mc:Choice xmlns:a14="http://schemas.microsoft.com/office/drawing/2010/main" Requires="a14">
+          <p:sp>
+            <p:nvSpPr>
+              <p:cNvPr id="41" name="テキスト ボックス 40">
+                <a:extLst>
+                  <a:ext uri="{FF2B5EF4-FFF2-40B4-BE49-F238E27FC236}">
+                    <a16:creationId xmlns:a16="http://schemas.microsoft.com/office/drawing/2014/main" id="{DD9A6076-ABF5-4D87-ABCF-ED179545E393}"/>
+                  </a:ext>
+                </a:extLst>
+              </p:cNvPr>
+              <p:cNvSpPr txBox="1"/>
+              <p:nvPr/>
+            </p:nvSpPr>
+            <p:spPr>
+              <a:xfrm>
+                <a:off x="1115616" y="6237312"/>
+                <a:ext cx="6348469" cy="461665"/>
+              </a:xfrm>
+              <a:prstGeom prst="rect">
+                <a:avLst/>
+              </a:prstGeom>
+              <a:noFill/>
+            </p:spPr>
+            <p:txBody>
+              <a:bodyPr wrap="none" rtlCol="0">
+                <a:spAutoFit/>
+              </a:bodyPr>
+              <a:lstStyle/>
+              <a:p>
+                <a:r>
+                  <a:rPr lang="ja-JP" altLang="en-US" sz="2400" dirty="0"/>
+                  <a:t>ブロックサイズ</a:t>
+                </a:r>
+                <a14:m>
+                  <m:oMath xmlns:m="http://schemas.openxmlformats.org/officeDocument/2006/math">
+                    <m:r>
+                      <a:rPr kumimoji="1" lang="en-US" altLang="ja-JP" sz="2400" b="0" i="1" smtClean="0">
+                        <a:latin typeface="Cambria Math" panose="02040503050406030204" pitchFamily="18" charset="0"/>
+                      </a:rPr>
+                      <m:t>𝑁</m:t>
+                    </m:r>
+                    <m:r>
+                      <a:rPr lang="ja-JP" altLang="en-US" sz="2400" i="1">
+                        <a:latin typeface="Cambria Math" panose="02040503050406030204" pitchFamily="18" charset="0"/>
+                      </a:rPr>
+                      <m:t>を</m:t>
+                    </m:r>
+                  </m:oMath>
+                </a14:m>
+                <a:r>
+                  <a:rPr kumimoji="1" lang="ja-JP" altLang="en-US" sz="2400" dirty="0"/>
+                  <a:t>変えた時</a:t>
+                </a:r>
+                <a14:m>
+                  <m:oMath xmlns:m="http://schemas.openxmlformats.org/officeDocument/2006/math">
+                    <m:d>
+                      <m:dPr>
+                        <m:begChr m:val="⟨"/>
+                        <m:endChr m:val="⟩"/>
+                        <m:ctrlPr>
+                          <a:rPr lang="en-US" altLang="ja-JP" sz="2400" i="1">
+                            <a:latin typeface="Cambria Math" panose="02040503050406030204" pitchFamily="18" charset="0"/>
+                          </a:rPr>
+                        </m:ctrlPr>
+                      </m:dPr>
+                      <m:e>
+                        <m:r>
+                          <a:rPr lang="en-US" altLang="ja-JP" sz="2400" i="1">
+                            <a:latin typeface="Cambria Math" panose="02040503050406030204" pitchFamily="18" charset="0"/>
+                          </a:rPr>
+                          <m:t>𝜇</m:t>
+                        </m:r>
+                      </m:e>
+                    </m:d>
+                  </m:oMath>
+                </a14:m>
+                <a:r>
+                  <a:rPr kumimoji="1" lang="ja-JP" altLang="en-US" sz="2400" dirty="0"/>
+                  <a:t>は変わるか？</a:t>
+                </a:r>
+              </a:p>
+            </p:txBody>
+          </p:sp>
+        </mc:Choice>
+        <mc:Fallback>
+          <p:sp>
+            <p:nvSpPr>
+              <p:cNvPr id="41" name="テキスト ボックス 40">
+                <a:extLst>
+                  <a:ext uri="{FF2B5EF4-FFF2-40B4-BE49-F238E27FC236}">
+                    <a16:creationId xmlns:a16="http://schemas.microsoft.com/office/drawing/2014/main" id="{DD9A6076-ABF5-4D87-ABCF-ED179545E393}"/>
+                  </a:ext>
+                </a:extLst>
+              </p:cNvPr>
+              <p:cNvSpPr txBox="1">
+                <a:spLocks noRot="1" noChangeAspect="1" noMove="1" noResize="1" noEditPoints="1" noAdjustHandles="1" noChangeArrowheads="1" noChangeShapeType="1" noTextEdit="1"/>
+              </p:cNvSpPr>
+              <p:nvPr/>
+            </p:nvSpPr>
+            <p:spPr>
+              <a:xfrm>
+                <a:off x="1115616" y="6237312"/>
+                <a:ext cx="6348469" cy="461665"/>
+              </a:xfrm>
+              <a:prstGeom prst="rect">
+                <a:avLst/>
+              </a:prstGeom>
+              <a:blipFill>
+                <a:blip r:embed="rId8"/>
+                <a:stretch>
+                  <a:fillRect l="-1441" t="-14474" r="-672" b="-25000"/>
+                </a:stretch>
+              </a:blipFill>
+            </p:spPr>
+            <p:txBody>
+              <a:bodyPr/>
+              <a:lstStyle/>
+              <a:p>
+                <a:r>
+                  <a:rPr lang="ja-JP" altLang="en-US">
+                    <a:noFill/>
+                  </a:rPr>
+                  <a:t> </a:t>
+                </a:r>
+              </a:p>
+            </p:txBody>
+          </p:sp>
+        </mc:Fallback>
+      </mc:AlternateContent>
+    </p:spTree>
+    <p:extLst>
+      <p:ext uri="{BB962C8B-B14F-4D97-AF65-F5344CB8AC3E}">
+        <p14:creationId xmlns:p14="http://schemas.microsoft.com/office/powerpoint/2010/main" val="3384582955"/>
+      </p:ext>
+    </p:extLst>
+  </p:cSld>
+  <p:clrMapOvr>
+    <a:masterClrMapping/>
+  </p:clrMapOvr>
+</p:sld>
+</file>
+
+<file path=ppt/slides/slide41.xml><?xml version="1.0" encoding="utf-8"?>
+<p:sld xmlns:a="http://schemas.openxmlformats.org/drawingml/2006/main" xmlns:r="http://schemas.openxmlformats.org/officeDocument/2006/relationships" xmlns:p="http://schemas.openxmlformats.org/presentationml/2006/main">
+  <p:cSld>
+    <p:spTree>
+      <p:nvGrpSpPr>
+        <p:cNvPr id="1" name=""/>
+        <p:cNvGrpSpPr/>
+        <p:nvPr/>
+      </p:nvGrpSpPr>
+      <p:grpSpPr>
+        <a:xfrm>
+          <a:off x="0" y="0"/>
+          <a:ext cx="0" cy="0"/>
+          <a:chOff x="0" y="0"/>
+          <a:chExt cx="0" cy="0"/>
+        </a:xfrm>
+      </p:grpSpPr>
+      <p:sp>
+        <p:nvSpPr>
+          <p:cNvPr id="2" name="テキスト プレースホルダー 1">
+            <a:extLst>
+              <a:ext uri="{FF2B5EF4-FFF2-40B4-BE49-F238E27FC236}">
+                <a16:creationId xmlns:a16="http://schemas.microsoft.com/office/drawing/2014/main" id="{A2ABACCD-43ED-4402-BA29-4BD3667E5A61}"/>
+              </a:ext>
+            </a:extLst>
+          </p:cNvPr>
+          <p:cNvSpPr>
+            <a:spLocks noGrp="1"/>
+          </p:cNvSpPr>
+          <p:nvPr>
+            <p:ph type="body" sz="quarter" idx="10"/>
+          </p:nvPr>
+        </p:nvSpPr>
+        <p:spPr/>
+        <p:txBody>
+          <a:bodyPr/>
+          <a:lstStyle/>
+          <a:p>
+            <a:r>
+              <a:rPr kumimoji="1" lang="ja-JP" altLang="en-US" dirty="0"/>
+              <a:t>不偏推定量と</a:t>
+            </a:r>
+            <a:r>
+              <a:rPr kumimoji="1" lang="en-US" altLang="ja-JP" dirty="0"/>
+              <a:t>Jackknife</a:t>
+            </a:r>
+            <a:r>
+              <a:rPr kumimoji="1" lang="ja-JP" altLang="en-US" dirty="0"/>
+              <a:t>法</a:t>
+            </a:r>
+          </a:p>
+        </p:txBody>
+      </p:sp>
+      <mc:AlternateContent xmlns:mc="http://schemas.openxmlformats.org/markup-compatibility/2006">
+        <mc:Choice xmlns:a14="http://schemas.microsoft.com/office/drawing/2010/main" Requires="a14">
+          <p:sp>
+            <p:nvSpPr>
+              <p:cNvPr id="3" name="テキスト ボックス 2">
+                <a:extLst>
+                  <a:ext uri="{FF2B5EF4-FFF2-40B4-BE49-F238E27FC236}">
+                    <a16:creationId xmlns:a16="http://schemas.microsoft.com/office/drawing/2014/main" id="{01FC525A-3C14-474B-875A-D04B444FDF9B}"/>
+                  </a:ext>
+                </a:extLst>
+              </p:cNvPr>
+              <p:cNvSpPr txBox="1"/>
+              <p:nvPr/>
+            </p:nvSpPr>
+            <p:spPr>
+              <a:xfrm>
+                <a:off x="4716016" y="2060848"/>
+                <a:ext cx="2760884" cy="1287340"/>
+              </a:xfrm>
+              <a:prstGeom prst="rect">
+                <a:avLst/>
+              </a:prstGeom>
+              <a:noFill/>
+            </p:spPr>
+            <p:txBody>
+              <a:bodyPr wrap="none" rtlCol="0">
+                <a:spAutoFit/>
+              </a:bodyPr>
+              <a:lstStyle/>
+              <a:p>
+                <a14:m>
+                  <m:oMathPara xmlns:m="http://schemas.openxmlformats.org/officeDocument/2006/math">
+                    <m:oMathParaPr>
+                      <m:jc m:val="centerGroup"/>
+                    </m:oMathParaPr>
+                    <m:oMath xmlns:m="http://schemas.openxmlformats.org/officeDocument/2006/math">
+                      <m:d>
+                        <m:dPr>
+                          <m:begChr m:val="⟨"/>
+                          <m:endChr m:val="⟩"/>
+                          <m:ctrlPr>
+                            <a:rPr lang="en-US" altLang="ja-JP" sz="3200" i="1">
+                              <a:latin typeface="Cambria Math" panose="02040503050406030204" pitchFamily="18" charset="0"/>
+                            </a:rPr>
+                          </m:ctrlPr>
+                        </m:dPr>
+                        <m:e>
+                          <m:r>
+                            <a:rPr lang="en-US" altLang="ja-JP" sz="3200" i="1">
+                              <a:latin typeface="Cambria Math" panose="02040503050406030204" pitchFamily="18" charset="0"/>
+                            </a:rPr>
+                            <m:t>𝜇</m:t>
+                          </m:r>
+                        </m:e>
+                      </m:d>
+                      <m:r>
+                        <a:rPr kumimoji="1" lang="en-US" altLang="ja-JP" sz="3200" b="0" i="1" smtClean="0">
+                          <a:latin typeface="Cambria Math" panose="02040503050406030204" pitchFamily="18" charset="0"/>
+                        </a:rPr>
+                        <m:t>=</m:t>
+                      </m:r>
+                      <m:f>
+                        <m:fPr>
+                          <m:ctrlPr>
+                            <a:rPr kumimoji="1" lang="en-US" altLang="ja-JP" sz="3200" b="0" i="1" smtClean="0">
+                              <a:latin typeface="Cambria Math" panose="02040503050406030204" pitchFamily="18" charset="0"/>
+                            </a:rPr>
+                          </m:ctrlPr>
+                        </m:fPr>
+                        <m:num>
+                          <m:r>
+                            <a:rPr kumimoji="1" lang="en-US" altLang="ja-JP" sz="3200" b="0" i="1" smtClean="0">
+                              <a:latin typeface="Cambria Math" panose="02040503050406030204" pitchFamily="18" charset="0"/>
+                            </a:rPr>
+                            <m:t>𝑁</m:t>
+                          </m:r>
+                        </m:num>
+                        <m:den>
+                          <m:r>
+                            <a:rPr kumimoji="1" lang="en-US" altLang="ja-JP" sz="3200" b="0" i="1" smtClean="0">
+                              <a:latin typeface="Cambria Math" panose="02040503050406030204" pitchFamily="18" charset="0"/>
+                            </a:rPr>
+                            <m:t>𝑀</m:t>
+                          </m:r>
+                        </m:den>
+                      </m:f>
+                      <m:nary>
+                        <m:naryPr>
+                          <m:chr m:val="∑"/>
+                          <m:supHide m:val="on"/>
+                          <m:ctrlPr>
+                            <a:rPr kumimoji="1" lang="en-US" altLang="ja-JP" sz="3200" b="0" i="1" smtClean="0">
+                              <a:latin typeface="Cambria Math" panose="02040503050406030204" pitchFamily="18" charset="0"/>
+                            </a:rPr>
+                          </m:ctrlPr>
+                        </m:naryPr>
+                        <m:sub>
+                          <m:r>
+                            <a:rPr kumimoji="1" lang="en-US" altLang="ja-JP" sz="3200" b="0" i="1" smtClean="0">
+                              <a:latin typeface="Cambria Math" panose="02040503050406030204" pitchFamily="18" charset="0"/>
+                            </a:rPr>
+                            <m:t>𝑖</m:t>
+                          </m:r>
+                        </m:sub>
+                        <m:sup/>
+                        <m:e>
+                          <m:sSub>
+                            <m:sSubPr>
+                              <m:ctrlPr>
+                                <a:rPr kumimoji="1" lang="en-US" altLang="ja-JP" sz="3200" b="0" i="1" smtClean="0">
+                                  <a:latin typeface="Cambria Math" panose="02040503050406030204" pitchFamily="18" charset="0"/>
+                                </a:rPr>
+                              </m:ctrlPr>
+                            </m:sSubPr>
+                            <m:e>
+                              <m:r>
+                                <a:rPr kumimoji="1" lang="en-US" altLang="ja-JP" sz="3200" b="0" i="1" smtClean="0">
+                                  <a:latin typeface="Cambria Math" panose="02040503050406030204" pitchFamily="18" charset="0"/>
+                                </a:rPr>
+                                <m:t>𝜇</m:t>
+                              </m:r>
+                            </m:e>
+                            <m:sub>
+                              <m:r>
+                                <a:rPr kumimoji="1" lang="en-US" altLang="ja-JP" sz="3200" b="0" i="1" smtClean="0">
+                                  <a:latin typeface="Cambria Math" panose="02040503050406030204" pitchFamily="18" charset="0"/>
+                                </a:rPr>
+                                <m:t>𝑖</m:t>
+                              </m:r>
+                            </m:sub>
+                          </m:sSub>
+                        </m:e>
+                      </m:nary>
+                    </m:oMath>
+                  </m:oMathPara>
+                </a14:m>
+                <a:endParaRPr kumimoji="1" lang="ja-JP" altLang="en-US" sz="3200" dirty="0"/>
+              </a:p>
+            </p:txBody>
+          </p:sp>
+        </mc:Choice>
+        <mc:Fallback>
+          <p:sp>
+            <p:nvSpPr>
+              <p:cNvPr id="3" name="テキスト ボックス 2">
+                <a:extLst>
+                  <a:ext uri="{FF2B5EF4-FFF2-40B4-BE49-F238E27FC236}">
+                    <a16:creationId xmlns:a16="http://schemas.microsoft.com/office/drawing/2014/main" id="{01FC525A-3C14-474B-875A-D04B444FDF9B}"/>
+                  </a:ext>
+                </a:extLst>
+              </p:cNvPr>
+              <p:cNvSpPr txBox="1">
+                <a:spLocks noRot="1" noChangeAspect="1" noMove="1" noResize="1" noEditPoints="1" noAdjustHandles="1" noChangeArrowheads="1" noChangeShapeType="1" noTextEdit="1"/>
+              </p:cNvSpPr>
+              <p:nvPr/>
+            </p:nvSpPr>
+            <p:spPr>
+              <a:xfrm>
+                <a:off x="4716016" y="2060848"/>
+                <a:ext cx="2760884" cy="1287340"/>
+              </a:xfrm>
+              <a:prstGeom prst="rect">
+                <a:avLst/>
+              </a:prstGeom>
+              <a:blipFill>
+                <a:blip r:embed="rId2"/>
+                <a:stretch>
+                  <a:fillRect/>
+                </a:stretch>
+              </a:blipFill>
+            </p:spPr>
+            <p:txBody>
+              <a:bodyPr/>
+              <a:lstStyle/>
+              <a:p>
+                <a:r>
+                  <a:rPr lang="ja-JP" altLang="en-US">
+                    <a:noFill/>
+                  </a:rPr>
+                  <a:t> </a:t>
+                </a:r>
+              </a:p>
+            </p:txBody>
+          </p:sp>
+        </mc:Fallback>
+      </mc:AlternateContent>
+      <mc:AlternateContent xmlns:mc="http://schemas.openxmlformats.org/markup-compatibility/2006">
+        <mc:Choice xmlns:a14="http://schemas.microsoft.com/office/drawing/2010/main" Requires="a14">
+          <p:sp>
+            <p:nvSpPr>
+              <p:cNvPr id="5" name="テキスト ボックス 4">
+                <a:extLst>
+                  <a:ext uri="{FF2B5EF4-FFF2-40B4-BE49-F238E27FC236}">
+                    <a16:creationId xmlns:a16="http://schemas.microsoft.com/office/drawing/2014/main" id="{26163B2B-FCBA-4573-BD0E-A189784FB08C}"/>
+                  </a:ext>
+                </a:extLst>
+              </p:cNvPr>
+              <p:cNvSpPr txBox="1"/>
+              <p:nvPr/>
+            </p:nvSpPr>
+            <p:spPr>
+              <a:xfrm>
+                <a:off x="1403648" y="1916832"/>
+                <a:ext cx="2635850" cy="1287340"/>
+              </a:xfrm>
+              <a:prstGeom prst="rect">
+                <a:avLst/>
+              </a:prstGeom>
+              <a:noFill/>
+            </p:spPr>
+            <p:txBody>
+              <a:bodyPr wrap="none" rtlCol="0">
+                <a:spAutoFit/>
+              </a:bodyPr>
+              <a:lstStyle/>
+              <a:p>
+                <a14:m>
+                  <m:oMathPara xmlns:m="http://schemas.openxmlformats.org/officeDocument/2006/math">
+                    <m:oMathParaPr>
+                      <m:jc m:val="centerGroup"/>
+                    </m:oMathParaPr>
+                    <m:oMath xmlns:m="http://schemas.openxmlformats.org/officeDocument/2006/math">
+                      <m:sSub>
+                        <m:sSubPr>
+                          <m:ctrlPr>
+                            <a:rPr kumimoji="1" lang="en-US" altLang="ja-JP" sz="3200" b="0" i="1" smtClean="0">
+                              <a:latin typeface="Cambria Math" panose="02040503050406030204" pitchFamily="18" charset="0"/>
+                            </a:rPr>
+                          </m:ctrlPr>
+                        </m:sSubPr>
+                        <m:e>
+                          <m:r>
+                            <a:rPr kumimoji="1" lang="en-US" altLang="ja-JP" sz="3200" b="0" i="1" smtClean="0">
+                              <a:latin typeface="Cambria Math" panose="02040503050406030204" pitchFamily="18" charset="0"/>
+                            </a:rPr>
+                            <m:t>𝜇</m:t>
+                          </m:r>
+                        </m:e>
+                        <m:sub>
+                          <m:r>
+                            <a:rPr kumimoji="1" lang="en-US" altLang="ja-JP" sz="3200" b="0" i="1" smtClean="0">
+                              <a:latin typeface="Cambria Math" panose="02040503050406030204" pitchFamily="18" charset="0"/>
+                            </a:rPr>
+                            <m:t>𝑖</m:t>
+                          </m:r>
+                        </m:sub>
+                      </m:sSub>
+                      <m:r>
+                        <a:rPr kumimoji="1" lang="en-US" altLang="ja-JP" sz="3200" b="0" i="1" smtClean="0">
+                          <a:latin typeface="Cambria Math" panose="02040503050406030204" pitchFamily="18" charset="0"/>
+                        </a:rPr>
+                        <m:t>=</m:t>
+                      </m:r>
+                      <m:f>
+                        <m:fPr>
+                          <m:ctrlPr>
+                            <a:rPr kumimoji="1" lang="en-US" altLang="ja-JP" sz="3200" b="0" i="1" smtClean="0">
+                              <a:latin typeface="Cambria Math" panose="02040503050406030204" pitchFamily="18" charset="0"/>
+                            </a:rPr>
+                          </m:ctrlPr>
+                        </m:fPr>
+                        <m:num>
+                          <m:r>
+                            <a:rPr kumimoji="1" lang="en-US" altLang="ja-JP" sz="3200" b="0" i="1" smtClean="0">
+                              <a:latin typeface="Cambria Math" panose="02040503050406030204" pitchFamily="18" charset="0"/>
+                            </a:rPr>
+                            <m:t>1</m:t>
+                          </m:r>
+                        </m:num>
+                        <m:den>
+                          <m:r>
+                            <a:rPr kumimoji="1" lang="en-US" altLang="ja-JP" sz="3200" b="0" i="1" smtClean="0">
+                              <a:latin typeface="Cambria Math" panose="02040503050406030204" pitchFamily="18" charset="0"/>
+                            </a:rPr>
+                            <m:t>𝑁</m:t>
+                          </m:r>
+                        </m:den>
+                      </m:f>
+                      <m:nary>
+                        <m:naryPr>
+                          <m:chr m:val="∑"/>
+                          <m:supHide m:val="on"/>
+                          <m:ctrlPr>
+                            <a:rPr kumimoji="1" lang="en-US" altLang="ja-JP" sz="3200" b="0" i="1" smtClean="0">
+                              <a:latin typeface="Cambria Math" panose="02040503050406030204" pitchFamily="18" charset="0"/>
+                            </a:rPr>
+                          </m:ctrlPr>
+                        </m:naryPr>
+                        <m:sub>
+                          <m:r>
+                            <a:rPr kumimoji="1" lang="en-US" altLang="ja-JP" sz="3200" b="0" i="1" smtClean="0">
+                              <a:latin typeface="Cambria Math" panose="02040503050406030204" pitchFamily="18" charset="0"/>
+                            </a:rPr>
+                            <m:t>𝑘</m:t>
+                          </m:r>
+                          <m:r>
+                            <a:rPr kumimoji="1" lang="en-US" altLang="ja-JP" sz="3200" b="0" i="1" smtClean="0">
+                              <a:latin typeface="Cambria Math" panose="02040503050406030204" pitchFamily="18" charset="0"/>
+                            </a:rPr>
+                            <m:t>∈</m:t>
+                          </m:r>
+                          <m:r>
+                            <a:rPr kumimoji="1" lang="en-US" altLang="ja-JP" sz="3200" b="0" i="1" smtClean="0">
+                              <a:latin typeface="Cambria Math" panose="02040503050406030204" pitchFamily="18" charset="0"/>
+                            </a:rPr>
+                            <m:t>𝑖</m:t>
+                          </m:r>
+                        </m:sub>
+                        <m:sup/>
+                        <m:e>
+                          <m:sSub>
+                            <m:sSubPr>
+                              <m:ctrlPr>
+                                <a:rPr kumimoji="1" lang="en-US" altLang="ja-JP" sz="3200" b="0" i="1" smtClean="0">
+                                  <a:latin typeface="Cambria Math" panose="02040503050406030204" pitchFamily="18" charset="0"/>
+                                </a:rPr>
+                              </m:ctrlPr>
+                            </m:sSubPr>
+                            <m:e>
+                              <m:r>
+                                <a:rPr kumimoji="1" lang="en-US" altLang="ja-JP" sz="3200" b="0" i="1" smtClean="0">
+                                  <a:latin typeface="Cambria Math" panose="02040503050406030204" pitchFamily="18" charset="0"/>
+                                </a:rPr>
+                                <m:t>𝑋</m:t>
+                              </m:r>
+                            </m:e>
+                            <m:sub>
+                              <m:r>
+                                <a:rPr kumimoji="1" lang="en-US" altLang="ja-JP" sz="3200" b="0" i="1" smtClean="0">
+                                  <a:latin typeface="Cambria Math" panose="02040503050406030204" pitchFamily="18" charset="0"/>
+                                </a:rPr>
+                                <m:t>𝑘</m:t>
+                              </m:r>
+                            </m:sub>
+                          </m:sSub>
+                        </m:e>
+                      </m:nary>
+                    </m:oMath>
+                  </m:oMathPara>
+                </a14:m>
+                <a:endParaRPr kumimoji="1" lang="ja-JP" altLang="en-US" sz="3200" dirty="0"/>
+              </a:p>
+            </p:txBody>
+          </p:sp>
+        </mc:Choice>
+        <mc:Fallback>
+          <p:sp>
+            <p:nvSpPr>
+              <p:cNvPr id="5" name="テキスト ボックス 4">
+                <a:extLst>
+                  <a:ext uri="{FF2B5EF4-FFF2-40B4-BE49-F238E27FC236}">
+                    <a16:creationId xmlns:a16="http://schemas.microsoft.com/office/drawing/2014/main" id="{26163B2B-FCBA-4573-BD0E-A189784FB08C}"/>
+                  </a:ext>
+                </a:extLst>
+              </p:cNvPr>
+              <p:cNvSpPr txBox="1">
+                <a:spLocks noRot="1" noChangeAspect="1" noMove="1" noResize="1" noEditPoints="1" noAdjustHandles="1" noChangeArrowheads="1" noChangeShapeType="1" noTextEdit="1"/>
+              </p:cNvSpPr>
+              <p:nvPr/>
+            </p:nvSpPr>
+            <p:spPr>
+              <a:xfrm>
+                <a:off x="1403648" y="1916832"/>
+                <a:ext cx="2635850" cy="1287340"/>
+              </a:xfrm>
+              <a:prstGeom prst="rect">
+                <a:avLst/>
+              </a:prstGeom>
+              <a:blipFill>
+                <a:blip r:embed="rId3"/>
+                <a:stretch>
+                  <a:fillRect/>
+                </a:stretch>
+              </a:blipFill>
+            </p:spPr>
+            <p:txBody>
+              <a:bodyPr/>
+              <a:lstStyle/>
+              <a:p>
+                <a:r>
+                  <a:rPr lang="ja-JP" altLang="en-US">
+                    <a:noFill/>
+                  </a:rPr>
+                  <a:t> </a:t>
+                </a:r>
+              </a:p>
+            </p:txBody>
+          </p:sp>
+        </mc:Fallback>
+      </mc:AlternateContent>
+      <p:sp>
+        <p:nvSpPr>
+          <p:cNvPr id="6" name="テキスト ボックス 5">
+            <a:extLst>
+              <a:ext uri="{FF2B5EF4-FFF2-40B4-BE49-F238E27FC236}">
+                <a16:creationId xmlns:a16="http://schemas.microsoft.com/office/drawing/2014/main" id="{9A5AAA68-6C1A-40DB-BA16-811A79FAF3C2}"/>
+              </a:ext>
+            </a:extLst>
+          </p:cNvPr>
+          <p:cNvSpPr txBox="1"/>
+          <p:nvPr/>
+        </p:nvSpPr>
+        <p:spPr>
+          <a:xfrm>
+            <a:off x="1403648" y="1340768"/>
+            <a:ext cx="2749471" cy="400110"/>
+          </a:xfrm>
+          <a:prstGeom prst="rect">
+            <a:avLst/>
+          </a:prstGeom>
+          <a:noFill/>
+        </p:spPr>
+        <p:txBody>
+          <a:bodyPr wrap="none" rtlCol="0">
+            <a:spAutoFit/>
+          </a:bodyPr>
+          <a:lstStyle/>
+          <a:p>
+            <a:r>
+              <a:rPr lang="ja-JP" altLang="en-US" sz="2000" dirty="0"/>
+              <a:t>ブロックごとの期待値</a:t>
+            </a:r>
+            <a:endParaRPr kumimoji="1" lang="ja-JP" altLang="en-US" sz="2000" dirty="0"/>
+          </a:p>
+        </p:txBody>
+      </p:sp>
+      <p:sp>
+        <p:nvSpPr>
+          <p:cNvPr id="7" name="テキスト ボックス 6">
+            <a:extLst>
+              <a:ext uri="{FF2B5EF4-FFF2-40B4-BE49-F238E27FC236}">
+                <a16:creationId xmlns:a16="http://schemas.microsoft.com/office/drawing/2014/main" id="{D834FA19-47FE-418E-A218-B436601E6AD6}"/>
+              </a:ext>
+            </a:extLst>
+          </p:cNvPr>
+          <p:cNvSpPr txBox="1"/>
+          <p:nvPr/>
+        </p:nvSpPr>
+        <p:spPr>
+          <a:xfrm>
+            <a:off x="5076056" y="1340768"/>
+            <a:ext cx="1980029" cy="400110"/>
+          </a:xfrm>
+          <a:prstGeom prst="rect">
+            <a:avLst/>
+          </a:prstGeom>
+          <a:noFill/>
+        </p:spPr>
+        <p:txBody>
+          <a:bodyPr wrap="none" rtlCol="0">
+            <a:spAutoFit/>
+          </a:bodyPr>
+          <a:lstStyle/>
+          <a:p>
+            <a:r>
+              <a:rPr lang="ja-JP" altLang="en-US" sz="2000" dirty="0"/>
+              <a:t>期待値の期待値</a:t>
+            </a:r>
+            <a:endParaRPr kumimoji="1" lang="ja-JP" altLang="en-US" sz="2000" dirty="0"/>
+          </a:p>
+        </p:txBody>
+      </p:sp>
+      <mc:AlternateContent xmlns:mc="http://schemas.openxmlformats.org/markup-compatibility/2006">
+        <mc:Choice xmlns:a14="http://schemas.microsoft.com/office/drawing/2010/main" Requires="a14">
+          <p:sp>
+            <p:nvSpPr>
+              <p:cNvPr id="8" name="テキスト ボックス 7">
+                <a:extLst>
+                  <a:ext uri="{FF2B5EF4-FFF2-40B4-BE49-F238E27FC236}">
+                    <a16:creationId xmlns:a16="http://schemas.microsoft.com/office/drawing/2014/main" id="{ECE52B94-4B2F-44B9-86DF-18B3EB5AFA1E}"/>
+                  </a:ext>
+                </a:extLst>
+              </p:cNvPr>
+              <p:cNvSpPr txBox="1"/>
+              <p:nvPr/>
+            </p:nvSpPr>
+            <p:spPr>
+              <a:xfrm>
+                <a:off x="3995936" y="4005064"/>
+                <a:ext cx="2781659" cy="1343060"/>
+              </a:xfrm>
+              <a:prstGeom prst="rect">
+                <a:avLst/>
+              </a:prstGeom>
+              <a:noFill/>
+            </p:spPr>
+            <p:txBody>
+              <a:bodyPr wrap="none" rtlCol="0">
+                <a:spAutoFit/>
+              </a:bodyPr>
+              <a:lstStyle/>
+              <a:p>
+                <a14:m>
+                  <m:oMathPara xmlns:m="http://schemas.openxmlformats.org/officeDocument/2006/math">
+                    <m:oMathParaPr>
+                      <m:jc m:val="centerGroup"/>
+                    </m:oMathParaPr>
+                    <m:oMath xmlns:m="http://schemas.openxmlformats.org/officeDocument/2006/math">
+                      <m:d>
+                        <m:dPr>
+                          <m:begChr m:val="⟨"/>
+                          <m:endChr m:val="⟩"/>
+                          <m:ctrlPr>
+                            <a:rPr lang="en-US" altLang="ja-JP" sz="3200" i="1">
+                              <a:latin typeface="Cambria Math" panose="02040503050406030204" pitchFamily="18" charset="0"/>
+                            </a:rPr>
+                          </m:ctrlPr>
+                        </m:dPr>
+                        <m:e>
+                          <m:r>
+                            <a:rPr lang="en-US" altLang="ja-JP" sz="3200" i="1">
+                              <a:latin typeface="Cambria Math" panose="02040503050406030204" pitchFamily="18" charset="0"/>
+                            </a:rPr>
+                            <m:t>𝜇</m:t>
+                          </m:r>
+                        </m:e>
+                      </m:d>
+                      <m:r>
+                        <a:rPr kumimoji="1" lang="en-US" altLang="ja-JP" sz="3200" b="0" i="1" smtClean="0">
+                          <a:latin typeface="Cambria Math" panose="02040503050406030204" pitchFamily="18" charset="0"/>
+                        </a:rPr>
+                        <m:t>=</m:t>
+                      </m:r>
+                      <m:f>
+                        <m:fPr>
+                          <m:ctrlPr>
+                            <a:rPr kumimoji="1" lang="en-US" altLang="ja-JP" sz="3200" b="0" i="1" smtClean="0">
+                              <a:latin typeface="Cambria Math" panose="02040503050406030204" pitchFamily="18" charset="0"/>
+                            </a:rPr>
+                          </m:ctrlPr>
+                        </m:fPr>
+                        <m:num>
+                          <m:r>
+                            <a:rPr kumimoji="1" lang="en-US" altLang="ja-JP" sz="3200" b="0" i="1" smtClean="0">
+                              <a:latin typeface="Cambria Math" panose="02040503050406030204" pitchFamily="18" charset="0"/>
+                            </a:rPr>
+                            <m:t>1</m:t>
+                          </m:r>
+                        </m:num>
+                        <m:den>
+                          <m:r>
+                            <a:rPr kumimoji="1" lang="en-US" altLang="ja-JP" sz="3200" b="0" i="1" smtClean="0">
+                              <a:latin typeface="Cambria Math" panose="02040503050406030204" pitchFamily="18" charset="0"/>
+                            </a:rPr>
+                            <m:t>𝑀</m:t>
+                          </m:r>
+                        </m:den>
+                      </m:f>
+                      <m:nary>
+                        <m:naryPr>
+                          <m:chr m:val="∑"/>
+                          <m:supHide m:val="on"/>
+                          <m:ctrlPr>
+                            <a:rPr kumimoji="1" lang="en-US" altLang="ja-JP" sz="3200" b="0" i="1" smtClean="0">
+                              <a:latin typeface="Cambria Math" panose="02040503050406030204" pitchFamily="18" charset="0"/>
+                            </a:rPr>
+                          </m:ctrlPr>
+                        </m:naryPr>
+                        <m:sub>
+                          <m:r>
+                            <a:rPr kumimoji="1" lang="en-US" altLang="ja-JP" sz="3200" b="0" i="1" smtClean="0">
+                              <a:latin typeface="Cambria Math" panose="02040503050406030204" pitchFamily="18" charset="0"/>
+                            </a:rPr>
+                            <m:t>𝑗</m:t>
+                          </m:r>
+                        </m:sub>
+                        <m:sup/>
+                        <m:e>
+                          <m:sSub>
+                            <m:sSubPr>
+                              <m:ctrlPr>
+                                <a:rPr kumimoji="1" lang="en-US" altLang="ja-JP" sz="3200" b="0" i="1" smtClean="0">
+                                  <a:latin typeface="Cambria Math" panose="02040503050406030204" pitchFamily="18" charset="0"/>
+                                </a:rPr>
+                              </m:ctrlPr>
+                            </m:sSubPr>
+                            <m:e>
+                              <m:r>
+                                <a:rPr kumimoji="1" lang="en-US" altLang="ja-JP" sz="3200" b="0" i="1" smtClean="0">
+                                  <a:latin typeface="Cambria Math" panose="02040503050406030204" pitchFamily="18" charset="0"/>
+                                </a:rPr>
+                                <m:t>𝑋</m:t>
+                              </m:r>
+                            </m:e>
+                            <m:sub>
+                              <m:r>
+                                <a:rPr kumimoji="1" lang="en-US" altLang="ja-JP" sz="3200" b="0" i="1" smtClean="0">
+                                  <a:latin typeface="Cambria Math" panose="02040503050406030204" pitchFamily="18" charset="0"/>
+                                </a:rPr>
+                                <m:t>𝑗</m:t>
+                              </m:r>
+                            </m:sub>
+                          </m:sSub>
+                        </m:e>
+                      </m:nary>
+                    </m:oMath>
+                  </m:oMathPara>
+                </a14:m>
+                <a:endParaRPr kumimoji="1" lang="ja-JP" altLang="en-US" sz="3200" dirty="0"/>
+              </a:p>
+            </p:txBody>
+          </p:sp>
+        </mc:Choice>
+        <mc:Fallback>
+          <p:sp>
+            <p:nvSpPr>
+              <p:cNvPr id="8" name="テキスト ボックス 7">
+                <a:extLst>
+                  <a:ext uri="{FF2B5EF4-FFF2-40B4-BE49-F238E27FC236}">
+                    <a16:creationId xmlns:a16="http://schemas.microsoft.com/office/drawing/2014/main" id="{ECE52B94-4B2F-44B9-86DF-18B3EB5AFA1E}"/>
+                  </a:ext>
+                </a:extLst>
+              </p:cNvPr>
+              <p:cNvSpPr txBox="1">
+                <a:spLocks noRot="1" noChangeAspect="1" noMove="1" noResize="1" noEditPoints="1" noAdjustHandles="1" noChangeArrowheads="1" noChangeShapeType="1" noTextEdit="1"/>
+              </p:cNvSpPr>
+              <p:nvPr/>
+            </p:nvSpPr>
+            <p:spPr>
+              <a:xfrm>
+                <a:off x="3995936" y="4005064"/>
+                <a:ext cx="2781659" cy="1343060"/>
+              </a:xfrm>
+              <a:prstGeom prst="rect">
+                <a:avLst/>
+              </a:prstGeom>
+              <a:blipFill>
+                <a:blip r:embed="rId4"/>
+                <a:stretch>
+                  <a:fillRect/>
+                </a:stretch>
+              </a:blipFill>
+            </p:spPr>
+            <p:txBody>
+              <a:bodyPr/>
+              <a:lstStyle/>
+              <a:p>
+                <a:r>
+                  <a:rPr lang="ja-JP" altLang="en-US">
+                    <a:noFill/>
+                  </a:rPr>
+                  <a:t> </a:t>
+                </a:r>
+              </a:p>
+            </p:txBody>
+          </p:sp>
+        </mc:Fallback>
+      </mc:AlternateContent>
+      <p:sp>
+        <p:nvSpPr>
+          <p:cNvPr id="9" name="矢印: 下 8">
+            <a:extLst>
+              <a:ext uri="{FF2B5EF4-FFF2-40B4-BE49-F238E27FC236}">
+                <a16:creationId xmlns:a16="http://schemas.microsoft.com/office/drawing/2014/main" id="{207C7B67-DFA1-44BB-96BC-7636FA6E695C}"/>
+              </a:ext>
+            </a:extLst>
+          </p:cNvPr>
+          <p:cNvSpPr/>
+          <p:nvPr/>
+        </p:nvSpPr>
+        <p:spPr>
+          <a:xfrm rot="2700000">
+            <a:off x="5637999" y="3357723"/>
+            <a:ext cx="432048" cy="546360"/>
+          </a:xfrm>
+          <a:prstGeom prst="downArrow">
+            <a:avLst/>
+          </a:prstGeom>
+          <a:solidFill>
+            <a:srgbClr val="FF0000"/>
+          </a:solidFill>
+          <a:ln>
+            <a:solidFill>
+              <a:schemeClr val="tx1"/>
+            </a:solidFill>
+          </a:ln>
+        </p:spPr>
+        <p:style>
+          <a:lnRef idx="2">
+            <a:schemeClr val="accent1">
+              <a:shade val="50000"/>
+            </a:schemeClr>
+          </a:lnRef>
+          <a:fillRef idx="1">
+            <a:schemeClr val="accent1"/>
+          </a:fillRef>
+          <a:effectRef idx="0">
+            <a:schemeClr val="accent1"/>
+          </a:effectRef>
+          <a:fontRef idx="minor">
+            <a:schemeClr val="lt1"/>
+          </a:fontRef>
+        </p:style>
+        <p:txBody>
+          <a:bodyPr rtlCol="0" anchor="ctr"/>
+          <a:lstStyle/>
+          <a:p>
+            <a:pPr algn="ctr"/>
+            <a:endParaRPr kumimoji="1" lang="ja-JP" altLang="en-US"/>
+          </a:p>
+        </p:txBody>
+      </p:sp>
+      <p:sp>
+        <p:nvSpPr>
+          <p:cNvPr id="10" name="矢印: 下 9">
+            <a:extLst>
+              <a:ext uri="{FF2B5EF4-FFF2-40B4-BE49-F238E27FC236}">
+                <a16:creationId xmlns:a16="http://schemas.microsoft.com/office/drawing/2014/main" id="{FA4C2CBC-8FFC-4EEE-8CB0-A3C86D8262DB}"/>
+              </a:ext>
+            </a:extLst>
+          </p:cNvPr>
+          <p:cNvSpPr/>
+          <p:nvPr/>
+        </p:nvSpPr>
+        <p:spPr>
+          <a:xfrm rot="19072165">
+            <a:off x="3259278" y="3359313"/>
+            <a:ext cx="432048" cy="546360"/>
+          </a:xfrm>
+          <a:prstGeom prst="downArrow">
+            <a:avLst/>
+          </a:prstGeom>
+          <a:solidFill>
+            <a:srgbClr val="FF0000"/>
+          </a:solidFill>
+          <a:ln>
+            <a:solidFill>
+              <a:schemeClr val="tx1"/>
+            </a:solidFill>
+          </a:ln>
+        </p:spPr>
+        <p:style>
+          <a:lnRef idx="2">
+            <a:schemeClr val="accent1">
+              <a:shade val="50000"/>
+            </a:schemeClr>
+          </a:lnRef>
+          <a:fillRef idx="1">
+            <a:schemeClr val="accent1"/>
+          </a:fillRef>
+          <a:effectRef idx="0">
+            <a:schemeClr val="accent1"/>
+          </a:effectRef>
+          <a:fontRef idx="minor">
+            <a:schemeClr val="lt1"/>
+          </a:fontRef>
+        </p:style>
+        <p:txBody>
+          <a:bodyPr rtlCol="0" anchor="ctr"/>
+          <a:lstStyle/>
+          <a:p>
+            <a:pPr algn="ctr"/>
+            <a:endParaRPr kumimoji="1" lang="ja-JP" altLang="en-US"/>
+          </a:p>
+        </p:txBody>
+      </p:sp>
+      <p:sp>
+        <p:nvSpPr>
+          <p:cNvPr id="11" name="テキスト ボックス 10">
+            <a:extLst>
+              <a:ext uri="{FF2B5EF4-FFF2-40B4-BE49-F238E27FC236}">
+                <a16:creationId xmlns:a16="http://schemas.microsoft.com/office/drawing/2014/main" id="{A43070A1-5433-4AFB-9EBF-85CAA28F89CD}"/>
+              </a:ext>
+            </a:extLst>
+          </p:cNvPr>
+          <p:cNvSpPr txBox="1"/>
+          <p:nvPr/>
+        </p:nvSpPr>
+        <p:spPr>
+          <a:xfrm>
+            <a:off x="251520" y="4365104"/>
+            <a:ext cx="3570208" cy="461665"/>
+          </a:xfrm>
+          <a:prstGeom prst="rect">
+            <a:avLst/>
+          </a:prstGeom>
+          <a:noFill/>
+        </p:spPr>
+        <p:txBody>
+          <a:bodyPr wrap="none" rtlCol="0">
+            <a:spAutoFit/>
+          </a:bodyPr>
+          <a:lstStyle/>
+          <a:p>
+            <a:r>
+              <a:rPr lang="ja-JP" altLang="en-US" sz="2400" dirty="0"/>
+              <a:t>単なる全体の平均になる</a:t>
+            </a:r>
+            <a:endParaRPr kumimoji="1" lang="ja-JP" altLang="en-US" sz="2400" dirty="0"/>
+          </a:p>
+        </p:txBody>
+      </p:sp>
+      <mc:AlternateContent xmlns:mc="http://schemas.openxmlformats.org/markup-compatibility/2006">
+        <mc:Choice xmlns:a14="http://schemas.microsoft.com/office/drawing/2010/main" Requires="a14">
+          <p:sp>
+            <p:nvSpPr>
+              <p:cNvPr id="14" name="テキスト ボックス 13">
+                <a:extLst>
+                  <a:ext uri="{FF2B5EF4-FFF2-40B4-BE49-F238E27FC236}">
+                    <a16:creationId xmlns:a16="http://schemas.microsoft.com/office/drawing/2014/main" id="{54279904-6016-4B79-BD4D-2C23AFF071E5}"/>
+                  </a:ext>
+                </a:extLst>
+              </p:cNvPr>
+              <p:cNvSpPr txBox="1"/>
+              <p:nvPr/>
+            </p:nvSpPr>
+            <p:spPr>
+              <a:xfrm>
+                <a:off x="2051720" y="5733256"/>
+                <a:ext cx="4572000" cy="523220"/>
+              </a:xfrm>
+              <a:prstGeom prst="rect">
+                <a:avLst/>
+              </a:prstGeom>
+              <a:noFill/>
+              <a:ln>
+                <a:solidFill>
+                  <a:schemeClr val="tx1"/>
+                </a:solidFill>
+              </a:ln>
+            </p:spPr>
+            <p:txBody>
+              <a:bodyPr wrap="square">
+                <a:spAutoFit/>
+              </a:bodyPr>
+              <a:lstStyle/>
+              <a:p>
+                <a14:m>
+                  <m:oMath xmlns:m="http://schemas.openxmlformats.org/officeDocument/2006/math">
+                    <m:d>
+                      <m:dPr>
+                        <m:begChr m:val="⟨"/>
+                        <m:endChr m:val="⟩"/>
+                        <m:ctrlPr>
+                          <a:rPr lang="en-US" altLang="ja-JP" sz="2800" i="1">
+                            <a:latin typeface="Cambria Math" panose="02040503050406030204" pitchFamily="18" charset="0"/>
+                          </a:rPr>
+                        </m:ctrlPr>
+                      </m:dPr>
+                      <m:e>
+                        <m:r>
+                          <a:rPr lang="en-US" altLang="ja-JP" sz="2800" i="1">
+                            <a:latin typeface="Cambria Math" panose="02040503050406030204" pitchFamily="18" charset="0"/>
+                          </a:rPr>
+                          <m:t>𝜇</m:t>
+                        </m:r>
+                      </m:e>
+                    </m:d>
+                  </m:oMath>
+                </a14:m>
+                <a:r>
+                  <a:rPr kumimoji="1" lang="ja-JP" altLang="en-US" sz="2800" dirty="0"/>
+                  <a:t>は</a:t>
+                </a:r>
+                <a14:m>
+                  <m:oMath xmlns:m="http://schemas.openxmlformats.org/officeDocument/2006/math">
+                    <m:r>
+                      <a:rPr kumimoji="1" lang="en-US" altLang="ja-JP" sz="2800" b="0" i="1" dirty="0" smtClean="0">
+                        <a:latin typeface="Cambria Math" panose="02040503050406030204" pitchFamily="18" charset="0"/>
+                      </a:rPr>
+                      <m:t>𝑁</m:t>
+                    </m:r>
+                  </m:oMath>
+                </a14:m>
+                <a:r>
+                  <a:rPr lang="ja-JP" altLang="en-US" sz="2800" dirty="0"/>
+                  <a:t>依存性をもたない</a:t>
+                </a:r>
+              </a:p>
+            </p:txBody>
+          </p:sp>
+        </mc:Choice>
+        <mc:Fallback>
+          <p:sp>
+            <p:nvSpPr>
+              <p:cNvPr id="14" name="テキスト ボックス 13">
+                <a:extLst>
+                  <a:ext uri="{FF2B5EF4-FFF2-40B4-BE49-F238E27FC236}">
+                    <a16:creationId xmlns:a16="http://schemas.microsoft.com/office/drawing/2014/main" id="{54279904-6016-4B79-BD4D-2C23AFF071E5}"/>
+                  </a:ext>
+                </a:extLst>
+              </p:cNvPr>
+              <p:cNvSpPr txBox="1">
+                <a:spLocks noRot="1" noChangeAspect="1" noMove="1" noResize="1" noEditPoints="1" noAdjustHandles="1" noChangeArrowheads="1" noChangeShapeType="1" noTextEdit="1"/>
+              </p:cNvSpPr>
+              <p:nvPr/>
+            </p:nvSpPr>
+            <p:spPr>
+              <a:xfrm>
+                <a:off x="2051720" y="5733256"/>
+                <a:ext cx="4572000" cy="523220"/>
+              </a:xfrm>
+              <a:prstGeom prst="rect">
+                <a:avLst/>
+              </a:prstGeom>
+              <a:blipFill>
+                <a:blip r:embed="rId5"/>
+                <a:stretch>
+                  <a:fillRect t="-13636" b="-26136"/>
+                </a:stretch>
+              </a:blipFill>
+              <a:ln>
+                <a:solidFill>
+                  <a:schemeClr val="tx1"/>
+                </a:solidFill>
+              </a:ln>
+            </p:spPr>
+            <p:txBody>
+              <a:bodyPr/>
+              <a:lstStyle/>
+              <a:p>
+                <a:r>
+                  <a:rPr lang="ja-JP" altLang="en-US">
+                    <a:noFill/>
+                  </a:rPr>
+                  <a:t> </a:t>
+                </a:r>
+              </a:p>
+            </p:txBody>
+          </p:sp>
+        </mc:Fallback>
+      </mc:AlternateContent>
+    </p:spTree>
+    <p:extLst>
+      <p:ext uri="{BB962C8B-B14F-4D97-AF65-F5344CB8AC3E}">
+        <p14:creationId xmlns:p14="http://schemas.microsoft.com/office/powerpoint/2010/main" val="1878242622"/>
+      </p:ext>
+    </p:extLst>
+  </p:cSld>
+  <p:clrMapOvr>
+    <a:masterClrMapping/>
+  </p:clrMapOvr>
+</p:sld>
+</file>
+
+<file path=ppt/slides/slide42.xml><?xml version="1.0" encoding="utf-8"?>
+<p:sld xmlns:a="http://schemas.openxmlformats.org/drawingml/2006/main" xmlns:r="http://schemas.openxmlformats.org/officeDocument/2006/relationships" xmlns:p="http://schemas.openxmlformats.org/presentationml/2006/main">
+  <p:cSld>
+    <p:spTree>
+      <p:nvGrpSpPr>
+        <p:cNvPr id="1" name=""/>
+        <p:cNvGrpSpPr/>
+        <p:nvPr/>
+      </p:nvGrpSpPr>
+      <p:grpSpPr>
+        <a:xfrm>
+          <a:off x="0" y="0"/>
+          <a:ext cx="0" cy="0"/>
+          <a:chOff x="0" y="0"/>
+          <a:chExt cx="0" cy="0"/>
+        </a:xfrm>
+      </p:grpSpPr>
+      <p:sp>
+        <p:nvSpPr>
+          <p:cNvPr id="2" name="テキスト プレースホルダー 1">
+            <a:extLst>
+              <a:ext uri="{FF2B5EF4-FFF2-40B4-BE49-F238E27FC236}">
+                <a16:creationId xmlns:a16="http://schemas.microsoft.com/office/drawing/2014/main" id="{567ED87D-26BC-4253-A16D-005453514120}"/>
+              </a:ext>
+            </a:extLst>
+          </p:cNvPr>
+          <p:cNvSpPr>
+            <a:spLocks noGrp="1"/>
+          </p:cNvSpPr>
+          <p:nvPr>
+            <p:ph type="body" sz="quarter" idx="10"/>
+          </p:nvPr>
+        </p:nvSpPr>
+        <p:spPr/>
+        <p:txBody>
+          <a:bodyPr/>
+          <a:lstStyle/>
+          <a:p>
+            <a:r>
+              <a:rPr kumimoji="1" lang="ja-JP" altLang="en-US" dirty="0"/>
+              <a:t>不偏推定量と</a:t>
+            </a:r>
+            <a:r>
+              <a:rPr kumimoji="1" lang="en-US" altLang="ja-JP" dirty="0"/>
+              <a:t>Jackknife</a:t>
+            </a:r>
+            <a:r>
+              <a:rPr kumimoji="1" lang="ja-JP" altLang="en-US" dirty="0"/>
+              <a:t>法</a:t>
+            </a:r>
+          </a:p>
+        </p:txBody>
+      </p:sp>
+      <p:sp>
+        <p:nvSpPr>
+          <p:cNvPr id="5" name="正方形/長方形 4">
+            <a:extLst>
+              <a:ext uri="{FF2B5EF4-FFF2-40B4-BE49-F238E27FC236}">
+                <a16:creationId xmlns:a16="http://schemas.microsoft.com/office/drawing/2014/main" id="{20E690B4-9380-4130-9F18-3924DD95E871}"/>
+              </a:ext>
+            </a:extLst>
+          </p:cNvPr>
+          <p:cNvSpPr/>
+          <p:nvPr/>
+        </p:nvSpPr>
+        <p:spPr>
+          <a:xfrm>
+            <a:off x="971600" y="1772816"/>
+            <a:ext cx="720080" cy="432048"/>
+          </a:xfrm>
+          <a:prstGeom prst="rect">
+            <a:avLst/>
+          </a:prstGeom>
+          <a:solidFill>
+            <a:schemeClr val="accent1">
+              <a:lumMod val="20000"/>
+              <a:lumOff val="80000"/>
+            </a:schemeClr>
+          </a:solidFill>
+          <a:ln>
+            <a:solidFill>
+              <a:schemeClr val="tx1"/>
+            </a:solidFill>
+          </a:ln>
+        </p:spPr>
+        <p:style>
+          <a:lnRef idx="2">
+            <a:schemeClr val="accent1">
+              <a:shade val="50000"/>
+            </a:schemeClr>
+          </a:lnRef>
+          <a:fillRef idx="1">
+            <a:schemeClr val="accent1"/>
+          </a:fillRef>
+          <a:effectRef idx="0">
+            <a:schemeClr val="accent1"/>
+          </a:effectRef>
+          <a:fontRef idx="minor">
+            <a:schemeClr val="lt1"/>
+          </a:fontRef>
+        </p:style>
+        <p:txBody>
+          <a:bodyPr rtlCol="0" anchor="ctr"/>
+          <a:lstStyle/>
+          <a:p>
+            <a:pPr algn="ctr"/>
+            <a:endParaRPr kumimoji="1" lang="ja-JP" altLang="en-US"/>
+          </a:p>
+        </p:txBody>
+      </p:sp>
+      <p:sp>
+        <p:nvSpPr>
+          <p:cNvPr id="6" name="正方形/長方形 5">
+            <a:extLst>
+              <a:ext uri="{FF2B5EF4-FFF2-40B4-BE49-F238E27FC236}">
+                <a16:creationId xmlns:a16="http://schemas.microsoft.com/office/drawing/2014/main" id="{5A5F167F-0757-4F7F-91B9-3F3B6D7EEFF6}"/>
+              </a:ext>
+            </a:extLst>
+          </p:cNvPr>
+          <p:cNvSpPr/>
+          <p:nvPr/>
+        </p:nvSpPr>
+        <p:spPr>
+          <a:xfrm>
+            <a:off x="1691680" y="1772816"/>
+            <a:ext cx="720080" cy="432048"/>
+          </a:xfrm>
+          <a:prstGeom prst="rect">
+            <a:avLst/>
+          </a:prstGeom>
+          <a:solidFill>
+            <a:schemeClr val="accent1">
+              <a:lumMod val="20000"/>
+              <a:lumOff val="80000"/>
+            </a:schemeClr>
+          </a:solidFill>
+          <a:ln>
+            <a:solidFill>
+              <a:schemeClr val="tx1"/>
+            </a:solidFill>
+          </a:ln>
+        </p:spPr>
+        <p:style>
+          <a:lnRef idx="2">
+            <a:schemeClr val="accent1">
+              <a:shade val="50000"/>
+            </a:schemeClr>
+          </a:lnRef>
+          <a:fillRef idx="1">
+            <a:schemeClr val="accent1"/>
+          </a:fillRef>
+          <a:effectRef idx="0">
+            <a:schemeClr val="accent1"/>
+          </a:effectRef>
+          <a:fontRef idx="minor">
+            <a:schemeClr val="lt1"/>
+          </a:fontRef>
+        </p:style>
+        <p:txBody>
+          <a:bodyPr rtlCol="0" anchor="ctr"/>
+          <a:lstStyle/>
+          <a:p>
+            <a:pPr algn="ctr"/>
+            <a:endParaRPr kumimoji="1" lang="ja-JP" altLang="en-US"/>
+          </a:p>
+        </p:txBody>
+      </p:sp>
+      <p:sp>
+        <p:nvSpPr>
+          <p:cNvPr id="7" name="正方形/長方形 6">
+            <a:extLst>
+              <a:ext uri="{FF2B5EF4-FFF2-40B4-BE49-F238E27FC236}">
+                <a16:creationId xmlns:a16="http://schemas.microsoft.com/office/drawing/2014/main" id="{C1952B95-0598-496A-91DF-71D1FB416AAE}"/>
+              </a:ext>
+            </a:extLst>
+          </p:cNvPr>
+          <p:cNvSpPr/>
+          <p:nvPr/>
+        </p:nvSpPr>
+        <p:spPr>
+          <a:xfrm>
+            <a:off x="2411760" y="1772816"/>
+            <a:ext cx="720080" cy="432048"/>
+          </a:xfrm>
+          <a:prstGeom prst="rect">
+            <a:avLst/>
+          </a:prstGeom>
+          <a:solidFill>
+            <a:schemeClr val="accent1">
+              <a:lumMod val="20000"/>
+              <a:lumOff val="80000"/>
+            </a:schemeClr>
+          </a:solidFill>
+          <a:ln>
+            <a:solidFill>
+              <a:schemeClr val="tx1"/>
+            </a:solidFill>
+          </a:ln>
+        </p:spPr>
+        <p:style>
+          <a:lnRef idx="2">
+            <a:schemeClr val="accent1">
+              <a:shade val="50000"/>
+            </a:schemeClr>
+          </a:lnRef>
+          <a:fillRef idx="1">
+            <a:schemeClr val="accent1"/>
+          </a:fillRef>
+          <a:effectRef idx="0">
+            <a:schemeClr val="accent1"/>
+          </a:effectRef>
+          <a:fontRef idx="minor">
+            <a:schemeClr val="lt1"/>
+          </a:fontRef>
+        </p:style>
+        <p:txBody>
+          <a:bodyPr rtlCol="0" anchor="ctr"/>
+          <a:lstStyle/>
+          <a:p>
+            <a:pPr algn="ctr"/>
+            <a:endParaRPr kumimoji="1" lang="ja-JP" altLang="en-US"/>
+          </a:p>
+        </p:txBody>
+      </p:sp>
+      <p:sp>
+        <p:nvSpPr>
+          <p:cNvPr id="8" name="正方形/長方形 7">
+            <a:extLst>
+              <a:ext uri="{FF2B5EF4-FFF2-40B4-BE49-F238E27FC236}">
+                <a16:creationId xmlns:a16="http://schemas.microsoft.com/office/drawing/2014/main" id="{848B7F0E-A7FE-48C6-95F0-8FAA949A7D15}"/>
+              </a:ext>
+            </a:extLst>
+          </p:cNvPr>
+          <p:cNvSpPr/>
+          <p:nvPr/>
+        </p:nvSpPr>
+        <p:spPr>
+          <a:xfrm>
+            <a:off x="3131840" y="1772816"/>
+            <a:ext cx="720080" cy="432048"/>
+          </a:xfrm>
+          <a:prstGeom prst="rect">
+            <a:avLst/>
+          </a:prstGeom>
+          <a:solidFill>
+            <a:schemeClr val="accent1">
+              <a:lumMod val="20000"/>
+              <a:lumOff val="80000"/>
+            </a:schemeClr>
+          </a:solidFill>
+          <a:ln>
+            <a:solidFill>
+              <a:schemeClr val="tx1"/>
+            </a:solidFill>
+          </a:ln>
+        </p:spPr>
+        <p:style>
+          <a:lnRef idx="2">
+            <a:schemeClr val="accent1">
+              <a:shade val="50000"/>
+            </a:schemeClr>
+          </a:lnRef>
+          <a:fillRef idx="1">
+            <a:schemeClr val="accent1"/>
+          </a:fillRef>
+          <a:effectRef idx="0">
+            <a:schemeClr val="accent1"/>
+          </a:effectRef>
+          <a:fontRef idx="minor">
+            <a:schemeClr val="lt1"/>
+          </a:fontRef>
+        </p:style>
+        <p:txBody>
+          <a:bodyPr rtlCol="0" anchor="ctr"/>
+          <a:lstStyle/>
+          <a:p>
+            <a:pPr algn="ctr"/>
+            <a:endParaRPr kumimoji="1" lang="ja-JP" altLang="en-US"/>
+          </a:p>
+        </p:txBody>
+      </p:sp>
+      <p:sp>
+        <p:nvSpPr>
+          <p:cNvPr id="9" name="正方形/長方形 8">
+            <a:extLst>
+              <a:ext uri="{FF2B5EF4-FFF2-40B4-BE49-F238E27FC236}">
+                <a16:creationId xmlns:a16="http://schemas.microsoft.com/office/drawing/2014/main" id="{2CF8FD6A-DE52-4D3D-9122-9B9EA3EECD0D}"/>
+              </a:ext>
+            </a:extLst>
+          </p:cNvPr>
+          <p:cNvSpPr/>
+          <p:nvPr/>
+        </p:nvSpPr>
+        <p:spPr>
+          <a:xfrm>
+            <a:off x="3851920" y="1772816"/>
+            <a:ext cx="720080" cy="432048"/>
+          </a:xfrm>
+          <a:prstGeom prst="rect">
+            <a:avLst/>
+          </a:prstGeom>
+          <a:solidFill>
+            <a:schemeClr val="accent1">
+              <a:lumMod val="20000"/>
+              <a:lumOff val="80000"/>
+            </a:schemeClr>
+          </a:solidFill>
+          <a:ln>
+            <a:solidFill>
+              <a:schemeClr val="tx1"/>
+            </a:solidFill>
+          </a:ln>
+        </p:spPr>
+        <p:style>
+          <a:lnRef idx="2">
+            <a:schemeClr val="accent1">
+              <a:shade val="50000"/>
+            </a:schemeClr>
+          </a:lnRef>
+          <a:fillRef idx="1">
+            <a:schemeClr val="accent1"/>
+          </a:fillRef>
+          <a:effectRef idx="0">
+            <a:schemeClr val="accent1"/>
+          </a:effectRef>
+          <a:fontRef idx="minor">
+            <a:schemeClr val="lt1"/>
+          </a:fontRef>
+        </p:style>
+        <p:txBody>
+          <a:bodyPr rtlCol="0" anchor="ctr"/>
+          <a:lstStyle/>
+          <a:p>
+            <a:pPr algn="ctr"/>
+            <a:endParaRPr kumimoji="1" lang="ja-JP" altLang="en-US"/>
+          </a:p>
+        </p:txBody>
+      </p:sp>
+      <p:sp>
+        <p:nvSpPr>
+          <p:cNvPr id="10" name="正方形/長方形 9">
+            <a:extLst>
+              <a:ext uri="{FF2B5EF4-FFF2-40B4-BE49-F238E27FC236}">
+                <a16:creationId xmlns:a16="http://schemas.microsoft.com/office/drawing/2014/main" id="{80748872-6FBE-4746-822E-5A6104C1CDCD}"/>
+              </a:ext>
+            </a:extLst>
+          </p:cNvPr>
+          <p:cNvSpPr/>
+          <p:nvPr/>
+        </p:nvSpPr>
+        <p:spPr>
+          <a:xfrm>
+            <a:off x="4572000" y="1772816"/>
+            <a:ext cx="720080" cy="432048"/>
+          </a:xfrm>
+          <a:prstGeom prst="rect">
+            <a:avLst/>
+          </a:prstGeom>
+          <a:solidFill>
+            <a:schemeClr val="accent1">
+              <a:lumMod val="20000"/>
+              <a:lumOff val="80000"/>
+            </a:schemeClr>
+          </a:solidFill>
+          <a:ln>
+            <a:solidFill>
+              <a:schemeClr val="tx1"/>
+            </a:solidFill>
+          </a:ln>
+        </p:spPr>
+        <p:style>
+          <a:lnRef idx="2">
+            <a:schemeClr val="accent1">
+              <a:shade val="50000"/>
+            </a:schemeClr>
+          </a:lnRef>
+          <a:fillRef idx="1">
+            <a:schemeClr val="accent1"/>
+          </a:fillRef>
+          <a:effectRef idx="0">
+            <a:schemeClr val="accent1"/>
+          </a:effectRef>
+          <a:fontRef idx="minor">
+            <a:schemeClr val="lt1"/>
+          </a:fontRef>
+        </p:style>
+        <p:txBody>
+          <a:bodyPr rtlCol="0" anchor="ctr"/>
+          <a:lstStyle/>
+          <a:p>
+            <a:pPr algn="ctr"/>
+            <a:endParaRPr kumimoji="1" lang="ja-JP" altLang="en-US"/>
+          </a:p>
+        </p:txBody>
+      </p:sp>
+      <p:sp>
+        <p:nvSpPr>
+          <p:cNvPr id="11" name="正方形/長方形 10">
+            <a:extLst>
+              <a:ext uri="{FF2B5EF4-FFF2-40B4-BE49-F238E27FC236}">
+                <a16:creationId xmlns:a16="http://schemas.microsoft.com/office/drawing/2014/main" id="{7D997D07-2D46-4FE0-95DA-0471E7EF6F41}"/>
+              </a:ext>
+            </a:extLst>
+          </p:cNvPr>
+          <p:cNvSpPr/>
+          <p:nvPr/>
+        </p:nvSpPr>
+        <p:spPr>
+          <a:xfrm>
+            <a:off x="5292080" y="1772816"/>
+            <a:ext cx="720080" cy="432048"/>
+          </a:xfrm>
+          <a:prstGeom prst="rect">
+            <a:avLst/>
+          </a:prstGeom>
+          <a:solidFill>
+            <a:schemeClr val="accent1">
+              <a:lumMod val="20000"/>
+              <a:lumOff val="80000"/>
+            </a:schemeClr>
+          </a:solidFill>
+          <a:ln>
+            <a:solidFill>
+              <a:schemeClr val="tx1"/>
+            </a:solidFill>
+          </a:ln>
+        </p:spPr>
+        <p:style>
+          <a:lnRef idx="2">
+            <a:schemeClr val="accent1">
+              <a:shade val="50000"/>
+            </a:schemeClr>
+          </a:lnRef>
+          <a:fillRef idx="1">
+            <a:schemeClr val="accent1"/>
+          </a:fillRef>
+          <a:effectRef idx="0">
+            <a:schemeClr val="accent1"/>
+          </a:effectRef>
+          <a:fontRef idx="minor">
+            <a:schemeClr val="lt1"/>
+          </a:fontRef>
+        </p:style>
+        <p:txBody>
+          <a:bodyPr rtlCol="0" anchor="ctr"/>
+          <a:lstStyle/>
+          <a:p>
+            <a:pPr algn="ctr"/>
+            <a:endParaRPr kumimoji="1" lang="ja-JP" altLang="en-US"/>
+          </a:p>
+        </p:txBody>
+      </p:sp>
+      <p:sp>
+        <p:nvSpPr>
+          <p:cNvPr id="12" name="正方形/長方形 11">
+            <a:extLst>
+              <a:ext uri="{FF2B5EF4-FFF2-40B4-BE49-F238E27FC236}">
+                <a16:creationId xmlns:a16="http://schemas.microsoft.com/office/drawing/2014/main" id="{428B2A44-01B8-475F-850C-E3B5303A0E6B}"/>
+              </a:ext>
+            </a:extLst>
+          </p:cNvPr>
+          <p:cNvSpPr/>
+          <p:nvPr/>
+        </p:nvSpPr>
+        <p:spPr>
+          <a:xfrm>
+            <a:off x="6012160" y="1772816"/>
+            <a:ext cx="720080" cy="432048"/>
+          </a:xfrm>
+          <a:prstGeom prst="rect">
+            <a:avLst/>
+          </a:prstGeom>
+          <a:solidFill>
+            <a:schemeClr val="accent1">
+              <a:lumMod val="20000"/>
+              <a:lumOff val="80000"/>
+            </a:schemeClr>
+          </a:solidFill>
+          <a:ln>
+            <a:solidFill>
+              <a:schemeClr val="tx1"/>
+            </a:solidFill>
+          </a:ln>
+        </p:spPr>
+        <p:style>
+          <a:lnRef idx="2">
+            <a:schemeClr val="accent1">
+              <a:shade val="50000"/>
+            </a:schemeClr>
+          </a:lnRef>
+          <a:fillRef idx="1">
+            <a:schemeClr val="accent1"/>
+          </a:fillRef>
+          <a:effectRef idx="0">
+            <a:schemeClr val="accent1"/>
+          </a:effectRef>
+          <a:fontRef idx="minor">
+            <a:schemeClr val="lt1"/>
+          </a:fontRef>
+        </p:style>
+        <p:txBody>
+          <a:bodyPr rtlCol="0" anchor="ctr"/>
+          <a:lstStyle/>
+          <a:p>
+            <a:pPr algn="ctr"/>
+            <a:endParaRPr kumimoji="1" lang="ja-JP" altLang="en-US"/>
+          </a:p>
+        </p:txBody>
+      </p:sp>
+      <p:sp>
+        <p:nvSpPr>
+          <p:cNvPr id="13" name="正方形/長方形 12">
+            <a:extLst>
+              <a:ext uri="{FF2B5EF4-FFF2-40B4-BE49-F238E27FC236}">
+                <a16:creationId xmlns:a16="http://schemas.microsoft.com/office/drawing/2014/main" id="{B8D6B809-5968-4558-88FF-BBF45ED24CED}"/>
+              </a:ext>
+            </a:extLst>
+          </p:cNvPr>
+          <p:cNvSpPr/>
+          <p:nvPr/>
+        </p:nvSpPr>
+        <p:spPr>
+          <a:xfrm>
+            <a:off x="6732240" y="1772816"/>
+            <a:ext cx="720080" cy="432048"/>
+          </a:xfrm>
+          <a:prstGeom prst="rect">
+            <a:avLst/>
+          </a:prstGeom>
+          <a:solidFill>
+            <a:schemeClr val="accent1">
+              <a:lumMod val="20000"/>
+              <a:lumOff val="80000"/>
+            </a:schemeClr>
+          </a:solidFill>
+          <a:ln>
+            <a:solidFill>
+              <a:schemeClr val="tx1"/>
+            </a:solidFill>
+          </a:ln>
+        </p:spPr>
+        <p:style>
+          <a:lnRef idx="2">
+            <a:schemeClr val="accent1">
+              <a:shade val="50000"/>
+            </a:schemeClr>
+          </a:lnRef>
+          <a:fillRef idx="1">
+            <a:schemeClr val="accent1"/>
+          </a:fillRef>
+          <a:effectRef idx="0">
+            <a:schemeClr val="accent1"/>
+          </a:effectRef>
+          <a:fontRef idx="minor">
+            <a:schemeClr val="lt1"/>
+          </a:fontRef>
+        </p:style>
+        <p:txBody>
+          <a:bodyPr rtlCol="0" anchor="ctr"/>
+          <a:lstStyle/>
+          <a:p>
+            <a:pPr algn="ctr"/>
+            <a:endParaRPr kumimoji="1" lang="ja-JP" altLang="en-US"/>
+          </a:p>
+        </p:txBody>
+      </p:sp>
+      <p:sp>
+        <p:nvSpPr>
+          <p:cNvPr id="14" name="正方形/長方形 13">
+            <a:extLst>
+              <a:ext uri="{FF2B5EF4-FFF2-40B4-BE49-F238E27FC236}">
+                <a16:creationId xmlns:a16="http://schemas.microsoft.com/office/drawing/2014/main" id="{9EE4BBD3-1ABE-4F2D-9561-E27C21CB5604}"/>
+              </a:ext>
+            </a:extLst>
+          </p:cNvPr>
+          <p:cNvSpPr/>
+          <p:nvPr/>
+        </p:nvSpPr>
+        <p:spPr>
+          <a:xfrm>
+            <a:off x="7452320" y="1772816"/>
+            <a:ext cx="720080" cy="432048"/>
+          </a:xfrm>
+          <a:prstGeom prst="rect">
+            <a:avLst/>
+          </a:prstGeom>
+          <a:solidFill>
+            <a:schemeClr val="accent1">
+              <a:lumMod val="20000"/>
+              <a:lumOff val="80000"/>
+            </a:schemeClr>
+          </a:solidFill>
+          <a:ln>
+            <a:solidFill>
+              <a:schemeClr val="tx1"/>
+            </a:solidFill>
+          </a:ln>
+        </p:spPr>
+        <p:style>
+          <a:lnRef idx="2">
+            <a:schemeClr val="accent1">
+              <a:shade val="50000"/>
+            </a:schemeClr>
+          </a:lnRef>
+          <a:fillRef idx="1">
+            <a:schemeClr val="accent1"/>
+          </a:fillRef>
+          <a:effectRef idx="0">
+            <a:schemeClr val="accent1"/>
+          </a:effectRef>
+          <a:fontRef idx="minor">
+            <a:schemeClr val="lt1"/>
+          </a:fontRef>
+        </p:style>
+        <p:txBody>
+          <a:bodyPr rtlCol="0" anchor="ctr"/>
+          <a:lstStyle/>
+          <a:p>
+            <a:pPr algn="ctr"/>
+            <a:endParaRPr kumimoji="1" lang="ja-JP" altLang="en-US"/>
+          </a:p>
+        </p:txBody>
+      </p:sp>
+      <mc:AlternateContent xmlns:mc="http://schemas.openxmlformats.org/markup-compatibility/2006">
+        <mc:Choice xmlns:a14="http://schemas.microsoft.com/office/drawing/2010/main" Requires="a14">
+          <p:sp>
+            <p:nvSpPr>
+              <p:cNvPr id="16" name="正方形/長方形 15">
+                <a:extLst>
+                  <a:ext uri="{FF2B5EF4-FFF2-40B4-BE49-F238E27FC236}">
+                    <a16:creationId xmlns:a16="http://schemas.microsoft.com/office/drawing/2014/main" id="{45963B45-B70D-486F-872D-60B3CD400EFE}"/>
+                  </a:ext>
+                </a:extLst>
+              </p:cNvPr>
+              <p:cNvSpPr/>
+              <p:nvPr/>
+            </p:nvSpPr>
+            <p:spPr>
+              <a:xfrm>
+                <a:off x="1043608" y="1700808"/>
+                <a:ext cx="640111" cy="523220"/>
+              </a:xfrm>
+              <a:prstGeom prst="rect">
+                <a:avLst/>
+              </a:prstGeom>
+            </p:spPr>
+            <p:txBody>
+              <a:bodyPr wrap="none">
+                <a:spAutoFit/>
+              </a:bodyPr>
+              <a:lstStyle/>
+              <a:p>
+                <a:pPr/>
+                <a14:m>
+                  <m:oMathPara xmlns:m="http://schemas.openxmlformats.org/officeDocument/2006/math">
+                    <m:oMathParaPr>
+                      <m:jc m:val="centerGroup"/>
+                    </m:oMathParaPr>
+                    <m:oMath xmlns:m="http://schemas.openxmlformats.org/officeDocument/2006/math">
+                      <m:sSub>
+                        <m:sSubPr>
+                          <m:ctrlPr>
+                            <a:rPr lang="en-US" altLang="ja-JP" sz="2800" b="0" i="1" smtClean="0">
+                              <a:latin typeface="Cambria Math" panose="02040503050406030204" pitchFamily="18" charset="0"/>
+                            </a:rPr>
+                          </m:ctrlPr>
+                        </m:sSubPr>
+                        <m:e>
+                          <m:r>
+                            <a:rPr lang="en-US" altLang="ja-JP" sz="2800" b="0" i="1" smtClean="0">
+                              <a:latin typeface="Cambria Math" panose="02040503050406030204" pitchFamily="18" charset="0"/>
+                            </a:rPr>
+                            <m:t>𝜇</m:t>
+                          </m:r>
+                        </m:e>
+                        <m:sub>
+                          <m:r>
+                            <a:rPr lang="en-US" altLang="ja-JP" sz="2800" b="0" i="1" smtClean="0">
+                              <a:latin typeface="Cambria Math" panose="02040503050406030204" pitchFamily="18" charset="0"/>
+                            </a:rPr>
+                            <m:t>1</m:t>
+                          </m:r>
+                        </m:sub>
+                      </m:sSub>
+                    </m:oMath>
+                  </m:oMathPara>
+                </a14:m>
+                <a:endParaRPr lang="ja-JP" altLang="en-US" sz="2800" dirty="0"/>
+              </a:p>
+            </p:txBody>
+          </p:sp>
+        </mc:Choice>
+        <mc:Fallback>
+          <p:sp>
+            <p:nvSpPr>
+              <p:cNvPr id="16" name="正方形/長方形 15">
+                <a:extLst>
+                  <a:ext uri="{FF2B5EF4-FFF2-40B4-BE49-F238E27FC236}">
+                    <a16:creationId xmlns:a16="http://schemas.microsoft.com/office/drawing/2014/main" id="{45963B45-B70D-486F-872D-60B3CD400EFE}"/>
+                  </a:ext>
+                </a:extLst>
+              </p:cNvPr>
+              <p:cNvSpPr>
+                <a:spLocks noRot="1" noChangeAspect="1" noMove="1" noResize="1" noEditPoints="1" noAdjustHandles="1" noChangeArrowheads="1" noChangeShapeType="1" noTextEdit="1"/>
+              </p:cNvSpPr>
+              <p:nvPr/>
+            </p:nvSpPr>
+            <p:spPr>
+              <a:xfrm>
+                <a:off x="1043608" y="1700808"/>
+                <a:ext cx="640111" cy="523220"/>
+              </a:xfrm>
+              <a:prstGeom prst="rect">
+                <a:avLst/>
+              </a:prstGeom>
+              <a:blipFill>
+                <a:blip r:embed="rId2"/>
+                <a:stretch>
+                  <a:fillRect/>
+                </a:stretch>
+              </a:blipFill>
+            </p:spPr>
+            <p:txBody>
+              <a:bodyPr/>
+              <a:lstStyle/>
+              <a:p>
+                <a:r>
+                  <a:rPr lang="ja-JP" altLang="en-US">
+                    <a:noFill/>
+                  </a:rPr>
+                  <a:t> </a:t>
+                </a:r>
+              </a:p>
+            </p:txBody>
+          </p:sp>
+        </mc:Fallback>
+      </mc:AlternateContent>
+      <mc:AlternateContent xmlns:mc="http://schemas.openxmlformats.org/markup-compatibility/2006">
+        <mc:Choice xmlns:a14="http://schemas.microsoft.com/office/drawing/2010/main" Requires="a14">
+          <p:sp>
+            <p:nvSpPr>
+              <p:cNvPr id="17" name="正方形/長方形 16">
+                <a:extLst>
+                  <a:ext uri="{FF2B5EF4-FFF2-40B4-BE49-F238E27FC236}">
+                    <a16:creationId xmlns:a16="http://schemas.microsoft.com/office/drawing/2014/main" id="{CC2DD979-3328-452D-9625-8C0C13BA8163}"/>
+                  </a:ext>
+                </a:extLst>
+              </p:cNvPr>
+              <p:cNvSpPr/>
+              <p:nvPr/>
+            </p:nvSpPr>
+            <p:spPr>
+              <a:xfrm>
+                <a:off x="1763688" y="1700808"/>
+                <a:ext cx="648383" cy="523220"/>
+              </a:xfrm>
+              <a:prstGeom prst="rect">
+                <a:avLst/>
+              </a:prstGeom>
+            </p:spPr>
+            <p:txBody>
+              <a:bodyPr wrap="none">
+                <a:spAutoFit/>
+              </a:bodyPr>
+              <a:lstStyle/>
+              <a:p>
+                <a:pPr/>
+                <a14:m>
+                  <m:oMathPara xmlns:m="http://schemas.openxmlformats.org/officeDocument/2006/math">
+                    <m:oMathParaPr>
+                      <m:jc m:val="centerGroup"/>
+                    </m:oMathParaPr>
+                    <m:oMath xmlns:m="http://schemas.openxmlformats.org/officeDocument/2006/math">
+                      <m:sSub>
+                        <m:sSubPr>
+                          <m:ctrlPr>
+                            <a:rPr lang="en-US" altLang="ja-JP" sz="2800" b="0" i="1" smtClean="0">
+                              <a:latin typeface="Cambria Math" panose="02040503050406030204" pitchFamily="18" charset="0"/>
+                            </a:rPr>
+                          </m:ctrlPr>
+                        </m:sSubPr>
+                        <m:e>
+                          <m:r>
+                            <a:rPr lang="en-US" altLang="ja-JP" sz="2800" b="0" i="1" smtClean="0">
+                              <a:latin typeface="Cambria Math" panose="02040503050406030204" pitchFamily="18" charset="0"/>
+                            </a:rPr>
+                            <m:t>𝜇</m:t>
+                          </m:r>
+                        </m:e>
+                        <m:sub>
+                          <m:r>
+                            <a:rPr lang="en-US" altLang="ja-JP" sz="2800" b="0" i="1" smtClean="0">
+                              <a:latin typeface="Cambria Math" panose="02040503050406030204" pitchFamily="18" charset="0"/>
+                            </a:rPr>
+                            <m:t>2</m:t>
+                          </m:r>
+                        </m:sub>
+                      </m:sSub>
+                    </m:oMath>
+                  </m:oMathPara>
+                </a14:m>
+                <a:endParaRPr lang="ja-JP" altLang="en-US" sz="2800" dirty="0"/>
+              </a:p>
+            </p:txBody>
+          </p:sp>
+        </mc:Choice>
+        <mc:Fallback>
+          <p:sp>
+            <p:nvSpPr>
+              <p:cNvPr id="17" name="正方形/長方形 16">
+                <a:extLst>
+                  <a:ext uri="{FF2B5EF4-FFF2-40B4-BE49-F238E27FC236}">
+                    <a16:creationId xmlns:a16="http://schemas.microsoft.com/office/drawing/2014/main" id="{CC2DD979-3328-452D-9625-8C0C13BA8163}"/>
+                  </a:ext>
+                </a:extLst>
+              </p:cNvPr>
+              <p:cNvSpPr>
+                <a:spLocks noRot="1" noChangeAspect="1" noMove="1" noResize="1" noEditPoints="1" noAdjustHandles="1" noChangeArrowheads="1" noChangeShapeType="1" noTextEdit="1"/>
+              </p:cNvSpPr>
+              <p:nvPr/>
+            </p:nvSpPr>
+            <p:spPr>
+              <a:xfrm>
+                <a:off x="1763688" y="1700808"/>
+                <a:ext cx="648383" cy="523220"/>
+              </a:xfrm>
+              <a:prstGeom prst="rect">
+                <a:avLst/>
+              </a:prstGeom>
+              <a:blipFill>
+                <a:blip r:embed="rId3"/>
+                <a:stretch>
+                  <a:fillRect/>
+                </a:stretch>
+              </a:blipFill>
+            </p:spPr>
+            <p:txBody>
+              <a:bodyPr/>
+              <a:lstStyle/>
+              <a:p>
+                <a:r>
+                  <a:rPr lang="ja-JP" altLang="en-US">
+                    <a:noFill/>
+                  </a:rPr>
+                  <a:t> </a:t>
+                </a:r>
+              </a:p>
+            </p:txBody>
+          </p:sp>
+        </mc:Fallback>
+      </mc:AlternateContent>
+      <p:sp>
+        <p:nvSpPr>
+          <p:cNvPr id="18" name="テキスト ボックス 17">
+            <a:extLst>
+              <a:ext uri="{FF2B5EF4-FFF2-40B4-BE49-F238E27FC236}">
+                <a16:creationId xmlns:a16="http://schemas.microsoft.com/office/drawing/2014/main" id="{02D5CAFB-476D-435C-AC52-60B5B0EB2886}"/>
+              </a:ext>
+            </a:extLst>
+          </p:cNvPr>
+          <p:cNvSpPr txBox="1"/>
+          <p:nvPr/>
+        </p:nvSpPr>
+        <p:spPr>
+          <a:xfrm>
+            <a:off x="899592" y="1340768"/>
+            <a:ext cx="4801314" cy="400110"/>
+          </a:xfrm>
+          <a:prstGeom prst="rect">
+            <a:avLst/>
+          </a:prstGeom>
+          <a:noFill/>
+        </p:spPr>
+        <p:txBody>
+          <a:bodyPr wrap="none" rtlCol="0">
+            <a:spAutoFit/>
+          </a:bodyPr>
+          <a:lstStyle/>
+          <a:p>
+            <a:r>
+              <a:rPr kumimoji="1" lang="ja-JP" altLang="en-US" sz="2000" dirty="0"/>
+              <a:t>それぞれのブロックで期待値を計算する</a:t>
+            </a:r>
+          </a:p>
+        </p:txBody>
+      </p:sp>
+      <mc:AlternateContent xmlns:mc="http://schemas.openxmlformats.org/markup-compatibility/2006">
+        <mc:Choice xmlns:a14="http://schemas.microsoft.com/office/drawing/2010/main" Requires="a14">
+          <p:sp>
+            <p:nvSpPr>
+              <p:cNvPr id="19" name="正方形/長方形 18">
+                <a:extLst>
+                  <a:ext uri="{FF2B5EF4-FFF2-40B4-BE49-F238E27FC236}">
+                    <a16:creationId xmlns:a16="http://schemas.microsoft.com/office/drawing/2014/main" id="{7A6BA069-12C2-4EEC-9949-40FB65B50F98}"/>
+                  </a:ext>
+                </a:extLst>
+              </p:cNvPr>
+              <p:cNvSpPr/>
+              <p:nvPr/>
+            </p:nvSpPr>
+            <p:spPr>
+              <a:xfrm>
+                <a:off x="2483768" y="1700808"/>
+                <a:ext cx="591829" cy="523220"/>
+              </a:xfrm>
+              <a:prstGeom prst="rect">
+                <a:avLst/>
+              </a:prstGeom>
+            </p:spPr>
+            <p:txBody>
+              <a:bodyPr wrap="none">
+                <a:spAutoFit/>
+              </a:bodyPr>
+              <a:lstStyle/>
+              <a:p>
+                <a:pPr/>
+                <a14:m>
+                  <m:oMathPara xmlns:m="http://schemas.openxmlformats.org/officeDocument/2006/math">
+                    <m:oMathParaPr>
+                      <m:jc m:val="centerGroup"/>
+                    </m:oMathParaPr>
+                    <m:oMath xmlns:m="http://schemas.openxmlformats.org/officeDocument/2006/math">
+                      <m:r>
+                        <a:rPr lang="en-US" altLang="ja-JP" sz="2800" b="0" i="1" smtClean="0">
+                          <a:latin typeface="Cambria Math" panose="02040503050406030204" pitchFamily="18" charset="0"/>
+                        </a:rPr>
+                        <m:t>⋯</m:t>
+                      </m:r>
+                    </m:oMath>
+                  </m:oMathPara>
+                </a14:m>
+                <a:endParaRPr lang="ja-JP" altLang="en-US" sz="2800" dirty="0"/>
+              </a:p>
+            </p:txBody>
+          </p:sp>
+        </mc:Choice>
+        <mc:Fallback>
+          <p:sp>
+            <p:nvSpPr>
+              <p:cNvPr id="19" name="正方形/長方形 18">
+                <a:extLst>
+                  <a:ext uri="{FF2B5EF4-FFF2-40B4-BE49-F238E27FC236}">
+                    <a16:creationId xmlns:a16="http://schemas.microsoft.com/office/drawing/2014/main" id="{7A6BA069-12C2-4EEC-9949-40FB65B50F98}"/>
+                  </a:ext>
+                </a:extLst>
+              </p:cNvPr>
+              <p:cNvSpPr>
+                <a:spLocks noRot="1" noChangeAspect="1" noMove="1" noResize="1" noEditPoints="1" noAdjustHandles="1" noChangeArrowheads="1" noChangeShapeType="1" noTextEdit="1"/>
+              </p:cNvSpPr>
+              <p:nvPr/>
+            </p:nvSpPr>
+            <p:spPr>
+              <a:xfrm>
+                <a:off x="2483768" y="1700808"/>
+                <a:ext cx="591829" cy="523220"/>
+              </a:xfrm>
+              <a:prstGeom prst="rect">
+                <a:avLst/>
+              </a:prstGeom>
+              <a:blipFill>
+                <a:blip r:embed="rId4"/>
+                <a:stretch>
+                  <a:fillRect/>
+                </a:stretch>
+              </a:blipFill>
+            </p:spPr>
+            <p:txBody>
+              <a:bodyPr/>
+              <a:lstStyle/>
+              <a:p>
+                <a:r>
+                  <a:rPr lang="ja-JP" altLang="en-US">
+                    <a:noFill/>
+                  </a:rPr>
+                  <a:t> </a:t>
+                </a:r>
+              </a:p>
+            </p:txBody>
+          </p:sp>
+        </mc:Fallback>
+      </mc:AlternateContent>
+      <p:sp>
+        <p:nvSpPr>
+          <p:cNvPr id="20" name="正方形/長方形 19">
+            <a:extLst>
+              <a:ext uri="{FF2B5EF4-FFF2-40B4-BE49-F238E27FC236}">
+                <a16:creationId xmlns:a16="http://schemas.microsoft.com/office/drawing/2014/main" id="{010BEB55-6D92-4C96-B27F-94B348E41962}"/>
+              </a:ext>
+            </a:extLst>
+          </p:cNvPr>
+          <p:cNvSpPr/>
+          <p:nvPr/>
+        </p:nvSpPr>
+        <p:spPr>
+          <a:xfrm>
+            <a:off x="971600" y="2996952"/>
+            <a:ext cx="720080" cy="432048"/>
+          </a:xfrm>
+          <a:prstGeom prst="rect">
+            <a:avLst/>
+          </a:prstGeom>
+          <a:solidFill>
+            <a:schemeClr val="accent1">
+              <a:lumMod val="20000"/>
+              <a:lumOff val="80000"/>
+            </a:schemeClr>
+          </a:solidFill>
+          <a:ln>
+            <a:solidFill>
+              <a:schemeClr val="tx1"/>
+            </a:solidFill>
+          </a:ln>
+        </p:spPr>
+        <p:style>
+          <a:lnRef idx="2">
+            <a:schemeClr val="accent1">
+              <a:shade val="50000"/>
+            </a:schemeClr>
+          </a:lnRef>
+          <a:fillRef idx="1">
+            <a:schemeClr val="accent1"/>
+          </a:fillRef>
+          <a:effectRef idx="0">
+            <a:schemeClr val="accent1"/>
+          </a:effectRef>
+          <a:fontRef idx="minor">
+            <a:schemeClr val="lt1"/>
+          </a:fontRef>
+        </p:style>
+        <p:txBody>
+          <a:bodyPr rtlCol="0" anchor="ctr"/>
+          <a:lstStyle/>
+          <a:p>
+            <a:pPr algn="ctr"/>
+            <a:endParaRPr kumimoji="1" lang="ja-JP" altLang="en-US"/>
+          </a:p>
+        </p:txBody>
+      </p:sp>
+      <p:sp>
+        <p:nvSpPr>
+          <p:cNvPr id="21" name="正方形/長方形 20">
+            <a:extLst>
+              <a:ext uri="{FF2B5EF4-FFF2-40B4-BE49-F238E27FC236}">
+                <a16:creationId xmlns:a16="http://schemas.microsoft.com/office/drawing/2014/main" id="{776535EE-9FE6-4631-8B82-B9565A9B0D8B}"/>
+              </a:ext>
+            </a:extLst>
+          </p:cNvPr>
+          <p:cNvSpPr/>
+          <p:nvPr/>
+        </p:nvSpPr>
+        <p:spPr>
+          <a:xfrm>
+            <a:off x="1691680" y="2996952"/>
+            <a:ext cx="720080" cy="432048"/>
+          </a:xfrm>
+          <a:prstGeom prst="rect">
+            <a:avLst/>
+          </a:prstGeom>
+          <a:solidFill>
+            <a:schemeClr val="accent1">
+              <a:lumMod val="20000"/>
+              <a:lumOff val="80000"/>
+            </a:schemeClr>
+          </a:solidFill>
+          <a:ln>
+            <a:solidFill>
+              <a:schemeClr val="tx1"/>
+            </a:solidFill>
+          </a:ln>
+        </p:spPr>
+        <p:style>
+          <a:lnRef idx="2">
+            <a:schemeClr val="accent1">
+              <a:shade val="50000"/>
+            </a:schemeClr>
+          </a:lnRef>
+          <a:fillRef idx="1">
+            <a:schemeClr val="accent1"/>
+          </a:fillRef>
+          <a:effectRef idx="0">
+            <a:schemeClr val="accent1"/>
+          </a:effectRef>
+          <a:fontRef idx="minor">
+            <a:schemeClr val="lt1"/>
+          </a:fontRef>
+        </p:style>
+        <p:txBody>
+          <a:bodyPr rtlCol="0" anchor="ctr"/>
+          <a:lstStyle/>
+          <a:p>
+            <a:pPr algn="ctr"/>
+            <a:endParaRPr kumimoji="1" lang="ja-JP" altLang="en-US"/>
+          </a:p>
+        </p:txBody>
+      </p:sp>
+      <p:sp>
+        <p:nvSpPr>
+          <p:cNvPr id="22" name="正方形/長方形 21">
+            <a:extLst>
+              <a:ext uri="{FF2B5EF4-FFF2-40B4-BE49-F238E27FC236}">
+                <a16:creationId xmlns:a16="http://schemas.microsoft.com/office/drawing/2014/main" id="{83A8D222-828B-40C1-B8D8-E8BB8BA48191}"/>
+              </a:ext>
+            </a:extLst>
+          </p:cNvPr>
+          <p:cNvSpPr/>
+          <p:nvPr/>
+        </p:nvSpPr>
+        <p:spPr>
+          <a:xfrm>
+            <a:off x="2411760" y="2996952"/>
+            <a:ext cx="720080" cy="432048"/>
+          </a:xfrm>
+          <a:prstGeom prst="rect">
+            <a:avLst/>
+          </a:prstGeom>
+          <a:solidFill>
+            <a:schemeClr val="accent1">
+              <a:lumMod val="20000"/>
+              <a:lumOff val="80000"/>
+            </a:schemeClr>
+          </a:solidFill>
+          <a:ln>
+            <a:solidFill>
+              <a:schemeClr val="tx1"/>
+            </a:solidFill>
+          </a:ln>
+        </p:spPr>
+        <p:style>
+          <a:lnRef idx="2">
+            <a:schemeClr val="accent1">
+              <a:shade val="50000"/>
+            </a:schemeClr>
+          </a:lnRef>
+          <a:fillRef idx="1">
+            <a:schemeClr val="accent1"/>
+          </a:fillRef>
+          <a:effectRef idx="0">
+            <a:schemeClr val="accent1"/>
+          </a:effectRef>
+          <a:fontRef idx="minor">
+            <a:schemeClr val="lt1"/>
+          </a:fontRef>
+        </p:style>
+        <p:txBody>
+          <a:bodyPr rtlCol="0" anchor="ctr"/>
+          <a:lstStyle/>
+          <a:p>
+            <a:pPr algn="ctr"/>
+            <a:endParaRPr kumimoji="1" lang="ja-JP" altLang="en-US"/>
+          </a:p>
+        </p:txBody>
+      </p:sp>
+      <p:sp>
+        <p:nvSpPr>
+          <p:cNvPr id="23" name="正方形/長方形 22">
+            <a:extLst>
+              <a:ext uri="{FF2B5EF4-FFF2-40B4-BE49-F238E27FC236}">
+                <a16:creationId xmlns:a16="http://schemas.microsoft.com/office/drawing/2014/main" id="{3B4935EC-6BC6-48B5-8BBA-F2FFB20EB276}"/>
+              </a:ext>
+            </a:extLst>
+          </p:cNvPr>
+          <p:cNvSpPr/>
+          <p:nvPr/>
+        </p:nvSpPr>
+        <p:spPr>
+          <a:xfrm>
+            <a:off x="3131840" y="2996952"/>
+            <a:ext cx="720080" cy="432048"/>
+          </a:xfrm>
+          <a:prstGeom prst="rect">
+            <a:avLst/>
+          </a:prstGeom>
+          <a:solidFill>
+            <a:schemeClr val="accent1">
+              <a:lumMod val="20000"/>
+              <a:lumOff val="80000"/>
+            </a:schemeClr>
+          </a:solidFill>
+          <a:ln>
+            <a:solidFill>
+              <a:schemeClr val="tx1"/>
+            </a:solidFill>
+          </a:ln>
+        </p:spPr>
+        <p:style>
+          <a:lnRef idx="2">
+            <a:schemeClr val="accent1">
+              <a:shade val="50000"/>
+            </a:schemeClr>
+          </a:lnRef>
+          <a:fillRef idx="1">
+            <a:schemeClr val="accent1"/>
+          </a:fillRef>
+          <a:effectRef idx="0">
+            <a:schemeClr val="accent1"/>
+          </a:effectRef>
+          <a:fontRef idx="minor">
+            <a:schemeClr val="lt1"/>
+          </a:fontRef>
+        </p:style>
+        <p:txBody>
+          <a:bodyPr rtlCol="0" anchor="ctr"/>
+          <a:lstStyle/>
+          <a:p>
+            <a:pPr algn="ctr"/>
+            <a:endParaRPr kumimoji="1" lang="ja-JP" altLang="en-US"/>
+          </a:p>
+        </p:txBody>
+      </p:sp>
+      <p:sp>
+        <p:nvSpPr>
+          <p:cNvPr id="24" name="正方形/長方形 23">
+            <a:extLst>
+              <a:ext uri="{FF2B5EF4-FFF2-40B4-BE49-F238E27FC236}">
+                <a16:creationId xmlns:a16="http://schemas.microsoft.com/office/drawing/2014/main" id="{9E980066-6AED-40B9-8E13-BAAB4528BC1E}"/>
+              </a:ext>
+            </a:extLst>
+          </p:cNvPr>
+          <p:cNvSpPr/>
+          <p:nvPr/>
+        </p:nvSpPr>
+        <p:spPr>
+          <a:xfrm>
+            <a:off x="3851920" y="2996952"/>
+            <a:ext cx="720080" cy="432048"/>
+          </a:xfrm>
+          <a:prstGeom prst="rect">
+            <a:avLst/>
+          </a:prstGeom>
+          <a:solidFill>
+            <a:schemeClr val="accent1">
+              <a:lumMod val="20000"/>
+              <a:lumOff val="80000"/>
+            </a:schemeClr>
+          </a:solidFill>
+          <a:ln>
+            <a:solidFill>
+              <a:schemeClr val="tx1"/>
+            </a:solidFill>
+          </a:ln>
+        </p:spPr>
+        <p:style>
+          <a:lnRef idx="2">
+            <a:schemeClr val="accent1">
+              <a:shade val="50000"/>
+            </a:schemeClr>
+          </a:lnRef>
+          <a:fillRef idx="1">
+            <a:schemeClr val="accent1"/>
+          </a:fillRef>
+          <a:effectRef idx="0">
+            <a:schemeClr val="accent1"/>
+          </a:effectRef>
+          <a:fontRef idx="minor">
+            <a:schemeClr val="lt1"/>
+          </a:fontRef>
+        </p:style>
+        <p:txBody>
+          <a:bodyPr rtlCol="0" anchor="ctr"/>
+          <a:lstStyle/>
+          <a:p>
+            <a:pPr algn="ctr"/>
+            <a:endParaRPr kumimoji="1" lang="ja-JP" altLang="en-US"/>
+          </a:p>
+        </p:txBody>
+      </p:sp>
+      <p:sp>
+        <p:nvSpPr>
+          <p:cNvPr id="25" name="正方形/長方形 24">
+            <a:extLst>
+              <a:ext uri="{FF2B5EF4-FFF2-40B4-BE49-F238E27FC236}">
+                <a16:creationId xmlns:a16="http://schemas.microsoft.com/office/drawing/2014/main" id="{26C2B1E8-5CEB-4261-8A08-7CF3985A3886}"/>
+              </a:ext>
+            </a:extLst>
+          </p:cNvPr>
+          <p:cNvSpPr/>
+          <p:nvPr/>
+        </p:nvSpPr>
+        <p:spPr>
+          <a:xfrm>
+            <a:off x="4572000" y="2996952"/>
+            <a:ext cx="720080" cy="432048"/>
+          </a:xfrm>
+          <a:prstGeom prst="rect">
+            <a:avLst/>
+          </a:prstGeom>
+          <a:solidFill>
+            <a:schemeClr val="accent1">
+              <a:lumMod val="20000"/>
+              <a:lumOff val="80000"/>
+            </a:schemeClr>
+          </a:solidFill>
+          <a:ln>
+            <a:solidFill>
+              <a:schemeClr val="tx1"/>
+            </a:solidFill>
+          </a:ln>
+        </p:spPr>
+        <p:style>
+          <a:lnRef idx="2">
+            <a:schemeClr val="accent1">
+              <a:shade val="50000"/>
+            </a:schemeClr>
+          </a:lnRef>
+          <a:fillRef idx="1">
+            <a:schemeClr val="accent1"/>
+          </a:fillRef>
+          <a:effectRef idx="0">
+            <a:schemeClr val="accent1"/>
+          </a:effectRef>
+          <a:fontRef idx="minor">
+            <a:schemeClr val="lt1"/>
+          </a:fontRef>
+        </p:style>
+        <p:txBody>
+          <a:bodyPr rtlCol="0" anchor="ctr"/>
+          <a:lstStyle/>
+          <a:p>
+            <a:pPr algn="ctr"/>
+            <a:endParaRPr kumimoji="1" lang="ja-JP" altLang="en-US"/>
+          </a:p>
+        </p:txBody>
+      </p:sp>
+      <p:sp>
+        <p:nvSpPr>
+          <p:cNvPr id="26" name="正方形/長方形 25">
+            <a:extLst>
+              <a:ext uri="{FF2B5EF4-FFF2-40B4-BE49-F238E27FC236}">
+                <a16:creationId xmlns:a16="http://schemas.microsoft.com/office/drawing/2014/main" id="{C9DB6206-9C25-4CC8-BA1C-DAD94D896499}"/>
+              </a:ext>
+            </a:extLst>
+          </p:cNvPr>
+          <p:cNvSpPr/>
+          <p:nvPr/>
+        </p:nvSpPr>
+        <p:spPr>
+          <a:xfrm>
+            <a:off x="5292080" y="2996952"/>
+            <a:ext cx="720080" cy="432048"/>
+          </a:xfrm>
+          <a:prstGeom prst="rect">
+            <a:avLst/>
+          </a:prstGeom>
+          <a:solidFill>
+            <a:schemeClr val="accent1">
+              <a:lumMod val="20000"/>
+              <a:lumOff val="80000"/>
+            </a:schemeClr>
+          </a:solidFill>
+          <a:ln>
+            <a:solidFill>
+              <a:schemeClr val="tx1"/>
+            </a:solidFill>
+          </a:ln>
+        </p:spPr>
+        <p:style>
+          <a:lnRef idx="2">
+            <a:schemeClr val="accent1">
+              <a:shade val="50000"/>
+            </a:schemeClr>
+          </a:lnRef>
+          <a:fillRef idx="1">
+            <a:schemeClr val="accent1"/>
+          </a:fillRef>
+          <a:effectRef idx="0">
+            <a:schemeClr val="accent1"/>
+          </a:effectRef>
+          <a:fontRef idx="minor">
+            <a:schemeClr val="lt1"/>
+          </a:fontRef>
+        </p:style>
+        <p:txBody>
+          <a:bodyPr rtlCol="0" anchor="ctr"/>
+          <a:lstStyle/>
+          <a:p>
+            <a:pPr algn="ctr"/>
+            <a:endParaRPr kumimoji="1" lang="ja-JP" altLang="en-US"/>
+          </a:p>
+        </p:txBody>
+      </p:sp>
+      <p:sp>
+        <p:nvSpPr>
+          <p:cNvPr id="27" name="正方形/長方形 26">
+            <a:extLst>
+              <a:ext uri="{FF2B5EF4-FFF2-40B4-BE49-F238E27FC236}">
+                <a16:creationId xmlns:a16="http://schemas.microsoft.com/office/drawing/2014/main" id="{FE298C24-0E41-4C3B-8F59-3CE2B282FEB4}"/>
+              </a:ext>
+            </a:extLst>
+          </p:cNvPr>
+          <p:cNvSpPr/>
+          <p:nvPr/>
+        </p:nvSpPr>
+        <p:spPr>
+          <a:xfrm>
+            <a:off x="6012160" y="2996952"/>
+            <a:ext cx="720080" cy="432048"/>
+          </a:xfrm>
+          <a:prstGeom prst="rect">
+            <a:avLst/>
+          </a:prstGeom>
+          <a:solidFill>
+            <a:schemeClr val="accent1">
+              <a:lumMod val="20000"/>
+              <a:lumOff val="80000"/>
+            </a:schemeClr>
+          </a:solidFill>
+          <a:ln>
+            <a:solidFill>
+              <a:schemeClr val="tx1"/>
+            </a:solidFill>
+          </a:ln>
+        </p:spPr>
+        <p:style>
+          <a:lnRef idx="2">
+            <a:schemeClr val="accent1">
+              <a:shade val="50000"/>
+            </a:schemeClr>
+          </a:lnRef>
+          <a:fillRef idx="1">
+            <a:schemeClr val="accent1"/>
+          </a:fillRef>
+          <a:effectRef idx="0">
+            <a:schemeClr val="accent1"/>
+          </a:effectRef>
+          <a:fontRef idx="minor">
+            <a:schemeClr val="lt1"/>
+          </a:fontRef>
+        </p:style>
+        <p:txBody>
+          <a:bodyPr rtlCol="0" anchor="ctr"/>
+          <a:lstStyle/>
+          <a:p>
+            <a:pPr algn="ctr"/>
+            <a:endParaRPr kumimoji="1" lang="ja-JP" altLang="en-US"/>
+          </a:p>
+        </p:txBody>
+      </p:sp>
+      <p:sp>
+        <p:nvSpPr>
+          <p:cNvPr id="28" name="正方形/長方形 27">
+            <a:extLst>
+              <a:ext uri="{FF2B5EF4-FFF2-40B4-BE49-F238E27FC236}">
+                <a16:creationId xmlns:a16="http://schemas.microsoft.com/office/drawing/2014/main" id="{10194B88-CD50-42D8-9B34-E10849D977D1}"/>
+              </a:ext>
+            </a:extLst>
+          </p:cNvPr>
+          <p:cNvSpPr/>
+          <p:nvPr/>
+        </p:nvSpPr>
+        <p:spPr>
+          <a:xfrm>
+            <a:off x="6732240" y="2996952"/>
+            <a:ext cx="720080" cy="432048"/>
+          </a:xfrm>
+          <a:prstGeom prst="rect">
+            <a:avLst/>
+          </a:prstGeom>
+          <a:solidFill>
+            <a:schemeClr val="accent1">
+              <a:lumMod val="20000"/>
+              <a:lumOff val="80000"/>
+            </a:schemeClr>
+          </a:solidFill>
+          <a:ln>
+            <a:solidFill>
+              <a:schemeClr val="tx1"/>
+            </a:solidFill>
+          </a:ln>
+        </p:spPr>
+        <p:style>
+          <a:lnRef idx="2">
+            <a:schemeClr val="accent1">
+              <a:shade val="50000"/>
+            </a:schemeClr>
+          </a:lnRef>
+          <a:fillRef idx="1">
+            <a:schemeClr val="accent1"/>
+          </a:fillRef>
+          <a:effectRef idx="0">
+            <a:schemeClr val="accent1"/>
+          </a:effectRef>
+          <a:fontRef idx="minor">
+            <a:schemeClr val="lt1"/>
+          </a:fontRef>
+        </p:style>
+        <p:txBody>
+          <a:bodyPr rtlCol="0" anchor="ctr"/>
+          <a:lstStyle/>
+          <a:p>
+            <a:pPr algn="ctr"/>
+            <a:endParaRPr kumimoji="1" lang="ja-JP" altLang="en-US"/>
+          </a:p>
+        </p:txBody>
+      </p:sp>
+      <p:sp>
+        <p:nvSpPr>
+          <p:cNvPr id="29" name="正方形/長方形 28">
+            <a:extLst>
+              <a:ext uri="{FF2B5EF4-FFF2-40B4-BE49-F238E27FC236}">
+                <a16:creationId xmlns:a16="http://schemas.microsoft.com/office/drawing/2014/main" id="{B669D54F-7CF6-49D9-8227-EC16D561311E}"/>
+              </a:ext>
+            </a:extLst>
+          </p:cNvPr>
+          <p:cNvSpPr/>
+          <p:nvPr/>
+        </p:nvSpPr>
+        <p:spPr>
+          <a:xfrm>
+            <a:off x="7452320" y="2996952"/>
+            <a:ext cx="720080" cy="432048"/>
+          </a:xfrm>
+          <a:prstGeom prst="rect">
+            <a:avLst/>
+          </a:prstGeom>
+          <a:solidFill>
+            <a:schemeClr val="accent1">
+              <a:lumMod val="20000"/>
+              <a:lumOff val="80000"/>
+            </a:schemeClr>
+          </a:solidFill>
+          <a:ln>
+            <a:solidFill>
+              <a:schemeClr val="tx1"/>
+            </a:solidFill>
+          </a:ln>
+        </p:spPr>
+        <p:style>
+          <a:lnRef idx="2">
+            <a:schemeClr val="accent1">
+              <a:shade val="50000"/>
+            </a:schemeClr>
+          </a:lnRef>
+          <a:fillRef idx="1">
+            <a:schemeClr val="accent1"/>
+          </a:fillRef>
+          <a:effectRef idx="0">
+            <a:schemeClr val="accent1"/>
+          </a:effectRef>
+          <a:fontRef idx="minor">
+            <a:schemeClr val="lt1"/>
+          </a:fontRef>
+        </p:style>
+        <p:txBody>
+          <a:bodyPr rtlCol="0" anchor="ctr"/>
+          <a:lstStyle/>
+          <a:p>
+            <a:pPr algn="ctr"/>
+            <a:endParaRPr kumimoji="1" lang="ja-JP" altLang="en-US"/>
+          </a:p>
+        </p:txBody>
+      </p:sp>
+      <mc:AlternateContent xmlns:mc="http://schemas.openxmlformats.org/markup-compatibility/2006">
+        <mc:Choice xmlns:a14="http://schemas.microsoft.com/office/drawing/2010/main" Requires="a14">
+          <p:sp>
+            <p:nvSpPr>
+              <p:cNvPr id="30" name="正方形/長方形 29">
+                <a:extLst>
+                  <a:ext uri="{FF2B5EF4-FFF2-40B4-BE49-F238E27FC236}">
+                    <a16:creationId xmlns:a16="http://schemas.microsoft.com/office/drawing/2014/main" id="{58585C93-412D-49A5-B33B-988ACC2CA86D}"/>
+                  </a:ext>
+                </a:extLst>
+              </p:cNvPr>
+              <p:cNvSpPr/>
+              <p:nvPr/>
+            </p:nvSpPr>
+            <p:spPr>
+              <a:xfrm>
+                <a:off x="971600" y="2996952"/>
+                <a:ext cx="777649" cy="400110"/>
+              </a:xfrm>
+              <a:prstGeom prst="rect">
+                <a:avLst/>
+              </a:prstGeom>
+            </p:spPr>
+            <p:txBody>
+              <a:bodyPr wrap="none">
+                <a:spAutoFit/>
+              </a:bodyPr>
+              <a:lstStyle/>
+              <a:p>
+                <a:pPr/>
+                <a14:m>
+                  <m:oMathPara xmlns:m="http://schemas.openxmlformats.org/officeDocument/2006/math">
+                    <m:oMathParaPr>
+                      <m:jc m:val="centerGroup"/>
+                    </m:oMathParaPr>
+                    <m:oMath xmlns:m="http://schemas.openxmlformats.org/officeDocument/2006/math">
+                      <m:sSub>
+                        <m:sSubPr>
+                          <m:ctrlPr>
+                            <a:rPr lang="en-US" altLang="ja-JP" sz="2000" b="0" i="1" smtClean="0">
+                              <a:latin typeface="Cambria Math" panose="02040503050406030204" pitchFamily="18" charset="0"/>
+                            </a:rPr>
+                          </m:ctrlPr>
+                        </m:sSubPr>
+                        <m:e>
+                          <m:r>
+                            <a:rPr lang="en-US" altLang="ja-JP" sz="2000" b="0" i="1" smtClean="0">
+                              <a:latin typeface="Cambria Math" panose="02040503050406030204" pitchFamily="18" charset="0"/>
+                            </a:rPr>
+                            <m:t>1/</m:t>
+                          </m:r>
+                          <m:r>
+                            <a:rPr lang="en-US" altLang="ja-JP" sz="2000" b="0" i="1" smtClean="0">
+                              <a:latin typeface="Cambria Math" panose="02040503050406030204" pitchFamily="18" charset="0"/>
+                            </a:rPr>
+                            <m:t>𝜇</m:t>
+                          </m:r>
+                        </m:e>
+                        <m:sub>
+                          <m:r>
+                            <a:rPr lang="en-US" altLang="ja-JP" sz="2000" b="0" i="1" smtClean="0">
+                              <a:latin typeface="Cambria Math" panose="02040503050406030204" pitchFamily="18" charset="0"/>
+                            </a:rPr>
+                            <m:t>1</m:t>
+                          </m:r>
+                        </m:sub>
+                      </m:sSub>
+                    </m:oMath>
+                  </m:oMathPara>
+                </a14:m>
+                <a:endParaRPr lang="ja-JP" altLang="en-US" sz="2000" dirty="0"/>
+              </a:p>
+            </p:txBody>
+          </p:sp>
+        </mc:Choice>
+        <mc:Fallback>
+          <p:sp>
+            <p:nvSpPr>
+              <p:cNvPr id="30" name="正方形/長方形 29">
+                <a:extLst>
+                  <a:ext uri="{FF2B5EF4-FFF2-40B4-BE49-F238E27FC236}">
+                    <a16:creationId xmlns:a16="http://schemas.microsoft.com/office/drawing/2014/main" id="{58585C93-412D-49A5-B33B-988ACC2CA86D}"/>
+                  </a:ext>
+                </a:extLst>
+              </p:cNvPr>
+              <p:cNvSpPr>
+                <a:spLocks noRot="1" noChangeAspect="1" noMove="1" noResize="1" noEditPoints="1" noAdjustHandles="1" noChangeArrowheads="1" noChangeShapeType="1" noTextEdit="1"/>
+              </p:cNvSpPr>
+              <p:nvPr/>
+            </p:nvSpPr>
+            <p:spPr>
+              <a:xfrm>
+                <a:off x="971600" y="2996952"/>
+                <a:ext cx="777649" cy="400110"/>
+              </a:xfrm>
+              <a:prstGeom prst="rect">
+                <a:avLst/>
+              </a:prstGeom>
+              <a:blipFill>
+                <a:blip r:embed="rId5"/>
+                <a:stretch>
+                  <a:fillRect b="-18462"/>
+                </a:stretch>
+              </a:blipFill>
+            </p:spPr>
+            <p:txBody>
+              <a:bodyPr/>
+              <a:lstStyle/>
+              <a:p>
+                <a:r>
+                  <a:rPr lang="ja-JP" altLang="en-US">
+                    <a:noFill/>
+                  </a:rPr>
+                  <a:t> </a:t>
+                </a:r>
+              </a:p>
+            </p:txBody>
+          </p:sp>
+        </mc:Fallback>
+      </mc:AlternateContent>
+      <mc:AlternateContent xmlns:mc="http://schemas.openxmlformats.org/markup-compatibility/2006">
+        <mc:Choice xmlns:a14="http://schemas.microsoft.com/office/drawing/2010/main" Requires="a14">
+          <p:sp>
+            <p:nvSpPr>
+              <p:cNvPr id="32" name="正方形/長方形 31">
+                <a:extLst>
+                  <a:ext uri="{FF2B5EF4-FFF2-40B4-BE49-F238E27FC236}">
+                    <a16:creationId xmlns:a16="http://schemas.microsoft.com/office/drawing/2014/main" id="{B023A868-C903-4E64-86CF-5411D18730E8}"/>
+                  </a:ext>
+                </a:extLst>
+              </p:cNvPr>
+              <p:cNvSpPr/>
+              <p:nvPr/>
+            </p:nvSpPr>
+            <p:spPr>
+              <a:xfrm>
+                <a:off x="2483768" y="2924944"/>
+                <a:ext cx="591829" cy="523220"/>
+              </a:xfrm>
+              <a:prstGeom prst="rect">
+                <a:avLst/>
+              </a:prstGeom>
+            </p:spPr>
+            <p:txBody>
+              <a:bodyPr wrap="none">
+                <a:spAutoFit/>
+              </a:bodyPr>
+              <a:lstStyle/>
+              <a:p>
+                <a:pPr/>
+                <a14:m>
+                  <m:oMathPara xmlns:m="http://schemas.openxmlformats.org/officeDocument/2006/math">
+                    <m:oMathParaPr>
+                      <m:jc m:val="centerGroup"/>
+                    </m:oMathParaPr>
+                    <m:oMath xmlns:m="http://schemas.openxmlformats.org/officeDocument/2006/math">
+                      <m:r>
+                        <a:rPr lang="en-US" altLang="ja-JP" sz="2800" b="0" i="1" smtClean="0">
+                          <a:latin typeface="Cambria Math" panose="02040503050406030204" pitchFamily="18" charset="0"/>
+                        </a:rPr>
+                        <m:t>⋯</m:t>
+                      </m:r>
+                    </m:oMath>
+                  </m:oMathPara>
+                </a14:m>
+                <a:endParaRPr lang="ja-JP" altLang="en-US" sz="2800" dirty="0"/>
+              </a:p>
+            </p:txBody>
+          </p:sp>
+        </mc:Choice>
+        <mc:Fallback>
+          <p:sp>
+            <p:nvSpPr>
+              <p:cNvPr id="32" name="正方形/長方形 31">
+                <a:extLst>
+                  <a:ext uri="{FF2B5EF4-FFF2-40B4-BE49-F238E27FC236}">
+                    <a16:creationId xmlns:a16="http://schemas.microsoft.com/office/drawing/2014/main" id="{B023A868-C903-4E64-86CF-5411D18730E8}"/>
+                  </a:ext>
+                </a:extLst>
+              </p:cNvPr>
+              <p:cNvSpPr>
+                <a:spLocks noRot="1" noChangeAspect="1" noMove="1" noResize="1" noEditPoints="1" noAdjustHandles="1" noChangeArrowheads="1" noChangeShapeType="1" noTextEdit="1"/>
+              </p:cNvSpPr>
+              <p:nvPr/>
+            </p:nvSpPr>
+            <p:spPr>
+              <a:xfrm>
+                <a:off x="2483768" y="2924944"/>
+                <a:ext cx="591829" cy="523220"/>
+              </a:xfrm>
+              <a:prstGeom prst="rect">
+                <a:avLst/>
+              </a:prstGeom>
+              <a:blipFill>
+                <a:blip r:embed="rId6"/>
+                <a:stretch>
+                  <a:fillRect/>
+                </a:stretch>
+              </a:blipFill>
+            </p:spPr>
+            <p:txBody>
+              <a:bodyPr/>
+              <a:lstStyle/>
+              <a:p>
+                <a:r>
+                  <a:rPr lang="ja-JP" altLang="en-US">
+                    <a:noFill/>
+                  </a:rPr>
+                  <a:t> </a:t>
+                </a:r>
+              </a:p>
+            </p:txBody>
+          </p:sp>
+        </mc:Fallback>
+      </mc:AlternateContent>
+      <mc:AlternateContent xmlns:mc="http://schemas.openxmlformats.org/markup-compatibility/2006">
+        <mc:Choice xmlns:a14="http://schemas.microsoft.com/office/drawing/2010/main" Requires="a14">
+          <p:sp>
+            <p:nvSpPr>
+              <p:cNvPr id="33" name="正方形/長方形 32">
+                <a:extLst>
+                  <a:ext uri="{FF2B5EF4-FFF2-40B4-BE49-F238E27FC236}">
+                    <a16:creationId xmlns:a16="http://schemas.microsoft.com/office/drawing/2014/main" id="{DBAD0B47-5E0D-4BC1-BC21-4B9573A2773E}"/>
+                  </a:ext>
+                </a:extLst>
+              </p:cNvPr>
+              <p:cNvSpPr/>
+              <p:nvPr/>
+            </p:nvSpPr>
+            <p:spPr>
+              <a:xfrm>
+                <a:off x="1619672" y="2996952"/>
+                <a:ext cx="777649" cy="400110"/>
+              </a:xfrm>
+              <a:prstGeom prst="rect">
+                <a:avLst/>
+              </a:prstGeom>
+            </p:spPr>
+            <p:txBody>
+              <a:bodyPr wrap="none">
+                <a:spAutoFit/>
+              </a:bodyPr>
+              <a:lstStyle/>
+              <a:p>
+                <a:pPr/>
+                <a14:m>
+                  <m:oMathPara xmlns:m="http://schemas.openxmlformats.org/officeDocument/2006/math">
+                    <m:oMathParaPr>
+                      <m:jc m:val="centerGroup"/>
+                    </m:oMathParaPr>
+                    <m:oMath xmlns:m="http://schemas.openxmlformats.org/officeDocument/2006/math">
+                      <m:sSub>
+                        <m:sSubPr>
+                          <m:ctrlPr>
+                            <a:rPr lang="en-US" altLang="ja-JP" sz="2000" b="0" i="1" smtClean="0">
+                              <a:latin typeface="Cambria Math" panose="02040503050406030204" pitchFamily="18" charset="0"/>
+                            </a:rPr>
+                          </m:ctrlPr>
+                        </m:sSubPr>
+                        <m:e>
+                          <m:r>
+                            <a:rPr lang="en-US" altLang="ja-JP" sz="2000" b="0" i="1" smtClean="0">
+                              <a:latin typeface="Cambria Math" panose="02040503050406030204" pitchFamily="18" charset="0"/>
+                            </a:rPr>
+                            <m:t>1/</m:t>
+                          </m:r>
+                          <m:r>
+                            <a:rPr lang="en-US" altLang="ja-JP" sz="2000" b="0" i="1" smtClean="0">
+                              <a:latin typeface="Cambria Math" panose="02040503050406030204" pitchFamily="18" charset="0"/>
+                            </a:rPr>
+                            <m:t>𝜇</m:t>
+                          </m:r>
+                        </m:e>
+                        <m:sub>
+                          <m:r>
+                            <a:rPr lang="en-US" altLang="ja-JP" sz="2000" b="0" i="1" smtClean="0">
+                              <a:latin typeface="Cambria Math" panose="02040503050406030204" pitchFamily="18" charset="0"/>
+                            </a:rPr>
+                            <m:t>2</m:t>
+                          </m:r>
+                        </m:sub>
+                      </m:sSub>
+                    </m:oMath>
+                  </m:oMathPara>
+                </a14:m>
+                <a:endParaRPr lang="ja-JP" altLang="en-US" sz="2000" dirty="0"/>
+              </a:p>
+            </p:txBody>
+          </p:sp>
+        </mc:Choice>
+        <mc:Fallback>
+          <p:sp>
+            <p:nvSpPr>
+              <p:cNvPr id="33" name="正方形/長方形 32">
+                <a:extLst>
+                  <a:ext uri="{FF2B5EF4-FFF2-40B4-BE49-F238E27FC236}">
+                    <a16:creationId xmlns:a16="http://schemas.microsoft.com/office/drawing/2014/main" id="{DBAD0B47-5E0D-4BC1-BC21-4B9573A2773E}"/>
+                  </a:ext>
+                </a:extLst>
+              </p:cNvPr>
+              <p:cNvSpPr>
+                <a:spLocks noRot="1" noChangeAspect="1" noMove="1" noResize="1" noEditPoints="1" noAdjustHandles="1" noChangeArrowheads="1" noChangeShapeType="1" noTextEdit="1"/>
+              </p:cNvSpPr>
+              <p:nvPr/>
+            </p:nvSpPr>
+            <p:spPr>
+              <a:xfrm>
+                <a:off x="1619672" y="2996952"/>
+                <a:ext cx="777649" cy="400110"/>
+              </a:xfrm>
+              <a:prstGeom prst="rect">
+                <a:avLst/>
+              </a:prstGeom>
+              <a:blipFill>
+                <a:blip r:embed="rId7"/>
+                <a:stretch>
+                  <a:fillRect b="-18462"/>
+                </a:stretch>
+              </a:blipFill>
+            </p:spPr>
+            <p:txBody>
+              <a:bodyPr/>
+              <a:lstStyle/>
+              <a:p>
+                <a:r>
+                  <a:rPr lang="ja-JP" altLang="en-US">
+                    <a:noFill/>
+                  </a:rPr>
+                  <a:t> </a:t>
+                </a:r>
+              </a:p>
+            </p:txBody>
+          </p:sp>
+        </mc:Fallback>
+      </mc:AlternateContent>
+      <p:sp>
+        <p:nvSpPr>
+          <p:cNvPr id="34" name="テキスト ボックス 33">
+            <a:extLst>
+              <a:ext uri="{FF2B5EF4-FFF2-40B4-BE49-F238E27FC236}">
+                <a16:creationId xmlns:a16="http://schemas.microsoft.com/office/drawing/2014/main" id="{191E6351-879F-43E0-8CB9-9FC8D34542DE}"/>
+              </a:ext>
+            </a:extLst>
+          </p:cNvPr>
+          <p:cNvSpPr txBox="1"/>
+          <p:nvPr/>
+        </p:nvSpPr>
+        <p:spPr>
+          <a:xfrm>
+            <a:off x="899592" y="2492896"/>
+            <a:ext cx="5570756" cy="400110"/>
+          </a:xfrm>
+          <a:prstGeom prst="rect">
+            <a:avLst/>
+          </a:prstGeom>
+          <a:noFill/>
+        </p:spPr>
+        <p:txBody>
+          <a:bodyPr wrap="none" rtlCol="0">
+            <a:spAutoFit/>
+          </a:bodyPr>
+          <a:lstStyle/>
+          <a:p>
+            <a:r>
+              <a:rPr lang="ja-JP" altLang="en-US" sz="2000" dirty="0"/>
+              <a:t>それぞれのブロックの期待値の逆数を計算する</a:t>
+            </a:r>
+            <a:endParaRPr kumimoji="1" lang="ja-JP" altLang="en-US" sz="2000" dirty="0"/>
+          </a:p>
+        </p:txBody>
+      </p:sp>
+      <p:sp>
+        <p:nvSpPr>
+          <p:cNvPr id="35" name="テキスト ボックス 34">
+            <a:extLst>
+              <a:ext uri="{FF2B5EF4-FFF2-40B4-BE49-F238E27FC236}">
+                <a16:creationId xmlns:a16="http://schemas.microsoft.com/office/drawing/2014/main" id="{D77B5F71-93BC-46B2-B410-00C9F0A2D0E4}"/>
+              </a:ext>
+            </a:extLst>
+          </p:cNvPr>
+          <p:cNvSpPr txBox="1"/>
+          <p:nvPr/>
+        </p:nvSpPr>
+        <p:spPr>
+          <a:xfrm>
+            <a:off x="827584" y="4221088"/>
+            <a:ext cx="4031873" cy="400110"/>
+          </a:xfrm>
+          <a:prstGeom prst="rect">
+            <a:avLst/>
+          </a:prstGeom>
+          <a:noFill/>
+        </p:spPr>
+        <p:txBody>
+          <a:bodyPr wrap="none" rtlCol="0">
+            <a:spAutoFit/>
+          </a:bodyPr>
+          <a:lstStyle/>
+          <a:p>
+            <a:r>
+              <a:rPr kumimoji="1" lang="ja-JP" altLang="en-US" sz="2000" dirty="0"/>
+              <a:t>期待値の逆数の期待値を計算する</a:t>
+            </a:r>
+          </a:p>
+        </p:txBody>
+      </p:sp>
+      <mc:AlternateContent xmlns:mc="http://schemas.openxmlformats.org/markup-compatibility/2006">
+        <mc:Choice xmlns:a14="http://schemas.microsoft.com/office/drawing/2010/main" Requires="a14">
+          <p:sp>
+            <p:nvSpPr>
+              <p:cNvPr id="36" name="テキスト ボックス 35">
+                <a:extLst>
+                  <a:ext uri="{FF2B5EF4-FFF2-40B4-BE49-F238E27FC236}">
+                    <a16:creationId xmlns:a16="http://schemas.microsoft.com/office/drawing/2014/main" id="{1C85CF44-1C9D-4202-8CCC-0C9EAEDFD34F}"/>
+                  </a:ext>
+                </a:extLst>
+              </p:cNvPr>
+              <p:cNvSpPr txBox="1"/>
+              <p:nvPr/>
+            </p:nvSpPr>
+            <p:spPr>
+              <a:xfrm>
+                <a:off x="4788024" y="3789040"/>
+                <a:ext cx="3190489" cy="1287340"/>
+              </a:xfrm>
+              <a:prstGeom prst="rect">
+                <a:avLst/>
+              </a:prstGeom>
+              <a:noFill/>
+            </p:spPr>
+            <p:txBody>
+              <a:bodyPr wrap="none" rtlCol="0">
+                <a:spAutoFit/>
+              </a:bodyPr>
+              <a:lstStyle/>
+              <a:p>
+                <a14:m>
+                  <m:oMathPara xmlns:m="http://schemas.openxmlformats.org/officeDocument/2006/math">
+                    <m:oMathParaPr>
+                      <m:jc m:val="centerGroup"/>
+                    </m:oMathParaPr>
+                    <m:oMath xmlns:m="http://schemas.openxmlformats.org/officeDocument/2006/math">
+                      <m:d>
+                        <m:dPr>
+                          <m:begChr m:val="⟨"/>
+                          <m:endChr m:val="⟩"/>
+                          <m:ctrlPr>
+                            <a:rPr kumimoji="1" lang="en-US" altLang="ja-JP" sz="3200" b="0" i="1" smtClean="0">
+                              <a:latin typeface="Cambria Math" panose="02040503050406030204" pitchFamily="18" charset="0"/>
+                            </a:rPr>
+                          </m:ctrlPr>
+                        </m:dPr>
+                        <m:e>
+                          <m:r>
+                            <a:rPr kumimoji="1" lang="en-US" altLang="ja-JP" sz="3200" b="0" i="1" smtClean="0">
+                              <a:latin typeface="Cambria Math" panose="02040503050406030204" pitchFamily="18" charset="0"/>
+                            </a:rPr>
+                            <m:t>1/</m:t>
+                          </m:r>
+                          <m:r>
+                            <a:rPr kumimoji="1" lang="en-US" altLang="ja-JP" sz="3200" b="0" i="1" smtClean="0">
+                              <a:latin typeface="Cambria Math" panose="02040503050406030204" pitchFamily="18" charset="0"/>
+                            </a:rPr>
+                            <m:t>𝜇</m:t>
+                          </m:r>
+                        </m:e>
+                      </m:d>
+                      <m:r>
+                        <a:rPr kumimoji="1" lang="en-US" altLang="ja-JP" sz="3200" b="0" i="1" smtClean="0">
+                          <a:latin typeface="Cambria Math" panose="02040503050406030204" pitchFamily="18" charset="0"/>
+                        </a:rPr>
+                        <m:t>=</m:t>
+                      </m:r>
+                      <m:f>
+                        <m:fPr>
+                          <m:ctrlPr>
+                            <a:rPr kumimoji="1" lang="en-US" altLang="ja-JP" sz="3200" b="0" i="1" smtClean="0">
+                              <a:latin typeface="Cambria Math" panose="02040503050406030204" pitchFamily="18" charset="0"/>
+                            </a:rPr>
+                          </m:ctrlPr>
+                        </m:fPr>
+                        <m:num>
+                          <m:r>
+                            <a:rPr kumimoji="1" lang="en-US" altLang="ja-JP" sz="3200" b="0" i="1" smtClean="0">
+                              <a:latin typeface="Cambria Math" panose="02040503050406030204" pitchFamily="18" charset="0"/>
+                            </a:rPr>
+                            <m:t>𝑁</m:t>
+                          </m:r>
+                        </m:num>
+                        <m:den>
+                          <m:r>
+                            <a:rPr kumimoji="1" lang="en-US" altLang="ja-JP" sz="3200" b="0" i="1" smtClean="0">
+                              <a:latin typeface="Cambria Math" panose="02040503050406030204" pitchFamily="18" charset="0"/>
+                            </a:rPr>
+                            <m:t>𝑀</m:t>
+                          </m:r>
+                        </m:den>
+                      </m:f>
+                      <m:nary>
+                        <m:naryPr>
+                          <m:chr m:val="∑"/>
+                          <m:supHide m:val="on"/>
+                          <m:ctrlPr>
+                            <a:rPr kumimoji="1" lang="en-US" altLang="ja-JP" sz="3200" b="0" i="1" smtClean="0">
+                              <a:latin typeface="Cambria Math" panose="02040503050406030204" pitchFamily="18" charset="0"/>
+                            </a:rPr>
+                          </m:ctrlPr>
+                        </m:naryPr>
+                        <m:sub>
+                          <m:r>
+                            <a:rPr kumimoji="1" lang="en-US" altLang="ja-JP" sz="3200" b="0" i="1" smtClean="0">
+                              <a:latin typeface="Cambria Math" panose="02040503050406030204" pitchFamily="18" charset="0"/>
+                            </a:rPr>
+                            <m:t>𝑖</m:t>
+                          </m:r>
+                        </m:sub>
+                        <m:sup/>
+                        <m:e>
+                          <m:f>
+                            <m:fPr>
+                              <m:ctrlPr>
+                                <a:rPr kumimoji="1" lang="en-US" altLang="ja-JP" sz="3200" b="0" i="1" smtClean="0">
+                                  <a:latin typeface="Cambria Math" panose="02040503050406030204" pitchFamily="18" charset="0"/>
+                                </a:rPr>
+                              </m:ctrlPr>
+                            </m:fPr>
+                            <m:num>
+                              <m:r>
+                                <a:rPr kumimoji="1" lang="en-US" altLang="ja-JP" sz="3200" b="0" i="1" smtClean="0">
+                                  <a:latin typeface="Cambria Math" panose="02040503050406030204" pitchFamily="18" charset="0"/>
+                                </a:rPr>
+                                <m:t>1</m:t>
+                              </m:r>
+                            </m:num>
+                            <m:den>
+                              <m:sSub>
+                                <m:sSubPr>
+                                  <m:ctrlPr>
+                                    <a:rPr kumimoji="1" lang="en-US" altLang="ja-JP" sz="3200" b="0" i="1" smtClean="0">
+                                      <a:latin typeface="Cambria Math" panose="02040503050406030204" pitchFamily="18" charset="0"/>
+                                    </a:rPr>
+                                  </m:ctrlPr>
+                                </m:sSubPr>
+                                <m:e>
+                                  <m:r>
+                                    <a:rPr kumimoji="1" lang="en-US" altLang="ja-JP" sz="3200" b="0" i="1" smtClean="0">
+                                      <a:latin typeface="Cambria Math" panose="02040503050406030204" pitchFamily="18" charset="0"/>
+                                    </a:rPr>
+                                    <m:t>𝜇</m:t>
+                                  </m:r>
+                                </m:e>
+                                <m:sub>
+                                  <m:r>
+                                    <a:rPr kumimoji="1" lang="en-US" altLang="ja-JP" sz="3200" b="0" i="1" smtClean="0">
+                                      <a:latin typeface="Cambria Math" panose="02040503050406030204" pitchFamily="18" charset="0"/>
+                                    </a:rPr>
+                                    <m:t>𝑖</m:t>
+                                  </m:r>
+                                </m:sub>
+                              </m:sSub>
+                            </m:den>
+                          </m:f>
+                        </m:e>
+                      </m:nary>
+                    </m:oMath>
+                  </m:oMathPara>
+                </a14:m>
+                <a:endParaRPr kumimoji="1" lang="ja-JP" altLang="en-US" sz="3200" dirty="0"/>
+              </a:p>
+            </p:txBody>
+          </p:sp>
+        </mc:Choice>
+        <mc:Fallback>
+          <p:sp>
+            <p:nvSpPr>
+              <p:cNvPr id="36" name="テキスト ボックス 35">
+                <a:extLst>
+                  <a:ext uri="{FF2B5EF4-FFF2-40B4-BE49-F238E27FC236}">
+                    <a16:creationId xmlns:a16="http://schemas.microsoft.com/office/drawing/2014/main" id="{1C85CF44-1C9D-4202-8CCC-0C9EAEDFD34F}"/>
+                  </a:ext>
+                </a:extLst>
+              </p:cNvPr>
+              <p:cNvSpPr txBox="1">
+                <a:spLocks noRot="1" noChangeAspect="1" noMove="1" noResize="1" noEditPoints="1" noAdjustHandles="1" noChangeArrowheads="1" noChangeShapeType="1" noTextEdit="1"/>
+              </p:cNvSpPr>
+              <p:nvPr/>
+            </p:nvSpPr>
+            <p:spPr>
+              <a:xfrm>
+                <a:off x="4788024" y="3789040"/>
+                <a:ext cx="3190489" cy="1287340"/>
+              </a:xfrm>
+              <a:prstGeom prst="rect">
+                <a:avLst/>
+              </a:prstGeom>
+              <a:blipFill>
+                <a:blip r:embed="rId8"/>
+                <a:stretch>
+                  <a:fillRect/>
+                </a:stretch>
+              </a:blipFill>
+            </p:spPr>
+            <p:txBody>
+              <a:bodyPr/>
+              <a:lstStyle/>
+              <a:p>
+                <a:r>
+                  <a:rPr lang="ja-JP" altLang="en-US">
+                    <a:noFill/>
+                  </a:rPr>
+                  <a:t> </a:t>
+                </a:r>
+              </a:p>
+            </p:txBody>
+          </p:sp>
+        </mc:Fallback>
+      </mc:AlternateContent>
+      <mc:AlternateContent xmlns:mc="http://schemas.openxmlformats.org/markup-compatibility/2006">
+        <mc:Choice xmlns:a14="http://schemas.microsoft.com/office/drawing/2010/main" Requires="a14">
+          <p:sp>
+            <p:nvSpPr>
+              <p:cNvPr id="38" name="テキスト ボックス 37">
+                <a:extLst>
+                  <a:ext uri="{FF2B5EF4-FFF2-40B4-BE49-F238E27FC236}">
+                    <a16:creationId xmlns:a16="http://schemas.microsoft.com/office/drawing/2014/main" id="{5B4B3398-6907-4E91-A72E-3B07EE51B016}"/>
+                  </a:ext>
+                </a:extLst>
+              </p:cNvPr>
+              <p:cNvSpPr txBox="1"/>
+              <p:nvPr/>
+            </p:nvSpPr>
+            <p:spPr>
+              <a:xfrm>
+                <a:off x="1403648" y="5589240"/>
+                <a:ext cx="5256584" cy="584775"/>
+              </a:xfrm>
+              <a:prstGeom prst="rect">
+                <a:avLst/>
+              </a:prstGeom>
+              <a:noFill/>
+            </p:spPr>
+            <p:txBody>
+              <a:bodyPr wrap="square">
+                <a:spAutoFit/>
+              </a:bodyPr>
+              <a:lstStyle/>
+              <a:p>
+                <a:pPr/>
+                <a14:m>
+                  <m:oMath xmlns:m="http://schemas.openxmlformats.org/officeDocument/2006/math">
+                    <m:d>
+                      <m:dPr>
+                        <m:begChr m:val="⟨"/>
+                        <m:endChr m:val="⟩"/>
+                        <m:ctrlPr>
+                          <a:rPr kumimoji="1" lang="en-US" altLang="ja-JP" sz="3200" b="0" i="1" smtClean="0">
+                            <a:latin typeface="Cambria Math" panose="02040503050406030204" pitchFamily="18" charset="0"/>
+                          </a:rPr>
+                        </m:ctrlPr>
+                      </m:dPr>
+                      <m:e>
+                        <m:r>
+                          <a:rPr kumimoji="1" lang="en-US" altLang="ja-JP" sz="3200" b="0" i="1" smtClean="0">
+                            <a:latin typeface="Cambria Math" panose="02040503050406030204" pitchFamily="18" charset="0"/>
+                          </a:rPr>
+                          <m:t>1/</m:t>
+                        </m:r>
+                        <m:r>
+                          <a:rPr kumimoji="1" lang="en-US" altLang="ja-JP" sz="3200" b="0" i="1" smtClean="0">
+                            <a:latin typeface="Cambria Math" panose="02040503050406030204" pitchFamily="18" charset="0"/>
+                          </a:rPr>
+                          <m:t>𝜇</m:t>
+                        </m:r>
+                      </m:e>
+                    </m:d>
+                  </m:oMath>
+                </a14:m>
+                <a:r>
+                  <a:rPr lang="ja-JP" altLang="en-US" sz="3200" dirty="0"/>
+                  <a:t>は</a:t>
+                </a:r>
+                <a14:m>
+                  <m:oMath xmlns:m="http://schemas.openxmlformats.org/officeDocument/2006/math">
+                    <m:r>
+                      <a:rPr lang="en-US" altLang="ja-JP" sz="3200" b="0" i="1" dirty="0" smtClean="0">
+                        <a:latin typeface="Cambria Math" panose="02040503050406030204" pitchFamily="18" charset="0"/>
+                      </a:rPr>
+                      <m:t>𝑁</m:t>
+                    </m:r>
+                    <m:r>
+                      <a:rPr lang="ja-JP" altLang="en-US" sz="3200" i="1" dirty="0">
+                        <a:latin typeface="Cambria Math" panose="02040503050406030204" pitchFamily="18" charset="0"/>
+                      </a:rPr>
+                      <m:t>依存性</m:t>
+                    </m:r>
+                  </m:oMath>
+                </a14:m>
+                <a:r>
+                  <a:rPr lang="ja-JP" altLang="en-US" sz="3200" dirty="0"/>
+                  <a:t>を持つか？</a:t>
+                </a:r>
+              </a:p>
+            </p:txBody>
+          </p:sp>
+        </mc:Choice>
+        <mc:Fallback>
+          <p:sp>
+            <p:nvSpPr>
+              <p:cNvPr id="38" name="テキスト ボックス 37">
+                <a:extLst>
+                  <a:ext uri="{FF2B5EF4-FFF2-40B4-BE49-F238E27FC236}">
+                    <a16:creationId xmlns:a16="http://schemas.microsoft.com/office/drawing/2014/main" id="{5B4B3398-6907-4E91-A72E-3B07EE51B016}"/>
+                  </a:ext>
+                </a:extLst>
+              </p:cNvPr>
+              <p:cNvSpPr txBox="1">
+                <a:spLocks noRot="1" noChangeAspect="1" noMove="1" noResize="1" noEditPoints="1" noAdjustHandles="1" noChangeArrowheads="1" noChangeShapeType="1" noTextEdit="1"/>
+              </p:cNvSpPr>
+              <p:nvPr/>
+            </p:nvSpPr>
+            <p:spPr>
+              <a:xfrm>
+                <a:off x="1403648" y="5589240"/>
+                <a:ext cx="5256584" cy="584775"/>
+              </a:xfrm>
+              <a:prstGeom prst="rect">
+                <a:avLst/>
+              </a:prstGeom>
+              <a:blipFill>
+                <a:blip r:embed="rId9"/>
+                <a:stretch>
+                  <a:fillRect t="-16667" b="-30208"/>
+                </a:stretch>
+              </a:blipFill>
+            </p:spPr>
+            <p:txBody>
+              <a:bodyPr/>
+              <a:lstStyle/>
+              <a:p>
+                <a:r>
+                  <a:rPr lang="ja-JP" altLang="en-US">
+                    <a:noFill/>
+                  </a:rPr>
+                  <a:t> </a:t>
+                </a:r>
+              </a:p>
+            </p:txBody>
+          </p:sp>
+        </mc:Fallback>
+      </mc:AlternateContent>
+    </p:spTree>
+    <p:extLst>
+      <p:ext uri="{BB962C8B-B14F-4D97-AF65-F5344CB8AC3E}">
+        <p14:creationId xmlns:p14="http://schemas.microsoft.com/office/powerpoint/2010/main" val="3206115947"/>
+      </p:ext>
+    </p:extLst>
+  </p:cSld>
+  <p:clrMapOvr>
+    <a:masterClrMapping/>
+  </p:clrMapOvr>
+</p:sld>
+</file>
+
+<file path=ppt/slides/slide43.xml><?xml version="1.0" encoding="utf-8"?>
+<p:sld xmlns:a="http://schemas.openxmlformats.org/drawingml/2006/main" xmlns:r="http://schemas.openxmlformats.org/officeDocument/2006/relationships" xmlns:p="http://schemas.openxmlformats.org/presentationml/2006/main">
+  <p:cSld>
+    <p:spTree>
+      <p:nvGrpSpPr>
+        <p:cNvPr id="1" name=""/>
+        <p:cNvGrpSpPr/>
+        <p:nvPr/>
+      </p:nvGrpSpPr>
+      <p:grpSpPr>
+        <a:xfrm>
+          <a:off x="0" y="0"/>
+          <a:ext cx="0" cy="0"/>
+          <a:chOff x="0" y="0"/>
+          <a:chExt cx="0" cy="0"/>
+        </a:xfrm>
+      </p:grpSpPr>
+      <p:sp>
+        <p:nvSpPr>
+          <p:cNvPr id="2" name="テキスト プレースホルダー 1">
+            <a:extLst>
+              <a:ext uri="{FF2B5EF4-FFF2-40B4-BE49-F238E27FC236}">
+                <a16:creationId xmlns:a16="http://schemas.microsoft.com/office/drawing/2014/main" id="{83608975-08E1-476B-A7E1-0D5379C8A9C1}"/>
+              </a:ext>
+            </a:extLst>
+          </p:cNvPr>
+          <p:cNvSpPr>
+            <a:spLocks noGrp="1"/>
+          </p:cNvSpPr>
+          <p:nvPr>
+            <p:ph type="body" sz="quarter" idx="10"/>
+          </p:nvPr>
+        </p:nvSpPr>
+        <p:spPr/>
+        <p:txBody>
+          <a:bodyPr/>
+          <a:lstStyle/>
+          <a:p>
+            <a:r>
+              <a:rPr kumimoji="1" lang="ja-JP" altLang="en-US" dirty="0"/>
+              <a:t>不偏推定量と</a:t>
+            </a:r>
+            <a:r>
+              <a:rPr kumimoji="1" lang="en-US" altLang="ja-JP" dirty="0"/>
+              <a:t>Jackknife</a:t>
+            </a:r>
+            <a:r>
+              <a:rPr kumimoji="1" lang="ja-JP" altLang="en-US"/>
+              <a:t>法</a:t>
+            </a:r>
+          </a:p>
+        </p:txBody>
+      </p:sp>
+    </p:spTree>
+    <p:extLst>
+      <p:ext uri="{BB962C8B-B14F-4D97-AF65-F5344CB8AC3E}">
+        <p14:creationId xmlns:p14="http://schemas.microsoft.com/office/powerpoint/2010/main" val="14563589"/>
       </p:ext>
     </p:extLst>
   </p:cSld>

--- a/03_mc_advanced/simulation03.pptx
+++ b/03_mc_advanced/simulation03.pptx
@@ -5,7 +5,7 @@
     <p:sldMasterId id="2147483665" r:id="rId1"/>
   </p:sldMasterIdLst>
   <p:notesMasterIdLst>
-    <p:notesMasterId r:id="rId45"/>
+    <p:notesMasterId r:id="rId47"/>
   </p:notesMasterIdLst>
   <p:sldIdLst>
     <p:sldId id="256" r:id="rId2"/>
@@ -50,7 +50,9 @@
     <p:sldId id="377" r:id="rId41"/>
     <p:sldId id="378" r:id="rId42"/>
     <p:sldId id="379" r:id="rId43"/>
-    <p:sldId id="380" r:id="rId44"/>
+    <p:sldId id="381" r:id="rId44"/>
+    <p:sldId id="380" r:id="rId45"/>
+    <p:sldId id="382" r:id="rId46"/>
   </p:sldIdLst>
   <p:sldSz cx="9144000" cy="6858000" type="screen4x3"/>
   <p:notesSz cx="6858000" cy="9144000"/>
@@ -945,6 +947,94 @@
     <p:extLst>
       <p:ext uri="{BB962C8B-B14F-4D97-AF65-F5344CB8AC3E}">
         <p14:creationId xmlns:p14="http://schemas.microsoft.com/office/powerpoint/2010/main" val="601941551"/>
+      </p:ext>
+    </p:extLst>
+  </p:cSld>
+  <p:clrMapOvr>
+    <a:masterClrMapping/>
+  </p:clrMapOvr>
+</p:notes>
+</file>
+
+<file path=ppt/notesSlides/notesSlide6.xml><?xml version="1.0" encoding="utf-8"?>
+<p:notes xmlns:a="http://schemas.openxmlformats.org/drawingml/2006/main" xmlns:r="http://schemas.openxmlformats.org/officeDocument/2006/relationships" xmlns:p="http://schemas.openxmlformats.org/presentationml/2006/main">
+  <p:cSld>
+    <p:spTree>
+      <p:nvGrpSpPr>
+        <p:cNvPr id="1" name=""/>
+        <p:cNvGrpSpPr/>
+        <p:nvPr/>
+      </p:nvGrpSpPr>
+      <p:grpSpPr>
+        <a:xfrm>
+          <a:off x="0" y="0"/>
+          <a:ext cx="0" cy="0"/>
+          <a:chOff x="0" y="0"/>
+          <a:chExt cx="0" cy="0"/>
+        </a:xfrm>
+      </p:grpSpPr>
+      <p:sp>
+        <p:nvSpPr>
+          <p:cNvPr id="2" name="スライド イメージ プレースホルダー 1"/>
+          <p:cNvSpPr>
+            <a:spLocks noGrp="1" noRot="1" noChangeAspect="1"/>
+          </p:cNvSpPr>
+          <p:nvPr>
+            <p:ph type="sldImg"/>
+          </p:nvPr>
+        </p:nvSpPr>
+        <p:spPr/>
+      </p:sp>
+      <p:sp>
+        <p:nvSpPr>
+          <p:cNvPr id="3" name="ノート プレースホルダー 2"/>
+          <p:cNvSpPr>
+            <a:spLocks noGrp="1"/>
+          </p:cNvSpPr>
+          <p:nvPr>
+            <p:ph type="body" idx="1"/>
+          </p:nvPr>
+        </p:nvSpPr>
+        <p:spPr/>
+        <p:txBody>
+          <a:bodyPr/>
+          <a:lstStyle/>
+          <a:p>
+            <a:r>
+              <a:rPr kumimoji="1" lang="en-US" altLang="ja-JP" dirty="0" err="1"/>
+              <a:t>exi</a:t>
+            </a:r>
+            <a:endParaRPr kumimoji="1" lang="ja-JP" altLang="en-US" dirty="0"/>
+          </a:p>
+        </p:txBody>
+      </p:sp>
+      <p:sp>
+        <p:nvSpPr>
+          <p:cNvPr id="4" name="スライド番号プレースホルダー 3"/>
+          <p:cNvSpPr>
+            <a:spLocks noGrp="1"/>
+          </p:cNvSpPr>
+          <p:nvPr>
+            <p:ph type="sldNum" sz="quarter" idx="5"/>
+          </p:nvPr>
+        </p:nvSpPr>
+        <p:spPr/>
+        <p:txBody>
+          <a:bodyPr/>
+          <a:lstStyle/>
+          <a:p>
+            <a:fld id="{3DFA746F-AF1F-C048-A2ED-B38EF01E9631}" type="slidenum">
+              <a:rPr lang="en-US" altLang="ja-JP" smtClean="0"/>
+              <a:t>44</a:t>
+            </a:fld>
+            <a:endParaRPr kumimoji="1" lang="ja-JP" altLang="en-US"/>
+          </a:p>
+        </p:txBody>
+      </p:sp>
+    </p:spTree>
+    <p:extLst>
+      <p:ext uri="{BB962C8B-B14F-4D97-AF65-F5344CB8AC3E}">
+        <p14:creationId xmlns:p14="http://schemas.microsoft.com/office/powerpoint/2010/main" val="4193601133"/>
       </p:ext>
     </p:extLst>
   </p:cSld>
@@ -28155,7 +28245,7 @@
           <p:cNvPr id="2" name="テキスト プレースホルダー 1">
             <a:extLst>
               <a:ext uri="{FF2B5EF4-FFF2-40B4-BE49-F238E27FC236}">
-                <a16:creationId xmlns:a16="http://schemas.microsoft.com/office/drawing/2014/main" id="{83608975-08E1-476B-A7E1-0D5379C8A9C1}"/>
+                <a16:creationId xmlns:a16="http://schemas.microsoft.com/office/drawing/2014/main" id="{F0C0BB83-845A-47CC-B7D2-DC5B3DC41276}"/>
               </a:ext>
             </a:extLst>
           </p:cNvPr>
@@ -28180,8 +28270,2349 @@
               <a:t>Jackknife</a:t>
             </a:r>
             <a:r>
-              <a:rPr kumimoji="1" lang="ja-JP" altLang="en-US"/>
+              <a:rPr kumimoji="1" lang="ja-JP" altLang="en-US" dirty="0"/>
               <a:t>法</a:t>
+            </a:r>
+          </a:p>
+        </p:txBody>
+      </p:sp>
+      <p:pic>
+        <p:nvPicPr>
+          <p:cNvPr id="3" name="図 2">
+            <a:extLst>
+              <a:ext uri="{FF2B5EF4-FFF2-40B4-BE49-F238E27FC236}">
+                <a16:creationId xmlns:a16="http://schemas.microsoft.com/office/drawing/2014/main" id="{D2945542-A54E-4E5F-8E5D-7CCDDE0BC1D3}"/>
+              </a:ext>
+            </a:extLst>
+          </p:cNvPr>
+          <p:cNvPicPr>
+            <a:picLocks noChangeAspect="1"/>
+          </p:cNvPicPr>
+          <p:nvPr/>
+        </p:nvPicPr>
+        <p:blipFill>
+          <a:blip r:embed="rId2"/>
+          <a:stretch>
+            <a:fillRect/>
+          </a:stretch>
+        </p:blipFill>
+        <p:spPr>
+          <a:xfrm>
+            <a:off x="1115616" y="1340768"/>
+            <a:ext cx="952500" cy="952500"/>
+          </a:xfrm>
+          <a:prstGeom prst="rect">
+            <a:avLst/>
+          </a:prstGeom>
+        </p:spPr>
+      </p:pic>
+      <p:sp>
+        <p:nvSpPr>
+          <p:cNvPr id="5" name="テキスト ボックス 4">
+            <a:extLst>
+              <a:ext uri="{FF2B5EF4-FFF2-40B4-BE49-F238E27FC236}">
+                <a16:creationId xmlns:a16="http://schemas.microsoft.com/office/drawing/2014/main" id="{F72A9140-5767-4270-8CCD-61126ABC4FB5}"/>
+              </a:ext>
+            </a:extLst>
+          </p:cNvPr>
+          <p:cNvSpPr txBox="1"/>
+          <p:nvPr/>
+        </p:nvSpPr>
+        <p:spPr>
+          <a:xfrm>
+            <a:off x="2123728" y="1484784"/>
+            <a:ext cx="5570756" cy="523220"/>
+          </a:xfrm>
+          <a:prstGeom prst="rect">
+            <a:avLst/>
+          </a:prstGeom>
+          <a:noFill/>
+        </p:spPr>
+        <p:txBody>
+          <a:bodyPr wrap="none" rtlCol="0">
+            <a:spAutoFit/>
+          </a:bodyPr>
+          <a:lstStyle/>
+          <a:p>
+            <a:r>
+              <a:rPr kumimoji="1" lang="ja-JP" altLang="en-US" sz="2800" dirty="0"/>
+              <a:t>サイコロの目の期待値の逆数は？</a:t>
+            </a:r>
+          </a:p>
+        </p:txBody>
+      </p:sp>
+      <p:sp>
+        <p:nvSpPr>
+          <p:cNvPr id="6" name="テキスト ボックス 5">
+            <a:extLst>
+              <a:ext uri="{FF2B5EF4-FFF2-40B4-BE49-F238E27FC236}">
+                <a16:creationId xmlns:a16="http://schemas.microsoft.com/office/drawing/2014/main" id="{CD48EC76-F322-42B8-A42A-C18DEE199C75}"/>
+              </a:ext>
+            </a:extLst>
+          </p:cNvPr>
+          <p:cNvSpPr txBox="1"/>
+          <p:nvPr/>
+        </p:nvSpPr>
+        <p:spPr>
+          <a:xfrm>
+            <a:off x="1331640" y="2852936"/>
+            <a:ext cx="1261884" cy="523220"/>
+          </a:xfrm>
+          <a:prstGeom prst="rect">
+            <a:avLst/>
+          </a:prstGeom>
+          <a:noFill/>
+        </p:spPr>
+        <p:txBody>
+          <a:bodyPr wrap="none" rtlCol="0">
+            <a:spAutoFit/>
+          </a:bodyPr>
+          <a:lstStyle/>
+          <a:p>
+            <a:r>
+              <a:rPr kumimoji="1" lang="ja-JP" altLang="en-US" sz="2800" dirty="0"/>
+              <a:t>期待値</a:t>
+            </a:r>
+          </a:p>
+        </p:txBody>
+      </p:sp>
+      <mc:AlternateContent xmlns:mc="http://schemas.openxmlformats.org/markup-compatibility/2006">
+        <mc:Choice xmlns:a14="http://schemas.microsoft.com/office/drawing/2010/main" Requires="a14">
+          <p:sp>
+            <p:nvSpPr>
+              <p:cNvPr id="7" name="テキスト ボックス 6">
+                <a:extLst>
+                  <a:ext uri="{FF2B5EF4-FFF2-40B4-BE49-F238E27FC236}">
+                    <a16:creationId xmlns:a16="http://schemas.microsoft.com/office/drawing/2014/main" id="{7486EE40-6704-44A2-8B39-1E54164A1B6C}"/>
+                  </a:ext>
+                </a:extLst>
+              </p:cNvPr>
+              <p:cNvSpPr txBox="1"/>
+              <p:nvPr/>
+            </p:nvSpPr>
+            <p:spPr>
+              <a:xfrm>
+                <a:off x="2987824" y="2348880"/>
+                <a:ext cx="3903248" cy="1384418"/>
+              </a:xfrm>
+              <a:prstGeom prst="rect">
+                <a:avLst/>
+              </a:prstGeom>
+              <a:noFill/>
+            </p:spPr>
+            <p:txBody>
+              <a:bodyPr wrap="none" lIns="0" tIns="0" rIns="0" bIns="0" rtlCol="0">
+                <a:spAutoFit/>
+              </a:bodyPr>
+              <a:lstStyle/>
+              <a:p>
+                <a14:m>
+                  <m:oMathPara xmlns:m="http://schemas.openxmlformats.org/officeDocument/2006/math">
+                    <m:oMathParaPr>
+                      <m:jc m:val="centerGroup"/>
+                    </m:oMathParaPr>
+                    <m:oMath xmlns:m="http://schemas.openxmlformats.org/officeDocument/2006/math">
+                      <m:r>
+                        <a:rPr kumimoji="1" lang="en-US" altLang="ja-JP" sz="3200" b="0" i="1" smtClean="0">
+                          <a:latin typeface="Cambria Math" panose="02040503050406030204" pitchFamily="18" charset="0"/>
+                        </a:rPr>
+                        <m:t>𝜇</m:t>
+                      </m:r>
+                      <m:r>
+                        <a:rPr kumimoji="1" lang="en-US" altLang="ja-JP" sz="3200" b="0" i="1" smtClean="0">
+                          <a:latin typeface="Cambria Math" panose="02040503050406030204" pitchFamily="18" charset="0"/>
+                        </a:rPr>
+                        <m:t>=</m:t>
+                      </m:r>
+                      <m:f>
+                        <m:fPr>
+                          <m:ctrlPr>
+                            <a:rPr kumimoji="1" lang="en-US" altLang="ja-JP" sz="3200" b="0" i="1" smtClean="0">
+                              <a:latin typeface="Cambria Math" panose="02040503050406030204" pitchFamily="18" charset="0"/>
+                            </a:rPr>
+                          </m:ctrlPr>
+                        </m:fPr>
+                        <m:num>
+                          <m:r>
+                            <a:rPr kumimoji="1" lang="en-US" altLang="ja-JP" sz="3200" b="0" i="1" smtClean="0">
+                              <a:latin typeface="Cambria Math" panose="02040503050406030204" pitchFamily="18" charset="0"/>
+                            </a:rPr>
+                            <m:t>1</m:t>
+                          </m:r>
+                        </m:num>
+                        <m:den>
+                          <m:r>
+                            <a:rPr kumimoji="1" lang="en-US" altLang="ja-JP" sz="3200" b="0" i="1" smtClean="0">
+                              <a:latin typeface="Cambria Math" panose="02040503050406030204" pitchFamily="18" charset="0"/>
+                            </a:rPr>
+                            <m:t>6</m:t>
+                          </m:r>
+                        </m:den>
+                      </m:f>
+                      <m:nary>
+                        <m:naryPr>
+                          <m:chr m:val="∑"/>
+                          <m:ctrlPr>
+                            <a:rPr kumimoji="1" lang="en-US" altLang="ja-JP" sz="3200" b="0" i="1" smtClean="0">
+                              <a:latin typeface="Cambria Math" panose="02040503050406030204" pitchFamily="18" charset="0"/>
+                            </a:rPr>
+                          </m:ctrlPr>
+                        </m:naryPr>
+                        <m:sub>
+                          <m:r>
+                            <a:rPr kumimoji="1" lang="en-US" altLang="ja-JP" sz="3200" b="0" i="1" smtClean="0">
+                              <a:latin typeface="Cambria Math" panose="02040503050406030204" pitchFamily="18" charset="0"/>
+                            </a:rPr>
+                            <m:t>𝑘</m:t>
+                          </m:r>
+                          <m:r>
+                            <a:rPr kumimoji="1" lang="en-US" altLang="ja-JP" sz="3200" b="0" i="1" smtClean="0">
+                              <a:latin typeface="Cambria Math" panose="02040503050406030204" pitchFamily="18" charset="0"/>
+                            </a:rPr>
+                            <m:t>=1</m:t>
+                          </m:r>
+                        </m:sub>
+                        <m:sup>
+                          <m:r>
+                            <a:rPr kumimoji="1" lang="en-US" altLang="ja-JP" sz="3200" b="0" i="1" smtClean="0">
+                              <a:latin typeface="Cambria Math" panose="02040503050406030204" pitchFamily="18" charset="0"/>
+                            </a:rPr>
+                            <m:t>6</m:t>
+                          </m:r>
+                        </m:sup>
+                        <m:e>
+                          <m:r>
+                            <a:rPr kumimoji="1" lang="en-US" altLang="ja-JP" sz="3200" b="0" i="1" smtClean="0">
+                              <a:latin typeface="Cambria Math" panose="02040503050406030204" pitchFamily="18" charset="0"/>
+                            </a:rPr>
+                            <m:t>𝑘</m:t>
+                          </m:r>
+                        </m:e>
+                      </m:nary>
+                      <m:r>
+                        <a:rPr kumimoji="1" lang="en-US" altLang="ja-JP" sz="3200" b="0" i="1" smtClean="0">
+                          <a:latin typeface="Cambria Math" panose="02040503050406030204" pitchFamily="18" charset="0"/>
+                        </a:rPr>
+                        <m:t>=</m:t>
+                      </m:r>
+                      <m:f>
+                        <m:fPr>
+                          <m:ctrlPr>
+                            <a:rPr kumimoji="1" lang="en-US" altLang="ja-JP" sz="3200" b="0" i="1" smtClean="0">
+                              <a:latin typeface="Cambria Math" panose="02040503050406030204" pitchFamily="18" charset="0"/>
+                            </a:rPr>
+                          </m:ctrlPr>
+                        </m:fPr>
+                        <m:num>
+                          <m:r>
+                            <a:rPr kumimoji="1" lang="en-US" altLang="ja-JP" sz="3200" b="0" i="1" smtClean="0">
+                              <a:latin typeface="Cambria Math" panose="02040503050406030204" pitchFamily="18" charset="0"/>
+                            </a:rPr>
+                            <m:t>7</m:t>
+                          </m:r>
+                        </m:num>
+                        <m:den>
+                          <m:r>
+                            <a:rPr kumimoji="1" lang="en-US" altLang="ja-JP" sz="3200" b="0" i="1" smtClean="0">
+                              <a:latin typeface="Cambria Math" panose="02040503050406030204" pitchFamily="18" charset="0"/>
+                            </a:rPr>
+                            <m:t>2</m:t>
+                          </m:r>
+                        </m:den>
+                      </m:f>
+                      <m:r>
+                        <a:rPr kumimoji="1" lang="en-US" altLang="ja-JP" sz="3200" b="0" i="1" smtClean="0">
+                          <a:latin typeface="Cambria Math" panose="02040503050406030204" pitchFamily="18" charset="0"/>
+                        </a:rPr>
+                        <m:t>=3.5</m:t>
+                      </m:r>
+                    </m:oMath>
+                  </m:oMathPara>
+                </a14:m>
+                <a:endParaRPr kumimoji="1" lang="ja-JP" altLang="en-US" sz="3200" dirty="0"/>
+              </a:p>
+            </p:txBody>
+          </p:sp>
+        </mc:Choice>
+        <mc:Fallback>
+          <p:sp>
+            <p:nvSpPr>
+              <p:cNvPr id="7" name="テキスト ボックス 6">
+                <a:extLst>
+                  <a:ext uri="{FF2B5EF4-FFF2-40B4-BE49-F238E27FC236}">
+                    <a16:creationId xmlns:a16="http://schemas.microsoft.com/office/drawing/2014/main" id="{7486EE40-6704-44A2-8B39-1E54164A1B6C}"/>
+                  </a:ext>
+                </a:extLst>
+              </p:cNvPr>
+              <p:cNvSpPr txBox="1">
+                <a:spLocks noRot="1" noChangeAspect="1" noMove="1" noResize="1" noEditPoints="1" noAdjustHandles="1" noChangeArrowheads="1" noChangeShapeType="1" noTextEdit="1"/>
+              </p:cNvSpPr>
+              <p:nvPr/>
+            </p:nvSpPr>
+            <p:spPr>
+              <a:xfrm>
+                <a:off x="2987824" y="2348880"/>
+                <a:ext cx="3903248" cy="1384418"/>
+              </a:xfrm>
+              <a:prstGeom prst="rect">
+                <a:avLst/>
+              </a:prstGeom>
+              <a:blipFill>
+                <a:blip r:embed="rId3"/>
+                <a:stretch>
+                  <a:fillRect/>
+                </a:stretch>
+              </a:blipFill>
+            </p:spPr>
+            <p:txBody>
+              <a:bodyPr/>
+              <a:lstStyle/>
+              <a:p>
+                <a:r>
+                  <a:rPr lang="ja-JP" altLang="en-US">
+                    <a:noFill/>
+                  </a:rPr>
+                  <a:t> </a:t>
+                </a:r>
+              </a:p>
+            </p:txBody>
+          </p:sp>
+        </mc:Fallback>
+      </mc:AlternateContent>
+      <p:sp>
+        <p:nvSpPr>
+          <p:cNvPr id="8" name="テキスト ボックス 7">
+            <a:extLst>
+              <a:ext uri="{FF2B5EF4-FFF2-40B4-BE49-F238E27FC236}">
+                <a16:creationId xmlns:a16="http://schemas.microsoft.com/office/drawing/2014/main" id="{783D1960-E0B7-494B-BDA2-788A604907F2}"/>
+              </a:ext>
+            </a:extLst>
+          </p:cNvPr>
+          <p:cNvSpPr txBox="1"/>
+          <p:nvPr/>
+        </p:nvSpPr>
+        <p:spPr>
+          <a:xfrm>
+            <a:off x="323528" y="4437112"/>
+            <a:ext cx="2339102" cy="523220"/>
+          </a:xfrm>
+          <a:prstGeom prst="rect">
+            <a:avLst/>
+          </a:prstGeom>
+          <a:noFill/>
+        </p:spPr>
+        <p:txBody>
+          <a:bodyPr wrap="none" rtlCol="0">
+            <a:spAutoFit/>
+          </a:bodyPr>
+          <a:lstStyle/>
+          <a:p>
+            <a:r>
+              <a:rPr kumimoji="1" lang="ja-JP" altLang="en-US" sz="2800" dirty="0"/>
+              <a:t>期待値</a:t>
+            </a:r>
+            <a:r>
+              <a:rPr lang="ja-JP" altLang="en-US" sz="2800" dirty="0"/>
+              <a:t>の逆数</a:t>
+            </a:r>
+            <a:endParaRPr kumimoji="1" lang="en-US" altLang="ja-JP" sz="2800" dirty="0"/>
+          </a:p>
+        </p:txBody>
+      </p:sp>
+      <mc:AlternateContent xmlns:mc="http://schemas.openxmlformats.org/markup-compatibility/2006">
+        <mc:Choice xmlns:a14="http://schemas.microsoft.com/office/drawing/2010/main" Requires="a14">
+          <p:sp>
+            <p:nvSpPr>
+              <p:cNvPr id="9" name="テキスト ボックス 8">
+                <a:extLst>
+                  <a:ext uri="{FF2B5EF4-FFF2-40B4-BE49-F238E27FC236}">
+                    <a16:creationId xmlns:a16="http://schemas.microsoft.com/office/drawing/2014/main" id="{76D3636F-0FA0-4931-A27E-2DCFA92F672B}"/>
+                  </a:ext>
+                </a:extLst>
+              </p:cNvPr>
+              <p:cNvSpPr txBox="1"/>
+              <p:nvPr/>
+            </p:nvSpPr>
+            <p:spPr>
+              <a:xfrm>
+                <a:off x="3059832" y="4293096"/>
+                <a:ext cx="2626296" cy="1002326"/>
+              </a:xfrm>
+              <a:prstGeom prst="rect">
+                <a:avLst/>
+              </a:prstGeom>
+              <a:noFill/>
+            </p:spPr>
+            <p:txBody>
+              <a:bodyPr wrap="none" lIns="0" tIns="0" rIns="0" bIns="0" rtlCol="0">
+                <a:spAutoFit/>
+              </a:bodyPr>
+              <a:lstStyle/>
+              <a:p>
+                <a14:m>
+                  <m:oMathPara xmlns:m="http://schemas.openxmlformats.org/officeDocument/2006/math">
+                    <m:oMathParaPr>
+                      <m:jc m:val="centerGroup"/>
+                    </m:oMathParaPr>
+                    <m:oMath xmlns:m="http://schemas.openxmlformats.org/officeDocument/2006/math">
+                      <m:f>
+                        <m:fPr>
+                          <m:ctrlPr>
+                            <a:rPr kumimoji="1" lang="en-US" altLang="ja-JP" sz="3200" b="0" i="1" smtClean="0">
+                              <a:latin typeface="Cambria Math" panose="02040503050406030204" pitchFamily="18" charset="0"/>
+                            </a:rPr>
+                          </m:ctrlPr>
+                        </m:fPr>
+                        <m:num>
+                          <m:r>
+                            <a:rPr kumimoji="1" lang="en-US" altLang="ja-JP" sz="3200" b="0" i="1" smtClean="0">
+                              <a:latin typeface="Cambria Math" panose="02040503050406030204" pitchFamily="18" charset="0"/>
+                            </a:rPr>
+                            <m:t>1</m:t>
+                          </m:r>
+                        </m:num>
+                        <m:den>
+                          <m:r>
+                            <a:rPr kumimoji="1" lang="en-US" altLang="ja-JP" sz="3200" b="0" i="1" smtClean="0">
+                              <a:latin typeface="Cambria Math" panose="02040503050406030204" pitchFamily="18" charset="0"/>
+                            </a:rPr>
+                            <m:t>𝜇</m:t>
+                          </m:r>
+                        </m:den>
+                      </m:f>
+                      <m:r>
+                        <a:rPr kumimoji="1" lang="en-US" altLang="ja-JP" sz="3200" b="0" i="1" smtClean="0">
+                          <a:latin typeface="Cambria Math" panose="02040503050406030204" pitchFamily="18" charset="0"/>
+                        </a:rPr>
+                        <m:t>=</m:t>
+                      </m:r>
+                      <m:f>
+                        <m:fPr>
+                          <m:ctrlPr>
+                            <a:rPr kumimoji="1" lang="en-US" altLang="ja-JP" sz="3200" b="0" i="1" smtClean="0">
+                              <a:latin typeface="Cambria Math" panose="02040503050406030204" pitchFamily="18" charset="0"/>
+                            </a:rPr>
+                          </m:ctrlPr>
+                        </m:fPr>
+                        <m:num>
+                          <m:r>
+                            <a:rPr kumimoji="1" lang="en-US" altLang="ja-JP" sz="3200" b="0" i="1" smtClean="0">
+                              <a:latin typeface="Cambria Math" panose="02040503050406030204" pitchFamily="18" charset="0"/>
+                            </a:rPr>
+                            <m:t>2</m:t>
+                          </m:r>
+                        </m:num>
+                        <m:den>
+                          <m:r>
+                            <a:rPr kumimoji="1" lang="en-US" altLang="ja-JP" sz="3200" b="0" i="1" smtClean="0">
+                              <a:latin typeface="Cambria Math" panose="02040503050406030204" pitchFamily="18" charset="0"/>
+                            </a:rPr>
+                            <m:t>7</m:t>
+                          </m:r>
+                        </m:den>
+                      </m:f>
+                      <m:r>
+                        <a:rPr kumimoji="1" lang="en-US" altLang="ja-JP" sz="3200" b="0" i="1" smtClean="0">
+                          <a:latin typeface="Cambria Math" panose="02040503050406030204" pitchFamily="18" charset="0"/>
+                        </a:rPr>
+                        <m:t>∼0.286</m:t>
+                      </m:r>
+                    </m:oMath>
+                  </m:oMathPara>
+                </a14:m>
+                <a:endParaRPr kumimoji="1" lang="ja-JP" altLang="en-US" sz="3200" dirty="0"/>
+              </a:p>
+            </p:txBody>
+          </p:sp>
+        </mc:Choice>
+        <mc:Fallback>
+          <p:sp>
+            <p:nvSpPr>
+              <p:cNvPr id="9" name="テキスト ボックス 8">
+                <a:extLst>
+                  <a:ext uri="{FF2B5EF4-FFF2-40B4-BE49-F238E27FC236}">
+                    <a16:creationId xmlns:a16="http://schemas.microsoft.com/office/drawing/2014/main" id="{76D3636F-0FA0-4931-A27E-2DCFA92F672B}"/>
+                  </a:ext>
+                </a:extLst>
+              </p:cNvPr>
+              <p:cNvSpPr txBox="1">
+                <a:spLocks noRot="1" noChangeAspect="1" noMove="1" noResize="1" noEditPoints="1" noAdjustHandles="1" noChangeArrowheads="1" noChangeShapeType="1" noTextEdit="1"/>
+              </p:cNvSpPr>
+              <p:nvPr/>
+            </p:nvSpPr>
+            <p:spPr>
+              <a:xfrm>
+                <a:off x="3059832" y="4293096"/>
+                <a:ext cx="2626296" cy="1002326"/>
+              </a:xfrm>
+              <a:prstGeom prst="rect">
+                <a:avLst/>
+              </a:prstGeom>
+              <a:blipFill>
+                <a:blip r:embed="rId4"/>
+                <a:stretch>
+                  <a:fillRect/>
+                </a:stretch>
+              </a:blipFill>
+            </p:spPr>
+            <p:txBody>
+              <a:bodyPr/>
+              <a:lstStyle/>
+              <a:p>
+                <a:r>
+                  <a:rPr lang="ja-JP" altLang="en-US">
+                    <a:noFill/>
+                  </a:rPr>
+                  <a:t> </a:t>
+                </a:r>
+              </a:p>
+            </p:txBody>
+          </p:sp>
+        </mc:Fallback>
+      </mc:AlternateContent>
+    </p:spTree>
+    <p:extLst>
+      <p:ext uri="{BB962C8B-B14F-4D97-AF65-F5344CB8AC3E}">
+        <p14:creationId xmlns:p14="http://schemas.microsoft.com/office/powerpoint/2010/main" val="3163214041"/>
+      </p:ext>
+    </p:extLst>
+  </p:cSld>
+  <p:clrMapOvr>
+    <a:masterClrMapping/>
+  </p:clrMapOvr>
+</p:sld>
+</file>
+
+<file path=ppt/slides/slide44.xml><?xml version="1.0" encoding="utf-8"?>
+<p:sld xmlns:a="http://schemas.openxmlformats.org/drawingml/2006/main" xmlns:r="http://schemas.openxmlformats.org/officeDocument/2006/relationships" xmlns:p="http://schemas.openxmlformats.org/presentationml/2006/main">
+  <p:cSld>
+    <p:spTree>
+      <p:nvGrpSpPr>
+        <p:cNvPr id="1" name=""/>
+        <p:cNvGrpSpPr/>
+        <p:nvPr/>
+      </p:nvGrpSpPr>
+      <p:grpSpPr>
+        <a:xfrm>
+          <a:off x="0" y="0"/>
+          <a:ext cx="0" cy="0"/>
+          <a:chOff x="0" y="0"/>
+          <a:chExt cx="0" cy="0"/>
+        </a:xfrm>
+      </p:grpSpPr>
+      <p:sp>
+        <p:nvSpPr>
+          <p:cNvPr id="2" name="テキスト プレースホルダー 1">
+            <a:extLst>
+              <a:ext uri="{FF2B5EF4-FFF2-40B4-BE49-F238E27FC236}">
+                <a16:creationId xmlns:a16="http://schemas.microsoft.com/office/drawing/2014/main" id="{83608975-08E1-476B-A7E1-0D5379C8A9C1}"/>
+              </a:ext>
+            </a:extLst>
+          </p:cNvPr>
+          <p:cNvSpPr>
+            <a:spLocks noGrp="1"/>
+          </p:cNvSpPr>
+          <p:nvPr>
+            <p:ph type="body" sz="quarter" idx="10"/>
+          </p:nvPr>
+        </p:nvSpPr>
+        <p:spPr/>
+        <p:txBody>
+          <a:bodyPr/>
+          <a:lstStyle/>
+          <a:p>
+            <a:r>
+              <a:rPr kumimoji="1" lang="ja-JP" altLang="en-US" dirty="0"/>
+              <a:t>不偏推定量と</a:t>
+            </a:r>
+            <a:r>
+              <a:rPr kumimoji="1" lang="en-US" altLang="ja-JP" dirty="0"/>
+              <a:t>Jackknife</a:t>
+            </a:r>
+            <a:r>
+              <a:rPr kumimoji="1" lang="ja-JP" altLang="en-US" dirty="0"/>
+              <a:t>法</a:t>
+            </a:r>
+          </a:p>
+        </p:txBody>
+      </p:sp>
+      <p:pic>
+        <p:nvPicPr>
+          <p:cNvPr id="3" name="図 2">
+            <a:extLst>
+              <a:ext uri="{FF2B5EF4-FFF2-40B4-BE49-F238E27FC236}">
+                <a16:creationId xmlns:a16="http://schemas.microsoft.com/office/drawing/2014/main" id="{956B0949-244D-431B-A47F-4758EC9C736B}"/>
+              </a:ext>
+            </a:extLst>
+          </p:cNvPr>
+          <p:cNvPicPr>
+            <a:picLocks noChangeAspect="1"/>
+          </p:cNvPicPr>
+          <p:nvPr/>
+        </p:nvPicPr>
+        <p:blipFill>
+          <a:blip r:embed="rId3"/>
+          <a:stretch>
+            <a:fillRect/>
+          </a:stretch>
+        </p:blipFill>
+        <p:spPr>
+          <a:xfrm>
+            <a:off x="611560" y="1124744"/>
+            <a:ext cx="952500" cy="952500"/>
+          </a:xfrm>
+          <a:prstGeom prst="rect">
+            <a:avLst/>
+          </a:prstGeom>
+        </p:spPr>
+      </p:pic>
+      <p:sp>
+        <p:nvSpPr>
+          <p:cNvPr id="4" name="テキスト ボックス 3">
+            <a:extLst>
+              <a:ext uri="{FF2B5EF4-FFF2-40B4-BE49-F238E27FC236}">
+                <a16:creationId xmlns:a16="http://schemas.microsoft.com/office/drawing/2014/main" id="{2F4C3F33-4644-4A66-8225-5D9505C58A46}"/>
+              </a:ext>
+            </a:extLst>
+          </p:cNvPr>
+          <p:cNvSpPr txBox="1"/>
+          <p:nvPr/>
+        </p:nvSpPr>
+        <p:spPr>
+          <a:xfrm>
+            <a:off x="1835696" y="1340768"/>
+            <a:ext cx="4605748" cy="584775"/>
+          </a:xfrm>
+          <a:prstGeom prst="rect">
+            <a:avLst/>
+          </a:prstGeom>
+          <a:noFill/>
+        </p:spPr>
+        <p:txBody>
+          <a:bodyPr wrap="none" rtlCol="0">
+            <a:spAutoFit/>
+          </a:bodyPr>
+          <a:lstStyle/>
+          <a:p>
+            <a:r>
+              <a:rPr lang="ja-JP" altLang="en-US" sz="3200" dirty="0"/>
+              <a:t>サイコロを</a:t>
+            </a:r>
+            <a:r>
+              <a:rPr lang="en-US" altLang="ja-JP" sz="3200" dirty="0"/>
+              <a:t>65536</a:t>
+            </a:r>
+            <a:r>
+              <a:rPr lang="ja-JP" altLang="en-US" sz="3200" dirty="0"/>
+              <a:t>回振る</a:t>
+            </a:r>
+            <a:endParaRPr kumimoji="1" lang="ja-JP" altLang="en-US" sz="3200" dirty="0"/>
+          </a:p>
+        </p:txBody>
+      </p:sp>
+      <p:sp>
+        <p:nvSpPr>
+          <p:cNvPr id="5" name="正方形/長方形 4">
+            <a:extLst>
+              <a:ext uri="{FF2B5EF4-FFF2-40B4-BE49-F238E27FC236}">
+                <a16:creationId xmlns:a16="http://schemas.microsoft.com/office/drawing/2014/main" id="{8B07306E-BF0F-452B-A51D-1002931EB43C}"/>
+              </a:ext>
+            </a:extLst>
+          </p:cNvPr>
+          <p:cNvSpPr/>
+          <p:nvPr/>
+        </p:nvSpPr>
+        <p:spPr>
+          <a:xfrm>
+            <a:off x="971600" y="2204864"/>
+            <a:ext cx="5760640" cy="432048"/>
+          </a:xfrm>
+          <a:prstGeom prst="rect">
+            <a:avLst/>
+          </a:prstGeom>
+          <a:solidFill>
+            <a:schemeClr val="accent1">
+              <a:lumMod val="20000"/>
+              <a:lumOff val="80000"/>
+            </a:schemeClr>
+          </a:solidFill>
+          <a:ln>
+            <a:solidFill>
+              <a:schemeClr val="tx1"/>
+            </a:solidFill>
+          </a:ln>
+        </p:spPr>
+        <p:style>
+          <a:lnRef idx="2">
+            <a:schemeClr val="accent1">
+              <a:shade val="50000"/>
+            </a:schemeClr>
+          </a:lnRef>
+          <a:fillRef idx="1">
+            <a:schemeClr val="accent1"/>
+          </a:fillRef>
+          <a:effectRef idx="0">
+            <a:schemeClr val="accent1"/>
+          </a:effectRef>
+          <a:fontRef idx="minor">
+            <a:schemeClr val="lt1"/>
+          </a:fontRef>
+        </p:style>
+        <p:txBody>
+          <a:bodyPr rtlCol="0" anchor="ctr"/>
+          <a:lstStyle/>
+          <a:p>
+            <a:pPr algn="ctr"/>
+            <a:endParaRPr kumimoji="1" lang="ja-JP" altLang="en-US"/>
+          </a:p>
+        </p:txBody>
+      </p:sp>
+      <p:sp>
+        <p:nvSpPr>
+          <p:cNvPr id="9" name="正方形/長方形 8">
+            <a:extLst>
+              <a:ext uri="{FF2B5EF4-FFF2-40B4-BE49-F238E27FC236}">
+                <a16:creationId xmlns:a16="http://schemas.microsoft.com/office/drawing/2014/main" id="{0EB1B827-E9C0-4693-93C9-BEC6E986F8AC}"/>
+              </a:ext>
+            </a:extLst>
+          </p:cNvPr>
+          <p:cNvSpPr/>
+          <p:nvPr/>
+        </p:nvSpPr>
+        <p:spPr>
+          <a:xfrm>
+            <a:off x="2267744" y="3068960"/>
+            <a:ext cx="720080" cy="432048"/>
+          </a:xfrm>
+          <a:prstGeom prst="rect">
+            <a:avLst/>
+          </a:prstGeom>
+          <a:solidFill>
+            <a:schemeClr val="accent1">
+              <a:lumMod val="20000"/>
+              <a:lumOff val="80000"/>
+            </a:schemeClr>
+          </a:solidFill>
+          <a:ln>
+            <a:solidFill>
+              <a:schemeClr val="tx1"/>
+            </a:solidFill>
+          </a:ln>
+        </p:spPr>
+        <p:style>
+          <a:lnRef idx="2">
+            <a:schemeClr val="accent1">
+              <a:shade val="50000"/>
+            </a:schemeClr>
+          </a:lnRef>
+          <a:fillRef idx="1">
+            <a:schemeClr val="accent1"/>
+          </a:fillRef>
+          <a:effectRef idx="0">
+            <a:schemeClr val="accent1"/>
+          </a:effectRef>
+          <a:fontRef idx="minor">
+            <a:schemeClr val="lt1"/>
+          </a:fontRef>
+        </p:style>
+        <p:txBody>
+          <a:bodyPr rtlCol="0" anchor="ctr"/>
+          <a:lstStyle/>
+          <a:p>
+            <a:pPr algn="ctr"/>
+            <a:endParaRPr kumimoji="1" lang="ja-JP" altLang="en-US"/>
+          </a:p>
+        </p:txBody>
+      </p:sp>
+      <p:sp>
+        <p:nvSpPr>
+          <p:cNvPr id="10" name="正方形/長方形 9">
+            <a:extLst>
+              <a:ext uri="{FF2B5EF4-FFF2-40B4-BE49-F238E27FC236}">
+                <a16:creationId xmlns:a16="http://schemas.microsoft.com/office/drawing/2014/main" id="{803B7F0F-19D2-43FD-B3DA-5F6E93720DBD}"/>
+              </a:ext>
+            </a:extLst>
+          </p:cNvPr>
+          <p:cNvSpPr/>
+          <p:nvPr/>
+        </p:nvSpPr>
+        <p:spPr>
+          <a:xfrm>
+            <a:off x="2987824" y="3068960"/>
+            <a:ext cx="720080" cy="432048"/>
+          </a:xfrm>
+          <a:prstGeom prst="rect">
+            <a:avLst/>
+          </a:prstGeom>
+          <a:solidFill>
+            <a:schemeClr val="accent1">
+              <a:lumMod val="20000"/>
+              <a:lumOff val="80000"/>
+            </a:schemeClr>
+          </a:solidFill>
+          <a:ln>
+            <a:solidFill>
+              <a:schemeClr val="tx1"/>
+            </a:solidFill>
+          </a:ln>
+        </p:spPr>
+        <p:style>
+          <a:lnRef idx="2">
+            <a:schemeClr val="accent1">
+              <a:shade val="50000"/>
+            </a:schemeClr>
+          </a:lnRef>
+          <a:fillRef idx="1">
+            <a:schemeClr val="accent1"/>
+          </a:fillRef>
+          <a:effectRef idx="0">
+            <a:schemeClr val="accent1"/>
+          </a:effectRef>
+          <a:fontRef idx="minor">
+            <a:schemeClr val="lt1"/>
+          </a:fontRef>
+        </p:style>
+        <p:txBody>
+          <a:bodyPr rtlCol="0" anchor="ctr"/>
+          <a:lstStyle/>
+          <a:p>
+            <a:pPr algn="ctr"/>
+            <a:endParaRPr kumimoji="1" lang="ja-JP" altLang="en-US"/>
+          </a:p>
+        </p:txBody>
+      </p:sp>
+      <p:sp>
+        <p:nvSpPr>
+          <p:cNvPr id="11" name="正方形/長方形 10">
+            <a:extLst>
+              <a:ext uri="{FF2B5EF4-FFF2-40B4-BE49-F238E27FC236}">
+                <a16:creationId xmlns:a16="http://schemas.microsoft.com/office/drawing/2014/main" id="{9F3D1766-C2F6-4C72-8E49-7F0AF5EDD4B4}"/>
+              </a:ext>
+            </a:extLst>
+          </p:cNvPr>
+          <p:cNvSpPr/>
+          <p:nvPr/>
+        </p:nvSpPr>
+        <p:spPr>
+          <a:xfrm>
+            <a:off x="3707904" y="3068960"/>
+            <a:ext cx="720080" cy="432048"/>
+          </a:xfrm>
+          <a:prstGeom prst="rect">
+            <a:avLst/>
+          </a:prstGeom>
+          <a:solidFill>
+            <a:schemeClr val="accent1">
+              <a:lumMod val="20000"/>
+              <a:lumOff val="80000"/>
+            </a:schemeClr>
+          </a:solidFill>
+          <a:ln>
+            <a:solidFill>
+              <a:schemeClr val="tx1"/>
+            </a:solidFill>
+          </a:ln>
+        </p:spPr>
+        <p:style>
+          <a:lnRef idx="2">
+            <a:schemeClr val="accent1">
+              <a:shade val="50000"/>
+            </a:schemeClr>
+          </a:lnRef>
+          <a:fillRef idx="1">
+            <a:schemeClr val="accent1"/>
+          </a:fillRef>
+          <a:effectRef idx="0">
+            <a:schemeClr val="accent1"/>
+          </a:effectRef>
+          <a:fontRef idx="minor">
+            <a:schemeClr val="lt1"/>
+          </a:fontRef>
+        </p:style>
+        <p:txBody>
+          <a:bodyPr rtlCol="0" anchor="ctr"/>
+          <a:lstStyle/>
+          <a:p>
+            <a:pPr algn="ctr"/>
+            <a:endParaRPr kumimoji="1" lang="ja-JP" altLang="en-US"/>
+          </a:p>
+        </p:txBody>
+      </p:sp>
+      <p:sp>
+        <p:nvSpPr>
+          <p:cNvPr id="12" name="正方形/長方形 11">
+            <a:extLst>
+              <a:ext uri="{FF2B5EF4-FFF2-40B4-BE49-F238E27FC236}">
+                <a16:creationId xmlns:a16="http://schemas.microsoft.com/office/drawing/2014/main" id="{1AF8AB3B-4514-4E79-82D5-CE5F38FAF7BD}"/>
+              </a:ext>
+            </a:extLst>
+          </p:cNvPr>
+          <p:cNvSpPr/>
+          <p:nvPr/>
+        </p:nvSpPr>
+        <p:spPr>
+          <a:xfrm>
+            <a:off x="4427984" y="3068960"/>
+            <a:ext cx="720080" cy="432048"/>
+          </a:xfrm>
+          <a:prstGeom prst="rect">
+            <a:avLst/>
+          </a:prstGeom>
+          <a:solidFill>
+            <a:schemeClr val="accent1">
+              <a:lumMod val="20000"/>
+              <a:lumOff val="80000"/>
+            </a:schemeClr>
+          </a:solidFill>
+          <a:ln>
+            <a:solidFill>
+              <a:schemeClr val="tx1"/>
+            </a:solidFill>
+          </a:ln>
+        </p:spPr>
+        <p:style>
+          <a:lnRef idx="2">
+            <a:schemeClr val="accent1">
+              <a:shade val="50000"/>
+            </a:schemeClr>
+          </a:lnRef>
+          <a:fillRef idx="1">
+            <a:schemeClr val="accent1"/>
+          </a:fillRef>
+          <a:effectRef idx="0">
+            <a:schemeClr val="accent1"/>
+          </a:effectRef>
+          <a:fontRef idx="minor">
+            <a:schemeClr val="lt1"/>
+          </a:fontRef>
+        </p:style>
+        <p:txBody>
+          <a:bodyPr rtlCol="0" anchor="ctr"/>
+          <a:lstStyle/>
+          <a:p>
+            <a:pPr algn="ctr"/>
+            <a:endParaRPr kumimoji="1" lang="ja-JP" altLang="en-US"/>
+          </a:p>
+        </p:txBody>
+      </p:sp>
+      <p:sp>
+        <p:nvSpPr>
+          <p:cNvPr id="13" name="正方形/長方形 12">
+            <a:extLst>
+              <a:ext uri="{FF2B5EF4-FFF2-40B4-BE49-F238E27FC236}">
+                <a16:creationId xmlns:a16="http://schemas.microsoft.com/office/drawing/2014/main" id="{AB3EF0E5-485F-4535-97B8-701246CADF03}"/>
+              </a:ext>
+            </a:extLst>
+          </p:cNvPr>
+          <p:cNvSpPr/>
+          <p:nvPr/>
+        </p:nvSpPr>
+        <p:spPr>
+          <a:xfrm>
+            <a:off x="5148064" y="3068960"/>
+            <a:ext cx="720080" cy="432048"/>
+          </a:xfrm>
+          <a:prstGeom prst="rect">
+            <a:avLst/>
+          </a:prstGeom>
+          <a:solidFill>
+            <a:schemeClr val="accent1">
+              <a:lumMod val="20000"/>
+              <a:lumOff val="80000"/>
+            </a:schemeClr>
+          </a:solidFill>
+          <a:ln>
+            <a:solidFill>
+              <a:schemeClr val="tx1"/>
+            </a:solidFill>
+          </a:ln>
+        </p:spPr>
+        <p:style>
+          <a:lnRef idx="2">
+            <a:schemeClr val="accent1">
+              <a:shade val="50000"/>
+            </a:schemeClr>
+          </a:lnRef>
+          <a:fillRef idx="1">
+            <a:schemeClr val="accent1"/>
+          </a:fillRef>
+          <a:effectRef idx="0">
+            <a:schemeClr val="accent1"/>
+          </a:effectRef>
+          <a:fontRef idx="minor">
+            <a:schemeClr val="lt1"/>
+          </a:fontRef>
+        </p:style>
+        <p:txBody>
+          <a:bodyPr rtlCol="0" anchor="ctr"/>
+          <a:lstStyle/>
+          <a:p>
+            <a:pPr algn="ctr"/>
+            <a:endParaRPr kumimoji="1" lang="ja-JP" altLang="en-US"/>
+          </a:p>
+        </p:txBody>
+      </p:sp>
+      <p:sp>
+        <p:nvSpPr>
+          <p:cNvPr id="14" name="正方形/長方形 13">
+            <a:extLst>
+              <a:ext uri="{FF2B5EF4-FFF2-40B4-BE49-F238E27FC236}">
+                <a16:creationId xmlns:a16="http://schemas.microsoft.com/office/drawing/2014/main" id="{B27CEFD5-C316-4CB9-961A-9595D62C53D7}"/>
+              </a:ext>
+            </a:extLst>
+          </p:cNvPr>
+          <p:cNvSpPr/>
+          <p:nvPr/>
+        </p:nvSpPr>
+        <p:spPr>
+          <a:xfrm>
+            <a:off x="5868144" y="3068960"/>
+            <a:ext cx="720080" cy="432048"/>
+          </a:xfrm>
+          <a:prstGeom prst="rect">
+            <a:avLst/>
+          </a:prstGeom>
+          <a:solidFill>
+            <a:schemeClr val="accent1">
+              <a:lumMod val="20000"/>
+              <a:lumOff val="80000"/>
+            </a:schemeClr>
+          </a:solidFill>
+          <a:ln>
+            <a:solidFill>
+              <a:schemeClr val="tx1"/>
+            </a:solidFill>
+          </a:ln>
+        </p:spPr>
+        <p:style>
+          <a:lnRef idx="2">
+            <a:schemeClr val="accent1">
+              <a:shade val="50000"/>
+            </a:schemeClr>
+          </a:lnRef>
+          <a:fillRef idx="1">
+            <a:schemeClr val="accent1"/>
+          </a:fillRef>
+          <a:effectRef idx="0">
+            <a:schemeClr val="accent1"/>
+          </a:effectRef>
+          <a:fontRef idx="minor">
+            <a:schemeClr val="lt1"/>
+          </a:fontRef>
+        </p:style>
+        <p:txBody>
+          <a:bodyPr rtlCol="0" anchor="ctr"/>
+          <a:lstStyle/>
+          <a:p>
+            <a:pPr algn="ctr"/>
+            <a:endParaRPr kumimoji="1" lang="ja-JP" altLang="en-US"/>
+          </a:p>
+        </p:txBody>
+      </p:sp>
+      <p:sp>
+        <p:nvSpPr>
+          <p:cNvPr id="15" name="正方形/長方形 14">
+            <a:extLst>
+              <a:ext uri="{FF2B5EF4-FFF2-40B4-BE49-F238E27FC236}">
+                <a16:creationId xmlns:a16="http://schemas.microsoft.com/office/drawing/2014/main" id="{3A42CC92-01C5-48A5-BD2D-1F0F0CFFEAFE}"/>
+              </a:ext>
+            </a:extLst>
+          </p:cNvPr>
+          <p:cNvSpPr/>
+          <p:nvPr/>
+        </p:nvSpPr>
+        <p:spPr>
+          <a:xfrm>
+            <a:off x="6588224" y="3068960"/>
+            <a:ext cx="720080" cy="432048"/>
+          </a:xfrm>
+          <a:prstGeom prst="rect">
+            <a:avLst/>
+          </a:prstGeom>
+          <a:solidFill>
+            <a:schemeClr val="accent1">
+              <a:lumMod val="20000"/>
+              <a:lumOff val="80000"/>
+            </a:schemeClr>
+          </a:solidFill>
+          <a:ln>
+            <a:solidFill>
+              <a:schemeClr val="tx1"/>
+            </a:solidFill>
+          </a:ln>
+        </p:spPr>
+        <p:style>
+          <a:lnRef idx="2">
+            <a:schemeClr val="accent1">
+              <a:shade val="50000"/>
+            </a:schemeClr>
+          </a:lnRef>
+          <a:fillRef idx="1">
+            <a:schemeClr val="accent1"/>
+          </a:fillRef>
+          <a:effectRef idx="0">
+            <a:schemeClr val="accent1"/>
+          </a:effectRef>
+          <a:fontRef idx="minor">
+            <a:schemeClr val="lt1"/>
+          </a:fontRef>
+        </p:style>
+        <p:txBody>
+          <a:bodyPr rtlCol="0" anchor="ctr"/>
+          <a:lstStyle/>
+          <a:p>
+            <a:pPr algn="ctr"/>
+            <a:endParaRPr kumimoji="1" lang="ja-JP" altLang="en-US"/>
+          </a:p>
+        </p:txBody>
+      </p:sp>
+      <p:sp>
+        <p:nvSpPr>
+          <p:cNvPr id="16" name="正方形/長方形 15">
+            <a:extLst>
+              <a:ext uri="{FF2B5EF4-FFF2-40B4-BE49-F238E27FC236}">
+                <a16:creationId xmlns:a16="http://schemas.microsoft.com/office/drawing/2014/main" id="{3C498AAB-9FAB-449C-B038-283A86D1C18F}"/>
+              </a:ext>
+            </a:extLst>
+          </p:cNvPr>
+          <p:cNvSpPr/>
+          <p:nvPr/>
+        </p:nvSpPr>
+        <p:spPr>
+          <a:xfrm>
+            <a:off x="7308304" y="3068960"/>
+            <a:ext cx="720080" cy="432048"/>
+          </a:xfrm>
+          <a:prstGeom prst="rect">
+            <a:avLst/>
+          </a:prstGeom>
+          <a:solidFill>
+            <a:schemeClr val="accent1">
+              <a:lumMod val="20000"/>
+              <a:lumOff val="80000"/>
+            </a:schemeClr>
+          </a:solidFill>
+          <a:ln>
+            <a:solidFill>
+              <a:schemeClr val="tx1"/>
+            </a:solidFill>
+          </a:ln>
+        </p:spPr>
+        <p:style>
+          <a:lnRef idx="2">
+            <a:schemeClr val="accent1">
+              <a:shade val="50000"/>
+            </a:schemeClr>
+          </a:lnRef>
+          <a:fillRef idx="1">
+            <a:schemeClr val="accent1"/>
+          </a:fillRef>
+          <a:effectRef idx="0">
+            <a:schemeClr val="accent1"/>
+          </a:effectRef>
+          <a:fontRef idx="minor">
+            <a:schemeClr val="lt1"/>
+          </a:fontRef>
+        </p:style>
+        <p:txBody>
+          <a:bodyPr rtlCol="0" anchor="ctr"/>
+          <a:lstStyle/>
+          <a:p>
+            <a:pPr algn="ctr"/>
+            <a:endParaRPr kumimoji="1" lang="ja-JP" altLang="en-US"/>
+          </a:p>
+        </p:txBody>
+      </p:sp>
+      <p:sp>
+        <p:nvSpPr>
+          <p:cNvPr id="20" name="テキスト ボックス 19">
+            <a:extLst>
+              <a:ext uri="{FF2B5EF4-FFF2-40B4-BE49-F238E27FC236}">
+                <a16:creationId xmlns:a16="http://schemas.microsoft.com/office/drawing/2014/main" id="{ABF9F24E-6A16-4996-938C-B0C996D64E3F}"/>
+              </a:ext>
+            </a:extLst>
+          </p:cNvPr>
+          <p:cNvSpPr txBox="1"/>
+          <p:nvPr/>
+        </p:nvSpPr>
+        <p:spPr>
+          <a:xfrm>
+            <a:off x="323528" y="3068960"/>
+            <a:ext cx="1997968" cy="461665"/>
+          </a:xfrm>
+          <a:prstGeom prst="rect">
+            <a:avLst/>
+          </a:prstGeom>
+          <a:noFill/>
+        </p:spPr>
+        <p:txBody>
+          <a:bodyPr wrap="square">
+            <a:spAutoFit/>
+          </a:bodyPr>
+          <a:lstStyle/>
+          <a:p>
+            <a:r>
+              <a:rPr lang="en-US" altLang="ja-JP" sz="2400" dirty="0"/>
+              <a:t>4</a:t>
+            </a:r>
+            <a:r>
+              <a:rPr lang="ja-JP" altLang="en-US" sz="2400" dirty="0"/>
+              <a:t>個ずつ分割</a:t>
+            </a:r>
+          </a:p>
+        </p:txBody>
+      </p:sp>
+      <p:sp>
+        <p:nvSpPr>
+          <p:cNvPr id="21" name="正方形/長方形 20">
+            <a:extLst>
+              <a:ext uri="{FF2B5EF4-FFF2-40B4-BE49-F238E27FC236}">
+                <a16:creationId xmlns:a16="http://schemas.microsoft.com/office/drawing/2014/main" id="{064DC7B8-68A9-4573-BCD2-02617587679B}"/>
+              </a:ext>
+            </a:extLst>
+          </p:cNvPr>
+          <p:cNvSpPr/>
+          <p:nvPr/>
+        </p:nvSpPr>
+        <p:spPr>
+          <a:xfrm>
+            <a:off x="2267744" y="4005064"/>
+            <a:ext cx="1440160" cy="432048"/>
+          </a:xfrm>
+          <a:prstGeom prst="rect">
+            <a:avLst/>
+          </a:prstGeom>
+          <a:solidFill>
+            <a:schemeClr val="accent1">
+              <a:lumMod val="20000"/>
+              <a:lumOff val="80000"/>
+            </a:schemeClr>
+          </a:solidFill>
+          <a:ln>
+            <a:solidFill>
+              <a:schemeClr val="tx1"/>
+            </a:solidFill>
+          </a:ln>
+        </p:spPr>
+        <p:style>
+          <a:lnRef idx="2">
+            <a:schemeClr val="accent1">
+              <a:shade val="50000"/>
+            </a:schemeClr>
+          </a:lnRef>
+          <a:fillRef idx="1">
+            <a:schemeClr val="accent1"/>
+          </a:fillRef>
+          <a:effectRef idx="0">
+            <a:schemeClr val="accent1"/>
+          </a:effectRef>
+          <a:fontRef idx="minor">
+            <a:schemeClr val="lt1"/>
+          </a:fontRef>
+        </p:style>
+        <p:txBody>
+          <a:bodyPr rtlCol="0" anchor="ctr"/>
+          <a:lstStyle/>
+          <a:p>
+            <a:pPr algn="ctr"/>
+            <a:endParaRPr kumimoji="1" lang="ja-JP" altLang="en-US"/>
+          </a:p>
+        </p:txBody>
+      </p:sp>
+      <p:sp>
+        <p:nvSpPr>
+          <p:cNvPr id="23" name="正方形/長方形 22">
+            <a:extLst>
+              <a:ext uri="{FF2B5EF4-FFF2-40B4-BE49-F238E27FC236}">
+                <a16:creationId xmlns:a16="http://schemas.microsoft.com/office/drawing/2014/main" id="{D9799854-8A25-47F0-B6C7-0513618612A0}"/>
+              </a:ext>
+            </a:extLst>
+          </p:cNvPr>
+          <p:cNvSpPr/>
+          <p:nvPr/>
+        </p:nvSpPr>
+        <p:spPr>
+          <a:xfrm>
+            <a:off x="3707904" y="4005064"/>
+            <a:ext cx="1440160" cy="432048"/>
+          </a:xfrm>
+          <a:prstGeom prst="rect">
+            <a:avLst/>
+          </a:prstGeom>
+          <a:solidFill>
+            <a:schemeClr val="accent1">
+              <a:lumMod val="20000"/>
+              <a:lumOff val="80000"/>
+            </a:schemeClr>
+          </a:solidFill>
+          <a:ln>
+            <a:solidFill>
+              <a:schemeClr val="tx1"/>
+            </a:solidFill>
+          </a:ln>
+        </p:spPr>
+        <p:style>
+          <a:lnRef idx="2">
+            <a:schemeClr val="accent1">
+              <a:shade val="50000"/>
+            </a:schemeClr>
+          </a:lnRef>
+          <a:fillRef idx="1">
+            <a:schemeClr val="accent1"/>
+          </a:fillRef>
+          <a:effectRef idx="0">
+            <a:schemeClr val="accent1"/>
+          </a:effectRef>
+          <a:fontRef idx="minor">
+            <a:schemeClr val="lt1"/>
+          </a:fontRef>
+        </p:style>
+        <p:txBody>
+          <a:bodyPr rtlCol="0" anchor="ctr"/>
+          <a:lstStyle/>
+          <a:p>
+            <a:pPr algn="ctr"/>
+            <a:endParaRPr kumimoji="1" lang="ja-JP" altLang="en-US"/>
+          </a:p>
+        </p:txBody>
+      </p:sp>
+      <p:sp>
+        <p:nvSpPr>
+          <p:cNvPr id="25" name="正方形/長方形 24">
+            <a:extLst>
+              <a:ext uri="{FF2B5EF4-FFF2-40B4-BE49-F238E27FC236}">
+                <a16:creationId xmlns:a16="http://schemas.microsoft.com/office/drawing/2014/main" id="{668C72A0-E2E6-467D-919D-1B8D8EC47296}"/>
+              </a:ext>
+            </a:extLst>
+          </p:cNvPr>
+          <p:cNvSpPr/>
+          <p:nvPr/>
+        </p:nvSpPr>
+        <p:spPr>
+          <a:xfrm>
+            <a:off x="5148064" y="4005064"/>
+            <a:ext cx="1440160" cy="432048"/>
+          </a:xfrm>
+          <a:prstGeom prst="rect">
+            <a:avLst/>
+          </a:prstGeom>
+          <a:solidFill>
+            <a:schemeClr val="accent1">
+              <a:lumMod val="20000"/>
+              <a:lumOff val="80000"/>
+            </a:schemeClr>
+          </a:solidFill>
+          <a:ln>
+            <a:solidFill>
+              <a:schemeClr val="tx1"/>
+            </a:solidFill>
+          </a:ln>
+        </p:spPr>
+        <p:style>
+          <a:lnRef idx="2">
+            <a:schemeClr val="accent1">
+              <a:shade val="50000"/>
+            </a:schemeClr>
+          </a:lnRef>
+          <a:fillRef idx="1">
+            <a:schemeClr val="accent1"/>
+          </a:fillRef>
+          <a:effectRef idx="0">
+            <a:schemeClr val="accent1"/>
+          </a:effectRef>
+          <a:fontRef idx="minor">
+            <a:schemeClr val="lt1"/>
+          </a:fontRef>
+        </p:style>
+        <p:txBody>
+          <a:bodyPr rtlCol="0" anchor="ctr"/>
+          <a:lstStyle/>
+          <a:p>
+            <a:pPr algn="ctr"/>
+            <a:endParaRPr kumimoji="1" lang="ja-JP" altLang="en-US"/>
+          </a:p>
+        </p:txBody>
+      </p:sp>
+      <p:sp>
+        <p:nvSpPr>
+          <p:cNvPr id="27" name="正方形/長方形 26">
+            <a:extLst>
+              <a:ext uri="{FF2B5EF4-FFF2-40B4-BE49-F238E27FC236}">
+                <a16:creationId xmlns:a16="http://schemas.microsoft.com/office/drawing/2014/main" id="{8BBD3003-2057-41F7-A0D0-8F0128472CB3}"/>
+              </a:ext>
+            </a:extLst>
+          </p:cNvPr>
+          <p:cNvSpPr/>
+          <p:nvPr/>
+        </p:nvSpPr>
+        <p:spPr>
+          <a:xfrm>
+            <a:off x="6588224" y="4005064"/>
+            <a:ext cx="1440160" cy="432048"/>
+          </a:xfrm>
+          <a:prstGeom prst="rect">
+            <a:avLst/>
+          </a:prstGeom>
+          <a:solidFill>
+            <a:schemeClr val="accent1">
+              <a:lumMod val="20000"/>
+              <a:lumOff val="80000"/>
+            </a:schemeClr>
+          </a:solidFill>
+          <a:ln>
+            <a:solidFill>
+              <a:schemeClr val="tx1"/>
+            </a:solidFill>
+          </a:ln>
+        </p:spPr>
+        <p:style>
+          <a:lnRef idx="2">
+            <a:schemeClr val="accent1">
+              <a:shade val="50000"/>
+            </a:schemeClr>
+          </a:lnRef>
+          <a:fillRef idx="1">
+            <a:schemeClr val="accent1"/>
+          </a:fillRef>
+          <a:effectRef idx="0">
+            <a:schemeClr val="accent1"/>
+          </a:effectRef>
+          <a:fontRef idx="minor">
+            <a:schemeClr val="lt1"/>
+          </a:fontRef>
+        </p:style>
+        <p:txBody>
+          <a:bodyPr rtlCol="0" anchor="ctr"/>
+          <a:lstStyle/>
+          <a:p>
+            <a:pPr algn="ctr"/>
+            <a:endParaRPr kumimoji="1" lang="ja-JP" altLang="en-US"/>
+          </a:p>
+        </p:txBody>
+      </p:sp>
+      <p:sp>
+        <p:nvSpPr>
+          <p:cNvPr id="29" name="テキスト ボックス 28">
+            <a:extLst>
+              <a:ext uri="{FF2B5EF4-FFF2-40B4-BE49-F238E27FC236}">
+                <a16:creationId xmlns:a16="http://schemas.microsoft.com/office/drawing/2014/main" id="{E37A2691-D97B-4F9E-8B37-8F6143BA0437}"/>
+              </a:ext>
+            </a:extLst>
+          </p:cNvPr>
+          <p:cNvSpPr txBox="1"/>
+          <p:nvPr/>
+        </p:nvSpPr>
+        <p:spPr>
+          <a:xfrm>
+            <a:off x="323528" y="4005064"/>
+            <a:ext cx="1997968" cy="461665"/>
+          </a:xfrm>
+          <a:prstGeom prst="rect">
+            <a:avLst/>
+          </a:prstGeom>
+          <a:noFill/>
+        </p:spPr>
+        <p:txBody>
+          <a:bodyPr wrap="square">
+            <a:spAutoFit/>
+          </a:bodyPr>
+          <a:lstStyle/>
+          <a:p>
+            <a:r>
+              <a:rPr lang="en-US" altLang="ja-JP" sz="2400" dirty="0"/>
+              <a:t>8</a:t>
+            </a:r>
+            <a:r>
+              <a:rPr lang="ja-JP" altLang="en-US" sz="2400" dirty="0"/>
+              <a:t>個ずつ分割</a:t>
+            </a:r>
+          </a:p>
+        </p:txBody>
+      </p:sp>
+      <p:sp>
+        <p:nvSpPr>
+          <p:cNvPr id="30" name="テキスト ボックス 29">
+            <a:extLst>
+              <a:ext uri="{FF2B5EF4-FFF2-40B4-BE49-F238E27FC236}">
+                <a16:creationId xmlns:a16="http://schemas.microsoft.com/office/drawing/2014/main" id="{A7897CAB-DDDD-463B-844A-0544D59959DE}"/>
+              </a:ext>
+            </a:extLst>
+          </p:cNvPr>
+          <p:cNvSpPr txBox="1"/>
+          <p:nvPr/>
+        </p:nvSpPr>
+        <p:spPr>
+          <a:xfrm>
+            <a:off x="251520" y="4869160"/>
+            <a:ext cx="2088232" cy="461665"/>
+          </a:xfrm>
+          <a:prstGeom prst="rect">
+            <a:avLst/>
+          </a:prstGeom>
+          <a:noFill/>
+        </p:spPr>
+        <p:txBody>
+          <a:bodyPr wrap="square">
+            <a:spAutoFit/>
+          </a:bodyPr>
+          <a:lstStyle/>
+          <a:p>
+            <a:r>
+              <a:rPr lang="en-US" altLang="ja-JP" sz="2400" dirty="0"/>
+              <a:t>16</a:t>
+            </a:r>
+            <a:r>
+              <a:rPr lang="ja-JP" altLang="en-US" sz="2400" dirty="0"/>
+              <a:t>個ずつ分割</a:t>
+            </a:r>
+          </a:p>
+        </p:txBody>
+      </p:sp>
+      <p:sp>
+        <p:nvSpPr>
+          <p:cNvPr id="31" name="テキスト ボックス 30">
+            <a:extLst>
+              <a:ext uri="{FF2B5EF4-FFF2-40B4-BE49-F238E27FC236}">
+                <a16:creationId xmlns:a16="http://schemas.microsoft.com/office/drawing/2014/main" id="{2903EDDC-D2E6-47C2-929D-F3DC478C7D48}"/>
+              </a:ext>
+            </a:extLst>
+          </p:cNvPr>
+          <p:cNvSpPr txBox="1"/>
+          <p:nvPr/>
+        </p:nvSpPr>
+        <p:spPr>
+          <a:xfrm>
+            <a:off x="6732240" y="2204864"/>
+            <a:ext cx="877163" cy="369332"/>
+          </a:xfrm>
+          <a:prstGeom prst="rect">
+            <a:avLst/>
+          </a:prstGeom>
+          <a:noFill/>
+        </p:spPr>
+        <p:txBody>
+          <a:bodyPr wrap="none" rtlCol="0">
+            <a:spAutoFit/>
+          </a:bodyPr>
+          <a:lstStyle/>
+          <a:p>
+            <a:r>
+              <a:rPr lang="ja-JP" altLang="en-US" dirty="0"/>
+              <a:t>・・・</a:t>
+            </a:r>
+            <a:endParaRPr kumimoji="1" lang="ja-JP" altLang="en-US" dirty="0"/>
+          </a:p>
+        </p:txBody>
+      </p:sp>
+      <p:sp>
+        <p:nvSpPr>
+          <p:cNvPr id="32" name="テキスト ボックス 31">
+            <a:extLst>
+              <a:ext uri="{FF2B5EF4-FFF2-40B4-BE49-F238E27FC236}">
+                <a16:creationId xmlns:a16="http://schemas.microsoft.com/office/drawing/2014/main" id="{8F722405-72FF-4034-B3F4-8A5575749DDE}"/>
+              </a:ext>
+            </a:extLst>
+          </p:cNvPr>
+          <p:cNvSpPr txBox="1"/>
+          <p:nvPr/>
+        </p:nvSpPr>
+        <p:spPr>
+          <a:xfrm>
+            <a:off x="8028384" y="3068960"/>
+            <a:ext cx="877163" cy="369332"/>
+          </a:xfrm>
+          <a:prstGeom prst="rect">
+            <a:avLst/>
+          </a:prstGeom>
+          <a:noFill/>
+        </p:spPr>
+        <p:txBody>
+          <a:bodyPr wrap="none" rtlCol="0">
+            <a:spAutoFit/>
+          </a:bodyPr>
+          <a:lstStyle/>
+          <a:p>
+            <a:r>
+              <a:rPr lang="ja-JP" altLang="en-US" dirty="0"/>
+              <a:t>・・・</a:t>
+            </a:r>
+            <a:endParaRPr kumimoji="1" lang="ja-JP" altLang="en-US" dirty="0"/>
+          </a:p>
+        </p:txBody>
+      </p:sp>
+      <p:sp>
+        <p:nvSpPr>
+          <p:cNvPr id="33" name="テキスト ボックス 32">
+            <a:extLst>
+              <a:ext uri="{FF2B5EF4-FFF2-40B4-BE49-F238E27FC236}">
+                <a16:creationId xmlns:a16="http://schemas.microsoft.com/office/drawing/2014/main" id="{5E8FF8B5-7D76-4C99-9257-70C97DA97FC8}"/>
+              </a:ext>
+            </a:extLst>
+          </p:cNvPr>
+          <p:cNvSpPr txBox="1"/>
+          <p:nvPr/>
+        </p:nvSpPr>
+        <p:spPr>
+          <a:xfrm>
+            <a:off x="7956376" y="4005064"/>
+            <a:ext cx="877163" cy="369332"/>
+          </a:xfrm>
+          <a:prstGeom prst="rect">
+            <a:avLst/>
+          </a:prstGeom>
+          <a:noFill/>
+        </p:spPr>
+        <p:txBody>
+          <a:bodyPr wrap="none" rtlCol="0">
+            <a:spAutoFit/>
+          </a:bodyPr>
+          <a:lstStyle/>
+          <a:p>
+            <a:r>
+              <a:rPr lang="ja-JP" altLang="en-US" dirty="0"/>
+              <a:t>・・・</a:t>
+            </a:r>
+            <a:endParaRPr kumimoji="1" lang="ja-JP" altLang="en-US" dirty="0"/>
+          </a:p>
+        </p:txBody>
+      </p:sp>
+      <p:sp>
+        <p:nvSpPr>
+          <p:cNvPr id="34" name="正方形/長方形 33">
+            <a:extLst>
+              <a:ext uri="{FF2B5EF4-FFF2-40B4-BE49-F238E27FC236}">
+                <a16:creationId xmlns:a16="http://schemas.microsoft.com/office/drawing/2014/main" id="{F99D1FDD-B50D-416B-9D3C-D4B71C017DF3}"/>
+              </a:ext>
+            </a:extLst>
+          </p:cNvPr>
+          <p:cNvSpPr/>
+          <p:nvPr/>
+        </p:nvSpPr>
+        <p:spPr>
+          <a:xfrm>
+            <a:off x="2267744" y="4869160"/>
+            <a:ext cx="2880320" cy="432048"/>
+          </a:xfrm>
+          <a:prstGeom prst="rect">
+            <a:avLst/>
+          </a:prstGeom>
+          <a:solidFill>
+            <a:schemeClr val="accent1">
+              <a:lumMod val="20000"/>
+              <a:lumOff val="80000"/>
+            </a:schemeClr>
+          </a:solidFill>
+          <a:ln>
+            <a:solidFill>
+              <a:schemeClr val="tx1"/>
+            </a:solidFill>
+          </a:ln>
+        </p:spPr>
+        <p:style>
+          <a:lnRef idx="2">
+            <a:schemeClr val="accent1">
+              <a:shade val="50000"/>
+            </a:schemeClr>
+          </a:lnRef>
+          <a:fillRef idx="1">
+            <a:schemeClr val="accent1"/>
+          </a:fillRef>
+          <a:effectRef idx="0">
+            <a:schemeClr val="accent1"/>
+          </a:effectRef>
+          <a:fontRef idx="minor">
+            <a:schemeClr val="lt1"/>
+          </a:fontRef>
+        </p:style>
+        <p:txBody>
+          <a:bodyPr rtlCol="0" anchor="ctr"/>
+          <a:lstStyle/>
+          <a:p>
+            <a:pPr algn="ctr"/>
+            <a:endParaRPr kumimoji="1" lang="ja-JP" altLang="en-US"/>
+          </a:p>
+        </p:txBody>
+      </p:sp>
+      <p:sp>
+        <p:nvSpPr>
+          <p:cNvPr id="35" name="正方形/長方形 34">
+            <a:extLst>
+              <a:ext uri="{FF2B5EF4-FFF2-40B4-BE49-F238E27FC236}">
+                <a16:creationId xmlns:a16="http://schemas.microsoft.com/office/drawing/2014/main" id="{BBF8E9D4-980E-4F15-BAA2-45C47A94F759}"/>
+              </a:ext>
+            </a:extLst>
+          </p:cNvPr>
+          <p:cNvSpPr/>
+          <p:nvPr/>
+        </p:nvSpPr>
+        <p:spPr>
+          <a:xfrm>
+            <a:off x="5148064" y="4869160"/>
+            <a:ext cx="2880320" cy="432048"/>
+          </a:xfrm>
+          <a:prstGeom prst="rect">
+            <a:avLst/>
+          </a:prstGeom>
+          <a:solidFill>
+            <a:schemeClr val="accent1">
+              <a:lumMod val="20000"/>
+              <a:lumOff val="80000"/>
+            </a:schemeClr>
+          </a:solidFill>
+          <a:ln>
+            <a:solidFill>
+              <a:schemeClr val="tx1"/>
+            </a:solidFill>
+          </a:ln>
+        </p:spPr>
+        <p:style>
+          <a:lnRef idx="2">
+            <a:schemeClr val="accent1">
+              <a:shade val="50000"/>
+            </a:schemeClr>
+          </a:lnRef>
+          <a:fillRef idx="1">
+            <a:schemeClr val="accent1"/>
+          </a:fillRef>
+          <a:effectRef idx="0">
+            <a:schemeClr val="accent1"/>
+          </a:effectRef>
+          <a:fontRef idx="minor">
+            <a:schemeClr val="lt1"/>
+          </a:fontRef>
+        </p:style>
+        <p:txBody>
+          <a:bodyPr rtlCol="0" anchor="ctr"/>
+          <a:lstStyle/>
+          <a:p>
+            <a:pPr algn="ctr"/>
+            <a:endParaRPr kumimoji="1" lang="ja-JP" altLang="en-US"/>
+          </a:p>
+        </p:txBody>
+      </p:sp>
+      <p:sp>
+        <p:nvSpPr>
+          <p:cNvPr id="36" name="テキスト ボックス 35">
+            <a:extLst>
+              <a:ext uri="{FF2B5EF4-FFF2-40B4-BE49-F238E27FC236}">
+                <a16:creationId xmlns:a16="http://schemas.microsoft.com/office/drawing/2014/main" id="{11917409-8A38-40A0-85DD-CF1B067E6305}"/>
+              </a:ext>
+            </a:extLst>
+          </p:cNvPr>
+          <p:cNvSpPr txBox="1"/>
+          <p:nvPr/>
+        </p:nvSpPr>
+        <p:spPr>
+          <a:xfrm>
+            <a:off x="8028384" y="4869160"/>
+            <a:ext cx="877163" cy="369332"/>
+          </a:xfrm>
+          <a:prstGeom prst="rect">
+            <a:avLst/>
+          </a:prstGeom>
+          <a:noFill/>
+        </p:spPr>
+        <p:txBody>
+          <a:bodyPr wrap="none" rtlCol="0">
+            <a:spAutoFit/>
+          </a:bodyPr>
+          <a:lstStyle/>
+          <a:p>
+            <a:r>
+              <a:rPr lang="ja-JP" altLang="en-US" dirty="0"/>
+              <a:t>・・・</a:t>
+            </a:r>
+            <a:endParaRPr kumimoji="1" lang="ja-JP" altLang="en-US" dirty="0"/>
+          </a:p>
+        </p:txBody>
+      </p:sp>
+      <mc:AlternateContent xmlns:mc="http://schemas.openxmlformats.org/markup-compatibility/2006">
+        <mc:Choice xmlns:a14="http://schemas.microsoft.com/office/drawing/2010/main" Requires="a14">
+          <p:sp>
+            <p:nvSpPr>
+              <p:cNvPr id="37" name="テキスト ボックス 36">
+                <a:extLst>
+                  <a:ext uri="{FF2B5EF4-FFF2-40B4-BE49-F238E27FC236}">
+                    <a16:creationId xmlns:a16="http://schemas.microsoft.com/office/drawing/2014/main" id="{AD270AE2-EFAD-4928-B0BE-7F16F7B9A3AE}"/>
+                  </a:ext>
+                </a:extLst>
+              </p:cNvPr>
+              <p:cNvSpPr txBox="1"/>
+              <p:nvPr/>
+            </p:nvSpPr>
+            <p:spPr>
+              <a:xfrm>
+                <a:off x="179512" y="5661248"/>
+                <a:ext cx="8761950" cy="461665"/>
+              </a:xfrm>
+              <a:prstGeom prst="rect">
+                <a:avLst/>
+              </a:prstGeom>
+              <a:noFill/>
+            </p:spPr>
+            <p:txBody>
+              <a:bodyPr wrap="none" rtlCol="0">
+                <a:spAutoFit/>
+              </a:bodyPr>
+              <a:lstStyle/>
+              <a:p>
+                <a:r>
+                  <a:rPr lang="ja-JP" altLang="en-US" sz="2400" dirty="0"/>
+                  <a:t>各ブロックで期待値</a:t>
+                </a:r>
+                <a14:m>
+                  <m:oMath xmlns:m="http://schemas.openxmlformats.org/officeDocument/2006/math">
+                    <m:sSub>
+                      <m:sSubPr>
+                        <m:ctrlPr>
+                          <a:rPr lang="en-US" altLang="ja-JP" sz="2400" b="0" i="1" smtClean="0">
+                            <a:latin typeface="Cambria Math" panose="02040503050406030204" pitchFamily="18" charset="0"/>
+                          </a:rPr>
+                        </m:ctrlPr>
+                      </m:sSubPr>
+                      <m:e>
+                        <m:r>
+                          <a:rPr lang="en-US" altLang="ja-JP" sz="2400" b="0" i="1" smtClean="0">
+                            <a:latin typeface="Cambria Math" panose="02040503050406030204" pitchFamily="18" charset="0"/>
+                          </a:rPr>
+                          <m:t>𝜇</m:t>
+                        </m:r>
+                      </m:e>
+                      <m:sub>
+                        <m:r>
+                          <a:rPr lang="en-US" altLang="ja-JP" sz="2400" b="0" i="1" smtClean="0">
+                            <a:latin typeface="Cambria Math" panose="02040503050406030204" pitchFamily="18" charset="0"/>
+                          </a:rPr>
+                          <m:t>𝑖</m:t>
+                        </m:r>
+                      </m:sub>
+                    </m:sSub>
+                  </m:oMath>
+                </a14:m>
+                <a:r>
+                  <a:rPr kumimoji="1" lang="ja-JP" altLang="en-US" sz="2400" dirty="0"/>
+                  <a:t>を計算し、その逆数の期待値を計算する</a:t>
+                </a:r>
+              </a:p>
+            </p:txBody>
+          </p:sp>
+        </mc:Choice>
+        <mc:Fallback>
+          <p:sp>
+            <p:nvSpPr>
+              <p:cNvPr id="37" name="テキスト ボックス 36">
+                <a:extLst>
+                  <a:ext uri="{FF2B5EF4-FFF2-40B4-BE49-F238E27FC236}">
+                    <a16:creationId xmlns:a16="http://schemas.microsoft.com/office/drawing/2014/main" id="{AD270AE2-EFAD-4928-B0BE-7F16F7B9A3AE}"/>
+                  </a:ext>
+                </a:extLst>
+              </p:cNvPr>
+              <p:cNvSpPr txBox="1">
+                <a:spLocks noRot="1" noChangeAspect="1" noMove="1" noResize="1" noEditPoints="1" noAdjustHandles="1" noChangeArrowheads="1" noChangeShapeType="1" noTextEdit="1"/>
+              </p:cNvSpPr>
+              <p:nvPr/>
+            </p:nvSpPr>
+            <p:spPr>
+              <a:xfrm>
+                <a:off x="179512" y="5661248"/>
+                <a:ext cx="8761950" cy="461665"/>
+              </a:xfrm>
+              <a:prstGeom prst="rect">
+                <a:avLst/>
+              </a:prstGeom>
+              <a:blipFill>
+                <a:blip r:embed="rId4"/>
+                <a:stretch>
+                  <a:fillRect l="-1043" t="-14667" r="-70" b="-26667"/>
+                </a:stretch>
+              </a:blipFill>
+            </p:spPr>
+            <p:txBody>
+              <a:bodyPr/>
+              <a:lstStyle/>
+              <a:p>
+                <a:r>
+                  <a:rPr lang="ja-JP" altLang="en-US">
+                    <a:noFill/>
+                  </a:rPr>
+                  <a:t> </a:t>
+                </a:r>
+              </a:p>
+            </p:txBody>
+          </p:sp>
+        </mc:Fallback>
+      </mc:AlternateContent>
+    </p:spTree>
+    <p:extLst>
+      <p:ext uri="{BB962C8B-B14F-4D97-AF65-F5344CB8AC3E}">
+        <p14:creationId xmlns:p14="http://schemas.microsoft.com/office/powerpoint/2010/main" val="14563589"/>
+      </p:ext>
+    </p:extLst>
+  </p:cSld>
+  <p:clrMapOvr>
+    <a:masterClrMapping/>
+  </p:clrMapOvr>
+</p:sld>
+</file>
+
+<file path=ppt/slides/slide45.xml><?xml version="1.0" encoding="utf-8"?>
+<p:sld xmlns:a="http://schemas.openxmlformats.org/drawingml/2006/main" xmlns:r="http://schemas.openxmlformats.org/officeDocument/2006/relationships" xmlns:p="http://schemas.openxmlformats.org/presentationml/2006/main">
+  <p:cSld>
+    <p:spTree>
+      <p:nvGrpSpPr>
+        <p:cNvPr id="1" name=""/>
+        <p:cNvGrpSpPr/>
+        <p:nvPr/>
+      </p:nvGrpSpPr>
+      <p:grpSpPr>
+        <a:xfrm>
+          <a:off x="0" y="0"/>
+          <a:ext cx="0" cy="0"/>
+          <a:chOff x="0" y="0"/>
+          <a:chExt cx="0" cy="0"/>
+        </a:xfrm>
+      </p:grpSpPr>
+      <p:sp>
+        <p:nvSpPr>
+          <p:cNvPr id="2" name="テキスト プレースホルダー 1">
+            <a:extLst>
+              <a:ext uri="{FF2B5EF4-FFF2-40B4-BE49-F238E27FC236}">
+                <a16:creationId xmlns:a16="http://schemas.microsoft.com/office/drawing/2014/main" id="{BA404DEA-6785-41D6-A5C5-D0030E4D660E}"/>
+              </a:ext>
+            </a:extLst>
+          </p:cNvPr>
+          <p:cNvSpPr>
+            <a:spLocks noGrp="1"/>
+          </p:cNvSpPr>
+          <p:nvPr>
+            <p:ph type="body" sz="quarter" idx="10"/>
+          </p:nvPr>
+        </p:nvSpPr>
+        <p:spPr/>
+        <p:txBody>
+          <a:bodyPr/>
+          <a:lstStyle/>
+          <a:p>
+            <a:r>
+              <a:rPr kumimoji="1" lang="ja-JP" altLang="en-US" dirty="0"/>
+              <a:t>不偏推定量と</a:t>
+            </a:r>
+            <a:r>
+              <a:rPr kumimoji="1" lang="en-US" altLang="ja-JP" dirty="0"/>
+              <a:t>Jackknife</a:t>
+            </a:r>
+            <a:r>
+              <a:rPr kumimoji="1" lang="ja-JP" altLang="en-US" dirty="0"/>
+              <a:t>法</a:t>
+            </a:r>
+          </a:p>
+        </p:txBody>
+      </p:sp>
+      <p:pic>
+        <p:nvPicPr>
+          <p:cNvPr id="4" name="図 3">
+            <a:extLst>
+              <a:ext uri="{FF2B5EF4-FFF2-40B4-BE49-F238E27FC236}">
+                <a16:creationId xmlns:a16="http://schemas.microsoft.com/office/drawing/2014/main" id="{11E94993-B8C2-461C-AA1F-93AEC9AE4532}"/>
+              </a:ext>
+            </a:extLst>
+          </p:cNvPr>
+          <p:cNvPicPr>
+            <a:picLocks noChangeAspect="1"/>
+          </p:cNvPicPr>
+          <p:nvPr/>
+        </p:nvPicPr>
+        <p:blipFill>
+          <a:blip r:embed="rId2">
+            <a:extLst>
+              <a:ext uri="{28A0092B-C50C-407E-A947-70E740481C1C}">
+                <a14:useLocalDpi xmlns:a14="http://schemas.microsoft.com/office/drawing/2010/main" val="0"/>
+              </a:ext>
+            </a:extLst>
+          </a:blip>
+          <a:stretch>
+            <a:fillRect/>
+          </a:stretch>
+        </p:blipFill>
+        <p:spPr>
+          <a:xfrm>
+            <a:off x="827584" y="1052736"/>
+            <a:ext cx="6120680" cy="4590510"/>
+          </a:xfrm>
+          <a:prstGeom prst="rect">
+            <a:avLst/>
+          </a:prstGeom>
+        </p:spPr>
+      </p:pic>
+      <p:sp>
+        <p:nvSpPr>
+          <p:cNvPr id="5" name="四角形: 角を丸くする 4">
+            <a:extLst>
+              <a:ext uri="{FF2B5EF4-FFF2-40B4-BE49-F238E27FC236}">
+                <a16:creationId xmlns:a16="http://schemas.microsoft.com/office/drawing/2014/main" id="{F9ADBB82-34B8-4B3A-9B5A-39129FF4A3E4}"/>
+              </a:ext>
+            </a:extLst>
+          </p:cNvPr>
+          <p:cNvSpPr/>
+          <p:nvPr/>
+        </p:nvSpPr>
+        <p:spPr>
+          <a:xfrm>
+            <a:off x="1691680" y="1700808"/>
+            <a:ext cx="2160240" cy="3168352"/>
+          </a:xfrm>
+          <a:prstGeom prst="roundRect">
+            <a:avLst>
+              <a:gd name="adj" fmla="val 19297"/>
+            </a:avLst>
+          </a:prstGeom>
+          <a:noFill/>
+          <a:ln w="28575">
+            <a:solidFill>
+              <a:srgbClr val="FF0000"/>
+            </a:solidFill>
+            <a:prstDash val="dash"/>
+          </a:ln>
+        </p:spPr>
+        <p:style>
+          <a:lnRef idx="2">
+            <a:schemeClr val="accent1">
+              <a:shade val="50000"/>
+            </a:schemeClr>
+          </a:lnRef>
+          <a:fillRef idx="1">
+            <a:schemeClr val="accent1"/>
+          </a:fillRef>
+          <a:effectRef idx="0">
+            <a:schemeClr val="accent1"/>
+          </a:effectRef>
+          <a:fontRef idx="minor">
+            <a:schemeClr val="lt1"/>
+          </a:fontRef>
+        </p:style>
+        <p:txBody>
+          <a:bodyPr rtlCol="0" anchor="ctr"/>
+          <a:lstStyle/>
+          <a:p>
+            <a:pPr algn="ctr"/>
+            <a:endParaRPr kumimoji="1" lang="ja-JP" altLang="en-US"/>
+          </a:p>
+        </p:txBody>
+      </p:sp>
+      <mc:AlternateContent xmlns:mc="http://schemas.openxmlformats.org/markup-compatibility/2006">
+        <mc:Choice xmlns:a14="http://schemas.microsoft.com/office/drawing/2010/main" Requires="a14">
+          <p:sp>
+            <p:nvSpPr>
+              <p:cNvPr id="6" name="テキスト ボックス 5">
+                <a:extLst>
+                  <a:ext uri="{FF2B5EF4-FFF2-40B4-BE49-F238E27FC236}">
+                    <a16:creationId xmlns:a16="http://schemas.microsoft.com/office/drawing/2014/main" id="{2A8D7886-1D40-430E-A0B0-239669831F48}"/>
+                  </a:ext>
+                </a:extLst>
+              </p:cNvPr>
+              <p:cNvSpPr txBox="1"/>
+              <p:nvPr/>
+            </p:nvSpPr>
+            <p:spPr>
+              <a:xfrm>
+                <a:off x="4788024" y="3861048"/>
+                <a:ext cx="3495957" cy="461665"/>
+              </a:xfrm>
+              <a:prstGeom prst="rect">
+                <a:avLst/>
+              </a:prstGeom>
+              <a:solidFill>
+                <a:schemeClr val="bg1"/>
+              </a:solidFill>
+              <a:ln>
+                <a:solidFill>
+                  <a:schemeClr val="tx1"/>
+                </a:solidFill>
+              </a:ln>
+            </p:spPr>
+            <p:txBody>
+              <a:bodyPr wrap="none" rtlCol="0">
+                <a:spAutoFit/>
+              </a:bodyPr>
+              <a:lstStyle/>
+              <a:p>
+                <a:r>
+                  <a:rPr kumimoji="1" lang="ja-JP" altLang="en-US" sz="2400" dirty="0"/>
+                  <a:t>明らかに</a:t>
+                </a:r>
+                <a14:m>
+                  <m:oMath xmlns:m="http://schemas.openxmlformats.org/officeDocument/2006/math">
+                    <m:r>
+                      <a:rPr kumimoji="1" lang="en-US" altLang="ja-JP" sz="2400" b="0" i="1" smtClean="0">
+                        <a:latin typeface="Cambria Math" panose="02040503050406030204" pitchFamily="18" charset="0"/>
+                      </a:rPr>
+                      <m:t>𝑁</m:t>
+                    </m:r>
+                  </m:oMath>
+                </a14:m>
+                <a:r>
+                  <a:rPr kumimoji="1" lang="ja-JP" altLang="en-US" sz="2400" dirty="0"/>
+                  <a:t>依存性がある</a:t>
+                </a:r>
+              </a:p>
+            </p:txBody>
+          </p:sp>
+        </mc:Choice>
+        <mc:Fallback>
+          <p:sp>
+            <p:nvSpPr>
+              <p:cNvPr id="6" name="テキスト ボックス 5">
+                <a:extLst>
+                  <a:ext uri="{FF2B5EF4-FFF2-40B4-BE49-F238E27FC236}">
+                    <a16:creationId xmlns:a16="http://schemas.microsoft.com/office/drawing/2014/main" id="{2A8D7886-1D40-430E-A0B0-239669831F48}"/>
+                  </a:ext>
+                </a:extLst>
+              </p:cNvPr>
+              <p:cNvSpPr txBox="1">
+                <a:spLocks noRot="1" noChangeAspect="1" noMove="1" noResize="1" noEditPoints="1" noAdjustHandles="1" noChangeArrowheads="1" noChangeShapeType="1" noTextEdit="1"/>
+              </p:cNvSpPr>
+              <p:nvPr/>
+            </p:nvSpPr>
+            <p:spPr>
+              <a:xfrm>
+                <a:off x="4788024" y="3861048"/>
+                <a:ext cx="3495957" cy="461665"/>
+              </a:xfrm>
+              <a:prstGeom prst="rect">
+                <a:avLst/>
+              </a:prstGeom>
+              <a:blipFill>
+                <a:blip r:embed="rId3"/>
+                <a:stretch>
+                  <a:fillRect l="-2431" t="-12821" r="-1562" b="-23077"/>
+                </a:stretch>
+              </a:blipFill>
+              <a:ln>
+                <a:solidFill>
+                  <a:schemeClr val="tx1"/>
+                </a:solidFill>
+              </a:ln>
+            </p:spPr>
+            <p:txBody>
+              <a:bodyPr/>
+              <a:lstStyle/>
+              <a:p>
+                <a:r>
+                  <a:rPr lang="ja-JP" altLang="en-US">
+                    <a:noFill/>
+                  </a:rPr>
+                  <a:t> </a:t>
+                </a:r>
+              </a:p>
+            </p:txBody>
+          </p:sp>
+        </mc:Fallback>
+      </mc:AlternateContent>
+      <p:cxnSp>
+        <p:nvCxnSpPr>
+          <p:cNvPr id="7" name="コネクタ: カギ線 6">
+            <a:extLst>
+              <a:ext uri="{FF2B5EF4-FFF2-40B4-BE49-F238E27FC236}">
+                <a16:creationId xmlns:a16="http://schemas.microsoft.com/office/drawing/2014/main" id="{0E2B9B46-22AB-44C7-8C5C-98B16B3BA4AC}"/>
+              </a:ext>
+            </a:extLst>
+          </p:cNvPr>
+          <p:cNvCxnSpPr>
+            <a:cxnSpLocks/>
+            <a:stCxn id="6" idx="0"/>
+            <a:endCxn id="5" idx="3"/>
+          </p:cNvCxnSpPr>
+          <p:nvPr/>
+        </p:nvCxnSpPr>
+        <p:spPr>
+          <a:xfrm rot="16200000" flipV="1">
+            <a:off x="4905930" y="2230974"/>
+            <a:ext cx="576064" cy="2684083"/>
+          </a:xfrm>
+          <a:prstGeom prst="bentConnector2">
+            <a:avLst/>
+          </a:prstGeom>
+          <a:ln>
+            <a:solidFill>
+              <a:schemeClr val="tx1"/>
+            </a:solidFill>
+            <a:headEnd type="none" w="med" len="med"/>
+            <a:tailEnd type="triangle"/>
+          </a:ln>
+        </p:spPr>
+        <p:style>
+          <a:lnRef idx="1">
+            <a:schemeClr val="accent1"/>
+          </a:lnRef>
+          <a:fillRef idx="0">
+            <a:schemeClr val="accent1"/>
+          </a:fillRef>
+          <a:effectRef idx="0">
+            <a:schemeClr val="accent1"/>
+          </a:effectRef>
+          <a:fontRef idx="minor">
+            <a:schemeClr val="tx1"/>
+          </a:fontRef>
+        </p:style>
+      </p:cxnSp>
+      <p:sp>
+        <p:nvSpPr>
+          <p:cNvPr id="16" name="テキスト ボックス 15">
+            <a:extLst>
+              <a:ext uri="{FF2B5EF4-FFF2-40B4-BE49-F238E27FC236}">
+                <a16:creationId xmlns:a16="http://schemas.microsoft.com/office/drawing/2014/main" id="{3583ED63-8443-4A20-9095-3D73F48DCE18}"/>
+              </a:ext>
+            </a:extLst>
+          </p:cNvPr>
+          <p:cNvSpPr txBox="1"/>
+          <p:nvPr/>
+        </p:nvSpPr>
+        <p:spPr>
+          <a:xfrm>
+            <a:off x="7452320" y="4725144"/>
+            <a:ext cx="1261884" cy="523220"/>
+          </a:xfrm>
+          <a:prstGeom prst="rect">
+            <a:avLst/>
+          </a:prstGeom>
+          <a:noFill/>
+        </p:spPr>
+        <p:txBody>
+          <a:bodyPr wrap="none" rtlCol="0">
+            <a:spAutoFit/>
+          </a:bodyPr>
+          <a:lstStyle/>
+          <a:p>
+            <a:r>
+              <a:rPr kumimoji="1" lang="ja-JP" altLang="en-US" sz="2800" dirty="0"/>
+              <a:t>厳密解</a:t>
+            </a:r>
+          </a:p>
+        </p:txBody>
+      </p:sp>
+      <p:cxnSp>
+        <p:nvCxnSpPr>
+          <p:cNvPr id="18" name="直線コネクタ 17">
+            <a:extLst>
+              <a:ext uri="{FF2B5EF4-FFF2-40B4-BE49-F238E27FC236}">
+                <a16:creationId xmlns:a16="http://schemas.microsoft.com/office/drawing/2014/main" id="{7F62A78D-F6FC-4EAF-A92C-4E30210C33F7}"/>
+              </a:ext>
+            </a:extLst>
+          </p:cNvPr>
+          <p:cNvCxnSpPr/>
+          <p:nvPr/>
+        </p:nvCxnSpPr>
+        <p:spPr>
+          <a:xfrm>
+            <a:off x="1907704" y="5013176"/>
+            <a:ext cx="4824536" cy="0"/>
+          </a:xfrm>
+          <a:prstGeom prst="line">
+            <a:avLst/>
+          </a:prstGeom>
+          <a:ln w="28575">
+            <a:solidFill>
+              <a:schemeClr val="tx1"/>
+            </a:solidFill>
+            <a:headEnd type="none" w="med" len="med"/>
+            <a:tailEnd type="none" w="med" len="med"/>
+          </a:ln>
+        </p:spPr>
+        <p:style>
+          <a:lnRef idx="1">
+            <a:schemeClr val="accent1"/>
+          </a:lnRef>
+          <a:fillRef idx="0">
+            <a:schemeClr val="accent1"/>
+          </a:fillRef>
+          <a:effectRef idx="0">
+            <a:schemeClr val="accent1"/>
+          </a:effectRef>
+          <a:fontRef idx="minor">
+            <a:schemeClr val="tx1"/>
+          </a:fontRef>
+        </p:style>
+      </p:cxnSp>
+      <p:cxnSp>
+        <p:nvCxnSpPr>
+          <p:cNvPr id="20" name="直線矢印コネクタ 19">
+            <a:extLst>
+              <a:ext uri="{FF2B5EF4-FFF2-40B4-BE49-F238E27FC236}">
+                <a16:creationId xmlns:a16="http://schemas.microsoft.com/office/drawing/2014/main" id="{5A602234-9B79-4D42-B525-D5A33A4CDC4F}"/>
+              </a:ext>
+            </a:extLst>
+          </p:cNvPr>
+          <p:cNvCxnSpPr>
+            <a:stCxn id="16" idx="1"/>
+          </p:cNvCxnSpPr>
+          <p:nvPr/>
+        </p:nvCxnSpPr>
+        <p:spPr>
+          <a:xfrm flipH="1">
+            <a:off x="6804248" y="4986754"/>
+            <a:ext cx="648072" cy="26422"/>
+          </a:xfrm>
+          <a:prstGeom prst="straightConnector1">
+            <a:avLst/>
+          </a:prstGeom>
+          <a:ln>
+            <a:solidFill>
+              <a:schemeClr val="tx1"/>
+            </a:solidFill>
+            <a:headEnd type="none" w="med" len="med"/>
+            <a:tailEnd type="triangle"/>
+          </a:ln>
+        </p:spPr>
+        <p:style>
+          <a:lnRef idx="1">
+            <a:schemeClr val="accent1"/>
+          </a:lnRef>
+          <a:fillRef idx="0">
+            <a:schemeClr val="accent1"/>
+          </a:fillRef>
+          <a:effectRef idx="0">
+            <a:schemeClr val="accent1"/>
+          </a:effectRef>
+          <a:fontRef idx="minor">
+            <a:schemeClr val="tx1"/>
+          </a:fontRef>
+        </p:style>
+      </p:cxnSp>
+      <p:sp>
+        <p:nvSpPr>
+          <p:cNvPr id="21" name="テキスト ボックス 20">
+            <a:extLst>
+              <a:ext uri="{FF2B5EF4-FFF2-40B4-BE49-F238E27FC236}">
+                <a16:creationId xmlns:a16="http://schemas.microsoft.com/office/drawing/2014/main" id="{02D5F0C0-795D-4F14-8EC3-7427D8FFD291}"/>
+              </a:ext>
+            </a:extLst>
+          </p:cNvPr>
+          <p:cNvSpPr txBox="1"/>
+          <p:nvPr/>
+        </p:nvSpPr>
+        <p:spPr>
+          <a:xfrm>
+            <a:off x="395536" y="5877272"/>
+            <a:ext cx="7992888" cy="830997"/>
+          </a:xfrm>
+          <a:prstGeom prst="rect">
+            <a:avLst/>
+          </a:prstGeom>
+          <a:noFill/>
+        </p:spPr>
+        <p:txBody>
+          <a:bodyPr wrap="square" rtlCol="0">
+            <a:spAutoFit/>
+          </a:bodyPr>
+          <a:lstStyle/>
+          <a:p>
+            <a:r>
+              <a:rPr lang="ja-JP" altLang="en-US" sz="2400" dirty="0"/>
+              <a:t>同じデータセットを使っているのに、ブロックサイズが小さいところで挙動</a:t>
+            </a:r>
+            <a:r>
+              <a:rPr kumimoji="1" lang="ja-JP" altLang="en-US" sz="2400" dirty="0"/>
+              <a:t>がおかしい</a:t>
             </a:r>
           </a:p>
         </p:txBody>
@@ -28189,7 +30620,7 @@
     </p:spTree>
     <p:extLst>
       <p:ext uri="{BB962C8B-B14F-4D97-AF65-F5344CB8AC3E}">
-        <p14:creationId xmlns:p14="http://schemas.microsoft.com/office/powerpoint/2010/main" val="14563589"/>
+        <p14:creationId xmlns:p14="http://schemas.microsoft.com/office/powerpoint/2010/main" val="242708876"/>
       </p:ext>
     </p:extLst>
   </p:cSld>
